--- a/doc/JAVA0123.pptx
+++ b/doc/JAVA0123.pptx
@@ -5,7 +5,7 @@
     <p:sldMasterId id="2147483648" r:id="rId1"/>
   </p:sldMasterIdLst>
   <p:notesMasterIdLst>
-    <p:notesMasterId r:id="rId9"/>
+    <p:notesMasterId r:id="rId12"/>
   </p:notesMasterIdLst>
   <p:sldIdLst>
     <p:sldId id="256" r:id="rId2"/>
@@ -15,11 +15,14 @@
     <p:sldId id="291" r:id="rId6"/>
     <p:sldId id="292" r:id="rId7"/>
     <p:sldId id="293" r:id="rId8"/>
+    <p:sldId id="294" r:id="rId9"/>
+    <p:sldId id="295" r:id="rId10"/>
+    <p:sldId id="296" r:id="rId11"/>
   </p:sldIdLst>
   <p:sldSz cx="12192000" cy="6858000"/>
   <p:notesSz cx="6858000" cy="9144000"/>
   <p:custDataLst>
-    <p:tags r:id="rId10"/>
+    <p:tags r:id="rId13"/>
   </p:custDataLst>
   <p:defaultTextStyle>
     <a:defPPr>
@@ -140,6 +143,9 @@
           <p14:sldIdLst>
             <p14:sldId id="292"/>
             <p14:sldId id="293"/>
+            <p14:sldId id="294"/>
+            <p14:sldId id="295"/>
+            <p14:sldId id="296"/>
           </p14:sldIdLst>
         </p14:section>
       </p14:sectionLst>
@@ -550,7 +556,7 @@
           <a:noFill/>
           <a:extLst>
             <a:ext uri="{909E8E84-426E-40dd-AFC4-6F175D3DCCD1}">
-              <a14:hiddenFill xmlns:a14="http://schemas.microsoft.com/office/drawing/2010/main" xmlns="">
+              <a14:hiddenFill xmlns="" xmlns:a14="http://schemas.microsoft.com/office/drawing/2010/main">
                 <a:solidFill>
                   <a:srgbClr val="FFFFFF"/>
                 </a:solidFill>
@@ -610,7 +616,7 @@
             </a:ln>
             <a:extLst>
               <a:ext uri="{91240B29-F687-4f45-9708-019B960494DF}">
-                <a14:hiddenLine xmlns:a14="http://schemas.microsoft.com/office/drawing/2010/main" xmlns="" w="9525">
+                <a14:hiddenLine xmlns="" xmlns:a14="http://schemas.microsoft.com/office/drawing/2010/main" w="9525">
                   <a:solidFill>
                     <a:srgbClr val="000000"/>
                   </a:solidFill>
@@ -707,7 +713,7 @@
             </a:ln>
             <a:extLst>
               <a:ext uri="{91240B29-F687-4f45-9708-019B960494DF}">
-                <a14:hiddenLine xmlns:a14="http://schemas.microsoft.com/office/drawing/2010/main" xmlns="" w="9525">
+                <a14:hiddenLine xmlns="" xmlns:a14="http://schemas.microsoft.com/office/drawing/2010/main" w="9525">
                   <a:solidFill>
                     <a:srgbClr val="000000"/>
                   </a:solidFill>
@@ -804,7 +810,7 @@
             </a:ln>
             <a:extLst>
               <a:ext uri="{91240B29-F687-4f45-9708-019B960494DF}">
-                <a14:hiddenLine xmlns:a14="http://schemas.microsoft.com/office/drawing/2010/main" xmlns="" w="9525">
+                <a14:hiddenLine xmlns="" xmlns:a14="http://schemas.microsoft.com/office/drawing/2010/main" w="9525">
                   <a:solidFill>
                     <a:srgbClr val="000000"/>
                   </a:solidFill>
@@ -845,7 +851,7 @@
             </a:ln>
             <a:extLst>
               <a:ext uri="{91240B29-F687-4f45-9708-019B960494DF}">
-                <a14:hiddenLine xmlns:a14="http://schemas.microsoft.com/office/drawing/2010/main" xmlns="" w="9525">
+                <a14:hiddenLine xmlns="" xmlns:a14="http://schemas.microsoft.com/office/drawing/2010/main" w="9525">
                   <a:solidFill>
                     <a:srgbClr val="000000"/>
                   </a:solidFill>
@@ -942,7 +948,7 @@
             </a:ln>
             <a:extLst>
               <a:ext uri="{91240B29-F687-4f45-9708-019B960494DF}">
-                <a14:hiddenLine xmlns:a14="http://schemas.microsoft.com/office/drawing/2010/main" xmlns="" w="9525">
+                <a14:hiddenLine xmlns="" xmlns:a14="http://schemas.microsoft.com/office/drawing/2010/main" w="9525">
                   <a:solidFill>
                     <a:srgbClr val="000000"/>
                   </a:solidFill>
@@ -1011,7 +1017,7 @@
             </a:ln>
             <a:extLst>
               <a:ext uri="{91240B29-F687-4f45-9708-019B960494DF}">
-                <a14:hiddenLine xmlns:a14="http://schemas.microsoft.com/office/drawing/2010/main" xmlns="" w="9525">
+                <a14:hiddenLine xmlns="" xmlns:a14="http://schemas.microsoft.com/office/drawing/2010/main" w="9525">
                   <a:solidFill>
                     <a:srgbClr val="000000"/>
                   </a:solidFill>
@@ -1080,7 +1086,7 @@
             </a:ln>
             <a:extLst>
               <a:ext uri="{91240B29-F687-4f45-9708-019B960494DF}">
-                <a14:hiddenLine xmlns:a14="http://schemas.microsoft.com/office/drawing/2010/main" xmlns="" w="9525">
+                <a14:hiddenLine xmlns="" xmlns:a14="http://schemas.microsoft.com/office/drawing/2010/main" w="9525">
                   <a:solidFill>
                     <a:srgbClr val="000000"/>
                   </a:solidFill>
@@ -1177,7 +1183,7 @@
             </a:ln>
             <a:extLst>
               <a:ext uri="{91240B29-F687-4f45-9708-019B960494DF}">
-                <a14:hiddenLine xmlns:a14="http://schemas.microsoft.com/office/drawing/2010/main" xmlns="" w="9525">
+                <a14:hiddenLine xmlns="" xmlns:a14="http://schemas.microsoft.com/office/drawing/2010/main" w="9525">
                   <a:solidFill>
                     <a:srgbClr val="000000"/>
                   </a:solidFill>
@@ -1246,7 +1252,7 @@
             </a:ln>
             <a:extLst>
               <a:ext uri="{91240B29-F687-4f45-9708-019B960494DF}">
-                <a14:hiddenLine xmlns:a14="http://schemas.microsoft.com/office/drawing/2010/main" xmlns="" w="9525">
+                <a14:hiddenLine xmlns="" xmlns:a14="http://schemas.microsoft.com/office/drawing/2010/main" w="9525">
                   <a:solidFill>
                     <a:srgbClr val="000000"/>
                   </a:solidFill>
@@ -1315,7 +1321,7 @@
             </a:ln>
             <a:extLst>
               <a:ext uri="{91240B29-F687-4f45-9708-019B960494DF}">
-                <a14:hiddenLine xmlns:a14="http://schemas.microsoft.com/office/drawing/2010/main" xmlns="" w="9525">
+                <a14:hiddenLine xmlns="" xmlns:a14="http://schemas.microsoft.com/office/drawing/2010/main" w="9525">
                   <a:solidFill>
                     <a:srgbClr val="000000"/>
                   </a:solidFill>
@@ -1412,7 +1418,7 @@
             </a:ln>
             <a:extLst>
               <a:ext uri="{91240B29-F687-4f45-9708-019B960494DF}">
-                <a14:hiddenLine xmlns:a14="http://schemas.microsoft.com/office/drawing/2010/main" xmlns="" w="9525">
+                <a14:hiddenLine xmlns="" xmlns:a14="http://schemas.microsoft.com/office/drawing/2010/main" w="9525">
                   <a:solidFill>
                     <a:srgbClr val="000000"/>
                   </a:solidFill>
@@ -1509,7 +1515,7 @@
             </a:ln>
             <a:extLst>
               <a:ext uri="{91240B29-F687-4f45-9708-019B960494DF}">
-                <a14:hiddenLine xmlns:a14="http://schemas.microsoft.com/office/drawing/2010/main" xmlns="" w="9525">
+                <a14:hiddenLine xmlns="" xmlns:a14="http://schemas.microsoft.com/office/drawing/2010/main" w="9525">
                   <a:solidFill>
                     <a:srgbClr val="000000"/>
                   </a:solidFill>
@@ -1578,7 +1584,7 @@
             </a:ln>
             <a:extLst>
               <a:ext uri="{91240B29-F687-4f45-9708-019B960494DF}">
-                <a14:hiddenLine xmlns:a14="http://schemas.microsoft.com/office/drawing/2010/main" xmlns="" w="9525">
+                <a14:hiddenLine xmlns="" xmlns:a14="http://schemas.microsoft.com/office/drawing/2010/main" w="9525">
                   <a:solidFill>
                     <a:srgbClr val="000000"/>
                   </a:solidFill>
@@ -1695,7 +1701,7 @@
             </a:ln>
             <a:extLst>
               <a:ext uri="{91240B29-F687-4f45-9708-019B960494DF}">
-                <a14:hiddenLine xmlns:a14="http://schemas.microsoft.com/office/drawing/2010/main" xmlns="" w="9525">
+                <a14:hiddenLine xmlns="" xmlns:a14="http://schemas.microsoft.com/office/drawing/2010/main" w="9525">
                   <a:solidFill>
                     <a:srgbClr val="000000"/>
                   </a:solidFill>
@@ -1764,7 +1770,7 @@
             </a:ln>
             <a:extLst>
               <a:ext uri="{91240B29-F687-4f45-9708-019B960494DF}">
-                <a14:hiddenLine xmlns:a14="http://schemas.microsoft.com/office/drawing/2010/main" xmlns="" w="9525">
+                <a14:hiddenLine xmlns="" xmlns:a14="http://schemas.microsoft.com/office/drawing/2010/main" w="9525">
                   <a:solidFill>
                     <a:srgbClr val="000000"/>
                   </a:solidFill>
@@ -1861,7 +1867,7 @@
             </a:ln>
             <a:extLst>
               <a:ext uri="{91240B29-F687-4f45-9708-019B960494DF}">
-                <a14:hiddenLine xmlns:a14="http://schemas.microsoft.com/office/drawing/2010/main" xmlns="" w="9525">
+                <a14:hiddenLine xmlns="" xmlns:a14="http://schemas.microsoft.com/office/drawing/2010/main" w="9525">
                   <a:solidFill>
                     <a:srgbClr val="000000"/>
                   </a:solidFill>
@@ -1958,7 +1964,7 @@
             </a:ln>
             <a:extLst>
               <a:ext uri="{91240B29-F687-4f45-9708-019B960494DF}">
-                <a14:hiddenLine xmlns:a14="http://schemas.microsoft.com/office/drawing/2010/main" xmlns="" w="9525">
+                <a14:hiddenLine xmlns="" xmlns:a14="http://schemas.microsoft.com/office/drawing/2010/main" w="9525">
                   <a:solidFill>
                     <a:srgbClr val="000000"/>
                   </a:solidFill>
@@ -2027,7 +2033,7 @@
             </a:ln>
             <a:extLst>
               <a:ext uri="{91240B29-F687-4f45-9708-019B960494DF}">
-                <a14:hiddenLine xmlns:a14="http://schemas.microsoft.com/office/drawing/2010/main" xmlns="" w="9525">
+                <a14:hiddenLine xmlns="" xmlns:a14="http://schemas.microsoft.com/office/drawing/2010/main" w="9525">
                   <a:solidFill>
                     <a:srgbClr val="000000"/>
                   </a:solidFill>
@@ -2124,7 +2130,7 @@
             </a:ln>
             <a:extLst>
               <a:ext uri="{91240B29-F687-4f45-9708-019B960494DF}">
-                <a14:hiddenLine xmlns:a14="http://schemas.microsoft.com/office/drawing/2010/main" xmlns="" w="9525">
+                <a14:hiddenLine xmlns="" xmlns:a14="http://schemas.microsoft.com/office/drawing/2010/main" w="9525">
                   <a:solidFill>
                     <a:srgbClr val="000000"/>
                   </a:solidFill>
@@ -2221,7 +2227,7 @@
             </a:ln>
             <a:extLst>
               <a:ext uri="{91240B29-F687-4f45-9708-019B960494DF}">
-                <a14:hiddenLine xmlns:a14="http://schemas.microsoft.com/office/drawing/2010/main" xmlns="" w="9525">
+                <a14:hiddenLine xmlns="" xmlns:a14="http://schemas.microsoft.com/office/drawing/2010/main" w="9525">
                   <a:solidFill>
                     <a:srgbClr val="000000"/>
                   </a:solidFill>
@@ -2284,7 +2290,7 @@
             </a:ln>
             <a:extLst>
               <a:ext uri="{91240B29-F687-4f45-9708-019B960494DF}">
-                <a14:hiddenLine xmlns:a14="http://schemas.microsoft.com/office/drawing/2010/main" xmlns="" w="9525">
+                <a14:hiddenLine xmlns="" xmlns:a14="http://schemas.microsoft.com/office/drawing/2010/main" w="9525">
                   <a:solidFill>
                     <a:srgbClr val="000000"/>
                   </a:solidFill>
@@ -2381,7 +2387,7 @@
             </a:ln>
             <a:extLst>
               <a:ext uri="{91240B29-F687-4f45-9708-019B960494DF}">
-                <a14:hiddenLine xmlns:a14="http://schemas.microsoft.com/office/drawing/2010/main" xmlns="" w="9525">
+                <a14:hiddenLine xmlns="" xmlns:a14="http://schemas.microsoft.com/office/drawing/2010/main" w="9525">
                   <a:solidFill>
                     <a:srgbClr val="000000"/>
                   </a:solidFill>
@@ -2444,7 +2450,7 @@
             </a:ln>
             <a:extLst>
               <a:ext uri="{91240B29-F687-4f45-9708-019B960494DF}">
-                <a14:hiddenLine xmlns:a14="http://schemas.microsoft.com/office/drawing/2010/main" xmlns="" w="9525">
+                <a14:hiddenLine xmlns="" xmlns:a14="http://schemas.microsoft.com/office/drawing/2010/main" w="9525">
                   <a:solidFill>
                     <a:srgbClr val="000000"/>
                   </a:solidFill>
@@ -2541,7 +2547,7 @@
             </a:ln>
             <a:extLst>
               <a:ext uri="{91240B29-F687-4f45-9708-019B960494DF}">
-                <a14:hiddenLine xmlns:a14="http://schemas.microsoft.com/office/drawing/2010/main" xmlns="" w="9525">
+                <a14:hiddenLine xmlns="" xmlns:a14="http://schemas.microsoft.com/office/drawing/2010/main" w="9525">
                   <a:solidFill>
                     <a:srgbClr val="000000"/>
                   </a:solidFill>
@@ -2616,7 +2622,7 @@
             </a:ln>
             <a:extLst>
               <a:ext uri="{91240B29-F687-4f45-9708-019B960494DF}">
-                <a14:hiddenLine xmlns:a14="http://schemas.microsoft.com/office/drawing/2010/main" xmlns="" w="9525">
+                <a14:hiddenLine xmlns="" xmlns:a14="http://schemas.microsoft.com/office/drawing/2010/main" w="9525">
                   <a:solidFill>
                     <a:srgbClr val="000000"/>
                   </a:solidFill>
@@ -2713,7 +2719,7 @@
             </a:ln>
             <a:extLst>
               <a:ext uri="{91240B29-F687-4f45-9708-019B960494DF}">
-                <a14:hiddenLine xmlns:a14="http://schemas.microsoft.com/office/drawing/2010/main" xmlns="" w="9525">
+                <a14:hiddenLine xmlns="" xmlns:a14="http://schemas.microsoft.com/office/drawing/2010/main" w="9525">
                   <a:solidFill>
                     <a:srgbClr val="000000"/>
                   </a:solidFill>
@@ -2788,7 +2794,7 @@
             </a:ln>
             <a:extLst>
               <a:ext uri="{91240B29-F687-4f45-9708-019B960494DF}">
-                <a14:hiddenLine xmlns:a14="http://schemas.microsoft.com/office/drawing/2010/main" xmlns="" w="9525">
+                <a14:hiddenLine xmlns="" xmlns:a14="http://schemas.microsoft.com/office/drawing/2010/main" w="9525">
                   <a:solidFill>
                     <a:srgbClr val="000000"/>
                   </a:solidFill>
@@ -2885,7 +2891,7 @@
             </a:ln>
             <a:extLst>
               <a:ext uri="{91240B29-F687-4f45-9708-019B960494DF}">
-                <a14:hiddenLine xmlns:a14="http://schemas.microsoft.com/office/drawing/2010/main" xmlns="" w="9525">
+                <a14:hiddenLine xmlns="" xmlns:a14="http://schemas.microsoft.com/office/drawing/2010/main" w="9525">
                   <a:solidFill>
                     <a:srgbClr val="000000"/>
                   </a:solidFill>
@@ -2926,7 +2932,7 @@
             </a:ln>
             <a:extLst>
               <a:ext uri="{91240B29-F687-4f45-9708-019B960494DF}">
-                <a14:hiddenLine xmlns:a14="http://schemas.microsoft.com/office/drawing/2010/main" xmlns="" w="9525">
+                <a14:hiddenLine xmlns="" xmlns:a14="http://schemas.microsoft.com/office/drawing/2010/main" w="9525">
                   <a:solidFill>
                     <a:srgbClr val="000000"/>
                   </a:solidFill>
@@ -3023,7 +3029,7 @@
             </a:ln>
             <a:extLst>
               <a:ext uri="{91240B29-F687-4f45-9708-019B960494DF}">
-                <a14:hiddenLine xmlns:a14="http://schemas.microsoft.com/office/drawing/2010/main" xmlns="" w="9525">
+                <a14:hiddenLine xmlns="" xmlns:a14="http://schemas.microsoft.com/office/drawing/2010/main" w="9525">
                   <a:solidFill>
                     <a:srgbClr val="000000"/>
                   </a:solidFill>
@@ -3092,7 +3098,7 @@
             </a:ln>
             <a:extLst>
               <a:ext uri="{91240B29-F687-4f45-9708-019B960494DF}">
-                <a14:hiddenLine xmlns:a14="http://schemas.microsoft.com/office/drawing/2010/main" xmlns="" w="9525">
+                <a14:hiddenLine xmlns="" xmlns:a14="http://schemas.microsoft.com/office/drawing/2010/main" w="9525">
                   <a:solidFill>
                     <a:srgbClr val="000000"/>
                   </a:solidFill>
@@ -3161,7 +3167,7 @@
             </a:ln>
             <a:extLst>
               <a:ext uri="{91240B29-F687-4f45-9708-019B960494DF}">
-                <a14:hiddenLine xmlns:a14="http://schemas.microsoft.com/office/drawing/2010/main" xmlns="" w="9525">
+                <a14:hiddenLine xmlns="" xmlns:a14="http://schemas.microsoft.com/office/drawing/2010/main" w="9525">
                   <a:solidFill>
                     <a:srgbClr val="000000"/>
                   </a:solidFill>
@@ -3258,7 +3264,7 @@
             </a:ln>
             <a:extLst>
               <a:ext uri="{91240B29-F687-4f45-9708-019B960494DF}">
-                <a14:hiddenLine xmlns:a14="http://schemas.microsoft.com/office/drawing/2010/main" xmlns="" w="9525">
+                <a14:hiddenLine xmlns="" xmlns:a14="http://schemas.microsoft.com/office/drawing/2010/main" w="9525">
                   <a:solidFill>
                     <a:srgbClr val="000000"/>
                   </a:solidFill>
@@ -3333,7 +3339,7 @@
             </a:ln>
             <a:extLst>
               <a:ext uri="{91240B29-F687-4f45-9708-019B960494DF}">
-                <a14:hiddenLine xmlns:a14="http://schemas.microsoft.com/office/drawing/2010/main" xmlns="" w="9525">
+                <a14:hiddenLine xmlns="" xmlns:a14="http://schemas.microsoft.com/office/drawing/2010/main" w="9525">
                   <a:solidFill>
                     <a:srgbClr val="000000"/>
                   </a:solidFill>
@@ -3402,7 +3408,7 @@
             </a:ln>
             <a:extLst>
               <a:ext uri="{91240B29-F687-4f45-9708-019B960494DF}">
-                <a14:hiddenLine xmlns:a14="http://schemas.microsoft.com/office/drawing/2010/main" xmlns="" w="9525">
+                <a14:hiddenLine xmlns="" xmlns:a14="http://schemas.microsoft.com/office/drawing/2010/main" w="9525">
                   <a:solidFill>
                     <a:srgbClr val="000000"/>
                   </a:solidFill>
@@ -3499,7 +3505,7 @@
             </a:ln>
             <a:extLst>
               <a:ext uri="{91240B29-F687-4f45-9708-019B960494DF}">
-                <a14:hiddenLine xmlns:a14="http://schemas.microsoft.com/office/drawing/2010/main" xmlns="" w="9525">
+                <a14:hiddenLine xmlns="" xmlns:a14="http://schemas.microsoft.com/office/drawing/2010/main" w="9525">
                   <a:solidFill>
                     <a:srgbClr val="000000"/>
                   </a:solidFill>
@@ -3568,7 +3574,7 @@
             </a:ln>
             <a:extLst>
               <a:ext uri="{91240B29-F687-4f45-9708-019B960494DF}">
-                <a14:hiddenLine xmlns:a14="http://schemas.microsoft.com/office/drawing/2010/main" xmlns="" w="9525">
+                <a14:hiddenLine xmlns="" xmlns:a14="http://schemas.microsoft.com/office/drawing/2010/main" w="9525">
                   <a:solidFill>
                     <a:srgbClr val="000000"/>
                   </a:solidFill>
@@ -3665,7 +3671,7 @@
             </a:ln>
             <a:extLst>
               <a:ext uri="{91240B29-F687-4f45-9708-019B960494DF}">
-                <a14:hiddenLine xmlns:a14="http://schemas.microsoft.com/office/drawing/2010/main" xmlns="" w="9525">
+                <a14:hiddenLine xmlns="" xmlns:a14="http://schemas.microsoft.com/office/drawing/2010/main" w="9525">
                   <a:solidFill>
                     <a:srgbClr val="000000"/>
                   </a:solidFill>
@@ -3734,7 +3740,7 @@
             </a:ln>
             <a:extLst>
               <a:ext uri="{91240B29-F687-4f45-9708-019B960494DF}">
-                <a14:hiddenLine xmlns:a14="http://schemas.microsoft.com/office/drawing/2010/main" xmlns="" w="9525">
+                <a14:hiddenLine xmlns="" xmlns:a14="http://schemas.microsoft.com/office/drawing/2010/main" w="9525">
                   <a:solidFill>
                     <a:srgbClr val="000000"/>
                   </a:solidFill>
@@ -3831,7 +3837,7 @@
             </a:ln>
             <a:extLst>
               <a:ext uri="{91240B29-F687-4f45-9708-019B960494DF}">
-                <a14:hiddenLine xmlns:a14="http://schemas.microsoft.com/office/drawing/2010/main" xmlns="" w="9525">
+                <a14:hiddenLine xmlns="" xmlns:a14="http://schemas.microsoft.com/office/drawing/2010/main" w="9525">
                   <a:solidFill>
                     <a:srgbClr val="000000"/>
                   </a:solidFill>
@@ -3872,7 +3878,7 @@
             </a:ln>
             <a:extLst>
               <a:ext uri="{91240B29-F687-4f45-9708-019B960494DF}">
-                <a14:hiddenLine xmlns:a14="http://schemas.microsoft.com/office/drawing/2010/main" xmlns="" w="9525">
+                <a14:hiddenLine xmlns="" xmlns:a14="http://schemas.microsoft.com/office/drawing/2010/main" w="9525">
                   <a:solidFill>
                     <a:srgbClr val="000000"/>
                   </a:solidFill>
@@ -3944,7 +3950,7 @@
             </a:ln>
             <a:extLst>
               <a:ext uri="{91240B29-F687-4f45-9708-019B960494DF}">
-                <a14:hiddenLine xmlns:a14="http://schemas.microsoft.com/office/drawing/2010/main" xmlns="" w="9525">
+                <a14:hiddenLine xmlns="" xmlns:a14="http://schemas.microsoft.com/office/drawing/2010/main" w="9525">
                   <a:solidFill>
                     <a:srgbClr val="000000"/>
                   </a:solidFill>
@@ -4041,7 +4047,7 @@
             </a:ln>
             <a:extLst>
               <a:ext uri="{91240B29-F687-4f45-9708-019B960494DF}">
-                <a14:hiddenLine xmlns:a14="http://schemas.microsoft.com/office/drawing/2010/main" xmlns="" w="9525">
+                <a14:hiddenLine xmlns="" xmlns:a14="http://schemas.microsoft.com/office/drawing/2010/main" w="9525">
                   <a:solidFill>
                     <a:srgbClr val="000000"/>
                   </a:solidFill>
@@ -4110,7 +4116,7 @@
             </a:ln>
             <a:extLst>
               <a:ext uri="{91240B29-F687-4f45-9708-019B960494DF}">
-                <a14:hiddenLine xmlns:a14="http://schemas.microsoft.com/office/drawing/2010/main" xmlns="" w="9525">
+                <a14:hiddenLine xmlns="" xmlns:a14="http://schemas.microsoft.com/office/drawing/2010/main" w="9525">
                   <a:solidFill>
                     <a:srgbClr val="000000"/>
                   </a:solidFill>
@@ -4207,7 +4213,7 @@
             </a:ln>
             <a:extLst>
               <a:ext uri="{91240B29-F687-4f45-9708-019B960494DF}">
-                <a14:hiddenLine xmlns:a14="http://schemas.microsoft.com/office/drawing/2010/main" xmlns="" w="9525">
+                <a14:hiddenLine xmlns="" xmlns:a14="http://schemas.microsoft.com/office/drawing/2010/main" w="9525">
                   <a:solidFill>
                     <a:srgbClr val="000000"/>
                   </a:solidFill>
@@ -4304,7 +4310,7 @@
             </a:ln>
             <a:extLst>
               <a:ext uri="{91240B29-F687-4f45-9708-019B960494DF}">
-                <a14:hiddenLine xmlns:a14="http://schemas.microsoft.com/office/drawing/2010/main" xmlns="" w="9525">
+                <a14:hiddenLine xmlns="" xmlns:a14="http://schemas.microsoft.com/office/drawing/2010/main" w="9525">
                   <a:solidFill>
                     <a:srgbClr val="000000"/>
                   </a:solidFill>
@@ -4376,7 +4382,7 @@
             </a:ln>
             <a:extLst>
               <a:ext uri="{91240B29-F687-4f45-9708-019B960494DF}">
-                <a14:hiddenLine xmlns:a14="http://schemas.microsoft.com/office/drawing/2010/main" xmlns="" w="9525">
+                <a14:hiddenLine xmlns="" xmlns:a14="http://schemas.microsoft.com/office/drawing/2010/main" w="9525">
                   <a:solidFill>
                     <a:srgbClr val="000000"/>
                   </a:solidFill>
@@ -4445,7 +4451,7 @@
             </a:ln>
             <a:extLst>
               <a:ext uri="{91240B29-F687-4f45-9708-019B960494DF}">
-                <a14:hiddenLine xmlns:a14="http://schemas.microsoft.com/office/drawing/2010/main" xmlns="" w="9525">
+                <a14:hiddenLine xmlns="" xmlns:a14="http://schemas.microsoft.com/office/drawing/2010/main" w="9525">
                   <a:solidFill>
                     <a:srgbClr val="000000"/>
                   </a:solidFill>
@@ -4542,7 +4548,7 @@
             </a:ln>
             <a:extLst>
               <a:ext uri="{91240B29-F687-4f45-9708-019B960494DF}">
-                <a14:hiddenLine xmlns:a14="http://schemas.microsoft.com/office/drawing/2010/main" xmlns="" w="9525">
+                <a14:hiddenLine xmlns="" xmlns:a14="http://schemas.microsoft.com/office/drawing/2010/main" w="9525">
                   <a:solidFill>
                     <a:srgbClr val="000000"/>
                   </a:solidFill>
@@ -4639,7 +4645,7 @@
             </a:ln>
             <a:extLst>
               <a:ext uri="{91240B29-F687-4f45-9708-019B960494DF}">
-                <a14:hiddenLine xmlns:a14="http://schemas.microsoft.com/office/drawing/2010/main" xmlns="" w="9525">
+                <a14:hiddenLine xmlns="" xmlns:a14="http://schemas.microsoft.com/office/drawing/2010/main" w="9525">
                   <a:solidFill>
                     <a:srgbClr val="000000"/>
                   </a:solidFill>
@@ -4708,7 +4714,7 @@
             </a:ln>
             <a:extLst>
               <a:ext uri="{91240B29-F687-4f45-9708-019B960494DF}">
-                <a14:hiddenLine xmlns:a14="http://schemas.microsoft.com/office/drawing/2010/main" xmlns="" w="9525">
+                <a14:hiddenLine xmlns="" xmlns:a14="http://schemas.microsoft.com/office/drawing/2010/main" w="9525">
                   <a:solidFill>
                     <a:srgbClr val="000000"/>
                   </a:solidFill>
@@ -4835,7 +4841,7 @@
             </a:ln>
             <a:extLst>
               <a:ext uri="{91240B29-F687-4f45-9708-019B960494DF}">
-                <a14:hiddenLine xmlns:a14="http://schemas.microsoft.com/office/drawing/2010/main" xmlns="" w="9525">
+                <a14:hiddenLine xmlns="" xmlns:a14="http://schemas.microsoft.com/office/drawing/2010/main" w="9525">
                   <a:solidFill>
                     <a:srgbClr val="000000"/>
                   </a:solidFill>
@@ -4910,7 +4916,7 @@
             </a:ln>
             <a:extLst>
               <a:ext uri="{91240B29-F687-4f45-9708-019B960494DF}">
-                <a14:hiddenLine xmlns:a14="http://schemas.microsoft.com/office/drawing/2010/main" xmlns="" w="9525">
+                <a14:hiddenLine xmlns="" xmlns:a14="http://schemas.microsoft.com/office/drawing/2010/main" w="9525">
                   <a:solidFill>
                     <a:srgbClr val="000000"/>
                   </a:solidFill>
@@ -5007,7 +5013,7 @@
             </a:ln>
             <a:extLst>
               <a:ext uri="{91240B29-F687-4f45-9708-019B960494DF}">
-                <a14:hiddenLine xmlns:a14="http://schemas.microsoft.com/office/drawing/2010/main" xmlns="" w="9525">
+                <a14:hiddenLine xmlns="" xmlns:a14="http://schemas.microsoft.com/office/drawing/2010/main" w="9525">
                   <a:solidFill>
                     <a:srgbClr val="000000"/>
                   </a:solidFill>
@@ -9736,7 +9742,7 @@
           <a:noFill/>
           <a:extLst>
             <a:ext uri="{909E8E84-426E-40dd-AFC4-6F175D3DCCD1}">
-              <a14:hiddenFill xmlns:a14="http://schemas.microsoft.com/office/drawing/2010/main" xmlns="">
+              <a14:hiddenFill xmlns="" xmlns:a14="http://schemas.microsoft.com/office/drawing/2010/main">
                 <a:solidFill>
                   <a:srgbClr val="FFFFFF"/>
                 </a:solidFill>
@@ -9810,7 +9816,7 @@
               </a:ln>
               <a:extLst>
                 <a:ext uri="{91240B29-F687-4f45-9708-019B960494DF}">
-                  <a14:hiddenLine xmlns:a14="http://schemas.microsoft.com/office/drawing/2010/main" xmlns="" w="9525">
+                  <a14:hiddenLine xmlns="" xmlns:a14="http://schemas.microsoft.com/office/drawing/2010/main" w="9525">
                     <a:solidFill>
                       <a:srgbClr val="000000"/>
                     </a:solidFill>
@@ -9907,7 +9913,7 @@
               </a:ln>
               <a:extLst>
                 <a:ext uri="{91240B29-F687-4f45-9708-019B960494DF}">
-                  <a14:hiddenLine xmlns:a14="http://schemas.microsoft.com/office/drawing/2010/main" xmlns="" w="9525">
+                  <a14:hiddenLine xmlns="" xmlns:a14="http://schemas.microsoft.com/office/drawing/2010/main" w="9525">
                     <a:solidFill>
                       <a:srgbClr val="000000"/>
                     </a:solidFill>
@@ -10004,7 +10010,7 @@
               </a:ln>
               <a:extLst>
                 <a:ext uri="{91240B29-F687-4f45-9708-019B960494DF}">
-                  <a14:hiddenLine xmlns:a14="http://schemas.microsoft.com/office/drawing/2010/main" xmlns="" w="9525">
+                  <a14:hiddenLine xmlns="" xmlns:a14="http://schemas.microsoft.com/office/drawing/2010/main" w="9525">
                     <a:solidFill>
                       <a:srgbClr val="000000"/>
                     </a:solidFill>
@@ -10073,7 +10079,7 @@
               </a:ln>
               <a:extLst>
                 <a:ext uri="{91240B29-F687-4f45-9708-019B960494DF}">
-                  <a14:hiddenLine xmlns:a14="http://schemas.microsoft.com/office/drawing/2010/main" xmlns="" w="9525">
+                  <a14:hiddenLine xmlns="" xmlns:a14="http://schemas.microsoft.com/office/drawing/2010/main" w="9525">
                     <a:solidFill>
                       <a:srgbClr val="000000"/>
                     </a:solidFill>
@@ -10170,7 +10176,7 @@
               </a:ln>
               <a:extLst>
                 <a:ext uri="{91240B29-F687-4f45-9708-019B960494DF}">
-                  <a14:hiddenLine xmlns:a14="http://schemas.microsoft.com/office/drawing/2010/main" xmlns="" w="9525">
+                  <a14:hiddenLine xmlns="" xmlns:a14="http://schemas.microsoft.com/office/drawing/2010/main" w="9525">
                     <a:solidFill>
                       <a:srgbClr val="000000"/>
                     </a:solidFill>
@@ -10239,7 +10245,7 @@
               </a:ln>
               <a:extLst>
                 <a:ext uri="{91240B29-F687-4f45-9708-019B960494DF}">
-                  <a14:hiddenLine xmlns:a14="http://schemas.microsoft.com/office/drawing/2010/main" xmlns="" w="9525">
+                  <a14:hiddenLine xmlns="" xmlns:a14="http://schemas.microsoft.com/office/drawing/2010/main" w="9525">
                     <a:solidFill>
                       <a:srgbClr val="000000"/>
                     </a:solidFill>
@@ -10308,7 +10314,7 @@
               </a:ln>
               <a:extLst>
                 <a:ext uri="{91240B29-F687-4f45-9708-019B960494DF}">
-                  <a14:hiddenLine xmlns:a14="http://schemas.microsoft.com/office/drawing/2010/main" xmlns="" w="9525">
+                  <a14:hiddenLine xmlns="" xmlns:a14="http://schemas.microsoft.com/office/drawing/2010/main" w="9525">
                     <a:solidFill>
                       <a:srgbClr val="000000"/>
                     </a:solidFill>
@@ -10405,7 +10411,7 @@
               </a:ln>
               <a:extLst>
                 <a:ext uri="{91240B29-F687-4f45-9708-019B960494DF}">
-                  <a14:hiddenLine xmlns:a14="http://schemas.microsoft.com/office/drawing/2010/main" xmlns="" w="9525">
+                  <a14:hiddenLine xmlns="" xmlns:a14="http://schemas.microsoft.com/office/drawing/2010/main" w="9525">
                     <a:solidFill>
                       <a:srgbClr val="000000"/>
                     </a:solidFill>
@@ -10502,7 +10508,7 @@
               </a:ln>
               <a:extLst>
                 <a:ext uri="{91240B29-F687-4f45-9708-019B960494DF}">
-                  <a14:hiddenLine xmlns:a14="http://schemas.microsoft.com/office/drawing/2010/main" xmlns="" w="9525">
+                  <a14:hiddenLine xmlns="" xmlns:a14="http://schemas.microsoft.com/office/drawing/2010/main" w="9525">
                     <a:solidFill>
                       <a:srgbClr val="000000"/>
                     </a:solidFill>
@@ -10571,7 +10577,7 @@
               </a:ln>
               <a:extLst>
                 <a:ext uri="{91240B29-F687-4f45-9708-019B960494DF}">
-                  <a14:hiddenLine xmlns:a14="http://schemas.microsoft.com/office/drawing/2010/main" xmlns="" w="9525">
+                  <a14:hiddenLine xmlns="" xmlns:a14="http://schemas.microsoft.com/office/drawing/2010/main" w="9525">
                     <a:solidFill>
                       <a:srgbClr val="000000"/>
                     </a:solidFill>
@@ -10688,7 +10694,7 @@
               </a:ln>
               <a:extLst>
                 <a:ext uri="{91240B29-F687-4f45-9708-019B960494DF}">
-                  <a14:hiddenLine xmlns:a14="http://schemas.microsoft.com/office/drawing/2010/main" xmlns="" w="9525">
+                  <a14:hiddenLine xmlns="" xmlns:a14="http://schemas.microsoft.com/office/drawing/2010/main" w="9525">
                     <a:solidFill>
                       <a:srgbClr val="000000"/>
                     </a:solidFill>
@@ -10786,7 +10792,7 @@
               </a:ln>
               <a:extLst>
                 <a:ext uri="{91240B29-F687-4f45-9708-019B960494DF}">
-                  <a14:hiddenLine xmlns:a14="http://schemas.microsoft.com/office/drawing/2010/main" xmlns="" w="9525">
+                  <a14:hiddenLine xmlns="" xmlns:a14="http://schemas.microsoft.com/office/drawing/2010/main" w="9525">
                     <a:solidFill>
                       <a:srgbClr val="000000"/>
                     </a:solidFill>
@@ -10855,7 +10861,7 @@
               </a:ln>
               <a:extLst>
                 <a:ext uri="{91240B29-F687-4f45-9708-019B960494DF}">
-                  <a14:hiddenLine xmlns:a14="http://schemas.microsoft.com/office/drawing/2010/main" xmlns="" w="9525">
+                  <a14:hiddenLine xmlns="" xmlns:a14="http://schemas.microsoft.com/office/drawing/2010/main" w="9525">
                     <a:solidFill>
                       <a:srgbClr val="000000"/>
                     </a:solidFill>
@@ -10924,7 +10930,7 @@
               </a:ln>
               <a:extLst>
                 <a:ext uri="{91240B29-F687-4f45-9708-019B960494DF}">
-                  <a14:hiddenLine xmlns:a14="http://schemas.microsoft.com/office/drawing/2010/main" xmlns="" w="9525">
+                  <a14:hiddenLine xmlns="" xmlns:a14="http://schemas.microsoft.com/office/drawing/2010/main" w="9525">
                     <a:solidFill>
                       <a:srgbClr val="000000"/>
                     </a:solidFill>
@@ -11021,7 +11027,7 @@
               </a:ln>
               <a:extLst>
                 <a:ext uri="{91240B29-F687-4f45-9708-019B960494DF}">
-                  <a14:hiddenLine xmlns:a14="http://schemas.microsoft.com/office/drawing/2010/main" xmlns="" w="9525">
+                  <a14:hiddenLine xmlns="" xmlns:a14="http://schemas.microsoft.com/office/drawing/2010/main" w="9525">
                     <a:solidFill>
                       <a:srgbClr val="000000"/>
                     </a:solidFill>
@@ -11062,7 +11068,7 @@
               </a:ln>
               <a:extLst>
                 <a:ext uri="{91240B29-F687-4f45-9708-019B960494DF}">
-                  <a14:hiddenLine xmlns:a14="http://schemas.microsoft.com/office/drawing/2010/main" xmlns="" w="9525">
+                  <a14:hiddenLine xmlns="" xmlns:a14="http://schemas.microsoft.com/office/drawing/2010/main" w="9525">
                     <a:solidFill>
                       <a:srgbClr val="000000"/>
                     </a:solidFill>
@@ -11134,7 +11140,7 @@
               </a:ln>
               <a:extLst>
                 <a:ext uri="{91240B29-F687-4f45-9708-019B960494DF}">
-                  <a14:hiddenLine xmlns:a14="http://schemas.microsoft.com/office/drawing/2010/main" xmlns="" w="9525">
+                  <a14:hiddenLine xmlns="" xmlns:a14="http://schemas.microsoft.com/office/drawing/2010/main" w="9525">
                     <a:solidFill>
                       <a:srgbClr val="000000"/>
                     </a:solidFill>
@@ -11231,7 +11237,7 @@
               </a:ln>
               <a:extLst>
                 <a:ext uri="{91240B29-F687-4f45-9708-019B960494DF}">
-                  <a14:hiddenLine xmlns:a14="http://schemas.microsoft.com/office/drawing/2010/main" xmlns="" w="9525">
+                  <a14:hiddenLine xmlns="" xmlns:a14="http://schemas.microsoft.com/office/drawing/2010/main" w="9525">
                     <a:solidFill>
                       <a:srgbClr val="000000"/>
                     </a:solidFill>
@@ -11300,7 +11306,7 @@
               </a:ln>
               <a:extLst>
                 <a:ext uri="{91240B29-F687-4f45-9708-019B960494DF}">
-                  <a14:hiddenLine xmlns:a14="http://schemas.microsoft.com/office/drawing/2010/main" xmlns="" w="9525">
+                  <a14:hiddenLine xmlns="" xmlns:a14="http://schemas.microsoft.com/office/drawing/2010/main" w="9525">
                     <a:solidFill>
                       <a:srgbClr val="000000"/>
                     </a:solidFill>
@@ -11397,7 +11403,7 @@
               </a:ln>
               <a:extLst>
                 <a:ext uri="{91240B29-F687-4f45-9708-019B960494DF}">
-                  <a14:hiddenLine xmlns:a14="http://schemas.microsoft.com/office/drawing/2010/main" xmlns="" w="9525">
+                  <a14:hiddenLine xmlns="" xmlns:a14="http://schemas.microsoft.com/office/drawing/2010/main" w="9525">
                     <a:solidFill>
                       <a:srgbClr val="000000"/>
                     </a:solidFill>
@@ -11469,7 +11475,7 @@
               </a:ln>
               <a:extLst>
                 <a:ext uri="{91240B29-F687-4f45-9708-019B960494DF}">
-                  <a14:hiddenLine xmlns:a14="http://schemas.microsoft.com/office/drawing/2010/main" xmlns="" w="9525">
+                  <a14:hiddenLine xmlns="" xmlns:a14="http://schemas.microsoft.com/office/drawing/2010/main" w="9525">
                     <a:solidFill>
                       <a:srgbClr val="000000"/>
                     </a:solidFill>
@@ -11538,7 +11544,7 @@
               </a:ln>
               <a:extLst>
                 <a:ext uri="{91240B29-F687-4f45-9708-019B960494DF}">
-                  <a14:hiddenLine xmlns:a14="http://schemas.microsoft.com/office/drawing/2010/main" xmlns="" w="9525">
+                  <a14:hiddenLine xmlns="" xmlns:a14="http://schemas.microsoft.com/office/drawing/2010/main" w="9525">
                     <a:solidFill>
                       <a:srgbClr val="000000"/>
                     </a:solidFill>
@@ -11635,7 +11641,7 @@
               </a:ln>
               <a:extLst>
                 <a:ext uri="{91240B29-F687-4f45-9708-019B960494DF}">
-                  <a14:hiddenLine xmlns:a14="http://schemas.microsoft.com/office/drawing/2010/main" xmlns="" w="9525">
+                  <a14:hiddenLine xmlns="" xmlns:a14="http://schemas.microsoft.com/office/drawing/2010/main" w="9525">
                     <a:solidFill>
                       <a:srgbClr val="000000"/>
                     </a:solidFill>
@@ -11732,7 +11738,7 @@
               </a:ln>
               <a:extLst>
                 <a:ext uri="{91240B29-F687-4f45-9708-019B960494DF}">
-                  <a14:hiddenLine xmlns:a14="http://schemas.microsoft.com/office/drawing/2010/main" xmlns="" w="9525">
+                  <a14:hiddenLine xmlns="" xmlns:a14="http://schemas.microsoft.com/office/drawing/2010/main" w="9525">
                     <a:solidFill>
                       <a:srgbClr val="000000"/>
                     </a:solidFill>
@@ -11804,7 +11810,7 @@
               </a:ln>
               <a:extLst>
                 <a:ext uri="{91240B29-F687-4f45-9708-019B960494DF}">
-                  <a14:hiddenLine xmlns:a14="http://schemas.microsoft.com/office/drawing/2010/main" xmlns="" w="9525">
+                  <a14:hiddenLine xmlns="" xmlns:a14="http://schemas.microsoft.com/office/drawing/2010/main" w="9525">
                     <a:solidFill>
                       <a:srgbClr val="000000"/>
                     </a:solidFill>
@@ -11931,7 +11937,7 @@
               </a:ln>
               <a:extLst>
                 <a:ext uri="{91240B29-F687-4f45-9708-019B960494DF}">
-                  <a14:hiddenLine xmlns:a14="http://schemas.microsoft.com/office/drawing/2010/main" xmlns="" w="9525">
+                  <a14:hiddenLine xmlns="" xmlns:a14="http://schemas.microsoft.com/office/drawing/2010/main" w="9525">
                     <a:solidFill>
                       <a:srgbClr val="000000"/>
                     </a:solidFill>
@@ -12036,7 +12042,7 @@
               </a:ln>
               <a:extLst>
                 <a:ext uri="{91240B29-F687-4f45-9708-019B960494DF}">
-                  <a14:hiddenLine xmlns:a14="http://schemas.microsoft.com/office/drawing/2010/main" xmlns="" w="9525">
+                  <a14:hiddenLine xmlns="" xmlns:a14="http://schemas.microsoft.com/office/drawing/2010/main" w="9525">
                     <a:solidFill>
                       <a:srgbClr val="000000"/>
                     </a:solidFill>
@@ -12158,7 +12164,7 @@
               </a:ln>
               <a:extLst>
                 <a:ext uri="{91240B29-F687-4f45-9708-019B960494DF}">
-                  <a14:hiddenLine xmlns:a14="http://schemas.microsoft.com/office/drawing/2010/main" xmlns="" w="9525">
+                  <a14:hiddenLine xmlns="" xmlns:a14="http://schemas.microsoft.com/office/drawing/2010/main" w="9525">
                     <a:solidFill>
                       <a:srgbClr val="000000"/>
                     </a:solidFill>
@@ -12255,7 +12261,7 @@
               </a:ln>
               <a:extLst>
                 <a:ext uri="{91240B29-F687-4f45-9708-019B960494DF}">
-                  <a14:hiddenLine xmlns:a14="http://schemas.microsoft.com/office/drawing/2010/main" xmlns="" w="9525">
+                  <a14:hiddenLine xmlns="" xmlns:a14="http://schemas.microsoft.com/office/drawing/2010/main" w="9525">
                     <a:solidFill>
                       <a:srgbClr val="000000"/>
                     </a:solidFill>
@@ -12327,7 +12333,7 @@
               </a:ln>
               <a:extLst>
                 <a:ext uri="{91240B29-F687-4f45-9708-019B960494DF}">
-                  <a14:hiddenLine xmlns:a14="http://schemas.microsoft.com/office/drawing/2010/main" xmlns="" w="9525">
+                  <a14:hiddenLine xmlns="" xmlns:a14="http://schemas.microsoft.com/office/drawing/2010/main" w="9525">
                     <a:solidFill>
                       <a:srgbClr val="000000"/>
                     </a:solidFill>
@@ -12424,7 +12430,7 @@
               </a:ln>
               <a:extLst>
                 <a:ext uri="{91240B29-F687-4f45-9708-019B960494DF}">
-                  <a14:hiddenLine xmlns:a14="http://schemas.microsoft.com/office/drawing/2010/main" xmlns="" w="9525">
+                  <a14:hiddenLine xmlns="" xmlns:a14="http://schemas.microsoft.com/office/drawing/2010/main" w="9525">
                     <a:solidFill>
                       <a:srgbClr val="000000"/>
                     </a:solidFill>
@@ -12499,7 +12505,7 @@
               </a:ln>
               <a:extLst>
                 <a:ext uri="{91240B29-F687-4f45-9708-019B960494DF}">
-                  <a14:hiddenLine xmlns:a14="http://schemas.microsoft.com/office/drawing/2010/main" xmlns="" w="9525">
+                  <a14:hiddenLine xmlns="" xmlns:a14="http://schemas.microsoft.com/office/drawing/2010/main" w="9525">
                     <a:solidFill>
                       <a:srgbClr val="000000"/>
                     </a:solidFill>
@@ -12596,7 +12602,7 @@
               </a:ln>
               <a:extLst>
                 <a:ext uri="{91240B29-F687-4f45-9708-019B960494DF}">
-                  <a14:hiddenLine xmlns:a14="http://schemas.microsoft.com/office/drawing/2010/main" xmlns="" w="9525">
+                  <a14:hiddenLine xmlns="" xmlns:a14="http://schemas.microsoft.com/office/drawing/2010/main" w="9525">
                     <a:solidFill>
                       <a:srgbClr val="000000"/>
                     </a:solidFill>
@@ -12671,7 +12677,7 @@
               </a:ln>
               <a:extLst>
                 <a:ext uri="{91240B29-F687-4f45-9708-019B960494DF}">
-                  <a14:hiddenLine xmlns:a14="http://schemas.microsoft.com/office/drawing/2010/main" xmlns="" w="9525">
+                  <a14:hiddenLine xmlns="" xmlns:a14="http://schemas.microsoft.com/office/drawing/2010/main" w="9525">
                     <a:solidFill>
                       <a:srgbClr val="000000"/>
                     </a:solidFill>
@@ -12768,7 +12774,7 @@
               </a:ln>
               <a:extLst>
                 <a:ext uri="{91240B29-F687-4f45-9708-019B960494DF}">
-                  <a14:hiddenLine xmlns:a14="http://schemas.microsoft.com/office/drawing/2010/main" xmlns="" w="9525">
+                  <a14:hiddenLine xmlns="" xmlns:a14="http://schemas.microsoft.com/office/drawing/2010/main" w="9525">
                     <a:solidFill>
                       <a:srgbClr val="000000"/>
                     </a:solidFill>
@@ -12809,7 +12815,7 @@
               </a:ln>
               <a:extLst>
                 <a:ext uri="{91240B29-F687-4f45-9708-019B960494DF}">
-                  <a14:hiddenLine xmlns:a14="http://schemas.microsoft.com/office/drawing/2010/main" xmlns="" w="9525">
+                  <a14:hiddenLine xmlns="" xmlns:a14="http://schemas.microsoft.com/office/drawing/2010/main" w="9525">
                     <a:solidFill>
                       <a:srgbClr val="000000"/>
                     </a:solidFill>
@@ -13440,6 +13446,86 @@
 </p:sld>
 </file>
 
+<file path=ppt/slides/slide10.xml><?xml version="1.0" encoding="utf-8"?>
+<p:sld xmlns:a="http://schemas.openxmlformats.org/drawingml/2006/main" xmlns:r="http://schemas.openxmlformats.org/officeDocument/2006/relationships" xmlns:p="http://schemas.openxmlformats.org/presentationml/2006/main">
+  <p:cSld>
+    <p:spTree>
+      <p:nvGrpSpPr>
+        <p:cNvPr id="1" name=""/>
+        <p:cNvGrpSpPr/>
+        <p:nvPr/>
+      </p:nvGrpSpPr>
+      <p:grpSpPr>
+        <a:xfrm>
+          <a:off x="0" y="0"/>
+          <a:ext cx="0" cy="0"/>
+          <a:chOff x="0" y="0"/>
+          <a:chExt cx="0" cy="0"/>
+        </a:xfrm>
+      </p:grpSpPr>
+      <p:sp>
+        <p:nvSpPr>
+          <p:cNvPr id="2" name="標題 1">
+            <a:extLst>
+              <a:ext uri="{FF2B5EF4-FFF2-40B4-BE49-F238E27FC236}">
+                <a16:creationId xmlns:a16="http://schemas.microsoft.com/office/drawing/2014/main" id="{8EA31DBC-59D1-7AB9-8CB6-B16595392831}"/>
+              </a:ext>
+            </a:extLst>
+          </p:cNvPr>
+          <p:cNvSpPr>
+            <a:spLocks noGrp="1"/>
+          </p:cNvSpPr>
+          <p:nvPr>
+            <p:ph type="title"/>
+          </p:nvPr>
+        </p:nvSpPr>
+        <p:spPr/>
+        <p:txBody>
+          <a:bodyPr/>
+          <a:lstStyle/>
+          <a:p>
+            <a:endParaRPr lang="zh-TW" altLang="en-US" dirty="0"/>
+          </a:p>
+        </p:txBody>
+      </p:sp>
+      <p:sp>
+        <p:nvSpPr>
+          <p:cNvPr id="3" name="內容版面配置區 2">
+            <a:extLst>
+              <a:ext uri="{FF2B5EF4-FFF2-40B4-BE49-F238E27FC236}">
+                <a16:creationId xmlns:a16="http://schemas.microsoft.com/office/drawing/2014/main" id="{933B60C8-9D71-E77D-B7E1-783BA5F4D754}"/>
+              </a:ext>
+            </a:extLst>
+          </p:cNvPr>
+          <p:cNvSpPr>
+            <a:spLocks noGrp="1"/>
+          </p:cNvSpPr>
+          <p:nvPr>
+            <p:ph idx="1"/>
+          </p:nvPr>
+        </p:nvSpPr>
+        <p:spPr/>
+        <p:txBody>
+          <a:bodyPr/>
+          <a:lstStyle/>
+          <a:p>
+            <a:endParaRPr lang="zh-TW" altLang="en-US"/>
+          </a:p>
+        </p:txBody>
+      </p:sp>
+    </p:spTree>
+    <p:extLst>
+      <p:ext uri="{BB962C8B-B14F-4D97-AF65-F5344CB8AC3E}">
+        <p14:creationId xmlns:p14="http://schemas.microsoft.com/office/powerpoint/2010/main" val="1408108669"/>
+      </p:ext>
+    </p:extLst>
+  </p:cSld>
+  <p:clrMapOvr>
+    <a:masterClrMapping/>
+  </p:clrMapOvr>
+</p:sld>
+</file>
+
 <file path=ppt/slides/slide2.xml><?xml version="1.0" encoding="utf-8"?>
 <p:sld xmlns:a="http://schemas.openxmlformats.org/drawingml/2006/main" xmlns:r="http://schemas.openxmlformats.org/officeDocument/2006/relationships" xmlns:p="http://schemas.openxmlformats.org/presentationml/2006/main">
   <p:cSld>
@@ -13513,7 +13599,7 @@
           <a:noFill/>
           <a:extLst>
             <a:ext uri="{909E8E84-426E-40dd-AFC4-6F175D3DCCD1}">
-              <a14:hiddenFill xmlns:a14="http://schemas.microsoft.com/office/drawing/2010/main" xmlns:p14="http://schemas.microsoft.com/office/powerpoint/2010/main" xmlns:a16="http://schemas.microsoft.com/office/drawing/2014/main" xmlns="">
+              <a14:hiddenFill xmlns="" xmlns:a16="http://schemas.microsoft.com/office/drawing/2014/main" xmlns:p14="http://schemas.microsoft.com/office/powerpoint/2010/main" xmlns:a14="http://schemas.microsoft.com/office/drawing/2010/main">
                 <a:solidFill>
                   <a:srgbClr val="FFFFFF"/>
                 </a:solidFill>
@@ -13605,7 +13691,7 @@
             </a:ln>
             <a:extLst>
               <a:ext uri="{91240B29-F687-4f45-9708-019B960494DF}">
-                <a14:hiddenLine xmlns:a14="http://schemas.microsoft.com/office/drawing/2010/main" xmlns:p14="http://schemas.microsoft.com/office/powerpoint/2010/main" xmlns:a16="http://schemas.microsoft.com/office/drawing/2014/main" xmlns="" w="9525">
+                <a14:hiddenLine xmlns="" xmlns:a16="http://schemas.microsoft.com/office/drawing/2014/main" xmlns:p14="http://schemas.microsoft.com/office/powerpoint/2010/main" xmlns:a14="http://schemas.microsoft.com/office/drawing/2010/main" w="9525">
                   <a:solidFill>
                     <a:srgbClr val="000000"/>
                   </a:solidFill>
@@ -13717,7 +13803,7 @@
             </a:ln>
             <a:extLst>
               <a:ext uri="{91240B29-F687-4f45-9708-019B960494DF}">
-                <a14:hiddenLine xmlns:a14="http://schemas.microsoft.com/office/drawing/2010/main" xmlns:p14="http://schemas.microsoft.com/office/powerpoint/2010/main" xmlns:a16="http://schemas.microsoft.com/office/drawing/2014/main" xmlns="" w="9525">
+                <a14:hiddenLine xmlns="" xmlns:a16="http://schemas.microsoft.com/office/drawing/2014/main" xmlns:p14="http://schemas.microsoft.com/office/powerpoint/2010/main" xmlns:a14="http://schemas.microsoft.com/office/drawing/2010/main" w="9525">
                   <a:solidFill>
                     <a:srgbClr val="000000"/>
                   </a:solidFill>
@@ -13829,7 +13915,7 @@
             </a:ln>
             <a:extLst>
               <a:ext uri="{91240B29-F687-4f45-9708-019B960494DF}">
-                <a14:hiddenLine xmlns:a14="http://schemas.microsoft.com/office/drawing/2010/main" xmlns:p14="http://schemas.microsoft.com/office/powerpoint/2010/main" xmlns:a16="http://schemas.microsoft.com/office/drawing/2014/main" xmlns="" w="9525">
+                <a14:hiddenLine xmlns="" xmlns:a16="http://schemas.microsoft.com/office/drawing/2014/main" xmlns:p14="http://schemas.microsoft.com/office/powerpoint/2010/main" xmlns:a14="http://schemas.microsoft.com/office/drawing/2010/main" w="9525">
                   <a:solidFill>
                     <a:srgbClr val="000000"/>
                   </a:solidFill>
@@ -13885,7 +13971,7 @@
             </a:ln>
             <a:extLst>
               <a:ext uri="{91240B29-F687-4f45-9708-019B960494DF}">
-                <a14:hiddenLine xmlns:a14="http://schemas.microsoft.com/office/drawing/2010/main" xmlns:p14="http://schemas.microsoft.com/office/powerpoint/2010/main" xmlns:a16="http://schemas.microsoft.com/office/drawing/2014/main" xmlns="" w="9525">
+                <a14:hiddenLine xmlns="" xmlns:a16="http://schemas.microsoft.com/office/drawing/2014/main" xmlns:p14="http://schemas.microsoft.com/office/powerpoint/2010/main" xmlns:a14="http://schemas.microsoft.com/office/drawing/2010/main" w="9525">
                   <a:solidFill>
                     <a:srgbClr val="000000"/>
                   </a:solidFill>
@@ -13997,7 +14083,7 @@
             </a:ln>
             <a:extLst>
               <a:ext uri="{91240B29-F687-4f45-9708-019B960494DF}">
-                <a14:hiddenLine xmlns:a14="http://schemas.microsoft.com/office/drawing/2010/main" xmlns:p14="http://schemas.microsoft.com/office/powerpoint/2010/main" xmlns:a16="http://schemas.microsoft.com/office/drawing/2014/main" xmlns="" w="9525">
+                <a14:hiddenLine xmlns="" xmlns:a16="http://schemas.microsoft.com/office/drawing/2014/main" xmlns:p14="http://schemas.microsoft.com/office/powerpoint/2010/main" xmlns:a14="http://schemas.microsoft.com/office/drawing/2010/main" w="9525">
                   <a:solidFill>
                     <a:srgbClr val="000000"/>
                   </a:solidFill>
@@ -14081,7 +14167,7 @@
             </a:ln>
             <a:extLst>
               <a:ext uri="{91240B29-F687-4f45-9708-019B960494DF}">
-                <a14:hiddenLine xmlns:a14="http://schemas.microsoft.com/office/drawing/2010/main" xmlns:p14="http://schemas.microsoft.com/office/powerpoint/2010/main" xmlns:a16="http://schemas.microsoft.com/office/drawing/2014/main" xmlns="" w="9525">
+                <a14:hiddenLine xmlns="" xmlns:a16="http://schemas.microsoft.com/office/drawing/2014/main" xmlns:p14="http://schemas.microsoft.com/office/powerpoint/2010/main" xmlns:a14="http://schemas.microsoft.com/office/drawing/2010/main" w="9525">
                   <a:solidFill>
                     <a:srgbClr val="000000"/>
                   </a:solidFill>
@@ -14165,7 +14251,7 @@
             </a:ln>
             <a:extLst>
               <a:ext uri="{91240B29-F687-4f45-9708-019B960494DF}">
-                <a14:hiddenLine xmlns:a14="http://schemas.microsoft.com/office/drawing/2010/main" xmlns:p14="http://schemas.microsoft.com/office/powerpoint/2010/main" xmlns:a16="http://schemas.microsoft.com/office/drawing/2014/main" xmlns="" w="9525">
+                <a14:hiddenLine xmlns="" xmlns:a16="http://schemas.microsoft.com/office/drawing/2014/main" xmlns:p14="http://schemas.microsoft.com/office/powerpoint/2010/main" xmlns:a14="http://schemas.microsoft.com/office/drawing/2010/main" w="9525">
                   <a:solidFill>
                     <a:srgbClr val="000000"/>
                   </a:solidFill>
@@ -14277,7 +14363,7 @@
             </a:ln>
             <a:extLst>
               <a:ext uri="{91240B29-F687-4f45-9708-019B960494DF}">
-                <a14:hiddenLine xmlns:a14="http://schemas.microsoft.com/office/drawing/2010/main" xmlns:p14="http://schemas.microsoft.com/office/powerpoint/2010/main" xmlns:a16="http://schemas.microsoft.com/office/drawing/2014/main" xmlns="" w="9525">
+                <a14:hiddenLine xmlns="" xmlns:a16="http://schemas.microsoft.com/office/drawing/2014/main" xmlns:p14="http://schemas.microsoft.com/office/powerpoint/2010/main" xmlns:a14="http://schemas.microsoft.com/office/drawing/2010/main" w="9525">
                   <a:solidFill>
                     <a:srgbClr val="000000"/>
                   </a:solidFill>
@@ -14361,7 +14447,7 @@
             </a:ln>
             <a:extLst>
               <a:ext uri="{91240B29-F687-4f45-9708-019B960494DF}">
-                <a14:hiddenLine xmlns:a14="http://schemas.microsoft.com/office/drawing/2010/main" xmlns:p14="http://schemas.microsoft.com/office/powerpoint/2010/main" xmlns:a16="http://schemas.microsoft.com/office/drawing/2014/main" xmlns="" w="9525">
+                <a14:hiddenLine xmlns="" xmlns:a16="http://schemas.microsoft.com/office/drawing/2014/main" xmlns:p14="http://schemas.microsoft.com/office/powerpoint/2010/main" xmlns:a14="http://schemas.microsoft.com/office/drawing/2010/main" w="9525">
                   <a:solidFill>
                     <a:srgbClr val="000000"/>
                   </a:solidFill>
@@ -14445,7 +14531,7 @@
             </a:ln>
             <a:extLst>
               <a:ext uri="{91240B29-F687-4f45-9708-019B960494DF}">
-                <a14:hiddenLine xmlns:a14="http://schemas.microsoft.com/office/drawing/2010/main" xmlns:p14="http://schemas.microsoft.com/office/powerpoint/2010/main" xmlns:a16="http://schemas.microsoft.com/office/drawing/2014/main" xmlns="" w="9525">
+                <a14:hiddenLine xmlns="" xmlns:a16="http://schemas.microsoft.com/office/drawing/2014/main" xmlns:p14="http://schemas.microsoft.com/office/powerpoint/2010/main" xmlns:a14="http://schemas.microsoft.com/office/drawing/2010/main" w="9525">
                   <a:solidFill>
                     <a:srgbClr val="000000"/>
                   </a:solidFill>
@@ -14557,7 +14643,7 @@
             </a:ln>
             <a:extLst>
               <a:ext uri="{91240B29-F687-4f45-9708-019B960494DF}">
-                <a14:hiddenLine xmlns:a14="http://schemas.microsoft.com/office/drawing/2010/main" xmlns:p14="http://schemas.microsoft.com/office/powerpoint/2010/main" xmlns:a16="http://schemas.microsoft.com/office/drawing/2014/main" xmlns="" w="9525">
+                <a14:hiddenLine xmlns="" xmlns:a16="http://schemas.microsoft.com/office/drawing/2014/main" xmlns:p14="http://schemas.microsoft.com/office/powerpoint/2010/main" xmlns:a14="http://schemas.microsoft.com/office/drawing/2010/main" w="9525">
                   <a:solidFill>
                     <a:srgbClr val="000000"/>
                   </a:solidFill>
@@ -14669,7 +14755,7 @@
             </a:ln>
             <a:extLst>
               <a:ext uri="{91240B29-F687-4f45-9708-019B960494DF}">
-                <a14:hiddenLine xmlns:a14="http://schemas.microsoft.com/office/drawing/2010/main" xmlns:p14="http://schemas.microsoft.com/office/powerpoint/2010/main" xmlns:a16="http://schemas.microsoft.com/office/drawing/2014/main" xmlns="" w="9525">
+                <a14:hiddenLine xmlns="" xmlns:a16="http://schemas.microsoft.com/office/drawing/2014/main" xmlns:p14="http://schemas.microsoft.com/office/powerpoint/2010/main" xmlns:a14="http://schemas.microsoft.com/office/drawing/2010/main" w="9525">
                   <a:solidFill>
                     <a:srgbClr val="000000"/>
                   </a:solidFill>
@@ -14753,7 +14839,7 @@
             </a:ln>
             <a:extLst>
               <a:ext uri="{91240B29-F687-4f45-9708-019B960494DF}">
-                <a14:hiddenLine xmlns:a14="http://schemas.microsoft.com/office/drawing/2010/main" xmlns:p14="http://schemas.microsoft.com/office/powerpoint/2010/main" xmlns:a16="http://schemas.microsoft.com/office/drawing/2014/main" xmlns="" w="9525">
+                <a14:hiddenLine xmlns="" xmlns:a16="http://schemas.microsoft.com/office/drawing/2014/main" xmlns:p14="http://schemas.microsoft.com/office/powerpoint/2010/main" xmlns:a14="http://schemas.microsoft.com/office/drawing/2010/main" w="9525">
                   <a:solidFill>
                     <a:srgbClr val="000000"/>
                   </a:solidFill>
@@ -14885,7 +14971,7 @@
             </a:ln>
             <a:extLst>
               <a:ext uri="{91240B29-F687-4f45-9708-019B960494DF}">
-                <a14:hiddenLine xmlns:a14="http://schemas.microsoft.com/office/drawing/2010/main" xmlns:p14="http://schemas.microsoft.com/office/powerpoint/2010/main" xmlns:a16="http://schemas.microsoft.com/office/drawing/2014/main" xmlns="" w="9525">
+                <a14:hiddenLine xmlns="" xmlns:a16="http://schemas.microsoft.com/office/drawing/2014/main" xmlns:p14="http://schemas.microsoft.com/office/powerpoint/2010/main" xmlns:a14="http://schemas.microsoft.com/office/drawing/2010/main" w="9525">
                   <a:solidFill>
                     <a:srgbClr val="000000"/>
                   </a:solidFill>
@@ -14969,7 +15055,7 @@
             </a:ln>
             <a:extLst>
               <a:ext uri="{91240B29-F687-4f45-9708-019B960494DF}">
-                <a14:hiddenLine xmlns:a14="http://schemas.microsoft.com/office/drawing/2010/main" xmlns:p14="http://schemas.microsoft.com/office/powerpoint/2010/main" xmlns:a16="http://schemas.microsoft.com/office/drawing/2014/main" xmlns="" w="9525">
+                <a14:hiddenLine xmlns="" xmlns:a16="http://schemas.microsoft.com/office/drawing/2014/main" xmlns:p14="http://schemas.microsoft.com/office/powerpoint/2010/main" xmlns:a14="http://schemas.microsoft.com/office/drawing/2010/main" w="9525">
                   <a:solidFill>
                     <a:srgbClr val="000000"/>
                   </a:solidFill>
@@ -15081,7 +15167,7 @@
             </a:ln>
             <a:extLst>
               <a:ext uri="{91240B29-F687-4f45-9708-019B960494DF}">
-                <a14:hiddenLine xmlns:a14="http://schemas.microsoft.com/office/drawing/2010/main" xmlns:p14="http://schemas.microsoft.com/office/powerpoint/2010/main" xmlns:a16="http://schemas.microsoft.com/office/drawing/2014/main" xmlns="" w="9525">
+                <a14:hiddenLine xmlns="" xmlns:a16="http://schemas.microsoft.com/office/drawing/2014/main" xmlns:p14="http://schemas.microsoft.com/office/powerpoint/2010/main" xmlns:a14="http://schemas.microsoft.com/office/drawing/2010/main" w="9525">
                   <a:solidFill>
                     <a:srgbClr val="000000"/>
                   </a:solidFill>
@@ -15193,7 +15279,7 @@
             </a:ln>
             <a:extLst>
               <a:ext uri="{91240B29-F687-4f45-9708-019B960494DF}">
-                <a14:hiddenLine xmlns:a14="http://schemas.microsoft.com/office/drawing/2010/main" xmlns:p14="http://schemas.microsoft.com/office/powerpoint/2010/main" xmlns:a16="http://schemas.microsoft.com/office/drawing/2014/main" xmlns="" w="9525">
+                <a14:hiddenLine xmlns="" xmlns:a16="http://schemas.microsoft.com/office/drawing/2014/main" xmlns:p14="http://schemas.microsoft.com/office/powerpoint/2010/main" xmlns:a14="http://schemas.microsoft.com/office/drawing/2010/main" w="9525">
                   <a:solidFill>
                     <a:srgbClr val="000000"/>
                   </a:solidFill>
@@ -15277,7 +15363,7 @@
             </a:ln>
             <a:extLst>
               <a:ext uri="{91240B29-F687-4f45-9708-019B960494DF}">
-                <a14:hiddenLine xmlns:a14="http://schemas.microsoft.com/office/drawing/2010/main" xmlns:p14="http://schemas.microsoft.com/office/powerpoint/2010/main" xmlns:a16="http://schemas.microsoft.com/office/drawing/2014/main" xmlns="" w="9525">
+                <a14:hiddenLine xmlns="" xmlns:a16="http://schemas.microsoft.com/office/drawing/2014/main" xmlns:p14="http://schemas.microsoft.com/office/powerpoint/2010/main" xmlns:a14="http://schemas.microsoft.com/office/drawing/2010/main" w="9525">
                   <a:solidFill>
                     <a:srgbClr val="000000"/>
                   </a:solidFill>
@@ -15389,7 +15475,7 @@
             </a:ln>
             <a:extLst>
               <a:ext uri="{91240B29-F687-4f45-9708-019B960494DF}">
-                <a14:hiddenLine xmlns:a14="http://schemas.microsoft.com/office/drawing/2010/main" xmlns:p14="http://schemas.microsoft.com/office/powerpoint/2010/main" xmlns:a16="http://schemas.microsoft.com/office/drawing/2014/main" xmlns="" w="9525">
+                <a14:hiddenLine xmlns="" xmlns:a16="http://schemas.microsoft.com/office/drawing/2014/main" xmlns:p14="http://schemas.microsoft.com/office/powerpoint/2010/main" xmlns:a14="http://schemas.microsoft.com/office/drawing/2010/main" w="9525">
                   <a:solidFill>
                     <a:srgbClr val="000000"/>
                   </a:solidFill>
@@ -15501,7 +15587,7 @@
             </a:ln>
             <a:extLst>
               <a:ext uri="{91240B29-F687-4f45-9708-019B960494DF}">
-                <a14:hiddenLine xmlns:a14="http://schemas.microsoft.com/office/drawing/2010/main" xmlns:p14="http://schemas.microsoft.com/office/powerpoint/2010/main" xmlns:a16="http://schemas.microsoft.com/office/drawing/2014/main" xmlns="" w="9525">
+                <a14:hiddenLine xmlns="" xmlns:a16="http://schemas.microsoft.com/office/drawing/2014/main" xmlns:p14="http://schemas.microsoft.com/office/powerpoint/2010/main" xmlns:a14="http://schemas.microsoft.com/office/drawing/2010/main" w="9525">
                   <a:solidFill>
                     <a:srgbClr val="000000"/>
                   </a:solidFill>
@@ -15579,7 +15665,7 @@
             </a:ln>
             <a:extLst>
               <a:ext uri="{91240B29-F687-4f45-9708-019B960494DF}">
-                <a14:hiddenLine xmlns:a14="http://schemas.microsoft.com/office/drawing/2010/main" xmlns:p14="http://schemas.microsoft.com/office/powerpoint/2010/main" xmlns:a16="http://schemas.microsoft.com/office/drawing/2014/main" xmlns="" w="9525">
+                <a14:hiddenLine xmlns="" xmlns:a16="http://schemas.microsoft.com/office/drawing/2014/main" xmlns:p14="http://schemas.microsoft.com/office/powerpoint/2010/main" xmlns:a14="http://schemas.microsoft.com/office/drawing/2010/main" w="9525">
                   <a:solidFill>
                     <a:srgbClr val="000000"/>
                   </a:solidFill>
@@ -15691,7 +15777,7 @@
             </a:ln>
             <a:extLst>
               <a:ext uri="{91240B29-F687-4f45-9708-019B960494DF}">
-                <a14:hiddenLine xmlns:a14="http://schemas.microsoft.com/office/drawing/2010/main" xmlns:p14="http://schemas.microsoft.com/office/powerpoint/2010/main" xmlns:a16="http://schemas.microsoft.com/office/drawing/2014/main" xmlns="" w="9525">
+                <a14:hiddenLine xmlns="" xmlns:a16="http://schemas.microsoft.com/office/drawing/2014/main" xmlns:p14="http://schemas.microsoft.com/office/powerpoint/2010/main" xmlns:a14="http://schemas.microsoft.com/office/drawing/2010/main" w="9525">
                   <a:solidFill>
                     <a:srgbClr val="000000"/>
                   </a:solidFill>
@@ -15769,7 +15855,7 @@
             </a:ln>
             <a:extLst>
               <a:ext uri="{91240B29-F687-4f45-9708-019B960494DF}">
-                <a14:hiddenLine xmlns:a14="http://schemas.microsoft.com/office/drawing/2010/main" xmlns:p14="http://schemas.microsoft.com/office/powerpoint/2010/main" xmlns:a16="http://schemas.microsoft.com/office/drawing/2014/main" xmlns="" w="9525">
+                <a14:hiddenLine xmlns="" xmlns:a16="http://schemas.microsoft.com/office/drawing/2014/main" xmlns:p14="http://schemas.microsoft.com/office/powerpoint/2010/main" xmlns:a14="http://schemas.microsoft.com/office/drawing/2010/main" w="9525">
                   <a:solidFill>
                     <a:srgbClr val="000000"/>
                   </a:solidFill>
@@ -15881,7 +15967,7 @@
             </a:ln>
             <a:extLst>
               <a:ext uri="{91240B29-F687-4f45-9708-019B960494DF}">
-                <a14:hiddenLine xmlns:a14="http://schemas.microsoft.com/office/drawing/2010/main" xmlns:p14="http://schemas.microsoft.com/office/powerpoint/2010/main" xmlns:a16="http://schemas.microsoft.com/office/drawing/2014/main" xmlns="" w="9525">
+                <a14:hiddenLine xmlns="" xmlns:a16="http://schemas.microsoft.com/office/drawing/2014/main" xmlns:p14="http://schemas.microsoft.com/office/powerpoint/2010/main" xmlns:a14="http://schemas.microsoft.com/office/drawing/2010/main" w="9525">
                   <a:solidFill>
                     <a:srgbClr val="000000"/>
                   </a:solidFill>
@@ -15971,7 +16057,7 @@
             </a:ln>
             <a:extLst>
               <a:ext uri="{91240B29-F687-4f45-9708-019B960494DF}">
-                <a14:hiddenLine xmlns:a14="http://schemas.microsoft.com/office/drawing/2010/main" xmlns:p14="http://schemas.microsoft.com/office/powerpoint/2010/main" xmlns:a16="http://schemas.microsoft.com/office/drawing/2014/main" xmlns="" w="9525">
+                <a14:hiddenLine xmlns="" xmlns:a16="http://schemas.microsoft.com/office/drawing/2014/main" xmlns:p14="http://schemas.microsoft.com/office/powerpoint/2010/main" xmlns:a14="http://schemas.microsoft.com/office/drawing/2010/main" w="9525">
                   <a:solidFill>
                     <a:srgbClr val="000000"/>
                   </a:solidFill>
@@ -16083,7 +16169,7 @@
             </a:ln>
             <a:extLst>
               <a:ext uri="{91240B29-F687-4f45-9708-019B960494DF}">
-                <a14:hiddenLine xmlns:a14="http://schemas.microsoft.com/office/drawing/2010/main" xmlns:p14="http://schemas.microsoft.com/office/powerpoint/2010/main" xmlns:a16="http://schemas.microsoft.com/office/drawing/2014/main" xmlns="" w="9525">
+                <a14:hiddenLine xmlns="" xmlns:a16="http://schemas.microsoft.com/office/drawing/2014/main" xmlns:p14="http://schemas.microsoft.com/office/powerpoint/2010/main" xmlns:a14="http://schemas.microsoft.com/office/drawing/2010/main" w="9525">
                   <a:solidFill>
                     <a:srgbClr val="000000"/>
                   </a:solidFill>
@@ -16173,7 +16259,7 @@
             </a:ln>
             <a:extLst>
               <a:ext uri="{91240B29-F687-4f45-9708-019B960494DF}">
-                <a14:hiddenLine xmlns:a14="http://schemas.microsoft.com/office/drawing/2010/main" xmlns:p14="http://schemas.microsoft.com/office/powerpoint/2010/main" xmlns:a16="http://schemas.microsoft.com/office/drawing/2014/main" xmlns="" w="9525">
+                <a14:hiddenLine xmlns="" xmlns:a16="http://schemas.microsoft.com/office/drawing/2014/main" xmlns:p14="http://schemas.microsoft.com/office/powerpoint/2010/main" xmlns:a14="http://schemas.microsoft.com/office/drawing/2010/main" w="9525">
                   <a:solidFill>
                     <a:srgbClr val="000000"/>
                   </a:solidFill>
@@ -16285,7 +16371,7 @@
             </a:ln>
             <a:extLst>
               <a:ext uri="{91240B29-F687-4f45-9708-019B960494DF}">
-                <a14:hiddenLine xmlns:a14="http://schemas.microsoft.com/office/drawing/2010/main" xmlns:p14="http://schemas.microsoft.com/office/powerpoint/2010/main" xmlns:a16="http://schemas.microsoft.com/office/drawing/2014/main" xmlns="" w="9525">
+                <a14:hiddenLine xmlns="" xmlns:a16="http://schemas.microsoft.com/office/drawing/2014/main" xmlns:p14="http://schemas.microsoft.com/office/powerpoint/2010/main" xmlns:a14="http://schemas.microsoft.com/office/drawing/2010/main" w="9525">
                   <a:solidFill>
                     <a:srgbClr val="000000"/>
                   </a:solidFill>
@@ -16341,7 +16427,7 @@
             </a:ln>
             <a:extLst>
               <a:ext uri="{91240B29-F687-4f45-9708-019B960494DF}">
-                <a14:hiddenLine xmlns:a14="http://schemas.microsoft.com/office/drawing/2010/main" xmlns:p14="http://schemas.microsoft.com/office/powerpoint/2010/main" xmlns:a16="http://schemas.microsoft.com/office/drawing/2014/main" xmlns="" w="9525">
+                <a14:hiddenLine xmlns="" xmlns:a16="http://schemas.microsoft.com/office/drawing/2014/main" xmlns:p14="http://schemas.microsoft.com/office/powerpoint/2010/main" xmlns:a14="http://schemas.microsoft.com/office/drawing/2010/main" w="9525">
                   <a:solidFill>
                     <a:srgbClr val="000000"/>
                   </a:solidFill>
@@ -16453,7 +16539,7 @@
             </a:ln>
             <a:extLst>
               <a:ext uri="{91240B29-F687-4f45-9708-019B960494DF}">
-                <a14:hiddenLine xmlns:a14="http://schemas.microsoft.com/office/drawing/2010/main" xmlns:p14="http://schemas.microsoft.com/office/powerpoint/2010/main" xmlns:a16="http://schemas.microsoft.com/office/drawing/2014/main" xmlns="" w="9525">
+                <a14:hiddenLine xmlns="" xmlns:a16="http://schemas.microsoft.com/office/drawing/2014/main" xmlns:p14="http://schemas.microsoft.com/office/powerpoint/2010/main" xmlns:a14="http://schemas.microsoft.com/office/drawing/2010/main" w="9525">
                   <a:solidFill>
                     <a:srgbClr val="000000"/>
                   </a:solidFill>
@@ -16537,7 +16623,7 @@
             </a:ln>
             <a:extLst>
               <a:ext uri="{91240B29-F687-4f45-9708-019B960494DF}">
-                <a14:hiddenLine xmlns:a14="http://schemas.microsoft.com/office/drawing/2010/main" xmlns:p14="http://schemas.microsoft.com/office/powerpoint/2010/main" xmlns:a16="http://schemas.microsoft.com/office/drawing/2014/main" xmlns="" w="9525">
+                <a14:hiddenLine xmlns="" xmlns:a16="http://schemas.microsoft.com/office/drawing/2014/main" xmlns:p14="http://schemas.microsoft.com/office/powerpoint/2010/main" xmlns:a14="http://schemas.microsoft.com/office/drawing/2010/main" w="9525">
                   <a:solidFill>
                     <a:srgbClr val="000000"/>
                   </a:solidFill>
@@ -16621,7 +16707,7 @@
             </a:ln>
             <a:extLst>
               <a:ext uri="{91240B29-F687-4f45-9708-019B960494DF}">
-                <a14:hiddenLine xmlns:a14="http://schemas.microsoft.com/office/drawing/2010/main" xmlns:p14="http://schemas.microsoft.com/office/powerpoint/2010/main" xmlns:a16="http://schemas.microsoft.com/office/drawing/2014/main" xmlns="" w="9525">
+                <a14:hiddenLine xmlns="" xmlns:a16="http://schemas.microsoft.com/office/drawing/2014/main" xmlns:p14="http://schemas.microsoft.com/office/powerpoint/2010/main" xmlns:a14="http://schemas.microsoft.com/office/drawing/2010/main" w="9525">
                   <a:solidFill>
                     <a:srgbClr val="000000"/>
                   </a:solidFill>
@@ -16733,7 +16819,7 @@
             </a:ln>
             <a:extLst>
               <a:ext uri="{91240B29-F687-4f45-9708-019B960494DF}">
-                <a14:hiddenLine xmlns:a14="http://schemas.microsoft.com/office/drawing/2010/main" xmlns:p14="http://schemas.microsoft.com/office/powerpoint/2010/main" xmlns:a16="http://schemas.microsoft.com/office/drawing/2014/main" xmlns="" w="9525">
+                <a14:hiddenLine xmlns="" xmlns:a16="http://schemas.microsoft.com/office/drawing/2014/main" xmlns:p14="http://schemas.microsoft.com/office/powerpoint/2010/main" xmlns:a14="http://schemas.microsoft.com/office/drawing/2010/main" w="9525">
                   <a:solidFill>
                     <a:srgbClr val="000000"/>
                   </a:solidFill>
@@ -16823,7 +16909,7 @@
             </a:ln>
             <a:extLst>
               <a:ext uri="{91240B29-F687-4f45-9708-019B960494DF}">
-                <a14:hiddenLine xmlns:a14="http://schemas.microsoft.com/office/drawing/2010/main" xmlns:p14="http://schemas.microsoft.com/office/powerpoint/2010/main" xmlns:a16="http://schemas.microsoft.com/office/drawing/2014/main" xmlns="" w="9525">
+                <a14:hiddenLine xmlns="" xmlns:a16="http://schemas.microsoft.com/office/drawing/2014/main" xmlns:p14="http://schemas.microsoft.com/office/powerpoint/2010/main" xmlns:a14="http://schemas.microsoft.com/office/drawing/2010/main" w="9525">
                   <a:solidFill>
                     <a:srgbClr val="000000"/>
                   </a:solidFill>
@@ -16907,7 +16993,7 @@
             </a:ln>
             <a:extLst>
               <a:ext uri="{91240B29-F687-4f45-9708-019B960494DF}">
-                <a14:hiddenLine xmlns:a14="http://schemas.microsoft.com/office/drawing/2010/main" xmlns:p14="http://schemas.microsoft.com/office/powerpoint/2010/main" xmlns:a16="http://schemas.microsoft.com/office/drawing/2014/main" xmlns="" w="9525">
+                <a14:hiddenLine xmlns="" xmlns:a16="http://schemas.microsoft.com/office/drawing/2014/main" xmlns:p14="http://schemas.microsoft.com/office/powerpoint/2010/main" xmlns:a14="http://schemas.microsoft.com/office/drawing/2010/main" w="9525">
                   <a:solidFill>
                     <a:srgbClr val="000000"/>
                   </a:solidFill>
@@ -17019,7 +17105,7 @@
             </a:ln>
             <a:extLst>
               <a:ext uri="{91240B29-F687-4f45-9708-019B960494DF}">
-                <a14:hiddenLine xmlns:a14="http://schemas.microsoft.com/office/drawing/2010/main" xmlns:p14="http://schemas.microsoft.com/office/powerpoint/2010/main" xmlns:a16="http://schemas.microsoft.com/office/drawing/2014/main" xmlns="" w="9525">
+                <a14:hiddenLine xmlns="" xmlns:a16="http://schemas.microsoft.com/office/drawing/2014/main" xmlns:p14="http://schemas.microsoft.com/office/powerpoint/2010/main" xmlns:a14="http://schemas.microsoft.com/office/drawing/2010/main" w="9525">
                   <a:solidFill>
                     <a:srgbClr val="000000"/>
                   </a:solidFill>
@@ -17103,7 +17189,7 @@
             </a:ln>
             <a:extLst>
               <a:ext uri="{91240B29-F687-4f45-9708-019B960494DF}">
-                <a14:hiddenLine xmlns:a14="http://schemas.microsoft.com/office/drawing/2010/main" xmlns:p14="http://schemas.microsoft.com/office/powerpoint/2010/main" xmlns:a16="http://schemas.microsoft.com/office/drawing/2014/main" xmlns="" w="9525">
+                <a14:hiddenLine xmlns="" xmlns:a16="http://schemas.microsoft.com/office/drawing/2014/main" xmlns:p14="http://schemas.microsoft.com/office/powerpoint/2010/main" xmlns:a14="http://schemas.microsoft.com/office/drawing/2010/main" w="9525">
                   <a:solidFill>
                     <a:srgbClr val="000000"/>
                   </a:solidFill>
@@ -17215,7 +17301,7 @@
             </a:ln>
             <a:extLst>
               <a:ext uri="{91240B29-F687-4f45-9708-019B960494DF}">
-                <a14:hiddenLine xmlns:a14="http://schemas.microsoft.com/office/drawing/2010/main" xmlns:p14="http://schemas.microsoft.com/office/powerpoint/2010/main" xmlns:a16="http://schemas.microsoft.com/office/drawing/2014/main" xmlns="" w="9525">
+                <a14:hiddenLine xmlns="" xmlns:a16="http://schemas.microsoft.com/office/drawing/2014/main" xmlns:p14="http://schemas.microsoft.com/office/powerpoint/2010/main" xmlns:a14="http://schemas.microsoft.com/office/drawing/2010/main" w="9525">
                   <a:solidFill>
                     <a:srgbClr val="000000"/>
                   </a:solidFill>
@@ -17299,7 +17385,7 @@
             </a:ln>
             <a:extLst>
               <a:ext uri="{91240B29-F687-4f45-9708-019B960494DF}">
-                <a14:hiddenLine xmlns:a14="http://schemas.microsoft.com/office/drawing/2010/main" xmlns:p14="http://schemas.microsoft.com/office/powerpoint/2010/main" xmlns:a16="http://schemas.microsoft.com/office/drawing/2014/main" xmlns="" w="9525">
+                <a14:hiddenLine xmlns="" xmlns:a16="http://schemas.microsoft.com/office/drawing/2014/main" xmlns:p14="http://schemas.microsoft.com/office/powerpoint/2010/main" xmlns:a14="http://schemas.microsoft.com/office/drawing/2010/main" w="9525">
                   <a:solidFill>
                     <a:srgbClr val="000000"/>
                   </a:solidFill>
@@ -17411,7 +17497,7 @@
             </a:ln>
             <a:extLst>
               <a:ext uri="{91240B29-F687-4f45-9708-019B960494DF}">
-                <a14:hiddenLine xmlns:a14="http://schemas.microsoft.com/office/drawing/2010/main" xmlns:p14="http://schemas.microsoft.com/office/powerpoint/2010/main" xmlns:a16="http://schemas.microsoft.com/office/drawing/2014/main" xmlns="" w="9525">
+                <a14:hiddenLine xmlns="" xmlns:a16="http://schemas.microsoft.com/office/drawing/2014/main" xmlns:p14="http://schemas.microsoft.com/office/powerpoint/2010/main" xmlns:a14="http://schemas.microsoft.com/office/drawing/2010/main" w="9525">
                   <a:solidFill>
                     <a:srgbClr val="000000"/>
                   </a:solidFill>
@@ -17467,7 +17553,7 @@
             </a:ln>
             <a:extLst>
               <a:ext uri="{91240B29-F687-4f45-9708-019B960494DF}">
-                <a14:hiddenLine xmlns:a14="http://schemas.microsoft.com/office/drawing/2010/main" xmlns:p14="http://schemas.microsoft.com/office/powerpoint/2010/main" xmlns:a16="http://schemas.microsoft.com/office/drawing/2014/main" xmlns="" w="9525">
+                <a14:hiddenLine xmlns="" xmlns:a16="http://schemas.microsoft.com/office/drawing/2014/main" xmlns:p14="http://schemas.microsoft.com/office/powerpoint/2010/main" xmlns:a14="http://schemas.microsoft.com/office/drawing/2010/main" w="9525">
                   <a:solidFill>
                     <a:srgbClr val="000000"/>
                   </a:solidFill>
@@ -17554,7 +17640,7 @@
             </a:ln>
             <a:extLst>
               <a:ext uri="{91240B29-F687-4f45-9708-019B960494DF}">
-                <a14:hiddenLine xmlns:a14="http://schemas.microsoft.com/office/drawing/2010/main" xmlns:p14="http://schemas.microsoft.com/office/powerpoint/2010/main" xmlns:a16="http://schemas.microsoft.com/office/drawing/2014/main" xmlns="" w="9525">
+                <a14:hiddenLine xmlns="" xmlns:a16="http://schemas.microsoft.com/office/drawing/2014/main" xmlns:p14="http://schemas.microsoft.com/office/powerpoint/2010/main" xmlns:a14="http://schemas.microsoft.com/office/drawing/2010/main" w="9525">
                   <a:solidFill>
                     <a:srgbClr val="000000"/>
                   </a:solidFill>
@@ -17666,7 +17752,7 @@
             </a:ln>
             <a:extLst>
               <a:ext uri="{91240B29-F687-4f45-9708-019B960494DF}">
-                <a14:hiddenLine xmlns:a14="http://schemas.microsoft.com/office/drawing/2010/main" xmlns:p14="http://schemas.microsoft.com/office/powerpoint/2010/main" xmlns:a16="http://schemas.microsoft.com/office/drawing/2014/main" xmlns="" w="9525">
+                <a14:hiddenLine xmlns="" xmlns:a16="http://schemas.microsoft.com/office/drawing/2014/main" xmlns:p14="http://schemas.microsoft.com/office/powerpoint/2010/main" xmlns:a14="http://schemas.microsoft.com/office/drawing/2010/main" w="9525">
                   <a:solidFill>
                     <a:srgbClr val="000000"/>
                   </a:solidFill>
@@ -17750,7 +17836,7 @@
             </a:ln>
             <a:extLst>
               <a:ext uri="{91240B29-F687-4f45-9708-019B960494DF}">
-                <a14:hiddenLine xmlns:a14="http://schemas.microsoft.com/office/drawing/2010/main" xmlns:p14="http://schemas.microsoft.com/office/powerpoint/2010/main" xmlns:a16="http://schemas.microsoft.com/office/drawing/2014/main" xmlns="" w="9525">
+                <a14:hiddenLine xmlns="" xmlns:a16="http://schemas.microsoft.com/office/drawing/2014/main" xmlns:p14="http://schemas.microsoft.com/office/powerpoint/2010/main" xmlns:a14="http://schemas.microsoft.com/office/drawing/2010/main" w="9525">
                   <a:solidFill>
                     <a:srgbClr val="000000"/>
                   </a:solidFill>
@@ -17862,7 +17948,7 @@
             </a:ln>
             <a:extLst>
               <a:ext uri="{91240B29-F687-4f45-9708-019B960494DF}">
-                <a14:hiddenLine xmlns:a14="http://schemas.microsoft.com/office/drawing/2010/main" xmlns:p14="http://schemas.microsoft.com/office/powerpoint/2010/main" xmlns:a16="http://schemas.microsoft.com/office/drawing/2014/main" xmlns="" w="9525">
+                <a14:hiddenLine xmlns="" xmlns:a16="http://schemas.microsoft.com/office/drawing/2014/main" xmlns:p14="http://schemas.microsoft.com/office/powerpoint/2010/main" xmlns:a14="http://schemas.microsoft.com/office/drawing/2010/main" w="9525">
                   <a:solidFill>
                     <a:srgbClr val="000000"/>
                   </a:solidFill>
@@ -17974,7 +18060,7 @@
             </a:ln>
             <a:extLst>
               <a:ext uri="{91240B29-F687-4f45-9708-019B960494DF}">
-                <a14:hiddenLine xmlns:a14="http://schemas.microsoft.com/office/drawing/2010/main" xmlns:p14="http://schemas.microsoft.com/office/powerpoint/2010/main" xmlns:a16="http://schemas.microsoft.com/office/drawing/2014/main" xmlns="" w="9525">
+                <a14:hiddenLine xmlns="" xmlns:a16="http://schemas.microsoft.com/office/drawing/2014/main" xmlns:p14="http://schemas.microsoft.com/office/powerpoint/2010/main" xmlns:a14="http://schemas.microsoft.com/office/drawing/2010/main" w="9525">
                   <a:solidFill>
                     <a:srgbClr val="000000"/>
                   </a:solidFill>
@@ -18061,7 +18147,7 @@
             </a:ln>
             <a:extLst>
               <a:ext uri="{91240B29-F687-4f45-9708-019B960494DF}">
-                <a14:hiddenLine xmlns:a14="http://schemas.microsoft.com/office/drawing/2010/main" xmlns:p14="http://schemas.microsoft.com/office/powerpoint/2010/main" xmlns:a16="http://schemas.microsoft.com/office/drawing/2014/main" xmlns="" w="9525">
+                <a14:hiddenLine xmlns="" xmlns:a16="http://schemas.microsoft.com/office/drawing/2014/main" xmlns:p14="http://schemas.microsoft.com/office/powerpoint/2010/main" xmlns:a14="http://schemas.microsoft.com/office/drawing/2010/main" w="9525">
                   <a:solidFill>
                     <a:srgbClr val="000000"/>
                   </a:solidFill>
@@ -18145,7 +18231,7 @@
             </a:ln>
             <a:extLst>
               <a:ext uri="{91240B29-F687-4f45-9708-019B960494DF}">
-                <a14:hiddenLine xmlns:a14="http://schemas.microsoft.com/office/drawing/2010/main" xmlns:p14="http://schemas.microsoft.com/office/powerpoint/2010/main" xmlns:a16="http://schemas.microsoft.com/office/drawing/2014/main" xmlns="" w="9525">
+                <a14:hiddenLine xmlns="" xmlns:a16="http://schemas.microsoft.com/office/drawing/2014/main" xmlns:p14="http://schemas.microsoft.com/office/powerpoint/2010/main" xmlns:a14="http://schemas.microsoft.com/office/drawing/2010/main" w="9525">
                   <a:solidFill>
                     <a:srgbClr val="000000"/>
                   </a:solidFill>
@@ -18257,7 +18343,7 @@
             </a:ln>
             <a:extLst>
               <a:ext uri="{91240B29-F687-4f45-9708-019B960494DF}">
-                <a14:hiddenLine xmlns:a14="http://schemas.microsoft.com/office/drawing/2010/main" xmlns:p14="http://schemas.microsoft.com/office/powerpoint/2010/main" xmlns:a16="http://schemas.microsoft.com/office/drawing/2014/main" xmlns="" w="9525">
+                <a14:hiddenLine xmlns="" xmlns:a16="http://schemas.microsoft.com/office/drawing/2014/main" xmlns:p14="http://schemas.microsoft.com/office/powerpoint/2010/main" xmlns:a14="http://schemas.microsoft.com/office/drawing/2010/main" w="9525">
                   <a:solidFill>
                     <a:srgbClr val="000000"/>
                   </a:solidFill>
@@ -18369,7 +18455,7 @@
             </a:ln>
             <a:extLst>
               <a:ext uri="{91240B29-F687-4f45-9708-019B960494DF}">
-                <a14:hiddenLine xmlns:a14="http://schemas.microsoft.com/office/drawing/2010/main" xmlns:p14="http://schemas.microsoft.com/office/powerpoint/2010/main" xmlns:a16="http://schemas.microsoft.com/office/drawing/2014/main" xmlns="" w="9525">
+                <a14:hiddenLine xmlns="" xmlns:a16="http://schemas.microsoft.com/office/drawing/2014/main" xmlns:p14="http://schemas.microsoft.com/office/powerpoint/2010/main" xmlns:a14="http://schemas.microsoft.com/office/drawing/2010/main" w="9525">
                   <a:solidFill>
                     <a:srgbClr val="000000"/>
                   </a:solidFill>
@@ -18453,7 +18539,7 @@
             </a:ln>
             <a:extLst>
               <a:ext uri="{91240B29-F687-4f45-9708-019B960494DF}">
-                <a14:hiddenLine xmlns:a14="http://schemas.microsoft.com/office/drawing/2010/main" xmlns:p14="http://schemas.microsoft.com/office/powerpoint/2010/main" xmlns:a16="http://schemas.microsoft.com/office/drawing/2014/main" xmlns="" w="9525">
+                <a14:hiddenLine xmlns="" xmlns:a16="http://schemas.microsoft.com/office/drawing/2014/main" xmlns:p14="http://schemas.microsoft.com/office/powerpoint/2010/main" xmlns:a14="http://schemas.microsoft.com/office/drawing/2010/main" w="9525">
                   <a:solidFill>
                     <a:srgbClr val="000000"/>
                   </a:solidFill>
@@ -18595,7 +18681,7 @@
             </a:ln>
             <a:extLst>
               <a:ext uri="{91240B29-F687-4f45-9708-019B960494DF}">
-                <a14:hiddenLine xmlns:a14="http://schemas.microsoft.com/office/drawing/2010/main" xmlns:p14="http://schemas.microsoft.com/office/powerpoint/2010/main" xmlns:a16="http://schemas.microsoft.com/office/drawing/2014/main" xmlns="" w="9525">
+                <a14:hiddenLine xmlns="" xmlns:a16="http://schemas.microsoft.com/office/drawing/2014/main" xmlns:p14="http://schemas.microsoft.com/office/powerpoint/2010/main" xmlns:a14="http://schemas.microsoft.com/office/drawing/2010/main" w="9525">
                   <a:solidFill>
                     <a:srgbClr val="000000"/>
                   </a:solidFill>
@@ -18685,7 +18771,7 @@
             </a:ln>
             <a:extLst>
               <a:ext uri="{91240B29-F687-4f45-9708-019B960494DF}">
-                <a14:hiddenLine xmlns:a14="http://schemas.microsoft.com/office/drawing/2010/main" xmlns:p14="http://schemas.microsoft.com/office/powerpoint/2010/main" xmlns:a16="http://schemas.microsoft.com/office/drawing/2014/main" xmlns="" w="9525">
+                <a14:hiddenLine xmlns="" xmlns:a16="http://schemas.microsoft.com/office/drawing/2014/main" xmlns:p14="http://schemas.microsoft.com/office/powerpoint/2010/main" xmlns:a14="http://schemas.microsoft.com/office/drawing/2010/main" w="9525">
                   <a:solidFill>
                     <a:srgbClr val="000000"/>
                   </a:solidFill>
@@ -18797,7 +18883,7 @@
             </a:ln>
             <a:extLst>
               <a:ext uri="{91240B29-F687-4f45-9708-019B960494DF}">
-                <a14:hiddenLine xmlns:a14="http://schemas.microsoft.com/office/drawing/2010/main" xmlns:p14="http://schemas.microsoft.com/office/powerpoint/2010/main" xmlns:a16="http://schemas.microsoft.com/office/drawing/2014/main" xmlns="" w="9525">
+                <a14:hiddenLine xmlns="" xmlns:a16="http://schemas.microsoft.com/office/drawing/2014/main" xmlns:p14="http://schemas.microsoft.com/office/powerpoint/2010/main" xmlns:a14="http://schemas.microsoft.com/office/drawing/2010/main" w="9525">
                   <a:solidFill>
                     <a:srgbClr val="000000"/>
                   </a:solidFill>
@@ -18960,7 +19046,7 @@
             </a:ln>
             <a:extLst>
               <a:ext uri="{91240B29-F687-4f45-9708-019B960494DF}">
-                <a14:hiddenLine xmlns:a14="http://schemas.microsoft.com/office/drawing/2010/main" xmlns:p14="http://schemas.microsoft.com/office/powerpoint/2010/main" xmlns:a16="http://schemas.microsoft.com/office/drawing/2014/main" xmlns="" w="9525">
+                <a14:hiddenLine xmlns="" xmlns:a16="http://schemas.microsoft.com/office/drawing/2014/main" xmlns:p14="http://schemas.microsoft.com/office/powerpoint/2010/main" xmlns:a14="http://schemas.microsoft.com/office/drawing/2010/main" w="9525">
                   <a:solidFill>
                     <a:srgbClr val="000000"/>
                   </a:solidFill>
@@ -19072,7 +19158,7 @@
             </a:ln>
             <a:extLst>
               <a:ext uri="{91240B29-F687-4f45-9708-019B960494DF}">
-                <a14:hiddenLine xmlns:a14="http://schemas.microsoft.com/office/drawing/2010/main" xmlns:p14="http://schemas.microsoft.com/office/powerpoint/2010/main" xmlns:a16="http://schemas.microsoft.com/office/drawing/2014/main" xmlns="" w="9525">
+                <a14:hiddenLine xmlns="" xmlns:a16="http://schemas.microsoft.com/office/drawing/2014/main" xmlns:p14="http://schemas.microsoft.com/office/powerpoint/2010/main" xmlns:a14="http://schemas.microsoft.com/office/drawing/2010/main" w="9525">
                   <a:solidFill>
                     <a:srgbClr val="000000"/>
                   </a:solidFill>
@@ -19184,7 +19270,7 @@
             </a:ln>
             <a:extLst>
               <a:ext uri="{91240B29-F687-4f45-9708-019B960494DF}">
-                <a14:hiddenLine xmlns:a14="http://schemas.microsoft.com/office/drawing/2010/main" xmlns:p14="http://schemas.microsoft.com/office/powerpoint/2010/main" xmlns:a16="http://schemas.microsoft.com/office/drawing/2014/main" xmlns="" w="9525">
+                <a14:hiddenLine xmlns="" xmlns:a16="http://schemas.microsoft.com/office/drawing/2014/main" xmlns:p14="http://schemas.microsoft.com/office/powerpoint/2010/main" xmlns:a14="http://schemas.microsoft.com/office/drawing/2010/main" w="9525">
                   <a:solidFill>
                     <a:srgbClr val="000000"/>
                   </a:solidFill>
@@ -19240,7 +19326,7 @@
             </a:ln>
             <a:extLst>
               <a:ext uri="{91240B29-F687-4f45-9708-019B960494DF}">
-                <a14:hiddenLine xmlns:a14="http://schemas.microsoft.com/office/drawing/2010/main" xmlns:p14="http://schemas.microsoft.com/office/powerpoint/2010/main" xmlns:a16="http://schemas.microsoft.com/office/drawing/2014/main" xmlns="" w="9525">
+                <a14:hiddenLine xmlns="" xmlns:a16="http://schemas.microsoft.com/office/drawing/2014/main" xmlns:p14="http://schemas.microsoft.com/office/powerpoint/2010/main" xmlns:a14="http://schemas.microsoft.com/office/drawing/2010/main" w="9525">
                   <a:solidFill>
                     <a:srgbClr val="000000"/>
                   </a:solidFill>
@@ -19352,7 +19438,7 @@
             </a:ln>
             <a:extLst>
               <a:ext uri="{91240B29-F687-4f45-9708-019B960494DF}">
-                <a14:hiddenLine xmlns:a14="http://schemas.microsoft.com/office/drawing/2010/main" xmlns:p14="http://schemas.microsoft.com/office/powerpoint/2010/main" xmlns:a16="http://schemas.microsoft.com/office/drawing/2014/main" xmlns="" w="9525">
+                <a14:hiddenLine xmlns="" xmlns:a16="http://schemas.microsoft.com/office/drawing/2014/main" xmlns:p14="http://schemas.microsoft.com/office/powerpoint/2010/main" xmlns:a14="http://schemas.microsoft.com/office/drawing/2010/main" w="9525">
                   <a:solidFill>
                     <a:srgbClr val="000000"/>
                   </a:solidFill>
@@ -19436,7 +19522,7 @@
             </a:ln>
             <a:extLst>
               <a:ext uri="{91240B29-F687-4f45-9708-019B960494DF}">
-                <a14:hiddenLine xmlns:a14="http://schemas.microsoft.com/office/drawing/2010/main" xmlns:p14="http://schemas.microsoft.com/office/powerpoint/2010/main" xmlns:a16="http://schemas.microsoft.com/office/drawing/2014/main" xmlns="" w="9525">
+                <a14:hiddenLine xmlns="" xmlns:a16="http://schemas.microsoft.com/office/drawing/2014/main" xmlns:p14="http://schemas.microsoft.com/office/powerpoint/2010/main" xmlns:a14="http://schemas.microsoft.com/office/drawing/2010/main" w="9525">
                   <a:solidFill>
                     <a:srgbClr val="000000"/>
                   </a:solidFill>
@@ -19520,7 +19606,7 @@
             </a:ln>
             <a:extLst>
               <a:ext uri="{91240B29-F687-4f45-9708-019B960494DF}">
-                <a14:hiddenLine xmlns:a14="http://schemas.microsoft.com/office/drawing/2010/main" xmlns:p14="http://schemas.microsoft.com/office/powerpoint/2010/main" xmlns:a16="http://schemas.microsoft.com/office/drawing/2014/main" xmlns="" w="9525">
+                <a14:hiddenLine xmlns="" xmlns:a16="http://schemas.microsoft.com/office/drawing/2014/main" xmlns:p14="http://schemas.microsoft.com/office/powerpoint/2010/main" xmlns:a14="http://schemas.microsoft.com/office/drawing/2010/main" w="9525">
                   <a:solidFill>
                     <a:srgbClr val="000000"/>
                   </a:solidFill>
@@ -19632,7 +19718,7 @@
             </a:ln>
             <a:extLst>
               <a:ext uri="{91240B29-F687-4f45-9708-019B960494DF}">
-                <a14:hiddenLine xmlns:a14="http://schemas.microsoft.com/office/drawing/2010/main" xmlns:p14="http://schemas.microsoft.com/office/powerpoint/2010/main" xmlns:a16="http://schemas.microsoft.com/office/drawing/2014/main" xmlns="" w="9525">
+                <a14:hiddenLine xmlns="" xmlns:a16="http://schemas.microsoft.com/office/drawing/2014/main" xmlns:p14="http://schemas.microsoft.com/office/powerpoint/2010/main" xmlns:a14="http://schemas.microsoft.com/office/drawing/2010/main" w="9525">
                   <a:solidFill>
                     <a:srgbClr val="000000"/>
                   </a:solidFill>
@@ -19716,7 +19802,7 @@
             </a:ln>
             <a:extLst>
               <a:ext uri="{91240B29-F687-4f45-9708-019B960494DF}">
-                <a14:hiddenLine xmlns:a14="http://schemas.microsoft.com/office/drawing/2010/main" xmlns:p14="http://schemas.microsoft.com/office/powerpoint/2010/main" xmlns:a16="http://schemas.microsoft.com/office/drawing/2014/main" xmlns="" w="9525">
+                <a14:hiddenLine xmlns="" xmlns:a16="http://schemas.microsoft.com/office/drawing/2014/main" xmlns:p14="http://schemas.microsoft.com/office/powerpoint/2010/main" xmlns:a14="http://schemas.microsoft.com/office/drawing/2010/main" w="9525">
                   <a:solidFill>
                     <a:srgbClr val="000000"/>
                   </a:solidFill>
@@ -19800,7 +19886,7 @@
             </a:ln>
             <a:extLst>
               <a:ext uri="{91240B29-F687-4f45-9708-019B960494DF}">
-                <a14:hiddenLine xmlns:a14="http://schemas.microsoft.com/office/drawing/2010/main" xmlns:p14="http://schemas.microsoft.com/office/powerpoint/2010/main" xmlns:a16="http://schemas.microsoft.com/office/drawing/2014/main" xmlns="" w="9525">
+                <a14:hiddenLine xmlns="" xmlns:a16="http://schemas.microsoft.com/office/drawing/2014/main" xmlns:p14="http://schemas.microsoft.com/office/powerpoint/2010/main" xmlns:a14="http://schemas.microsoft.com/office/drawing/2010/main" w="9525">
                   <a:solidFill>
                     <a:srgbClr val="000000"/>
                   </a:solidFill>
@@ -19912,7 +19998,7 @@
             </a:ln>
             <a:extLst>
               <a:ext uri="{91240B29-F687-4f45-9708-019B960494DF}">
-                <a14:hiddenLine xmlns:a14="http://schemas.microsoft.com/office/drawing/2010/main" xmlns:p14="http://schemas.microsoft.com/office/powerpoint/2010/main" xmlns:a16="http://schemas.microsoft.com/office/drawing/2014/main" xmlns="" w="9525">
+                <a14:hiddenLine xmlns="" xmlns:a16="http://schemas.microsoft.com/office/drawing/2014/main" xmlns:p14="http://schemas.microsoft.com/office/powerpoint/2010/main" xmlns:a14="http://schemas.microsoft.com/office/drawing/2010/main" w="9525">
                   <a:solidFill>
                     <a:srgbClr val="000000"/>
                   </a:solidFill>
@@ -20024,7 +20110,7 @@
             </a:ln>
             <a:extLst>
               <a:ext uri="{91240B29-F687-4f45-9708-019B960494DF}">
-                <a14:hiddenLine xmlns:a14="http://schemas.microsoft.com/office/drawing/2010/main" xmlns:p14="http://schemas.microsoft.com/office/powerpoint/2010/main" xmlns:a16="http://schemas.microsoft.com/office/drawing/2014/main" xmlns="" w="9525">
+                <a14:hiddenLine xmlns="" xmlns:a16="http://schemas.microsoft.com/office/drawing/2014/main" xmlns:p14="http://schemas.microsoft.com/office/powerpoint/2010/main" xmlns:a14="http://schemas.microsoft.com/office/drawing/2010/main" w="9525">
                   <a:solidFill>
                     <a:srgbClr val="000000"/>
                   </a:solidFill>
@@ -20108,7 +20194,7 @@
             </a:ln>
             <a:extLst>
               <a:ext uri="{91240B29-F687-4f45-9708-019B960494DF}">
-                <a14:hiddenLine xmlns:a14="http://schemas.microsoft.com/office/drawing/2010/main" xmlns:p14="http://schemas.microsoft.com/office/powerpoint/2010/main" xmlns:a16="http://schemas.microsoft.com/office/drawing/2014/main" xmlns="" w="9525">
+                <a14:hiddenLine xmlns="" xmlns:a16="http://schemas.microsoft.com/office/drawing/2014/main" xmlns:p14="http://schemas.microsoft.com/office/powerpoint/2010/main" xmlns:a14="http://schemas.microsoft.com/office/drawing/2010/main" w="9525">
                   <a:solidFill>
                     <a:srgbClr val="000000"/>
                   </a:solidFill>
@@ -20240,7 +20326,7 @@
             </a:ln>
             <a:extLst>
               <a:ext uri="{91240B29-F687-4f45-9708-019B960494DF}">
-                <a14:hiddenLine xmlns:a14="http://schemas.microsoft.com/office/drawing/2010/main" xmlns:p14="http://schemas.microsoft.com/office/powerpoint/2010/main" xmlns:a16="http://schemas.microsoft.com/office/drawing/2014/main" xmlns="" w="9525">
+                <a14:hiddenLine xmlns="" xmlns:a16="http://schemas.microsoft.com/office/drawing/2014/main" xmlns:p14="http://schemas.microsoft.com/office/powerpoint/2010/main" xmlns:a14="http://schemas.microsoft.com/office/drawing/2010/main" w="9525">
                   <a:solidFill>
                     <a:srgbClr val="000000"/>
                   </a:solidFill>
@@ -20324,7 +20410,7 @@
             </a:ln>
             <a:extLst>
               <a:ext uri="{91240B29-F687-4f45-9708-019B960494DF}">
-                <a14:hiddenLine xmlns:a14="http://schemas.microsoft.com/office/drawing/2010/main" xmlns:p14="http://schemas.microsoft.com/office/powerpoint/2010/main" xmlns:a16="http://schemas.microsoft.com/office/drawing/2014/main" xmlns="" w="9525">
+                <a14:hiddenLine xmlns="" xmlns:a16="http://schemas.microsoft.com/office/drawing/2014/main" xmlns:p14="http://schemas.microsoft.com/office/powerpoint/2010/main" xmlns:a14="http://schemas.microsoft.com/office/drawing/2010/main" w="9525">
                   <a:solidFill>
                     <a:srgbClr val="000000"/>
                   </a:solidFill>
@@ -20436,7 +20522,7 @@
             </a:ln>
             <a:extLst>
               <a:ext uri="{91240B29-F687-4f45-9708-019B960494DF}">
-                <a14:hiddenLine xmlns:a14="http://schemas.microsoft.com/office/drawing/2010/main" xmlns:p14="http://schemas.microsoft.com/office/powerpoint/2010/main" xmlns:a16="http://schemas.microsoft.com/office/drawing/2014/main" xmlns="" w="9525">
+                <a14:hiddenLine xmlns="" xmlns:a16="http://schemas.microsoft.com/office/drawing/2014/main" xmlns:p14="http://schemas.microsoft.com/office/powerpoint/2010/main" xmlns:a14="http://schemas.microsoft.com/office/drawing/2010/main" w="9525">
                   <a:solidFill>
                     <a:srgbClr val="000000"/>
                   </a:solidFill>
@@ -20548,7 +20634,7 @@
             </a:ln>
             <a:extLst>
               <a:ext uri="{91240B29-F687-4f45-9708-019B960494DF}">
-                <a14:hiddenLine xmlns:a14="http://schemas.microsoft.com/office/drawing/2010/main" xmlns:p14="http://schemas.microsoft.com/office/powerpoint/2010/main" xmlns:a16="http://schemas.microsoft.com/office/drawing/2014/main" xmlns="" w="9525">
+                <a14:hiddenLine xmlns="" xmlns:a16="http://schemas.microsoft.com/office/drawing/2014/main" xmlns:p14="http://schemas.microsoft.com/office/powerpoint/2010/main" xmlns:a14="http://schemas.microsoft.com/office/drawing/2010/main" w="9525">
                   <a:solidFill>
                     <a:srgbClr val="000000"/>
                   </a:solidFill>
@@ -20632,7 +20718,7 @@
             </a:ln>
             <a:extLst>
               <a:ext uri="{91240B29-F687-4f45-9708-019B960494DF}">
-                <a14:hiddenLine xmlns:a14="http://schemas.microsoft.com/office/drawing/2010/main" xmlns:p14="http://schemas.microsoft.com/office/powerpoint/2010/main" xmlns:a16="http://schemas.microsoft.com/office/drawing/2014/main" xmlns="" w="9525">
+                <a14:hiddenLine xmlns="" xmlns:a16="http://schemas.microsoft.com/office/drawing/2014/main" xmlns:p14="http://schemas.microsoft.com/office/powerpoint/2010/main" xmlns:a14="http://schemas.microsoft.com/office/drawing/2010/main" w="9525">
                   <a:solidFill>
                     <a:srgbClr val="000000"/>
                   </a:solidFill>
@@ -20744,7 +20830,7 @@
             </a:ln>
             <a:extLst>
               <a:ext uri="{91240B29-F687-4f45-9708-019B960494DF}">
-                <a14:hiddenLine xmlns:a14="http://schemas.microsoft.com/office/drawing/2010/main" xmlns:p14="http://schemas.microsoft.com/office/powerpoint/2010/main" xmlns:a16="http://schemas.microsoft.com/office/drawing/2014/main" xmlns="" w="9525">
+                <a14:hiddenLine xmlns="" xmlns:a16="http://schemas.microsoft.com/office/drawing/2014/main" xmlns:p14="http://schemas.microsoft.com/office/powerpoint/2010/main" xmlns:a14="http://schemas.microsoft.com/office/drawing/2010/main" w="9525">
                   <a:solidFill>
                     <a:srgbClr val="000000"/>
                   </a:solidFill>
@@ -20856,7 +20942,7 @@
             </a:ln>
             <a:extLst>
               <a:ext uri="{91240B29-F687-4f45-9708-019B960494DF}">
-                <a14:hiddenLine xmlns:a14="http://schemas.microsoft.com/office/drawing/2010/main" xmlns:p14="http://schemas.microsoft.com/office/powerpoint/2010/main" xmlns:a16="http://schemas.microsoft.com/office/drawing/2014/main" xmlns="" w="9525">
+                <a14:hiddenLine xmlns="" xmlns:a16="http://schemas.microsoft.com/office/drawing/2014/main" xmlns:p14="http://schemas.microsoft.com/office/powerpoint/2010/main" xmlns:a14="http://schemas.microsoft.com/office/drawing/2010/main" w="9525">
                   <a:solidFill>
                     <a:srgbClr val="000000"/>
                   </a:solidFill>
@@ -20934,7 +21020,7 @@
             </a:ln>
             <a:extLst>
               <a:ext uri="{91240B29-F687-4f45-9708-019B960494DF}">
-                <a14:hiddenLine xmlns:a14="http://schemas.microsoft.com/office/drawing/2010/main" xmlns:p14="http://schemas.microsoft.com/office/powerpoint/2010/main" xmlns:a16="http://schemas.microsoft.com/office/drawing/2014/main" xmlns="" w="9525">
+                <a14:hiddenLine xmlns="" xmlns:a16="http://schemas.microsoft.com/office/drawing/2014/main" xmlns:p14="http://schemas.microsoft.com/office/powerpoint/2010/main" xmlns:a14="http://schemas.microsoft.com/office/drawing/2010/main" w="9525">
                   <a:solidFill>
                     <a:srgbClr val="000000"/>
                   </a:solidFill>
@@ -21046,7 +21132,7 @@
             </a:ln>
             <a:extLst>
               <a:ext uri="{91240B29-F687-4f45-9708-019B960494DF}">
-                <a14:hiddenLine xmlns:a14="http://schemas.microsoft.com/office/drawing/2010/main" xmlns:p14="http://schemas.microsoft.com/office/powerpoint/2010/main" xmlns:a16="http://schemas.microsoft.com/office/drawing/2014/main" xmlns="" w="9525">
+                <a14:hiddenLine xmlns="" xmlns:a16="http://schemas.microsoft.com/office/drawing/2014/main" xmlns:p14="http://schemas.microsoft.com/office/powerpoint/2010/main" xmlns:a14="http://schemas.microsoft.com/office/drawing/2010/main" w="9525">
                   <a:solidFill>
                     <a:srgbClr val="000000"/>
                   </a:solidFill>
@@ -21124,7 +21210,7 @@
             </a:ln>
             <a:extLst>
               <a:ext uri="{91240B29-F687-4f45-9708-019B960494DF}">
-                <a14:hiddenLine xmlns:a14="http://schemas.microsoft.com/office/drawing/2010/main" xmlns:p14="http://schemas.microsoft.com/office/powerpoint/2010/main" xmlns:a16="http://schemas.microsoft.com/office/drawing/2014/main" xmlns="" w="9525">
+                <a14:hiddenLine xmlns="" xmlns:a16="http://schemas.microsoft.com/office/drawing/2014/main" xmlns:p14="http://schemas.microsoft.com/office/powerpoint/2010/main" xmlns:a14="http://schemas.microsoft.com/office/drawing/2010/main" w="9525">
                   <a:solidFill>
                     <a:srgbClr val="000000"/>
                   </a:solidFill>
@@ -21236,7 +21322,7 @@
             </a:ln>
             <a:extLst>
               <a:ext uri="{91240B29-F687-4f45-9708-019B960494DF}">
-                <a14:hiddenLine xmlns:a14="http://schemas.microsoft.com/office/drawing/2010/main" xmlns:p14="http://schemas.microsoft.com/office/powerpoint/2010/main" xmlns:a16="http://schemas.microsoft.com/office/drawing/2014/main" xmlns="" w="9525">
+                <a14:hiddenLine xmlns="" xmlns:a16="http://schemas.microsoft.com/office/drawing/2014/main" xmlns:p14="http://schemas.microsoft.com/office/powerpoint/2010/main" xmlns:a14="http://schemas.microsoft.com/office/drawing/2010/main" w="9525">
                   <a:solidFill>
                     <a:srgbClr val="000000"/>
                   </a:solidFill>
@@ -21326,7 +21412,7 @@
             </a:ln>
             <a:extLst>
               <a:ext uri="{91240B29-F687-4f45-9708-019B960494DF}">
-                <a14:hiddenLine xmlns:a14="http://schemas.microsoft.com/office/drawing/2010/main" xmlns:p14="http://schemas.microsoft.com/office/powerpoint/2010/main" xmlns:a16="http://schemas.microsoft.com/office/drawing/2014/main" xmlns="" w="9525">
+                <a14:hiddenLine xmlns="" xmlns:a16="http://schemas.microsoft.com/office/drawing/2014/main" xmlns:p14="http://schemas.microsoft.com/office/powerpoint/2010/main" xmlns:a14="http://schemas.microsoft.com/office/drawing/2010/main" w="9525">
                   <a:solidFill>
                     <a:srgbClr val="000000"/>
                   </a:solidFill>
@@ -21438,7 +21524,7 @@
             </a:ln>
             <a:extLst>
               <a:ext uri="{91240B29-F687-4f45-9708-019B960494DF}">
-                <a14:hiddenLine xmlns:a14="http://schemas.microsoft.com/office/drawing/2010/main" xmlns:p14="http://schemas.microsoft.com/office/powerpoint/2010/main" xmlns:a16="http://schemas.microsoft.com/office/drawing/2014/main" xmlns="" w="9525">
+                <a14:hiddenLine xmlns="" xmlns:a16="http://schemas.microsoft.com/office/drawing/2014/main" xmlns:p14="http://schemas.microsoft.com/office/powerpoint/2010/main" xmlns:a14="http://schemas.microsoft.com/office/drawing/2010/main" w="9525">
                   <a:solidFill>
                     <a:srgbClr val="000000"/>
                   </a:solidFill>
@@ -21528,7 +21614,7 @@
             </a:ln>
             <a:extLst>
               <a:ext uri="{91240B29-F687-4f45-9708-019B960494DF}">
-                <a14:hiddenLine xmlns:a14="http://schemas.microsoft.com/office/drawing/2010/main" xmlns:p14="http://schemas.microsoft.com/office/powerpoint/2010/main" xmlns:a16="http://schemas.microsoft.com/office/drawing/2014/main" xmlns="" w="9525">
+                <a14:hiddenLine xmlns="" xmlns:a16="http://schemas.microsoft.com/office/drawing/2014/main" xmlns:p14="http://schemas.microsoft.com/office/powerpoint/2010/main" xmlns:a14="http://schemas.microsoft.com/office/drawing/2010/main" w="9525">
                   <a:solidFill>
                     <a:srgbClr val="000000"/>
                   </a:solidFill>
@@ -21640,7 +21726,7 @@
             </a:ln>
             <a:extLst>
               <a:ext uri="{91240B29-F687-4f45-9708-019B960494DF}">
-                <a14:hiddenLine xmlns:a14="http://schemas.microsoft.com/office/drawing/2010/main" xmlns:p14="http://schemas.microsoft.com/office/powerpoint/2010/main" xmlns:a16="http://schemas.microsoft.com/office/drawing/2014/main" xmlns="" w="9525">
+                <a14:hiddenLine xmlns="" xmlns:a16="http://schemas.microsoft.com/office/drawing/2014/main" xmlns:p14="http://schemas.microsoft.com/office/powerpoint/2010/main" xmlns:a14="http://schemas.microsoft.com/office/drawing/2010/main" w="9525">
                   <a:solidFill>
                     <a:srgbClr val="000000"/>
                   </a:solidFill>
@@ -21696,7 +21782,7 @@
             </a:ln>
             <a:extLst>
               <a:ext uri="{91240B29-F687-4f45-9708-019B960494DF}">
-                <a14:hiddenLine xmlns:a14="http://schemas.microsoft.com/office/drawing/2010/main" xmlns:p14="http://schemas.microsoft.com/office/powerpoint/2010/main" xmlns:a16="http://schemas.microsoft.com/office/drawing/2014/main" xmlns="" w="9525">
+                <a14:hiddenLine xmlns="" xmlns:a16="http://schemas.microsoft.com/office/drawing/2014/main" xmlns:p14="http://schemas.microsoft.com/office/powerpoint/2010/main" xmlns:a14="http://schemas.microsoft.com/office/drawing/2010/main" w="9525">
                   <a:solidFill>
                     <a:srgbClr val="000000"/>
                   </a:solidFill>
@@ -21808,7 +21894,7 @@
             </a:ln>
             <a:extLst>
               <a:ext uri="{91240B29-F687-4f45-9708-019B960494DF}">
-                <a14:hiddenLine xmlns:a14="http://schemas.microsoft.com/office/drawing/2010/main" xmlns:p14="http://schemas.microsoft.com/office/powerpoint/2010/main" xmlns:a16="http://schemas.microsoft.com/office/drawing/2014/main" xmlns="" w="9525">
+                <a14:hiddenLine xmlns="" xmlns:a16="http://schemas.microsoft.com/office/drawing/2014/main" xmlns:p14="http://schemas.microsoft.com/office/powerpoint/2010/main" xmlns:a14="http://schemas.microsoft.com/office/drawing/2010/main" w="9525">
                   <a:solidFill>
                     <a:srgbClr val="000000"/>
                   </a:solidFill>
@@ -21892,7 +21978,7 @@
             </a:ln>
             <a:extLst>
               <a:ext uri="{91240B29-F687-4f45-9708-019B960494DF}">
-                <a14:hiddenLine xmlns:a14="http://schemas.microsoft.com/office/drawing/2010/main" xmlns:p14="http://schemas.microsoft.com/office/powerpoint/2010/main" xmlns:a16="http://schemas.microsoft.com/office/drawing/2014/main" xmlns="" w="9525">
+                <a14:hiddenLine xmlns="" xmlns:a16="http://schemas.microsoft.com/office/drawing/2014/main" xmlns:p14="http://schemas.microsoft.com/office/powerpoint/2010/main" xmlns:a14="http://schemas.microsoft.com/office/drawing/2010/main" w="9525">
                   <a:solidFill>
                     <a:srgbClr val="000000"/>
                   </a:solidFill>
@@ -21976,7 +22062,7 @@
             </a:ln>
             <a:extLst>
               <a:ext uri="{91240B29-F687-4f45-9708-019B960494DF}">
-                <a14:hiddenLine xmlns:a14="http://schemas.microsoft.com/office/drawing/2010/main" xmlns:p14="http://schemas.microsoft.com/office/powerpoint/2010/main" xmlns:a16="http://schemas.microsoft.com/office/drawing/2014/main" xmlns="" w="9525">
+                <a14:hiddenLine xmlns="" xmlns:a16="http://schemas.microsoft.com/office/drawing/2014/main" xmlns:p14="http://schemas.microsoft.com/office/powerpoint/2010/main" xmlns:a14="http://schemas.microsoft.com/office/drawing/2010/main" w="9525">
                   <a:solidFill>
                     <a:srgbClr val="000000"/>
                   </a:solidFill>
@@ -22088,7 +22174,7 @@
             </a:ln>
             <a:extLst>
               <a:ext uri="{91240B29-F687-4f45-9708-019B960494DF}">
-                <a14:hiddenLine xmlns:a14="http://schemas.microsoft.com/office/drawing/2010/main" xmlns:p14="http://schemas.microsoft.com/office/powerpoint/2010/main" xmlns:a16="http://schemas.microsoft.com/office/drawing/2014/main" xmlns="" w="9525">
+                <a14:hiddenLine xmlns="" xmlns:a16="http://schemas.microsoft.com/office/drawing/2014/main" xmlns:p14="http://schemas.microsoft.com/office/powerpoint/2010/main" xmlns:a14="http://schemas.microsoft.com/office/drawing/2010/main" w="9525">
                   <a:solidFill>
                     <a:srgbClr val="000000"/>
                   </a:solidFill>
@@ -22178,7 +22264,7 @@
             </a:ln>
             <a:extLst>
               <a:ext uri="{91240B29-F687-4f45-9708-019B960494DF}">
-                <a14:hiddenLine xmlns:a14="http://schemas.microsoft.com/office/drawing/2010/main" xmlns:p14="http://schemas.microsoft.com/office/powerpoint/2010/main" xmlns:a16="http://schemas.microsoft.com/office/drawing/2014/main" xmlns="" w="9525">
+                <a14:hiddenLine xmlns="" xmlns:a16="http://schemas.microsoft.com/office/drawing/2014/main" xmlns:p14="http://schemas.microsoft.com/office/powerpoint/2010/main" xmlns:a14="http://schemas.microsoft.com/office/drawing/2010/main" w="9525">
                   <a:solidFill>
                     <a:srgbClr val="000000"/>
                   </a:solidFill>
@@ -22262,7 +22348,7 @@
             </a:ln>
             <a:extLst>
               <a:ext uri="{91240B29-F687-4f45-9708-019B960494DF}">
-                <a14:hiddenLine xmlns:a14="http://schemas.microsoft.com/office/drawing/2010/main" xmlns:p14="http://schemas.microsoft.com/office/powerpoint/2010/main" xmlns:a16="http://schemas.microsoft.com/office/drawing/2014/main" xmlns="" w="9525">
+                <a14:hiddenLine xmlns="" xmlns:a16="http://schemas.microsoft.com/office/drawing/2014/main" xmlns:p14="http://schemas.microsoft.com/office/powerpoint/2010/main" xmlns:a14="http://schemas.microsoft.com/office/drawing/2010/main" w="9525">
                   <a:solidFill>
                     <a:srgbClr val="000000"/>
                   </a:solidFill>
@@ -22374,7 +22460,7 @@
             </a:ln>
             <a:extLst>
               <a:ext uri="{91240B29-F687-4f45-9708-019B960494DF}">
-                <a14:hiddenLine xmlns:a14="http://schemas.microsoft.com/office/drawing/2010/main" xmlns:p14="http://schemas.microsoft.com/office/powerpoint/2010/main" xmlns:a16="http://schemas.microsoft.com/office/drawing/2014/main" xmlns="" w="9525">
+                <a14:hiddenLine xmlns="" xmlns:a16="http://schemas.microsoft.com/office/drawing/2014/main" xmlns:p14="http://schemas.microsoft.com/office/powerpoint/2010/main" xmlns:a14="http://schemas.microsoft.com/office/drawing/2010/main" w="9525">
                   <a:solidFill>
                     <a:srgbClr val="000000"/>
                   </a:solidFill>
@@ -22458,7 +22544,7 @@
             </a:ln>
             <a:extLst>
               <a:ext uri="{91240B29-F687-4f45-9708-019B960494DF}">
-                <a14:hiddenLine xmlns:a14="http://schemas.microsoft.com/office/drawing/2010/main" xmlns:p14="http://schemas.microsoft.com/office/powerpoint/2010/main" xmlns:a16="http://schemas.microsoft.com/office/drawing/2014/main" xmlns="" w="9525">
+                <a14:hiddenLine xmlns="" xmlns:a16="http://schemas.microsoft.com/office/drawing/2014/main" xmlns:p14="http://schemas.microsoft.com/office/powerpoint/2010/main" xmlns:a14="http://schemas.microsoft.com/office/drawing/2010/main" w="9525">
                   <a:solidFill>
                     <a:srgbClr val="000000"/>
                   </a:solidFill>
@@ -22570,7 +22656,7 @@
             </a:ln>
             <a:extLst>
               <a:ext uri="{91240B29-F687-4f45-9708-019B960494DF}">
-                <a14:hiddenLine xmlns:a14="http://schemas.microsoft.com/office/drawing/2010/main" xmlns:p14="http://schemas.microsoft.com/office/powerpoint/2010/main" xmlns:a16="http://schemas.microsoft.com/office/drawing/2014/main" xmlns="" w="9525">
+                <a14:hiddenLine xmlns="" xmlns:a16="http://schemas.microsoft.com/office/drawing/2014/main" xmlns:p14="http://schemas.microsoft.com/office/powerpoint/2010/main" xmlns:a14="http://schemas.microsoft.com/office/drawing/2010/main" w="9525">
                   <a:solidFill>
                     <a:srgbClr val="000000"/>
                   </a:solidFill>
@@ -22654,7 +22740,7 @@
             </a:ln>
             <a:extLst>
               <a:ext uri="{91240B29-F687-4f45-9708-019B960494DF}">
-                <a14:hiddenLine xmlns:a14="http://schemas.microsoft.com/office/drawing/2010/main" xmlns:p14="http://schemas.microsoft.com/office/powerpoint/2010/main" xmlns:a16="http://schemas.microsoft.com/office/drawing/2014/main" xmlns="" w="9525">
+                <a14:hiddenLine xmlns="" xmlns:a16="http://schemas.microsoft.com/office/drawing/2014/main" xmlns:p14="http://schemas.microsoft.com/office/powerpoint/2010/main" xmlns:a14="http://schemas.microsoft.com/office/drawing/2010/main" w="9525">
                   <a:solidFill>
                     <a:srgbClr val="000000"/>
                   </a:solidFill>
@@ -22766,7 +22852,7 @@
             </a:ln>
             <a:extLst>
               <a:ext uri="{91240B29-F687-4f45-9708-019B960494DF}">
-                <a14:hiddenLine xmlns:a14="http://schemas.microsoft.com/office/drawing/2010/main" xmlns:p14="http://schemas.microsoft.com/office/powerpoint/2010/main" xmlns:a16="http://schemas.microsoft.com/office/drawing/2014/main" xmlns="" w="9525">
+                <a14:hiddenLine xmlns="" xmlns:a16="http://schemas.microsoft.com/office/drawing/2014/main" xmlns:p14="http://schemas.microsoft.com/office/powerpoint/2010/main" xmlns:a14="http://schemas.microsoft.com/office/drawing/2010/main" w="9525">
                   <a:solidFill>
                     <a:srgbClr val="000000"/>
                   </a:solidFill>
@@ -22822,7 +22908,7 @@
             </a:ln>
             <a:extLst>
               <a:ext uri="{91240B29-F687-4f45-9708-019B960494DF}">
-                <a14:hiddenLine xmlns:a14="http://schemas.microsoft.com/office/drawing/2010/main" xmlns:p14="http://schemas.microsoft.com/office/powerpoint/2010/main" xmlns:a16="http://schemas.microsoft.com/office/drawing/2014/main" xmlns="" w="9525">
+                <a14:hiddenLine xmlns="" xmlns:a16="http://schemas.microsoft.com/office/drawing/2014/main" xmlns:p14="http://schemas.microsoft.com/office/powerpoint/2010/main" xmlns:a14="http://schemas.microsoft.com/office/drawing/2010/main" w="9525">
                   <a:solidFill>
                     <a:srgbClr val="000000"/>
                   </a:solidFill>
@@ -22909,7 +22995,7 @@
             </a:ln>
             <a:extLst>
               <a:ext uri="{91240B29-F687-4f45-9708-019B960494DF}">
-                <a14:hiddenLine xmlns:a14="http://schemas.microsoft.com/office/drawing/2010/main" xmlns:p14="http://schemas.microsoft.com/office/powerpoint/2010/main" xmlns:a16="http://schemas.microsoft.com/office/drawing/2014/main" xmlns="" w="9525">
+                <a14:hiddenLine xmlns="" xmlns:a16="http://schemas.microsoft.com/office/drawing/2014/main" xmlns:p14="http://schemas.microsoft.com/office/powerpoint/2010/main" xmlns:a14="http://schemas.microsoft.com/office/drawing/2010/main" w="9525">
                   <a:solidFill>
                     <a:srgbClr val="000000"/>
                   </a:solidFill>
@@ -23021,7 +23107,7 @@
             </a:ln>
             <a:extLst>
               <a:ext uri="{91240B29-F687-4f45-9708-019B960494DF}">
-                <a14:hiddenLine xmlns:a14="http://schemas.microsoft.com/office/drawing/2010/main" xmlns:p14="http://schemas.microsoft.com/office/powerpoint/2010/main" xmlns:a16="http://schemas.microsoft.com/office/drawing/2014/main" xmlns="" w="9525">
+                <a14:hiddenLine xmlns="" xmlns:a16="http://schemas.microsoft.com/office/drawing/2014/main" xmlns:p14="http://schemas.microsoft.com/office/powerpoint/2010/main" xmlns:a14="http://schemas.microsoft.com/office/drawing/2010/main" w="9525">
                   <a:solidFill>
                     <a:srgbClr val="000000"/>
                   </a:solidFill>
@@ -23105,7 +23191,7 @@
             </a:ln>
             <a:extLst>
               <a:ext uri="{91240B29-F687-4f45-9708-019B960494DF}">
-                <a14:hiddenLine xmlns:a14="http://schemas.microsoft.com/office/drawing/2010/main" xmlns:p14="http://schemas.microsoft.com/office/powerpoint/2010/main" xmlns:a16="http://schemas.microsoft.com/office/drawing/2014/main" xmlns="" w="9525">
+                <a14:hiddenLine xmlns="" xmlns:a16="http://schemas.microsoft.com/office/drawing/2014/main" xmlns:p14="http://schemas.microsoft.com/office/powerpoint/2010/main" xmlns:a14="http://schemas.microsoft.com/office/drawing/2010/main" w="9525">
                   <a:solidFill>
                     <a:srgbClr val="000000"/>
                   </a:solidFill>
@@ -23217,7 +23303,7 @@
             </a:ln>
             <a:extLst>
               <a:ext uri="{91240B29-F687-4f45-9708-019B960494DF}">
-                <a14:hiddenLine xmlns:a14="http://schemas.microsoft.com/office/drawing/2010/main" xmlns:p14="http://schemas.microsoft.com/office/powerpoint/2010/main" xmlns:a16="http://schemas.microsoft.com/office/drawing/2014/main" xmlns="" w="9525">
+                <a14:hiddenLine xmlns="" xmlns:a16="http://schemas.microsoft.com/office/drawing/2014/main" xmlns:p14="http://schemas.microsoft.com/office/powerpoint/2010/main" xmlns:a14="http://schemas.microsoft.com/office/drawing/2010/main" w="9525">
                   <a:solidFill>
                     <a:srgbClr val="000000"/>
                   </a:solidFill>
@@ -23329,7 +23415,7 @@
             </a:ln>
             <a:extLst>
               <a:ext uri="{91240B29-F687-4f45-9708-019B960494DF}">
-                <a14:hiddenLine xmlns:a14="http://schemas.microsoft.com/office/drawing/2010/main" xmlns:p14="http://schemas.microsoft.com/office/powerpoint/2010/main" xmlns:a16="http://schemas.microsoft.com/office/drawing/2014/main" xmlns="" w="9525">
+                <a14:hiddenLine xmlns="" xmlns:a16="http://schemas.microsoft.com/office/drawing/2014/main" xmlns:p14="http://schemas.microsoft.com/office/powerpoint/2010/main" xmlns:a14="http://schemas.microsoft.com/office/drawing/2010/main" w="9525">
                   <a:solidFill>
                     <a:srgbClr val="000000"/>
                   </a:solidFill>
@@ -23416,7 +23502,7 @@
             </a:ln>
             <a:extLst>
               <a:ext uri="{91240B29-F687-4f45-9708-019B960494DF}">
-                <a14:hiddenLine xmlns:a14="http://schemas.microsoft.com/office/drawing/2010/main" xmlns:p14="http://schemas.microsoft.com/office/powerpoint/2010/main" xmlns:a16="http://schemas.microsoft.com/office/drawing/2014/main" xmlns="" w="9525">
+                <a14:hiddenLine xmlns="" xmlns:a16="http://schemas.microsoft.com/office/drawing/2014/main" xmlns:p14="http://schemas.microsoft.com/office/powerpoint/2010/main" xmlns:a14="http://schemas.microsoft.com/office/drawing/2010/main" w="9525">
                   <a:solidFill>
                     <a:srgbClr val="000000"/>
                   </a:solidFill>
@@ -23500,7 +23586,7 @@
             </a:ln>
             <a:extLst>
               <a:ext uri="{91240B29-F687-4f45-9708-019B960494DF}">
-                <a14:hiddenLine xmlns:a14="http://schemas.microsoft.com/office/drawing/2010/main" xmlns:p14="http://schemas.microsoft.com/office/powerpoint/2010/main" xmlns:a16="http://schemas.microsoft.com/office/drawing/2014/main" xmlns="" w="9525">
+                <a14:hiddenLine xmlns="" xmlns:a16="http://schemas.microsoft.com/office/drawing/2014/main" xmlns:p14="http://schemas.microsoft.com/office/powerpoint/2010/main" xmlns:a14="http://schemas.microsoft.com/office/drawing/2010/main" w="9525">
                   <a:solidFill>
                     <a:srgbClr val="000000"/>
                   </a:solidFill>
@@ -23612,7 +23698,7 @@
             </a:ln>
             <a:extLst>
               <a:ext uri="{91240B29-F687-4f45-9708-019B960494DF}">
-                <a14:hiddenLine xmlns:a14="http://schemas.microsoft.com/office/drawing/2010/main" xmlns:p14="http://schemas.microsoft.com/office/powerpoint/2010/main" xmlns:a16="http://schemas.microsoft.com/office/drawing/2014/main" xmlns="" w="9525">
+                <a14:hiddenLine xmlns="" xmlns:a16="http://schemas.microsoft.com/office/drawing/2014/main" xmlns:p14="http://schemas.microsoft.com/office/powerpoint/2010/main" xmlns:a14="http://schemas.microsoft.com/office/drawing/2010/main" w="9525">
                   <a:solidFill>
                     <a:srgbClr val="000000"/>
                   </a:solidFill>
@@ -23724,7 +23810,7 @@
             </a:ln>
             <a:extLst>
               <a:ext uri="{91240B29-F687-4f45-9708-019B960494DF}">
-                <a14:hiddenLine xmlns:a14="http://schemas.microsoft.com/office/drawing/2010/main" xmlns:p14="http://schemas.microsoft.com/office/powerpoint/2010/main" xmlns:a16="http://schemas.microsoft.com/office/drawing/2014/main" xmlns="" w="9525">
+                <a14:hiddenLine xmlns="" xmlns:a16="http://schemas.microsoft.com/office/drawing/2014/main" xmlns:p14="http://schemas.microsoft.com/office/powerpoint/2010/main" xmlns:a14="http://schemas.microsoft.com/office/drawing/2010/main" w="9525">
                   <a:solidFill>
                     <a:srgbClr val="000000"/>
                   </a:solidFill>
@@ -23808,7 +23894,7 @@
             </a:ln>
             <a:extLst>
               <a:ext uri="{91240B29-F687-4f45-9708-019B960494DF}">
-                <a14:hiddenLine xmlns:a14="http://schemas.microsoft.com/office/drawing/2010/main" xmlns:p14="http://schemas.microsoft.com/office/powerpoint/2010/main" xmlns:a16="http://schemas.microsoft.com/office/drawing/2014/main" xmlns="" w="9525">
+                <a14:hiddenLine xmlns="" xmlns:a16="http://schemas.microsoft.com/office/drawing/2014/main" xmlns:p14="http://schemas.microsoft.com/office/powerpoint/2010/main" xmlns:a14="http://schemas.microsoft.com/office/drawing/2010/main" w="9525">
                   <a:solidFill>
                     <a:srgbClr val="000000"/>
                   </a:solidFill>
@@ -23950,7 +24036,7 @@
             </a:ln>
             <a:extLst>
               <a:ext uri="{91240B29-F687-4f45-9708-019B960494DF}">
-                <a14:hiddenLine xmlns:a14="http://schemas.microsoft.com/office/drawing/2010/main" xmlns:p14="http://schemas.microsoft.com/office/powerpoint/2010/main" xmlns:a16="http://schemas.microsoft.com/office/drawing/2014/main" xmlns="" w="9525">
+                <a14:hiddenLine xmlns="" xmlns:a16="http://schemas.microsoft.com/office/drawing/2014/main" xmlns:p14="http://schemas.microsoft.com/office/powerpoint/2010/main" xmlns:a14="http://schemas.microsoft.com/office/drawing/2010/main" w="9525">
                   <a:solidFill>
                     <a:srgbClr val="000000"/>
                   </a:solidFill>
@@ -24040,7 +24126,7 @@
             </a:ln>
             <a:extLst>
               <a:ext uri="{91240B29-F687-4f45-9708-019B960494DF}">
-                <a14:hiddenLine xmlns:a14="http://schemas.microsoft.com/office/drawing/2010/main" xmlns:p14="http://schemas.microsoft.com/office/powerpoint/2010/main" xmlns:a16="http://schemas.microsoft.com/office/drawing/2014/main" xmlns="" w="9525">
+                <a14:hiddenLine xmlns="" xmlns:a16="http://schemas.microsoft.com/office/drawing/2014/main" xmlns:p14="http://schemas.microsoft.com/office/powerpoint/2010/main" xmlns:a14="http://schemas.microsoft.com/office/drawing/2010/main" w="9525">
                   <a:solidFill>
                     <a:srgbClr val="000000"/>
                   </a:solidFill>
@@ -24152,7 +24238,7 @@
             </a:ln>
             <a:extLst>
               <a:ext uri="{91240B29-F687-4f45-9708-019B960494DF}">
-                <a14:hiddenLine xmlns:a14="http://schemas.microsoft.com/office/drawing/2010/main" xmlns:p14="http://schemas.microsoft.com/office/powerpoint/2010/main" xmlns:a16="http://schemas.microsoft.com/office/drawing/2014/main" xmlns="" w="9525">
+                <a14:hiddenLine xmlns="" xmlns:a16="http://schemas.microsoft.com/office/drawing/2014/main" xmlns:p14="http://schemas.microsoft.com/office/powerpoint/2010/main" xmlns:a14="http://schemas.microsoft.com/office/drawing/2010/main" w="9525">
                   <a:solidFill>
                     <a:srgbClr val="000000"/>
                   </a:solidFill>
@@ -24220,7 +24306,7 @@
           <a:noFill/>
           <a:extLst>
             <a:ext uri="{909E8E84-426E-40dd-AFC4-6F175D3DCCD1}">
-              <a14:hiddenFill xmlns:a14="http://schemas.microsoft.com/office/drawing/2010/main" xmlns:p14="http://schemas.microsoft.com/office/powerpoint/2010/main" xmlns:a16="http://schemas.microsoft.com/office/drawing/2014/main" xmlns="">
+              <a14:hiddenFill xmlns="" xmlns:a16="http://schemas.microsoft.com/office/drawing/2014/main" xmlns:p14="http://schemas.microsoft.com/office/powerpoint/2010/main" xmlns:a14="http://schemas.microsoft.com/office/drawing/2010/main">
                 <a:solidFill>
                   <a:srgbClr val="FFFFFF"/>
                 </a:solidFill>
@@ -25106,7 +25192,9 @@
         </p:nvSpPr>
         <p:spPr/>
         <p:txBody>
-          <a:bodyPr/>
+          <a:bodyPr>
+            <a:normAutofit fontScale="55000" lnSpcReduction="20000"/>
+          </a:bodyPr>
           <a:lstStyle/>
           <a:p>
             <a:r>
@@ -25148,6 +25236,55 @@
             </a:r>
           </a:p>
           <a:p>
+            <a:r>
+              <a:rPr lang="zh-TW" altLang="en-US" dirty="0"/>
+              <a:t>邏輯錯誤寫法</a:t>
+            </a:r>
+            <a:endParaRPr lang="en-US" altLang="zh-TW" dirty="0"/>
+          </a:p>
+          <a:p>
+            <a:pPr lvl="1"/>
+            <a:r>
+              <a:rPr lang="en-US" altLang="zh-TW" dirty="0" err="1"/>
+              <a:t>IfErrorTest</a:t>
+            </a:r>
+            <a:endParaRPr lang="en-US" altLang="zh-TW" dirty="0"/>
+          </a:p>
+          <a:p>
+            <a:pPr lvl="1"/>
+            <a:r>
+              <a:rPr lang="en-US" altLang="zh-TW" dirty="0"/>
+              <a:t>IfErrorTest2</a:t>
+            </a:r>
+          </a:p>
+          <a:p>
+            <a:pPr lvl="1"/>
+            <a:r>
+              <a:rPr lang="en-US" altLang="zh-TW" dirty="0" err="1"/>
+              <a:t>IfCorrectTest</a:t>
+            </a:r>
+            <a:endParaRPr lang="en-US" altLang="zh-TW" dirty="0"/>
+          </a:p>
+          <a:p>
+            <a:pPr lvl="1"/>
+            <a:r>
+              <a:rPr lang="en-US" altLang="zh-TW" dirty="0"/>
+              <a:t>IfCorrectTest2</a:t>
+            </a:r>
+          </a:p>
+          <a:p>
+            <a:r>
+              <a:rPr lang="zh-TW" altLang="en-US" dirty="0"/>
+              <a:t>撰寫</a:t>
+            </a:r>
+            <a:r>
+              <a:rPr lang="en-US" altLang="zh-TW" dirty="0"/>
+              <a:t>if else </a:t>
+            </a:r>
+            <a:r>
+              <a:rPr lang="zh-TW" altLang="en-US" dirty="0"/>
+              <a:t>時，一定要先處理範圍最小的情況</a:t>
+            </a:r>
             <a:endParaRPr lang="en-US" altLang="zh-TW" dirty="0"/>
           </a:p>
           <a:p>
@@ -25165,6 +25302,4163 @@
     <p:extLst>
       <p:ext uri="{BB962C8B-B14F-4D97-AF65-F5344CB8AC3E}">
         <p14:creationId xmlns:p14="http://schemas.microsoft.com/office/powerpoint/2010/main" val="956655446"/>
+      </p:ext>
+    </p:extLst>
+  </p:cSld>
+  <p:clrMapOvr>
+    <a:masterClrMapping/>
+  </p:clrMapOvr>
+</p:sld>
+</file>
+
+<file path=ppt/slides/slide8.xml><?xml version="1.0" encoding="utf-8"?>
+<p:sld xmlns:a="http://schemas.openxmlformats.org/drawingml/2006/main" xmlns:r="http://schemas.openxmlformats.org/officeDocument/2006/relationships" xmlns:p="http://schemas.openxmlformats.org/presentationml/2006/main">
+  <p:cSld>
+    <p:bg>
+      <p:bgPr>
+        <a:solidFill>
+          <a:schemeClr val="bg1"/>
+        </a:solidFill>
+        <a:effectLst/>
+      </p:bgPr>
+    </p:bg>
+    <p:spTree>
+      <p:nvGrpSpPr>
+        <p:cNvPr id="1" name=""/>
+        <p:cNvGrpSpPr/>
+        <p:nvPr/>
+      </p:nvGrpSpPr>
+      <p:grpSpPr>
+        <a:xfrm>
+          <a:off x="0" y="0"/>
+          <a:ext cx="0" cy="0"/>
+          <a:chOff x="0" y="0"/>
+          <a:chExt cx="0" cy="0"/>
+        </a:xfrm>
+      </p:grpSpPr>
+      <p:sp>
+        <p:nvSpPr>
+          <p:cNvPr id="12" name="Rectangle 11">
+            <a:extLst>
+              <a:ext uri="{FF2B5EF4-FFF2-40B4-BE49-F238E27FC236}">
+                <a16:creationId xmlns:a16="http://schemas.microsoft.com/office/drawing/2014/main" id="{046B922C-5BA7-4973-B12F-71A509E4BF13}"/>
+              </a:ext>
+              <a:ext uri="{C183D7F6-B498-43B3-948B-1728B52AA6E4}">
+                <adec:decorative xmlns:adec="http://schemas.microsoft.com/office/drawing/2017/decorative" val="1"/>
+              </a:ext>
+            </a:extLst>
+          </p:cNvPr>
+          <p:cNvSpPr>
+            <a:spLocks noGrp="1" noRot="1" noChangeAspect="1" noMove="1" noResize="1" noEditPoints="1" noAdjustHandles="1" noChangeArrowheads="1" noChangeShapeType="1" noTextEdit="1"/>
+          </p:cNvSpPr>
+          <p:nvPr>
+            <p:extLst>
+              <p:ext uri="{386F3935-93C4-4BCD-93E2-E3B085C9AB24}">
+                <p16:designElem xmlns:p16="http://schemas.microsoft.com/office/powerpoint/2015/main" val="1"/>
+              </p:ext>
+            </p:extLst>
+          </p:nvPr>
+        </p:nvSpPr>
+        <p:spPr>
+          <a:xfrm>
+            <a:off x="0" y="0"/>
+            <a:ext cx="12192000" cy="6858000"/>
+          </a:xfrm>
+          <a:prstGeom prst="rect">
+            <a:avLst/>
+          </a:prstGeom>
+          <a:ln>
+            <a:noFill/>
+          </a:ln>
+        </p:spPr>
+        <p:style>
+          <a:lnRef idx="2">
+            <a:schemeClr val="accent1">
+              <a:shade val="50000"/>
+            </a:schemeClr>
+          </a:lnRef>
+          <a:fillRef idx="1003">
+            <a:schemeClr val="dk2"/>
+          </a:fillRef>
+          <a:effectRef idx="0">
+            <a:schemeClr val="accent1"/>
+          </a:effectRef>
+          <a:fontRef idx="minor">
+            <a:schemeClr val="lt1"/>
+          </a:fontRef>
+        </p:style>
+        <p:txBody>
+          <a:bodyPr rtlCol="0" anchor="ctr"/>
+          <a:lstStyle/>
+          <a:p>
+            <a:pPr algn="ctr"/>
+            <a:endParaRPr lang="en-US"/>
+          </a:p>
+        </p:txBody>
+      </p:sp>
+      <p:grpSp>
+        <p:nvGrpSpPr>
+          <p:cNvPr id="14" name="Group 13">
+            <a:extLst>
+              <a:ext uri="{FF2B5EF4-FFF2-40B4-BE49-F238E27FC236}">
+                <a16:creationId xmlns:a16="http://schemas.microsoft.com/office/drawing/2014/main" id="{96D34D8D-9EE9-4659-8C22-7551A95F96FA}"/>
+              </a:ext>
+              <a:ext uri="{C183D7F6-B498-43B3-948B-1728B52AA6E4}">
+                <adec:decorative xmlns:adec="http://schemas.microsoft.com/office/drawing/2017/decorative" val="1"/>
+              </a:ext>
+            </a:extLst>
+          </p:cNvPr>
+          <p:cNvGrpSpPr>
+            <a:grpSpLocks noGrp="1" noUngrp="1" noRot="1" noChangeAspect="1" noMove="1" noResize="1"/>
+          </p:cNvGrpSpPr>
+          <p:nvPr>
+            <p:extLst>
+              <p:ext uri="{386F3935-93C4-4BCD-93E2-E3B085C9AB24}">
+                <p16:designElem xmlns:p16="http://schemas.microsoft.com/office/powerpoint/2015/main" val="1"/>
+              </p:ext>
+            </p:extLst>
+          </p:nvPr>
+        </p:nvGrpSpPr>
+        <p:grpSpPr>
+          <a:xfrm>
+            <a:off x="0" y="0"/>
+            <a:ext cx="11902285" cy="6858001"/>
+            <a:chOff x="0" y="0"/>
+            <a:chExt cx="11902285" cy="6858001"/>
+          </a:xfrm>
+        </p:grpSpPr>
+        <p:grpSp>
+          <p:nvGrpSpPr>
+            <p:cNvPr id="15" name="Group 14">
+              <a:extLst>
+                <a:ext uri="{FF2B5EF4-FFF2-40B4-BE49-F238E27FC236}">
+                  <a16:creationId xmlns:a16="http://schemas.microsoft.com/office/drawing/2014/main" id="{3CA93C16-1147-4EB3-B4E7-3C43102494D0}"/>
+                </a:ext>
+                <a:ext uri="{C183D7F6-B498-43B3-948B-1728B52AA6E4}">
+                  <adec:decorative xmlns:adec="http://schemas.microsoft.com/office/drawing/2017/decorative" val="1"/>
+                </a:ext>
+              </a:extLst>
+            </p:cNvPr>
+            <p:cNvGrpSpPr/>
+            <p:nvPr>
+              <p:extLst>
+                <p:ext uri="{386F3935-93C4-4BCD-93E2-E3B085C9AB24}">
+                  <p16:designElem xmlns:p16="http://schemas.microsoft.com/office/powerpoint/2015/main" val="1"/>
+                </p:ext>
+              </p:extLst>
+            </p:nvPr>
+          </p:nvGrpSpPr>
+          <p:grpSpPr>
+            <a:xfrm>
+              <a:off x="0" y="0"/>
+              <a:ext cx="1220788" cy="6858001"/>
+              <a:chOff x="-14288" y="0"/>
+              <a:chExt cx="1220788" cy="6858001"/>
+            </a:xfrm>
+            <a:gradFill flip="none" rotWithShape="1">
+              <a:gsLst>
+                <a:gs pos="0">
+                  <a:schemeClr val="bg2"/>
+                </a:gs>
+                <a:gs pos="100000">
+                  <a:schemeClr val="tx2">
+                    <a:lumMod val="60000"/>
+                    <a:lumOff val="40000"/>
+                  </a:schemeClr>
+                </a:gs>
+              </a:gsLst>
+              <a:lin ang="5400000" scaled="0"/>
+              <a:tileRect/>
+            </a:gradFill>
+          </p:grpSpPr>
+          <p:sp>
+            <p:nvSpPr>
+              <p:cNvPr id="27" name="Rectangle 5">
+                <a:extLst>
+                  <a:ext uri="{FF2B5EF4-FFF2-40B4-BE49-F238E27FC236}">
+                    <a16:creationId xmlns:a16="http://schemas.microsoft.com/office/drawing/2014/main" id="{C4779968-92AF-4B85-8C27-EBBFE1D69904}"/>
+                  </a:ext>
+                  <a:ext uri="{C183D7F6-B498-43B3-948B-1728B52AA6E4}">
+                    <adec:decorative xmlns:adec="http://schemas.microsoft.com/office/drawing/2017/decorative" val="1"/>
+                  </a:ext>
+                </a:extLst>
+              </p:cNvPr>
+              <p:cNvSpPr>
+                <a:spLocks noChangeArrowheads="1"/>
+              </p:cNvSpPr>
+              <p:nvPr>
+                <p:extLst>
+                  <p:ext uri="{386F3935-93C4-4BCD-93E2-E3B085C9AB24}">
+                    <p16:designElem xmlns:p16="http://schemas.microsoft.com/office/powerpoint/2015/main" val="1"/>
+                  </p:ext>
+                </p:extLst>
+              </p:nvPr>
+            </p:nvSpPr>
+            <p:spPr bwMode="auto">
+              <a:xfrm>
+                <a:off x="114300" y="4763"/>
+                <a:ext cx="23813" cy="2181225"/>
+              </a:xfrm>
+              <a:prstGeom prst="rect">
+                <a:avLst/>
+              </a:prstGeom>
+              <a:grpFill/>
+              <a:ln>
+                <a:noFill/>
+              </a:ln>
+              <a:extLst>
+                <a:ext uri="{91240B29-F687-4f45-9708-019B960494DF}">
+                  <a14:hiddenLine xmlns="" xmlns:a16="http://schemas.microsoft.com/office/drawing/2014/main" xmlns:p14="http://schemas.microsoft.com/office/powerpoint/2010/main" xmlns:a14="http://schemas.microsoft.com/office/drawing/2010/main" w="9525">
+                    <a:solidFill>
+                      <a:srgbClr val="000000"/>
+                    </a:solidFill>
+                    <a:miter lim="800000"/>
+                    <a:headEnd/>
+                    <a:tailEnd/>
+                  </a14:hiddenLine>
+                </a:ext>
+              </a:extLst>
+            </p:spPr>
+            <p:txBody>
+              <a:bodyPr/>
+              <a:lstStyle/>
+              <a:p>
+                <a:endParaRPr lang="zh-TW" altLang="en-US"/>
+              </a:p>
+            </p:txBody>
+          </p:sp>
+          <p:sp>
+            <p:nvSpPr>
+              <p:cNvPr id="28" name="Freeform 6">
+                <a:extLst>
+                  <a:ext uri="{FF2B5EF4-FFF2-40B4-BE49-F238E27FC236}">
+                    <a16:creationId xmlns:a16="http://schemas.microsoft.com/office/drawing/2014/main" id="{2C43E18D-7024-4F17-A664-E23BFBC12B79}"/>
+                  </a:ext>
+                  <a:ext uri="{C183D7F6-B498-43B3-948B-1728B52AA6E4}">
+                    <adec:decorative xmlns:adec="http://schemas.microsoft.com/office/drawing/2017/decorative" val="1"/>
+                  </a:ext>
+                </a:extLst>
+              </p:cNvPr>
+              <p:cNvSpPr>
+                <a:spLocks noEditPoints="1"/>
+              </p:cNvSpPr>
+              <p:nvPr>
+                <p:extLst>
+                  <p:ext uri="{386F3935-93C4-4BCD-93E2-E3B085C9AB24}">
+                    <p16:designElem xmlns:p16="http://schemas.microsoft.com/office/powerpoint/2015/main" val="1"/>
+                  </p:ext>
+                </p:extLst>
+              </p:nvPr>
+            </p:nvSpPr>
+            <p:spPr bwMode="auto">
+              <a:xfrm>
+                <a:off x="33337" y="2176463"/>
+                <a:ext cx="190500" cy="190500"/>
+              </a:xfrm>
+              <a:custGeom>
+                <a:avLst/>
+                <a:gdLst/>
+                <a:ahLst/>
+                <a:cxnLst/>
+                <a:rect l="0" t="0" r="r" b="b"/>
+                <a:pathLst>
+                  <a:path w="40" h="40">
+                    <a:moveTo>
+                      <a:pt x="20" y="40"/>
+                    </a:moveTo>
+                    <a:cubicBezTo>
+                      <a:pt x="9" y="40"/>
+                      <a:pt x="0" y="31"/>
+                      <a:pt x="0" y="20"/>
+                    </a:cubicBezTo>
+                    <a:cubicBezTo>
+                      <a:pt x="0" y="9"/>
+                      <a:pt x="9" y="0"/>
+                      <a:pt x="20" y="0"/>
+                    </a:cubicBezTo>
+                    <a:cubicBezTo>
+                      <a:pt x="31" y="0"/>
+                      <a:pt x="40" y="9"/>
+                      <a:pt x="40" y="20"/>
+                    </a:cubicBezTo>
+                    <a:cubicBezTo>
+                      <a:pt x="40" y="31"/>
+                      <a:pt x="31" y="40"/>
+                      <a:pt x="20" y="40"/>
+                    </a:cubicBezTo>
+                    <a:close/>
+                    <a:moveTo>
+                      <a:pt x="20" y="4"/>
+                    </a:moveTo>
+                    <a:cubicBezTo>
+                      <a:pt x="11" y="4"/>
+                      <a:pt x="4" y="11"/>
+                      <a:pt x="4" y="20"/>
+                    </a:cubicBezTo>
+                    <a:cubicBezTo>
+                      <a:pt x="4" y="29"/>
+                      <a:pt x="11" y="36"/>
+                      <a:pt x="20" y="36"/>
+                    </a:cubicBezTo>
+                    <a:cubicBezTo>
+                      <a:pt x="28" y="36"/>
+                      <a:pt x="36" y="29"/>
+                      <a:pt x="36" y="20"/>
+                    </a:cubicBezTo>
+                    <a:cubicBezTo>
+                      <a:pt x="36" y="11"/>
+                      <a:pt x="28" y="4"/>
+                      <a:pt x="20" y="4"/>
+                    </a:cubicBezTo>
+                    <a:close/>
+                  </a:path>
+                </a:pathLst>
+              </a:custGeom>
+              <a:grpFill/>
+              <a:ln>
+                <a:noFill/>
+              </a:ln>
+              <a:extLst>
+                <a:ext uri="{91240B29-F687-4f45-9708-019B960494DF}">
+                  <a14:hiddenLine xmlns="" xmlns:a16="http://schemas.microsoft.com/office/drawing/2014/main" xmlns:p14="http://schemas.microsoft.com/office/powerpoint/2010/main" xmlns:a14="http://schemas.microsoft.com/office/drawing/2010/main" w="9525">
+                    <a:solidFill>
+                      <a:srgbClr val="000000"/>
+                    </a:solidFill>
+                    <a:round/>
+                    <a:headEnd/>
+                    <a:tailEnd/>
+                  </a14:hiddenLine>
+                </a:ext>
+              </a:extLst>
+            </p:spPr>
+            <p:txBody>
+              <a:bodyPr/>
+              <a:lstStyle/>
+              <a:p>
+                <a:endParaRPr lang="zh-TW" altLang="en-US"/>
+              </a:p>
+            </p:txBody>
+          </p:sp>
+          <p:sp>
+            <p:nvSpPr>
+              <p:cNvPr id="29" name="Freeform 7">
+                <a:extLst>
+                  <a:ext uri="{FF2B5EF4-FFF2-40B4-BE49-F238E27FC236}">
+                    <a16:creationId xmlns:a16="http://schemas.microsoft.com/office/drawing/2014/main" id="{CA2ACEBA-081B-4B0B-AFB1-C596B834FDA3}"/>
+                  </a:ext>
+                  <a:ext uri="{C183D7F6-B498-43B3-948B-1728B52AA6E4}">
+                    <adec:decorative xmlns:adec="http://schemas.microsoft.com/office/drawing/2017/decorative" val="1"/>
+                  </a:ext>
+                </a:extLst>
+              </p:cNvPr>
+              <p:cNvSpPr>
+                <a:spLocks noEditPoints="1"/>
+              </p:cNvSpPr>
+              <p:nvPr>
+                <p:extLst>
+                  <p:ext uri="{386F3935-93C4-4BCD-93E2-E3B085C9AB24}">
+                    <p16:designElem xmlns:p16="http://schemas.microsoft.com/office/powerpoint/2015/main" val="1"/>
+                  </p:ext>
+                </p:extLst>
+              </p:nvPr>
+            </p:nvSpPr>
+            <p:spPr bwMode="auto">
+              <a:xfrm>
+                <a:off x="28575" y="4021138"/>
+                <a:ext cx="190500" cy="188913"/>
+              </a:xfrm>
+              <a:custGeom>
+                <a:avLst/>
+                <a:gdLst/>
+                <a:ahLst/>
+                <a:cxnLst/>
+                <a:rect l="0" t="0" r="r" b="b"/>
+                <a:pathLst>
+                  <a:path w="40" h="40">
+                    <a:moveTo>
+                      <a:pt x="20" y="40"/>
+                    </a:moveTo>
+                    <a:cubicBezTo>
+                      <a:pt x="9" y="40"/>
+                      <a:pt x="0" y="31"/>
+                      <a:pt x="0" y="20"/>
+                    </a:cubicBezTo>
+                    <a:cubicBezTo>
+                      <a:pt x="0" y="9"/>
+                      <a:pt x="9" y="0"/>
+                      <a:pt x="20" y="0"/>
+                    </a:cubicBezTo>
+                    <a:cubicBezTo>
+                      <a:pt x="31" y="0"/>
+                      <a:pt x="40" y="9"/>
+                      <a:pt x="40" y="20"/>
+                    </a:cubicBezTo>
+                    <a:cubicBezTo>
+                      <a:pt x="40" y="31"/>
+                      <a:pt x="31" y="40"/>
+                      <a:pt x="20" y="40"/>
+                    </a:cubicBezTo>
+                    <a:close/>
+                    <a:moveTo>
+                      <a:pt x="20" y="4"/>
+                    </a:moveTo>
+                    <a:cubicBezTo>
+                      <a:pt x="12" y="4"/>
+                      <a:pt x="4" y="11"/>
+                      <a:pt x="4" y="20"/>
+                    </a:cubicBezTo>
+                    <a:cubicBezTo>
+                      <a:pt x="4" y="29"/>
+                      <a:pt x="12" y="36"/>
+                      <a:pt x="20" y="36"/>
+                    </a:cubicBezTo>
+                    <a:cubicBezTo>
+                      <a:pt x="29" y="36"/>
+                      <a:pt x="36" y="29"/>
+                      <a:pt x="36" y="20"/>
+                    </a:cubicBezTo>
+                    <a:cubicBezTo>
+                      <a:pt x="36" y="11"/>
+                      <a:pt x="29" y="4"/>
+                      <a:pt x="20" y="4"/>
+                    </a:cubicBezTo>
+                    <a:close/>
+                  </a:path>
+                </a:pathLst>
+              </a:custGeom>
+              <a:grpFill/>
+              <a:ln>
+                <a:noFill/>
+              </a:ln>
+              <a:extLst>
+                <a:ext uri="{91240B29-F687-4f45-9708-019B960494DF}">
+                  <a14:hiddenLine xmlns="" xmlns:a16="http://schemas.microsoft.com/office/drawing/2014/main" xmlns:p14="http://schemas.microsoft.com/office/powerpoint/2010/main" xmlns:a14="http://schemas.microsoft.com/office/drawing/2010/main" w="9525">
+                    <a:solidFill>
+                      <a:srgbClr val="000000"/>
+                    </a:solidFill>
+                    <a:round/>
+                    <a:headEnd/>
+                    <a:tailEnd/>
+                  </a14:hiddenLine>
+                </a:ext>
+              </a:extLst>
+            </p:spPr>
+            <p:txBody>
+              <a:bodyPr/>
+              <a:lstStyle/>
+              <a:p>
+                <a:endParaRPr lang="zh-TW" altLang="en-US"/>
+              </a:p>
+            </p:txBody>
+          </p:sp>
+          <p:sp>
+            <p:nvSpPr>
+              <p:cNvPr id="30" name="Freeform 8">
+                <a:extLst>
+                  <a:ext uri="{FF2B5EF4-FFF2-40B4-BE49-F238E27FC236}">
+                    <a16:creationId xmlns:a16="http://schemas.microsoft.com/office/drawing/2014/main" id="{2AFBB163-514B-493A-983F-8BE96848F9B5}"/>
+                  </a:ext>
+                  <a:ext uri="{C183D7F6-B498-43B3-948B-1728B52AA6E4}">
+                    <adec:decorative xmlns:adec="http://schemas.microsoft.com/office/drawing/2017/decorative" val="1"/>
+                  </a:ext>
+                </a:extLst>
+              </p:cNvPr>
+              <p:cNvSpPr/>
+              <p:nvPr>
+                <p:extLst>
+                  <p:ext uri="{386F3935-93C4-4BCD-93E2-E3B085C9AB24}">
+                    <p16:designElem xmlns:p16="http://schemas.microsoft.com/office/powerpoint/2015/main" val="1"/>
+                  </p:ext>
+                </p:extLst>
+              </p:nvPr>
+            </p:nvSpPr>
+            <p:spPr bwMode="auto">
+              <a:xfrm>
+                <a:off x="200025" y="4763"/>
+                <a:ext cx="369888" cy="1811338"/>
+              </a:xfrm>
+              <a:custGeom>
+                <a:avLst/>
+                <a:gdLst/>
+                <a:ahLst/>
+                <a:cxnLst/>
+                <a:rect l="0" t="0" r="r" b="b"/>
+                <a:pathLst>
+                  <a:path w="233" h="1141">
+                    <a:moveTo>
+                      <a:pt x="218" y="1141"/>
+                    </a:moveTo>
+                    <a:lnTo>
+                      <a:pt x="0" y="626"/>
+                    </a:lnTo>
+                    <a:lnTo>
+                      <a:pt x="0" y="0"/>
+                    </a:lnTo>
+                    <a:lnTo>
+                      <a:pt x="15" y="0"/>
+                    </a:lnTo>
+                    <a:lnTo>
+                      <a:pt x="15" y="623"/>
+                    </a:lnTo>
+                    <a:lnTo>
+                      <a:pt x="233" y="1135"/>
+                    </a:lnTo>
+                    <a:lnTo>
+                      <a:pt x="218" y="1141"/>
+                    </a:lnTo>
+                    <a:close/>
+                  </a:path>
+                </a:pathLst>
+              </a:custGeom>
+              <a:grpFill/>
+              <a:ln>
+                <a:noFill/>
+              </a:ln>
+              <a:extLst>
+                <a:ext uri="{91240B29-F687-4f45-9708-019B960494DF}">
+                  <a14:hiddenLine xmlns="" xmlns:a16="http://schemas.microsoft.com/office/drawing/2014/main" xmlns:p14="http://schemas.microsoft.com/office/powerpoint/2010/main" xmlns:a14="http://schemas.microsoft.com/office/drawing/2010/main" w="9525">
+                    <a:solidFill>
+                      <a:srgbClr val="000000"/>
+                    </a:solidFill>
+                    <a:round/>
+                    <a:headEnd/>
+                    <a:tailEnd/>
+                  </a14:hiddenLine>
+                </a:ext>
+              </a:extLst>
+            </p:spPr>
+            <p:txBody>
+              <a:bodyPr/>
+              <a:lstStyle/>
+              <a:p>
+                <a:endParaRPr lang="zh-TW" altLang="en-US"/>
+              </a:p>
+            </p:txBody>
+          </p:sp>
+          <p:sp>
+            <p:nvSpPr>
+              <p:cNvPr id="31" name="Freeform 9">
+                <a:extLst>
+                  <a:ext uri="{FF2B5EF4-FFF2-40B4-BE49-F238E27FC236}">
+                    <a16:creationId xmlns:a16="http://schemas.microsoft.com/office/drawing/2014/main" id="{7720326C-7DB1-4745-9015-3FA6990855B9}"/>
+                  </a:ext>
+                  <a:ext uri="{C183D7F6-B498-43B3-948B-1728B52AA6E4}">
+                    <adec:decorative xmlns:adec="http://schemas.microsoft.com/office/drawing/2017/decorative" val="1"/>
+                  </a:ext>
+                </a:extLst>
+              </p:cNvPr>
+              <p:cNvSpPr>
+                <a:spLocks noEditPoints="1"/>
+              </p:cNvSpPr>
+              <p:nvPr>
+                <p:extLst>
+                  <p:ext uri="{386F3935-93C4-4BCD-93E2-E3B085C9AB24}">
+                    <p16:designElem xmlns:p16="http://schemas.microsoft.com/office/powerpoint/2015/main" val="1"/>
+                  </p:ext>
+                </p:extLst>
+              </p:nvPr>
+            </p:nvSpPr>
+            <p:spPr bwMode="auto">
+              <a:xfrm>
+                <a:off x="503237" y="1801813"/>
+                <a:ext cx="190500" cy="188913"/>
+              </a:xfrm>
+              <a:custGeom>
+                <a:avLst/>
+                <a:gdLst/>
+                <a:ahLst/>
+                <a:cxnLst/>
+                <a:rect l="0" t="0" r="r" b="b"/>
+                <a:pathLst>
+                  <a:path w="40" h="40">
+                    <a:moveTo>
+                      <a:pt x="20" y="40"/>
+                    </a:moveTo>
+                    <a:cubicBezTo>
+                      <a:pt x="9" y="40"/>
+                      <a:pt x="0" y="31"/>
+                      <a:pt x="0" y="20"/>
+                    </a:cubicBezTo>
+                    <a:cubicBezTo>
+                      <a:pt x="0" y="9"/>
+                      <a:pt x="9" y="0"/>
+                      <a:pt x="20" y="0"/>
+                    </a:cubicBezTo>
+                    <a:cubicBezTo>
+                      <a:pt x="33" y="0"/>
+                      <a:pt x="40" y="6"/>
+                      <a:pt x="40" y="20"/>
+                    </a:cubicBezTo>
+                    <a:cubicBezTo>
+                      <a:pt x="40" y="31"/>
+                      <a:pt x="31" y="40"/>
+                      <a:pt x="20" y="40"/>
+                    </a:cubicBezTo>
+                    <a:close/>
+                    <a:moveTo>
+                      <a:pt x="20" y="4"/>
+                    </a:moveTo>
+                    <a:cubicBezTo>
+                      <a:pt x="11" y="4"/>
+                      <a:pt x="4" y="11"/>
+                      <a:pt x="4" y="20"/>
+                    </a:cubicBezTo>
+                    <a:cubicBezTo>
+                      <a:pt x="4" y="29"/>
+                      <a:pt x="11" y="36"/>
+                      <a:pt x="20" y="36"/>
+                    </a:cubicBezTo>
+                    <a:cubicBezTo>
+                      <a:pt x="28" y="36"/>
+                      <a:pt x="36" y="29"/>
+                      <a:pt x="36" y="20"/>
+                    </a:cubicBezTo>
+                    <a:cubicBezTo>
+                      <a:pt x="36" y="9"/>
+                      <a:pt x="31" y="4"/>
+                      <a:pt x="20" y="4"/>
+                    </a:cubicBezTo>
+                    <a:close/>
+                  </a:path>
+                </a:pathLst>
+              </a:custGeom>
+              <a:grpFill/>
+              <a:ln>
+                <a:noFill/>
+              </a:ln>
+              <a:extLst>
+                <a:ext uri="{91240B29-F687-4f45-9708-019B960494DF}">
+                  <a14:hiddenLine xmlns="" xmlns:a16="http://schemas.microsoft.com/office/drawing/2014/main" xmlns:p14="http://schemas.microsoft.com/office/powerpoint/2010/main" xmlns:a14="http://schemas.microsoft.com/office/drawing/2010/main" w="9525">
+                    <a:solidFill>
+                      <a:srgbClr val="000000"/>
+                    </a:solidFill>
+                    <a:round/>
+                    <a:headEnd/>
+                    <a:tailEnd/>
+                  </a14:hiddenLine>
+                </a:ext>
+              </a:extLst>
+            </p:spPr>
+            <p:txBody>
+              <a:bodyPr/>
+              <a:lstStyle/>
+              <a:p>
+                <a:endParaRPr lang="zh-TW" altLang="en-US"/>
+              </a:p>
+            </p:txBody>
+          </p:sp>
+          <p:sp>
+            <p:nvSpPr>
+              <p:cNvPr id="32" name="Freeform 10">
+                <a:extLst>
+                  <a:ext uri="{FF2B5EF4-FFF2-40B4-BE49-F238E27FC236}">
+                    <a16:creationId xmlns:a16="http://schemas.microsoft.com/office/drawing/2014/main" id="{01D5FBDC-A284-440B-8D5F-84287B0A25DD}"/>
+                  </a:ext>
+                  <a:ext uri="{C183D7F6-B498-43B3-948B-1728B52AA6E4}">
+                    <adec:decorative xmlns:adec="http://schemas.microsoft.com/office/drawing/2017/decorative" val="1"/>
+                  </a:ext>
+                </a:extLst>
+              </p:cNvPr>
+              <p:cNvSpPr/>
+              <p:nvPr>
+                <p:extLst>
+                  <p:ext uri="{386F3935-93C4-4BCD-93E2-E3B085C9AB24}">
+                    <p16:designElem xmlns:p16="http://schemas.microsoft.com/office/powerpoint/2015/main" val="1"/>
+                  </p:ext>
+                </p:extLst>
+              </p:nvPr>
+            </p:nvSpPr>
+            <p:spPr bwMode="auto">
+              <a:xfrm>
+                <a:off x="285750" y="4763"/>
+                <a:ext cx="369888" cy="1430338"/>
+              </a:xfrm>
+              <a:custGeom>
+                <a:avLst/>
+                <a:gdLst/>
+                <a:ahLst/>
+                <a:cxnLst/>
+                <a:rect l="0" t="0" r="r" b="b"/>
+                <a:pathLst>
+                  <a:path w="233" h="901">
+                    <a:moveTo>
+                      <a:pt x="221" y="901"/>
+                    </a:moveTo>
+                    <a:lnTo>
+                      <a:pt x="0" y="383"/>
+                    </a:lnTo>
+                    <a:lnTo>
+                      <a:pt x="0" y="0"/>
+                    </a:lnTo>
+                    <a:lnTo>
+                      <a:pt x="18" y="0"/>
+                    </a:lnTo>
+                    <a:lnTo>
+                      <a:pt x="18" y="380"/>
+                    </a:lnTo>
+                    <a:lnTo>
+                      <a:pt x="233" y="895"/>
+                    </a:lnTo>
+                    <a:lnTo>
+                      <a:pt x="221" y="901"/>
+                    </a:lnTo>
+                    <a:close/>
+                  </a:path>
+                </a:pathLst>
+              </a:custGeom>
+              <a:grpFill/>
+              <a:ln>
+                <a:noFill/>
+              </a:ln>
+              <a:extLst>
+                <a:ext uri="{91240B29-F687-4f45-9708-019B960494DF}">
+                  <a14:hiddenLine xmlns="" xmlns:a16="http://schemas.microsoft.com/office/drawing/2014/main" xmlns:p14="http://schemas.microsoft.com/office/powerpoint/2010/main" xmlns:a14="http://schemas.microsoft.com/office/drawing/2010/main" w="9525">
+                    <a:solidFill>
+                      <a:srgbClr val="000000"/>
+                    </a:solidFill>
+                    <a:round/>
+                    <a:headEnd/>
+                    <a:tailEnd/>
+                  </a14:hiddenLine>
+                </a:ext>
+              </a:extLst>
+            </p:spPr>
+            <p:txBody>
+              <a:bodyPr/>
+              <a:lstStyle/>
+              <a:p>
+                <a:endParaRPr lang="zh-TW" altLang="en-US"/>
+              </a:p>
+            </p:txBody>
+          </p:sp>
+          <p:sp>
+            <p:nvSpPr>
+              <p:cNvPr id="33" name="Freeform 11">
+                <a:extLst>
+                  <a:ext uri="{FF2B5EF4-FFF2-40B4-BE49-F238E27FC236}">
+                    <a16:creationId xmlns:a16="http://schemas.microsoft.com/office/drawing/2014/main" id="{517CE611-1CB0-442B-8998-98487209B0E9}"/>
+                  </a:ext>
+                  <a:ext uri="{C183D7F6-B498-43B3-948B-1728B52AA6E4}">
+                    <adec:decorative xmlns:adec="http://schemas.microsoft.com/office/drawing/2017/decorative" val="1"/>
+                  </a:ext>
+                </a:extLst>
+              </p:cNvPr>
+              <p:cNvSpPr/>
+              <p:nvPr>
+                <p:extLst>
+                  <p:ext uri="{386F3935-93C4-4BCD-93E2-E3B085C9AB24}">
+                    <p16:designElem xmlns:p16="http://schemas.microsoft.com/office/powerpoint/2015/main" val="1"/>
+                  </p:ext>
+                </p:extLst>
+              </p:nvPr>
+            </p:nvSpPr>
+            <p:spPr bwMode="auto">
+              <a:xfrm>
+                <a:off x="546100" y="0"/>
+                <a:ext cx="152400" cy="912813"/>
+              </a:xfrm>
+              <a:custGeom>
+                <a:avLst/>
+                <a:gdLst/>
+                <a:ahLst/>
+                <a:cxnLst/>
+                <a:rect l="0" t="0" r="r" b="b"/>
+                <a:pathLst>
+                  <a:path w="96" h="575">
+                    <a:moveTo>
+                      <a:pt x="96" y="575"/>
+                    </a:moveTo>
+                    <a:lnTo>
+                      <a:pt x="78" y="575"/>
+                    </a:lnTo>
+                    <a:lnTo>
+                      <a:pt x="78" y="192"/>
+                    </a:lnTo>
+                    <a:lnTo>
+                      <a:pt x="0" y="6"/>
+                    </a:lnTo>
+                    <a:lnTo>
+                      <a:pt x="15" y="0"/>
+                    </a:lnTo>
+                    <a:lnTo>
+                      <a:pt x="96" y="189"/>
+                    </a:lnTo>
+                    <a:lnTo>
+                      <a:pt x="96" y="575"/>
+                    </a:lnTo>
+                    <a:close/>
+                  </a:path>
+                </a:pathLst>
+              </a:custGeom>
+              <a:grpFill/>
+              <a:ln>
+                <a:noFill/>
+              </a:ln>
+              <a:extLst>
+                <a:ext uri="{91240B29-F687-4f45-9708-019B960494DF}">
+                  <a14:hiddenLine xmlns="" xmlns:a16="http://schemas.microsoft.com/office/drawing/2014/main" xmlns:p14="http://schemas.microsoft.com/office/powerpoint/2010/main" xmlns:a14="http://schemas.microsoft.com/office/drawing/2010/main" w="9525">
+                    <a:solidFill>
+                      <a:srgbClr val="000000"/>
+                    </a:solidFill>
+                    <a:round/>
+                    <a:headEnd/>
+                    <a:tailEnd/>
+                  </a14:hiddenLine>
+                </a:ext>
+              </a:extLst>
+            </p:spPr>
+            <p:txBody>
+              <a:bodyPr/>
+              <a:lstStyle/>
+              <a:p>
+                <a:endParaRPr lang="zh-TW" altLang="en-US"/>
+              </a:p>
+            </p:txBody>
+          </p:sp>
+          <p:sp>
+            <p:nvSpPr>
+              <p:cNvPr id="34" name="Freeform 12">
+                <a:extLst>
+                  <a:ext uri="{FF2B5EF4-FFF2-40B4-BE49-F238E27FC236}">
+                    <a16:creationId xmlns:a16="http://schemas.microsoft.com/office/drawing/2014/main" id="{EF0F0E46-9222-4FCF-A79E-9B4953C6F07D}"/>
+                  </a:ext>
+                  <a:ext uri="{C183D7F6-B498-43B3-948B-1728B52AA6E4}">
+                    <adec:decorative xmlns:adec="http://schemas.microsoft.com/office/drawing/2017/decorative" val="1"/>
+                  </a:ext>
+                </a:extLst>
+              </p:cNvPr>
+              <p:cNvSpPr>
+                <a:spLocks noEditPoints="1"/>
+              </p:cNvSpPr>
+              <p:nvPr>
+                <p:extLst>
+                  <p:ext uri="{386F3935-93C4-4BCD-93E2-E3B085C9AB24}">
+                    <p16:designElem xmlns:p16="http://schemas.microsoft.com/office/powerpoint/2015/main" val="1"/>
+                  </p:ext>
+                </p:extLst>
+              </p:nvPr>
+            </p:nvSpPr>
+            <p:spPr bwMode="auto">
+              <a:xfrm>
+                <a:off x="588962" y="1420813"/>
+                <a:ext cx="190500" cy="190500"/>
+              </a:xfrm>
+              <a:custGeom>
+                <a:avLst/>
+                <a:gdLst/>
+                <a:ahLst/>
+                <a:cxnLst/>
+                <a:rect l="0" t="0" r="r" b="b"/>
+                <a:pathLst>
+                  <a:path w="40" h="40">
+                    <a:moveTo>
+                      <a:pt x="20" y="40"/>
+                    </a:moveTo>
+                    <a:cubicBezTo>
+                      <a:pt x="9" y="40"/>
+                      <a:pt x="0" y="31"/>
+                      <a:pt x="0" y="20"/>
+                    </a:cubicBezTo>
+                    <a:cubicBezTo>
+                      <a:pt x="0" y="9"/>
+                      <a:pt x="9" y="0"/>
+                      <a:pt x="20" y="0"/>
+                    </a:cubicBezTo>
+                    <a:cubicBezTo>
+                      <a:pt x="33" y="0"/>
+                      <a:pt x="40" y="7"/>
+                      <a:pt x="40" y="20"/>
+                    </a:cubicBezTo>
+                    <a:cubicBezTo>
+                      <a:pt x="40" y="31"/>
+                      <a:pt x="31" y="40"/>
+                      <a:pt x="20" y="40"/>
+                    </a:cubicBezTo>
+                    <a:close/>
+                    <a:moveTo>
+                      <a:pt x="20" y="4"/>
+                    </a:moveTo>
+                    <a:cubicBezTo>
+                      <a:pt x="11" y="4"/>
+                      <a:pt x="4" y="11"/>
+                      <a:pt x="4" y="20"/>
+                    </a:cubicBezTo>
+                    <a:cubicBezTo>
+                      <a:pt x="4" y="29"/>
+                      <a:pt x="11" y="36"/>
+                      <a:pt x="20" y="36"/>
+                    </a:cubicBezTo>
+                    <a:cubicBezTo>
+                      <a:pt x="29" y="36"/>
+                      <a:pt x="36" y="29"/>
+                      <a:pt x="36" y="20"/>
+                    </a:cubicBezTo>
+                    <a:cubicBezTo>
+                      <a:pt x="36" y="9"/>
+                      <a:pt x="31" y="4"/>
+                      <a:pt x="20" y="4"/>
+                    </a:cubicBezTo>
+                    <a:close/>
+                  </a:path>
+                </a:pathLst>
+              </a:custGeom>
+              <a:grpFill/>
+              <a:ln>
+                <a:noFill/>
+              </a:ln>
+              <a:extLst>
+                <a:ext uri="{91240B29-F687-4f45-9708-019B960494DF}">
+                  <a14:hiddenLine xmlns="" xmlns:a16="http://schemas.microsoft.com/office/drawing/2014/main" xmlns:p14="http://schemas.microsoft.com/office/powerpoint/2010/main" xmlns:a14="http://schemas.microsoft.com/office/drawing/2010/main" w="9525">
+                    <a:solidFill>
+                      <a:srgbClr val="000000"/>
+                    </a:solidFill>
+                    <a:round/>
+                    <a:headEnd/>
+                    <a:tailEnd/>
+                  </a14:hiddenLine>
+                </a:ext>
+              </a:extLst>
+            </p:spPr>
+            <p:txBody>
+              <a:bodyPr/>
+              <a:lstStyle/>
+              <a:p>
+                <a:endParaRPr lang="zh-TW" altLang="en-US"/>
+              </a:p>
+            </p:txBody>
+          </p:sp>
+          <p:sp>
+            <p:nvSpPr>
+              <p:cNvPr id="35" name="Freeform 13">
+                <a:extLst>
+                  <a:ext uri="{FF2B5EF4-FFF2-40B4-BE49-F238E27FC236}">
+                    <a16:creationId xmlns:a16="http://schemas.microsoft.com/office/drawing/2014/main" id="{371A87C3-0804-4AB9-8EAD-FBFF597ED823}"/>
+                  </a:ext>
+                  <a:ext uri="{C183D7F6-B498-43B3-948B-1728B52AA6E4}">
+                    <adec:decorative xmlns:adec="http://schemas.microsoft.com/office/drawing/2017/decorative" val="1"/>
+                  </a:ext>
+                </a:extLst>
+              </p:cNvPr>
+              <p:cNvSpPr>
+                <a:spLocks noEditPoints="1"/>
+              </p:cNvSpPr>
+              <p:nvPr>
+                <p:extLst>
+                  <p:ext uri="{386F3935-93C4-4BCD-93E2-E3B085C9AB24}">
+                    <p16:designElem xmlns:p16="http://schemas.microsoft.com/office/powerpoint/2015/main" val="1"/>
+                  </p:ext>
+                </p:extLst>
+              </p:nvPr>
+            </p:nvSpPr>
+            <p:spPr bwMode="auto">
+              <a:xfrm>
+                <a:off x="588962" y="903288"/>
+                <a:ext cx="190500" cy="190500"/>
+              </a:xfrm>
+              <a:custGeom>
+                <a:avLst/>
+                <a:gdLst/>
+                <a:ahLst/>
+                <a:cxnLst/>
+                <a:rect l="0" t="0" r="r" b="b"/>
+                <a:pathLst>
+                  <a:path w="40" h="40">
+                    <a:moveTo>
+                      <a:pt x="20" y="40"/>
+                    </a:moveTo>
+                    <a:cubicBezTo>
+                      <a:pt x="9" y="40"/>
+                      <a:pt x="0" y="31"/>
+                      <a:pt x="0" y="20"/>
+                    </a:cubicBezTo>
+                    <a:cubicBezTo>
+                      <a:pt x="0" y="9"/>
+                      <a:pt x="9" y="0"/>
+                      <a:pt x="20" y="0"/>
+                    </a:cubicBezTo>
+                    <a:cubicBezTo>
+                      <a:pt x="31" y="0"/>
+                      <a:pt x="40" y="9"/>
+                      <a:pt x="40" y="20"/>
+                    </a:cubicBezTo>
+                    <a:cubicBezTo>
+                      <a:pt x="40" y="31"/>
+                      <a:pt x="31" y="40"/>
+                      <a:pt x="20" y="40"/>
+                    </a:cubicBezTo>
+                    <a:close/>
+                    <a:moveTo>
+                      <a:pt x="20" y="4"/>
+                    </a:moveTo>
+                    <a:cubicBezTo>
+                      <a:pt x="11" y="4"/>
+                      <a:pt x="4" y="11"/>
+                      <a:pt x="4" y="20"/>
+                    </a:cubicBezTo>
+                    <a:cubicBezTo>
+                      <a:pt x="4" y="29"/>
+                      <a:pt x="11" y="36"/>
+                      <a:pt x="20" y="36"/>
+                    </a:cubicBezTo>
+                    <a:cubicBezTo>
+                      <a:pt x="29" y="36"/>
+                      <a:pt x="36" y="29"/>
+                      <a:pt x="36" y="20"/>
+                    </a:cubicBezTo>
+                    <a:cubicBezTo>
+                      <a:pt x="36" y="11"/>
+                      <a:pt x="29" y="4"/>
+                      <a:pt x="20" y="4"/>
+                    </a:cubicBezTo>
+                    <a:close/>
+                  </a:path>
+                </a:pathLst>
+              </a:custGeom>
+              <a:grpFill/>
+              <a:ln>
+                <a:noFill/>
+              </a:ln>
+              <a:extLst>
+                <a:ext uri="{91240B29-F687-4f45-9708-019B960494DF}">
+                  <a14:hiddenLine xmlns="" xmlns:a16="http://schemas.microsoft.com/office/drawing/2014/main" xmlns:p14="http://schemas.microsoft.com/office/powerpoint/2010/main" xmlns:a14="http://schemas.microsoft.com/office/drawing/2010/main" w="9525">
+                    <a:solidFill>
+                      <a:srgbClr val="000000"/>
+                    </a:solidFill>
+                    <a:round/>
+                    <a:headEnd/>
+                    <a:tailEnd/>
+                  </a14:hiddenLine>
+                </a:ext>
+              </a:extLst>
+            </p:spPr>
+            <p:txBody>
+              <a:bodyPr/>
+              <a:lstStyle/>
+              <a:p>
+                <a:endParaRPr lang="zh-TW" altLang="en-US"/>
+              </a:p>
+            </p:txBody>
+          </p:sp>
+          <p:sp>
+            <p:nvSpPr>
+              <p:cNvPr id="36" name="Freeform 14">
+                <a:extLst>
+                  <a:ext uri="{FF2B5EF4-FFF2-40B4-BE49-F238E27FC236}">
+                    <a16:creationId xmlns:a16="http://schemas.microsoft.com/office/drawing/2014/main" id="{89F39433-8BC3-48D6-B705-F951DBDAABD4}"/>
+                  </a:ext>
+                  <a:ext uri="{C183D7F6-B498-43B3-948B-1728B52AA6E4}">
+                    <adec:decorative xmlns:adec="http://schemas.microsoft.com/office/drawing/2017/decorative" val="1"/>
+                  </a:ext>
+                </a:extLst>
+              </p:cNvPr>
+              <p:cNvSpPr/>
+              <p:nvPr>
+                <p:extLst>
+                  <p:ext uri="{386F3935-93C4-4BCD-93E2-E3B085C9AB24}">
+                    <p16:designElem xmlns:p16="http://schemas.microsoft.com/office/powerpoint/2015/main" val="1"/>
+                  </p:ext>
+                </p:extLst>
+              </p:nvPr>
+            </p:nvSpPr>
+            <p:spPr bwMode="auto">
+              <a:xfrm>
+                <a:off x="641350" y="0"/>
+                <a:ext cx="422275" cy="527050"/>
+              </a:xfrm>
+              <a:custGeom>
+                <a:avLst/>
+                <a:gdLst/>
+                <a:ahLst/>
+                <a:cxnLst/>
+                <a:rect l="0" t="0" r="r" b="b"/>
+                <a:pathLst>
+                  <a:path w="266" h="332">
+                    <a:moveTo>
+                      <a:pt x="257" y="332"/>
+                    </a:moveTo>
+                    <a:lnTo>
+                      <a:pt x="48" y="123"/>
+                    </a:lnTo>
+                    <a:lnTo>
+                      <a:pt x="0" y="6"/>
+                    </a:lnTo>
+                    <a:lnTo>
+                      <a:pt x="15" y="0"/>
+                    </a:lnTo>
+                    <a:lnTo>
+                      <a:pt x="63" y="114"/>
+                    </a:lnTo>
+                    <a:lnTo>
+                      <a:pt x="266" y="320"/>
+                    </a:lnTo>
+                    <a:lnTo>
+                      <a:pt x="257" y="332"/>
+                    </a:lnTo>
+                    <a:close/>
+                  </a:path>
+                </a:pathLst>
+              </a:custGeom>
+              <a:grpFill/>
+              <a:ln>
+                <a:noFill/>
+              </a:ln>
+              <a:extLst>
+                <a:ext uri="{91240B29-F687-4f45-9708-019B960494DF}">
+                  <a14:hiddenLine xmlns="" xmlns:a16="http://schemas.microsoft.com/office/drawing/2014/main" xmlns:p14="http://schemas.microsoft.com/office/powerpoint/2010/main" xmlns:a14="http://schemas.microsoft.com/office/drawing/2010/main" w="9525">
+                    <a:solidFill>
+                      <a:srgbClr val="000000"/>
+                    </a:solidFill>
+                    <a:round/>
+                    <a:headEnd/>
+                    <a:tailEnd/>
+                  </a14:hiddenLine>
+                </a:ext>
+              </a:extLst>
+            </p:spPr>
+            <p:txBody>
+              <a:bodyPr/>
+              <a:lstStyle/>
+              <a:p>
+                <a:endParaRPr lang="zh-TW" altLang="en-US"/>
+              </a:p>
+            </p:txBody>
+          </p:sp>
+          <p:sp>
+            <p:nvSpPr>
+              <p:cNvPr id="37" name="Freeform 15">
+                <a:extLst>
+                  <a:ext uri="{FF2B5EF4-FFF2-40B4-BE49-F238E27FC236}">
+                    <a16:creationId xmlns:a16="http://schemas.microsoft.com/office/drawing/2014/main" id="{AE671C9D-E91C-4143-A422-273B2F53F692}"/>
+                  </a:ext>
+                  <a:ext uri="{C183D7F6-B498-43B3-948B-1728B52AA6E4}">
+                    <adec:decorative xmlns:adec="http://schemas.microsoft.com/office/drawing/2017/decorative" val="1"/>
+                  </a:ext>
+                </a:extLst>
+              </p:cNvPr>
+              <p:cNvSpPr>
+                <a:spLocks noEditPoints="1"/>
+              </p:cNvSpPr>
+              <p:nvPr>
+                <p:extLst>
+                  <p:ext uri="{386F3935-93C4-4BCD-93E2-E3B085C9AB24}">
+                    <p16:designElem xmlns:p16="http://schemas.microsoft.com/office/powerpoint/2015/main" val="1"/>
+                  </p:ext>
+                </p:extLst>
+              </p:nvPr>
+            </p:nvSpPr>
+            <p:spPr bwMode="auto">
+              <a:xfrm>
+                <a:off x="1020762" y="488950"/>
+                <a:ext cx="161925" cy="147638"/>
+              </a:xfrm>
+              <a:custGeom>
+                <a:avLst/>
+                <a:gdLst/>
+                <a:ahLst/>
+                <a:cxnLst/>
+                <a:rect l="0" t="0" r="r" b="b"/>
+                <a:pathLst>
+                  <a:path w="34" h="31">
+                    <a:moveTo>
+                      <a:pt x="17" y="31"/>
+                    </a:moveTo>
+                    <a:cubicBezTo>
+                      <a:pt x="13" y="31"/>
+                      <a:pt x="9" y="30"/>
+                      <a:pt x="6" y="27"/>
+                    </a:cubicBezTo>
+                    <a:cubicBezTo>
+                      <a:pt x="0" y="20"/>
+                      <a:pt x="0" y="10"/>
+                      <a:pt x="6" y="4"/>
+                    </a:cubicBezTo>
+                    <a:cubicBezTo>
+                      <a:pt x="9" y="1"/>
+                      <a:pt x="13" y="0"/>
+                      <a:pt x="17" y="0"/>
+                    </a:cubicBezTo>
+                    <a:cubicBezTo>
+                      <a:pt x="21" y="0"/>
+                      <a:pt x="25" y="1"/>
+                      <a:pt x="28" y="4"/>
+                    </a:cubicBezTo>
+                    <a:cubicBezTo>
+                      <a:pt x="34" y="10"/>
+                      <a:pt x="34" y="20"/>
+                      <a:pt x="28" y="27"/>
+                    </a:cubicBezTo>
+                    <a:cubicBezTo>
+                      <a:pt x="25" y="30"/>
+                      <a:pt x="21" y="31"/>
+                      <a:pt x="17" y="31"/>
+                    </a:cubicBezTo>
+                    <a:close/>
+                    <a:moveTo>
+                      <a:pt x="17" y="4"/>
+                    </a:moveTo>
+                    <a:cubicBezTo>
+                      <a:pt x="14" y="4"/>
+                      <a:pt x="11" y="5"/>
+                      <a:pt x="9" y="7"/>
+                    </a:cubicBezTo>
+                    <a:cubicBezTo>
+                      <a:pt x="4" y="12"/>
+                      <a:pt x="4" y="19"/>
+                      <a:pt x="9" y="24"/>
+                    </a:cubicBezTo>
+                    <a:cubicBezTo>
+                      <a:pt x="11" y="26"/>
+                      <a:pt x="14" y="27"/>
+                      <a:pt x="17" y="27"/>
+                    </a:cubicBezTo>
+                    <a:cubicBezTo>
+                      <a:pt x="20" y="27"/>
+                      <a:pt x="23" y="26"/>
+                      <a:pt x="25" y="24"/>
+                    </a:cubicBezTo>
+                    <a:cubicBezTo>
+                      <a:pt x="30" y="19"/>
+                      <a:pt x="30" y="12"/>
+                      <a:pt x="25" y="7"/>
+                    </a:cubicBezTo>
+                    <a:cubicBezTo>
+                      <a:pt x="23" y="5"/>
+                      <a:pt x="20" y="4"/>
+                      <a:pt x="17" y="4"/>
+                    </a:cubicBezTo>
+                    <a:close/>
+                  </a:path>
+                </a:pathLst>
+              </a:custGeom>
+              <a:grpFill/>
+              <a:ln>
+                <a:noFill/>
+              </a:ln>
+              <a:extLst>
+                <a:ext uri="{91240B29-F687-4f45-9708-019B960494DF}">
+                  <a14:hiddenLine xmlns="" xmlns:a16="http://schemas.microsoft.com/office/drawing/2014/main" xmlns:p14="http://schemas.microsoft.com/office/powerpoint/2010/main" xmlns:a14="http://schemas.microsoft.com/office/drawing/2010/main" w="9525">
+                    <a:solidFill>
+                      <a:srgbClr val="000000"/>
+                    </a:solidFill>
+                    <a:round/>
+                    <a:headEnd/>
+                    <a:tailEnd/>
+                  </a14:hiddenLine>
+                </a:ext>
+              </a:extLst>
+            </p:spPr>
+            <p:txBody>
+              <a:bodyPr/>
+              <a:lstStyle/>
+              <a:p>
+                <a:endParaRPr lang="zh-TW" altLang="en-US"/>
+              </a:p>
+            </p:txBody>
+          </p:sp>
+          <p:sp>
+            <p:nvSpPr>
+              <p:cNvPr id="38" name="Line 16">
+                <a:extLst>
+                  <a:ext uri="{FF2B5EF4-FFF2-40B4-BE49-F238E27FC236}">
+                    <a16:creationId xmlns:a16="http://schemas.microsoft.com/office/drawing/2014/main" id="{83A72EA3-8833-41C6-9333-6A04C1C08DFB}"/>
+                  </a:ext>
+                  <a:ext uri="{C183D7F6-B498-43B3-948B-1728B52AA6E4}">
+                    <adec:decorative xmlns:adec="http://schemas.microsoft.com/office/drawing/2017/decorative" val="1"/>
+                  </a:ext>
+                </a:extLst>
+              </p:cNvPr>
+              <p:cNvSpPr>
+                <a:spLocks noChangeShapeType="1"/>
+              </p:cNvSpPr>
+              <p:nvPr>
+                <p:extLst>
+                  <p:ext uri="{386F3935-93C4-4BCD-93E2-E3B085C9AB24}">
+                    <p16:designElem xmlns:p16="http://schemas.microsoft.com/office/powerpoint/2015/main" val="1"/>
+                  </p:ext>
+                </p:extLst>
+              </p:nvPr>
+            </p:nvSpPr>
+            <p:spPr bwMode="auto">
+              <a:xfrm>
+                <a:off x="-4763" y="9525"/>
+                <a:ext cx="0" cy="0"/>
+              </a:xfrm>
+              <a:prstGeom prst="line">
+                <a:avLst/>
+              </a:prstGeom>
+              <a:grpFill/>
+              <a:ln w="15" cap="flat">
+                <a:solidFill>
+                  <a:srgbClr val="FFFFFF"/>
+                </a:solidFill>
+                <a:prstDash val="solid"/>
+                <a:miter lim="800000"/>
+                <a:headEnd/>
+                <a:tailEnd/>
+              </a:ln>
+            </p:spPr>
+            <p:txBody>
+              <a:bodyPr/>
+              <a:lstStyle/>
+              <a:p>
+                <a:endParaRPr lang="zh-TW" altLang="en-US"/>
+              </a:p>
+            </p:txBody>
+          </p:sp>
+          <p:sp>
+            <p:nvSpPr>
+              <p:cNvPr id="39" name="Freeform 17">
+                <a:extLst>
+                  <a:ext uri="{FF2B5EF4-FFF2-40B4-BE49-F238E27FC236}">
+                    <a16:creationId xmlns:a16="http://schemas.microsoft.com/office/drawing/2014/main" id="{2C0D7AAB-DC9C-4B37-A50E-A7185DE92E4E}"/>
+                  </a:ext>
+                  <a:ext uri="{C183D7F6-B498-43B3-948B-1728B52AA6E4}">
+                    <adec:decorative xmlns:adec="http://schemas.microsoft.com/office/drawing/2017/decorative" val="1"/>
+                  </a:ext>
+                </a:extLst>
+              </p:cNvPr>
+              <p:cNvSpPr/>
+              <p:nvPr>
+                <p:extLst>
+                  <p:ext uri="{386F3935-93C4-4BCD-93E2-E3B085C9AB24}">
+                    <p16:designElem xmlns:p16="http://schemas.microsoft.com/office/powerpoint/2015/main" val="1"/>
+                  </p:ext>
+                </p:extLst>
+              </p:nvPr>
+            </p:nvSpPr>
+            <p:spPr bwMode="auto">
+              <a:xfrm>
+                <a:off x="9525" y="1801813"/>
+                <a:ext cx="123825" cy="127000"/>
+              </a:xfrm>
+              <a:custGeom>
+                <a:avLst/>
+                <a:gdLst/>
+                <a:ahLst/>
+                <a:cxnLst/>
+                <a:rect l="0" t="0" r="r" b="b"/>
+                <a:pathLst>
+                  <a:path w="78" h="80">
+                    <a:moveTo>
+                      <a:pt x="6" y="80"/>
+                    </a:moveTo>
+                    <a:lnTo>
+                      <a:pt x="0" y="71"/>
+                    </a:lnTo>
+                    <a:lnTo>
+                      <a:pt x="69" y="0"/>
+                    </a:lnTo>
+                    <a:lnTo>
+                      <a:pt x="78" y="9"/>
+                    </a:lnTo>
+                    <a:lnTo>
+                      <a:pt x="6" y="80"/>
+                    </a:lnTo>
+                    <a:close/>
+                  </a:path>
+                </a:pathLst>
+              </a:custGeom>
+              <a:grpFill/>
+              <a:ln>
+                <a:noFill/>
+              </a:ln>
+              <a:extLst>
+                <a:ext uri="{91240B29-F687-4f45-9708-019B960494DF}">
+                  <a14:hiddenLine xmlns="" xmlns:a16="http://schemas.microsoft.com/office/drawing/2014/main" xmlns:p14="http://schemas.microsoft.com/office/powerpoint/2010/main" xmlns:a14="http://schemas.microsoft.com/office/drawing/2010/main" w="9525">
+                    <a:solidFill>
+                      <a:srgbClr val="000000"/>
+                    </a:solidFill>
+                    <a:round/>
+                    <a:headEnd/>
+                    <a:tailEnd/>
+                  </a14:hiddenLine>
+                </a:ext>
+              </a:extLst>
+            </p:spPr>
+            <p:txBody>
+              <a:bodyPr/>
+              <a:lstStyle/>
+              <a:p>
+                <a:endParaRPr lang="zh-TW" altLang="en-US"/>
+              </a:p>
+            </p:txBody>
+          </p:sp>
+          <p:sp>
+            <p:nvSpPr>
+              <p:cNvPr id="40" name="Freeform 18">
+                <a:extLst>
+                  <a:ext uri="{FF2B5EF4-FFF2-40B4-BE49-F238E27FC236}">
+                    <a16:creationId xmlns:a16="http://schemas.microsoft.com/office/drawing/2014/main" id="{6E7D9D6B-3455-4363-934B-FA2D68293168}"/>
+                  </a:ext>
+                  <a:ext uri="{C183D7F6-B498-43B3-948B-1728B52AA6E4}">
+                    <adec:decorative xmlns:adec="http://schemas.microsoft.com/office/drawing/2017/decorative" val="1"/>
+                  </a:ext>
+                </a:extLst>
+              </p:cNvPr>
+              <p:cNvSpPr/>
+              <p:nvPr>
+                <p:extLst>
+                  <p:ext uri="{386F3935-93C4-4BCD-93E2-E3B085C9AB24}">
+                    <p16:designElem xmlns:p16="http://schemas.microsoft.com/office/powerpoint/2015/main" val="1"/>
+                  </p:ext>
+                </p:extLst>
+              </p:nvPr>
+            </p:nvSpPr>
+            <p:spPr bwMode="auto">
+              <a:xfrm>
+                <a:off x="-9525" y="3549650"/>
+                <a:ext cx="147638" cy="481013"/>
+              </a:xfrm>
+              <a:custGeom>
+                <a:avLst/>
+                <a:gdLst/>
+                <a:ahLst/>
+                <a:cxnLst/>
+                <a:rect l="0" t="0" r="r" b="b"/>
+                <a:pathLst>
+                  <a:path w="93" h="303">
+                    <a:moveTo>
+                      <a:pt x="93" y="303"/>
+                    </a:moveTo>
+                    <a:lnTo>
+                      <a:pt x="78" y="303"/>
+                    </a:lnTo>
+                    <a:lnTo>
+                      <a:pt x="78" y="78"/>
+                    </a:lnTo>
+                    <a:lnTo>
+                      <a:pt x="0" y="12"/>
+                    </a:lnTo>
+                    <a:lnTo>
+                      <a:pt x="12" y="0"/>
+                    </a:lnTo>
+                    <a:lnTo>
+                      <a:pt x="93" y="69"/>
+                    </a:lnTo>
+                    <a:lnTo>
+                      <a:pt x="93" y="303"/>
+                    </a:lnTo>
+                    <a:close/>
+                  </a:path>
+                </a:pathLst>
+              </a:custGeom>
+              <a:grpFill/>
+              <a:ln>
+                <a:noFill/>
+              </a:ln>
+              <a:extLst>
+                <a:ext uri="{91240B29-F687-4f45-9708-019B960494DF}">
+                  <a14:hiddenLine xmlns="" xmlns:a16="http://schemas.microsoft.com/office/drawing/2014/main" xmlns:p14="http://schemas.microsoft.com/office/powerpoint/2010/main" xmlns:a14="http://schemas.microsoft.com/office/drawing/2010/main" w="9525">
+                    <a:solidFill>
+                      <a:srgbClr val="000000"/>
+                    </a:solidFill>
+                    <a:round/>
+                    <a:headEnd/>
+                    <a:tailEnd/>
+                  </a14:hiddenLine>
+                </a:ext>
+              </a:extLst>
+            </p:spPr>
+            <p:txBody>
+              <a:bodyPr/>
+              <a:lstStyle/>
+              <a:p>
+                <a:endParaRPr lang="zh-TW" altLang="en-US"/>
+              </a:p>
+            </p:txBody>
+          </p:sp>
+          <p:sp>
+            <p:nvSpPr>
+              <p:cNvPr id="41" name="Freeform 19">
+                <a:extLst>
+                  <a:ext uri="{FF2B5EF4-FFF2-40B4-BE49-F238E27FC236}">
+                    <a16:creationId xmlns:a16="http://schemas.microsoft.com/office/drawing/2014/main" id="{FFFFCA54-2217-4DAE-B791-4A6CA7DE0BDF}"/>
+                  </a:ext>
+                  <a:ext uri="{C183D7F6-B498-43B3-948B-1728B52AA6E4}">
+                    <adec:decorative xmlns:adec="http://schemas.microsoft.com/office/drawing/2017/decorative" val="1"/>
+                  </a:ext>
+                </a:extLst>
+              </p:cNvPr>
+              <p:cNvSpPr/>
+              <p:nvPr>
+                <p:extLst>
+                  <p:ext uri="{386F3935-93C4-4BCD-93E2-E3B085C9AB24}">
+                    <p16:designElem xmlns:p16="http://schemas.microsoft.com/office/powerpoint/2015/main" val="1"/>
+                  </p:ext>
+                </p:extLst>
+              </p:nvPr>
+            </p:nvSpPr>
+            <p:spPr bwMode="auto">
+              <a:xfrm>
+                <a:off x="128587" y="1382713"/>
+                <a:ext cx="142875" cy="476250"/>
+              </a:xfrm>
+              <a:custGeom>
+                <a:avLst/>
+                <a:gdLst/>
+                <a:ahLst/>
+                <a:cxnLst/>
+                <a:rect l="0" t="0" r="r" b="b"/>
+                <a:pathLst>
+                  <a:path w="90" h="300">
+                    <a:moveTo>
+                      <a:pt x="90" y="300"/>
+                    </a:moveTo>
+                    <a:lnTo>
+                      <a:pt x="78" y="300"/>
+                    </a:lnTo>
+                    <a:lnTo>
+                      <a:pt x="78" y="84"/>
+                    </a:lnTo>
+                    <a:lnTo>
+                      <a:pt x="0" y="9"/>
+                    </a:lnTo>
+                    <a:lnTo>
+                      <a:pt x="9" y="0"/>
+                    </a:lnTo>
+                    <a:lnTo>
+                      <a:pt x="90" y="81"/>
+                    </a:lnTo>
+                    <a:lnTo>
+                      <a:pt x="90" y="300"/>
+                    </a:lnTo>
+                    <a:close/>
+                  </a:path>
+                </a:pathLst>
+              </a:custGeom>
+              <a:grpFill/>
+              <a:ln>
+                <a:noFill/>
+              </a:ln>
+              <a:extLst>
+                <a:ext uri="{91240B29-F687-4f45-9708-019B960494DF}">
+                  <a14:hiddenLine xmlns="" xmlns:a16="http://schemas.microsoft.com/office/drawing/2014/main" xmlns:p14="http://schemas.microsoft.com/office/powerpoint/2010/main" xmlns:a14="http://schemas.microsoft.com/office/drawing/2010/main" w="9525">
+                    <a:solidFill>
+                      <a:srgbClr val="000000"/>
+                    </a:solidFill>
+                    <a:round/>
+                    <a:headEnd/>
+                    <a:tailEnd/>
+                  </a14:hiddenLine>
+                </a:ext>
+              </a:extLst>
+            </p:spPr>
+            <p:txBody>
+              <a:bodyPr/>
+              <a:lstStyle/>
+              <a:p>
+                <a:endParaRPr lang="zh-TW" altLang="en-US"/>
+              </a:p>
+            </p:txBody>
+          </p:sp>
+          <p:sp>
+            <p:nvSpPr>
+              <p:cNvPr id="42" name="Freeform 20">
+                <a:extLst>
+                  <a:ext uri="{FF2B5EF4-FFF2-40B4-BE49-F238E27FC236}">
+                    <a16:creationId xmlns:a16="http://schemas.microsoft.com/office/drawing/2014/main" id="{BAE43BA5-C104-4FBB-B1C6-C210D3CC5320}"/>
+                  </a:ext>
+                  <a:ext uri="{C183D7F6-B498-43B3-948B-1728B52AA6E4}">
+                    <adec:decorative xmlns:adec="http://schemas.microsoft.com/office/drawing/2017/decorative" val="1"/>
+                  </a:ext>
+                </a:extLst>
+              </p:cNvPr>
+              <p:cNvSpPr>
+                <a:spLocks noEditPoints="1"/>
+              </p:cNvSpPr>
+              <p:nvPr>
+                <p:extLst>
+                  <p:ext uri="{386F3935-93C4-4BCD-93E2-E3B085C9AB24}">
+                    <p16:designElem xmlns:p16="http://schemas.microsoft.com/office/powerpoint/2015/main" val="1"/>
+                  </p:ext>
+                </p:extLst>
+              </p:nvPr>
+            </p:nvSpPr>
+            <p:spPr bwMode="auto">
+              <a:xfrm>
+                <a:off x="204787" y="1849438"/>
+                <a:ext cx="114300" cy="107950"/>
+              </a:xfrm>
+              <a:custGeom>
+                <a:avLst/>
+                <a:gdLst/>
+                <a:ahLst/>
+                <a:cxnLst/>
+                <a:rect l="0" t="0" r="r" b="b"/>
+                <a:pathLst>
+                  <a:path w="24" h="23">
+                    <a:moveTo>
+                      <a:pt x="12" y="23"/>
+                    </a:moveTo>
+                    <a:cubicBezTo>
+                      <a:pt x="6" y="23"/>
+                      <a:pt x="0" y="18"/>
+                      <a:pt x="0" y="12"/>
+                    </a:cubicBezTo>
+                    <a:cubicBezTo>
+                      <a:pt x="0" y="5"/>
+                      <a:pt x="6" y="0"/>
+                      <a:pt x="12" y="0"/>
+                    </a:cubicBezTo>
+                    <a:cubicBezTo>
+                      <a:pt x="18" y="0"/>
+                      <a:pt x="24" y="5"/>
+                      <a:pt x="24" y="12"/>
+                    </a:cubicBezTo>
+                    <a:cubicBezTo>
+                      <a:pt x="24" y="18"/>
+                      <a:pt x="18" y="23"/>
+                      <a:pt x="12" y="23"/>
+                    </a:cubicBezTo>
+                    <a:close/>
+                    <a:moveTo>
+                      <a:pt x="12" y="4"/>
+                    </a:moveTo>
+                    <a:cubicBezTo>
+                      <a:pt x="8" y="4"/>
+                      <a:pt x="4" y="8"/>
+                      <a:pt x="4" y="12"/>
+                    </a:cubicBezTo>
+                    <a:cubicBezTo>
+                      <a:pt x="4" y="16"/>
+                      <a:pt x="8" y="19"/>
+                      <a:pt x="12" y="19"/>
+                    </a:cubicBezTo>
+                    <a:cubicBezTo>
+                      <a:pt x="16" y="19"/>
+                      <a:pt x="20" y="16"/>
+                      <a:pt x="20" y="12"/>
+                    </a:cubicBezTo>
+                    <a:cubicBezTo>
+                      <a:pt x="20" y="8"/>
+                      <a:pt x="16" y="4"/>
+                      <a:pt x="12" y="4"/>
+                    </a:cubicBezTo>
+                    <a:close/>
+                  </a:path>
+                </a:pathLst>
+              </a:custGeom>
+              <a:grpFill/>
+              <a:ln>
+                <a:noFill/>
+              </a:ln>
+              <a:extLst>
+                <a:ext uri="{91240B29-F687-4f45-9708-019B960494DF}">
+                  <a14:hiddenLine xmlns="" xmlns:a16="http://schemas.microsoft.com/office/drawing/2014/main" xmlns:p14="http://schemas.microsoft.com/office/powerpoint/2010/main" xmlns:a14="http://schemas.microsoft.com/office/drawing/2010/main" w="9525">
+                    <a:solidFill>
+                      <a:srgbClr val="000000"/>
+                    </a:solidFill>
+                    <a:round/>
+                    <a:headEnd/>
+                    <a:tailEnd/>
+                  </a14:hiddenLine>
+                </a:ext>
+              </a:extLst>
+            </p:spPr>
+            <p:txBody>
+              <a:bodyPr/>
+              <a:lstStyle/>
+              <a:p>
+                <a:endParaRPr lang="zh-TW" altLang="en-US"/>
+              </a:p>
+            </p:txBody>
+          </p:sp>
+          <p:sp>
+            <p:nvSpPr>
+              <p:cNvPr id="43" name="Rectangle 21">
+                <a:extLst>
+                  <a:ext uri="{FF2B5EF4-FFF2-40B4-BE49-F238E27FC236}">
+                    <a16:creationId xmlns:a16="http://schemas.microsoft.com/office/drawing/2014/main" id="{3BDB2330-DF01-460D-83FB-00C37965CD5A}"/>
+                  </a:ext>
+                  <a:ext uri="{C183D7F6-B498-43B3-948B-1728B52AA6E4}">
+                    <adec:decorative xmlns:adec="http://schemas.microsoft.com/office/drawing/2017/decorative" val="1"/>
+                  </a:ext>
+                </a:extLst>
+              </p:cNvPr>
+              <p:cNvSpPr>
+                <a:spLocks noChangeArrowheads="1"/>
+              </p:cNvSpPr>
+              <p:nvPr>
+                <p:extLst>
+                  <p:ext uri="{386F3935-93C4-4BCD-93E2-E3B085C9AB24}">
+                    <p16:designElem xmlns:p16="http://schemas.microsoft.com/office/powerpoint/2015/main" val="1"/>
+                  </p:ext>
+                </p:extLst>
+              </p:nvPr>
+            </p:nvSpPr>
+            <p:spPr bwMode="auto">
+              <a:xfrm>
+                <a:off x="133350" y="4662488"/>
+                <a:ext cx="23813" cy="2181225"/>
+              </a:xfrm>
+              <a:prstGeom prst="rect">
+                <a:avLst/>
+              </a:prstGeom>
+              <a:grpFill/>
+              <a:ln>
+                <a:noFill/>
+              </a:ln>
+              <a:extLst>
+                <a:ext uri="{91240B29-F687-4f45-9708-019B960494DF}">
+                  <a14:hiddenLine xmlns="" xmlns:a16="http://schemas.microsoft.com/office/drawing/2014/main" xmlns:p14="http://schemas.microsoft.com/office/powerpoint/2010/main" xmlns:a14="http://schemas.microsoft.com/office/drawing/2010/main" w="9525">
+                    <a:solidFill>
+                      <a:srgbClr val="000000"/>
+                    </a:solidFill>
+                    <a:miter lim="800000"/>
+                    <a:headEnd/>
+                    <a:tailEnd/>
+                  </a14:hiddenLine>
+                </a:ext>
+              </a:extLst>
+            </p:spPr>
+            <p:txBody>
+              <a:bodyPr/>
+              <a:lstStyle/>
+              <a:p>
+                <a:endParaRPr lang="zh-TW" altLang="en-US"/>
+              </a:p>
+            </p:txBody>
+          </p:sp>
+          <p:sp>
+            <p:nvSpPr>
+              <p:cNvPr id="44" name="Freeform 22">
+                <a:extLst>
+                  <a:ext uri="{FF2B5EF4-FFF2-40B4-BE49-F238E27FC236}">
+                    <a16:creationId xmlns:a16="http://schemas.microsoft.com/office/drawing/2014/main" id="{51261093-9B7F-4406-B2F8-0F5BE7676A2A}"/>
+                  </a:ext>
+                  <a:ext uri="{C183D7F6-B498-43B3-948B-1728B52AA6E4}">
+                    <adec:decorative xmlns:adec="http://schemas.microsoft.com/office/drawing/2017/decorative" val="1"/>
+                  </a:ext>
+                </a:extLst>
+              </p:cNvPr>
+              <p:cNvSpPr/>
+              <p:nvPr>
+                <p:extLst>
+                  <p:ext uri="{386F3935-93C4-4BCD-93E2-E3B085C9AB24}">
+                    <p16:designElem xmlns:p16="http://schemas.microsoft.com/office/powerpoint/2015/main" val="1"/>
+                  </p:ext>
+                </p:extLst>
+              </p:nvPr>
+            </p:nvSpPr>
+            <p:spPr bwMode="auto">
+              <a:xfrm>
+                <a:off x="223837" y="5041900"/>
+                <a:ext cx="369888" cy="1801813"/>
+              </a:xfrm>
+              <a:custGeom>
+                <a:avLst/>
+                <a:gdLst/>
+                <a:ahLst/>
+                <a:cxnLst/>
+                <a:rect l="0" t="0" r="r" b="b"/>
+                <a:pathLst>
+                  <a:path w="233" h="1135">
+                    <a:moveTo>
+                      <a:pt x="15" y="1135"/>
+                    </a:moveTo>
+                    <a:lnTo>
+                      <a:pt x="0" y="1135"/>
+                    </a:lnTo>
+                    <a:lnTo>
+                      <a:pt x="0" y="515"/>
+                    </a:lnTo>
+                    <a:lnTo>
+                      <a:pt x="0" y="512"/>
+                    </a:lnTo>
+                    <a:lnTo>
+                      <a:pt x="218" y="0"/>
+                    </a:lnTo>
+                    <a:lnTo>
+                      <a:pt x="233" y="6"/>
+                    </a:lnTo>
+                    <a:lnTo>
+                      <a:pt x="15" y="518"/>
+                    </a:lnTo>
+                    <a:lnTo>
+                      <a:pt x="15" y="1135"/>
+                    </a:lnTo>
+                    <a:close/>
+                  </a:path>
+                </a:pathLst>
+              </a:custGeom>
+              <a:grpFill/>
+              <a:ln>
+                <a:noFill/>
+              </a:ln>
+              <a:extLst>
+                <a:ext uri="{91240B29-F687-4f45-9708-019B960494DF}">
+                  <a14:hiddenLine xmlns="" xmlns:a16="http://schemas.microsoft.com/office/drawing/2014/main" xmlns:p14="http://schemas.microsoft.com/office/powerpoint/2010/main" xmlns:a14="http://schemas.microsoft.com/office/drawing/2010/main" w="9525">
+                    <a:solidFill>
+                      <a:srgbClr val="000000"/>
+                    </a:solidFill>
+                    <a:round/>
+                    <a:headEnd/>
+                    <a:tailEnd/>
+                  </a14:hiddenLine>
+                </a:ext>
+              </a:extLst>
+            </p:spPr>
+            <p:txBody>
+              <a:bodyPr/>
+              <a:lstStyle/>
+              <a:p>
+                <a:endParaRPr lang="zh-TW" altLang="en-US"/>
+              </a:p>
+            </p:txBody>
+          </p:sp>
+          <p:sp>
+            <p:nvSpPr>
+              <p:cNvPr id="45" name="Freeform 23">
+                <a:extLst>
+                  <a:ext uri="{FF2B5EF4-FFF2-40B4-BE49-F238E27FC236}">
+                    <a16:creationId xmlns:a16="http://schemas.microsoft.com/office/drawing/2014/main" id="{9971E195-2AB6-4CB6-9BD7-A8407B5C8097}"/>
+                  </a:ext>
+                  <a:ext uri="{C183D7F6-B498-43B3-948B-1728B52AA6E4}">
+                    <adec:decorative xmlns:adec="http://schemas.microsoft.com/office/drawing/2017/decorative" val="1"/>
+                  </a:ext>
+                </a:extLst>
+              </p:cNvPr>
+              <p:cNvSpPr>
+                <a:spLocks noEditPoints="1"/>
+              </p:cNvSpPr>
+              <p:nvPr>
+                <p:extLst>
+                  <p:ext uri="{386F3935-93C4-4BCD-93E2-E3B085C9AB24}">
+                    <p16:designElem xmlns:p16="http://schemas.microsoft.com/office/powerpoint/2015/main" val="1"/>
+                  </p:ext>
+                </p:extLst>
+              </p:nvPr>
+            </p:nvSpPr>
+            <p:spPr bwMode="auto">
+              <a:xfrm>
+                <a:off x="52387" y="4481513"/>
+                <a:ext cx="190500" cy="190500"/>
+              </a:xfrm>
+              <a:custGeom>
+                <a:avLst/>
+                <a:gdLst/>
+                <a:ahLst/>
+                <a:cxnLst/>
+                <a:rect l="0" t="0" r="r" b="b"/>
+                <a:pathLst>
+                  <a:path w="40" h="40">
+                    <a:moveTo>
+                      <a:pt x="20" y="40"/>
+                    </a:moveTo>
+                    <a:cubicBezTo>
+                      <a:pt x="9" y="40"/>
+                      <a:pt x="0" y="31"/>
+                      <a:pt x="0" y="20"/>
+                    </a:cubicBezTo>
+                    <a:cubicBezTo>
+                      <a:pt x="0" y="9"/>
+                      <a:pt x="9" y="0"/>
+                      <a:pt x="20" y="0"/>
+                    </a:cubicBezTo>
+                    <a:cubicBezTo>
+                      <a:pt x="31" y="0"/>
+                      <a:pt x="40" y="9"/>
+                      <a:pt x="40" y="20"/>
+                    </a:cubicBezTo>
+                    <a:cubicBezTo>
+                      <a:pt x="40" y="31"/>
+                      <a:pt x="31" y="40"/>
+                      <a:pt x="20" y="40"/>
+                    </a:cubicBezTo>
+                    <a:close/>
+                    <a:moveTo>
+                      <a:pt x="20" y="4"/>
+                    </a:moveTo>
+                    <a:cubicBezTo>
+                      <a:pt x="11" y="4"/>
+                      <a:pt x="4" y="11"/>
+                      <a:pt x="4" y="20"/>
+                    </a:cubicBezTo>
+                    <a:cubicBezTo>
+                      <a:pt x="4" y="29"/>
+                      <a:pt x="11" y="36"/>
+                      <a:pt x="20" y="36"/>
+                    </a:cubicBezTo>
+                    <a:cubicBezTo>
+                      <a:pt x="28" y="36"/>
+                      <a:pt x="36" y="29"/>
+                      <a:pt x="36" y="20"/>
+                    </a:cubicBezTo>
+                    <a:cubicBezTo>
+                      <a:pt x="36" y="11"/>
+                      <a:pt x="28" y="4"/>
+                      <a:pt x="20" y="4"/>
+                    </a:cubicBezTo>
+                    <a:close/>
+                  </a:path>
+                </a:pathLst>
+              </a:custGeom>
+              <a:grpFill/>
+              <a:ln>
+                <a:noFill/>
+              </a:ln>
+              <a:extLst>
+                <a:ext uri="{91240B29-F687-4f45-9708-019B960494DF}">
+                  <a14:hiddenLine xmlns="" xmlns:a16="http://schemas.microsoft.com/office/drawing/2014/main" xmlns:p14="http://schemas.microsoft.com/office/powerpoint/2010/main" xmlns:a14="http://schemas.microsoft.com/office/drawing/2010/main" w="9525">
+                    <a:solidFill>
+                      <a:srgbClr val="000000"/>
+                    </a:solidFill>
+                    <a:round/>
+                    <a:headEnd/>
+                    <a:tailEnd/>
+                  </a14:hiddenLine>
+                </a:ext>
+              </a:extLst>
+            </p:spPr>
+            <p:txBody>
+              <a:bodyPr/>
+              <a:lstStyle/>
+              <a:p>
+                <a:endParaRPr lang="zh-TW" altLang="en-US"/>
+              </a:p>
+            </p:txBody>
+          </p:sp>
+          <p:sp>
+            <p:nvSpPr>
+              <p:cNvPr id="46" name="Freeform 24">
+                <a:extLst>
+                  <a:ext uri="{FF2B5EF4-FFF2-40B4-BE49-F238E27FC236}">
+                    <a16:creationId xmlns:a16="http://schemas.microsoft.com/office/drawing/2014/main" id="{A3D843E7-8A86-4676-9C98-DECE0DFF6740}"/>
+                  </a:ext>
+                  <a:ext uri="{C183D7F6-B498-43B3-948B-1728B52AA6E4}">
+                    <adec:decorative xmlns:adec="http://schemas.microsoft.com/office/drawing/2017/decorative" val="1"/>
+                  </a:ext>
+                </a:extLst>
+              </p:cNvPr>
+              <p:cNvSpPr/>
+              <p:nvPr>
+                <p:extLst>
+                  <p:ext uri="{386F3935-93C4-4BCD-93E2-E3B085C9AB24}">
+                    <p16:designElem xmlns:p16="http://schemas.microsoft.com/office/powerpoint/2015/main" val="1"/>
+                  </p:ext>
+                </p:extLst>
+              </p:nvPr>
+            </p:nvSpPr>
+            <p:spPr bwMode="auto">
+              <a:xfrm>
+                <a:off x="-14288" y="5627688"/>
+                <a:ext cx="85725" cy="1216025"/>
+              </a:xfrm>
+              <a:custGeom>
+                <a:avLst/>
+                <a:gdLst/>
+                <a:ahLst/>
+                <a:cxnLst/>
+                <a:rect l="0" t="0" r="r" b="b"/>
+                <a:pathLst>
+                  <a:path w="54" h="766">
+                    <a:moveTo>
+                      <a:pt x="54" y="766"/>
+                    </a:moveTo>
+                    <a:lnTo>
+                      <a:pt x="36" y="766"/>
+                    </a:lnTo>
+                    <a:lnTo>
+                      <a:pt x="36" y="149"/>
+                    </a:lnTo>
+                    <a:lnTo>
+                      <a:pt x="0" y="3"/>
+                    </a:lnTo>
+                    <a:lnTo>
+                      <a:pt x="18" y="0"/>
+                    </a:lnTo>
+                    <a:lnTo>
+                      <a:pt x="54" y="146"/>
+                    </a:lnTo>
+                    <a:lnTo>
+                      <a:pt x="54" y="766"/>
+                    </a:lnTo>
+                    <a:close/>
+                  </a:path>
+                </a:pathLst>
+              </a:custGeom>
+              <a:grpFill/>
+              <a:ln>
+                <a:noFill/>
+              </a:ln>
+              <a:extLst>
+                <a:ext uri="{91240B29-F687-4f45-9708-019B960494DF}">
+                  <a14:hiddenLine xmlns="" xmlns:a16="http://schemas.microsoft.com/office/drawing/2014/main" xmlns:p14="http://schemas.microsoft.com/office/powerpoint/2010/main" xmlns:a14="http://schemas.microsoft.com/office/drawing/2010/main" w="9525">
+                    <a:solidFill>
+                      <a:srgbClr val="000000"/>
+                    </a:solidFill>
+                    <a:round/>
+                    <a:headEnd/>
+                    <a:tailEnd/>
+                  </a14:hiddenLine>
+                </a:ext>
+              </a:extLst>
+            </p:spPr>
+            <p:txBody>
+              <a:bodyPr/>
+              <a:lstStyle/>
+              <a:p>
+                <a:endParaRPr lang="zh-TW" altLang="en-US"/>
+              </a:p>
+            </p:txBody>
+          </p:sp>
+          <p:sp>
+            <p:nvSpPr>
+              <p:cNvPr id="47" name="Freeform 25">
+                <a:extLst>
+                  <a:ext uri="{FF2B5EF4-FFF2-40B4-BE49-F238E27FC236}">
+                    <a16:creationId xmlns:a16="http://schemas.microsoft.com/office/drawing/2014/main" id="{FAF42817-AB3E-40FA-997F-EAC1411F465F}"/>
+                  </a:ext>
+                  <a:ext uri="{C183D7F6-B498-43B3-948B-1728B52AA6E4}">
+                    <adec:decorative xmlns:adec="http://schemas.microsoft.com/office/drawing/2017/decorative" val="1"/>
+                  </a:ext>
+                </a:extLst>
+              </p:cNvPr>
+              <p:cNvSpPr>
+                <a:spLocks noEditPoints="1"/>
+              </p:cNvSpPr>
+              <p:nvPr>
+                <p:extLst>
+                  <p:ext uri="{386F3935-93C4-4BCD-93E2-E3B085C9AB24}">
+                    <p16:designElem xmlns:p16="http://schemas.microsoft.com/office/powerpoint/2015/main" val="1"/>
+                  </p:ext>
+                </p:extLst>
+              </p:nvPr>
+            </p:nvSpPr>
+            <p:spPr bwMode="auto">
+              <a:xfrm>
+                <a:off x="527050" y="4867275"/>
+                <a:ext cx="190500" cy="188913"/>
+              </a:xfrm>
+              <a:custGeom>
+                <a:avLst/>
+                <a:gdLst/>
+                <a:ahLst/>
+                <a:cxnLst/>
+                <a:rect l="0" t="0" r="r" b="b"/>
+                <a:pathLst>
+                  <a:path w="40" h="40">
+                    <a:moveTo>
+                      <a:pt x="20" y="40"/>
+                    </a:moveTo>
+                    <a:cubicBezTo>
+                      <a:pt x="9" y="40"/>
+                      <a:pt x="0" y="31"/>
+                      <a:pt x="0" y="20"/>
+                    </a:cubicBezTo>
+                    <a:cubicBezTo>
+                      <a:pt x="0" y="9"/>
+                      <a:pt x="9" y="0"/>
+                      <a:pt x="20" y="0"/>
+                    </a:cubicBezTo>
+                    <a:cubicBezTo>
+                      <a:pt x="31" y="0"/>
+                      <a:pt x="40" y="9"/>
+                      <a:pt x="40" y="20"/>
+                    </a:cubicBezTo>
+                    <a:cubicBezTo>
+                      <a:pt x="40" y="31"/>
+                      <a:pt x="31" y="40"/>
+                      <a:pt x="20" y="40"/>
+                    </a:cubicBezTo>
+                    <a:close/>
+                    <a:moveTo>
+                      <a:pt x="20" y="4"/>
+                    </a:moveTo>
+                    <a:cubicBezTo>
+                      <a:pt x="11" y="4"/>
+                      <a:pt x="4" y="11"/>
+                      <a:pt x="4" y="20"/>
+                    </a:cubicBezTo>
+                    <a:cubicBezTo>
+                      <a:pt x="4" y="29"/>
+                      <a:pt x="11" y="36"/>
+                      <a:pt x="20" y="36"/>
+                    </a:cubicBezTo>
+                    <a:cubicBezTo>
+                      <a:pt x="29" y="36"/>
+                      <a:pt x="36" y="29"/>
+                      <a:pt x="36" y="20"/>
+                    </a:cubicBezTo>
+                    <a:cubicBezTo>
+                      <a:pt x="36" y="11"/>
+                      <a:pt x="29" y="4"/>
+                      <a:pt x="20" y="4"/>
+                    </a:cubicBezTo>
+                    <a:close/>
+                  </a:path>
+                </a:pathLst>
+              </a:custGeom>
+              <a:grpFill/>
+              <a:ln>
+                <a:noFill/>
+              </a:ln>
+              <a:extLst>
+                <a:ext uri="{91240B29-F687-4f45-9708-019B960494DF}">
+                  <a14:hiddenLine xmlns="" xmlns:a16="http://schemas.microsoft.com/office/drawing/2014/main" xmlns:p14="http://schemas.microsoft.com/office/powerpoint/2010/main" xmlns:a14="http://schemas.microsoft.com/office/drawing/2010/main" w="9525">
+                    <a:solidFill>
+                      <a:srgbClr val="000000"/>
+                    </a:solidFill>
+                    <a:round/>
+                    <a:headEnd/>
+                    <a:tailEnd/>
+                  </a14:hiddenLine>
+                </a:ext>
+              </a:extLst>
+            </p:spPr>
+            <p:txBody>
+              <a:bodyPr/>
+              <a:lstStyle/>
+              <a:p>
+                <a:endParaRPr lang="zh-TW" altLang="en-US"/>
+              </a:p>
+            </p:txBody>
+          </p:sp>
+          <p:sp>
+            <p:nvSpPr>
+              <p:cNvPr id="48" name="Freeform 26">
+                <a:extLst>
+                  <a:ext uri="{FF2B5EF4-FFF2-40B4-BE49-F238E27FC236}">
+                    <a16:creationId xmlns:a16="http://schemas.microsoft.com/office/drawing/2014/main" id="{50ED3298-A6DC-4825-93B1-68DB8CB629A1}"/>
+                  </a:ext>
+                  <a:ext uri="{C183D7F6-B498-43B3-948B-1728B52AA6E4}">
+                    <adec:decorative xmlns:adec="http://schemas.microsoft.com/office/drawing/2017/decorative" val="1"/>
+                  </a:ext>
+                </a:extLst>
+              </p:cNvPr>
+              <p:cNvSpPr/>
+              <p:nvPr>
+                <p:extLst>
+                  <p:ext uri="{386F3935-93C4-4BCD-93E2-E3B085C9AB24}">
+                    <p16:designElem xmlns:p16="http://schemas.microsoft.com/office/powerpoint/2015/main" val="1"/>
+                  </p:ext>
+                </p:extLst>
+              </p:nvPr>
+            </p:nvSpPr>
+            <p:spPr bwMode="auto">
+              <a:xfrm>
+                <a:off x="309562" y="5422900"/>
+                <a:ext cx="374650" cy="1425575"/>
+              </a:xfrm>
+              <a:custGeom>
+                <a:avLst/>
+                <a:gdLst/>
+                <a:ahLst/>
+                <a:cxnLst/>
+                <a:rect l="0" t="0" r="r" b="b"/>
+                <a:pathLst>
+                  <a:path w="236" h="898">
+                    <a:moveTo>
+                      <a:pt x="18" y="898"/>
+                    </a:moveTo>
+                    <a:lnTo>
+                      <a:pt x="0" y="898"/>
+                    </a:lnTo>
+                    <a:lnTo>
+                      <a:pt x="0" y="515"/>
+                    </a:lnTo>
+                    <a:lnTo>
+                      <a:pt x="3" y="512"/>
+                    </a:lnTo>
+                    <a:lnTo>
+                      <a:pt x="221" y="0"/>
+                    </a:lnTo>
+                    <a:lnTo>
+                      <a:pt x="236" y="6"/>
+                    </a:lnTo>
+                    <a:lnTo>
+                      <a:pt x="18" y="518"/>
+                    </a:lnTo>
+                    <a:lnTo>
+                      <a:pt x="18" y="898"/>
+                    </a:lnTo>
+                    <a:close/>
+                  </a:path>
+                </a:pathLst>
+              </a:custGeom>
+              <a:grpFill/>
+              <a:ln>
+                <a:noFill/>
+              </a:ln>
+              <a:extLst>
+                <a:ext uri="{91240B29-F687-4f45-9708-019B960494DF}">
+                  <a14:hiddenLine xmlns="" xmlns:a16="http://schemas.microsoft.com/office/drawing/2014/main" xmlns:p14="http://schemas.microsoft.com/office/powerpoint/2010/main" xmlns:a14="http://schemas.microsoft.com/office/drawing/2010/main" w="9525">
+                    <a:solidFill>
+                      <a:srgbClr val="000000"/>
+                    </a:solidFill>
+                    <a:round/>
+                    <a:headEnd/>
+                    <a:tailEnd/>
+                  </a14:hiddenLine>
+                </a:ext>
+              </a:extLst>
+            </p:spPr>
+            <p:txBody>
+              <a:bodyPr/>
+              <a:lstStyle/>
+              <a:p>
+                <a:endParaRPr lang="zh-TW" altLang="en-US"/>
+              </a:p>
+            </p:txBody>
+          </p:sp>
+          <p:sp>
+            <p:nvSpPr>
+              <p:cNvPr id="49" name="Freeform 27">
+                <a:extLst>
+                  <a:ext uri="{FF2B5EF4-FFF2-40B4-BE49-F238E27FC236}">
+                    <a16:creationId xmlns:a16="http://schemas.microsoft.com/office/drawing/2014/main" id="{2B951778-3B6B-4BB9-9D89-2ED650C8204E}"/>
+                  </a:ext>
+                  <a:ext uri="{C183D7F6-B498-43B3-948B-1728B52AA6E4}">
+                    <adec:decorative xmlns:adec="http://schemas.microsoft.com/office/drawing/2017/decorative" val="1"/>
+                  </a:ext>
+                </a:extLst>
+              </p:cNvPr>
+              <p:cNvSpPr/>
+              <p:nvPr>
+                <p:extLst>
+                  <p:ext uri="{386F3935-93C4-4BCD-93E2-E3B085C9AB24}">
+                    <p16:designElem xmlns:p16="http://schemas.microsoft.com/office/powerpoint/2015/main" val="1"/>
+                  </p:ext>
+                </p:extLst>
+              </p:nvPr>
+            </p:nvSpPr>
+            <p:spPr bwMode="auto">
+              <a:xfrm>
+                <a:off x="569912" y="5945188"/>
+                <a:ext cx="152400" cy="912813"/>
+              </a:xfrm>
+              <a:custGeom>
+                <a:avLst/>
+                <a:gdLst/>
+                <a:ahLst/>
+                <a:cxnLst/>
+                <a:rect l="0" t="0" r="r" b="b"/>
+                <a:pathLst>
+                  <a:path w="96" h="575">
+                    <a:moveTo>
+                      <a:pt x="15" y="575"/>
+                    </a:moveTo>
+                    <a:lnTo>
+                      <a:pt x="0" y="569"/>
+                    </a:lnTo>
+                    <a:lnTo>
+                      <a:pt x="81" y="383"/>
+                    </a:lnTo>
+                    <a:lnTo>
+                      <a:pt x="81" y="0"/>
+                    </a:lnTo>
+                    <a:lnTo>
+                      <a:pt x="96" y="0"/>
+                    </a:lnTo>
+                    <a:lnTo>
+                      <a:pt x="96" y="386"/>
+                    </a:lnTo>
+                    <a:lnTo>
+                      <a:pt x="15" y="575"/>
+                    </a:lnTo>
+                    <a:close/>
+                  </a:path>
+                </a:pathLst>
+              </a:custGeom>
+              <a:grpFill/>
+              <a:ln>
+                <a:noFill/>
+              </a:ln>
+              <a:extLst>
+                <a:ext uri="{91240B29-F687-4f45-9708-019B960494DF}">
+                  <a14:hiddenLine xmlns="" xmlns:a16="http://schemas.microsoft.com/office/drawing/2014/main" xmlns:p14="http://schemas.microsoft.com/office/powerpoint/2010/main" xmlns:a14="http://schemas.microsoft.com/office/drawing/2010/main" w="9525">
+                    <a:solidFill>
+                      <a:srgbClr val="000000"/>
+                    </a:solidFill>
+                    <a:round/>
+                    <a:headEnd/>
+                    <a:tailEnd/>
+                  </a14:hiddenLine>
+                </a:ext>
+              </a:extLst>
+            </p:spPr>
+            <p:txBody>
+              <a:bodyPr/>
+              <a:lstStyle/>
+              <a:p>
+                <a:endParaRPr lang="zh-TW" altLang="en-US"/>
+              </a:p>
+            </p:txBody>
+          </p:sp>
+          <p:sp>
+            <p:nvSpPr>
+              <p:cNvPr id="50" name="Freeform 28">
+                <a:extLst>
+                  <a:ext uri="{FF2B5EF4-FFF2-40B4-BE49-F238E27FC236}">
+                    <a16:creationId xmlns:a16="http://schemas.microsoft.com/office/drawing/2014/main" id="{8F3ED9A8-A83F-463A-8C2E-E83977D9A9CA}"/>
+                  </a:ext>
+                  <a:ext uri="{C183D7F6-B498-43B3-948B-1728B52AA6E4}">
+                    <adec:decorative xmlns:adec="http://schemas.microsoft.com/office/drawing/2017/decorative" val="1"/>
+                  </a:ext>
+                </a:extLst>
+              </p:cNvPr>
+              <p:cNvSpPr>
+                <a:spLocks noEditPoints="1"/>
+              </p:cNvSpPr>
+              <p:nvPr>
+                <p:extLst>
+                  <p:ext uri="{386F3935-93C4-4BCD-93E2-E3B085C9AB24}">
+                    <p16:designElem xmlns:p16="http://schemas.microsoft.com/office/powerpoint/2015/main" val="1"/>
+                  </p:ext>
+                </p:extLst>
+              </p:nvPr>
+            </p:nvSpPr>
+            <p:spPr bwMode="auto">
+              <a:xfrm>
+                <a:off x="612775" y="5246688"/>
+                <a:ext cx="190500" cy="190500"/>
+              </a:xfrm>
+              <a:custGeom>
+                <a:avLst/>
+                <a:gdLst/>
+                <a:ahLst/>
+                <a:cxnLst/>
+                <a:rect l="0" t="0" r="r" b="b"/>
+                <a:pathLst>
+                  <a:path w="40" h="40">
+                    <a:moveTo>
+                      <a:pt x="20" y="40"/>
+                    </a:moveTo>
+                    <a:cubicBezTo>
+                      <a:pt x="9" y="40"/>
+                      <a:pt x="0" y="31"/>
+                      <a:pt x="0" y="20"/>
+                    </a:cubicBezTo>
+                    <a:cubicBezTo>
+                      <a:pt x="0" y="9"/>
+                      <a:pt x="9" y="0"/>
+                      <a:pt x="20" y="0"/>
+                    </a:cubicBezTo>
+                    <a:cubicBezTo>
+                      <a:pt x="31" y="0"/>
+                      <a:pt x="40" y="9"/>
+                      <a:pt x="40" y="20"/>
+                    </a:cubicBezTo>
+                    <a:cubicBezTo>
+                      <a:pt x="40" y="31"/>
+                      <a:pt x="31" y="40"/>
+                      <a:pt x="20" y="40"/>
+                    </a:cubicBezTo>
+                    <a:close/>
+                    <a:moveTo>
+                      <a:pt x="20" y="4"/>
+                    </a:moveTo>
+                    <a:cubicBezTo>
+                      <a:pt x="12" y="4"/>
+                      <a:pt x="4" y="11"/>
+                      <a:pt x="4" y="20"/>
+                    </a:cubicBezTo>
+                    <a:cubicBezTo>
+                      <a:pt x="4" y="29"/>
+                      <a:pt x="12" y="36"/>
+                      <a:pt x="20" y="36"/>
+                    </a:cubicBezTo>
+                    <a:cubicBezTo>
+                      <a:pt x="29" y="36"/>
+                      <a:pt x="36" y="29"/>
+                      <a:pt x="36" y="20"/>
+                    </a:cubicBezTo>
+                    <a:cubicBezTo>
+                      <a:pt x="36" y="11"/>
+                      <a:pt x="29" y="4"/>
+                      <a:pt x="20" y="4"/>
+                    </a:cubicBezTo>
+                    <a:close/>
+                  </a:path>
+                </a:pathLst>
+              </a:custGeom>
+              <a:grpFill/>
+              <a:ln>
+                <a:noFill/>
+              </a:ln>
+              <a:extLst>
+                <a:ext uri="{91240B29-F687-4f45-9708-019B960494DF}">
+                  <a14:hiddenLine xmlns="" xmlns:a16="http://schemas.microsoft.com/office/drawing/2014/main" xmlns:p14="http://schemas.microsoft.com/office/powerpoint/2010/main" xmlns:a14="http://schemas.microsoft.com/office/drawing/2010/main" w="9525">
+                    <a:solidFill>
+                      <a:srgbClr val="000000"/>
+                    </a:solidFill>
+                    <a:round/>
+                    <a:headEnd/>
+                    <a:tailEnd/>
+                  </a14:hiddenLine>
+                </a:ext>
+              </a:extLst>
+            </p:spPr>
+            <p:txBody>
+              <a:bodyPr/>
+              <a:lstStyle/>
+              <a:p>
+                <a:endParaRPr lang="zh-TW" altLang="en-US"/>
+              </a:p>
+            </p:txBody>
+          </p:sp>
+          <p:sp>
+            <p:nvSpPr>
+              <p:cNvPr id="51" name="Freeform 29">
+                <a:extLst>
+                  <a:ext uri="{FF2B5EF4-FFF2-40B4-BE49-F238E27FC236}">
+                    <a16:creationId xmlns:a16="http://schemas.microsoft.com/office/drawing/2014/main" id="{9A0C113E-781D-4083-86C0-EC936092D277}"/>
+                  </a:ext>
+                  <a:ext uri="{C183D7F6-B498-43B3-948B-1728B52AA6E4}">
+                    <adec:decorative xmlns:adec="http://schemas.microsoft.com/office/drawing/2017/decorative" val="1"/>
+                  </a:ext>
+                </a:extLst>
+              </p:cNvPr>
+              <p:cNvSpPr>
+                <a:spLocks noEditPoints="1"/>
+              </p:cNvSpPr>
+              <p:nvPr>
+                <p:extLst>
+                  <p:ext uri="{386F3935-93C4-4BCD-93E2-E3B085C9AB24}">
+                    <p16:designElem xmlns:p16="http://schemas.microsoft.com/office/powerpoint/2015/main" val="1"/>
+                  </p:ext>
+                </p:extLst>
+              </p:nvPr>
+            </p:nvSpPr>
+            <p:spPr bwMode="auto">
+              <a:xfrm>
+                <a:off x="612775" y="5764213"/>
+                <a:ext cx="190500" cy="190500"/>
+              </a:xfrm>
+              <a:custGeom>
+                <a:avLst/>
+                <a:gdLst/>
+                <a:ahLst/>
+                <a:cxnLst/>
+                <a:rect l="0" t="0" r="r" b="b"/>
+                <a:pathLst>
+                  <a:path w="40" h="40">
+                    <a:moveTo>
+                      <a:pt x="20" y="40"/>
+                    </a:moveTo>
+                    <a:cubicBezTo>
+                      <a:pt x="9" y="40"/>
+                      <a:pt x="0" y="31"/>
+                      <a:pt x="0" y="20"/>
+                    </a:cubicBezTo>
+                    <a:cubicBezTo>
+                      <a:pt x="0" y="9"/>
+                      <a:pt x="9" y="0"/>
+                      <a:pt x="20" y="0"/>
+                    </a:cubicBezTo>
+                    <a:cubicBezTo>
+                      <a:pt x="31" y="0"/>
+                      <a:pt x="40" y="9"/>
+                      <a:pt x="40" y="20"/>
+                    </a:cubicBezTo>
+                    <a:cubicBezTo>
+                      <a:pt x="40" y="31"/>
+                      <a:pt x="31" y="40"/>
+                      <a:pt x="20" y="40"/>
+                    </a:cubicBezTo>
+                    <a:close/>
+                    <a:moveTo>
+                      <a:pt x="20" y="4"/>
+                    </a:moveTo>
+                    <a:cubicBezTo>
+                      <a:pt x="12" y="4"/>
+                      <a:pt x="4" y="11"/>
+                      <a:pt x="4" y="20"/>
+                    </a:cubicBezTo>
+                    <a:cubicBezTo>
+                      <a:pt x="4" y="29"/>
+                      <a:pt x="12" y="36"/>
+                      <a:pt x="20" y="36"/>
+                    </a:cubicBezTo>
+                    <a:cubicBezTo>
+                      <a:pt x="29" y="36"/>
+                      <a:pt x="36" y="29"/>
+                      <a:pt x="36" y="20"/>
+                    </a:cubicBezTo>
+                    <a:cubicBezTo>
+                      <a:pt x="36" y="11"/>
+                      <a:pt x="29" y="4"/>
+                      <a:pt x="20" y="4"/>
+                    </a:cubicBezTo>
+                    <a:close/>
+                  </a:path>
+                </a:pathLst>
+              </a:custGeom>
+              <a:grpFill/>
+              <a:ln>
+                <a:noFill/>
+              </a:ln>
+              <a:extLst>
+                <a:ext uri="{91240B29-F687-4f45-9708-019B960494DF}">
+                  <a14:hiddenLine xmlns="" xmlns:a16="http://schemas.microsoft.com/office/drawing/2014/main" xmlns:p14="http://schemas.microsoft.com/office/powerpoint/2010/main" xmlns:a14="http://schemas.microsoft.com/office/drawing/2010/main" w="9525">
+                    <a:solidFill>
+                      <a:srgbClr val="000000"/>
+                    </a:solidFill>
+                    <a:round/>
+                    <a:headEnd/>
+                    <a:tailEnd/>
+                  </a14:hiddenLine>
+                </a:ext>
+              </a:extLst>
+            </p:spPr>
+            <p:txBody>
+              <a:bodyPr/>
+              <a:lstStyle/>
+              <a:p>
+                <a:endParaRPr lang="zh-TW" altLang="en-US"/>
+              </a:p>
+            </p:txBody>
+          </p:sp>
+          <p:sp>
+            <p:nvSpPr>
+              <p:cNvPr id="52" name="Freeform 30">
+                <a:extLst>
+                  <a:ext uri="{FF2B5EF4-FFF2-40B4-BE49-F238E27FC236}">
+                    <a16:creationId xmlns:a16="http://schemas.microsoft.com/office/drawing/2014/main" id="{B63D60EF-1E99-4D4C-BF11-AAF8ABEB86E6}"/>
+                  </a:ext>
+                  <a:ext uri="{C183D7F6-B498-43B3-948B-1728B52AA6E4}">
+                    <adec:decorative xmlns:adec="http://schemas.microsoft.com/office/drawing/2017/decorative" val="1"/>
+                  </a:ext>
+                </a:extLst>
+              </p:cNvPr>
+              <p:cNvSpPr/>
+              <p:nvPr>
+                <p:extLst>
+                  <p:ext uri="{386F3935-93C4-4BCD-93E2-E3B085C9AB24}">
+                    <p16:designElem xmlns:p16="http://schemas.microsoft.com/office/powerpoint/2015/main" val="1"/>
+                  </p:ext>
+                </p:extLst>
+              </p:nvPr>
+            </p:nvSpPr>
+            <p:spPr bwMode="auto">
+              <a:xfrm>
+                <a:off x="669925" y="6330950"/>
+                <a:ext cx="417513" cy="517525"/>
+              </a:xfrm>
+              <a:custGeom>
+                <a:avLst/>
+                <a:gdLst/>
+                <a:ahLst/>
+                <a:cxnLst/>
+                <a:rect l="0" t="0" r="r" b="b"/>
+                <a:pathLst>
+                  <a:path w="263" h="326">
+                    <a:moveTo>
+                      <a:pt x="15" y="326"/>
+                    </a:moveTo>
+                    <a:lnTo>
+                      <a:pt x="0" y="320"/>
+                    </a:lnTo>
+                    <a:lnTo>
+                      <a:pt x="45" y="206"/>
+                    </a:lnTo>
+                    <a:lnTo>
+                      <a:pt x="48" y="206"/>
+                    </a:lnTo>
+                    <a:lnTo>
+                      <a:pt x="254" y="0"/>
+                    </a:lnTo>
+                    <a:lnTo>
+                      <a:pt x="263" y="12"/>
+                    </a:lnTo>
+                    <a:lnTo>
+                      <a:pt x="60" y="215"/>
+                    </a:lnTo>
+                    <a:lnTo>
+                      <a:pt x="15" y="326"/>
+                    </a:lnTo>
+                    <a:close/>
+                  </a:path>
+                </a:pathLst>
+              </a:custGeom>
+              <a:grpFill/>
+              <a:ln>
+                <a:noFill/>
+              </a:ln>
+              <a:extLst>
+                <a:ext uri="{91240B29-F687-4f45-9708-019B960494DF}">
+                  <a14:hiddenLine xmlns="" xmlns:a16="http://schemas.microsoft.com/office/drawing/2014/main" xmlns:p14="http://schemas.microsoft.com/office/powerpoint/2010/main" xmlns:a14="http://schemas.microsoft.com/office/drawing/2010/main" w="9525">
+                    <a:solidFill>
+                      <a:srgbClr val="000000"/>
+                    </a:solidFill>
+                    <a:round/>
+                    <a:headEnd/>
+                    <a:tailEnd/>
+                  </a14:hiddenLine>
+                </a:ext>
+              </a:extLst>
+            </p:spPr>
+            <p:txBody>
+              <a:bodyPr/>
+              <a:lstStyle/>
+              <a:p>
+                <a:endParaRPr lang="zh-TW" altLang="en-US"/>
+              </a:p>
+            </p:txBody>
+          </p:sp>
+          <p:sp>
+            <p:nvSpPr>
+              <p:cNvPr id="53" name="Freeform 31">
+                <a:extLst>
+                  <a:ext uri="{FF2B5EF4-FFF2-40B4-BE49-F238E27FC236}">
+                    <a16:creationId xmlns:a16="http://schemas.microsoft.com/office/drawing/2014/main" id="{50403E41-7079-49EA-8D0B-4F678552D9BB}"/>
+                  </a:ext>
+                  <a:ext uri="{C183D7F6-B498-43B3-948B-1728B52AA6E4}">
+                    <adec:decorative xmlns:adec="http://schemas.microsoft.com/office/drawing/2017/decorative" val="1"/>
+                  </a:ext>
+                </a:extLst>
+              </p:cNvPr>
+              <p:cNvSpPr>
+                <a:spLocks noEditPoints="1"/>
+              </p:cNvSpPr>
+              <p:nvPr>
+                <p:extLst>
+                  <p:ext uri="{386F3935-93C4-4BCD-93E2-E3B085C9AB24}">
+                    <p16:designElem xmlns:p16="http://schemas.microsoft.com/office/powerpoint/2015/main" val="1"/>
+                  </p:ext>
+                </p:extLst>
+              </p:nvPr>
+            </p:nvSpPr>
+            <p:spPr bwMode="auto">
+              <a:xfrm>
+                <a:off x="1049337" y="6221413"/>
+                <a:ext cx="157163" cy="147638"/>
+              </a:xfrm>
+              <a:custGeom>
+                <a:avLst/>
+                <a:gdLst/>
+                <a:ahLst/>
+                <a:cxnLst/>
+                <a:rect l="0" t="0" r="r" b="b"/>
+                <a:pathLst>
+                  <a:path w="33" h="31">
+                    <a:moveTo>
+                      <a:pt x="16" y="31"/>
+                    </a:moveTo>
+                    <a:cubicBezTo>
+                      <a:pt x="12" y="31"/>
+                      <a:pt x="8" y="29"/>
+                      <a:pt x="5" y="26"/>
+                    </a:cubicBezTo>
+                    <a:cubicBezTo>
+                      <a:pt x="2" y="24"/>
+                      <a:pt x="0" y="20"/>
+                      <a:pt x="0" y="15"/>
+                    </a:cubicBezTo>
+                    <a:cubicBezTo>
+                      <a:pt x="0" y="11"/>
+                      <a:pt x="2" y="7"/>
+                      <a:pt x="5" y="4"/>
+                    </a:cubicBezTo>
+                    <a:cubicBezTo>
+                      <a:pt x="8" y="1"/>
+                      <a:pt x="12" y="0"/>
+                      <a:pt x="16" y="0"/>
+                    </a:cubicBezTo>
+                    <a:cubicBezTo>
+                      <a:pt x="20" y="0"/>
+                      <a:pt x="24" y="1"/>
+                      <a:pt x="27" y="4"/>
+                    </a:cubicBezTo>
+                    <a:cubicBezTo>
+                      <a:pt x="33" y="10"/>
+                      <a:pt x="33" y="20"/>
+                      <a:pt x="27" y="26"/>
+                    </a:cubicBezTo>
+                    <a:cubicBezTo>
+                      <a:pt x="24" y="29"/>
+                      <a:pt x="20" y="31"/>
+                      <a:pt x="16" y="31"/>
+                    </a:cubicBezTo>
+                    <a:close/>
+                    <a:moveTo>
+                      <a:pt x="16" y="4"/>
+                    </a:moveTo>
+                    <a:cubicBezTo>
+                      <a:pt x="13" y="4"/>
+                      <a:pt x="10" y="5"/>
+                      <a:pt x="8" y="7"/>
+                    </a:cubicBezTo>
+                    <a:cubicBezTo>
+                      <a:pt x="6" y="9"/>
+                      <a:pt x="4" y="12"/>
+                      <a:pt x="4" y="15"/>
+                    </a:cubicBezTo>
+                    <a:cubicBezTo>
+                      <a:pt x="4" y="19"/>
+                      <a:pt x="6" y="21"/>
+                      <a:pt x="8" y="24"/>
+                    </a:cubicBezTo>
+                    <a:cubicBezTo>
+                      <a:pt x="10" y="26"/>
+                      <a:pt x="13" y="27"/>
+                      <a:pt x="16" y="27"/>
+                    </a:cubicBezTo>
+                    <a:cubicBezTo>
+                      <a:pt x="19" y="27"/>
+                      <a:pt x="22" y="26"/>
+                      <a:pt x="24" y="24"/>
+                    </a:cubicBezTo>
+                    <a:cubicBezTo>
+                      <a:pt x="29" y="19"/>
+                      <a:pt x="29" y="12"/>
+                      <a:pt x="24" y="7"/>
+                    </a:cubicBezTo>
+                    <a:cubicBezTo>
+                      <a:pt x="22" y="5"/>
+                      <a:pt x="19" y="4"/>
+                      <a:pt x="16" y="4"/>
+                    </a:cubicBezTo>
+                    <a:close/>
+                  </a:path>
+                </a:pathLst>
+              </a:custGeom>
+              <a:grpFill/>
+              <a:ln>
+                <a:noFill/>
+              </a:ln>
+              <a:extLst>
+                <a:ext uri="{91240B29-F687-4f45-9708-019B960494DF}">
+                  <a14:hiddenLine xmlns="" xmlns:a16="http://schemas.microsoft.com/office/drawing/2014/main" xmlns:p14="http://schemas.microsoft.com/office/powerpoint/2010/main" xmlns:a14="http://schemas.microsoft.com/office/drawing/2010/main" w="9525">
+                    <a:solidFill>
+                      <a:srgbClr val="000000"/>
+                    </a:solidFill>
+                    <a:round/>
+                    <a:headEnd/>
+                    <a:tailEnd/>
+                  </a14:hiddenLine>
+                </a:ext>
+              </a:extLst>
+            </p:spPr>
+            <p:txBody>
+              <a:bodyPr/>
+              <a:lstStyle/>
+              <a:p>
+                <a:endParaRPr lang="zh-TW" altLang="en-US"/>
+              </a:p>
+            </p:txBody>
+          </p:sp>
+        </p:grpSp>
+        <p:grpSp>
+          <p:nvGrpSpPr>
+            <p:cNvPr id="16" name="Group 15">
+              <a:extLst>
+                <a:ext uri="{FF2B5EF4-FFF2-40B4-BE49-F238E27FC236}">
+                  <a16:creationId xmlns:a16="http://schemas.microsoft.com/office/drawing/2014/main" id="{E3B2C458-4D37-49A0-A94E-D516E05C3CC4}"/>
+                </a:ext>
+                <a:ext uri="{C183D7F6-B498-43B3-948B-1728B52AA6E4}">
+                  <adec:decorative xmlns:adec="http://schemas.microsoft.com/office/drawing/2017/decorative" val="1"/>
+                </a:ext>
+              </a:extLst>
+            </p:cNvPr>
+            <p:cNvGrpSpPr/>
+            <p:nvPr>
+              <p:extLst>
+                <p:ext uri="{386F3935-93C4-4BCD-93E2-E3B085C9AB24}">
+                  <p16:designElem xmlns:p16="http://schemas.microsoft.com/office/powerpoint/2015/main" val="1"/>
+                </p:ext>
+              </p:extLst>
+            </p:nvPr>
+          </p:nvGrpSpPr>
+          <p:grpSpPr>
+            <a:xfrm>
+              <a:off x="11227597" y="0"/>
+              <a:ext cx="674688" cy="6848476"/>
+              <a:chOff x="11364912" y="0"/>
+              <a:chExt cx="674688" cy="6848476"/>
+            </a:xfrm>
+            <a:gradFill flip="none" rotWithShape="1">
+              <a:gsLst>
+                <a:gs pos="0">
+                  <a:schemeClr val="bg2"/>
+                </a:gs>
+                <a:gs pos="100000">
+                  <a:schemeClr val="tx2">
+                    <a:lumMod val="60000"/>
+                    <a:lumOff val="40000"/>
+                  </a:schemeClr>
+                </a:gs>
+              </a:gsLst>
+              <a:lin ang="5400000" scaled="0"/>
+              <a:tileRect/>
+            </a:gradFill>
+          </p:grpSpPr>
+          <p:sp>
+            <p:nvSpPr>
+              <p:cNvPr id="17" name="Freeform 32">
+                <a:extLst>
+                  <a:ext uri="{FF2B5EF4-FFF2-40B4-BE49-F238E27FC236}">
+                    <a16:creationId xmlns:a16="http://schemas.microsoft.com/office/drawing/2014/main" id="{C1B10016-E0C4-4526-A466-9911541D26EF}"/>
+                  </a:ext>
+                  <a:ext uri="{C183D7F6-B498-43B3-948B-1728B52AA6E4}">
+                    <adec:decorative xmlns:adec="http://schemas.microsoft.com/office/drawing/2017/decorative" val="1"/>
+                  </a:ext>
+                </a:extLst>
+              </p:cNvPr>
+              <p:cNvSpPr/>
+              <p:nvPr>
+                <p:extLst>
+                  <p:ext uri="{386F3935-93C4-4BCD-93E2-E3B085C9AB24}">
+                    <p16:designElem xmlns:p16="http://schemas.microsoft.com/office/powerpoint/2015/main" val="1"/>
+                  </p:ext>
+                </p:extLst>
+              </p:nvPr>
+            </p:nvSpPr>
+            <p:spPr bwMode="auto">
+              <a:xfrm>
+                <a:off x="11483975" y="0"/>
+                <a:ext cx="417513" cy="512763"/>
+              </a:xfrm>
+              <a:custGeom>
+                <a:avLst/>
+                <a:gdLst/>
+                <a:ahLst/>
+                <a:cxnLst/>
+                <a:rect l="0" t="0" r="r" b="b"/>
+                <a:pathLst>
+                  <a:path w="263" h="323">
+                    <a:moveTo>
+                      <a:pt x="12" y="323"/>
+                    </a:moveTo>
+                    <a:lnTo>
+                      <a:pt x="0" y="314"/>
+                    </a:lnTo>
+                    <a:lnTo>
+                      <a:pt x="203" y="108"/>
+                    </a:lnTo>
+                    <a:lnTo>
+                      <a:pt x="248" y="0"/>
+                    </a:lnTo>
+                    <a:lnTo>
+                      <a:pt x="263" y="6"/>
+                    </a:lnTo>
+                    <a:lnTo>
+                      <a:pt x="218" y="117"/>
+                    </a:lnTo>
+                    <a:lnTo>
+                      <a:pt x="218" y="117"/>
+                    </a:lnTo>
+                    <a:lnTo>
+                      <a:pt x="12" y="323"/>
+                    </a:lnTo>
+                    <a:close/>
+                  </a:path>
+                </a:pathLst>
+              </a:custGeom>
+              <a:grpFill/>
+              <a:ln>
+                <a:noFill/>
+              </a:ln>
+              <a:extLst>
+                <a:ext uri="{91240B29-F687-4f45-9708-019B960494DF}">
+                  <a14:hiddenLine xmlns="" xmlns:a16="http://schemas.microsoft.com/office/drawing/2014/main" xmlns:p14="http://schemas.microsoft.com/office/powerpoint/2010/main" xmlns:a14="http://schemas.microsoft.com/office/drawing/2010/main" w="9525">
+                    <a:solidFill>
+                      <a:srgbClr val="000000"/>
+                    </a:solidFill>
+                    <a:round/>
+                    <a:headEnd/>
+                    <a:tailEnd/>
+                  </a14:hiddenLine>
+                </a:ext>
+              </a:extLst>
+            </p:spPr>
+            <p:txBody>
+              <a:bodyPr/>
+              <a:lstStyle/>
+              <a:p>
+                <a:endParaRPr lang="zh-TW" altLang="en-US"/>
+              </a:p>
+            </p:txBody>
+          </p:sp>
+          <p:sp>
+            <p:nvSpPr>
+              <p:cNvPr id="18" name="Freeform 33">
+                <a:extLst>
+                  <a:ext uri="{FF2B5EF4-FFF2-40B4-BE49-F238E27FC236}">
+                    <a16:creationId xmlns:a16="http://schemas.microsoft.com/office/drawing/2014/main" id="{D574C3F0-FC2B-43A3-94B2-75D305FBF7D0}"/>
+                  </a:ext>
+                  <a:ext uri="{C183D7F6-B498-43B3-948B-1728B52AA6E4}">
+                    <adec:decorative xmlns:adec="http://schemas.microsoft.com/office/drawing/2017/decorative" val="1"/>
+                  </a:ext>
+                </a:extLst>
+              </p:cNvPr>
+              <p:cNvSpPr>
+                <a:spLocks noEditPoints="1"/>
+              </p:cNvSpPr>
+              <p:nvPr>
+                <p:extLst>
+                  <p:ext uri="{386F3935-93C4-4BCD-93E2-E3B085C9AB24}">
+                    <p16:designElem xmlns:p16="http://schemas.microsoft.com/office/powerpoint/2015/main" val="1"/>
+                  </p:ext>
+                </p:extLst>
+              </p:nvPr>
+            </p:nvSpPr>
+            <p:spPr bwMode="auto">
+              <a:xfrm>
+                <a:off x="11364912" y="474663"/>
+                <a:ext cx="157163" cy="152400"/>
+              </a:xfrm>
+              <a:custGeom>
+                <a:avLst/>
+                <a:gdLst/>
+                <a:ahLst/>
+                <a:cxnLst/>
+                <a:rect l="0" t="0" r="r" b="b"/>
+                <a:pathLst>
+                  <a:path w="33" h="32">
+                    <a:moveTo>
+                      <a:pt x="17" y="32"/>
+                    </a:moveTo>
+                    <a:cubicBezTo>
+                      <a:pt x="13" y="32"/>
+                      <a:pt x="9" y="30"/>
+                      <a:pt x="6" y="27"/>
+                    </a:cubicBezTo>
+                    <a:cubicBezTo>
+                      <a:pt x="0" y="21"/>
+                      <a:pt x="0" y="11"/>
+                      <a:pt x="6" y="5"/>
+                    </a:cubicBezTo>
+                    <a:cubicBezTo>
+                      <a:pt x="9" y="2"/>
+                      <a:pt x="13" y="0"/>
+                      <a:pt x="17" y="0"/>
+                    </a:cubicBezTo>
+                    <a:cubicBezTo>
+                      <a:pt x="21" y="0"/>
+                      <a:pt x="25" y="2"/>
+                      <a:pt x="28" y="5"/>
+                    </a:cubicBezTo>
+                    <a:cubicBezTo>
+                      <a:pt x="31" y="8"/>
+                      <a:pt x="33" y="12"/>
+                      <a:pt x="33" y="16"/>
+                    </a:cubicBezTo>
+                    <a:cubicBezTo>
+                      <a:pt x="33" y="20"/>
+                      <a:pt x="31" y="24"/>
+                      <a:pt x="28" y="27"/>
+                    </a:cubicBezTo>
+                    <a:cubicBezTo>
+                      <a:pt x="25" y="30"/>
+                      <a:pt x="21" y="32"/>
+                      <a:pt x="17" y="32"/>
+                    </a:cubicBezTo>
+                    <a:close/>
+                    <a:moveTo>
+                      <a:pt x="17" y="4"/>
+                    </a:moveTo>
+                    <a:cubicBezTo>
+                      <a:pt x="14" y="4"/>
+                      <a:pt x="11" y="6"/>
+                      <a:pt x="9" y="8"/>
+                    </a:cubicBezTo>
+                    <a:cubicBezTo>
+                      <a:pt x="4" y="12"/>
+                      <a:pt x="4" y="20"/>
+                      <a:pt x="9" y="24"/>
+                    </a:cubicBezTo>
+                    <a:cubicBezTo>
+                      <a:pt x="11" y="27"/>
+                      <a:pt x="14" y="28"/>
+                      <a:pt x="17" y="28"/>
+                    </a:cubicBezTo>
+                    <a:cubicBezTo>
+                      <a:pt x="20" y="28"/>
+                      <a:pt x="23" y="27"/>
+                      <a:pt x="26" y="24"/>
+                    </a:cubicBezTo>
+                    <a:cubicBezTo>
+                      <a:pt x="30" y="20"/>
+                      <a:pt x="30" y="12"/>
+                      <a:pt x="26" y="8"/>
+                    </a:cubicBezTo>
+                    <a:cubicBezTo>
+                      <a:pt x="23" y="6"/>
+                      <a:pt x="20" y="4"/>
+                      <a:pt x="17" y="4"/>
+                    </a:cubicBezTo>
+                    <a:close/>
+                  </a:path>
+                </a:pathLst>
+              </a:custGeom>
+              <a:grpFill/>
+              <a:ln>
+                <a:noFill/>
+              </a:ln>
+              <a:extLst>
+                <a:ext uri="{91240B29-F687-4f45-9708-019B960494DF}">
+                  <a14:hiddenLine xmlns="" xmlns:a16="http://schemas.microsoft.com/office/drawing/2014/main" xmlns:p14="http://schemas.microsoft.com/office/powerpoint/2010/main" xmlns:a14="http://schemas.microsoft.com/office/drawing/2010/main" w="9525">
+                    <a:solidFill>
+                      <a:srgbClr val="000000"/>
+                    </a:solidFill>
+                    <a:round/>
+                    <a:headEnd/>
+                    <a:tailEnd/>
+                  </a14:hiddenLine>
+                </a:ext>
+              </a:extLst>
+            </p:spPr>
+            <p:txBody>
+              <a:bodyPr/>
+              <a:lstStyle/>
+              <a:p>
+                <a:endParaRPr lang="zh-TW" altLang="en-US"/>
+              </a:p>
+            </p:txBody>
+          </p:sp>
+          <p:sp>
+            <p:nvSpPr>
+              <p:cNvPr id="19" name="Freeform 34">
+                <a:extLst>
+                  <a:ext uri="{FF2B5EF4-FFF2-40B4-BE49-F238E27FC236}">
+                    <a16:creationId xmlns:a16="http://schemas.microsoft.com/office/drawing/2014/main" id="{D92A5F66-F404-433B-BDBE-5E0DFF40D656}"/>
+                  </a:ext>
+                  <a:ext uri="{C183D7F6-B498-43B3-948B-1728B52AA6E4}">
+                    <adec:decorative xmlns:adec="http://schemas.microsoft.com/office/drawing/2017/decorative" val="1"/>
+                  </a:ext>
+                </a:extLst>
+              </p:cNvPr>
+              <p:cNvSpPr>
+                <a:spLocks noEditPoints="1"/>
+              </p:cNvSpPr>
+              <p:nvPr>
+                <p:extLst>
+                  <p:ext uri="{386F3935-93C4-4BCD-93E2-E3B085C9AB24}">
+                    <p16:designElem xmlns:p16="http://schemas.microsoft.com/office/powerpoint/2015/main" val="1"/>
+                  </p:ext>
+                </p:extLst>
+              </p:nvPr>
+            </p:nvSpPr>
+            <p:spPr bwMode="auto">
+              <a:xfrm>
+                <a:off x="11631612" y="1539875"/>
+                <a:ext cx="188913" cy="190500"/>
+              </a:xfrm>
+              <a:custGeom>
+                <a:avLst/>
+                <a:gdLst/>
+                <a:ahLst/>
+                <a:cxnLst/>
+                <a:rect l="0" t="0" r="r" b="b"/>
+                <a:pathLst>
+                  <a:path w="40" h="40">
+                    <a:moveTo>
+                      <a:pt x="20" y="40"/>
+                    </a:moveTo>
+                    <a:cubicBezTo>
+                      <a:pt x="9" y="40"/>
+                      <a:pt x="0" y="31"/>
+                      <a:pt x="0" y="20"/>
+                    </a:cubicBezTo>
+                    <a:cubicBezTo>
+                      <a:pt x="0" y="9"/>
+                      <a:pt x="9" y="0"/>
+                      <a:pt x="20" y="0"/>
+                    </a:cubicBezTo>
+                    <a:cubicBezTo>
+                      <a:pt x="31" y="0"/>
+                      <a:pt x="40" y="9"/>
+                      <a:pt x="40" y="20"/>
+                    </a:cubicBezTo>
+                    <a:cubicBezTo>
+                      <a:pt x="40" y="31"/>
+                      <a:pt x="31" y="40"/>
+                      <a:pt x="20" y="40"/>
+                    </a:cubicBezTo>
+                    <a:close/>
+                    <a:moveTo>
+                      <a:pt x="20" y="4"/>
+                    </a:moveTo>
+                    <a:cubicBezTo>
+                      <a:pt x="11" y="4"/>
+                      <a:pt x="4" y="11"/>
+                      <a:pt x="4" y="20"/>
+                    </a:cubicBezTo>
+                    <a:cubicBezTo>
+                      <a:pt x="4" y="29"/>
+                      <a:pt x="11" y="36"/>
+                      <a:pt x="20" y="36"/>
+                    </a:cubicBezTo>
+                    <a:cubicBezTo>
+                      <a:pt x="29" y="36"/>
+                      <a:pt x="36" y="29"/>
+                      <a:pt x="36" y="20"/>
+                    </a:cubicBezTo>
+                    <a:cubicBezTo>
+                      <a:pt x="36" y="11"/>
+                      <a:pt x="29" y="4"/>
+                      <a:pt x="20" y="4"/>
+                    </a:cubicBezTo>
+                    <a:close/>
+                  </a:path>
+                </a:pathLst>
+              </a:custGeom>
+              <a:grpFill/>
+              <a:ln>
+                <a:noFill/>
+              </a:ln>
+              <a:extLst>
+                <a:ext uri="{91240B29-F687-4f45-9708-019B960494DF}">
+                  <a14:hiddenLine xmlns="" xmlns:a16="http://schemas.microsoft.com/office/drawing/2014/main" xmlns:p14="http://schemas.microsoft.com/office/powerpoint/2010/main" xmlns:a14="http://schemas.microsoft.com/office/drawing/2010/main" w="9525">
+                    <a:solidFill>
+                      <a:srgbClr val="000000"/>
+                    </a:solidFill>
+                    <a:round/>
+                    <a:headEnd/>
+                    <a:tailEnd/>
+                  </a14:hiddenLine>
+                </a:ext>
+              </a:extLst>
+            </p:spPr>
+            <p:txBody>
+              <a:bodyPr/>
+              <a:lstStyle/>
+              <a:p>
+                <a:endParaRPr lang="zh-TW" altLang="en-US"/>
+              </a:p>
+            </p:txBody>
+          </p:sp>
+          <p:sp>
+            <p:nvSpPr>
+              <p:cNvPr id="20" name="Freeform 35">
+                <a:extLst>
+                  <a:ext uri="{FF2B5EF4-FFF2-40B4-BE49-F238E27FC236}">
+                    <a16:creationId xmlns:a16="http://schemas.microsoft.com/office/drawing/2014/main" id="{0A0BDF81-64CC-431D-81B1-A21938C05432}"/>
+                  </a:ext>
+                  <a:ext uri="{C183D7F6-B498-43B3-948B-1728B52AA6E4}">
+                    <adec:decorative xmlns:adec="http://schemas.microsoft.com/office/drawing/2017/decorative" val="1"/>
+                  </a:ext>
+                </a:extLst>
+              </p:cNvPr>
+              <p:cNvSpPr/>
+              <p:nvPr>
+                <p:extLst>
+                  <p:ext uri="{386F3935-93C4-4BCD-93E2-E3B085C9AB24}">
+                    <p16:designElem xmlns:p16="http://schemas.microsoft.com/office/powerpoint/2015/main" val="1"/>
+                  </p:ext>
+                </p:extLst>
+              </p:nvPr>
+            </p:nvSpPr>
+            <p:spPr bwMode="auto">
+              <a:xfrm>
+                <a:off x="11531600" y="5694363"/>
+                <a:ext cx="298450" cy="1154113"/>
+              </a:xfrm>
+              <a:custGeom>
+                <a:avLst/>
+                <a:gdLst/>
+                <a:ahLst/>
+                <a:cxnLst/>
+                <a:rect l="0" t="0" r="r" b="b"/>
+                <a:pathLst>
+                  <a:path w="188" h="727">
+                    <a:moveTo>
+                      <a:pt x="15" y="727"/>
+                    </a:moveTo>
+                    <a:lnTo>
+                      <a:pt x="0" y="727"/>
+                    </a:lnTo>
+                    <a:lnTo>
+                      <a:pt x="0" y="407"/>
+                    </a:lnTo>
+                    <a:lnTo>
+                      <a:pt x="0" y="407"/>
+                    </a:lnTo>
+                    <a:lnTo>
+                      <a:pt x="176" y="0"/>
+                    </a:lnTo>
+                    <a:lnTo>
+                      <a:pt x="188" y="6"/>
+                    </a:lnTo>
+                    <a:lnTo>
+                      <a:pt x="15" y="410"/>
+                    </a:lnTo>
+                    <a:lnTo>
+                      <a:pt x="15" y="727"/>
+                    </a:lnTo>
+                    <a:close/>
+                  </a:path>
+                </a:pathLst>
+              </a:custGeom>
+              <a:grpFill/>
+              <a:ln>
+                <a:noFill/>
+              </a:ln>
+              <a:extLst>
+                <a:ext uri="{91240B29-F687-4f45-9708-019B960494DF}">
+                  <a14:hiddenLine xmlns="" xmlns:a16="http://schemas.microsoft.com/office/drawing/2014/main" xmlns:p14="http://schemas.microsoft.com/office/powerpoint/2010/main" xmlns:a14="http://schemas.microsoft.com/office/drawing/2010/main" w="9525">
+                    <a:solidFill>
+                      <a:srgbClr val="000000"/>
+                    </a:solidFill>
+                    <a:round/>
+                    <a:headEnd/>
+                    <a:tailEnd/>
+                  </a14:hiddenLine>
+                </a:ext>
+              </a:extLst>
+            </p:spPr>
+            <p:txBody>
+              <a:bodyPr/>
+              <a:lstStyle/>
+              <a:p>
+                <a:endParaRPr lang="zh-TW" altLang="en-US"/>
+              </a:p>
+            </p:txBody>
+          </p:sp>
+          <p:sp>
+            <p:nvSpPr>
+              <p:cNvPr id="21" name="Freeform 36">
+                <a:extLst>
+                  <a:ext uri="{FF2B5EF4-FFF2-40B4-BE49-F238E27FC236}">
+                    <a16:creationId xmlns:a16="http://schemas.microsoft.com/office/drawing/2014/main" id="{42871530-50EC-42C2-879A-AE8154DADC0F}"/>
+                  </a:ext>
+                  <a:ext uri="{C183D7F6-B498-43B3-948B-1728B52AA6E4}">
+                    <adec:decorative xmlns:adec="http://schemas.microsoft.com/office/drawing/2017/decorative" val="1"/>
+                  </a:ext>
+                </a:extLst>
+              </p:cNvPr>
+              <p:cNvSpPr>
+                <a:spLocks noEditPoints="1"/>
+              </p:cNvSpPr>
+              <p:nvPr>
+                <p:extLst>
+                  <p:ext uri="{386F3935-93C4-4BCD-93E2-E3B085C9AB24}">
+                    <p16:designElem xmlns:p16="http://schemas.microsoft.com/office/powerpoint/2015/main" val="1"/>
+                  </p:ext>
+                </p:extLst>
+              </p:nvPr>
+            </p:nvSpPr>
+            <p:spPr bwMode="auto">
+              <a:xfrm>
+                <a:off x="11772900" y="5551488"/>
+                <a:ext cx="157163" cy="155575"/>
+              </a:xfrm>
+              <a:custGeom>
+                <a:avLst/>
+                <a:gdLst/>
+                <a:ahLst/>
+                <a:cxnLst/>
+                <a:rect l="0" t="0" r="r" b="b"/>
+                <a:pathLst>
+                  <a:path w="33" h="33">
+                    <a:moveTo>
+                      <a:pt x="17" y="33"/>
+                    </a:moveTo>
+                    <a:cubicBezTo>
+                      <a:pt x="8" y="33"/>
+                      <a:pt x="0" y="25"/>
+                      <a:pt x="0" y="16"/>
+                    </a:cubicBezTo>
+                    <a:cubicBezTo>
+                      <a:pt x="0" y="7"/>
+                      <a:pt x="8" y="0"/>
+                      <a:pt x="17" y="0"/>
+                    </a:cubicBezTo>
+                    <a:cubicBezTo>
+                      <a:pt x="26" y="0"/>
+                      <a:pt x="33" y="7"/>
+                      <a:pt x="33" y="16"/>
+                    </a:cubicBezTo>
+                    <a:cubicBezTo>
+                      <a:pt x="33" y="25"/>
+                      <a:pt x="26" y="33"/>
+                      <a:pt x="17" y="33"/>
+                    </a:cubicBezTo>
+                    <a:close/>
+                    <a:moveTo>
+                      <a:pt x="17" y="4"/>
+                    </a:moveTo>
+                    <a:cubicBezTo>
+                      <a:pt x="10" y="4"/>
+                      <a:pt x="4" y="9"/>
+                      <a:pt x="4" y="16"/>
+                    </a:cubicBezTo>
+                    <a:cubicBezTo>
+                      <a:pt x="4" y="23"/>
+                      <a:pt x="10" y="29"/>
+                      <a:pt x="17" y="29"/>
+                    </a:cubicBezTo>
+                    <a:cubicBezTo>
+                      <a:pt x="23" y="29"/>
+                      <a:pt x="29" y="23"/>
+                      <a:pt x="29" y="16"/>
+                    </a:cubicBezTo>
+                    <a:cubicBezTo>
+                      <a:pt x="29" y="9"/>
+                      <a:pt x="23" y="4"/>
+                      <a:pt x="17" y="4"/>
+                    </a:cubicBezTo>
+                    <a:close/>
+                  </a:path>
+                </a:pathLst>
+              </a:custGeom>
+              <a:grpFill/>
+              <a:ln>
+                <a:noFill/>
+              </a:ln>
+              <a:extLst>
+                <a:ext uri="{91240B29-F687-4f45-9708-019B960494DF}">
+                  <a14:hiddenLine xmlns="" xmlns:a16="http://schemas.microsoft.com/office/drawing/2014/main" xmlns:p14="http://schemas.microsoft.com/office/powerpoint/2010/main" xmlns:a14="http://schemas.microsoft.com/office/drawing/2010/main" w="9525">
+                    <a:solidFill>
+                      <a:srgbClr val="000000"/>
+                    </a:solidFill>
+                    <a:round/>
+                    <a:headEnd/>
+                    <a:tailEnd/>
+                  </a14:hiddenLine>
+                </a:ext>
+              </a:extLst>
+            </p:spPr>
+            <p:txBody>
+              <a:bodyPr/>
+              <a:lstStyle/>
+              <a:p>
+                <a:endParaRPr lang="zh-TW" altLang="en-US"/>
+              </a:p>
+            </p:txBody>
+          </p:sp>
+          <p:sp>
+            <p:nvSpPr>
+              <p:cNvPr id="22" name="Freeform 37">
+                <a:extLst>
+                  <a:ext uri="{FF2B5EF4-FFF2-40B4-BE49-F238E27FC236}">
+                    <a16:creationId xmlns:a16="http://schemas.microsoft.com/office/drawing/2014/main" id="{53AF2F2A-B148-4906-B90D-6E2223978457}"/>
+                  </a:ext>
+                  <a:ext uri="{C183D7F6-B498-43B3-948B-1728B52AA6E4}">
+                    <adec:decorative xmlns:adec="http://schemas.microsoft.com/office/drawing/2017/decorative" val="1"/>
+                  </a:ext>
+                </a:extLst>
+              </p:cNvPr>
+              <p:cNvSpPr/>
+              <p:nvPr>
+                <p:extLst>
+                  <p:ext uri="{386F3935-93C4-4BCD-93E2-E3B085C9AB24}">
+                    <p16:designElem xmlns:p16="http://schemas.microsoft.com/office/powerpoint/2015/main" val="1"/>
+                  </p:ext>
+                </p:extLst>
+              </p:nvPr>
+            </p:nvSpPr>
+            <p:spPr bwMode="auto">
+              <a:xfrm>
+                <a:off x="11710987" y="4763"/>
+                <a:ext cx="304800" cy="1544638"/>
+              </a:xfrm>
+              <a:custGeom>
+                <a:avLst/>
+                <a:gdLst/>
+                <a:ahLst/>
+                <a:cxnLst/>
+                <a:rect l="0" t="0" r="r" b="b"/>
+                <a:pathLst>
+                  <a:path w="192" h="973">
+                    <a:moveTo>
+                      <a:pt x="15" y="973"/>
+                    </a:moveTo>
+                    <a:lnTo>
+                      <a:pt x="0" y="973"/>
+                    </a:lnTo>
+                    <a:lnTo>
+                      <a:pt x="0" y="790"/>
+                    </a:lnTo>
+                    <a:lnTo>
+                      <a:pt x="174" y="614"/>
+                    </a:lnTo>
+                    <a:lnTo>
+                      <a:pt x="174" y="0"/>
+                    </a:lnTo>
+                    <a:lnTo>
+                      <a:pt x="192" y="0"/>
+                    </a:lnTo>
+                    <a:lnTo>
+                      <a:pt x="192" y="620"/>
+                    </a:lnTo>
+                    <a:lnTo>
+                      <a:pt x="15" y="796"/>
+                    </a:lnTo>
+                    <a:lnTo>
+                      <a:pt x="15" y="973"/>
+                    </a:lnTo>
+                    <a:close/>
+                  </a:path>
+                </a:pathLst>
+              </a:custGeom>
+              <a:grpFill/>
+              <a:ln>
+                <a:noFill/>
+              </a:ln>
+              <a:extLst>
+                <a:ext uri="{91240B29-F687-4f45-9708-019B960494DF}">
+                  <a14:hiddenLine xmlns="" xmlns:a16="http://schemas.microsoft.com/office/drawing/2014/main" xmlns:p14="http://schemas.microsoft.com/office/powerpoint/2010/main" xmlns:a14="http://schemas.microsoft.com/office/drawing/2010/main" w="9525">
+                    <a:solidFill>
+                      <a:srgbClr val="000000"/>
+                    </a:solidFill>
+                    <a:round/>
+                    <a:headEnd/>
+                    <a:tailEnd/>
+                  </a14:hiddenLine>
+                </a:ext>
+              </a:extLst>
+            </p:spPr>
+            <p:txBody>
+              <a:bodyPr/>
+              <a:lstStyle/>
+              <a:p>
+                <a:endParaRPr lang="zh-TW" altLang="en-US"/>
+              </a:p>
+            </p:txBody>
+          </p:sp>
+          <p:sp>
+            <p:nvSpPr>
+              <p:cNvPr id="23" name="Freeform 38">
+                <a:extLst>
+                  <a:ext uri="{FF2B5EF4-FFF2-40B4-BE49-F238E27FC236}">
+                    <a16:creationId xmlns:a16="http://schemas.microsoft.com/office/drawing/2014/main" id="{9A79EAA4-6F5D-4A2C-B688-CD29C2217C05}"/>
+                  </a:ext>
+                  <a:ext uri="{C183D7F6-B498-43B3-948B-1728B52AA6E4}">
+                    <adec:decorative xmlns:adec="http://schemas.microsoft.com/office/drawing/2017/decorative" val="1"/>
+                  </a:ext>
+                </a:extLst>
+              </p:cNvPr>
+              <p:cNvSpPr>
+                <a:spLocks noEditPoints="1"/>
+              </p:cNvSpPr>
+              <p:nvPr>
+                <p:extLst>
+                  <p:ext uri="{386F3935-93C4-4BCD-93E2-E3B085C9AB24}">
+                    <p16:designElem xmlns:p16="http://schemas.microsoft.com/office/powerpoint/2015/main" val="1"/>
+                  </p:ext>
+                </p:extLst>
+              </p:nvPr>
+            </p:nvSpPr>
+            <p:spPr bwMode="auto">
+              <a:xfrm>
+                <a:off x="11636375" y="4867275"/>
+                <a:ext cx="188913" cy="188913"/>
+              </a:xfrm>
+              <a:custGeom>
+                <a:avLst/>
+                <a:gdLst/>
+                <a:ahLst/>
+                <a:cxnLst/>
+                <a:rect l="0" t="0" r="r" b="b"/>
+                <a:pathLst>
+                  <a:path w="40" h="40">
+                    <a:moveTo>
+                      <a:pt x="20" y="40"/>
+                    </a:moveTo>
+                    <a:cubicBezTo>
+                      <a:pt x="9" y="40"/>
+                      <a:pt x="0" y="31"/>
+                      <a:pt x="0" y="20"/>
+                    </a:cubicBezTo>
+                    <a:cubicBezTo>
+                      <a:pt x="0" y="9"/>
+                      <a:pt x="9" y="0"/>
+                      <a:pt x="20" y="0"/>
+                    </a:cubicBezTo>
+                    <a:cubicBezTo>
+                      <a:pt x="31" y="0"/>
+                      <a:pt x="40" y="9"/>
+                      <a:pt x="40" y="20"/>
+                    </a:cubicBezTo>
+                    <a:cubicBezTo>
+                      <a:pt x="40" y="31"/>
+                      <a:pt x="31" y="40"/>
+                      <a:pt x="20" y="40"/>
+                    </a:cubicBezTo>
+                    <a:close/>
+                    <a:moveTo>
+                      <a:pt x="20" y="4"/>
+                    </a:moveTo>
+                    <a:cubicBezTo>
+                      <a:pt x="11" y="4"/>
+                      <a:pt x="4" y="11"/>
+                      <a:pt x="4" y="20"/>
+                    </a:cubicBezTo>
+                    <a:cubicBezTo>
+                      <a:pt x="4" y="29"/>
+                      <a:pt x="11" y="36"/>
+                      <a:pt x="20" y="36"/>
+                    </a:cubicBezTo>
+                    <a:cubicBezTo>
+                      <a:pt x="29" y="36"/>
+                      <a:pt x="36" y="29"/>
+                      <a:pt x="36" y="20"/>
+                    </a:cubicBezTo>
+                    <a:cubicBezTo>
+                      <a:pt x="36" y="11"/>
+                      <a:pt x="29" y="4"/>
+                      <a:pt x="20" y="4"/>
+                    </a:cubicBezTo>
+                    <a:close/>
+                  </a:path>
+                </a:pathLst>
+              </a:custGeom>
+              <a:grpFill/>
+              <a:ln>
+                <a:noFill/>
+              </a:ln>
+              <a:extLst>
+                <a:ext uri="{91240B29-F687-4f45-9708-019B960494DF}">
+                  <a14:hiddenLine xmlns="" xmlns:a16="http://schemas.microsoft.com/office/drawing/2014/main" xmlns:p14="http://schemas.microsoft.com/office/powerpoint/2010/main" xmlns:a14="http://schemas.microsoft.com/office/drawing/2010/main" w="9525">
+                    <a:solidFill>
+                      <a:srgbClr val="000000"/>
+                    </a:solidFill>
+                    <a:round/>
+                    <a:headEnd/>
+                    <a:tailEnd/>
+                  </a14:hiddenLine>
+                </a:ext>
+              </a:extLst>
+            </p:spPr>
+            <p:txBody>
+              <a:bodyPr/>
+              <a:lstStyle/>
+              <a:p>
+                <a:endParaRPr lang="zh-TW" altLang="en-US"/>
+              </a:p>
+            </p:txBody>
+          </p:sp>
+          <p:sp>
+            <p:nvSpPr>
+              <p:cNvPr id="24" name="Freeform 39">
+                <a:extLst>
+                  <a:ext uri="{FF2B5EF4-FFF2-40B4-BE49-F238E27FC236}">
+                    <a16:creationId xmlns:a16="http://schemas.microsoft.com/office/drawing/2014/main" id="{B9CE5833-22CF-4408-9338-4B7749FEA3D4}"/>
+                  </a:ext>
+                  <a:ext uri="{C183D7F6-B498-43B3-948B-1728B52AA6E4}">
+                    <adec:decorative xmlns:adec="http://schemas.microsoft.com/office/drawing/2017/decorative" val="1"/>
+                  </a:ext>
+                </a:extLst>
+              </p:cNvPr>
+              <p:cNvSpPr/>
+              <p:nvPr>
+                <p:extLst>
+                  <p:ext uri="{386F3935-93C4-4BCD-93E2-E3B085C9AB24}">
+                    <p16:designElem xmlns:p16="http://schemas.microsoft.com/office/powerpoint/2015/main" val="1"/>
+                  </p:ext>
+                </p:extLst>
+              </p:nvPr>
+            </p:nvSpPr>
+            <p:spPr bwMode="auto">
+              <a:xfrm>
+                <a:off x="11441112" y="5046663"/>
+                <a:ext cx="307975" cy="1801813"/>
+              </a:xfrm>
+              <a:custGeom>
+                <a:avLst/>
+                <a:gdLst/>
+                <a:ahLst/>
+                <a:cxnLst/>
+                <a:rect l="0" t="0" r="r" b="b"/>
+                <a:pathLst>
+                  <a:path w="194" h="1135">
+                    <a:moveTo>
+                      <a:pt x="18" y="1135"/>
+                    </a:moveTo>
+                    <a:lnTo>
+                      <a:pt x="0" y="1135"/>
+                    </a:lnTo>
+                    <a:lnTo>
+                      <a:pt x="0" y="354"/>
+                    </a:lnTo>
+                    <a:lnTo>
+                      <a:pt x="176" y="177"/>
+                    </a:lnTo>
+                    <a:lnTo>
+                      <a:pt x="176" y="0"/>
+                    </a:lnTo>
+                    <a:lnTo>
+                      <a:pt x="194" y="0"/>
+                    </a:lnTo>
+                    <a:lnTo>
+                      <a:pt x="194" y="183"/>
+                    </a:lnTo>
+                    <a:lnTo>
+                      <a:pt x="18" y="360"/>
+                    </a:lnTo>
+                    <a:lnTo>
+                      <a:pt x="18" y="1135"/>
+                    </a:lnTo>
+                    <a:close/>
+                  </a:path>
+                </a:pathLst>
+              </a:custGeom>
+              <a:grpFill/>
+              <a:ln>
+                <a:noFill/>
+              </a:ln>
+              <a:extLst>
+                <a:ext uri="{91240B29-F687-4f45-9708-019B960494DF}">
+                  <a14:hiddenLine xmlns="" xmlns:a16="http://schemas.microsoft.com/office/drawing/2014/main" xmlns:p14="http://schemas.microsoft.com/office/powerpoint/2010/main" xmlns:a14="http://schemas.microsoft.com/office/drawing/2010/main" w="9525">
+                    <a:solidFill>
+                      <a:srgbClr val="000000"/>
+                    </a:solidFill>
+                    <a:round/>
+                    <a:headEnd/>
+                    <a:tailEnd/>
+                  </a14:hiddenLine>
+                </a:ext>
+              </a:extLst>
+            </p:spPr>
+            <p:txBody>
+              <a:bodyPr/>
+              <a:lstStyle/>
+              <a:p>
+                <a:endParaRPr lang="zh-TW" altLang="en-US"/>
+              </a:p>
+            </p:txBody>
+          </p:sp>
+          <p:sp>
+            <p:nvSpPr>
+              <p:cNvPr id="25" name="Freeform 40">
+                <a:extLst>
+                  <a:ext uri="{FF2B5EF4-FFF2-40B4-BE49-F238E27FC236}">
+                    <a16:creationId xmlns:a16="http://schemas.microsoft.com/office/drawing/2014/main" id="{316A985A-7ADD-4BEE-A7B6-E5B49E1839E7}"/>
+                  </a:ext>
+                  <a:ext uri="{C183D7F6-B498-43B3-948B-1728B52AA6E4}">
+                    <adec:decorative xmlns:adec="http://schemas.microsoft.com/office/drawing/2017/decorative" val="1"/>
+                  </a:ext>
+                </a:extLst>
+              </p:cNvPr>
+              <p:cNvSpPr>
+                <a:spLocks noEditPoints="1"/>
+              </p:cNvSpPr>
+              <p:nvPr>
+                <p:extLst>
+                  <p:ext uri="{386F3935-93C4-4BCD-93E2-E3B085C9AB24}">
+                    <p16:designElem xmlns:p16="http://schemas.microsoft.com/office/powerpoint/2015/main" val="1"/>
+                  </p:ext>
+                </p:extLst>
+              </p:nvPr>
+            </p:nvSpPr>
+            <p:spPr bwMode="auto">
+              <a:xfrm>
+                <a:off x="11849100" y="6416675"/>
+                <a:ext cx="190500" cy="188913"/>
+              </a:xfrm>
+              <a:custGeom>
+                <a:avLst/>
+                <a:gdLst/>
+                <a:ahLst/>
+                <a:cxnLst/>
+                <a:rect l="0" t="0" r="r" b="b"/>
+                <a:pathLst>
+                  <a:path w="40" h="40">
+                    <a:moveTo>
+                      <a:pt x="20" y="40"/>
+                    </a:moveTo>
+                    <a:cubicBezTo>
+                      <a:pt x="9" y="40"/>
+                      <a:pt x="0" y="31"/>
+                      <a:pt x="0" y="20"/>
+                    </a:cubicBezTo>
+                    <a:cubicBezTo>
+                      <a:pt x="0" y="9"/>
+                      <a:pt x="9" y="0"/>
+                      <a:pt x="20" y="0"/>
+                    </a:cubicBezTo>
+                    <a:cubicBezTo>
+                      <a:pt x="31" y="0"/>
+                      <a:pt x="40" y="9"/>
+                      <a:pt x="40" y="20"/>
+                    </a:cubicBezTo>
+                    <a:cubicBezTo>
+                      <a:pt x="40" y="31"/>
+                      <a:pt x="31" y="40"/>
+                      <a:pt x="20" y="40"/>
+                    </a:cubicBezTo>
+                    <a:close/>
+                    <a:moveTo>
+                      <a:pt x="20" y="4"/>
+                    </a:moveTo>
+                    <a:cubicBezTo>
+                      <a:pt x="12" y="4"/>
+                      <a:pt x="4" y="11"/>
+                      <a:pt x="4" y="20"/>
+                    </a:cubicBezTo>
+                    <a:cubicBezTo>
+                      <a:pt x="4" y="29"/>
+                      <a:pt x="12" y="36"/>
+                      <a:pt x="20" y="36"/>
+                    </a:cubicBezTo>
+                    <a:cubicBezTo>
+                      <a:pt x="29" y="36"/>
+                      <a:pt x="36" y="29"/>
+                      <a:pt x="36" y="20"/>
+                    </a:cubicBezTo>
+                    <a:cubicBezTo>
+                      <a:pt x="36" y="11"/>
+                      <a:pt x="29" y="4"/>
+                      <a:pt x="20" y="4"/>
+                    </a:cubicBezTo>
+                    <a:close/>
+                  </a:path>
+                </a:pathLst>
+              </a:custGeom>
+              <a:grpFill/>
+              <a:ln>
+                <a:noFill/>
+              </a:ln>
+              <a:extLst>
+                <a:ext uri="{91240B29-F687-4f45-9708-019B960494DF}">
+                  <a14:hiddenLine xmlns="" xmlns:a16="http://schemas.microsoft.com/office/drawing/2014/main" xmlns:p14="http://schemas.microsoft.com/office/powerpoint/2010/main" xmlns:a14="http://schemas.microsoft.com/office/drawing/2010/main" w="9525">
+                    <a:solidFill>
+                      <a:srgbClr val="000000"/>
+                    </a:solidFill>
+                    <a:round/>
+                    <a:headEnd/>
+                    <a:tailEnd/>
+                  </a14:hiddenLine>
+                </a:ext>
+              </a:extLst>
+            </p:spPr>
+            <p:txBody>
+              <a:bodyPr/>
+              <a:lstStyle/>
+              <a:p>
+                <a:endParaRPr lang="zh-TW" altLang="en-US"/>
+              </a:p>
+            </p:txBody>
+          </p:sp>
+          <p:sp>
+            <p:nvSpPr>
+              <p:cNvPr id="26" name="Rectangle 41">
+                <a:extLst>
+                  <a:ext uri="{FF2B5EF4-FFF2-40B4-BE49-F238E27FC236}">
+                    <a16:creationId xmlns:a16="http://schemas.microsoft.com/office/drawing/2014/main" id="{352CFA3F-5CFE-412E-9196-C966F34579DC}"/>
+                  </a:ext>
+                  <a:ext uri="{C183D7F6-B498-43B3-948B-1728B52AA6E4}">
+                    <adec:decorative xmlns:adec="http://schemas.microsoft.com/office/drawing/2017/decorative" val="1"/>
+                  </a:ext>
+                </a:extLst>
+              </p:cNvPr>
+              <p:cNvSpPr>
+                <a:spLocks noChangeArrowheads="1"/>
+              </p:cNvSpPr>
+              <p:nvPr>
+                <p:extLst>
+                  <p:ext uri="{386F3935-93C4-4BCD-93E2-E3B085C9AB24}">
+                    <p16:designElem xmlns:p16="http://schemas.microsoft.com/office/powerpoint/2015/main" val="1"/>
+                  </p:ext>
+                </p:extLst>
+              </p:nvPr>
+            </p:nvSpPr>
+            <p:spPr bwMode="auto">
+              <a:xfrm>
+                <a:off x="11939587" y="6596063"/>
+                <a:ext cx="23813" cy="252413"/>
+              </a:xfrm>
+              <a:prstGeom prst="rect">
+                <a:avLst/>
+              </a:prstGeom>
+              <a:grpFill/>
+              <a:ln>
+                <a:noFill/>
+              </a:ln>
+              <a:extLst>
+                <a:ext uri="{91240B29-F687-4f45-9708-019B960494DF}">
+                  <a14:hiddenLine xmlns="" xmlns:a16="http://schemas.microsoft.com/office/drawing/2014/main" xmlns:p14="http://schemas.microsoft.com/office/powerpoint/2010/main" xmlns:a14="http://schemas.microsoft.com/office/drawing/2010/main" w="9525">
+                    <a:solidFill>
+                      <a:srgbClr val="000000"/>
+                    </a:solidFill>
+                    <a:miter lim="800000"/>
+                    <a:headEnd/>
+                    <a:tailEnd/>
+                  </a14:hiddenLine>
+                </a:ext>
+              </a:extLst>
+            </p:spPr>
+            <p:txBody>
+              <a:bodyPr/>
+              <a:lstStyle/>
+              <a:p>
+                <a:endParaRPr lang="zh-TW" altLang="en-US"/>
+              </a:p>
+            </p:txBody>
+          </p:sp>
+        </p:grpSp>
+      </p:grpSp>
+      <p:pic>
+        <p:nvPicPr>
+          <p:cNvPr id="55" name="Picture 2">
+            <a:extLst>
+              <a:ext uri="{FF2B5EF4-FFF2-40B4-BE49-F238E27FC236}">
+                <a16:creationId xmlns:a16="http://schemas.microsoft.com/office/drawing/2014/main" id="{2FB01CCF-839B-4126-9BF9-132C64D8A1AA}"/>
+              </a:ext>
+              <a:ext uri="{C183D7F6-B498-43B3-948B-1728B52AA6E4}">
+                <adec:decorative xmlns:adec="http://schemas.microsoft.com/office/drawing/2017/decorative" val="1"/>
+              </a:ext>
+            </a:extLst>
+          </p:cNvPr>
+          <p:cNvPicPr>
+            <a:picLocks noGrp="1" noRot="1" noChangeAspect="1" noMove="1" noResize="1" noEditPoints="1" noAdjustHandles="1" noChangeArrowheads="1" noChangeShapeType="1" noCrop="1"/>
+          </p:cNvPicPr>
+          <p:nvPr>
+            <p:extLst>
+              <p:ext uri="{386F3935-93C4-4BCD-93E2-E3B085C9AB24}">
+                <p16:designElem xmlns:p16="http://schemas.microsoft.com/office/powerpoint/2015/main" val="1"/>
+              </p:ext>
+            </p:extLst>
+          </p:nvPr>
+        </p:nvPicPr>
+        <p:blipFill>
+          <a:blip r:embed="rId2">
+            <a:alphaModFix amt="30000"/>
+            <a:extLst>
+              <a:ext uri="{28A0092B-C50C-407E-A947-70E740481C1C}">
+                <a14:useLocalDpi xmlns:a14="http://schemas.microsoft.com/office/drawing/2010/main" val="0"/>
+              </a:ext>
+            </a:extLst>
+          </a:blip>
+          <a:srcRect/>
+          <a:stretch>
+            <a:fillRect/>
+          </a:stretch>
+        </p:blipFill>
+        <p:spPr bwMode="auto">
+          <a:xfrm>
+            <a:off x="0" y="0"/>
+            <a:ext cx="12192003" cy="6858001"/>
+          </a:xfrm>
+          <a:prstGeom prst="rect">
+            <a:avLst/>
+          </a:prstGeom>
+          <a:noFill/>
+          <a:extLst>
+            <a:ext uri="{909E8E84-426E-40dd-AFC4-6F175D3DCCD1}">
+              <a14:hiddenFill xmlns="" xmlns:a16="http://schemas.microsoft.com/office/drawing/2014/main" xmlns:p14="http://schemas.microsoft.com/office/powerpoint/2010/main" xmlns:a14="http://schemas.microsoft.com/office/drawing/2010/main">
+                <a:solidFill>
+                  <a:srgbClr val="FFFFFF"/>
+                </a:solidFill>
+              </a14:hiddenFill>
+            </a:ext>
+          </a:extLst>
+        </p:spPr>
+      </p:pic>
+      <p:sp>
+        <p:nvSpPr>
+          <p:cNvPr id="2" name="標題 1">
+            <a:extLst>
+              <a:ext uri="{FF2B5EF4-FFF2-40B4-BE49-F238E27FC236}">
+                <a16:creationId xmlns:a16="http://schemas.microsoft.com/office/drawing/2014/main" id="{FB0DE39F-1025-A5EF-41DA-B5E427CF6CB9}"/>
+              </a:ext>
+            </a:extLst>
+          </p:cNvPr>
+          <p:cNvSpPr>
+            <a:spLocks noGrp="1"/>
+          </p:cNvSpPr>
+          <p:nvPr>
+            <p:ph type="title"/>
+          </p:nvPr>
+        </p:nvSpPr>
+        <p:spPr>
+          <a:xfrm>
+            <a:off x="5128643" y="618518"/>
+            <a:ext cx="6188402" cy="1478570"/>
+          </a:xfrm>
+        </p:spPr>
+        <p:txBody>
+          <a:bodyPr>
+            <a:normAutofit/>
+          </a:bodyPr>
+          <a:lstStyle/>
+          <a:p>
+            <a:r>
+              <a:rPr lang="en-US" altLang="zh-TW">
+                <a:solidFill>
+                  <a:srgbClr val="FFFFFF"/>
+                </a:solidFill>
+              </a:rPr>
+              <a:t>switch</a:t>
+            </a:r>
+            <a:r>
+              <a:rPr lang="zh-TW" altLang="en-US">
+                <a:solidFill>
+                  <a:srgbClr val="FFFFFF"/>
+                </a:solidFill>
+              </a:rPr>
+              <a:t>語句</a:t>
+            </a:r>
+          </a:p>
+        </p:txBody>
+      </p:sp>
+      <p:sp useBgFill="1">
+        <p:nvSpPr>
+          <p:cNvPr id="57" name="Round Diagonal Corner Rectangle 6">
+            <a:extLst>
+              <a:ext uri="{FF2B5EF4-FFF2-40B4-BE49-F238E27FC236}">
+                <a16:creationId xmlns:a16="http://schemas.microsoft.com/office/drawing/2014/main" id="{F2B1468C-8227-4785-8776-7BDBDDF08F85}"/>
+              </a:ext>
+              <a:ext uri="{C183D7F6-B498-43B3-948B-1728B52AA6E4}">
+                <adec:decorative xmlns:adec="http://schemas.microsoft.com/office/drawing/2017/decorative" val="1"/>
+              </a:ext>
+            </a:extLst>
+          </p:cNvPr>
+          <p:cNvSpPr>
+            <a:spLocks noGrp="1" noRot="1" noChangeAspect="1" noMove="1" noResize="1" noEditPoints="1" noAdjustHandles="1" noChangeArrowheads="1" noChangeShapeType="1" noTextEdit="1"/>
+          </p:cNvSpPr>
+          <p:nvPr>
+            <p:extLst>
+              <p:ext uri="{386F3935-93C4-4BCD-93E2-E3B085C9AB24}">
+                <p16:designElem xmlns:p16="http://schemas.microsoft.com/office/powerpoint/2015/main" val="1"/>
+              </p:ext>
+            </p:extLst>
+          </p:nvPr>
+        </p:nvSpPr>
+        <p:spPr>
+          <a:xfrm>
+            <a:off x="814579" y="808057"/>
+            <a:ext cx="3821429" cy="5234394"/>
+          </a:xfrm>
+          <a:prstGeom prst="round2DiagRect">
+            <a:avLst>
+              <a:gd name="adj1" fmla="val 11323"/>
+              <a:gd name="adj2" fmla="val 0"/>
+            </a:avLst>
+          </a:prstGeom>
+          <a:ln w="19050" cap="sq">
+            <a:solidFill>
+              <a:schemeClr val="tx2">
+                <a:lumMod val="60000"/>
+                <a:lumOff val="40000"/>
+                <a:alpha val="60000"/>
+              </a:schemeClr>
+            </a:solidFill>
+            <a:miter lim="800000"/>
+          </a:ln>
+          <a:effectLst>
+            <a:outerShdw blurRad="88900" dist="38100" dir="5400000" algn="t" rotWithShape="0">
+              <a:prstClr val="black">
+                <a:alpha val="40000"/>
+              </a:prstClr>
+            </a:outerShdw>
+          </a:effectLst>
+        </p:spPr>
+        <p:style>
+          <a:lnRef idx="2">
+            <a:schemeClr val="accent1">
+              <a:shade val="50000"/>
+            </a:schemeClr>
+          </a:lnRef>
+          <a:fillRef idx="1">
+            <a:schemeClr val="accent1"/>
+          </a:fillRef>
+          <a:effectRef idx="0">
+            <a:schemeClr val="accent1"/>
+          </a:effectRef>
+          <a:fontRef idx="minor">
+            <a:schemeClr val="lt1"/>
+          </a:fontRef>
+        </p:style>
+        <p:txBody>
+          <a:bodyPr rtlCol="0" anchor="ctr"/>
+          <a:lstStyle/>
+          <a:p>
+            <a:pPr algn="ctr"/>
+            <a:endParaRPr lang="en-US"/>
+          </a:p>
+        </p:txBody>
+      </p:sp>
+      <p:pic>
+        <p:nvPicPr>
+          <p:cNvPr id="5" name="內容版面配置區 4" descr="一張含有 文字, 螢幕擷取畫面, 字型, 設計 的圖片&#10;&#10;AI 產生的內容可能不正確。">
+            <a:extLst>
+              <a:ext uri="{FF2B5EF4-FFF2-40B4-BE49-F238E27FC236}">
+                <a16:creationId xmlns:a16="http://schemas.microsoft.com/office/drawing/2014/main" id="{1C73ADCF-2192-06BB-9C11-5BED9B7EDCC4}"/>
+              </a:ext>
+            </a:extLst>
+          </p:cNvPr>
+          <p:cNvPicPr>
+            <a:picLocks noChangeAspect="1"/>
+          </p:cNvPicPr>
+          <p:nvPr/>
+        </p:nvPicPr>
+        <p:blipFill>
+          <a:blip r:embed="rId3"/>
+          <a:stretch>
+            <a:fillRect/>
+          </a:stretch>
+        </p:blipFill>
+        <p:spPr>
+          <a:xfrm>
+            <a:off x="1126617" y="1451960"/>
+            <a:ext cx="3178638" cy="3948618"/>
+          </a:xfrm>
+          <a:prstGeom prst="rect">
+            <a:avLst/>
+          </a:prstGeom>
+        </p:spPr>
+      </p:pic>
+      <p:sp>
+        <p:nvSpPr>
+          <p:cNvPr id="9" name="Content Placeholder 8">
+            <a:extLst>
+              <a:ext uri="{FF2B5EF4-FFF2-40B4-BE49-F238E27FC236}">
+                <a16:creationId xmlns:a16="http://schemas.microsoft.com/office/drawing/2014/main" id="{FCFA17F5-D36B-7797-1D04-2851808BA45E}"/>
+              </a:ext>
+            </a:extLst>
+          </p:cNvPr>
+          <p:cNvSpPr>
+            <a:spLocks noGrp="1"/>
+          </p:cNvSpPr>
+          <p:nvPr>
+            <p:ph idx="1"/>
+          </p:nvPr>
+        </p:nvSpPr>
+        <p:spPr>
+          <a:xfrm>
+            <a:off x="5128643" y="2249487"/>
+            <a:ext cx="6188402" cy="3541714"/>
+          </a:xfrm>
+        </p:spPr>
+        <p:txBody>
+          <a:bodyPr>
+            <a:normAutofit/>
+          </a:bodyPr>
+          <a:lstStyle/>
+          <a:p>
+            <a:r>
+              <a:rPr lang="en-US" dirty="0">
+                <a:solidFill>
+                  <a:srgbClr val="FFFFFF"/>
+                </a:solidFill>
+              </a:rPr>
+              <a:t>expression:</a:t>
+            </a:r>
+            <a:r>
+              <a:rPr lang="zh-TW" altLang="en-US" dirty="0">
+                <a:solidFill>
+                  <a:srgbClr val="FFFFFF"/>
+                </a:solidFill>
+              </a:rPr>
+              <a:t> 要判斷的變數</a:t>
+            </a:r>
+            <a:endParaRPr lang="en-US" altLang="zh-TW" dirty="0">
+              <a:solidFill>
+                <a:srgbClr val="FFFFFF"/>
+              </a:solidFill>
+            </a:endParaRPr>
+          </a:p>
+          <a:p>
+            <a:r>
+              <a:rPr lang="zh-TW" altLang="en-US">
+                <a:solidFill>
+                  <a:srgbClr val="FFFFFF"/>
+                </a:solidFill>
+              </a:rPr>
+              <a:t>變數有可能的條件</a:t>
+            </a:r>
+            <a:endParaRPr lang="en-US" dirty="0">
+              <a:solidFill>
+                <a:srgbClr val="FFFFFF"/>
+              </a:solidFill>
+            </a:endParaRPr>
+          </a:p>
+        </p:txBody>
+      </p:sp>
+    </p:spTree>
+    <p:extLst>
+      <p:ext uri="{BB962C8B-B14F-4D97-AF65-F5344CB8AC3E}">
+        <p14:creationId xmlns:p14="http://schemas.microsoft.com/office/powerpoint/2010/main" val="1069352033"/>
+      </p:ext>
+    </p:extLst>
+  </p:cSld>
+  <p:clrMapOvr>
+    <a:overrideClrMapping bg1="lt1" tx1="dk1" bg2="lt2" tx2="dk2" accent1="accent1" accent2="accent2" accent3="accent3" accent4="accent4" accent5="accent5" accent6="accent6" hlink="hlink" folHlink="folHlink"/>
+  </p:clrMapOvr>
+</p:sld>
+</file>
+
+<file path=ppt/slides/slide9.xml><?xml version="1.0" encoding="utf-8"?>
+<p:sld xmlns:a="http://schemas.openxmlformats.org/drawingml/2006/main" xmlns:r="http://schemas.openxmlformats.org/officeDocument/2006/relationships" xmlns:p="http://schemas.openxmlformats.org/presentationml/2006/main">
+  <p:cSld>
+    <p:spTree>
+      <p:nvGrpSpPr>
+        <p:cNvPr id="1" name="">
+          <a:extLst>
+            <a:ext uri="{FF2B5EF4-FFF2-40B4-BE49-F238E27FC236}">
+              <a16:creationId xmlns:a16="http://schemas.microsoft.com/office/drawing/2014/main" id="{3986FC91-4D7C-17BE-9A70-0FDE9BD7142D}"/>
+            </a:ext>
+          </a:extLst>
+        </p:cNvPr>
+        <p:cNvGrpSpPr/>
+        <p:nvPr/>
+      </p:nvGrpSpPr>
+      <p:grpSpPr>
+        <a:xfrm>
+          <a:off x="0" y="0"/>
+          <a:ext cx="0" cy="0"/>
+          <a:chOff x="0" y="0"/>
+          <a:chExt cx="0" cy="0"/>
+        </a:xfrm>
+      </p:grpSpPr>
+      <p:sp>
+        <p:nvSpPr>
+          <p:cNvPr id="2" name="標題 1">
+            <a:extLst>
+              <a:ext uri="{FF2B5EF4-FFF2-40B4-BE49-F238E27FC236}">
+                <a16:creationId xmlns:a16="http://schemas.microsoft.com/office/drawing/2014/main" id="{08F49B28-A1A0-78C4-DA0E-7D35B6BD3D93}"/>
+              </a:ext>
+            </a:extLst>
+          </p:cNvPr>
+          <p:cNvSpPr>
+            <a:spLocks noGrp="1"/>
+          </p:cNvSpPr>
+          <p:nvPr>
+            <p:ph type="title"/>
+          </p:nvPr>
+        </p:nvSpPr>
+        <p:spPr/>
+        <p:txBody>
+          <a:bodyPr/>
+          <a:lstStyle/>
+          <a:p>
+            <a:r>
+              <a:rPr lang="en-US" altLang="zh-TW" dirty="0"/>
+              <a:t>switch</a:t>
+            </a:r>
+            <a:r>
+              <a:rPr lang="zh-TW" altLang="en-US" dirty="0"/>
+              <a:t>語句</a:t>
+            </a:r>
+          </a:p>
+        </p:txBody>
+      </p:sp>
+      <p:sp>
+        <p:nvSpPr>
+          <p:cNvPr id="4" name="內容版面配置區 3">
+            <a:extLst>
+              <a:ext uri="{FF2B5EF4-FFF2-40B4-BE49-F238E27FC236}">
+                <a16:creationId xmlns:a16="http://schemas.microsoft.com/office/drawing/2014/main" id="{EE27C0D1-26BF-38DF-9B66-702EE7DBB7C6}"/>
+              </a:ext>
+            </a:extLst>
+          </p:cNvPr>
+          <p:cNvSpPr>
+            <a:spLocks noGrp="1"/>
+          </p:cNvSpPr>
+          <p:nvPr>
+            <p:ph idx="1"/>
+          </p:nvPr>
+        </p:nvSpPr>
+        <p:spPr/>
+        <p:txBody>
+          <a:bodyPr/>
+          <a:lstStyle/>
+          <a:p>
+            <a:r>
+              <a:rPr lang="en-US" altLang="zh-TW" dirty="0"/>
+              <a:t>ex</a:t>
+            </a:r>
+            <a:endParaRPr lang="zh-TW" altLang="en-US" dirty="0"/>
+          </a:p>
+        </p:txBody>
+      </p:sp>
+    </p:spTree>
+    <p:extLst>
+      <p:ext uri="{BB962C8B-B14F-4D97-AF65-F5344CB8AC3E}">
+        <p14:creationId xmlns:p14="http://schemas.microsoft.com/office/powerpoint/2010/main" val="2984766440"/>
       </p:ext>
     </p:extLst>
   </p:cSld>

--- a/doc/JAVA0123.pptx
+++ b/doc/JAVA0123.pptx
@@ -5,7 +5,7 @@
     <p:sldMasterId id="2147483648" r:id="rId1"/>
   </p:sldMasterIdLst>
   <p:notesMasterIdLst>
-    <p:notesMasterId r:id="rId12"/>
+    <p:notesMasterId r:id="rId13"/>
   </p:notesMasterIdLst>
   <p:sldIdLst>
     <p:sldId id="256" r:id="rId2"/>
@@ -18,11 +18,12 @@
     <p:sldId id="294" r:id="rId9"/>
     <p:sldId id="295" r:id="rId10"/>
     <p:sldId id="296" r:id="rId11"/>
+    <p:sldId id="297" r:id="rId12"/>
   </p:sldIdLst>
   <p:sldSz cx="12192000" cy="6858000"/>
   <p:notesSz cx="6858000" cy="9144000"/>
   <p:custDataLst>
-    <p:tags r:id="rId13"/>
+    <p:tags r:id="rId14"/>
   </p:custDataLst>
   <p:defaultTextStyle>
     <a:defPPr>
@@ -145,7 +146,12 @@
             <p14:sldId id="293"/>
             <p14:sldId id="294"/>
             <p14:sldId id="295"/>
+          </p14:sldIdLst>
+        </p14:section>
+        <p14:section name="4.3" id="{B6A0C6FA-18FB-43E8-9EAC-6B93BCF516B7}">
+          <p14:sldIdLst>
             <p14:sldId id="296"/>
+            <p14:sldId id="297"/>
           </p14:sldIdLst>
         </p14:section>
       </p14:sectionLst>
@@ -239,7 +245,7 @@
           <a:p>
             <a:fld id="{B1A5810C-07F1-44AE-9494-72A7A2980C1F}" type="datetimeFigureOut">
               <a:rPr lang="zh-TW" altLang="en-US" smtClean="0"/>
-              <a:t>2026/1/21</a:t>
+              <a:t>2026/1/22</a:t>
             </a:fld>
             <a:endParaRPr lang="zh-TW" altLang="en-US"/>
           </a:p>
@@ -556,7 +562,7 @@
           <a:noFill/>
           <a:extLst>
             <a:ext uri="{909E8E84-426E-40dd-AFC4-6F175D3DCCD1}">
-              <a14:hiddenFill xmlns="" xmlns:a14="http://schemas.microsoft.com/office/drawing/2010/main">
+              <a14:hiddenFill xmlns:a14="http://schemas.microsoft.com/office/drawing/2010/main" xmlns="">
                 <a:solidFill>
                   <a:srgbClr val="FFFFFF"/>
                 </a:solidFill>
@@ -616,7 +622,7 @@
             </a:ln>
             <a:extLst>
               <a:ext uri="{91240B29-F687-4f45-9708-019B960494DF}">
-                <a14:hiddenLine xmlns="" xmlns:a14="http://schemas.microsoft.com/office/drawing/2010/main" w="9525">
+                <a14:hiddenLine xmlns:a14="http://schemas.microsoft.com/office/drawing/2010/main" xmlns="" w="9525">
                   <a:solidFill>
                     <a:srgbClr val="000000"/>
                   </a:solidFill>
@@ -713,7 +719,7 @@
             </a:ln>
             <a:extLst>
               <a:ext uri="{91240B29-F687-4f45-9708-019B960494DF}">
-                <a14:hiddenLine xmlns="" xmlns:a14="http://schemas.microsoft.com/office/drawing/2010/main" w="9525">
+                <a14:hiddenLine xmlns:a14="http://schemas.microsoft.com/office/drawing/2010/main" xmlns="" w="9525">
                   <a:solidFill>
                     <a:srgbClr val="000000"/>
                   </a:solidFill>
@@ -810,7 +816,7 @@
             </a:ln>
             <a:extLst>
               <a:ext uri="{91240B29-F687-4f45-9708-019B960494DF}">
-                <a14:hiddenLine xmlns="" xmlns:a14="http://schemas.microsoft.com/office/drawing/2010/main" w="9525">
+                <a14:hiddenLine xmlns:a14="http://schemas.microsoft.com/office/drawing/2010/main" xmlns="" w="9525">
                   <a:solidFill>
                     <a:srgbClr val="000000"/>
                   </a:solidFill>
@@ -851,7 +857,7 @@
             </a:ln>
             <a:extLst>
               <a:ext uri="{91240B29-F687-4f45-9708-019B960494DF}">
-                <a14:hiddenLine xmlns="" xmlns:a14="http://schemas.microsoft.com/office/drawing/2010/main" w="9525">
+                <a14:hiddenLine xmlns:a14="http://schemas.microsoft.com/office/drawing/2010/main" xmlns="" w="9525">
                   <a:solidFill>
                     <a:srgbClr val="000000"/>
                   </a:solidFill>
@@ -948,7 +954,7 @@
             </a:ln>
             <a:extLst>
               <a:ext uri="{91240B29-F687-4f45-9708-019B960494DF}">
-                <a14:hiddenLine xmlns="" xmlns:a14="http://schemas.microsoft.com/office/drawing/2010/main" w="9525">
+                <a14:hiddenLine xmlns:a14="http://schemas.microsoft.com/office/drawing/2010/main" xmlns="" w="9525">
                   <a:solidFill>
                     <a:srgbClr val="000000"/>
                   </a:solidFill>
@@ -1017,7 +1023,7 @@
             </a:ln>
             <a:extLst>
               <a:ext uri="{91240B29-F687-4f45-9708-019B960494DF}">
-                <a14:hiddenLine xmlns="" xmlns:a14="http://schemas.microsoft.com/office/drawing/2010/main" w="9525">
+                <a14:hiddenLine xmlns:a14="http://schemas.microsoft.com/office/drawing/2010/main" xmlns="" w="9525">
                   <a:solidFill>
                     <a:srgbClr val="000000"/>
                   </a:solidFill>
@@ -1086,7 +1092,7 @@
             </a:ln>
             <a:extLst>
               <a:ext uri="{91240B29-F687-4f45-9708-019B960494DF}">
-                <a14:hiddenLine xmlns="" xmlns:a14="http://schemas.microsoft.com/office/drawing/2010/main" w="9525">
+                <a14:hiddenLine xmlns:a14="http://schemas.microsoft.com/office/drawing/2010/main" xmlns="" w="9525">
                   <a:solidFill>
                     <a:srgbClr val="000000"/>
                   </a:solidFill>
@@ -1183,7 +1189,7 @@
             </a:ln>
             <a:extLst>
               <a:ext uri="{91240B29-F687-4f45-9708-019B960494DF}">
-                <a14:hiddenLine xmlns="" xmlns:a14="http://schemas.microsoft.com/office/drawing/2010/main" w="9525">
+                <a14:hiddenLine xmlns:a14="http://schemas.microsoft.com/office/drawing/2010/main" xmlns="" w="9525">
                   <a:solidFill>
                     <a:srgbClr val="000000"/>
                   </a:solidFill>
@@ -1252,7 +1258,7 @@
             </a:ln>
             <a:extLst>
               <a:ext uri="{91240B29-F687-4f45-9708-019B960494DF}">
-                <a14:hiddenLine xmlns="" xmlns:a14="http://schemas.microsoft.com/office/drawing/2010/main" w="9525">
+                <a14:hiddenLine xmlns:a14="http://schemas.microsoft.com/office/drawing/2010/main" xmlns="" w="9525">
                   <a:solidFill>
                     <a:srgbClr val="000000"/>
                   </a:solidFill>
@@ -1321,7 +1327,7 @@
             </a:ln>
             <a:extLst>
               <a:ext uri="{91240B29-F687-4f45-9708-019B960494DF}">
-                <a14:hiddenLine xmlns="" xmlns:a14="http://schemas.microsoft.com/office/drawing/2010/main" w="9525">
+                <a14:hiddenLine xmlns:a14="http://schemas.microsoft.com/office/drawing/2010/main" xmlns="" w="9525">
                   <a:solidFill>
                     <a:srgbClr val="000000"/>
                   </a:solidFill>
@@ -1418,7 +1424,7 @@
             </a:ln>
             <a:extLst>
               <a:ext uri="{91240B29-F687-4f45-9708-019B960494DF}">
-                <a14:hiddenLine xmlns="" xmlns:a14="http://schemas.microsoft.com/office/drawing/2010/main" w="9525">
+                <a14:hiddenLine xmlns:a14="http://schemas.microsoft.com/office/drawing/2010/main" xmlns="" w="9525">
                   <a:solidFill>
                     <a:srgbClr val="000000"/>
                   </a:solidFill>
@@ -1515,7 +1521,7 @@
             </a:ln>
             <a:extLst>
               <a:ext uri="{91240B29-F687-4f45-9708-019B960494DF}">
-                <a14:hiddenLine xmlns="" xmlns:a14="http://schemas.microsoft.com/office/drawing/2010/main" w="9525">
+                <a14:hiddenLine xmlns:a14="http://schemas.microsoft.com/office/drawing/2010/main" xmlns="" w="9525">
                   <a:solidFill>
                     <a:srgbClr val="000000"/>
                   </a:solidFill>
@@ -1584,7 +1590,7 @@
             </a:ln>
             <a:extLst>
               <a:ext uri="{91240B29-F687-4f45-9708-019B960494DF}">
-                <a14:hiddenLine xmlns="" xmlns:a14="http://schemas.microsoft.com/office/drawing/2010/main" w="9525">
+                <a14:hiddenLine xmlns:a14="http://schemas.microsoft.com/office/drawing/2010/main" xmlns="" w="9525">
                   <a:solidFill>
                     <a:srgbClr val="000000"/>
                   </a:solidFill>
@@ -1701,7 +1707,7 @@
             </a:ln>
             <a:extLst>
               <a:ext uri="{91240B29-F687-4f45-9708-019B960494DF}">
-                <a14:hiddenLine xmlns="" xmlns:a14="http://schemas.microsoft.com/office/drawing/2010/main" w="9525">
+                <a14:hiddenLine xmlns:a14="http://schemas.microsoft.com/office/drawing/2010/main" xmlns="" w="9525">
                   <a:solidFill>
                     <a:srgbClr val="000000"/>
                   </a:solidFill>
@@ -1770,7 +1776,7 @@
             </a:ln>
             <a:extLst>
               <a:ext uri="{91240B29-F687-4f45-9708-019B960494DF}">
-                <a14:hiddenLine xmlns="" xmlns:a14="http://schemas.microsoft.com/office/drawing/2010/main" w="9525">
+                <a14:hiddenLine xmlns:a14="http://schemas.microsoft.com/office/drawing/2010/main" xmlns="" w="9525">
                   <a:solidFill>
                     <a:srgbClr val="000000"/>
                   </a:solidFill>
@@ -1867,7 +1873,7 @@
             </a:ln>
             <a:extLst>
               <a:ext uri="{91240B29-F687-4f45-9708-019B960494DF}">
-                <a14:hiddenLine xmlns="" xmlns:a14="http://schemas.microsoft.com/office/drawing/2010/main" w="9525">
+                <a14:hiddenLine xmlns:a14="http://schemas.microsoft.com/office/drawing/2010/main" xmlns="" w="9525">
                   <a:solidFill>
                     <a:srgbClr val="000000"/>
                   </a:solidFill>
@@ -1964,7 +1970,7 @@
             </a:ln>
             <a:extLst>
               <a:ext uri="{91240B29-F687-4f45-9708-019B960494DF}">
-                <a14:hiddenLine xmlns="" xmlns:a14="http://schemas.microsoft.com/office/drawing/2010/main" w="9525">
+                <a14:hiddenLine xmlns:a14="http://schemas.microsoft.com/office/drawing/2010/main" xmlns="" w="9525">
                   <a:solidFill>
                     <a:srgbClr val="000000"/>
                   </a:solidFill>
@@ -2033,7 +2039,7 @@
             </a:ln>
             <a:extLst>
               <a:ext uri="{91240B29-F687-4f45-9708-019B960494DF}">
-                <a14:hiddenLine xmlns="" xmlns:a14="http://schemas.microsoft.com/office/drawing/2010/main" w="9525">
+                <a14:hiddenLine xmlns:a14="http://schemas.microsoft.com/office/drawing/2010/main" xmlns="" w="9525">
                   <a:solidFill>
                     <a:srgbClr val="000000"/>
                   </a:solidFill>
@@ -2130,7 +2136,7 @@
             </a:ln>
             <a:extLst>
               <a:ext uri="{91240B29-F687-4f45-9708-019B960494DF}">
-                <a14:hiddenLine xmlns="" xmlns:a14="http://schemas.microsoft.com/office/drawing/2010/main" w="9525">
+                <a14:hiddenLine xmlns:a14="http://schemas.microsoft.com/office/drawing/2010/main" xmlns="" w="9525">
                   <a:solidFill>
                     <a:srgbClr val="000000"/>
                   </a:solidFill>
@@ -2227,7 +2233,7 @@
             </a:ln>
             <a:extLst>
               <a:ext uri="{91240B29-F687-4f45-9708-019B960494DF}">
-                <a14:hiddenLine xmlns="" xmlns:a14="http://schemas.microsoft.com/office/drawing/2010/main" w="9525">
+                <a14:hiddenLine xmlns:a14="http://schemas.microsoft.com/office/drawing/2010/main" xmlns="" w="9525">
                   <a:solidFill>
                     <a:srgbClr val="000000"/>
                   </a:solidFill>
@@ -2290,7 +2296,7 @@
             </a:ln>
             <a:extLst>
               <a:ext uri="{91240B29-F687-4f45-9708-019B960494DF}">
-                <a14:hiddenLine xmlns="" xmlns:a14="http://schemas.microsoft.com/office/drawing/2010/main" w="9525">
+                <a14:hiddenLine xmlns:a14="http://schemas.microsoft.com/office/drawing/2010/main" xmlns="" w="9525">
                   <a:solidFill>
                     <a:srgbClr val="000000"/>
                   </a:solidFill>
@@ -2387,7 +2393,7 @@
             </a:ln>
             <a:extLst>
               <a:ext uri="{91240B29-F687-4f45-9708-019B960494DF}">
-                <a14:hiddenLine xmlns="" xmlns:a14="http://schemas.microsoft.com/office/drawing/2010/main" w="9525">
+                <a14:hiddenLine xmlns:a14="http://schemas.microsoft.com/office/drawing/2010/main" xmlns="" w="9525">
                   <a:solidFill>
                     <a:srgbClr val="000000"/>
                   </a:solidFill>
@@ -2450,7 +2456,7 @@
             </a:ln>
             <a:extLst>
               <a:ext uri="{91240B29-F687-4f45-9708-019B960494DF}">
-                <a14:hiddenLine xmlns="" xmlns:a14="http://schemas.microsoft.com/office/drawing/2010/main" w="9525">
+                <a14:hiddenLine xmlns:a14="http://schemas.microsoft.com/office/drawing/2010/main" xmlns="" w="9525">
                   <a:solidFill>
                     <a:srgbClr val="000000"/>
                   </a:solidFill>
@@ -2547,7 +2553,7 @@
             </a:ln>
             <a:extLst>
               <a:ext uri="{91240B29-F687-4f45-9708-019B960494DF}">
-                <a14:hiddenLine xmlns="" xmlns:a14="http://schemas.microsoft.com/office/drawing/2010/main" w="9525">
+                <a14:hiddenLine xmlns:a14="http://schemas.microsoft.com/office/drawing/2010/main" xmlns="" w="9525">
                   <a:solidFill>
                     <a:srgbClr val="000000"/>
                   </a:solidFill>
@@ -2622,7 +2628,7 @@
             </a:ln>
             <a:extLst>
               <a:ext uri="{91240B29-F687-4f45-9708-019B960494DF}">
-                <a14:hiddenLine xmlns="" xmlns:a14="http://schemas.microsoft.com/office/drawing/2010/main" w="9525">
+                <a14:hiddenLine xmlns:a14="http://schemas.microsoft.com/office/drawing/2010/main" xmlns="" w="9525">
                   <a:solidFill>
                     <a:srgbClr val="000000"/>
                   </a:solidFill>
@@ -2719,7 +2725,7 @@
             </a:ln>
             <a:extLst>
               <a:ext uri="{91240B29-F687-4f45-9708-019B960494DF}">
-                <a14:hiddenLine xmlns="" xmlns:a14="http://schemas.microsoft.com/office/drawing/2010/main" w="9525">
+                <a14:hiddenLine xmlns:a14="http://schemas.microsoft.com/office/drawing/2010/main" xmlns="" w="9525">
                   <a:solidFill>
                     <a:srgbClr val="000000"/>
                   </a:solidFill>
@@ -2794,7 +2800,7 @@
             </a:ln>
             <a:extLst>
               <a:ext uri="{91240B29-F687-4f45-9708-019B960494DF}">
-                <a14:hiddenLine xmlns="" xmlns:a14="http://schemas.microsoft.com/office/drawing/2010/main" w="9525">
+                <a14:hiddenLine xmlns:a14="http://schemas.microsoft.com/office/drawing/2010/main" xmlns="" w="9525">
                   <a:solidFill>
                     <a:srgbClr val="000000"/>
                   </a:solidFill>
@@ -2891,7 +2897,7 @@
             </a:ln>
             <a:extLst>
               <a:ext uri="{91240B29-F687-4f45-9708-019B960494DF}">
-                <a14:hiddenLine xmlns="" xmlns:a14="http://schemas.microsoft.com/office/drawing/2010/main" w="9525">
+                <a14:hiddenLine xmlns:a14="http://schemas.microsoft.com/office/drawing/2010/main" xmlns="" w="9525">
                   <a:solidFill>
                     <a:srgbClr val="000000"/>
                   </a:solidFill>
@@ -2932,7 +2938,7 @@
             </a:ln>
             <a:extLst>
               <a:ext uri="{91240B29-F687-4f45-9708-019B960494DF}">
-                <a14:hiddenLine xmlns="" xmlns:a14="http://schemas.microsoft.com/office/drawing/2010/main" w="9525">
+                <a14:hiddenLine xmlns:a14="http://schemas.microsoft.com/office/drawing/2010/main" xmlns="" w="9525">
                   <a:solidFill>
                     <a:srgbClr val="000000"/>
                   </a:solidFill>
@@ -3029,7 +3035,7 @@
             </a:ln>
             <a:extLst>
               <a:ext uri="{91240B29-F687-4f45-9708-019B960494DF}">
-                <a14:hiddenLine xmlns="" xmlns:a14="http://schemas.microsoft.com/office/drawing/2010/main" w="9525">
+                <a14:hiddenLine xmlns:a14="http://schemas.microsoft.com/office/drawing/2010/main" xmlns="" w="9525">
                   <a:solidFill>
                     <a:srgbClr val="000000"/>
                   </a:solidFill>
@@ -3098,7 +3104,7 @@
             </a:ln>
             <a:extLst>
               <a:ext uri="{91240B29-F687-4f45-9708-019B960494DF}">
-                <a14:hiddenLine xmlns="" xmlns:a14="http://schemas.microsoft.com/office/drawing/2010/main" w="9525">
+                <a14:hiddenLine xmlns:a14="http://schemas.microsoft.com/office/drawing/2010/main" xmlns="" w="9525">
                   <a:solidFill>
                     <a:srgbClr val="000000"/>
                   </a:solidFill>
@@ -3167,7 +3173,7 @@
             </a:ln>
             <a:extLst>
               <a:ext uri="{91240B29-F687-4f45-9708-019B960494DF}">
-                <a14:hiddenLine xmlns="" xmlns:a14="http://schemas.microsoft.com/office/drawing/2010/main" w="9525">
+                <a14:hiddenLine xmlns:a14="http://schemas.microsoft.com/office/drawing/2010/main" xmlns="" w="9525">
                   <a:solidFill>
                     <a:srgbClr val="000000"/>
                   </a:solidFill>
@@ -3264,7 +3270,7 @@
             </a:ln>
             <a:extLst>
               <a:ext uri="{91240B29-F687-4f45-9708-019B960494DF}">
-                <a14:hiddenLine xmlns="" xmlns:a14="http://schemas.microsoft.com/office/drawing/2010/main" w="9525">
+                <a14:hiddenLine xmlns:a14="http://schemas.microsoft.com/office/drawing/2010/main" xmlns="" w="9525">
                   <a:solidFill>
                     <a:srgbClr val="000000"/>
                   </a:solidFill>
@@ -3339,7 +3345,7 @@
             </a:ln>
             <a:extLst>
               <a:ext uri="{91240B29-F687-4f45-9708-019B960494DF}">
-                <a14:hiddenLine xmlns="" xmlns:a14="http://schemas.microsoft.com/office/drawing/2010/main" w="9525">
+                <a14:hiddenLine xmlns:a14="http://schemas.microsoft.com/office/drawing/2010/main" xmlns="" w="9525">
                   <a:solidFill>
                     <a:srgbClr val="000000"/>
                   </a:solidFill>
@@ -3408,7 +3414,7 @@
             </a:ln>
             <a:extLst>
               <a:ext uri="{91240B29-F687-4f45-9708-019B960494DF}">
-                <a14:hiddenLine xmlns="" xmlns:a14="http://schemas.microsoft.com/office/drawing/2010/main" w="9525">
+                <a14:hiddenLine xmlns:a14="http://schemas.microsoft.com/office/drawing/2010/main" xmlns="" w="9525">
                   <a:solidFill>
                     <a:srgbClr val="000000"/>
                   </a:solidFill>
@@ -3505,7 +3511,7 @@
             </a:ln>
             <a:extLst>
               <a:ext uri="{91240B29-F687-4f45-9708-019B960494DF}">
-                <a14:hiddenLine xmlns="" xmlns:a14="http://schemas.microsoft.com/office/drawing/2010/main" w="9525">
+                <a14:hiddenLine xmlns:a14="http://schemas.microsoft.com/office/drawing/2010/main" xmlns="" w="9525">
                   <a:solidFill>
                     <a:srgbClr val="000000"/>
                   </a:solidFill>
@@ -3574,7 +3580,7 @@
             </a:ln>
             <a:extLst>
               <a:ext uri="{91240B29-F687-4f45-9708-019B960494DF}">
-                <a14:hiddenLine xmlns="" xmlns:a14="http://schemas.microsoft.com/office/drawing/2010/main" w="9525">
+                <a14:hiddenLine xmlns:a14="http://schemas.microsoft.com/office/drawing/2010/main" xmlns="" w="9525">
                   <a:solidFill>
                     <a:srgbClr val="000000"/>
                   </a:solidFill>
@@ -3671,7 +3677,7 @@
             </a:ln>
             <a:extLst>
               <a:ext uri="{91240B29-F687-4f45-9708-019B960494DF}">
-                <a14:hiddenLine xmlns="" xmlns:a14="http://schemas.microsoft.com/office/drawing/2010/main" w="9525">
+                <a14:hiddenLine xmlns:a14="http://schemas.microsoft.com/office/drawing/2010/main" xmlns="" w="9525">
                   <a:solidFill>
                     <a:srgbClr val="000000"/>
                   </a:solidFill>
@@ -3740,7 +3746,7 @@
             </a:ln>
             <a:extLst>
               <a:ext uri="{91240B29-F687-4f45-9708-019B960494DF}">
-                <a14:hiddenLine xmlns="" xmlns:a14="http://schemas.microsoft.com/office/drawing/2010/main" w="9525">
+                <a14:hiddenLine xmlns:a14="http://schemas.microsoft.com/office/drawing/2010/main" xmlns="" w="9525">
                   <a:solidFill>
                     <a:srgbClr val="000000"/>
                   </a:solidFill>
@@ -3837,7 +3843,7 @@
             </a:ln>
             <a:extLst>
               <a:ext uri="{91240B29-F687-4f45-9708-019B960494DF}">
-                <a14:hiddenLine xmlns="" xmlns:a14="http://schemas.microsoft.com/office/drawing/2010/main" w="9525">
+                <a14:hiddenLine xmlns:a14="http://schemas.microsoft.com/office/drawing/2010/main" xmlns="" w="9525">
                   <a:solidFill>
                     <a:srgbClr val="000000"/>
                   </a:solidFill>
@@ -3878,7 +3884,7 @@
             </a:ln>
             <a:extLst>
               <a:ext uri="{91240B29-F687-4f45-9708-019B960494DF}">
-                <a14:hiddenLine xmlns="" xmlns:a14="http://schemas.microsoft.com/office/drawing/2010/main" w="9525">
+                <a14:hiddenLine xmlns:a14="http://schemas.microsoft.com/office/drawing/2010/main" xmlns="" w="9525">
                   <a:solidFill>
                     <a:srgbClr val="000000"/>
                   </a:solidFill>
@@ -3950,7 +3956,7 @@
             </a:ln>
             <a:extLst>
               <a:ext uri="{91240B29-F687-4f45-9708-019B960494DF}">
-                <a14:hiddenLine xmlns="" xmlns:a14="http://schemas.microsoft.com/office/drawing/2010/main" w="9525">
+                <a14:hiddenLine xmlns:a14="http://schemas.microsoft.com/office/drawing/2010/main" xmlns="" w="9525">
                   <a:solidFill>
                     <a:srgbClr val="000000"/>
                   </a:solidFill>
@@ -4047,7 +4053,7 @@
             </a:ln>
             <a:extLst>
               <a:ext uri="{91240B29-F687-4f45-9708-019B960494DF}">
-                <a14:hiddenLine xmlns="" xmlns:a14="http://schemas.microsoft.com/office/drawing/2010/main" w="9525">
+                <a14:hiddenLine xmlns:a14="http://schemas.microsoft.com/office/drawing/2010/main" xmlns="" w="9525">
                   <a:solidFill>
                     <a:srgbClr val="000000"/>
                   </a:solidFill>
@@ -4116,7 +4122,7 @@
             </a:ln>
             <a:extLst>
               <a:ext uri="{91240B29-F687-4f45-9708-019B960494DF}">
-                <a14:hiddenLine xmlns="" xmlns:a14="http://schemas.microsoft.com/office/drawing/2010/main" w="9525">
+                <a14:hiddenLine xmlns:a14="http://schemas.microsoft.com/office/drawing/2010/main" xmlns="" w="9525">
                   <a:solidFill>
                     <a:srgbClr val="000000"/>
                   </a:solidFill>
@@ -4213,7 +4219,7 @@
             </a:ln>
             <a:extLst>
               <a:ext uri="{91240B29-F687-4f45-9708-019B960494DF}">
-                <a14:hiddenLine xmlns="" xmlns:a14="http://schemas.microsoft.com/office/drawing/2010/main" w="9525">
+                <a14:hiddenLine xmlns:a14="http://schemas.microsoft.com/office/drawing/2010/main" xmlns="" w="9525">
                   <a:solidFill>
                     <a:srgbClr val="000000"/>
                   </a:solidFill>
@@ -4310,7 +4316,7 @@
             </a:ln>
             <a:extLst>
               <a:ext uri="{91240B29-F687-4f45-9708-019B960494DF}">
-                <a14:hiddenLine xmlns="" xmlns:a14="http://schemas.microsoft.com/office/drawing/2010/main" w="9525">
+                <a14:hiddenLine xmlns:a14="http://schemas.microsoft.com/office/drawing/2010/main" xmlns="" w="9525">
                   <a:solidFill>
                     <a:srgbClr val="000000"/>
                   </a:solidFill>
@@ -4382,7 +4388,7 @@
             </a:ln>
             <a:extLst>
               <a:ext uri="{91240B29-F687-4f45-9708-019B960494DF}">
-                <a14:hiddenLine xmlns="" xmlns:a14="http://schemas.microsoft.com/office/drawing/2010/main" w="9525">
+                <a14:hiddenLine xmlns:a14="http://schemas.microsoft.com/office/drawing/2010/main" xmlns="" w="9525">
                   <a:solidFill>
                     <a:srgbClr val="000000"/>
                   </a:solidFill>
@@ -4451,7 +4457,7 @@
             </a:ln>
             <a:extLst>
               <a:ext uri="{91240B29-F687-4f45-9708-019B960494DF}">
-                <a14:hiddenLine xmlns="" xmlns:a14="http://schemas.microsoft.com/office/drawing/2010/main" w="9525">
+                <a14:hiddenLine xmlns:a14="http://schemas.microsoft.com/office/drawing/2010/main" xmlns="" w="9525">
                   <a:solidFill>
                     <a:srgbClr val="000000"/>
                   </a:solidFill>
@@ -4548,7 +4554,7 @@
             </a:ln>
             <a:extLst>
               <a:ext uri="{91240B29-F687-4f45-9708-019B960494DF}">
-                <a14:hiddenLine xmlns="" xmlns:a14="http://schemas.microsoft.com/office/drawing/2010/main" w="9525">
+                <a14:hiddenLine xmlns:a14="http://schemas.microsoft.com/office/drawing/2010/main" xmlns="" w="9525">
                   <a:solidFill>
                     <a:srgbClr val="000000"/>
                   </a:solidFill>
@@ -4645,7 +4651,7 @@
             </a:ln>
             <a:extLst>
               <a:ext uri="{91240B29-F687-4f45-9708-019B960494DF}">
-                <a14:hiddenLine xmlns="" xmlns:a14="http://schemas.microsoft.com/office/drawing/2010/main" w="9525">
+                <a14:hiddenLine xmlns:a14="http://schemas.microsoft.com/office/drawing/2010/main" xmlns="" w="9525">
                   <a:solidFill>
                     <a:srgbClr val="000000"/>
                   </a:solidFill>
@@ -4714,7 +4720,7 @@
             </a:ln>
             <a:extLst>
               <a:ext uri="{91240B29-F687-4f45-9708-019B960494DF}">
-                <a14:hiddenLine xmlns="" xmlns:a14="http://schemas.microsoft.com/office/drawing/2010/main" w="9525">
+                <a14:hiddenLine xmlns:a14="http://schemas.microsoft.com/office/drawing/2010/main" xmlns="" w="9525">
                   <a:solidFill>
                     <a:srgbClr val="000000"/>
                   </a:solidFill>
@@ -4841,7 +4847,7 @@
             </a:ln>
             <a:extLst>
               <a:ext uri="{91240B29-F687-4f45-9708-019B960494DF}">
-                <a14:hiddenLine xmlns="" xmlns:a14="http://schemas.microsoft.com/office/drawing/2010/main" w="9525">
+                <a14:hiddenLine xmlns:a14="http://schemas.microsoft.com/office/drawing/2010/main" xmlns="" w="9525">
                   <a:solidFill>
                     <a:srgbClr val="000000"/>
                   </a:solidFill>
@@ -4916,7 +4922,7 @@
             </a:ln>
             <a:extLst>
               <a:ext uri="{91240B29-F687-4f45-9708-019B960494DF}">
-                <a14:hiddenLine xmlns="" xmlns:a14="http://schemas.microsoft.com/office/drawing/2010/main" w="9525">
+                <a14:hiddenLine xmlns:a14="http://schemas.microsoft.com/office/drawing/2010/main" xmlns="" w="9525">
                   <a:solidFill>
                     <a:srgbClr val="000000"/>
                   </a:solidFill>
@@ -5013,7 +5019,7 @@
             </a:ln>
             <a:extLst>
               <a:ext uri="{91240B29-F687-4f45-9708-019B960494DF}">
-                <a14:hiddenLine xmlns="" xmlns:a14="http://schemas.microsoft.com/office/drawing/2010/main" w="9525">
+                <a14:hiddenLine xmlns:a14="http://schemas.microsoft.com/office/drawing/2010/main" xmlns="" w="9525">
                   <a:solidFill>
                     <a:srgbClr val="000000"/>
                   </a:solidFill>
@@ -5160,7 +5166,7 @@
           <a:p>
             <a:fld id="{48A87A34-81AB-432B-8DAE-1953F412C126}" type="datetimeFigureOut">
               <a:rPr lang="en-US" dirty="0"/>
-              <a:t>1/21/2026</a:t>
+              <a:t>1/22/2026</a:t>
             </a:fld>
             <a:endParaRPr lang="en-US" dirty="0"/>
           </a:p>
@@ -5422,7 +5428,7 @@
           <a:p>
             <a:fld id="{48A87A34-81AB-432B-8DAE-1953F412C126}" type="datetimeFigureOut">
               <a:rPr lang="en-US" dirty="0"/>
-              <a:t>1/21/2026</a:t>
+              <a:t>1/22/2026</a:t>
             </a:fld>
             <a:endParaRPr lang="en-US" dirty="0"/>
           </a:p>
@@ -5613,7 +5619,7 @@
           <a:p>
             <a:fld id="{48A87A34-81AB-432B-8DAE-1953F412C126}" type="datetimeFigureOut">
               <a:rPr lang="en-US" dirty="0"/>
-              <a:t>1/21/2026</a:t>
+              <a:t>1/22/2026</a:t>
             </a:fld>
             <a:endParaRPr lang="en-US" dirty="0"/>
           </a:p>
@@ -5871,7 +5877,7 @@
           <a:p>
             <a:fld id="{48A87A34-81AB-432B-8DAE-1953F412C126}" type="datetimeFigureOut">
               <a:rPr lang="en-US" dirty="0"/>
-              <a:t>1/21/2026</a:t>
+              <a:t>1/22/2026</a:t>
             </a:fld>
             <a:endParaRPr lang="en-US" dirty="0"/>
           </a:p>
@@ -6300,7 +6306,7 @@
           <a:p>
             <a:fld id="{48A87A34-81AB-432B-8DAE-1953F412C126}" type="datetimeFigureOut">
               <a:rPr lang="en-US" dirty="0"/>
-              <a:t>1/21/2026</a:t>
+              <a:t>1/22/2026</a:t>
             </a:fld>
             <a:endParaRPr lang="en-US" dirty="0"/>
           </a:p>
@@ -6841,7 +6847,7 @@
           <a:p>
             <a:fld id="{48A87A34-81AB-432B-8DAE-1953F412C126}" type="datetimeFigureOut">
               <a:rPr lang="en-US" dirty="0"/>
-              <a:t>1/21/2026</a:t>
+              <a:t>1/22/2026</a:t>
             </a:fld>
             <a:endParaRPr lang="en-US" dirty="0"/>
           </a:p>
@@ -7556,7 +7562,7 @@
           <a:p>
             <a:fld id="{48A87A34-81AB-432B-8DAE-1953F412C126}" type="datetimeFigureOut">
               <a:rPr lang="en-US" dirty="0"/>
-              <a:t>1/21/2026</a:t>
+              <a:t>1/22/2026</a:t>
             </a:fld>
             <a:endParaRPr lang="en-US" dirty="0"/>
           </a:p>
@@ -7721,7 +7727,7 @@
           <a:p>
             <a:fld id="{48A87A34-81AB-432B-8DAE-1953F412C126}" type="datetimeFigureOut">
               <a:rPr lang="en-US" dirty="0"/>
-              <a:t>1/21/2026</a:t>
+              <a:t>1/22/2026</a:t>
             </a:fld>
             <a:endParaRPr lang="en-US" dirty="0"/>
           </a:p>
@@ -7896,7 +7902,7 @@
           <a:p>
             <a:fld id="{48A87A34-81AB-432B-8DAE-1953F412C126}" type="datetimeFigureOut">
               <a:rPr lang="en-US" dirty="0"/>
-              <a:t>1/21/2026</a:t>
+              <a:t>1/22/2026</a:t>
             </a:fld>
             <a:endParaRPr lang="en-US" dirty="0"/>
           </a:p>
@@ -8061,7 +8067,7 @@
           <a:p>
             <a:fld id="{48A87A34-81AB-432B-8DAE-1953F412C126}" type="datetimeFigureOut">
               <a:rPr lang="en-US" dirty="0"/>
-              <a:t>1/21/2026</a:t>
+              <a:t>1/22/2026</a:t>
             </a:fld>
             <a:endParaRPr lang="en-US" dirty="0"/>
           </a:p>
@@ -8306,7 +8312,7 @@
           <a:p>
             <a:fld id="{48A87A34-81AB-432B-8DAE-1953F412C126}" type="datetimeFigureOut">
               <a:rPr lang="en-US" dirty="0"/>
-              <a:t>1/21/2026</a:t>
+              <a:t>1/22/2026</a:t>
             </a:fld>
             <a:endParaRPr lang="en-US" dirty="0"/>
           </a:p>
@@ -8533,7 +8539,7 @@
           <a:p>
             <a:fld id="{48A87A34-81AB-432B-8DAE-1953F412C126}" type="datetimeFigureOut">
               <a:rPr lang="en-US" dirty="0"/>
-              <a:t>1/21/2026</a:t>
+              <a:t>1/22/2026</a:t>
             </a:fld>
             <a:endParaRPr lang="en-US" dirty="0"/>
           </a:p>
@@ -8909,7 +8915,7 @@
           <a:p>
             <a:fld id="{48A87A34-81AB-432B-8DAE-1953F412C126}" type="datetimeFigureOut">
               <a:rPr lang="en-US" dirty="0"/>
-              <a:t>1/21/2026</a:t>
+              <a:t>1/22/2026</a:t>
             </a:fld>
             <a:endParaRPr lang="en-US" dirty="0"/>
           </a:p>
@@ -9022,7 +9028,7 @@
           <a:p>
             <a:fld id="{48A87A34-81AB-432B-8DAE-1953F412C126}" type="datetimeFigureOut">
               <a:rPr lang="en-US" dirty="0"/>
-              <a:t>1/21/2026</a:t>
+              <a:t>1/22/2026</a:t>
             </a:fld>
             <a:endParaRPr lang="en-US" dirty="0"/>
           </a:p>
@@ -9112,7 +9118,7 @@
           <a:p>
             <a:fld id="{48A87A34-81AB-432B-8DAE-1953F412C126}" type="datetimeFigureOut">
               <a:rPr lang="en-US" dirty="0"/>
-              <a:t>1/21/2026</a:t>
+              <a:t>1/22/2026</a:t>
             </a:fld>
             <a:endParaRPr lang="en-US" dirty="0"/>
           </a:p>
@@ -9356,7 +9362,7 @@
           <a:p>
             <a:fld id="{48A87A34-81AB-432B-8DAE-1953F412C126}" type="datetimeFigureOut">
               <a:rPr lang="en-US" dirty="0"/>
-              <a:t>1/21/2026</a:t>
+              <a:t>1/22/2026</a:t>
             </a:fld>
             <a:endParaRPr lang="en-US" dirty="0"/>
           </a:p>
@@ -9631,7 +9637,7 @@
           <a:p>
             <a:fld id="{48A87A34-81AB-432B-8DAE-1953F412C126}" type="datetimeFigureOut">
               <a:rPr lang="en-US" dirty="0"/>
-              <a:t>1/21/2026</a:t>
+              <a:t>1/22/2026</a:t>
             </a:fld>
             <a:endParaRPr lang="en-US" dirty="0"/>
           </a:p>
@@ -9742,7 +9748,7 @@
           <a:noFill/>
           <a:extLst>
             <a:ext uri="{909E8E84-426E-40dd-AFC4-6F175D3DCCD1}">
-              <a14:hiddenFill xmlns="" xmlns:a14="http://schemas.microsoft.com/office/drawing/2010/main">
+              <a14:hiddenFill xmlns:a14="http://schemas.microsoft.com/office/drawing/2010/main" xmlns="">
                 <a:solidFill>
                   <a:srgbClr val="FFFFFF"/>
                 </a:solidFill>
@@ -9816,7 +9822,7 @@
               </a:ln>
               <a:extLst>
                 <a:ext uri="{91240B29-F687-4f45-9708-019B960494DF}">
-                  <a14:hiddenLine xmlns="" xmlns:a14="http://schemas.microsoft.com/office/drawing/2010/main" w="9525">
+                  <a14:hiddenLine xmlns:a14="http://schemas.microsoft.com/office/drawing/2010/main" xmlns="" w="9525">
                     <a:solidFill>
                       <a:srgbClr val="000000"/>
                     </a:solidFill>
@@ -9913,7 +9919,7 @@
               </a:ln>
               <a:extLst>
                 <a:ext uri="{91240B29-F687-4f45-9708-019B960494DF}">
-                  <a14:hiddenLine xmlns="" xmlns:a14="http://schemas.microsoft.com/office/drawing/2010/main" w="9525">
+                  <a14:hiddenLine xmlns:a14="http://schemas.microsoft.com/office/drawing/2010/main" xmlns="" w="9525">
                     <a:solidFill>
                       <a:srgbClr val="000000"/>
                     </a:solidFill>
@@ -10010,7 +10016,7 @@
               </a:ln>
               <a:extLst>
                 <a:ext uri="{91240B29-F687-4f45-9708-019B960494DF}">
-                  <a14:hiddenLine xmlns="" xmlns:a14="http://schemas.microsoft.com/office/drawing/2010/main" w="9525">
+                  <a14:hiddenLine xmlns:a14="http://schemas.microsoft.com/office/drawing/2010/main" xmlns="" w="9525">
                     <a:solidFill>
                       <a:srgbClr val="000000"/>
                     </a:solidFill>
@@ -10079,7 +10085,7 @@
               </a:ln>
               <a:extLst>
                 <a:ext uri="{91240B29-F687-4f45-9708-019B960494DF}">
-                  <a14:hiddenLine xmlns="" xmlns:a14="http://schemas.microsoft.com/office/drawing/2010/main" w="9525">
+                  <a14:hiddenLine xmlns:a14="http://schemas.microsoft.com/office/drawing/2010/main" xmlns="" w="9525">
                     <a:solidFill>
                       <a:srgbClr val="000000"/>
                     </a:solidFill>
@@ -10176,7 +10182,7 @@
               </a:ln>
               <a:extLst>
                 <a:ext uri="{91240B29-F687-4f45-9708-019B960494DF}">
-                  <a14:hiddenLine xmlns="" xmlns:a14="http://schemas.microsoft.com/office/drawing/2010/main" w="9525">
+                  <a14:hiddenLine xmlns:a14="http://schemas.microsoft.com/office/drawing/2010/main" xmlns="" w="9525">
                     <a:solidFill>
                       <a:srgbClr val="000000"/>
                     </a:solidFill>
@@ -10245,7 +10251,7 @@
               </a:ln>
               <a:extLst>
                 <a:ext uri="{91240B29-F687-4f45-9708-019B960494DF}">
-                  <a14:hiddenLine xmlns="" xmlns:a14="http://schemas.microsoft.com/office/drawing/2010/main" w="9525">
+                  <a14:hiddenLine xmlns:a14="http://schemas.microsoft.com/office/drawing/2010/main" xmlns="" w="9525">
                     <a:solidFill>
                       <a:srgbClr val="000000"/>
                     </a:solidFill>
@@ -10314,7 +10320,7 @@
               </a:ln>
               <a:extLst>
                 <a:ext uri="{91240B29-F687-4f45-9708-019B960494DF}">
-                  <a14:hiddenLine xmlns="" xmlns:a14="http://schemas.microsoft.com/office/drawing/2010/main" w="9525">
+                  <a14:hiddenLine xmlns:a14="http://schemas.microsoft.com/office/drawing/2010/main" xmlns="" w="9525">
                     <a:solidFill>
                       <a:srgbClr val="000000"/>
                     </a:solidFill>
@@ -10411,7 +10417,7 @@
               </a:ln>
               <a:extLst>
                 <a:ext uri="{91240B29-F687-4f45-9708-019B960494DF}">
-                  <a14:hiddenLine xmlns="" xmlns:a14="http://schemas.microsoft.com/office/drawing/2010/main" w="9525">
+                  <a14:hiddenLine xmlns:a14="http://schemas.microsoft.com/office/drawing/2010/main" xmlns="" w="9525">
                     <a:solidFill>
                       <a:srgbClr val="000000"/>
                     </a:solidFill>
@@ -10508,7 +10514,7 @@
               </a:ln>
               <a:extLst>
                 <a:ext uri="{91240B29-F687-4f45-9708-019B960494DF}">
-                  <a14:hiddenLine xmlns="" xmlns:a14="http://schemas.microsoft.com/office/drawing/2010/main" w="9525">
+                  <a14:hiddenLine xmlns:a14="http://schemas.microsoft.com/office/drawing/2010/main" xmlns="" w="9525">
                     <a:solidFill>
                       <a:srgbClr val="000000"/>
                     </a:solidFill>
@@ -10577,7 +10583,7 @@
               </a:ln>
               <a:extLst>
                 <a:ext uri="{91240B29-F687-4f45-9708-019B960494DF}">
-                  <a14:hiddenLine xmlns="" xmlns:a14="http://schemas.microsoft.com/office/drawing/2010/main" w="9525">
+                  <a14:hiddenLine xmlns:a14="http://schemas.microsoft.com/office/drawing/2010/main" xmlns="" w="9525">
                     <a:solidFill>
                       <a:srgbClr val="000000"/>
                     </a:solidFill>
@@ -10694,7 +10700,7 @@
               </a:ln>
               <a:extLst>
                 <a:ext uri="{91240B29-F687-4f45-9708-019B960494DF}">
-                  <a14:hiddenLine xmlns="" xmlns:a14="http://schemas.microsoft.com/office/drawing/2010/main" w="9525">
+                  <a14:hiddenLine xmlns:a14="http://schemas.microsoft.com/office/drawing/2010/main" xmlns="" w="9525">
                     <a:solidFill>
                       <a:srgbClr val="000000"/>
                     </a:solidFill>
@@ -10792,7 +10798,7 @@
               </a:ln>
               <a:extLst>
                 <a:ext uri="{91240B29-F687-4f45-9708-019B960494DF}">
-                  <a14:hiddenLine xmlns="" xmlns:a14="http://schemas.microsoft.com/office/drawing/2010/main" w="9525">
+                  <a14:hiddenLine xmlns:a14="http://schemas.microsoft.com/office/drawing/2010/main" xmlns="" w="9525">
                     <a:solidFill>
                       <a:srgbClr val="000000"/>
                     </a:solidFill>
@@ -10861,7 +10867,7 @@
               </a:ln>
               <a:extLst>
                 <a:ext uri="{91240B29-F687-4f45-9708-019B960494DF}">
-                  <a14:hiddenLine xmlns="" xmlns:a14="http://schemas.microsoft.com/office/drawing/2010/main" w="9525">
+                  <a14:hiddenLine xmlns:a14="http://schemas.microsoft.com/office/drawing/2010/main" xmlns="" w="9525">
                     <a:solidFill>
                       <a:srgbClr val="000000"/>
                     </a:solidFill>
@@ -10930,7 +10936,7 @@
               </a:ln>
               <a:extLst>
                 <a:ext uri="{91240B29-F687-4f45-9708-019B960494DF}">
-                  <a14:hiddenLine xmlns="" xmlns:a14="http://schemas.microsoft.com/office/drawing/2010/main" w="9525">
+                  <a14:hiddenLine xmlns:a14="http://schemas.microsoft.com/office/drawing/2010/main" xmlns="" w="9525">
                     <a:solidFill>
                       <a:srgbClr val="000000"/>
                     </a:solidFill>
@@ -11027,7 +11033,7 @@
               </a:ln>
               <a:extLst>
                 <a:ext uri="{91240B29-F687-4f45-9708-019B960494DF}">
-                  <a14:hiddenLine xmlns="" xmlns:a14="http://schemas.microsoft.com/office/drawing/2010/main" w="9525">
+                  <a14:hiddenLine xmlns:a14="http://schemas.microsoft.com/office/drawing/2010/main" xmlns="" w="9525">
                     <a:solidFill>
                       <a:srgbClr val="000000"/>
                     </a:solidFill>
@@ -11068,7 +11074,7 @@
               </a:ln>
               <a:extLst>
                 <a:ext uri="{91240B29-F687-4f45-9708-019B960494DF}">
-                  <a14:hiddenLine xmlns="" xmlns:a14="http://schemas.microsoft.com/office/drawing/2010/main" w="9525">
+                  <a14:hiddenLine xmlns:a14="http://schemas.microsoft.com/office/drawing/2010/main" xmlns="" w="9525">
                     <a:solidFill>
                       <a:srgbClr val="000000"/>
                     </a:solidFill>
@@ -11140,7 +11146,7 @@
               </a:ln>
               <a:extLst>
                 <a:ext uri="{91240B29-F687-4f45-9708-019B960494DF}">
-                  <a14:hiddenLine xmlns="" xmlns:a14="http://schemas.microsoft.com/office/drawing/2010/main" w="9525">
+                  <a14:hiddenLine xmlns:a14="http://schemas.microsoft.com/office/drawing/2010/main" xmlns="" w="9525">
                     <a:solidFill>
                       <a:srgbClr val="000000"/>
                     </a:solidFill>
@@ -11237,7 +11243,7 @@
               </a:ln>
               <a:extLst>
                 <a:ext uri="{91240B29-F687-4f45-9708-019B960494DF}">
-                  <a14:hiddenLine xmlns="" xmlns:a14="http://schemas.microsoft.com/office/drawing/2010/main" w="9525">
+                  <a14:hiddenLine xmlns:a14="http://schemas.microsoft.com/office/drawing/2010/main" xmlns="" w="9525">
                     <a:solidFill>
                       <a:srgbClr val="000000"/>
                     </a:solidFill>
@@ -11306,7 +11312,7 @@
               </a:ln>
               <a:extLst>
                 <a:ext uri="{91240B29-F687-4f45-9708-019B960494DF}">
-                  <a14:hiddenLine xmlns="" xmlns:a14="http://schemas.microsoft.com/office/drawing/2010/main" w="9525">
+                  <a14:hiddenLine xmlns:a14="http://schemas.microsoft.com/office/drawing/2010/main" xmlns="" w="9525">
                     <a:solidFill>
                       <a:srgbClr val="000000"/>
                     </a:solidFill>
@@ -11403,7 +11409,7 @@
               </a:ln>
               <a:extLst>
                 <a:ext uri="{91240B29-F687-4f45-9708-019B960494DF}">
-                  <a14:hiddenLine xmlns="" xmlns:a14="http://schemas.microsoft.com/office/drawing/2010/main" w="9525">
+                  <a14:hiddenLine xmlns:a14="http://schemas.microsoft.com/office/drawing/2010/main" xmlns="" w="9525">
                     <a:solidFill>
                       <a:srgbClr val="000000"/>
                     </a:solidFill>
@@ -11475,7 +11481,7 @@
               </a:ln>
               <a:extLst>
                 <a:ext uri="{91240B29-F687-4f45-9708-019B960494DF}">
-                  <a14:hiddenLine xmlns="" xmlns:a14="http://schemas.microsoft.com/office/drawing/2010/main" w="9525">
+                  <a14:hiddenLine xmlns:a14="http://schemas.microsoft.com/office/drawing/2010/main" xmlns="" w="9525">
                     <a:solidFill>
                       <a:srgbClr val="000000"/>
                     </a:solidFill>
@@ -11544,7 +11550,7 @@
               </a:ln>
               <a:extLst>
                 <a:ext uri="{91240B29-F687-4f45-9708-019B960494DF}">
-                  <a14:hiddenLine xmlns="" xmlns:a14="http://schemas.microsoft.com/office/drawing/2010/main" w="9525">
+                  <a14:hiddenLine xmlns:a14="http://schemas.microsoft.com/office/drawing/2010/main" xmlns="" w="9525">
                     <a:solidFill>
                       <a:srgbClr val="000000"/>
                     </a:solidFill>
@@ -11641,7 +11647,7 @@
               </a:ln>
               <a:extLst>
                 <a:ext uri="{91240B29-F687-4f45-9708-019B960494DF}">
-                  <a14:hiddenLine xmlns="" xmlns:a14="http://schemas.microsoft.com/office/drawing/2010/main" w="9525">
+                  <a14:hiddenLine xmlns:a14="http://schemas.microsoft.com/office/drawing/2010/main" xmlns="" w="9525">
                     <a:solidFill>
                       <a:srgbClr val="000000"/>
                     </a:solidFill>
@@ -11738,7 +11744,7 @@
               </a:ln>
               <a:extLst>
                 <a:ext uri="{91240B29-F687-4f45-9708-019B960494DF}">
-                  <a14:hiddenLine xmlns="" xmlns:a14="http://schemas.microsoft.com/office/drawing/2010/main" w="9525">
+                  <a14:hiddenLine xmlns:a14="http://schemas.microsoft.com/office/drawing/2010/main" xmlns="" w="9525">
                     <a:solidFill>
                       <a:srgbClr val="000000"/>
                     </a:solidFill>
@@ -11810,7 +11816,7 @@
               </a:ln>
               <a:extLst>
                 <a:ext uri="{91240B29-F687-4f45-9708-019B960494DF}">
-                  <a14:hiddenLine xmlns="" xmlns:a14="http://schemas.microsoft.com/office/drawing/2010/main" w="9525">
+                  <a14:hiddenLine xmlns:a14="http://schemas.microsoft.com/office/drawing/2010/main" xmlns="" w="9525">
                     <a:solidFill>
                       <a:srgbClr val="000000"/>
                     </a:solidFill>
@@ -11937,7 +11943,7 @@
               </a:ln>
               <a:extLst>
                 <a:ext uri="{91240B29-F687-4f45-9708-019B960494DF}">
-                  <a14:hiddenLine xmlns="" xmlns:a14="http://schemas.microsoft.com/office/drawing/2010/main" w="9525">
+                  <a14:hiddenLine xmlns:a14="http://schemas.microsoft.com/office/drawing/2010/main" xmlns="" w="9525">
                     <a:solidFill>
                       <a:srgbClr val="000000"/>
                     </a:solidFill>
@@ -12042,7 +12048,7 @@
               </a:ln>
               <a:extLst>
                 <a:ext uri="{91240B29-F687-4f45-9708-019B960494DF}">
-                  <a14:hiddenLine xmlns="" xmlns:a14="http://schemas.microsoft.com/office/drawing/2010/main" w="9525">
+                  <a14:hiddenLine xmlns:a14="http://schemas.microsoft.com/office/drawing/2010/main" xmlns="" w="9525">
                     <a:solidFill>
                       <a:srgbClr val="000000"/>
                     </a:solidFill>
@@ -12164,7 +12170,7 @@
               </a:ln>
               <a:extLst>
                 <a:ext uri="{91240B29-F687-4f45-9708-019B960494DF}">
-                  <a14:hiddenLine xmlns="" xmlns:a14="http://schemas.microsoft.com/office/drawing/2010/main" w="9525">
+                  <a14:hiddenLine xmlns:a14="http://schemas.microsoft.com/office/drawing/2010/main" xmlns="" w="9525">
                     <a:solidFill>
                       <a:srgbClr val="000000"/>
                     </a:solidFill>
@@ -12261,7 +12267,7 @@
               </a:ln>
               <a:extLst>
                 <a:ext uri="{91240B29-F687-4f45-9708-019B960494DF}">
-                  <a14:hiddenLine xmlns="" xmlns:a14="http://schemas.microsoft.com/office/drawing/2010/main" w="9525">
+                  <a14:hiddenLine xmlns:a14="http://schemas.microsoft.com/office/drawing/2010/main" xmlns="" w="9525">
                     <a:solidFill>
                       <a:srgbClr val="000000"/>
                     </a:solidFill>
@@ -12333,7 +12339,7 @@
               </a:ln>
               <a:extLst>
                 <a:ext uri="{91240B29-F687-4f45-9708-019B960494DF}">
-                  <a14:hiddenLine xmlns="" xmlns:a14="http://schemas.microsoft.com/office/drawing/2010/main" w="9525">
+                  <a14:hiddenLine xmlns:a14="http://schemas.microsoft.com/office/drawing/2010/main" xmlns="" w="9525">
                     <a:solidFill>
                       <a:srgbClr val="000000"/>
                     </a:solidFill>
@@ -12430,7 +12436,7 @@
               </a:ln>
               <a:extLst>
                 <a:ext uri="{91240B29-F687-4f45-9708-019B960494DF}">
-                  <a14:hiddenLine xmlns="" xmlns:a14="http://schemas.microsoft.com/office/drawing/2010/main" w="9525">
+                  <a14:hiddenLine xmlns:a14="http://schemas.microsoft.com/office/drawing/2010/main" xmlns="" w="9525">
                     <a:solidFill>
                       <a:srgbClr val="000000"/>
                     </a:solidFill>
@@ -12505,7 +12511,7 @@
               </a:ln>
               <a:extLst>
                 <a:ext uri="{91240B29-F687-4f45-9708-019B960494DF}">
-                  <a14:hiddenLine xmlns="" xmlns:a14="http://schemas.microsoft.com/office/drawing/2010/main" w="9525">
+                  <a14:hiddenLine xmlns:a14="http://schemas.microsoft.com/office/drawing/2010/main" xmlns="" w="9525">
                     <a:solidFill>
                       <a:srgbClr val="000000"/>
                     </a:solidFill>
@@ -12602,7 +12608,7 @@
               </a:ln>
               <a:extLst>
                 <a:ext uri="{91240B29-F687-4f45-9708-019B960494DF}">
-                  <a14:hiddenLine xmlns="" xmlns:a14="http://schemas.microsoft.com/office/drawing/2010/main" w="9525">
+                  <a14:hiddenLine xmlns:a14="http://schemas.microsoft.com/office/drawing/2010/main" xmlns="" w="9525">
                     <a:solidFill>
                       <a:srgbClr val="000000"/>
                     </a:solidFill>
@@ -12677,7 +12683,7 @@
               </a:ln>
               <a:extLst>
                 <a:ext uri="{91240B29-F687-4f45-9708-019B960494DF}">
-                  <a14:hiddenLine xmlns="" xmlns:a14="http://schemas.microsoft.com/office/drawing/2010/main" w="9525">
+                  <a14:hiddenLine xmlns:a14="http://schemas.microsoft.com/office/drawing/2010/main" xmlns="" w="9525">
                     <a:solidFill>
                       <a:srgbClr val="000000"/>
                     </a:solidFill>
@@ -12774,7 +12780,7 @@
               </a:ln>
               <a:extLst>
                 <a:ext uri="{91240B29-F687-4f45-9708-019B960494DF}">
-                  <a14:hiddenLine xmlns="" xmlns:a14="http://schemas.microsoft.com/office/drawing/2010/main" w="9525">
+                  <a14:hiddenLine xmlns:a14="http://schemas.microsoft.com/office/drawing/2010/main" xmlns="" w="9525">
                     <a:solidFill>
                       <a:srgbClr val="000000"/>
                     </a:solidFill>
@@ -12815,7 +12821,7 @@
               </a:ln>
               <a:extLst>
                 <a:ext uri="{91240B29-F687-4f45-9708-019B960494DF}">
-                  <a14:hiddenLine xmlns="" xmlns:a14="http://schemas.microsoft.com/office/drawing/2010/main" w="9525">
+                  <a14:hiddenLine xmlns:a14="http://schemas.microsoft.com/office/drawing/2010/main" xmlns="" w="9525">
                     <a:solidFill>
                       <a:srgbClr val="000000"/>
                     </a:solidFill>
@@ -12963,7 +12969,7 @@
             <a:fld id="{48A87A34-81AB-432B-8DAE-1953F412C126}" type="datetimeFigureOut">
               <a:rPr lang="en-US" dirty="0"/>
               <a:pPr/>
-              <a:t>1/21/2026</a:t>
+              <a:t>1/22/2026</a:t>
             </a:fld>
             <a:endParaRPr lang="en-US" dirty="0"/>
           </a:p>
@@ -13449,6 +13455,30 @@
 <file path=ppt/slides/slide10.xml><?xml version="1.0" encoding="utf-8"?>
 <p:sld xmlns:a="http://schemas.openxmlformats.org/drawingml/2006/main" xmlns:r="http://schemas.openxmlformats.org/officeDocument/2006/relationships" xmlns:p="http://schemas.openxmlformats.org/presentationml/2006/main">
   <p:cSld>
+    <p:bg>
+      <p:bgPr>
+        <a:blipFill>
+          <a:blip r:embed="rId2">
+            <a:duotone>
+              <a:schemeClr val="bg2">
+                <a:shade val="88000"/>
+                <a:hueMod val="106000"/>
+                <a:satMod val="140000"/>
+                <a:lumMod val="54000"/>
+              </a:schemeClr>
+              <a:schemeClr val="bg2">
+                <a:tint val="98000"/>
+                <a:hueMod val="90000"/>
+                <a:satMod val="150000"/>
+                <a:lumMod val="160000"/>
+              </a:schemeClr>
+            </a:duotone>
+          </a:blip>
+          <a:stretch/>
+        </a:blipFill>
+        <a:effectLst/>
+      </p:bgPr>
+    </p:bg>
     <p:spTree>
       <p:nvGrpSpPr>
         <p:cNvPr id="1" name=""/>
@@ -13479,11 +13509,213 @@
             <p:ph type="title"/>
           </p:nvPr>
         </p:nvSpPr>
+        <p:spPr>
+          <a:xfrm>
+            <a:off x="1141413" y="618518"/>
+            <a:ext cx="9905998" cy="1478570"/>
+          </a:xfrm>
+        </p:spPr>
+        <p:txBody>
+          <a:bodyPr>
+            <a:normAutofit/>
+          </a:bodyPr>
+          <a:lstStyle/>
+          <a:p>
+            <a:r>
+              <a:rPr lang="zh-TW" altLang="en-US" dirty="0"/>
+              <a:t>迴圈結構</a:t>
+            </a:r>
+            <a:r>
+              <a:rPr lang="en-US" altLang="zh-TW" dirty="0"/>
+              <a:t>-While</a:t>
+            </a:r>
+            <a:endParaRPr lang="zh-TW" altLang="en-US" dirty="0"/>
+          </a:p>
+        </p:txBody>
+      </p:sp>
+      <p:pic>
+        <p:nvPicPr>
+          <p:cNvPr id="5" name="內容版面配置區 4" descr="一張含有 文字, 螢幕擷取畫面, 字型, 數字 的圖片&#10;&#10;AI 產生的內容可能不正確。">
+            <a:extLst>
+              <a:ext uri="{FF2B5EF4-FFF2-40B4-BE49-F238E27FC236}">
+                <a16:creationId xmlns:a16="http://schemas.microsoft.com/office/drawing/2014/main" id="{ECD85314-23AE-DF4A-1925-512B0A6584F6}"/>
+              </a:ext>
+            </a:extLst>
+          </p:cNvPr>
+          <p:cNvPicPr>
+            <a:picLocks noChangeAspect="1"/>
+          </p:cNvPicPr>
+          <p:nvPr/>
+        </p:nvPicPr>
+        <p:blipFill>
+          <a:blip r:embed="rId3"/>
+          <a:stretch>
+            <a:fillRect/>
+          </a:stretch>
+        </p:blipFill>
+        <p:spPr>
+          <a:xfrm>
+            <a:off x="1141411" y="3189579"/>
+            <a:ext cx="4689234" cy="1669465"/>
+          </a:xfrm>
+          <a:prstGeom prst="round2DiagRect">
+            <a:avLst>
+              <a:gd name="adj1" fmla="val 5608"/>
+              <a:gd name="adj2" fmla="val 0"/>
+            </a:avLst>
+          </a:prstGeom>
+          <a:ln w="19050" cap="sq">
+            <a:solidFill>
+              <a:schemeClr val="tx2">
+                <a:lumMod val="60000"/>
+                <a:lumOff val="40000"/>
+                <a:alpha val="60000"/>
+              </a:schemeClr>
+            </a:solidFill>
+            <a:miter lim="800000"/>
+          </a:ln>
+          <a:effectLst>
+            <a:outerShdw blurRad="88900" dist="38100" dir="5400000" algn="t" rotWithShape="0">
+              <a:prstClr val="black">
+                <a:alpha val="40000"/>
+              </a:prstClr>
+            </a:outerShdw>
+          </a:effectLst>
+        </p:spPr>
+      </p:pic>
+      <p:sp>
+        <p:nvSpPr>
+          <p:cNvPr id="9" name="Content Placeholder 8">
+            <a:extLst>
+              <a:ext uri="{FF2B5EF4-FFF2-40B4-BE49-F238E27FC236}">
+                <a16:creationId xmlns:a16="http://schemas.microsoft.com/office/drawing/2014/main" id="{D9E39781-BC91-D4B3-64C2-7B50569D72A7}"/>
+              </a:ext>
+            </a:extLst>
+          </p:cNvPr>
+          <p:cNvSpPr>
+            <a:spLocks noGrp="1"/>
+          </p:cNvSpPr>
+          <p:nvPr>
+            <p:ph idx="1"/>
+          </p:nvPr>
+        </p:nvSpPr>
+        <p:spPr>
+          <a:xfrm>
+            <a:off x="6336727" y="2249487"/>
+            <a:ext cx="4710683" cy="3541714"/>
+          </a:xfrm>
+        </p:spPr>
+        <p:txBody>
+          <a:bodyPr>
+            <a:normAutofit/>
+          </a:bodyPr>
+          <a:lstStyle/>
+          <a:p>
+            <a:r>
+              <a:rPr lang="en-US" dirty="0" err="1"/>
+              <a:t>Init_statement</a:t>
+            </a:r>
+            <a:r>
+              <a:rPr lang="en-US" dirty="0"/>
+              <a:t>:</a:t>
+            </a:r>
+            <a:r>
+              <a:rPr lang="zh-TW" altLang="en-US" dirty="0"/>
+              <a:t>設定一個參數</a:t>
+            </a:r>
+            <a:endParaRPr lang="en-US" altLang="zh-TW" dirty="0"/>
+          </a:p>
+          <a:p>
+            <a:r>
+              <a:rPr lang="en-US" dirty="0" err="1"/>
+              <a:t>Test_expression</a:t>
+            </a:r>
+            <a:r>
+              <a:rPr lang="en-US" dirty="0"/>
+              <a:t>:</a:t>
+            </a:r>
+            <a:r>
+              <a:rPr lang="zh-TW" altLang="en-US" dirty="0"/>
+              <a:t>將參數拿來做判斷</a:t>
+            </a:r>
+            <a:endParaRPr lang="en-US" altLang="zh-TW" dirty="0"/>
+          </a:p>
+          <a:p>
+            <a:r>
+              <a:rPr lang="en-US" altLang="zh-TW" dirty="0" err="1"/>
+              <a:t>Iteration_statement</a:t>
+            </a:r>
+            <a:r>
+              <a:rPr lang="en-US" altLang="zh-TW" dirty="0"/>
+              <a:t>: </a:t>
+            </a:r>
+            <a:r>
+              <a:rPr lang="zh-TW" altLang="en-US" dirty="0"/>
+              <a:t>將參數做變化</a:t>
+            </a:r>
+            <a:endParaRPr lang="en-US" altLang="zh-TW" dirty="0"/>
+          </a:p>
+        </p:txBody>
+      </p:sp>
+    </p:spTree>
+    <p:extLst>
+      <p:ext uri="{BB962C8B-B14F-4D97-AF65-F5344CB8AC3E}">
+        <p14:creationId xmlns:p14="http://schemas.microsoft.com/office/powerpoint/2010/main" val="1408108669"/>
+      </p:ext>
+    </p:extLst>
+  </p:cSld>
+  <p:clrMapOvr>
+    <a:masterClrMapping/>
+  </p:clrMapOvr>
+</p:sld>
+</file>
+
+<file path=ppt/slides/slide11.xml><?xml version="1.0" encoding="utf-8"?>
+<p:sld xmlns:a="http://schemas.openxmlformats.org/drawingml/2006/main" xmlns:r="http://schemas.openxmlformats.org/officeDocument/2006/relationships" xmlns:p="http://schemas.openxmlformats.org/presentationml/2006/main">
+  <p:cSld>
+    <p:spTree>
+      <p:nvGrpSpPr>
+        <p:cNvPr id="1" name=""/>
+        <p:cNvGrpSpPr/>
+        <p:nvPr/>
+      </p:nvGrpSpPr>
+      <p:grpSpPr>
+        <a:xfrm>
+          <a:off x="0" y="0"/>
+          <a:ext cx="0" cy="0"/>
+          <a:chOff x="0" y="0"/>
+          <a:chExt cx="0" cy="0"/>
+        </a:xfrm>
+      </p:grpSpPr>
+      <p:sp>
+        <p:nvSpPr>
+          <p:cNvPr id="2" name="標題 1">
+            <a:extLst>
+              <a:ext uri="{FF2B5EF4-FFF2-40B4-BE49-F238E27FC236}">
+                <a16:creationId xmlns:a16="http://schemas.microsoft.com/office/drawing/2014/main" id="{3746117B-8188-B120-BE30-9428DC010591}"/>
+              </a:ext>
+            </a:extLst>
+          </p:cNvPr>
+          <p:cNvSpPr>
+            <a:spLocks noGrp="1"/>
+          </p:cNvSpPr>
+          <p:nvPr>
+            <p:ph type="title"/>
+          </p:nvPr>
+        </p:nvSpPr>
         <p:spPr/>
         <p:txBody>
           <a:bodyPr/>
           <a:lstStyle/>
           <a:p>
+            <a:r>
+              <a:rPr lang="zh-TW" altLang="en-US" dirty="0"/>
+              <a:t>迴圈結構</a:t>
+            </a:r>
+            <a:r>
+              <a:rPr lang="en-US" altLang="zh-TW" dirty="0"/>
+              <a:t>-While</a:t>
+            </a:r>
             <a:endParaRPr lang="zh-TW" altLang="en-US" dirty="0"/>
           </a:p>
         </p:txBody>
@@ -13493,7 +13725,7 @@
           <p:cNvPr id="3" name="內容版面配置區 2">
             <a:extLst>
               <a:ext uri="{FF2B5EF4-FFF2-40B4-BE49-F238E27FC236}">
-                <a16:creationId xmlns:a16="http://schemas.microsoft.com/office/drawing/2014/main" id="{933B60C8-9D71-E77D-B7E1-783BA5F4D754}"/>
+                <a16:creationId xmlns:a16="http://schemas.microsoft.com/office/drawing/2014/main" id="{24716E47-DA9C-0B94-C94E-D32A3EBD02F9}"/>
               </a:ext>
             </a:extLst>
           </p:cNvPr>
@@ -13516,7 +13748,7 @@
     </p:spTree>
     <p:extLst>
       <p:ext uri="{BB962C8B-B14F-4D97-AF65-F5344CB8AC3E}">
-        <p14:creationId xmlns:p14="http://schemas.microsoft.com/office/powerpoint/2010/main" val="1408108669"/>
+        <p14:creationId xmlns:p14="http://schemas.microsoft.com/office/powerpoint/2010/main" val="3566816337"/>
       </p:ext>
     </p:extLst>
   </p:cSld>
@@ -13599,7 +13831,7 @@
           <a:noFill/>
           <a:extLst>
             <a:ext uri="{909E8E84-426E-40dd-AFC4-6F175D3DCCD1}">
-              <a14:hiddenFill xmlns="" xmlns:a16="http://schemas.microsoft.com/office/drawing/2014/main" xmlns:p14="http://schemas.microsoft.com/office/powerpoint/2010/main" xmlns:a14="http://schemas.microsoft.com/office/drawing/2010/main">
+              <a14:hiddenFill xmlns:a14="http://schemas.microsoft.com/office/drawing/2010/main" xmlns:p14="http://schemas.microsoft.com/office/powerpoint/2010/main" xmlns:a16="http://schemas.microsoft.com/office/drawing/2014/main" xmlns="">
                 <a:solidFill>
                   <a:srgbClr val="FFFFFF"/>
                 </a:solidFill>
@@ -13691,7 +13923,7 @@
             </a:ln>
             <a:extLst>
               <a:ext uri="{91240B29-F687-4f45-9708-019B960494DF}">
-                <a14:hiddenLine xmlns="" xmlns:a16="http://schemas.microsoft.com/office/drawing/2014/main" xmlns:p14="http://schemas.microsoft.com/office/powerpoint/2010/main" xmlns:a14="http://schemas.microsoft.com/office/drawing/2010/main" w="9525">
+                <a14:hiddenLine xmlns:a14="http://schemas.microsoft.com/office/drawing/2010/main" xmlns:p14="http://schemas.microsoft.com/office/powerpoint/2010/main" xmlns:a16="http://schemas.microsoft.com/office/drawing/2014/main" xmlns="" w="9525">
                   <a:solidFill>
                     <a:srgbClr val="000000"/>
                   </a:solidFill>
@@ -13803,7 +14035,7 @@
             </a:ln>
             <a:extLst>
               <a:ext uri="{91240B29-F687-4f45-9708-019B960494DF}">
-                <a14:hiddenLine xmlns="" xmlns:a16="http://schemas.microsoft.com/office/drawing/2014/main" xmlns:p14="http://schemas.microsoft.com/office/powerpoint/2010/main" xmlns:a14="http://schemas.microsoft.com/office/drawing/2010/main" w="9525">
+                <a14:hiddenLine xmlns:a14="http://schemas.microsoft.com/office/drawing/2010/main" xmlns:p14="http://schemas.microsoft.com/office/powerpoint/2010/main" xmlns:a16="http://schemas.microsoft.com/office/drawing/2014/main" xmlns="" w="9525">
                   <a:solidFill>
                     <a:srgbClr val="000000"/>
                   </a:solidFill>
@@ -13915,7 +14147,7 @@
             </a:ln>
             <a:extLst>
               <a:ext uri="{91240B29-F687-4f45-9708-019B960494DF}">
-                <a14:hiddenLine xmlns="" xmlns:a16="http://schemas.microsoft.com/office/drawing/2014/main" xmlns:p14="http://schemas.microsoft.com/office/powerpoint/2010/main" xmlns:a14="http://schemas.microsoft.com/office/drawing/2010/main" w="9525">
+                <a14:hiddenLine xmlns:a14="http://schemas.microsoft.com/office/drawing/2010/main" xmlns:p14="http://schemas.microsoft.com/office/powerpoint/2010/main" xmlns:a16="http://schemas.microsoft.com/office/drawing/2014/main" xmlns="" w="9525">
                   <a:solidFill>
                     <a:srgbClr val="000000"/>
                   </a:solidFill>
@@ -13971,7 +14203,7 @@
             </a:ln>
             <a:extLst>
               <a:ext uri="{91240B29-F687-4f45-9708-019B960494DF}">
-                <a14:hiddenLine xmlns="" xmlns:a16="http://schemas.microsoft.com/office/drawing/2014/main" xmlns:p14="http://schemas.microsoft.com/office/powerpoint/2010/main" xmlns:a14="http://schemas.microsoft.com/office/drawing/2010/main" w="9525">
+                <a14:hiddenLine xmlns:a14="http://schemas.microsoft.com/office/drawing/2010/main" xmlns:p14="http://schemas.microsoft.com/office/powerpoint/2010/main" xmlns:a16="http://schemas.microsoft.com/office/drawing/2014/main" xmlns="" w="9525">
                   <a:solidFill>
                     <a:srgbClr val="000000"/>
                   </a:solidFill>
@@ -14083,7 +14315,7 @@
             </a:ln>
             <a:extLst>
               <a:ext uri="{91240B29-F687-4f45-9708-019B960494DF}">
-                <a14:hiddenLine xmlns="" xmlns:a16="http://schemas.microsoft.com/office/drawing/2014/main" xmlns:p14="http://schemas.microsoft.com/office/powerpoint/2010/main" xmlns:a14="http://schemas.microsoft.com/office/drawing/2010/main" w="9525">
+                <a14:hiddenLine xmlns:a14="http://schemas.microsoft.com/office/drawing/2010/main" xmlns:p14="http://schemas.microsoft.com/office/powerpoint/2010/main" xmlns:a16="http://schemas.microsoft.com/office/drawing/2014/main" xmlns="" w="9525">
                   <a:solidFill>
                     <a:srgbClr val="000000"/>
                   </a:solidFill>
@@ -14167,7 +14399,7 @@
             </a:ln>
             <a:extLst>
               <a:ext uri="{91240B29-F687-4f45-9708-019B960494DF}">
-                <a14:hiddenLine xmlns="" xmlns:a16="http://schemas.microsoft.com/office/drawing/2014/main" xmlns:p14="http://schemas.microsoft.com/office/powerpoint/2010/main" xmlns:a14="http://schemas.microsoft.com/office/drawing/2010/main" w="9525">
+                <a14:hiddenLine xmlns:a14="http://schemas.microsoft.com/office/drawing/2010/main" xmlns:p14="http://schemas.microsoft.com/office/powerpoint/2010/main" xmlns:a16="http://schemas.microsoft.com/office/drawing/2014/main" xmlns="" w="9525">
                   <a:solidFill>
                     <a:srgbClr val="000000"/>
                   </a:solidFill>
@@ -14251,7 +14483,7 @@
             </a:ln>
             <a:extLst>
               <a:ext uri="{91240B29-F687-4f45-9708-019B960494DF}">
-                <a14:hiddenLine xmlns="" xmlns:a16="http://schemas.microsoft.com/office/drawing/2014/main" xmlns:p14="http://schemas.microsoft.com/office/powerpoint/2010/main" xmlns:a14="http://schemas.microsoft.com/office/drawing/2010/main" w="9525">
+                <a14:hiddenLine xmlns:a14="http://schemas.microsoft.com/office/drawing/2010/main" xmlns:p14="http://schemas.microsoft.com/office/powerpoint/2010/main" xmlns:a16="http://schemas.microsoft.com/office/drawing/2014/main" xmlns="" w="9525">
                   <a:solidFill>
                     <a:srgbClr val="000000"/>
                   </a:solidFill>
@@ -14363,7 +14595,7 @@
             </a:ln>
             <a:extLst>
               <a:ext uri="{91240B29-F687-4f45-9708-019B960494DF}">
-                <a14:hiddenLine xmlns="" xmlns:a16="http://schemas.microsoft.com/office/drawing/2014/main" xmlns:p14="http://schemas.microsoft.com/office/powerpoint/2010/main" xmlns:a14="http://schemas.microsoft.com/office/drawing/2010/main" w="9525">
+                <a14:hiddenLine xmlns:a14="http://schemas.microsoft.com/office/drawing/2010/main" xmlns:p14="http://schemas.microsoft.com/office/powerpoint/2010/main" xmlns:a16="http://schemas.microsoft.com/office/drawing/2014/main" xmlns="" w="9525">
                   <a:solidFill>
                     <a:srgbClr val="000000"/>
                   </a:solidFill>
@@ -14447,7 +14679,7 @@
             </a:ln>
             <a:extLst>
               <a:ext uri="{91240B29-F687-4f45-9708-019B960494DF}">
-                <a14:hiddenLine xmlns="" xmlns:a16="http://schemas.microsoft.com/office/drawing/2014/main" xmlns:p14="http://schemas.microsoft.com/office/powerpoint/2010/main" xmlns:a14="http://schemas.microsoft.com/office/drawing/2010/main" w="9525">
+                <a14:hiddenLine xmlns:a14="http://schemas.microsoft.com/office/drawing/2010/main" xmlns:p14="http://schemas.microsoft.com/office/powerpoint/2010/main" xmlns:a16="http://schemas.microsoft.com/office/drawing/2014/main" xmlns="" w="9525">
                   <a:solidFill>
                     <a:srgbClr val="000000"/>
                   </a:solidFill>
@@ -14531,7 +14763,7 @@
             </a:ln>
             <a:extLst>
               <a:ext uri="{91240B29-F687-4f45-9708-019B960494DF}">
-                <a14:hiddenLine xmlns="" xmlns:a16="http://schemas.microsoft.com/office/drawing/2014/main" xmlns:p14="http://schemas.microsoft.com/office/powerpoint/2010/main" xmlns:a14="http://schemas.microsoft.com/office/drawing/2010/main" w="9525">
+                <a14:hiddenLine xmlns:a14="http://schemas.microsoft.com/office/drawing/2010/main" xmlns:p14="http://schemas.microsoft.com/office/powerpoint/2010/main" xmlns:a16="http://schemas.microsoft.com/office/drawing/2014/main" xmlns="" w="9525">
                   <a:solidFill>
                     <a:srgbClr val="000000"/>
                   </a:solidFill>
@@ -14643,7 +14875,7 @@
             </a:ln>
             <a:extLst>
               <a:ext uri="{91240B29-F687-4f45-9708-019B960494DF}">
-                <a14:hiddenLine xmlns="" xmlns:a16="http://schemas.microsoft.com/office/drawing/2014/main" xmlns:p14="http://schemas.microsoft.com/office/powerpoint/2010/main" xmlns:a14="http://schemas.microsoft.com/office/drawing/2010/main" w="9525">
+                <a14:hiddenLine xmlns:a14="http://schemas.microsoft.com/office/drawing/2010/main" xmlns:p14="http://schemas.microsoft.com/office/powerpoint/2010/main" xmlns:a16="http://schemas.microsoft.com/office/drawing/2014/main" xmlns="" w="9525">
                   <a:solidFill>
                     <a:srgbClr val="000000"/>
                   </a:solidFill>
@@ -14755,7 +14987,7 @@
             </a:ln>
             <a:extLst>
               <a:ext uri="{91240B29-F687-4f45-9708-019B960494DF}">
-                <a14:hiddenLine xmlns="" xmlns:a16="http://schemas.microsoft.com/office/drawing/2014/main" xmlns:p14="http://schemas.microsoft.com/office/powerpoint/2010/main" xmlns:a14="http://schemas.microsoft.com/office/drawing/2010/main" w="9525">
+                <a14:hiddenLine xmlns:a14="http://schemas.microsoft.com/office/drawing/2010/main" xmlns:p14="http://schemas.microsoft.com/office/powerpoint/2010/main" xmlns:a16="http://schemas.microsoft.com/office/drawing/2014/main" xmlns="" w="9525">
                   <a:solidFill>
                     <a:srgbClr val="000000"/>
                   </a:solidFill>
@@ -14839,7 +15071,7 @@
             </a:ln>
             <a:extLst>
               <a:ext uri="{91240B29-F687-4f45-9708-019B960494DF}">
-                <a14:hiddenLine xmlns="" xmlns:a16="http://schemas.microsoft.com/office/drawing/2014/main" xmlns:p14="http://schemas.microsoft.com/office/powerpoint/2010/main" xmlns:a14="http://schemas.microsoft.com/office/drawing/2010/main" w="9525">
+                <a14:hiddenLine xmlns:a14="http://schemas.microsoft.com/office/drawing/2010/main" xmlns:p14="http://schemas.microsoft.com/office/powerpoint/2010/main" xmlns:a16="http://schemas.microsoft.com/office/drawing/2014/main" xmlns="" w="9525">
                   <a:solidFill>
                     <a:srgbClr val="000000"/>
                   </a:solidFill>
@@ -14971,7 +15203,7 @@
             </a:ln>
             <a:extLst>
               <a:ext uri="{91240B29-F687-4f45-9708-019B960494DF}">
-                <a14:hiddenLine xmlns="" xmlns:a16="http://schemas.microsoft.com/office/drawing/2014/main" xmlns:p14="http://schemas.microsoft.com/office/powerpoint/2010/main" xmlns:a14="http://schemas.microsoft.com/office/drawing/2010/main" w="9525">
+                <a14:hiddenLine xmlns:a14="http://schemas.microsoft.com/office/drawing/2010/main" xmlns:p14="http://schemas.microsoft.com/office/powerpoint/2010/main" xmlns:a16="http://schemas.microsoft.com/office/drawing/2014/main" xmlns="" w="9525">
                   <a:solidFill>
                     <a:srgbClr val="000000"/>
                   </a:solidFill>
@@ -15055,7 +15287,7 @@
             </a:ln>
             <a:extLst>
               <a:ext uri="{91240B29-F687-4f45-9708-019B960494DF}">
-                <a14:hiddenLine xmlns="" xmlns:a16="http://schemas.microsoft.com/office/drawing/2014/main" xmlns:p14="http://schemas.microsoft.com/office/powerpoint/2010/main" xmlns:a14="http://schemas.microsoft.com/office/drawing/2010/main" w="9525">
+                <a14:hiddenLine xmlns:a14="http://schemas.microsoft.com/office/drawing/2010/main" xmlns:p14="http://schemas.microsoft.com/office/powerpoint/2010/main" xmlns:a16="http://schemas.microsoft.com/office/drawing/2014/main" xmlns="" w="9525">
                   <a:solidFill>
                     <a:srgbClr val="000000"/>
                   </a:solidFill>
@@ -15167,7 +15399,7 @@
             </a:ln>
             <a:extLst>
               <a:ext uri="{91240B29-F687-4f45-9708-019B960494DF}">
-                <a14:hiddenLine xmlns="" xmlns:a16="http://schemas.microsoft.com/office/drawing/2014/main" xmlns:p14="http://schemas.microsoft.com/office/powerpoint/2010/main" xmlns:a14="http://schemas.microsoft.com/office/drawing/2010/main" w="9525">
+                <a14:hiddenLine xmlns:a14="http://schemas.microsoft.com/office/drawing/2010/main" xmlns:p14="http://schemas.microsoft.com/office/powerpoint/2010/main" xmlns:a16="http://schemas.microsoft.com/office/drawing/2014/main" xmlns="" w="9525">
                   <a:solidFill>
                     <a:srgbClr val="000000"/>
                   </a:solidFill>
@@ -15279,7 +15511,7 @@
             </a:ln>
             <a:extLst>
               <a:ext uri="{91240B29-F687-4f45-9708-019B960494DF}">
-                <a14:hiddenLine xmlns="" xmlns:a16="http://schemas.microsoft.com/office/drawing/2014/main" xmlns:p14="http://schemas.microsoft.com/office/powerpoint/2010/main" xmlns:a14="http://schemas.microsoft.com/office/drawing/2010/main" w="9525">
+                <a14:hiddenLine xmlns:a14="http://schemas.microsoft.com/office/drawing/2010/main" xmlns:p14="http://schemas.microsoft.com/office/powerpoint/2010/main" xmlns:a16="http://schemas.microsoft.com/office/drawing/2014/main" xmlns="" w="9525">
                   <a:solidFill>
                     <a:srgbClr val="000000"/>
                   </a:solidFill>
@@ -15363,7 +15595,7 @@
             </a:ln>
             <a:extLst>
               <a:ext uri="{91240B29-F687-4f45-9708-019B960494DF}">
-                <a14:hiddenLine xmlns="" xmlns:a16="http://schemas.microsoft.com/office/drawing/2014/main" xmlns:p14="http://schemas.microsoft.com/office/powerpoint/2010/main" xmlns:a14="http://schemas.microsoft.com/office/drawing/2010/main" w="9525">
+                <a14:hiddenLine xmlns:a14="http://schemas.microsoft.com/office/drawing/2010/main" xmlns:p14="http://schemas.microsoft.com/office/powerpoint/2010/main" xmlns:a16="http://schemas.microsoft.com/office/drawing/2014/main" xmlns="" w="9525">
                   <a:solidFill>
                     <a:srgbClr val="000000"/>
                   </a:solidFill>
@@ -15475,7 +15707,7 @@
             </a:ln>
             <a:extLst>
               <a:ext uri="{91240B29-F687-4f45-9708-019B960494DF}">
-                <a14:hiddenLine xmlns="" xmlns:a16="http://schemas.microsoft.com/office/drawing/2014/main" xmlns:p14="http://schemas.microsoft.com/office/powerpoint/2010/main" xmlns:a14="http://schemas.microsoft.com/office/drawing/2010/main" w="9525">
+                <a14:hiddenLine xmlns:a14="http://schemas.microsoft.com/office/drawing/2010/main" xmlns:p14="http://schemas.microsoft.com/office/powerpoint/2010/main" xmlns:a16="http://schemas.microsoft.com/office/drawing/2014/main" xmlns="" w="9525">
                   <a:solidFill>
                     <a:srgbClr val="000000"/>
                   </a:solidFill>
@@ -15587,7 +15819,7 @@
             </a:ln>
             <a:extLst>
               <a:ext uri="{91240B29-F687-4f45-9708-019B960494DF}">
-                <a14:hiddenLine xmlns="" xmlns:a16="http://schemas.microsoft.com/office/drawing/2014/main" xmlns:p14="http://schemas.microsoft.com/office/powerpoint/2010/main" xmlns:a14="http://schemas.microsoft.com/office/drawing/2010/main" w="9525">
+                <a14:hiddenLine xmlns:a14="http://schemas.microsoft.com/office/drawing/2010/main" xmlns:p14="http://schemas.microsoft.com/office/powerpoint/2010/main" xmlns:a16="http://schemas.microsoft.com/office/drawing/2014/main" xmlns="" w="9525">
                   <a:solidFill>
                     <a:srgbClr val="000000"/>
                   </a:solidFill>
@@ -15665,7 +15897,7 @@
             </a:ln>
             <a:extLst>
               <a:ext uri="{91240B29-F687-4f45-9708-019B960494DF}">
-                <a14:hiddenLine xmlns="" xmlns:a16="http://schemas.microsoft.com/office/drawing/2014/main" xmlns:p14="http://schemas.microsoft.com/office/powerpoint/2010/main" xmlns:a14="http://schemas.microsoft.com/office/drawing/2010/main" w="9525">
+                <a14:hiddenLine xmlns:a14="http://schemas.microsoft.com/office/drawing/2010/main" xmlns:p14="http://schemas.microsoft.com/office/powerpoint/2010/main" xmlns:a16="http://schemas.microsoft.com/office/drawing/2014/main" xmlns="" w="9525">
                   <a:solidFill>
                     <a:srgbClr val="000000"/>
                   </a:solidFill>
@@ -15777,7 +16009,7 @@
             </a:ln>
             <a:extLst>
               <a:ext uri="{91240B29-F687-4f45-9708-019B960494DF}">
-                <a14:hiddenLine xmlns="" xmlns:a16="http://schemas.microsoft.com/office/drawing/2014/main" xmlns:p14="http://schemas.microsoft.com/office/powerpoint/2010/main" xmlns:a14="http://schemas.microsoft.com/office/drawing/2010/main" w="9525">
+                <a14:hiddenLine xmlns:a14="http://schemas.microsoft.com/office/drawing/2010/main" xmlns:p14="http://schemas.microsoft.com/office/powerpoint/2010/main" xmlns:a16="http://schemas.microsoft.com/office/drawing/2014/main" xmlns="" w="9525">
                   <a:solidFill>
                     <a:srgbClr val="000000"/>
                   </a:solidFill>
@@ -15855,7 +16087,7 @@
             </a:ln>
             <a:extLst>
               <a:ext uri="{91240B29-F687-4f45-9708-019B960494DF}">
-                <a14:hiddenLine xmlns="" xmlns:a16="http://schemas.microsoft.com/office/drawing/2014/main" xmlns:p14="http://schemas.microsoft.com/office/powerpoint/2010/main" xmlns:a14="http://schemas.microsoft.com/office/drawing/2010/main" w="9525">
+                <a14:hiddenLine xmlns:a14="http://schemas.microsoft.com/office/drawing/2010/main" xmlns:p14="http://schemas.microsoft.com/office/powerpoint/2010/main" xmlns:a16="http://schemas.microsoft.com/office/drawing/2014/main" xmlns="" w="9525">
                   <a:solidFill>
                     <a:srgbClr val="000000"/>
                   </a:solidFill>
@@ -15967,7 +16199,7 @@
             </a:ln>
             <a:extLst>
               <a:ext uri="{91240B29-F687-4f45-9708-019B960494DF}">
-                <a14:hiddenLine xmlns="" xmlns:a16="http://schemas.microsoft.com/office/drawing/2014/main" xmlns:p14="http://schemas.microsoft.com/office/powerpoint/2010/main" xmlns:a14="http://schemas.microsoft.com/office/drawing/2010/main" w="9525">
+                <a14:hiddenLine xmlns:a14="http://schemas.microsoft.com/office/drawing/2010/main" xmlns:p14="http://schemas.microsoft.com/office/powerpoint/2010/main" xmlns:a16="http://schemas.microsoft.com/office/drawing/2014/main" xmlns="" w="9525">
                   <a:solidFill>
                     <a:srgbClr val="000000"/>
                   </a:solidFill>
@@ -16057,7 +16289,7 @@
             </a:ln>
             <a:extLst>
               <a:ext uri="{91240B29-F687-4f45-9708-019B960494DF}">
-                <a14:hiddenLine xmlns="" xmlns:a16="http://schemas.microsoft.com/office/drawing/2014/main" xmlns:p14="http://schemas.microsoft.com/office/powerpoint/2010/main" xmlns:a14="http://schemas.microsoft.com/office/drawing/2010/main" w="9525">
+                <a14:hiddenLine xmlns:a14="http://schemas.microsoft.com/office/drawing/2010/main" xmlns:p14="http://schemas.microsoft.com/office/powerpoint/2010/main" xmlns:a16="http://schemas.microsoft.com/office/drawing/2014/main" xmlns="" w="9525">
                   <a:solidFill>
                     <a:srgbClr val="000000"/>
                   </a:solidFill>
@@ -16169,7 +16401,7 @@
             </a:ln>
             <a:extLst>
               <a:ext uri="{91240B29-F687-4f45-9708-019B960494DF}">
-                <a14:hiddenLine xmlns="" xmlns:a16="http://schemas.microsoft.com/office/drawing/2014/main" xmlns:p14="http://schemas.microsoft.com/office/powerpoint/2010/main" xmlns:a14="http://schemas.microsoft.com/office/drawing/2010/main" w="9525">
+                <a14:hiddenLine xmlns:a14="http://schemas.microsoft.com/office/drawing/2010/main" xmlns:p14="http://schemas.microsoft.com/office/powerpoint/2010/main" xmlns:a16="http://schemas.microsoft.com/office/drawing/2014/main" xmlns="" w="9525">
                   <a:solidFill>
                     <a:srgbClr val="000000"/>
                   </a:solidFill>
@@ -16259,7 +16491,7 @@
             </a:ln>
             <a:extLst>
               <a:ext uri="{91240B29-F687-4f45-9708-019B960494DF}">
-                <a14:hiddenLine xmlns="" xmlns:a16="http://schemas.microsoft.com/office/drawing/2014/main" xmlns:p14="http://schemas.microsoft.com/office/powerpoint/2010/main" xmlns:a14="http://schemas.microsoft.com/office/drawing/2010/main" w="9525">
+                <a14:hiddenLine xmlns:a14="http://schemas.microsoft.com/office/drawing/2010/main" xmlns:p14="http://schemas.microsoft.com/office/powerpoint/2010/main" xmlns:a16="http://schemas.microsoft.com/office/drawing/2014/main" xmlns="" w="9525">
                   <a:solidFill>
                     <a:srgbClr val="000000"/>
                   </a:solidFill>
@@ -16371,7 +16603,7 @@
             </a:ln>
             <a:extLst>
               <a:ext uri="{91240B29-F687-4f45-9708-019B960494DF}">
-                <a14:hiddenLine xmlns="" xmlns:a16="http://schemas.microsoft.com/office/drawing/2014/main" xmlns:p14="http://schemas.microsoft.com/office/powerpoint/2010/main" xmlns:a14="http://schemas.microsoft.com/office/drawing/2010/main" w="9525">
+                <a14:hiddenLine xmlns:a14="http://schemas.microsoft.com/office/drawing/2010/main" xmlns:p14="http://schemas.microsoft.com/office/powerpoint/2010/main" xmlns:a16="http://schemas.microsoft.com/office/drawing/2014/main" xmlns="" w="9525">
                   <a:solidFill>
                     <a:srgbClr val="000000"/>
                   </a:solidFill>
@@ -16427,7 +16659,7 @@
             </a:ln>
             <a:extLst>
               <a:ext uri="{91240B29-F687-4f45-9708-019B960494DF}">
-                <a14:hiddenLine xmlns="" xmlns:a16="http://schemas.microsoft.com/office/drawing/2014/main" xmlns:p14="http://schemas.microsoft.com/office/powerpoint/2010/main" xmlns:a14="http://schemas.microsoft.com/office/drawing/2010/main" w="9525">
+                <a14:hiddenLine xmlns:a14="http://schemas.microsoft.com/office/drawing/2010/main" xmlns:p14="http://schemas.microsoft.com/office/powerpoint/2010/main" xmlns:a16="http://schemas.microsoft.com/office/drawing/2014/main" xmlns="" w="9525">
                   <a:solidFill>
                     <a:srgbClr val="000000"/>
                   </a:solidFill>
@@ -16539,7 +16771,7 @@
             </a:ln>
             <a:extLst>
               <a:ext uri="{91240B29-F687-4f45-9708-019B960494DF}">
-                <a14:hiddenLine xmlns="" xmlns:a16="http://schemas.microsoft.com/office/drawing/2014/main" xmlns:p14="http://schemas.microsoft.com/office/powerpoint/2010/main" xmlns:a14="http://schemas.microsoft.com/office/drawing/2010/main" w="9525">
+                <a14:hiddenLine xmlns:a14="http://schemas.microsoft.com/office/drawing/2010/main" xmlns:p14="http://schemas.microsoft.com/office/powerpoint/2010/main" xmlns:a16="http://schemas.microsoft.com/office/drawing/2014/main" xmlns="" w="9525">
                   <a:solidFill>
                     <a:srgbClr val="000000"/>
                   </a:solidFill>
@@ -16623,7 +16855,7 @@
             </a:ln>
             <a:extLst>
               <a:ext uri="{91240B29-F687-4f45-9708-019B960494DF}">
-                <a14:hiddenLine xmlns="" xmlns:a16="http://schemas.microsoft.com/office/drawing/2014/main" xmlns:p14="http://schemas.microsoft.com/office/powerpoint/2010/main" xmlns:a14="http://schemas.microsoft.com/office/drawing/2010/main" w="9525">
+                <a14:hiddenLine xmlns:a14="http://schemas.microsoft.com/office/drawing/2010/main" xmlns:p14="http://schemas.microsoft.com/office/powerpoint/2010/main" xmlns:a16="http://schemas.microsoft.com/office/drawing/2014/main" xmlns="" w="9525">
                   <a:solidFill>
                     <a:srgbClr val="000000"/>
                   </a:solidFill>
@@ -16707,7 +16939,7 @@
             </a:ln>
             <a:extLst>
               <a:ext uri="{91240B29-F687-4f45-9708-019B960494DF}">
-                <a14:hiddenLine xmlns="" xmlns:a16="http://schemas.microsoft.com/office/drawing/2014/main" xmlns:p14="http://schemas.microsoft.com/office/powerpoint/2010/main" xmlns:a14="http://schemas.microsoft.com/office/drawing/2010/main" w="9525">
+                <a14:hiddenLine xmlns:a14="http://schemas.microsoft.com/office/drawing/2010/main" xmlns:p14="http://schemas.microsoft.com/office/powerpoint/2010/main" xmlns:a16="http://schemas.microsoft.com/office/drawing/2014/main" xmlns="" w="9525">
                   <a:solidFill>
                     <a:srgbClr val="000000"/>
                   </a:solidFill>
@@ -16819,7 +17051,7 @@
             </a:ln>
             <a:extLst>
               <a:ext uri="{91240B29-F687-4f45-9708-019B960494DF}">
-                <a14:hiddenLine xmlns="" xmlns:a16="http://schemas.microsoft.com/office/drawing/2014/main" xmlns:p14="http://schemas.microsoft.com/office/powerpoint/2010/main" xmlns:a14="http://schemas.microsoft.com/office/drawing/2010/main" w="9525">
+                <a14:hiddenLine xmlns:a14="http://schemas.microsoft.com/office/drawing/2010/main" xmlns:p14="http://schemas.microsoft.com/office/powerpoint/2010/main" xmlns:a16="http://schemas.microsoft.com/office/drawing/2014/main" xmlns="" w="9525">
                   <a:solidFill>
                     <a:srgbClr val="000000"/>
                   </a:solidFill>
@@ -16909,7 +17141,7 @@
             </a:ln>
             <a:extLst>
               <a:ext uri="{91240B29-F687-4f45-9708-019B960494DF}">
-                <a14:hiddenLine xmlns="" xmlns:a16="http://schemas.microsoft.com/office/drawing/2014/main" xmlns:p14="http://schemas.microsoft.com/office/powerpoint/2010/main" xmlns:a14="http://schemas.microsoft.com/office/drawing/2010/main" w="9525">
+                <a14:hiddenLine xmlns:a14="http://schemas.microsoft.com/office/drawing/2010/main" xmlns:p14="http://schemas.microsoft.com/office/powerpoint/2010/main" xmlns:a16="http://schemas.microsoft.com/office/drawing/2014/main" xmlns="" w="9525">
                   <a:solidFill>
                     <a:srgbClr val="000000"/>
                   </a:solidFill>
@@ -16993,7 +17225,7 @@
             </a:ln>
             <a:extLst>
               <a:ext uri="{91240B29-F687-4f45-9708-019B960494DF}">
-                <a14:hiddenLine xmlns="" xmlns:a16="http://schemas.microsoft.com/office/drawing/2014/main" xmlns:p14="http://schemas.microsoft.com/office/powerpoint/2010/main" xmlns:a14="http://schemas.microsoft.com/office/drawing/2010/main" w="9525">
+                <a14:hiddenLine xmlns:a14="http://schemas.microsoft.com/office/drawing/2010/main" xmlns:p14="http://schemas.microsoft.com/office/powerpoint/2010/main" xmlns:a16="http://schemas.microsoft.com/office/drawing/2014/main" xmlns="" w="9525">
                   <a:solidFill>
                     <a:srgbClr val="000000"/>
                   </a:solidFill>
@@ -17105,7 +17337,7 @@
             </a:ln>
             <a:extLst>
               <a:ext uri="{91240B29-F687-4f45-9708-019B960494DF}">
-                <a14:hiddenLine xmlns="" xmlns:a16="http://schemas.microsoft.com/office/drawing/2014/main" xmlns:p14="http://schemas.microsoft.com/office/powerpoint/2010/main" xmlns:a14="http://schemas.microsoft.com/office/drawing/2010/main" w="9525">
+                <a14:hiddenLine xmlns:a14="http://schemas.microsoft.com/office/drawing/2010/main" xmlns:p14="http://schemas.microsoft.com/office/powerpoint/2010/main" xmlns:a16="http://schemas.microsoft.com/office/drawing/2014/main" xmlns="" w="9525">
                   <a:solidFill>
                     <a:srgbClr val="000000"/>
                   </a:solidFill>
@@ -17189,7 +17421,7 @@
             </a:ln>
             <a:extLst>
               <a:ext uri="{91240B29-F687-4f45-9708-019B960494DF}">
-                <a14:hiddenLine xmlns="" xmlns:a16="http://schemas.microsoft.com/office/drawing/2014/main" xmlns:p14="http://schemas.microsoft.com/office/powerpoint/2010/main" xmlns:a14="http://schemas.microsoft.com/office/drawing/2010/main" w="9525">
+                <a14:hiddenLine xmlns:a14="http://schemas.microsoft.com/office/drawing/2010/main" xmlns:p14="http://schemas.microsoft.com/office/powerpoint/2010/main" xmlns:a16="http://schemas.microsoft.com/office/drawing/2014/main" xmlns="" w="9525">
                   <a:solidFill>
                     <a:srgbClr val="000000"/>
                   </a:solidFill>
@@ -17301,7 +17533,7 @@
             </a:ln>
             <a:extLst>
               <a:ext uri="{91240B29-F687-4f45-9708-019B960494DF}">
-                <a14:hiddenLine xmlns="" xmlns:a16="http://schemas.microsoft.com/office/drawing/2014/main" xmlns:p14="http://schemas.microsoft.com/office/powerpoint/2010/main" xmlns:a14="http://schemas.microsoft.com/office/drawing/2010/main" w="9525">
+                <a14:hiddenLine xmlns:a14="http://schemas.microsoft.com/office/drawing/2010/main" xmlns:p14="http://schemas.microsoft.com/office/powerpoint/2010/main" xmlns:a16="http://schemas.microsoft.com/office/drawing/2014/main" xmlns="" w="9525">
                   <a:solidFill>
                     <a:srgbClr val="000000"/>
                   </a:solidFill>
@@ -17385,7 +17617,7 @@
             </a:ln>
             <a:extLst>
               <a:ext uri="{91240B29-F687-4f45-9708-019B960494DF}">
-                <a14:hiddenLine xmlns="" xmlns:a16="http://schemas.microsoft.com/office/drawing/2014/main" xmlns:p14="http://schemas.microsoft.com/office/powerpoint/2010/main" xmlns:a14="http://schemas.microsoft.com/office/drawing/2010/main" w="9525">
+                <a14:hiddenLine xmlns:a14="http://schemas.microsoft.com/office/drawing/2010/main" xmlns:p14="http://schemas.microsoft.com/office/powerpoint/2010/main" xmlns:a16="http://schemas.microsoft.com/office/drawing/2014/main" xmlns="" w="9525">
                   <a:solidFill>
                     <a:srgbClr val="000000"/>
                   </a:solidFill>
@@ -17497,7 +17729,7 @@
             </a:ln>
             <a:extLst>
               <a:ext uri="{91240B29-F687-4f45-9708-019B960494DF}">
-                <a14:hiddenLine xmlns="" xmlns:a16="http://schemas.microsoft.com/office/drawing/2014/main" xmlns:p14="http://schemas.microsoft.com/office/powerpoint/2010/main" xmlns:a14="http://schemas.microsoft.com/office/drawing/2010/main" w="9525">
+                <a14:hiddenLine xmlns:a14="http://schemas.microsoft.com/office/drawing/2010/main" xmlns:p14="http://schemas.microsoft.com/office/powerpoint/2010/main" xmlns:a16="http://schemas.microsoft.com/office/drawing/2014/main" xmlns="" w="9525">
                   <a:solidFill>
                     <a:srgbClr val="000000"/>
                   </a:solidFill>
@@ -17553,7 +17785,7 @@
             </a:ln>
             <a:extLst>
               <a:ext uri="{91240B29-F687-4f45-9708-019B960494DF}">
-                <a14:hiddenLine xmlns="" xmlns:a16="http://schemas.microsoft.com/office/drawing/2014/main" xmlns:p14="http://schemas.microsoft.com/office/powerpoint/2010/main" xmlns:a14="http://schemas.microsoft.com/office/drawing/2010/main" w="9525">
+                <a14:hiddenLine xmlns:a14="http://schemas.microsoft.com/office/drawing/2010/main" xmlns:p14="http://schemas.microsoft.com/office/powerpoint/2010/main" xmlns:a16="http://schemas.microsoft.com/office/drawing/2014/main" xmlns="" w="9525">
                   <a:solidFill>
                     <a:srgbClr val="000000"/>
                   </a:solidFill>
@@ -17640,7 +17872,7 @@
             </a:ln>
             <a:extLst>
               <a:ext uri="{91240B29-F687-4f45-9708-019B960494DF}">
-                <a14:hiddenLine xmlns="" xmlns:a16="http://schemas.microsoft.com/office/drawing/2014/main" xmlns:p14="http://schemas.microsoft.com/office/powerpoint/2010/main" xmlns:a14="http://schemas.microsoft.com/office/drawing/2010/main" w="9525">
+                <a14:hiddenLine xmlns:a14="http://schemas.microsoft.com/office/drawing/2010/main" xmlns:p14="http://schemas.microsoft.com/office/powerpoint/2010/main" xmlns:a16="http://schemas.microsoft.com/office/drawing/2014/main" xmlns="" w="9525">
                   <a:solidFill>
                     <a:srgbClr val="000000"/>
                   </a:solidFill>
@@ -17752,7 +17984,7 @@
             </a:ln>
             <a:extLst>
               <a:ext uri="{91240B29-F687-4f45-9708-019B960494DF}">
-                <a14:hiddenLine xmlns="" xmlns:a16="http://schemas.microsoft.com/office/drawing/2014/main" xmlns:p14="http://schemas.microsoft.com/office/powerpoint/2010/main" xmlns:a14="http://schemas.microsoft.com/office/drawing/2010/main" w="9525">
+                <a14:hiddenLine xmlns:a14="http://schemas.microsoft.com/office/drawing/2010/main" xmlns:p14="http://schemas.microsoft.com/office/powerpoint/2010/main" xmlns:a16="http://schemas.microsoft.com/office/drawing/2014/main" xmlns="" w="9525">
                   <a:solidFill>
                     <a:srgbClr val="000000"/>
                   </a:solidFill>
@@ -17836,7 +18068,7 @@
             </a:ln>
             <a:extLst>
               <a:ext uri="{91240B29-F687-4f45-9708-019B960494DF}">
-                <a14:hiddenLine xmlns="" xmlns:a16="http://schemas.microsoft.com/office/drawing/2014/main" xmlns:p14="http://schemas.microsoft.com/office/powerpoint/2010/main" xmlns:a14="http://schemas.microsoft.com/office/drawing/2010/main" w="9525">
+                <a14:hiddenLine xmlns:a14="http://schemas.microsoft.com/office/drawing/2010/main" xmlns:p14="http://schemas.microsoft.com/office/powerpoint/2010/main" xmlns:a16="http://schemas.microsoft.com/office/drawing/2014/main" xmlns="" w="9525">
                   <a:solidFill>
                     <a:srgbClr val="000000"/>
                   </a:solidFill>
@@ -17948,7 +18180,7 @@
             </a:ln>
             <a:extLst>
               <a:ext uri="{91240B29-F687-4f45-9708-019B960494DF}">
-                <a14:hiddenLine xmlns="" xmlns:a16="http://schemas.microsoft.com/office/drawing/2014/main" xmlns:p14="http://schemas.microsoft.com/office/powerpoint/2010/main" xmlns:a14="http://schemas.microsoft.com/office/drawing/2010/main" w="9525">
+                <a14:hiddenLine xmlns:a14="http://schemas.microsoft.com/office/drawing/2010/main" xmlns:p14="http://schemas.microsoft.com/office/powerpoint/2010/main" xmlns:a16="http://schemas.microsoft.com/office/drawing/2014/main" xmlns="" w="9525">
                   <a:solidFill>
                     <a:srgbClr val="000000"/>
                   </a:solidFill>
@@ -18060,7 +18292,7 @@
             </a:ln>
             <a:extLst>
               <a:ext uri="{91240B29-F687-4f45-9708-019B960494DF}">
-                <a14:hiddenLine xmlns="" xmlns:a16="http://schemas.microsoft.com/office/drawing/2014/main" xmlns:p14="http://schemas.microsoft.com/office/powerpoint/2010/main" xmlns:a14="http://schemas.microsoft.com/office/drawing/2010/main" w="9525">
+                <a14:hiddenLine xmlns:a14="http://schemas.microsoft.com/office/drawing/2010/main" xmlns:p14="http://schemas.microsoft.com/office/powerpoint/2010/main" xmlns:a16="http://schemas.microsoft.com/office/drawing/2014/main" xmlns="" w="9525">
                   <a:solidFill>
                     <a:srgbClr val="000000"/>
                   </a:solidFill>
@@ -18147,7 +18379,7 @@
             </a:ln>
             <a:extLst>
               <a:ext uri="{91240B29-F687-4f45-9708-019B960494DF}">
-                <a14:hiddenLine xmlns="" xmlns:a16="http://schemas.microsoft.com/office/drawing/2014/main" xmlns:p14="http://schemas.microsoft.com/office/powerpoint/2010/main" xmlns:a14="http://schemas.microsoft.com/office/drawing/2010/main" w="9525">
+                <a14:hiddenLine xmlns:a14="http://schemas.microsoft.com/office/drawing/2010/main" xmlns:p14="http://schemas.microsoft.com/office/powerpoint/2010/main" xmlns:a16="http://schemas.microsoft.com/office/drawing/2014/main" xmlns="" w="9525">
                   <a:solidFill>
                     <a:srgbClr val="000000"/>
                   </a:solidFill>
@@ -18231,7 +18463,7 @@
             </a:ln>
             <a:extLst>
               <a:ext uri="{91240B29-F687-4f45-9708-019B960494DF}">
-                <a14:hiddenLine xmlns="" xmlns:a16="http://schemas.microsoft.com/office/drawing/2014/main" xmlns:p14="http://schemas.microsoft.com/office/powerpoint/2010/main" xmlns:a14="http://schemas.microsoft.com/office/drawing/2010/main" w="9525">
+                <a14:hiddenLine xmlns:a14="http://schemas.microsoft.com/office/drawing/2010/main" xmlns:p14="http://schemas.microsoft.com/office/powerpoint/2010/main" xmlns:a16="http://schemas.microsoft.com/office/drawing/2014/main" xmlns="" w="9525">
                   <a:solidFill>
                     <a:srgbClr val="000000"/>
                   </a:solidFill>
@@ -18343,7 +18575,7 @@
             </a:ln>
             <a:extLst>
               <a:ext uri="{91240B29-F687-4f45-9708-019B960494DF}">
-                <a14:hiddenLine xmlns="" xmlns:a16="http://schemas.microsoft.com/office/drawing/2014/main" xmlns:p14="http://schemas.microsoft.com/office/powerpoint/2010/main" xmlns:a14="http://schemas.microsoft.com/office/drawing/2010/main" w="9525">
+                <a14:hiddenLine xmlns:a14="http://schemas.microsoft.com/office/drawing/2010/main" xmlns:p14="http://schemas.microsoft.com/office/powerpoint/2010/main" xmlns:a16="http://schemas.microsoft.com/office/drawing/2014/main" xmlns="" w="9525">
                   <a:solidFill>
                     <a:srgbClr val="000000"/>
                   </a:solidFill>
@@ -18455,7 +18687,7 @@
             </a:ln>
             <a:extLst>
               <a:ext uri="{91240B29-F687-4f45-9708-019B960494DF}">
-                <a14:hiddenLine xmlns="" xmlns:a16="http://schemas.microsoft.com/office/drawing/2014/main" xmlns:p14="http://schemas.microsoft.com/office/powerpoint/2010/main" xmlns:a14="http://schemas.microsoft.com/office/drawing/2010/main" w="9525">
+                <a14:hiddenLine xmlns:a14="http://schemas.microsoft.com/office/drawing/2010/main" xmlns:p14="http://schemas.microsoft.com/office/powerpoint/2010/main" xmlns:a16="http://schemas.microsoft.com/office/drawing/2014/main" xmlns="" w="9525">
                   <a:solidFill>
                     <a:srgbClr val="000000"/>
                   </a:solidFill>
@@ -18539,7 +18771,7 @@
             </a:ln>
             <a:extLst>
               <a:ext uri="{91240B29-F687-4f45-9708-019B960494DF}">
-                <a14:hiddenLine xmlns="" xmlns:a16="http://schemas.microsoft.com/office/drawing/2014/main" xmlns:p14="http://schemas.microsoft.com/office/powerpoint/2010/main" xmlns:a14="http://schemas.microsoft.com/office/drawing/2010/main" w="9525">
+                <a14:hiddenLine xmlns:a14="http://schemas.microsoft.com/office/drawing/2010/main" xmlns:p14="http://schemas.microsoft.com/office/powerpoint/2010/main" xmlns:a16="http://schemas.microsoft.com/office/drawing/2014/main" xmlns="" w="9525">
                   <a:solidFill>
                     <a:srgbClr val="000000"/>
                   </a:solidFill>
@@ -18681,7 +18913,7 @@
             </a:ln>
             <a:extLst>
               <a:ext uri="{91240B29-F687-4f45-9708-019B960494DF}">
-                <a14:hiddenLine xmlns="" xmlns:a16="http://schemas.microsoft.com/office/drawing/2014/main" xmlns:p14="http://schemas.microsoft.com/office/powerpoint/2010/main" xmlns:a14="http://schemas.microsoft.com/office/drawing/2010/main" w="9525">
+                <a14:hiddenLine xmlns:a14="http://schemas.microsoft.com/office/drawing/2010/main" xmlns:p14="http://schemas.microsoft.com/office/powerpoint/2010/main" xmlns:a16="http://schemas.microsoft.com/office/drawing/2014/main" xmlns="" w="9525">
                   <a:solidFill>
                     <a:srgbClr val="000000"/>
                   </a:solidFill>
@@ -18771,7 +19003,7 @@
             </a:ln>
             <a:extLst>
               <a:ext uri="{91240B29-F687-4f45-9708-019B960494DF}">
-                <a14:hiddenLine xmlns="" xmlns:a16="http://schemas.microsoft.com/office/drawing/2014/main" xmlns:p14="http://schemas.microsoft.com/office/powerpoint/2010/main" xmlns:a14="http://schemas.microsoft.com/office/drawing/2010/main" w="9525">
+                <a14:hiddenLine xmlns:a14="http://schemas.microsoft.com/office/drawing/2010/main" xmlns:p14="http://schemas.microsoft.com/office/powerpoint/2010/main" xmlns:a16="http://schemas.microsoft.com/office/drawing/2014/main" xmlns="" w="9525">
                   <a:solidFill>
                     <a:srgbClr val="000000"/>
                   </a:solidFill>
@@ -18883,7 +19115,7 @@
             </a:ln>
             <a:extLst>
               <a:ext uri="{91240B29-F687-4f45-9708-019B960494DF}">
-                <a14:hiddenLine xmlns="" xmlns:a16="http://schemas.microsoft.com/office/drawing/2014/main" xmlns:p14="http://schemas.microsoft.com/office/powerpoint/2010/main" xmlns:a14="http://schemas.microsoft.com/office/drawing/2010/main" w="9525">
+                <a14:hiddenLine xmlns:a14="http://schemas.microsoft.com/office/drawing/2010/main" xmlns:p14="http://schemas.microsoft.com/office/powerpoint/2010/main" xmlns:a16="http://schemas.microsoft.com/office/drawing/2014/main" xmlns="" w="9525">
                   <a:solidFill>
                     <a:srgbClr val="000000"/>
                   </a:solidFill>
@@ -19046,7 +19278,7 @@
             </a:ln>
             <a:extLst>
               <a:ext uri="{91240B29-F687-4f45-9708-019B960494DF}">
-                <a14:hiddenLine xmlns="" xmlns:a16="http://schemas.microsoft.com/office/drawing/2014/main" xmlns:p14="http://schemas.microsoft.com/office/powerpoint/2010/main" xmlns:a14="http://schemas.microsoft.com/office/drawing/2010/main" w="9525">
+                <a14:hiddenLine xmlns:a14="http://schemas.microsoft.com/office/drawing/2010/main" xmlns:p14="http://schemas.microsoft.com/office/powerpoint/2010/main" xmlns:a16="http://schemas.microsoft.com/office/drawing/2014/main" xmlns="" w="9525">
                   <a:solidFill>
                     <a:srgbClr val="000000"/>
                   </a:solidFill>
@@ -19158,7 +19390,7 @@
             </a:ln>
             <a:extLst>
               <a:ext uri="{91240B29-F687-4f45-9708-019B960494DF}">
-                <a14:hiddenLine xmlns="" xmlns:a16="http://schemas.microsoft.com/office/drawing/2014/main" xmlns:p14="http://schemas.microsoft.com/office/powerpoint/2010/main" xmlns:a14="http://schemas.microsoft.com/office/drawing/2010/main" w="9525">
+                <a14:hiddenLine xmlns:a14="http://schemas.microsoft.com/office/drawing/2010/main" xmlns:p14="http://schemas.microsoft.com/office/powerpoint/2010/main" xmlns:a16="http://schemas.microsoft.com/office/drawing/2014/main" xmlns="" w="9525">
                   <a:solidFill>
                     <a:srgbClr val="000000"/>
                   </a:solidFill>
@@ -19270,7 +19502,7 @@
             </a:ln>
             <a:extLst>
               <a:ext uri="{91240B29-F687-4f45-9708-019B960494DF}">
-                <a14:hiddenLine xmlns="" xmlns:a16="http://schemas.microsoft.com/office/drawing/2014/main" xmlns:p14="http://schemas.microsoft.com/office/powerpoint/2010/main" xmlns:a14="http://schemas.microsoft.com/office/drawing/2010/main" w="9525">
+                <a14:hiddenLine xmlns:a14="http://schemas.microsoft.com/office/drawing/2010/main" xmlns:p14="http://schemas.microsoft.com/office/powerpoint/2010/main" xmlns:a16="http://schemas.microsoft.com/office/drawing/2014/main" xmlns="" w="9525">
                   <a:solidFill>
                     <a:srgbClr val="000000"/>
                   </a:solidFill>
@@ -19326,7 +19558,7 @@
             </a:ln>
             <a:extLst>
               <a:ext uri="{91240B29-F687-4f45-9708-019B960494DF}">
-                <a14:hiddenLine xmlns="" xmlns:a16="http://schemas.microsoft.com/office/drawing/2014/main" xmlns:p14="http://schemas.microsoft.com/office/powerpoint/2010/main" xmlns:a14="http://schemas.microsoft.com/office/drawing/2010/main" w="9525">
+                <a14:hiddenLine xmlns:a14="http://schemas.microsoft.com/office/drawing/2010/main" xmlns:p14="http://schemas.microsoft.com/office/powerpoint/2010/main" xmlns:a16="http://schemas.microsoft.com/office/drawing/2014/main" xmlns="" w="9525">
                   <a:solidFill>
                     <a:srgbClr val="000000"/>
                   </a:solidFill>
@@ -19438,7 +19670,7 @@
             </a:ln>
             <a:extLst>
               <a:ext uri="{91240B29-F687-4f45-9708-019B960494DF}">
-                <a14:hiddenLine xmlns="" xmlns:a16="http://schemas.microsoft.com/office/drawing/2014/main" xmlns:p14="http://schemas.microsoft.com/office/powerpoint/2010/main" xmlns:a14="http://schemas.microsoft.com/office/drawing/2010/main" w="9525">
+                <a14:hiddenLine xmlns:a14="http://schemas.microsoft.com/office/drawing/2010/main" xmlns:p14="http://schemas.microsoft.com/office/powerpoint/2010/main" xmlns:a16="http://schemas.microsoft.com/office/drawing/2014/main" xmlns="" w="9525">
                   <a:solidFill>
                     <a:srgbClr val="000000"/>
                   </a:solidFill>
@@ -19522,7 +19754,7 @@
             </a:ln>
             <a:extLst>
               <a:ext uri="{91240B29-F687-4f45-9708-019B960494DF}">
-                <a14:hiddenLine xmlns="" xmlns:a16="http://schemas.microsoft.com/office/drawing/2014/main" xmlns:p14="http://schemas.microsoft.com/office/powerpoint/2010/main" xmlns:a14="http://schemas.microsoft.com/office/drawing/2010/main" w="9525">
+                <a14:hiddenLine xmlns:a14="http://schemas.microsoft.com/office/drawing/2010/main" xmlns:p14="http://schemas.microsoft.com/office/powerpoint/2010/main" xmlns:a16="http://schemas.microsoft.com/office/drawing/2014/main" xmlns="" w="9525">
                   <a:solidFill>
                     <a:srgbClr val="000000"/>
                   </a:solidFill>
@@ -19606,7 +19838,7 @@
             </a:ln>
             <a:extLst>
               <a:ext uri="{91240B29-F687-4f45-9708-019B960494DF}">
-                <a14:hiddenLine xmlns="" xmlns:a16="http://schemas.microsoft.com/office/drawing/2014/main" xmlns:p14="http://schemas.microsoft.com/office/powerpoint/2010/main" xmlns:a14="http://schemas.microsoft.com/office/drawing/2010/main" w="9525">
+                <a14:hiddenLine xmlns:a14="http://schemas.microsoft.com/office/drawing/2010/main" xmlns:p14="http://schemas.microsoft.com/office/powerpoint/2010/main" xmlns:a16="http://schemas.microsoft.com/office/drawing/2014/main" xmlns="" w="9525">
                   <a:solidFill>
                     <a:srgbClr val="000000"/>
                   </a:solidFill>
@@ -19718,7 +19950,7 @@
             </a:ln>
             <a:extLst>
               <a:ext uri="{91240B29-F687-4f45-9708-019B960494DF}">
-                <a14:hiddenLine xmlns="" xmlns:a16="http://schemas.microsoft.com/office/drawing/2014/main" xmlns:p14="http://schemas.microsoft.com/office/powerpoint/2010/main" xmlns:a14="http://schemas.microsoft.com/office/drawing/2010/main" w="9525">
+                <a14:hiddenLine xmlns:a14="http://schemas.microsoft.com/office/drawing/2010/main" xmlns:p14="http://schemas.microsoft.com/office/powerpoint/2010/main" xmlns:a16="http://schemas.microsoft.com/office/drawing/2014/main" xmlns="" w="9525">
                   <a:solidFill>
                     <a:srgbClr val="000000"/>
                   </a:solidFill>
@@ -19802,7 +20034,7 @@
             </a:ln>
             <a:extLst>
               <a:ext uri="{91240B29-F687-4f45-9708-019B960494DF}">
-                <a14:hiddenLine xmlns="" xmlns:a16="http://schemas.microsoft.com/office/drawing/2014/main" xmlns:p14="http://schemas.microsoft.com/office/powerpoint/2010/main" xmlns:a14="http://schemas.microsoft.com/office/drawing/2010/main" w="9525">
+                <a14:hiddenLine xmlns:a14="http://schemas.microsoft.com/office/drawing/2010/main" xmlns:p14="http://schemas.microsoft.com/office/powerpoint/2010/main" xmlns:a16="http://schemas.microsoft.com/office/drawing/2014/main" xmlns="" w="9525">
                   <a:solidFill>
                     <a:srgbClr val="000000"/>
                   </a:solidFill>
@@ -19886,7 +20118,7 @@
             </a:ln>
             <a:extLst>
               <a:ext uri="{91240B29-F687-4f45-9708-019B960494DF}">
-                <a14:hiddenLine xmlns="" xmlns:a16="http://schemas.microsoft.com/office/drawing/2014/main" xmlns:p14="http://schemas.microsoft.com/office/powerpoint/2010/main" xmlns:a14="http://schemas.microsoft.com/office/drawing/2010/main" w="9525">
+                <a14:hiddenLine xmlns:a14="http://schemas.microsoft.com/office/drawing/2010/main" xmlns:p14="http://schemas.microsoft.com/office/powerpoint/2010/main" xmlns:a16="http://schemas.microsoft.com/office/drawing/2014/main" xmlns="" w="9525">
                   <a:solidFill>
                     <a:srgbClr val="000000"/>
                   </a:solidFill>
@@ -19998,7 +20230,7 @@
             </a:ln>
             <a:extLst>
               <a:ext uri="{91240B29-F687-4f45-9708-019B960494DF}">
-                <a14:hiddenLine xmlns="" xmlns:a16="http://schemas.microsoft.com/office/drawing/2014/main" xmlns:p14="http://schemas.microsoft.com/office/powerpoint/2010/main" xmlns:a14="http://schemas.microsoft.com/office/drawing/2010/main" w="9525">
+                <a14:hiddenLine xmlns:a14="http://schemas.microsoft.com/office/drawing/2010/main" xmlns:p14="http://schemas.microsoft.com/office/powerpoint/2010/main" xmlns:a16="http://schemas.microsoft.com/office/drawing/2014/main" xmlns="" w="9525">
                   <a:solidFill>
                     <a:srgbClr val="000000"/>
                   </a:solidFill>
@@ -20110,7 +20342,7 @@
             </a:ln>
             <a:extLst>
               <a:ext uri="{91240B29-F687-4f45-9708-019B960494DF}">
-                <a14:hiddenLine xmlns="" xmlns:a16="http://schemas.microsoft.com/office/drawing/2014/main" xmlns:p14="http://schemas.microsoft.com/office/powerpoint/2010/main" xmlns:a14="http://schemas.microsoft.com/office/drawing/2010/main" w="9525">
+                <a14:hiddenLine xmlns:a14="http://schemas.microsoft.com/office/drawing/2010/main" xmlns:p14="http://schemas.microsoft.com/office/powerpoint/2010/main" xmlns:a16="http://schemas.microsoft.com/office/drawing/2014/main" xmlns="" w="9525">
                   <a:solidFill>
                     <a:srgbClr val="000000"/>
                   </a:solidFill>
@@ -20194,7 +20426,7 @@
             </a:ln>
             <a:extLst>
               <a:ext uri="{91240B29-F687-4f45-9708-019B960494DF}">
-                <a14:hiddenLine xmlns="" xmlns:a16="http://schemas.microsoft.com/office/drawing/2014/main" xmlns:p14="http://schemas.microsoft.com/office/powerpoint/2010/main" xmlns:a14="http://schemas.microsoft.com/office/drawing/2010/main" w="9525">
+                <a14:hiddenLine xmlns:a14="http://schemas.microsoft.com/office/drawing/2010/main" xmlns:p14="http://schemas.microsoft.com/office/powerpoint/2010/main" xmlns:a16="http://schemas.microsoft.com/office/drawing/2014/main" xmlns="" w="9525">
                   <a:solidFill>
                     <a:srgbClr val="000000"/>
                   </a:solidFill>
@@ -20326,7 +20558,7 @@
             </a:ln>
             <a:extLst>
               <a:ext uri="{91240B29-F687-4f45-9708-019B960494DF}">
-                <a14:hiddenLine xmlns="" xmlns:a16="http://schemas.microsoft.com/office/drawing/2014/main" xmlns:p14="http://schemas.microsoft.com/office/powerpoint/2010/main" xmlns:a14="http://schemas.microsoft.com/office/drawing/2010/main" w="9525">
+                <a14:hiddenLine xmlns:a14="http://schemas.microsoft.com/office/drawing/2010/main" xmlns:p14="http://schemas.microsoft.com/office/powerpoint/2010/main" xmlns:a16="http://schemas.microsoft.com/office/drawing/2014/main" xmlns="" w="9525">
                   <a:solidFill>
                     <a:srgbClr val="000000"/>
                   </a:solidFill>
@@ -20410,7 +20642,7 @@
             </a:ln>
             <a:extLst>
               <a:ext uri="{91240B29-F687-4f45-9708-019B960494DF}">
-                <a14:hiddenLine xmlns="" xmlns:a16="http://schemas.microsoft.com/office/drawing/2014/main" xmlns:p14="http://schemas.microsoft.com/office/powerpoint/2010/main" xmlns:a14="http://schemas.microsoft.com/office/drawing/2010/main" w="9525">
+                <a14:hiddenLine xmlns:a14="http://schemas.microsoft.com/office/drawing/2010/main" xmlns:p14="http://schemas.microsoft.com/office/powerpoint/2010/main" xmlns:a16="http://schemas.microsoft.com/office/drawing/2014/main" xmlns="" w="9525">
                   <a:solidFill>
                     <a:srgbClr val="000000"/>
                   </a:solidFill>
@@ -20522,7 +20754,7 @@
             </a:ln>
             <a:extLst>
               <a:ext uri="{91240B29-F687-4f45-9708-019B960494DF}">
-                <a14:hiddenLine xmlns="" xmlns:a16="http://schemas.microsoft.com/office/drawing/2014/main" xmlns:p14="http://schemas.microsoft.com/office/powerpoint/2010/main" xmlns:a14="http://schemas.microsoft.com/office/drawing/2010/main" w="9525">
+                <a14:hiddenLine xmlns:a14="http://schemas.microsoft.com/office/drawing/2010/main" xmlns:p14="http://schemas.microsoft.com/office/powerpoint/2010/main" xmlns:a16="http://schemas.microsoft.com/office/drawing/2014/main" xmlns="" w="9525">
                   <a:solidFill>
                     <a:srgbClr val="000000"/>
                   </a:solidFill>
@@ -20634,7 +20866,7 @@
             </a:ln>
             <a:extLst>
               <a:ext uri="{91240B29-F687-4f45-9708-019B960494DF}">
-                <a14:hiddenLine xmlns="" xmlns:a16="http://schemas.microsoft.com/office/drawing/2014/main" xmlns:p14="http://schemas.microsoft.com/office/powerpoint/2010/main" xmlns:a14="http://schemas.microsoft.com/office/drawing/2010/main" w="9525">
+                <a14:hiddenLine xmlns:a14="http://schemas.microsoft.com/office/drawing/2010/main" xmlns:p14="http://schemas.microsoft.com/office/powerpoint/2010/main" xmlns:a16="http://schemas.microsoft.com/office/drawing/2014/main" xmlns="" w="9525">
                   <a:solidFill>
                     <a:srgbClr val="000000"/>
                   </a:solidFill>
@@ -20718,7 +20950,7 @@
             </a:ln>
             <a:extLst>
               <a:ext uri="{91240B29-F687-4f45-9708-019B960494DF}">
-                <a14:hiddenLine xmlns="" xmlns:a16="http://schemas.microsoft.com/office/drawing/2014/main" xmlns:p14="http://schemas.microsoft.com/office/powerpoint/2010/main" xmlns:a14="http://schemas.microsoft.com/office/drawing/2010/main" w="9525">
+                <a14:hiddenLine xmlns:a14="http://schemas.microsoft.com/office/drawing/2010/main" xmlns:p14="http://schemas.microsoft.com/office/powerpoint/2010/main" xmlns:a16="http://schemas.microsoft.com/office/drawing/2014/main" xmlns="" w="9525">
                   <a:solidFill>
                     <a:srgbClr val="000000"/>
                   </a:solidFill>
@@ -20830,7 +21062,7 @@
             </a:ln>
             <a:extLst>
               <a:ext uri="{91240B29-F687-4f45-9708-019B960494DF}">
-                <a14:hiddenLine xmlns="" xmlns:a16="http://schemas.microsoft.com/office/drawing/2014/main" xmlns:p14="http://schemas.microsoft.com/office/powerpoint/2010/main" xmlns:a14="http://schemas.microsoft.com/office/drawing/2010/main" w="9525">
+                <a14:hiddenLine xmlns:a14="http://schemas.microsoft.com/office/drawing/2010/main" xmlns:p14="http://schemas.microsoft.com/office/powerpoint/2010/main" xmlns:a16="http://schemas.microsoft.com/office/drawing/2014/main" xmlns="" w="9525">
                   <a:solidFill>
                     <a:srgbClr val="000000"/>
                   </a:solidFill>
@@ -20942,7 +21174,7 @@
             </a:ln>
             <a:extLst>
               <a:ext uri="{91240B29-F687-4f45-9708-019B960494DF}">
-                <a14:hiddenLine xmlns="" xmlns:a16="http://schemas.microsoft.com/office/drawing/2014/main" xmlns:p14="http://schemas.microsoft.com/office/powerpoint/2010/main" xmlns:a14="http://schemas.microsoft.com/office/drawing/2010/main" w="9525">
+                <a14:hiddenLine xmlns:a14="http://schemas.microsoft.com/office/drawing/2010/main" xmlns:p14="http://schemas.microsoft.com/office/powerpoint/2010/main" xmlns:a16="http://schemas.microsoft.com/office/drawing/2014/main" xmlns="" w="9525">
                   <a:solidFill>
                     <a:srgbClr val="000000"/>
                   </a:solidFill>
@@ -21020,7 +21252,7 @@
             </a:ln>
             <a:extLst>
               <a:ext uri="{91240B29-F687-4f45-9708-019B960494DF}">
-                <a14:hiddenLine xmlns="" xmlns:a16="http://schemas.microsoft.com/office/drawing/2014/main" xmlns:p14="http://schemas.microsoft.com/office/powerpoint/2010/main" xmlns:a14="http://schemas.microsoft.com/office/drawing/2010/main" w="9525">
+                <a14:hiddenLine xmlns:a14="http://schemas.microsoft.com/office/drawing/2010/main" xmlns:p14="http://schemas.microsoft.com/office/powerpoint/2010/main" xmlns:a16="http://schemas.microsoft.com/office/drawing/2014/main" xmlns="" w="9525">
                   <a:solidFill>
                     <a:srgbClr val="000000"/>
                   </a:solidFill>
@@ -21132,7 +21364,7 @@
             </a:ln>
             <a:extLst>
               <a:ext uri="{91240B29-F687-4f45-9708-019B960494DF}">
-                <a14:hiddenLine xmlns="" xmlns:a16="http://schemas.microsoft.com/office/drawing/2014/main" xmlns:p14="http://schemas.microsoft.com/office/powerpoint/2010/main" xmlns:a14="http://schemas.microsoft.com/office/drawing/2010/main" w="9525">
+                <a14:hiddenLine xmlns:a14="http://schemas.microsoft.com/office/drawing/2010/main" xmlns:p14="http://schemas.microsoft.com/office/powerpoint/2010/main" xmlns:a16="http://schemas.microsoft.com/office/drawing/2014/main" xmlns="" w="9525">
                   <a:solidFill>
                     <a:srgbClr val="000000"/>
                   </a:solidFill>
@@ -21210,7 +21442,7 @@
             </a:ln>
             <a:extLst>
               <a:ext uri="{91240B29-F687-4f45-9708-019B960494DF}">
-                <a14:hiddenLine xmlns="" xmlns:a16="http://schemas.microsoft.com/office/drawing/2014/main" xmlns:p14="http://schemas.microsoft.com/office/powerpoint/2010/main" xmlns:a14="http://schemas.microsoft.com/office/drawing/2010/main" w="9525">
+                <a14:hiddenLine xmlns:a14="http://schemas.microsoft.com/office/drawing/2010/main" xmlns:p14="http://schemas.microsoft.com/office/powerpoint/2010/main" xmlns:a16="http://schemas.microsoft.com/office/drawing/2014/main" xmlns="" w="9525">
                   <a:solidFill>
                     <a:srgbClr val="000000"/>
                   </a:solidFill>
@@ -21322,7 +21554,7 @@
             </a:ln>
             <a:extLst>
               <a:ext uri="{91240B29-F687-4f45-9708-019B960494DF}">
-                <a14:hiddenLine xmlns="" xmlns:a16="http://schemas.microsoft.com/office/drawing/2014/main" xmlns:p14="http://schemas.microsoft.com/office/powerpoint/2010/main" xmlns:a14="http://schemas.microsoft.com/office/drawing/2010/main" w="9525">
+                <a14:hiddenLine xmlns:a14="http://schemas.microsoft.com/office/drawing/2010/main" xmlns:p14="http://schemas.microsoft.com/office/powerpoint/2010/main" xmlns:a16="http://schemas.microsoft.com/office/drawing/2014/main" xmlns="" w="9525">
                   <a:solidFill>
                     <a:srgbClr val="000000"/>
                   </a:solidFill>
@@ -21412,7 +21644,7 @@
             </a:ln>
             <a:extLst>
               <a:ext uri="{91240B29-F687-4f45-9708-019B960494DF}">
-                <a14:hiddenLine xmlns="" xmlns:a16="http://schemas.microsoft.com/office/drawing/2014/main" xmlns:p14="http://schemas.microsoft.com/office/powerpoint/2010/main" xmlns:a14="http://schemas.microsoft.com/office/drawing/2010/main" w="9525">
+                <a14:hiddenLine xmlns:a14="http://schemas.microsoft.com/office/drawing/2010/main" xmlns:p14="http://schemas.microsoft.com/office/powerpoint/2010/main" xmlns:a16="http://schemas.microsoft.com/office/drawing/2014/main" xmlns="" w="9525">
                   <a:solidFill>
                     <a:srgbClr val="000000"/>
                   </a:solidFill>
@@ -21524,7 +21756,7 @@
             </a:ln>
             <a:extLst>
               <a:ext uri="{91240B29-F687-4f45-9708-019B960494DF}">
-                <a14:hiddenLine xmlns="" xmlns:a16="http://schemas.microsoft.com/office/drawing/2014/main" xmlns:p14="http://schemas.microsoft.com/office/powerpoint/2010/main" xmlns:a14="http://schemas.microsoft.com/office/drawing/2010/main" w="9525">
+                <a14:hiddenLine xmlns:a14="http://schemas.microsoft.com/office/drawing/2010/main" xmlns:p14="http://schemas.microsoft.com/office/powerpoint/2010/main" xmlns:a16="http://schemas.microsoft.com/office/drawing/2014/main" xmlns="" w="9525">
                   <a:solidFill>
                     <a:srgbClr val="000000"/>
                   </a:solidFill>
@@ -21614,7 +21846,7 @@
             </a:ln>
             <a:extLst>
               <a:ext uri="{91240B29-F687-4f45-9708-019B960494DF}">
-                <a14:hiddenLine xmlns="" xmlns:a16="http://schemas.microsoft.com/office/drawing/2014/main" xmlns:p14="http://schemas.microsoft.com/office/powerpoint/2010/main" xmlns:a14="http://schemas.microsoft.com/office/drawing/2010/main" w="9525">
+                <a14:hiddenLine xmlns:a14="http://schemas.microsoft.com/office/drawing/2010/main" xmlns:p14="http://schemas.microsoft.com/office/powerpoint/2010/main" xmlns:a16="http://schemas.microsoft.com/office/drawing/2014/main" xmlns="" w="9525">
                   <a:solidFill>
                     <a:srgbClr val="000000"/>
                   </a:solidFill>
@@ -21726,7 +21958,7 @@
             </a:ln>
             <a:extLst>
               <a:ext uri="{91240B29-F687-4f45-9708-019B960494DF}">
-                <a14:hiddenLine xmlns="" xmlns:a16="http://schemas.microsoft.com/office/drawing/2014/main" xmlns:p14="http://schemas.microsoft.com/office/powerpoint/2010/main" xmlns:a14="http://schemas.microsoft.com/office/drawing/2010/main" w="9525">
+                <a14:hiddenLine xmlns:a14="http://schemas.microsoft.com/office/drawing/2010/main" xmlns:p14="http://schemas.microsoft.com/office/powerpoint/2010/main" xmlns:a16="http://schemas.microsoft.com/office/drawing/2014/main" xmlns="" w="9525">
                   <a:solidFill>
                     <a:srgbClr val="000000"/>
                   </a:solidFill>
@@ -21782,7 +22014,7 @@
             </a:ln>
             <a:extLst>
               <a:ext uri="{91240B29-F687-4f45-9708-019B960494DF}">
-                <a14:hiddenLine xmlns="" xmlns:a16="http://schemas.microsoft.com/office/drawing/2014/main" xmlns:p14="http://schemas.microsoft.com/office/powerpoint/2010/main" xmlns:a14="http://schemas.microsoft.com/office/drawing/2010/main" w="9525">
+                <a14:hiddenLine xmlns:a14="http://schemas.microsoft.com/office/drawing/2010/main" xmlns:p14="http://schemas.microsoft.com/office/powerpoint/2010/main" xmlns:a16="http://schemas.microsoft.com/office/drawing/2014/main" xmlns="" w="9525">
                   <a:solidFill>
                     <a:srgbClr val="000000"/>
                   </a:solidFill>
@@ -21894,7 +22126,7 @@
             </a:ln>
             <a:extLst>
               <a:ext uri="{91240B29-F687-4f45-9708-019B960494DF}">
-                <a14:hiddenLine xmlns="" xmlns:a16="http://schemas.microsoft.com/office/drawing/2014/main" xmlns:p14="http://schemas.microsoft.com/office/powerpoint/2010/main" xmlns:a14="http://schemas.microsoft.com/office/drawing/2010/main" w="9525">
+                <a14:hiddenLine xmlns:a14="http://schemas.microsoft.com/office/drawing/2010/main" xmlns:p14="http://schemas.microsoft.com/office/powerpoint/2010/main" xmlns:a16="http://schemas.microsoft.com/office/drawing/2014/main" xmlns="" w="9525">
                   <a:solidFill>
                     <a:srgbClr val="000000"/>
                   </a:solidFill>
@@ -21978,7 +22210,7 @@
             </a:ln>
             <a:extLst>
               <a:ext uri="{91240B29-F687-4f45-9708-019B960494DF}">
-                <a14:hiddenLine xmlns="" xmlns:a16="http://schemas.microsoft.com/office/drawing/2014/main" xmlns:p14="http://schemas.microsoft.com/office/powerpoint/2010/main" xmlns:a14="http://schemas.microsoft.com/office/drawing/2010/main" w="9525">
+                <a14:hiddenLine xmlns:a14="http://schemas.microsoft.com/office/drawing/2010/main" xmlns:p14="http://schemas.microsoft.com/office/powerpoint/2010/main" xmlns:a16="http://schemas.microsoft.com/office/drawing/2014/main" xmlns="" w="9525">
                   <a:solidFill>
                     <a:srgbClr val="000000"/>
                   </a:solidFill>
@@ -22062,7 +22294,7 @@
             </a:ln>
             <a:extLst>
               <a:ext uri="{91240B29-F687-4f45-9708-019B960494DF}">
-                <a14:hiddenLine xmlns="" xmlns:a16="http://schemas.microsoft.com/office/drawing/2014/main" xmlns:p14="http://schemas.microsoft.com/office/powerpoint/2010/main" xmlns:a14="http://schemas.microsoft.com/office/drawing/2010/main" w="9525">
+                <a14:hiddenLine xmlns:a14="http://schemas.microsoft.com/office/drawing/2010/main" xmlns:p14="http://schemas.microsoft.com/office/powerpoint/2010/main" xmlns:a16="http://schemas.microsoft.com/office/drawing/2014/main" xmlns="" w="9525">
                   <a:solidFill>
                     <a:srgbClr val="000000"/>
                   </a:solidFill>
@@ -22174,7 +22406,7 @@
             </a:ln>
             <a:extLst>
               <a:ext uri="{91240B29-F687-4f45-9708-019B960494DF}">
-                <a14:hiddenLine xmlns="" xmlns:a16="http://schemas.microsoft.com/office/drawing/2014/main" xmlns:p14="http://schemas.microsoft.com/office/powerpoint/2010/main" xmlns:a14="http://schemas.microsoft.com/office/drawing/2010/main" w="9525">
+                <a14:hiddenLine xmlns:a14="http://schemas.microsoft.com/office/drawing/2010/main" xmlns:p14="http://schemas.microsoft.com/office/powerpoint/2010/main" xmlns:a16="http://schemas.microsoft.com/office/drawing/2014/main" xmlns="" w="9525">
                   <a:solidFill>
                     <a:srgbClr val="000000"/>
                   </a:solidFill>
@@ -22264,7 +22496,7 @@
             </a:ln>
             <a:extLst>
               <a:ext uri="{91240B29-F687-4f45-9708-019B960494DF}">
-                <a14:hiddenLine xmlns="" xmlns:a16="http://schemas.microsoft.com/office/drawing/2014/main" xmlns:p14="http://schemas.microsoft.com/office/powerpoint/2010/main" xmlns:a14="http://schemas.microsoft.com/office/drawing/2010/main" w="9525">
+                <a14:hiddenLine xmlns:a14="http://schemas.microsoft.com/office/drawing/2010/main" xmlns:p14="http://schemas.microsoft.com/office/powerpoint/2010/main" xmlns:a16="http://schemas.microsoft.com/office/drawing/2014/main" xmlns="" w="9525">
                   <a:solidFill>
                     <a:srgbClr val="000000"/>
                   </a:solidFill>
@@ -22348,7 +22580,7 @@
             </a:ln>
             <a:extLst>
               <a:ext uri="{91240B29-F687-4f45-9708-019B960494DF}">
-                <a14:hiddenLine xmlns="" xmlns:a16="http://schemas.microsoft.com/office/drawing/2014/main" xmlns:p14="http://schemas.microsoft.com/office/powerpoint/2010/main" xmlns:a14="http://schemas.microsoft.com/office/drawing/2010/main" w="9525">
+                <a14:hiddenLine xmlns:a14="http://schemas.microsoft.com/office/drawing/2010/main" xmlns:p14="http://schemas.microsoft.com/office/powerpoint/2010/main" xmlns:a16="http://schemas.microsoft.com/office/drawing/2014/main" xmlns="" w="9525">
                   <a:solidFill>
                     <a:srgbClr val="000000"/>
                   </a:solidFill>
@@ -22460,7 +22692,7 @@
             </a:ln>
             <a:extLst>
               <a:ext uri="{91240B29-F687-4f45-9708-019B960494DF}">
-                <a14:hiddenLine xmlns="" xmlns:a16="http://schemas.microsoft.com/office/drawing/2014/main" xmlns:p14="http://schemas.microsoft.com/office/powerpoint/2010/main" xmlns:a14="http://schemas.microsoft.com/office/drawing/2010/main" w="9525">
+                <a14:hiddenLine xmlns:a14="http://schemas.microsoft.com/office/drawing/2010/main" xmlns:p14="http://schemas.microsoft.com/office/powerpoint/2010/main" xmlns:a16="http://schemas.microsoft.com/office/drawing/2014/main" xmlns="" w="9525">
                   <a:solidFill>
                     <a:srgbClr val="000000"/>
                   </a:solidFill>
@@ -22544,7 +22776,7 @@
             </a:ln>
             <a:extLst>
               <a:ext uri="{91240B29-F687-4f45-9708-019B960494DF}">
-                <a14:hiddenLine xmlns="" xmlns:a16="http://schemas.microsoft.com/office/drawing/2014/main" xmlns:p14="http://schemas.microsoft.com/office/powerpoint/2010/main" xmlns:a14="http://schemas.microsoft.com/office/drawing/2010/main" w="9525">
+                <a14:hiddenLine xmlns:a14="http://schemas.microsoft.com/office/drawing/2010/main" xmlns:p14="http://schemas.microsoft.com/office/powerpoint/2010/main" xmlns:a16="http://schemas.microsoft.com/office/drawing/2014/main" xmlns="" w="9525">
                   <a:solidFill>
                     <a:srgbClr val="000000"/>
                   </a:solidFill>
@@ -22656,7 +22888,7 @@
             </a:ln>
             <a:extLst>
               <a:ext uri="{91240B29-F687-4f45-9708-019B960494DF}">
-                <a14:hiddenLine xmlns="" xmlns:a16="http://schemas.microsoft.com/office/drawing/2014/main" xmlns:p14="http://schemas.microsoft.com/office/powerpoint/2010/main" xmlns:a14="http://schemas.microsoft.com/office/drawing/2010/main" w="9525">
+                <a14:hiddenLine xmlns:a14="http://schemas.microsoft.com/office/drawing/2010/main" xmlns:p14="http://schemas.microsoft.com/office/powerpoint/2010/main" xmlns:a16="http://schemas.microsoft.com/office/drawing/2014/main" xmlns="" w="9525">
                   <a:solidFill>
                     <a:srgbClr val="000000"/>
                   </a:solidFill>
@@ -22740,7 +22972,7 @@
             </a:ln>
             <a:extLst>
               <a:ext uri="{91240B29-F687-4f45-9708-019B960494DF}">
-                <a14:hiddenLine xmlns="" xmlns:a16="http://schemas.microsoft.com/office/drawing/2014/main" xmlns:p14="http://schemas.microsoft.com/office/powerpoint/2010/main" xmlns:a14="http://schemas.microsoft.com/office/drawing/2010/main" w="9525">
+                <a14:hiddenLine xmlns:a14="http://schemas.microsoft.com/office/drawing/2010/main" xmlns:p14="http://schemas.microsoft.com/office/powerpoint/2010/main" xmlns:a16="http://schemas.microsoft.com/office/drawing/2014/main" xmlns="" w="9525">
                   <a:solidFill>
                     <a:srgbClr val="000000"/>
                   </a:solidFill>
@@ -22852,7 +23084,7 @@
             </a:ln>
             <a:extLst>
               <a:ext uri="{91240B29-F687-4f45-9708-019B960494DF}">
-                <a14:hiddenLine xmlns="" xmlns:a16="http://schemas.microsoft.com/office/drawing/2014/main" xmlns:p14="http://schemas.microsoft.com/office/powerpoint/2010/main" xmlns:a14="http://schemas.microsoft.com/office/drawing/2010/main" w="9525">
+                <a14:hiddenLine xmlns:a14="http://schemas.microsoft.com/office/drawing/2010/main" xmlns:p14="http://schemas.microsoft.com/office/powerpoint/2010/main" xmlns:a16="http://schemas.microsoft.com/office/drawing/2014/main" xmlns="" w="9525">
                   <a:solidFill>
                     <a:srgbClr val="000000"/>
                   </a:solidFill>
@@ -22908,7 +23140,7 @@
             </a:ln>
             <a:extLst>
               <a:ext uri="{91240B29-F687-4f45-9708-019B960494DF}">
-                <a14:hiddenLine xmlns="" xmlns:a16="http://schemas.microsoft.com/office/drawing/2014/main" xmlns:p14="http://schemas.microsoft.com/office/powerpoint/2010/main" xmlns:a14="http://schemas.microsoft.com/office/drawing/2010/main" w="9525">
+                <a14:hiddenLine xmlns:a14="http://schemas.microsoft.com/office/drawing/2010/main" xmlns:p14="http://schemas.microsoft.com/office/powerpoint/2010/main" xmlns:a16="http://schemas.microsoft.com/office/drawing/2014/main" xmlns="" w="9525">
                   <a:solidFill>
                     <a:srgbClr val="000000"/>
                   </a:solidFill>
@@ -22995,7 +23227,7 @@
             </a:ln>
             <a:extLst>
               <a:ext uri="{91240B29-F687-4f45-9708-019B960494DF}">
-                <a14:hiddenLine xmlns="" xmlns:a16="http://schemas.microsoft.com/office/drawing/2014/main" xmlns:p14="http://schemas.microsoft.com/office/powerpoint/2010/main" xmlns:a14="http://schemas.microsoft.com/office/drawing/2010/main" w="9525">
+                <a14:hiddenLine xmlns:a14="http://schemas.microsoft.com/office/drawing/2010/main" xmlns:p14="http://schemas.microsoft.com/office/powerpoint/2010/main" xmlns:a16="http://schemas.microsoft.com/office/drawing/2014/main" xmlns="" w="9525">
                   <a:solidFill>
                     <a:srgbClr val="000000"/>
                   </a:solidFill>
@@ -23107,7 +23339,7 @@
             </a:ln>
             <a:extLst>
               <a:ext uri="{91240B29-F687-4f45-9708-019B960494DF}">
-                <a14:hiddenLine xmlns="" xmlns:a16="http://schemas.microsoft.com/office/drawing/2014/main" xmlns:p14="http://schemas.microsoft.com/office/powerpoint/2010/main" xmlns:a14="http://schemas.microsoft.com/office/drawing/2010/main" w="9525">
+                <a14:hiddenLine xmlns:a14="http://schemas.microsoft.com/office/drawing/2010/main" xmlns:p14="http://schemas.microsoft.com/office/powerpoint/2010/main" xmlns:a16="http://schemas.microsoft.com/office/drawing/2014/main" xmlns="" w="9525">
                   <a:solidFill>
                     <a:srgbClr val="000000"/>
                   </a:solidFill>
@@ -23191,7 +23423,7 @@
             </a:ln>
             <a:extLst>
               <a:ext uri="{91240B29-F687-4f45-9708-019B960494DF}">
-                <a14:hiddenLine xmlns="" xmlns:a16="http://schemas.microsoft.com/office/drawing/2014/main" xmlns:p14="http://schemas.microsoft.com/office/powerpoint/2010/main" xmlns:a14="http://schemas.microsoft.com/office/drawing/2010/main" w="9525">
+                <a14:hiddenLine xmlns:a14="http://schemas.microsoft.com/office/drawing/2010/main" xmlns:p14="http://schemas.microsoft.com/office/powerpoint/2010/main" xmlns:a16="http://schemas.microsoft.com/office/drawing/2014/main" xmlns="" w="9525">
                   <a:solidFill>
                     <a:srgbClr val="000000"/>
                   </a:solidFill>
@@ -23303,7 +23535,7 @@
             </a:ln>
             <a:extLst>
               <a:ext uri="{91240B29-F687-4f45-9708-019B960494DF}">
-                <a14:hiddenLine xmlns="" xmlns:a16="http://schemas.microsoft.com/office/drawing/2014/main" xmlns:p14="http://schemas.microsoft.com/office/powerpoint/2010/main" xmlns:a14="http://schemas.microsoft.com/office/drawing/2010/main" w="9525">
+                <a14:hiddenLine xmlns:a14="http://schemas.microsoft.com/office/drawing/2010/main" xmlns:p14="http://schemas.microsoft.com/office/powerpoint/2010/main" xmlns:a16="http://schemas.microsoft.com/office/drawing/2014/main" xmlns="" w="9525">
                   <a:solidFill>
                     <a:srgbClr val="000000"/>
                   </a:solidFill>
@@ -23415,7 +23647,7 @@
             </a:ln>
             <a:extLst>
               <a:ext uri="{91240B29-F687-4f45-9708-019B960494DF}">
-                <a14:hiddenLine xmlns="" xmlns:a16="http://schemas.microsoft.com/office/drawing/2014/main" xmlns:p14="http://schemas.microsoft.com/office/powerpoint/2010/main" xmlns:a14="http://schemas.microsoft.com/office/drawing/2010/main" w="9525">
+                <a14:hiddenLine xmlns:a14="http://schemas.microsoft.com/office/drawing/2010/main" xmlns:p14="http://schemas.microsoft.com/office/powerpoint/2010/main" xmlns:a16="http://schemas.microsoft.com/office/drawing/2014/main" xmlns="" w="9525">
                   <a:solidFill>
                     <a:srgbClr val="000000"/>
                   </a:solidFill>
@@ -23502,7 +23734,7 @@
             </a:ln>
             <a:extLst>
               <a:ext uri="{91240B29-F687-4f45-9708-019B960494DF}">
-                <a14:hiddenLine xmlns="" xmlns:a16="http://schemas.microsoft.com/office/drawing/2014/main" xmlns:p14="http://schemas.microsoft.com/office/powerpoint/2010/main" xmlns:a14="http://schemas.microsoft.com/office/drawing/2010/main" w="9525">
+                <a14:hiddenLine xmlns:a14="http://schemas.microsoft.com/office/drawing/2010/main" xmlns:p14="http://schemas.microsoft.com/office/powerpoint/2010/main" xmlns:a16="http://schemas.microsoft.com/office/drawing/2014/main" xmlns="" w="9525">
                   <a:solidFill>
                     <a:srgbClr val="000000"/>
                   </a:solidFill>
@@ -23586,7 +23818,7 @@
             </a:ln>
             <a:extLst>
               <a:ext uri="{91240B29-F687-4f45-9708-019B960494DF}">
-                <a14:hiddenLine xmlns="" xmlns:a16="http://schemas.microsoft.com/office/drawing/2014/main" xmlns:p14="http://schemas.microsoft.com/office/powerpoint/2010/main" xmlns:a14="http://schemas.microsoft.com/office/drawing/2010/main" w="9525">
+                <a14:hiddenLine xmlns:a14="http://schemas.microsoft.com/office/drawing/2010/main" xmlns:p14="http://schemas.microsoft.com/office/powerpoint/2010/main" xmlns:a16="http://schemas.microsoft.com/office/drawing/2014/main" xmlns="" w="9525">
                   <a:solidFill>
                     <a:srgbClr val="000000"/>
                   </a:solidFill>
@@ -23698,7 +23930,7 @@
             </a:ln>
             <a:extLst>
               <a:ext uri="{91240B29-F687-4f45-9708-019B960494DF}">
-                <a14:hiddenLine xmlns="" xmlns:a16="http://schemas.microsoft.com/office/drawing/2014/main" xmlns:p14="http://schemas.microsoft.com/office/powerpoint/2010/main" xmlns:a14="http://schemas.microsoft.com/office/drawing/2010/main" w="9525">
+                <a14:hiddenLine xmlns:a14="http://schemas.microsoft.com/office/drawing/2010/main" xmlns:p14="http://schemas.microsoft.com/office/powerpoint/2010/main" xmlns:a16="http://schemas.microsoft.com/office/drawing/2014/main" xmlns="" w="9525">
                   <a:solidFill>
                     <a:srgbClr val="000000"/>
                   </a:solidFill>
@@ -23810,7 +24042,7 @@
             </a:ln>
             <a:extLst>
               <a:ext uri="{91240B29-F687-4f45-9708-019B960494DF}">
-                <a14:hiddenLine xmlns="" xmlns:a16="http://schemas.microsoft.com/office/drawing/2014/main" xmlns:p14="http://schemas.microsoft.com/office/powerpoint/2010/main" xmlns:a14="http://schemas.microsoft.com/office/drawing/2010/main" w="9525">
+                <a14:hiddenLine xmlns:a14="http://schemas.microsoft.com/office/drawing/2010/main" xmlns:p14="http://schemas.microsoft.com/office/powerpoint/2010/main" xmlns:a16="http://schemas.microsoft.com/office/drawing/2014/main" xmlns="" w="9525">
                   <a:solidFill>
                     <a:srgbClr val="000000"/>
                   </a:solidFill>
@@ -23894,7 +24126,7 @@
             </a:ln>
             <a:extLst>
               <a:ext uri="{91240B29-F687-4f45-9708-019B960494DF}">
-                <a14:hiddenLine xmlns="" xmlns:a16="http://schemas.microsoft.com/office/drawing/2014/main" xmlns:p14="http://schemas.microsoft.com/office/powerpoint/2010/main" xmlns:a14="http://schemas.microsoft.com/office/drawing/2010/main" w="9525">
+                <a14:hiddenLine xmlns:a14="http://schemas.microsoft.com/office/drawing/2010/main" xmlns:p14="http://schemas.microsoft.com/office/powerpoint/2010/main" xmlns:a16="http://schemas.microsoft.com/office/drawing/2014/main" xmlns="" w="9525">
                   <a:solidFill>
                     <a:srgbClr val="000000"/>
                   </a:solidFill>
@@ -24036,7 +24268,7 @@
             </a:ln>
             <a:extLst>
               <a:ext uri="{91240B29-F687-4f45-9708-019B960494DF}">
-                <a14:hiddenLine xmlns="" xmlns:a16="http://schemas.microsoft.com/office/drawing/2014/main" xmlns:p14="http://schemas.microsoft.com/office/powerpoint/2010/main" xmlns:a14="http://schemas.microsoft.com/office/drawing/2010/main" w="9525">
+                <a14:hiddenLine xmlns:a14="http://schemas.microsoft.com/office/drawing/2010/main" xmlns:p14="http://schemas.microsoft.com/office/powerpoint/2010/main" xmlns:a16="http://schemas.microsoft.com/office/drawing/2014/main" xmlns="" w="9525">
                   <a:solidFill>
                     <a:srgbClr val="000000"/>
                   </a:solidFill>
@@ -24126,7 +24358,7 @@
             </a:ln>
             <a:extLst>
               <a:ext uri="{91240B29-F687-4f45-9708-019B960494DF}">
-                <a14:hiddenLine xmlns="" xmlns:a16="http://schemas.microsoft.com/office/drawing/2014/main" xmlns:p14="http://schemas.microsoft.com/office/powerpoint/2010/main" xmlns:a14="http://schemas.microsoft.com/office/drawing/2010/main" w="9525">
+                <a14:hiddenLine xmlns:a14="http://schemas.microsoft.com/office/drawing/2010/main" xmlns:p14="http://schemas.microsoft.com/office/powerpoint/2010/main" xmlns:a16="http://schemas.microsoft.com/office/drawing/2014/main" xmlns="" w="9525">
                   <a:solidFill>
                     <a:srgbClr val="000000"/>
                   </a:solidFill>
@@ -24238,7 +24470,7 @@
             </a:ln>
             <a:extLst>
               <a:ext uri="{91240B29-F687-4f45-9708-019B960494DF}">
-                <a14:hiddenLine xmlns="" xmlns:a16="http://schemas.microsoft.com/office/drawing/2014/main" xmlns:p14="http://schemas.microsoft.com/office/powerpoint/2010/main" xmlns:a14="http://schemas.microsoft.com/office/drawing/2010/main" w="9525">
+                <a14:hiddenLine xmlns:a14="http://schemas.microsoft.com/office/drawing/2010/main" xmlns:p14="http://schemas.microsoft.com/office/powerpoint/2010/main" xmlns:a16="http://schemas.microsoft.com/office/drawing/2014/main" xmlns="" w="9525">
                   <a:solidFill>
                     <a:srgbClr val="000000"/>
                   </a:solidFill>
@@ -24306,7 +24538,7 @@
           <a:noFill/>
           <a:extLst>
             <a:ext uri="{909E8E84-426E-40dd-AFC4-6F175D3DCCD1}">
-              <a14:hiddenFill xmlns="" xmlns:a16="http://schemas.microsoft.com/office/drawing/2014/main" xmlns:p14="http://schemas.microsoft.com/office/powerpoint/2010/main" xmlns:a14="http://schemas.microsoft.com/office/drawing/2010/main">
+              <a14:hiddenFill xmlns:a14="http://schemas.microsoft.com/office/drawing/2010/main" xmlns:p14="http://schemas.microsoft.com/office/powerpoint/2010/main" xmlns:a16="http://schemas.microsoft.com/office/drawing/2014/main" xmlns="">
                 <a:solidFill>
                   <a:srgbClr val="FFFFFF"/>
                 </a:solidFill>
@@ -25508,7 +25740,7 @@
               </a:ln>
               <a:extLst>
                 <a:ext uri="{91240B29-F687-4f45-9708-019B960494DF}">
-                  <a14:hiddenLine xmlns="" xmlns:a16="http://schemas.microsoft.com/office/drawing/2014/main" xmlns:p14="http://schemas.microsoft.com/office/powerpoint/2010/main" xmlns:a14="http://schemas.microsoft.com/office/drawing/2010/main" w="9525">
+                  <a14:hiddenLine xmlns:a14="http://schemas.microsoft.com/office/drawing/2010/main" xmlns:p14="http://schemas.microsoft.com/office/powerpoint/2010/main" xmlns:a16="http://schemas.microsoft.com/office/drawing/2014/main" xmlns="" w="9525">
                     <a:solidFill>
                       <a:srgbClr val="000000"/>
                     </a:solidFill>
@@ -25620,7 +25852,7 @@
               </a:ln>
               <a:extLst>
                 <a:ext uri="{91240B29-F687-4f45-9708-019B960494DF}">
-                  <a14:hiddenLine xmlns="" xmlns:a16="http://schemas.microsoft.com/office/drawing/2014/main" xmlns:p14="http://schemas.microsoft.com/office/powerpoint/2010/main" xmlns:a14="http://schemas.microsoft.com/office/drawing/2010/main" w="9525">
+                  <a14:hiddenLine xmlns:a14="http://schemas.microsoft.com/office/drawing/2010/main" xmlns:p14="http://schemas.microsoft.com/office/powerpoint/2010/main" xmlns:a16="http://schemas.microsoft.com/office/drawing/2014/main" xmlns="" w="9525">
                     <a:solidFill>
                       <a:srgbClr val="000000"/>
                     </a:solidFill>
@@ -25732,7 +25964,7 @@
               </a:ln>
               <a:extLst>
                 <a:ext uri="{91240B29-F687-4f45-9708-019B960494DF}">
-                  <a14:hiddenLine xmlns="" xmlns:a16="http://schemas.microsoft.com/office/drawing/2014/main" xmlns:p14="http://schemas.microsoft.com/office/powerpoint/2010/main" xmlns:a14="http://schemas.microsoft.com/office/drawing/2010/main" w="9525">
+                  <a14:hiddenLine xmlns:a14="http://schemas.microsoft.com/office/drawing/2010/main" xmlns:p14="http://schemas.microsoft.com/office/powerpoint/2010/main" xmlns:a16="http://schemas.microsoft.com/office/drawing/2014/main" xmlns="" w="9525">
                     <a:solidFill>
                       <a:srgbClr val="000000"/>
                     </a:solidFill>
@@ -25816,7 +26048,7 @@
               </a:ln>
               <a:extLst>
                 <a:ext uri="{91240B29-F687-4f45-9708-019B960494DF}">
-                  <a14:hiddenLine xmlns="" xmlns:a16="http://schemas.microsoft.com/office/drawing/2014/main" xmlns:p14="http://schemas.microsoft.com/office/powerpoint/2010/main" xmlns:a14="http://schemas.microsoft.com/office/drawing/2010/main" w="9525">
+                  <a14:hiddenLine xmlns:a14="http://schemas.microsoft.com/office/drawing/2010/main" xmlns:p14="http://schemas.microsoft.com/office/powerpoint/2010/main" xmlns:a16="http://schemas.microsoft.com/office/drawing/2014/main" xmlns="" w="9525">
                     <a:solidFill>
                       <a:srgbClr val="000000"/>
                     </a:solidFill>
@@ -25928,7 +26160,7 @@
               </a:ln>
               <a:extLst>
                 <a:ext uri="{91240B29-F687-4f45-9708-019B960494DF}">
-                  <a14:hiddenLine xmlns="" xmlns:a16="http://schemas.microsoft.com/office/drawing/2014/main" xmlns:p14="http://schemas.microsoft.com/office/powerpoint/2010/main" xmlns:a14="http://schemas.microsoft.com/office/drawing/2010/main" w="9525">
+                  <a14:hiddenLine xmlns:a14="http://schemas.microsoft.com/office/drawing/2010/main" xmlns:p14="http://schemas.microsoft.com/office/powerpoint/2010/main" xmlns:a16="http://schemas.microsoft.com/office/drawing/2014/main" xmlns="" w="9525">
                     <a:solidFill>
                       <a:srgbClr val="000000"/>
                     </a:solidFill>
@@ -26012,7 +26244,7 @@
               </a:ln>
               <a:extLst>
                 <a:ext uri="{91240B29-F687-4f45-9708-019B960494DF}">
-                  <a14:hiddenLine xmlns="" xmlns:a16="http://schemas.microsoft.com/office/drawing/2014/main" xmlns:p14="http://schemas.microsoft.com/office/powerpoint/2010/main" xmlns:a14="http://schemas.microsoft.com/office/drawing/2010/main" w="9525">
+                  <a14:hiddenLine xmlns:a14="http://schemas.microsoft.com/office/drawing/2010/main" xmlns:p14="http://schemas.microsoft.com/office/powerpoint/2010/main" xmlns:a16="http://schemas.microsoft.com/office/drawing/2014/main" xmlns="" w="9525">
                     <a:solidFill>
                       <a:srgbClr val="000000"/>
                     </a:solidFill>
@@ -26096,7 +26328,7 @@
               </a:ln>
               <a:extLst>
                 <a:ext uri="{91240B29-F687-4f45-9708-019B960494DF}">
-                  <a14:hiddenLine xmlns="" xmlns:a16="http://schemas.microsoft.com/office/drawing/2014/main" xmlns:p14="http://schemas.microsoft.com/office/powerpoint/2010/main" xmlns:a14="http://schemas.microsoft.com/office/drawing/2010/main" w="9525">
+                  <a14:hiddenLine xmlns:a14="http://schemas.microsoft.com/office/drawing/2010/main" xmlns:p14="http://schemas.microsoft.com/office/powerpoint/2010/main" xmlns:a16="http://schemas.microsoft.com/office/drawing/2014/main" xmlns="" w="9525">
                     <a:solidFill>
                       <a:srgbClr val="000000"/>
                     </a:solidFill>
@@ -26208,7 +26440,7 @@
               </a:ln>
               <a:extLst>
                 <a:ext uri="{91240B29-F687-4f45-9708-019B960494DF}">
-                  <a14:hiddenLine xmlns="" xmlns:a16="http://schemas.microsoft.com/office/drawing/2014/main" xmlns:p14="http://schemas.microsoft.com/office/powerpoint/2010/main" xmlns:a14="http://schemas.microsoft.com/office/drawing/2010/main" w="9525">
+                  <a14:hiddenLine xmlns:a14="http://schemas.microsoft.com/office/drawing/2010/main" xmlns:p14="http://schemas.microsoft.com/office/powerpoint/2010/main" xmlns:a16="http://schemas.microsoft.com/office/drawing/2014/main" xmlns="" w="9525">
                     <a:solidFill>
                       <a:srgbClr val="000000"/>
                     </a:solidFill>
@@ -26320,7 +26552,7 @@
               </a:ln>
               <a:extLst>
                 <a:ext uri="{91240B29-F687-4f45-9708-019B960494DF}">
-                  <a14:hiddenLine xmlns="" xmlns:a16="http://schemas.microsoft.com/office/drawing/2014/main" xmlns:p14="http://schemas.microsoft.com/office/powerpoint/2010/main" xmlns:a14="http://schemas.microsoft.com/office/drawing/2010/main" w="9525">
+                  <a14:hiddenLine xmlns:a14="http://schemas.microsoft.com/office/drawing/2010/main" xmlns:p14="http://schemas.microsoft.com/office/powerpoint/2010/main" xmlns:a16="http://schemas.microsoft.com/office/drawing/2014/main" xmlns="" w="9525">
                     <a:solidFill>
                       <a:srgbClr val="000000"/>
                     </a:solidFill>
@@ -26404,7 +26636,7 @@
               </a:ln>
               <a:extLst>
                 <a:ext uri="{91240B29-F687-4f45-9708-019B960494DF}">
-                  <a14:hiddenLine xmlns="" xmlns:a16="http://schemas.microsoft.com/office/drawing/2014/main" xmlns:p14="http://schemas.microsoft.com/office/powerpoint/2010/main" xmlns:a14="http://schemas.microsoft.com/office/drawing/2010/main" w="9525">
+                  <a14:hiddenLine xmlns:a14="http://schemas.microsoft.com/office/drawing/2010/main" xmlns:p14="http://schemas.microsoft.com/office/powerpoint/2010/main" xmlns:a16="http://schemas.microsoft.com/office/drawing/2014/main" xmlns="" w="9525">
                     <a:solidFill>
                       <a:srgbClr val="000000"/>
                     </a:solidFill>
@@ -26536,7 +26768,7 @@
               </a:ln>
               <a:extLst>
                 <a:ext uri="{91240B29-F687-4f45-9708-019B960494DF}">
-                  <a14:hiddenLine xmlns="" xmlns:a16="http://schemas.microsoft.com/office/drawing/2014/main" xmlns:p14="http://schemas.microsoft.com/office/powerpoint/2010/main" xmlns:a14="http://schemas.microsoft.com/office/drawing/2010/main" w="9525">
+                  <a14:hiddenLine xmlns:a14="http://schemas.microsoft.com/office/drawing/2010/main" xmlns:p14="http://schemas.microsoft.com/office/powerpoint/2010/main" xmlns:a16="http://schemas.microsoft.com/office/drawing/2014/main" xmlns="" w="9525">
                     <a:solidFill>
                       <a:srgbClr val="000000"/>
                     </a:solidFill>
@@ -26664,7 +26896,7 @@
               </a:ln>
               <a:extLst>
                 <a:ext uri="{91240B29-F687-4f45-9708-019B960494DF}">
-                  <a14:hiddenLine xmlns="" xmlns:a16="http://schemas.microsoft.com/office/drawing/2014/main" xmlns:p14="http://schemas.microsoft.com/office/powerpoint/2010/main" xmlns:a14="http://schemas.microsoft.com/office/drawing/2010/main" w="9525">
+                  <a14:hiddenLine xmlns:a14="http://schemas.microsoft.com/office/drawing/2010/main" xmlns:p14="http://schemas.microsoft.com/office/powerpoint/2010/main" xmlns:a16="http://schemas.microsoft.com/office/drawing/2014/main" xmlns="" w="9525">
                     <a:solidFill>
                       <a:srgbClr val="000000"/>
                     </a:solidFill>
@@ -26748,7 +26980,7 @@
               </a:ln>
               <a:extLst>
                 <a:ext uri="{91240B29-F687-4f45-9708-019B960494DF}">
-                  <a14:hiddenLine xmlns="" xmlns:a16="http://schemas.microsoft.com/office/drawing/2014/main" xmlns:p14="http://schemas.microsoft.com/office/powerpoint/2010/main" xmlns:a14="http://schemas.microsoft.com/office/drawing/2010/main" w="9525">
+                  <a14:hiddenLine xmlns:a14="http://schemas.microsoft.com/office/drawing/2010/main" xmlns:p14="http://schemas.microsoft.com/office/powerpoint/2010/main" xmlns:a16="http://schemas.microsoft.com/office/drawing/2014/main" xmlns="" w="9525">
                     <a:solidFill>
                       <a:srgbClr val="000000"/>
                     </a:solidFill>
@@ -26832,7 +27064,7 @@
               </a:ln>
               <a:extLst>
                 <a:ext uri="{91240B29-F687-4f45-9708-019B960494DF}">
-                  <a14:hiddenLine xmlns="" xmlns:a16="http://schemas.microsoft.com/office/drawing/2014/main" xmlns:p14="http://schemas.microsoft.com/office/powerpoint/2010/main" xmlns:a14="http://schemas.microsoft.com/office/drawing/2010/main" w="9525">
+                  <a14:hiddenLine xmlns:a14="http://schemas.microsoft.com/office/drawing/2010/main" xmlns:p14="http://schemas.microsoft.com/office/powerpoint/2010/main" xmlns:a16="http://schemas.microsoft.com/office/drawing/2014/main" xmlns="" w="9525">
                     <a:solidFill>
                       <a:srgbClr val="000000"/>
                     </a:solidFill>
@@ -26944,7 +27176,7 @@
               </a:ln>
               <a:extLst>
                 <a:ext uri="{91240B29-F687-4f45-9708-019B960494DF}">
-                  <a14:hiddenLine xmlns="" xmlns:a16="http://schemas.microsoft.com/office/drawing/2014/main" xmlns:p14="http://schemas.microsoft.com/office/powerpoint/2010/main" xmlns:a14="http://schemas.microsoft.com/office/drawing/2010/main" w="9525">
+                  <a14:hiddenLine xmlns:a14="http://schemas.microsoft.com/office/drawing/2010/main" xmlns:p14="http://schemas.microsoft.com/office/powerpoint/2010/main" xmlns:a16="http://schemas.microsoft.com/office/drawing/2014/main" xmlns="" w="9525">
                     <a:solidFill>
                       <a:srgbClr val="000000"/>
                     </a:solidFill>
@@ -27000,7 +27232,7 @@
               </a:ln>
               <a:extLst>
                 <a:ext uri="{91240B29-F687-4f45-9708-019B960494DF}">
-                  <a14:hiddenLine xmlns="" xmlns:a16="http://schemas.microsoft.com/office/drawing/2014/main" xmlns:p14="http://schemas.microsoft.com/office/powerpoint/2010/main" xmlns:a14="http://schemas.microsoft.com/office/drawing/2010/main" w="9525">
+                  <a14:hiddenLine xmlns:a14="http://schemas.microsoft.com/office/drawing/2010/main" xmlns:p14="http://schemas.microsoft.com/office/powerpoint/2010/main" xmlns:a16="http://schemas.microsoft.com/office/drawing/2014/main" xmlns="" w="9525">
                     <a:solidFill>
                       <a:srgbClr val="000000"/>
                     </a:solidFill>
@@ -27087,7 +27319,7 @@
               </a:ln>
               <a:extLst>
                 <a:ext uri="{91240B29-F687-4f45-9708-019B960494DF}">
-                  <a14:hiddenLine xmlns="" xmlns:a16="http://schemas.microsoft.com/office/drawing/2014/main" xmlns:p14="http://schemas.microsoft.com/office/powerpoint/2010/main" xmlns:a14="http://schemas.microsoft.com/office/drawing/2010/main" w="9525">
+                  <a14:hiddenLine xmlns:a14="http://schemas.microsoft.com/office/drawing/2010/main" xmlns:p14="http://schemas.microsoft.com/office/powerpoint/2010/main" xmlns:a16="http://schemas.microsoft.com/office/drawing/2014/main" xmlns="" w="9525">
                     <a:solidFill>
                       <a:srgbClr val="000000"/>
                     </a:solidFill>
@@ -27199,7 +27431,7 @@
               </a:ln>
               <a:extLst>
                 <a:ext uri="{91240B29-F687-4f45-9708-019B960494DF}">
-                  <a14:hiddenLine xmlns="" xmlns:a16="http://schemas.microsoft.com/office/drawing/2014/main" xmlns:p14="http://schemas.microsoft.com/office/powerpoint/2010/main" xmlns:a14="http://schemas.microsoft.com/office/drawing/2010/main" w="9525">
+                  <a14:hiddenLine xmlns:a14="http://schemas.microsoft.com/office/drawing/2010/main" xmlns:p14="http://schemas.microsoft.com/office/powerpoint/2010/main" xmlns:a16="http://schemas.microsoft.com/office/drawing/2014/main" xmlns="" w="9525">
                     <a:solidFill>
                       <a:srgbClr val="000000"/>
                     </a:solidFill>
@@ -27283,7 +27515,7 @@
               </a:ln>
               <a:extLst>
                 <a:ext uri="{91240B29-F687-4f45-9708-019B960494DF}">
-                  <a14:hiddenLine xmlns="" xmlns:a16="http://schemas.microsoft.com/office/drawing/2014/main" xmlns:p14="http://schemas.microsoft.com/office/powerpoint/2010/main" xmlns:a14="http://schemas.microsoft.com/office/drawing/2010/main" w="9525">
+                  <a14:hiddenLine xmlns:a14="http://schemas.microsoft.com/office/drawing/2010/main" xmlns:p14="http://schemas.microsoft.com/office/powerpoint/2010/main" xmlns:a16="http://schemas.microsoft.com/office/drawing/2014/main" xmlns="" w="9525">
                     <a:solidFill>
                       <a:srgbClr val="000000"/>
                     </a:solidFill>
@@ -27395,7 +27627,7 @@
               </a:ln>
               <a:extLst>
                 <a:ext uri="{91240B29-F687-4f45-9708-019B960494DF}">
-                  <a14:hiddenLine xmlns="" xmlns:a16="http://schemas.microsoft.com/office/drawing/2014/main" xmlns:p14="http://schemas.microsoft.com/office/powerpoint/2010/main" xmlns:a14="http://schemas.microsoft.com/office/drawing/2010/main" w="9525">
+                  <a14:hiddenLine xmlns:a14="http://schemas.microsoft.com/office/drawing/2010/main" xmlns:p14="http://schemas.microsoft.com/office/powerpoint/2010/main" xmlns:a16="http://schemas.microsoft.com/office/drawing/2014/main" xmlns="" w="9525">
                     <a:solidFill>
                       <a:srgbClr val="000000"/>
                     </a:solidFill>
@@ -27482,7 +27714,7 @@
               </a:ln>
               <a:extLst>
                 <a:ext uri="{91240B29-F687-4f45-9708-019B960494DF}">
-                  <a14:hiddenLine xmlns="" xmlns:a16="http://schemas.microsoft.com/office/drawing/2014/main" xmlns:p14="http://schemas.microsoft.com/office/powerpoint/2010/main" xmlns:a14="http://schemas.microsoft.com/office/drawing/2010/main" w="9525">
+                  <a14:hiddenLine xmlns:a14="http://schemas.microsoft.com/office/drawing/2010/main" xmlns:p14="http://schemas.microsoft.com/office/powerpoint/2010/main" xmlns:a16="http://schemas.microsoft.com/office/drawing/2014/main" xmlns="" w="9525">
                     <a:solidFill>
                       <a:srgbClr val="000000"/>
                     </a:solidFill>
@@ -27566,7 +27798,7 @@
               </a:ln>
               <a:extLst>
                 <a:ext uri="{91240B29-F687-4f45-9708-019B960494DF}">
-                  <a14:hiddenLine xmlns="" xmlns:a16="http://schemas.microsoft.com/office/drawing/2014/main" xmlns:p14="http://schemas.microsoft.com/office/powerpoint/2010/main" xmlns:a14="http://schemas.microsoft.com/office/drawing/2010/main" w="9525">
+                  <a14:hiddenLine xmlns:a14="http://schemas.microsoft.com/office/drawing/2010/main" xmlns:p14="http://schemas.microsoft.com/office/powerpoint/2010/main" xmlns:a16="http://schemas.microsoft.com/office/drawing/2014/main" xmlns="" w="9525">
                     <a:solidFill>
                       <a:srgbClr val="000000"/>
                     </a:solidFill>
@@ -27678,7 +27910,7 @@
               </a:ln>
               <a:extLst>
                 <a:ext uri="{91240B29-F687-4f45-9708-019B960494DF}">
-                  <a14:hiddenLine xmlns="" xmlns:a16="http://schemas.microsoft.com/office/drawing/2014/main" xmlns:p14="http://schemas.microsoft.com/office/powerpoint/2010/main" xmlns:a14="http://schemas.microsoft.com/office/drawing/2010/main" w="9525">
+                  <a14:hiddenLine xmlns:a14="http://schemas.microsoft.com/office/drawing/2010/main" xmlns:p14="http://schemas.microsoft.com/office/powerpoint/2010/main" xmlns:a16="http://schemas.microsoft.com/office/drawing/2014/main" xmlns="" w="9525">
                     <a:solidFill>
                       <a:srgbClr val="000000"/>
                     </a:solidFill>
@@ -27790,7 +28022,7 @@
               </a:ln>
               <a:extLst>
                 <a:ext uri="{91240B29-F687-4f45-9708-019B960494DF}">
-                  <a14:hiddenLine xmlns="" xmlns:a16="http://schemas.microsoft.com/office/drawing/2014/main" xmlns:p14="http://schemas.microsoft.com/office/powerpoint/2010/main" xmlns:a14="http://schemas.microsoft.com/office/drawing/2010/main" w="9525">
+                  <a14:hiddenLine xmlns:a14="http://schemas.microsoft.com/office/drawing/2010/main" xmlns:p14="http://schemas.microsoft.com/office/powerpoint/2010/main" xmlns:a16="http://schemas.microsoft.com/office/drawing/2014/main" xmlns="" w="9525">
                     <a:solidFill>
                       <a:srgbClr val="000000"/>
                     </a:solidFill>
@@ -27877,7 +28109,7 @@
               </a:ln>
               <a:extLst>
                 <a:ext uri="{91240B29-F687-4f45-9708-019B960494DF}">
-                  <a14:hiddenLine xmlns="" xmlns:a16="http://schemas.microsoft.com/office/drawing/2014/main" xmlns:p14="http://schemas.microsoft.com/office/powerpoint/2010/main" xmlns:a14="http://schemas.microsoft.com/office/drawing/2010/main" w="9525">
+                  <a14:hiddenLine xmlns:a14="http://schemas.microsoft.com/office/drawing/2010/main" xmlns:p14="http://schemas.microsoft.com/office/powerpoint/2010/main" xmlns:a16="http://schemas.microsoft.com/office/drawing/2014/main" xmlns="" w="9525">
                     <a:solidFill>
                       <a:srgbClr val="000000"/>
                     </a:solidFill>
@@ -28019,7 +28251,7 @@
               </a:ln>
               <a:extLst>
                 <a:ext uri="{91240B29-F687-4f45-9708-019B960494DF}">
-                  <a14:hiddenLine xmlns="" xmlns:a16="http://schemas.microsoft.com/office/drawing/2014/main" xmlns:p14="http://schemas.microsoft.com/office/powerpoint/2010/main" xmlns:a14="http://schemas.microsoft.com/office/drawing/2010/main" w="9525">
+                  <a14:hiddenLine xmlns:a14="http://schemas.microsoft.com/office/drawing/2010/main" xmlns:p14="http://schemas.microsoft.com/office/powerpoint/2010/main" xmlns:a16="http://schemas.microsoft.com/office/drawing/2014/main" xmlns="" w="9525">
                     <a:solidFill>
                       <a:srgbClr val="000000"/>
                     </a:solidFill>
@@ -28151,7 +28383,7 @@
               </a:ln>
               <a:extLst>
                 <a:ext uri="{91240B29-F687-4f45-9708-019B960494DF}">
-                  <a14:hiddenLine xmlns="" xmlns:a16="http://schemas.microsoft.com/office/drawing/2014/main" xmlns:p14="http://schemas.microsoft.com/office/powerpoint/2010/main" xmlns:a14="http://schemas.microsoft.com/office/drawing/2010/main" w="9525">
+                  <a14:hiddenLine xmlns:a14="http://schemas.microsoft.com/office/drawing/2010/main" xmlns:p14="http://schemas.microsoft.com/office/powerpoint/2010/main" xmlns:a16="http://schemas.microsoft.com/office/drawing/2014/main" xmlns="" w="9525">
                     <a:solidFill>
                       <a:srgbClr val="000000"/>
                     </a:solidFill>
@@ -28288,7 +28520,7 @@
               </a:ln>
               <a:extLst>
                 <a:ext uri="{91240B29-F687-4f45-9708-019B960494DF}">
-                  <a14:hiddenLine xmlns="" xmlns:a16="http://schemas.microsoft.com/office/drawing/2014/main" xmlns:p14="http://schemas.microsoft.com/office/powerpoint/2010/main" xmlns:a14="http://schemas.microsoft.com/office/drawing/2010/main" w="9525">
+                  <a14:hiddenLine xmlns:a14="http://schemas.microsoft.com/office/drawing/2010/main" xmlns:p14="http://schemas.microsoft.com/office/powerpoint/2010/main" xmlns:a16="http://schemas.microsoft.com/office/drawing/2014/main" xmlns="" w="9525">
                     <a:solidFill>
                       <a:srgbClr val="000000"/>
                     </a:solidFill>
@@ -28400,7 +28632,7 @@
               </a:ln>
               <a:extLst>
                 <a:ext uri="{91240B29-F687-4f45-9708-019B960494DF}">
-                  <a14:hiddenLine xmlns="" xmlns:a16="http://schemas.microsoft.com/office/drawing/2014/main" xmlns:p14="http://schemas.microsoft.com/office/powerpoint/2010/main" xmlns:a14="http://schemas.microsoft.com/office/drawing/2010/main" w="9525">
+                  <a14:hiddenLine xmlns:a14="http://schemas.microsoft.com/office/drawing/2010/main" xmlns:p14="http://schemas.microsoft.com/office/powerpoint/2010/main" xmlns:a16="http://schemas.microsoft.com/office/drawing/2014/main" xmlns="" w="9525">
                     <a:solidFill>
                       <a:srgbClr val="000000"/>
                     </a:solidFill>
@@ -28487,7 +28719,7 @@
               </a:ln>
               <a:extLst>
                 <a:ext uri="{91240B29-F687-4f45-9708-019B960494DF}">
-                  <a14:hiddenLine xmlns="" xmlns:a16="http://schemas.microsoft.com/office/drawing/2014/main" xmlns:p14="http://schemas.microsoft.com/office/powerpoint/2010/main" xmlns:a14="http://schemas.microsoft.com/office/drawing/2010/main" w="9525">
+                  <a14:hiddenLine xmlns:a14="http://schemas.microsoft.com/office/drawing/2010/main" xmlns:p14="http://schemas.microsoft.com/office/powerpoint/2010/main" xmlns:a16="http://schemas.microsoft.com/office/drawing/2014/main" xmlns="" w="9525">
                     <a:solidFill>
                       <a:srgbClr val="000000"/>
                     </a:solidFill>
@@ -28599,7 +28831,7 @@
               </a:ln>
               <a:extLst>
                 <a:ext uri="{91240B29-F687-4f45-9708-019B960494DF}">
-                  <a14:hiddenLine xmlns="" xmlns:a16="http://schemas.microsoft.com/office/drawing/2014/main" xmlns:p14="http://schemas.microsoft.com/office/powerpoint/2010/main" xmlns:a14="http://schemas.microsoft.com/office/drawing/2010/main" w="9525">
+                  <a14:hiddenLine xmlns:a14="http://schemas.microsoft.com/office/drawing/2010/main" xmlns:p14="http://schemas.microsoft.com/office/powerpoint/2010/main" xmlns:a16="http://schemas.microsoft.com/office/drawing/2014/main" xmlns="" w="9525">
                     <a:solidFill>
                       <a:srgbClr val="000000"/>
                     </a:solidFill>
@@ -28689,7 +28921,7 @@
               </a:ln>
               <a:extLst>
                 <a:ext uri="{91240B29-F687-4f45-9708-019B960494DF}">
-                  <a14:hiddenLine xmlns="" xmlns:a16="http://schemas.microsoft.com/office/drawing/2014/main" xmlns:p14="http://schemas.microsoft.com/office/powerpoint/2010/main" xmlns:a14="http://schemas.microsoft.com/office/drawing/2010/main" w="9525">
+                  <a14:hiddenLine xmlns:a14="http://schemas.microsoft.com/office/drawing/2010/main" xmlns:p14="http://schemas.microsoft.com/office/powerpoint/2010/main" xmlns:a16="http://schemas.microsoft.com/office/drawing/2014/main" xmlns="" w="9525">
                     <a:solidFill>
                       <a:srgbClr val="000000"/>
                     </a:solidFill>
@@ -28801,7 +29033,7 @@
               </a:ln>
               <a:extLst>
                 <a:ext uri="{91240B29-F687-4f45-9708-019B960494DF}">
-                  <a14:hiddenLine xmlns="" xmlns:a16="http://schemas.microsoft.com/office/drawing/2014/main" xmlns:p14="http://schemas.microsoft.com/office/powerpoint/2010/main" xmlns:a14="http://schemas.microsoft.com/office/drawing/2010/main" w="9525">
+                  <a14:hiddenLine xmlns:a14="http://schemas.microsoft.com/office/drawing/2010/main" xmlns:p14="http://schemas.microsoft.com/office/powerpoint/2010/main" xmlns:a16="http://schemas.microsoft.com/office/drawing/2014/main" xmlns="" w="9525">
                     <a:solidFill>
                       <a:srgbClr val="000000"/>
                     </a:solidFill>
@@ -28891,7 +29123,7 @@
               </a:ln>
               <a:extLst>
                 <a:ext uri="{91240B29-F687-4f45-9708-019B960494DF}">
-                  <a14:hiddenLine xmlns="" xmlns:a16="http://schemas.microsoft.com/office/drawing/2014/main" xmlns:p14="http://schemas.microsoft.com/office/powerpoint/2010/main" xmlns:a14="http://schemas.microsoft.com/office/drawing/2010/main" w="9525">
+                  <a14:hiddenLine xmlns:a14="http://schemas.microsoft.com/office/drawing/2010/main" xmlns:p14="http://schemas.microsoft.com/office/powerpoint/2010/main" xmlns:a16="http://schemas.microsoft.com/office/drawing/2014/main" xmlns="" w="9525">
                     <a:solidFill>
                       <a:srgbClr val="000000"/>
                     </a:solidFill>
@@ -29003,7 +29235,7 @@
               </a:ln>
               <a:extLst>
                 <a:ext uri="{91240B29-F687-4f45-9708-019B960494DF}">
-                  <a14:hiddenLine xmlns="" xmlns:a16="http://schemas.microsoft.com/office/drawing/2014/main" xmlns:p14="http://schemas.microsoft.com/office/powerpoint/2010/main" xmlns:a14="http://schemas.microsoft.com/office/drawing/2010/main" w="9525">
+                  <a14:hiddenLine xmlns:a14="http://schemas.microsoft.com/office/drawing/2010/main" xmlns:p14="http://schemas.microsoft.com/office/powerpoint/2010/main" xmlns:a16="http://schemas.microsoft.com/office/drawing/2014/main" xmlns="" w="9525">
                     <a:solidFill>
                       <a:srgbClr val="000000"/>
                     </a:solidFill>
@@ -29059,7 +29291,7 @@
               </a:ln>
               <a:extLst>
                 <a:ext uri="{91240B29-F687-4f45-9708-019B960494DF}">
-                  <a14:hiddenLine xmlns="" xmlns:a16="http://schemas.microsoft.com/office/drawing/2014/main" xmlns:p14="http://schemas.microsoft.com/office/powerpoint/2010/main" xmlns:a14="http://schemas.microsoft.com/office/drawing/2010/main" w="9525">
+                  <a14:hiddenLine xmlns:a14="http://schemas.microsoft.com/office/drawing/2010/main" xmlns:p14="http://schemas.microsoft.com/office/powerpoint/2010/main" xmlns:a16="http://schemas.microsoft.com/office/drawing/2014/main" xmlns="" w="9525">
                     <a:solidFill>
                       <a:srgbClr val="000000"/>
                     </a:solidFill>
@@ -29128,7 +29360,7 @@
           <a:noFill/>
           <a:extLst>
             <a:ext uri="{909E8E84-426E-40dd-AFC4-6F175D3DCCD1}">
-              <a14:hiddenFill xmlns="" xmlns:a16="http://schemas.microsoft.com/office/drawing/2014/main" xmlns:p14="http://schemas.microsoft.com/office/powerpoint/2010/main" xmlns:a14="http://schemas.microsoft.com/office/drawing/2010/main">
+              <a14:hiddenFill xmlns:a14="http://schemas.microsoft.com/office/drawing/2010/main" xmlns:p14="http://schemas.microsoft.com/office/powerpoint/2010/main" xmlns:a16="http://schemas.microsoft.com/office/drawing/2014/main" xmlns="">
                 <a:solidFill>
                   <a:srgbClr val="FFFFFF"/>
                 </a:solidFill>
@@ -29449,7 +29681,7 @@
           <a:p>
             <a:r>
               <a:rPr lang="en-US" altLang="zh-TW" dirty="0"/>
-              <a:t>ex</a:t>
+              <a:t>C43SwitchCase1</a:t>
             </a:r>
             <a:endParaRPr lang="zh-TW" altLang="en-US" dirty="0"/>
           </a:p>

--- a/doc/JAVA0123.pptx
+++ b/doc/JAVA0123.pptx
@@ -5,7 +5,7 @@
     <p:sldMasterId id="2147483648" r:id="rId1"/>
   </p:sldMasterIdLst>
   <p:notesMasterIdLst>
-    <p:notesMasterId r:id="rId19"/>
+    <p:notesMasterId r:id="rId23"/>
   </p:notesMasterIdLst>
   <p:sldIdLst>
     <p:sldId id="256" r:id="rId2"/>
@@ -25,11 +25,15 @@
     <p:sldId id="302" r:id="rId16"/>
     <p:sldId id="303" r:id="rId17"/>
     <p:sldId id="304" r:id="rId18"/>
+    <p:sldId id="305" r:id="rId19"/>
+    <p:sldId id="306" r:id="rId20"/>
+    <p:sldId id="307" r:id="rId21"/>
+    <p:sldId id="308" r:id="rId22"/>
   </p:sldIdLst>
   <p:sldSz cx="12192000" cy="6858000"/>
   <p:notesSz cx="6858000" cy="9144000"/>
   <p:custDataLst>
-    <p:tags r:id="rId20"/>
+    <p:tags r:id="rId24"/>
   </p:custDataLst>
   <p:defaultTextStyle>
     <a:defPPr>
@@ -164,6 +168,10 @@
             <p14:sldId id="302"/>
             <p14:sldId id="303"/>
             <p14:sldId id="304"/>
+            <p14:sldId id="305"/>
+            <p14:sldId id="306"/>
+            <p14:sldId id="307"/>
+            <p14:sldId id="308"/>
           </p14:sldIdLst>
         </p14:section>
       </p14:sectionLst>
@@ -574,7 +582,7 @@
           <a:noFill/>
           <a:extLst>
             <a:ext uri="{909E8E84-426E-40dd-AFC4-6F175D3DCCD1}">
-              <a14:hiddenFill xmlns="" xmlns:a14="http://schemas.microsoft.com/office/drawing/2010/main">
+              <a14:hiddenFill xmlns:a14="http://schemas.microsoft.com/office/drawing/2010/main" xmlns="">
                 <a:solidFill>
                   <a:srgbClr val="FFFFFF"/>
                 </a:solidFill>
@@ -634,7 +642,7 @@
             </a:ln>
             <a:extLst>
               <a:ext uri="{91240B29-F687-4f45-9708-019B960494DF}">
-                <a14:hiddenLine xmlns="" xmlns:a14="http://schemas.microsoft.com/office/drawing/2010/main" w="9525">
+                <a14:hiddenLine xmlns:a14="http://schemas.microsoft.com/office/drawing/2010/main" xmlns="" w="9525">
                   <a:solidFill>
                     <a:srgbClr val="000000"/>
                   </a:solidFill>
@@ -731,7 +739,7 @@
             </a:ln>
             <a:extLst>
               <a:ext uri="{91240B29-F687-4f45-9708-019B960494DF}">
-                <a14:hiddenLine xmlns="" xmlns:a14="http://schemas.microsoft.com/office/drawing/2010/main" w="9525">
+                <a14:hiddenLine xmlns:a14="http://schemas.microsoft.com/office/drawing/2010/main" xmlns="" w="9525">
                   <a:solidFill>
                     <a:srgbClr val="000000"/>
                   </a:solidFill>
@@ -828,7 +836,7 @@
             </a:ln>
             <a:extLst>
               <a:ext uri="{91240B29-F687-4f45-9708-019B960494DF}">
-                <a14:hiddenLine xmlns="" xmlns:a14="http://schemas.microsoft.com/office/drawing/2010/main" w="9525">
+                <a14:hiddenLine xmlns:a14="http://schemas.microsoft.com/office/drawing/2010/main" xmlns="" w="9525">
                   <a:solidFill>
                     <a:srgbClr val="000000"/>
                   </a:solidFill>
@@ -869,7 +877,7 @@
             </a:ln>
             <a:extLst>
               <a:ext uri="{91240B29-F687-4f45-9708-019B960494DF}">
-                <a14:hiddenLine xmlns="" xmlns:a14="http://schemas.microsoft.com/office/drawing/2010/main" w="9525">
+                <a14:hiddenLine xmlns:a14="http://schemas.microsoft.com/office/drawing/2010/main" xmlns="" w="9525">
                   <a:solidFill>
                     <a:srgbClr val="000000"/>
                   </a:solidFill>
@@ -966,7 +974,7 @@
             </a:ln>
             <a:extLst>
               <a:ext uri="{91240B29-F687-4f45-9708-019B960494DF}">
-                <a14:hiddenLine xmlns="" xmlns:a14="http://schemas.microsoft.com/office/drawing/2010/main" w="9525">
+                <a14:hiddenLine xmlns:a14="http://schemas.microsoft.com/office/drawing/2010/main" xmlns="" w="9525">
                   <a:solidFill>
                     <a:srgbClr val="000000"/>
                   </a:solidFill>
@@ -1035,7 +1043,7 @@
             </a:ln>
             <a:extLst>
               <a:ext uri="{91240B29-F687-4f45-9708-019B960494DF}">
-                <a14:hiddenLine xmlns="" xmlns:a14="http://schemas.microsoft.com/office/drawing/2010/main" w="9525">
+                <a14:hiddenLine xmlns:a14="http://schemas.microsoft.com/office/drawing/2010/main" xmlns="" w="9525">
                   <a:solidFill>
                     <a:srgbClr val="000000"/>
                   </a:solidFill>
@@ -1104,7 +1112,7 @@
             </a:ln>
             <a:extLst>
               <a:ext uri="{91240B29-F687-4f45-9708-019B960494DF}">
-                <a14:hiddenLine xmlns="" xmlns:a14="http://schemas.microsoft.com/office/drawing/2010/main" w="9525">
+                <a14:hiddenLine xmlns:a14="http://schemas.microsoft.com/office/drawing/2010/main" xmlns="" w="9525">
                   <a:solidFill>
                     <a:srgbClr val="000000"/>
                   </a:solidFill>
@@ -1201,7 +1209,7 @@
             </a:ln>
             <a:extLst>
               <a:ext uri="{91240B29-F687-4f45-9708-019B960494DF}">
-                <a14:hiddenLine xmlns="" xmlns:a14="http://schemas.microsoft.com/office/drawing/2010/main" w="9525">
+                <a14:hiddenLine xmlns:a14="http://schemas.microsoft.com/office/drawing/2010/main" xmlns="" w="9525">
                   <a:solidFill>
                     <a:srgbClr val="000000"/>
                   </a:solidFill>
@@ -1270,7 +1278,7 @@
             </a:ln>
             <a:extLst>
               <a:ext uri="{91240B29-F687-4f45-9708-019B960494DF}">
-                <a14:hiddenLine xmlns="" xmlns:a14="http://schemas.microsoft.com/office/drawing/2010/main" w="9525">
+                <a14:hiddenLine xmlns:a14="http://schemas.microsoft.com/office/drawing/2010/main" xmlns="" w="9525">
                   <a:solidFill>
                     <a:srgbClr val="000000"/>
                   </a:solidFill>
@@ -1339,7 +1347,7 @@
             </a:ln>
             <a:extLst>
               <a:ext uri="{91240B29-F687-4f45-9708-019B960494DF}">
-                <a14:hiddenLine xmlns="" xmlns:a14="http://schemas.microsoft.com/office/drawing/2010/main" w="9525">
+                <a14:hiddenLine xmlns:a14="http://schemas.microsoft.com/office/drawing/2010/main" xmlns="" w="9525">
                   <a:solidFill>
                     <a:srgbClr val="000000"/>
                   </a:solidFill>
@@ -1436,7 +1444,7 @@
             </a:ln>
             <a:extLst>
               <a:ext uri="{91240B29-F687-4f45-9708-019B960494DF}">
-                <a14:hiddenLine xmlns="" xmlns:a14="http://schemas.microsoft.com/office/drawing/2010/main" w="9525">
+                <a14:hiddenLine xmlns:a14="http://schemas.microsoft.com/office/drawing/2010/main" xmlns="" w="9525">
                   <a:solidFill>
                     <a:srgbClr val="000000"/>
                   </a:solidFill>
@@ -1533,7 +1541,7 @@
             </a:ln>
             <a:extLst>
               <a:ext uri="{91240B29-F687-4f45-9708-019B960494DF}">
-                <a14:hiddenLine xmlns="" xmlns:a14="http://schemas.microsoft.com/office/drawing/2010/main" w="9525">
+                <a14:hiddenLine xmlns:a14="http://schemas.microsoft.com/office/drawing/2010/main" xmlns="" w="9525">
                   <a:solidFill>
                     <a:srgbClr val="000000"/>
                   </a:solidFill>
@@ -1602,7 +1610,7 @@
             </a:ln>
             <a:extLst>
               <a:ext uri="{91240B29-F687-4f45-9708-019B960494DF}">
-                <a14:hiddenLine xmlns="" xmlns:a14="http://schemas.microsoft.com/office/drawing/2010/main" w="9525">
+                <a14:hiddenLine xmlns:a14="http://schemas.microsoft.com/office/drawing/2010/main" xmlns="" w="9525">
                   <a:solidFill>
                     <a:srgbClr val="000000"/>
                   </a:solidFill>
@@ -1719,7 +1727,7 @@
             </a:ln>
             <a:extLst>
               <a:ext uri="{91240B29-F687-4f45-9708-019B960494DF}">
-                <a14:hiddenLine xmlns="" xmlns:a14="http://schemas.microsoft.com/office/drawing/2010/main" w="9525">
+                <a14:hiddenLine xmlns:a14="http://schemas.microsoft.com/office/drawing/2010/main" xmlns="" w="9525">
                   <a:solidFill>
                     <a:srgbClr val="000000"/>
                   </a:solidFill>
@@ -1788,7 +1796,7 @@
             </a:ln>
             <a:extLst>
               <a:ext uri="{91240B29-F687-4f45-9708-019B960494DF}">
-                <a14:hiddenLine xmlns="" xmlns:a14="http://schemas.microsoft.com/office/drawing/2010/main" w="9525">
+                <a14:hiddenLine xmlns:a14="http://schemas.microsoft.com/office/drawing/2010/main" xmlns="" w="9525">
                   <a:solidFill>
                     <a:srgbClr val="000000"/>
                   </a:solidFill>
@@ -1885,7 +1893,7 @@
             </a:ln>
             <a:extLst>
               <a:ext uri="{91240B29-F687-4f45-9708-019B960494DF}">
-                <a14:hiddenLine xmlns="" xmlns:a14="http://schemas.microsoft.com/office/drawing/2010/main" w="9525">
+                <a14:hiddenLine xmlns:a14="http://schemas.microsoft.com/office/drawing/2010/main" xmlns="" w="9525">
                   <a:solidFill>
                     <a:srgbClr val="000000"/>
                   </a:solidFill>
@@ -1982,7 +1990,7 @@
             </a:ln>
             <a:extLst>
               <a:ext uri="{91240B29-F687-4f45-9708-019B960494DF}">
-                <a14:hiddenLine xmlns="" xmlns:a14="http://schemas.microsoft.com/office/drawing/2010/main" w="9525">
+                <a14:hiddenLine xmlns:a14="http://schemas.microsoft.com/office/drawing/2010/main" xmlns="" w="9525">
                   <a:solidFill>
                     <a:srgbClr val="000000"/>
                   </a:solidFill>
@@ -2051,7 +2059,7 @@
             </a:ln>
             <a:extLst>
               <a:ext uri="{91240B29-F687-4f45-9708-019B960494DF}">
-                <a14:hiddenLine xmlns="" xmlns:a14="http://schemas.microsoft.com/office/drawing/2010/main" w="9525">
+                <a14:hiddenLine xmlns:a14="http://schemas.microsoft.com/office/drawing/2010/main" xmlns="" w="9525">
                   <a:solidFill>
                     <a:srgbClr val="000000"/>
                   </a:solidFill>
@@ -2148,7 +2156,7 @@
             </a:ln>
             <a:extLst>
               <a:ext uri="{91240B29-F687-4f45-9708-019B960494DF}">
-                <a14:hiddenLine xmlns="" xmlns:a14="http://schemas.microsoft.com/office/drawing/2010/main" w="9525">
+                <a14:hiddenLine xmlns:a14="http://schemas.microsoft.com/office/drawing/2010/main" xmlns="" w="9525">
                   <a:solidFill>
                     <a:srgbClr val="000000"/>
                   </a:solidFill>
@@ -2245,7 +2253,7 @@
             </a:ln>
             <a:extLst>
               <a:ext uri="{91240B29-F687-4f45-9708-019B960494DF}">
-                <a14:hiddenLine xmlns="" xmlns:a14="http://schemas.microsoft.com/office/drawing/2010/main" w="9525">
+                <a14:hiddenLine xmlns:a14="http://schemas.microsoft.com/office/drawing/2010/main" xmlns="" w="9525">
                   <a:solidFill>
                     <a:srgbClr val="000000"/>
                   </a:solidFill>
@@ -2308,7 +2316,7 @@
             </a:ln>
             <a:extLst>
               <a:ext uri="{91240B29-F687-4f45-9708-019B960494DF}">
-                <a14:hiddenLine xmlns="" xmlns:a14="http://schemas.microsoft.com/office/drawing/2010/main" w="9525">
+                <a14:hiddenLine xmlns:a14="http://schemas.microsoft.com/office/drawing/2010/main" xmlns="" w="9525">
                   <a:solidFill>
                     <a:srgbClr val="000000"/>
                   </a:solidFill>
@@ -2405,7 +2413,7 @@
             </a:ln>
             <a:extLst>
               <a:ext uri="{91240B29-F687-4f45-9708-019B960494DF}">
-                <a14:hiddenLine xmlns="" xmlns:a14="http://schemas.microsoft.com/office/drawing/2010/main" w="9525">
+                <a14:hiddenLine xmlns:a14="http://schemas.microsoft.com/office/drawing/2010/main" xmlns="" w="9525">
                   <a:solidFill>
                     <a:srgbClr val="000000"/>
                   </a:solidFill>
@@ -2468,7 +2476,7 @@
             </a:ln>
             <a:extLst>
               <a:ext uri="{91240B29-F687-4f45-9708-019B960494DF}">
-                <a14:hiddenLine xmlns="" xmlns:a14="http://schemas.microsoft.com/office/drawing/2010/main" w="9525">
+                <a14:hiddenLine xmlns:a14="http://schemas.microsoft.com/office/drawing/2010/main" xmlns="" w="9525">
                   <a:solidFill>
                     <a:srgbClr val="000000"/>
                   </a:solidFill>
@@ -2565,7 +2573,7 @@
             </a:ln>
             <a:extLst>
               <a:ext uri="{91240B29-F687-4f45-9708-019B960494DF}">
-                <a14:hiddenLine xmlns="" xmlns:a14="http://schemas.microsoft.com/office/drawing/2010/main" w="9525">
+                <a14:hiddenLine xmlns:a14="http://schemas.microsoft.com/office/drawing/2010/main" xmlns="" w="9525">
                   <a:solidFill>
                     <a:srgbClr val="000000"/>
                   </a:solidFill>
@@ -2640,7 +2648,7 @@
             </a:ln>
             <a:extLst>
               <a:ext uri="{91240B29-F687-4f45-9708-019B960494DF}">
-                <a14:hiddenLine xmlns="" xmlns:a14="http://schemas.microsoft.com/office/drawing/2010/main" w="9525">
+                <a14:hiddenLine xmlns:a14="http://schemas.microsoft.com/office/drawing/2010/main" xmlns="" w="9525">
                   <a:solidFill>
                     <a:srgbClr val="000000"/>
                   </a:solidFill>
@@ -2737,7 +2745,7 @@
             </a:ln>
             <a:extLst>
               <a:ext uri="{91240B29-F687-4f45-9708-019B960494DF}">
-                <a14:hiddenLine xmlns="" xmlns:a14="http://schemas.microsoft.com/office/drawing/2010/main" w="9525">
+                <a14:hiddenLine xmlns:a14="http://schemas.microsoft.com/office/drawing/2010/main" xmlns="" w="9525">
                   <a:solidFill>
                     <a:srgbClr val="000000"/>
                   </a:solidFill>
@@ -2812,7 +2820,7 @@
             </a:ln>
             <a:extLst>
               <a:ext uri="{91240B29-F687-4f45-9708-019B960494DF}">
-                <a14:hiddenLine xmlns="" xmlns:a14="http://schemas.microsoft.com/office/drawing/2010/main" w="9525">
+                <a14:hiddenLine xmlns:a14="http://schemas.microsoft.com/office/drawing/2010/main" xmlns="" w="9525">
                   <a:solidFill>
                     <a:srgbClr val="000000"/>
                   </a:solidFill>
@@ -2909,7 +2917,7 @@
             </a:ln>
             <a:extLst>
               <a:ext uri="{91240B29-F687-4f45-9708-019B960494DF}">
-                <a14:hiddenLine xmlns="" xmlns:a14="http://schemas.microsoft.com/office/drawing/2010/main" w="9525">
+                <a14:hiddenLine xmlns:a14="http://schemas.microsoft.com/office/drawing/2010/main" xmlns="" w="9525">
                   <a:solidFill>
                     <a:srgbClr val="000000"/>
                   </a:solidFill>
@@ -2950,7 +2958,7 @@
             </a:ln>
             <a:extLst>
               <a:ext uri="{91240B29-F687-4f45-9708-019B960494DF}">
-                <a14:hiddenLine xmlns="" xmlns:a14="http://schemas.microsoft.com/office/drawing/2010/main" w="9525">
+                <a14:hiddenLine xmlns:a14="http://schemas.microsoft.com/office/drawing/2010/main" xmlns="" w="9525">
                   <a:solidFill>
                     <a:srgbClr val="000000"/>
                   </a:solidFill>
@@ -3047,7 +3055,7 @@
             </a:ln>
             <a:extLst>
               <a:ext uri="{91240B29-F687-4f45-9708-019B960494DF}">
-                <a14:hiddenLine xmlns="" xmlns:a14="http://schemas.microsoft.com/office/drawing/2010/main" w="9525">
+                <a14:hiddenLine xmlns:a14="http://schemas.microsoft.com/office/drawing/2010/main" xmlns="" w="9525">
                   <a:solidFill>
                     <a:srgbClr val="000000"/>
                   </a:solidFill>
@@ -3116,7 +3124,7 @@
             </a:ln>
             <a:extLst>
               <a:ext uri="{91240B29-F687-4f45-9708-019B960494DF}">
-                <a14:hiddenLine xmlns="" xmlns:a14="http://schemas.microsoft.com/office/drawing/2010/main" w="9525">
+                <a14:hiddenLine xmlns:a14="http://schemas.microsoft.com/office/drawing/2010/main" xmlns="" w="9525">
                   <a:solidFill>
                     <a:srgbClr val="000000"/>
                   </a:solidFill>
@@ -3185,7 +3193,7 @@
             </a:ln>
             <a:extLst>
               <a:ext uri="{91240B29-F687-4f45-9708-019B960494DF}">
-                <a14:hiddenLine xmlns="" xmlns:a14="http://schemas.microsoft.com/office/drawing/2010/main" w="9525">
+                <a14:hiddenLine xmlns:a14="http://schemas.microsoft.com/office/drawing/2010/main" xmlns="" w="9525">
                   <a:solidFill>
                     <a:srgbClr val="000000"/>
                   </a:solidFill>
@@ -3282,7 +3290,7 @@
             </a:ln>
             <a:extLst>
               <a:ext uri="{91240B29-F687-4f45-9708-019B960494DF}">
-                <a14:hiddenLine xmlns="" xmlns:a14="http://schemas.microsoft.com/office/drawing/2010/main" w="9525">
+                <a14:hiddenLine xmlns:a14="http://schemas.microsoft.com/office/drawing/2010/main" xmlns="" w="9525">
                   <a:solidFill>
                     <a:srgbClr val="000000"/>
                   </a:solidFill>
@@ -3357,7 +3365,7 @@
             </a:ln>
             <a:extLst>
               <a:ext uri="{91240B29-F687-4f45-9708-019B960494DF}">
-                <a14:hiddenLine xmlns="" xmlns:a14="http://schemas.microsoft.com/office/drawing/2010/main" w="9525">
+                <a14:hiddenLine xmlns:a14="http://schemas.microsoft.com/office/drawing/2010/main" xmlns="" w="9525">
                   <a:solidFill>
                     <a:srgbClr val="000000"/>
                   </a:solidFill>
@@ -3426,7 +3434,7 @@
             </a:ln>
             <a:extLst>
               <a:ext uri="{91240B29-F687-4f45-9708-019B960494DF}">
-                <a14:hiddenLine xmlns="" xmlns:a14="http://schemas.microsoft.com/office/drawing/2010/main" w="9525">
+                <a14:hiddenLine xmlns:a14="http://schemas.microsoft.com/office/drawing/2010/main" xmlns="" w="9525">
                   <a:solidFill>
                     <a:srgbClr val="000000"/>
                   </a:solidFill>
@@ -3523,7 +3531,7 @@
             </a:ln>
             <a:extLst>
               <a:ext uri="{91240B29-F687-4f45-9708-019B960494DF}">
-                <a14:hiddenLine xmlns="" xmlns:a14="http://schemas.microsoft.com/office/drawing/2010/main" w="9525">
+                <a14:hiddenLine xmlns:a14="http://schemas.microsoft.com/office/drawing/2010/main" xmlns="" w="9525">
                   <a:solidFill>
                     <a:srgbClr val="000000"/>
                   </a:solidFill>
@@ -3592,7 +3600,7 @@
             </a:ln>
             <a:extLst>
               <a:ext uri="{91240B29-F687-4f45-9708-019B960494DF}">
-                <a14:hiddenLine xmlns="" xmlns:a14="http://schemas.microsoft.com/office/drawing/2010/main" w="9525">
+                <a14:hiddenLine xmlns:a14="http://schemas.microsoft.com/office/drawing/2010/main" xmlns="" w="9525">
                   <a:solidFill>
                     <a:srgbClr val="000000"/>
                   </a:solidFill>
@@ -3689,7 +3697,7 @@
             </a:ln>
             <a:extLst>
               <a:ext uri="{91240B29-F687-4f45-9708-019B960494DF}">
-                <a14:hiddenLine xmlns="" xmlns:a14="http://schemas.microsoft.com/office/drawing/2010/main" w="9525">
+                <a14:hiddenLine xmlns:a14="http://schemas.microsoft.com/office/drawing/2010/main" xmlns="" w="9525">
                   <a:solidFill>
                     <a:srgbClr val="000000"/>
                   </a:solidFill>
@@ -3758,7 +3766,7 @@
             </a:ln>
             <a:extLst>
               <a:ext uri="{91240B29-F687-4f45-9708-019B960494DF}">
-                <a14:hiddenLine xmlns="" xmlns:a14="http://schemas.microsoft.com/office/drawing/2010/main" w="9525">
+                <a14:hiddenLine xmlns:a14="http://schemas.microsoft.com/office/drawing/2010/main" xmlns="" w="9525">
                   <a:solidFill>
                     <a:srgbClr val="000000"/>
                   </a:solidFill>
@@ -3855,7 +3863,7 @@
             </a:ln>
             <a:extLst>
               <a:ext uri="{91240B29-F687-4f45-9708-019B960494DF}">
-                <a14:hiddenLine xmlns="" xmlns:a14="http://schemas.microsoft.com/office/drawing/2010/main" w="9525">
+                <a14:hiddenLine xmlns:a14="http://schemas.microsoft.com/office/drawing/2010/main" xmlns="" w="9525">
                   <a:solidFill>
                     <a:srgbClr val="000000"/>
                   </a:solidFill>
@@ -3896,7 +3904,7 @@
             </a:ln>
             <a:extLst>
               <a:ext uri="{91240B29-F687-4f45-9708-019B960494DF}">
-                <a14:hiddenLine xmlns="" xmlns:a14="http://schemas.microsoft.com/office/drawing/2010/main" w="9525">
+                <a14:hiddenLine xmlns:a14="http://schemas.microsoft.com/office/drawing/2010/main" xmlns="" w="9525">
                   <a:solidFill>
                     <a:srgbClr val="000000"/>
                   </a:solidFill>
@@ -3968,7 +3976,7 @@
             </a:ln>
             <a:extLst>
               <a:ext uri="{91240B29-F687-4f45-9708-019B960494DF}">
-                <a14:hiddenLine xmlns="" xmlns:a14="http://schemas.microsoft.com/office/drawing/2010/main" w="9525">
+                <a14:hiddenLine xmlns:a14="http://schemas.microsoft.com/office/drawing/2010/main" xmlns="" w="9525">
                   <a:solidFill>
                     <a:srgbClr val="000000"/>
                   </a:solidFill>
@@ -4065,7 +4073,7 @@
             </a:ln>
             <a:extLst>
               <a:ext uri="{91240B29-F687-4f45-9708-019B960494DF}">
-                <a14:hiddenLine xmlns="" xmlns:a14="http://schemas.microsoft.com/office/drawing/2010/main" w="9525">
+                <a14:hiddenLine xmlns:a14="http://schemas.microsoft.com/office/drawing/2010/main" xmlns="" w="9525">
                   <a:solidFill>
                     <a:srgbClr val="000000"/>
                   </a:solidFill>
@@ -4134,7 +4142,7 @@
             </a:ln>
             <a:extLst>
               <a:ext uri="{91240B29-F687-4f45-9708-019B960494DF}">
-                <a14:hiddenLine xmlns="" xmlns:a14="http://schemas.microsoft.com/office/drawing/2010/main" w="9525">
+                <a14:hiddenLine xmlns:a14="http://schemas.microsoft.com/office/drawing/2010/main" xmlns="" w="9525">
                   <a:solidFill>
                     <a:srgbClr val="000000"/>
                   </a:solidFill>
@@ -4231,7 +4239,7 @@
             </a:ln>
             <a:extLst>
               <a:ext uri="{91240B29-F687-4f45-9708-019B960494DF}">
-                <a14:hiddenLine xmlns="" xmlns:a14="http://schemas.microsoft.com/office/drawing/2010/main" w="9525">
+                <a14:hiddenLine xmlns:a14="http://schemas.microsoft.com/office/drawing/2010/main" xmlns="" w="9525">
                   <a:solidFill>
                     <a:srgbClr val="000000"/>
                   </a:solidFill>
@@ -4328,7 +4336,7 @@
             </a:ln>
             <a:extLst>
               <a:ext uri="{91240B29-F687-4f45-9708-019B960494DF}">
-                <a14:hiddenLine xmlns="" xmlns:a14="http://schemas.microsoft.com/office/drawing/2010/main" w="9525">
+                <a14:hiddenLine xmlns:a14="http://schemas.microsoft.com/office/drawing/2010/main" xmlns="" w="9525">
                   <a:solidFill>
                     <a:srgbClr val="000000"/>
                   </a:solidFill>
@@ -4400,7 +4408,7 @@
             </a:ln>
             <a:extLst>
               <a:ext uri="{91240B29-F687-4f45-9708-019B960494DF}">
-                <a14:hiddenLine xmlns="" xmlns:a14="http://schemas.microsoft.com/office/drawing/2010/main" w="9525">
+                <a14:hiddenLine xmlns:a14="http://schemas.microsoft.com/office/drawing/2010/main" xmlns="" w="9525">
                   <a:solidFill>
                     <a:srgbClr val="000000"/>
                   </a:solidFill>
@@ -4469,7 +4477,7 @@
             </a:ln>
             <a:extLst>
               <a:ext uri="{91240B29-F687-4f45-9708-019B960494DF}">
-                <a14:hiddenLine xmlns="" xmlns:a14="http://schemas.microsoft.com/office/drawing/2010/main" w="9525">
+                <a14:hiddenLine xmlns:a14="http://schemas.microsoft.com/office/drawing/2010/main" xmlns="" w="9525">
                   <a:solidFill>
                     <a:srgbClr val="000000"/>
                   </a:solidFill>
@@ -4566,7 +4574,7 @@
             </a:ln>
             <a:extLst>
               <a:ext uri="{91240B29-F687-4f45-9708-019B960494DF}">
-                <a14:hiddenLine xmlns="" xmlns:a14="http://schemas.microsoft.com/office/drawing/2010/main" w="9525">
+                <a14:hiddenLine xmlns:a14="http://schemas.microsoft.com/office/drawing/2010/main" xmlns="" w="9525">
                   <a:solidFill>
                     <a:srgbClr val="000000"/>
                   </a:solidFill>
@@ -4663,7 +4671,7 @@
             </a:ln>
             <a:extLst>
               <a:ext uri="{91240B29-F687-4f45-9708-019B960494DF}">
-                <a14:hiddenLine xmlns="" xmlns:a14="http://schemas.microsoft.com/office/drawing/2010/main" w="9525">
+                <a14:hiddenLine xmlns:a14="http://schemas.microsoft.com/office/drawing/2010/main" xmlns="" w="9525">
                   <a:solidFill>
                     <a:srgbClr val="000000"/>
                   </a:solidFill>
@@ -4732,7 +4740,7 @@
             </a:ln>
             <a:extLst>
               <a:ext uri="{91240B29-F687-4f45-9708-019B960494DF}">
-                <a14:hiddenLine xmlns="" xmlns:a14="http://schemas.microsoft.com/office/drawing/2010/main" w="9525">
+                <a14:hiddenLine xmlns:a14="http://schemas.microsoft.com/office/drawing/2010/main" xmlns="" w="9525">
                   <a:solidFill>
                     <a:srgbClr val="000000"/>
                   </a:solidFill>
@@ -4859,7 +4867,7 @@
             </a:ln>
             <a:extLst>
               <a:ext uri="{91240B29-F687-4f45-9708-019B960494DF}">
-                <a14:hiddenLine xmlns="" xmlns:a14="http://schemas.microsoft.com/office/drawing/2010/main" w="9525">
+                <a14:hiddenLine xmlns:a14="http://schemas.microsoft.com/office/drawing/2010/main" xmlns="" w="9525">
                   <a:solidFill>
                     <a:srgbClr val="000000"/>
                   </a:solidFill>
@@ -4934,7 +4942,7 @@
             </a:ln>
             <a:extLst>
               <a:ext uri="{91240B29-F687-4f45-9708-019B960494DF}">
-                <a14:hiddenLine xmlns="" xmlns:a14="http://schemas.microsoft.com/office/drawing/2010/main" w="9525">
+                <a14:hiddenLine xmlns:a14="http://schemas.microsoft.com/office/drawing/2010/main" xmlns="" w="9525">
                   <a:solidFill>
                     <a:srgbClr val="000000"/>
                   </a:solidFill>
@@ -5031,7 +5039,7 @@
             </a:ln>
             <a:extLst>
               <a:ext uri="{91240B29-F687-4f45-9708-019B960494DF}">
-                <a14:hiddenLine xmlns="" xmlns:a14="http://schemas.microsoft.com/office/drawing/2010/main" w="9525">
+                <a14:hiddenLine xmlns:a14="http://schemas.microsoft.com/office/drawing/2010/main" xmlns="" w="9525">
                   <a:solidFill>
                     <a:srgbClr val="000000"/>
                   </a:solidFill>
@@ -9760,7 +9768,7 @@
           <a:noFill/>
           <a:extLst>
             <a:ext uri="{909E8E84-426E-40dd-AFC4-6F175D3DCCD1}">
-              <a14:hiddenFill xmlns="" xmlns:a14="http://schemas.microsoft.com/office/drawing/2010/main">
+              <a14:hiddenFill xmlns:a14="http://schemas.microsoft.com/office/drawing/2010/main" xmlns="">
                 <a:solidFill>
                   <a:srgbClr val="FFFFFF"/>
                 </a:solidFill>
@@ -9834,7 +9842,7 @@
               </a:ln>
               <a:extLst>
                 <a:ext uri="{91240B29-F687-4f45-9708-019B960494DF}">
-                  <a14:hiddenLine xmlns="" xmlns:a14="http://schemas.microsoft.com/office/drawing/2010/main" w="9525">
+                  <a14:hiddenLine xmlns:a14="http://schemas.microsoft.com/office/drawing/2010/main" xmlns="" w="9525">
                     <a:solidFill>
                       <a:srgbClr val="000000"/>
                     </a:solidFill>
@@ -9931,7 +9939,7 @@
               </a:ln>
               <a:extLst>
                 <a:ext uri="{91240B29-F687-4f45-9708-019B960494DF}">
-                  <a14:hiddenLine xmlns="" xmlns:a14="http://schemas.microsoft.com/office/drawing/2010/main" w="9525">
+                  <a14:hiddenLine xmlns:a14="http://schemas.microsoft.com/office/drawing/2010/main" xmlns="" w="9525">
                     <a:solidFill>
                       <a:srgbClr val="000000"/>
                     </a:solidFill>
@@ -10028,7 +10036,7 @@
               </a:ln>
               <a:extLst>
                 <a:ext uri="{91240B29-F687-4f45-9708-019B960494DF}">
-                  <a14:hiddenLine xmlns="" xmlns:a14="http://schemas.microsoft.com/office/drawing/2010/main" w="9525">
+                  <a14:hiddenLine xmlns:a14="http://schemas.microsoft.com/office/drawing/2010/main" xmlns="" w="9525">
                     <a:solidFill>
                       <a:srgbClr val="000000"/>
                     </a:solidFill>
@@ -10097,7 +10105,7 @@
               </a:ln>
               <a:extLst>
                 <a:ext uri="{91240B29-F687-4f45-9708-019B960494DF}">
-                  <a14:hiddenLine xmlns="" xmlns:a14="http://schemas.microsoft.com/office/drawing/2010/main" w="9525">
+                  <a14:hiddenLine xmlns:a14="http://schemas.microsoft.com/office/drawing/2010/main" xmlns="" w="9525">
                     <a:solidFill>
                       <a:srgbClr val="000000"/>
                     </a:solidFill>
@@ -10194,7 +10202,7 @@
               </a:ln>
               <a:extLst>
                 <a:ext uri="{91240B29-F687-4f45-9708-019B960494DF}">
-                  <a14:hiddenLine xmlns="" xmlns:a14="http://schemas.microsoft.com/office/drawing/2010/main" w="9525">
+                  <a14:hiddenLine xmlns:a14="http://schemas.microsoft.com/office/drawing/2010/main" xmlns="" w="9525">
                     <a:solidFill>
                       <a:srgbClr val="000000"/>
                     </a:solidFill>
@@ -10263,7 +10271,7 @@
               </a:ln>
               <a:extLst>
                 <a:ext uri="{91240B29-F687-4f45-9708-019B960494DF}">
-                  <a14:hiddenLine xmlns="" xmlns:a14="http://schemas.microsoft.com/office/drawing/2010/main" w="9525">
+                  <a14:hiddenLine xmlns:a14="http://schemas.microsoft.com/office/drawing/2010/main" xmlns="" w="9525">
                     <a:solidFill>
                       <a:srgbClr val="000000"/>
                     </a:solidFill>
@@ -10332,7 +10340,7 @@
               </a:ln>
               <a:extLst>
                 <a:ext uri="{91240B29-F687-4f45-9708-019B960494DF}">
-                  <a14:hiddenLine xmlns="" xmlns:a14="http://schemas.microsoft.com/office/drawing/2010/main" w="9525">
+                  <a14:hiddenLine xmlns:a14="http://schemas.microsoft.com/office/drawing/2010/main" xmlns="" w="9525">
                     <a:solidFill>
                       <a:srgbClr val="000000"/>
                     </a:solidFill>
@@ -10429,7 +10437,7 @@
               </a:ln>
               <a:extLst>
                 <a:ext uri="{91240B29-F687-4f45-9708-019B960494DF}">
-                  <a14:hiddenLine xmlns="" xmlns:a14="http://schemas.microsoft.com/office/drawing/2010/main" w="9525">
+                  <a14:hiddenLine xmlns:a14="http://schemas.microsoft.com/office/drawing/2010/main" xmlns="" w="9525">
                     <a:solidFill>
                       <a:srgbClr val="000000"/>
                     </a:solidFill>
@@ -10526,7 +10534,7 @@
               </a:ln>
               <a:extLst>
                 <a:ext uri="{91240B29-F687-4f45-9708-019B960494DF}">
-                  <a14:hiddenLine xmlns="" xmlns:a14="http://schemas.microsoft.com/office/drawing/2010/main" w="9525">
+                  <a14:hiddenLine xmlns:a14="http://schemas.microsoft.com/office/drawing/2010/main" xmlns="" w="9525">
                     <a:solidFill>
                       <a:srgbClr val="000000"/>
                     </a:solidFill>
@@ -10595,7 +10603,7 @@
               </a:ln>
               <a:extLst>
                 <a:ext uri="{91240B29-F687-4f45-9708-019B960494DF}">
-                  <a14:hiddenLine xmlns="" xmlns:a14="http://schemas.microsoft.com/office/drawing/2010/main" w="9525">
+                  <a14:hiddenLine xmlns:a14="http://schemas.microsoft.com/office/drawing/2010/main" xmlns="" w="9525">
                     <a:solidFill>
                       <a:srgbClr val="000000"/>
                     </a:solidFill>
@@ -10712,7 +10720,7 @@
               </a:ln>
               <a:extLst>
                 <a:ext uri="{91240B29-F687-4f45-9708-019B960494DF}">
-                  <a14:hiddenLine xmlns="" xmlns:a14="http://schemas.microsoft.com/office/drawing/2010/main" w="9525">
+                  <a14:hiddenLine xmlns:a14="http://schemas.microsoft.com/office/drawing/2010/main" xmlns="" w="9525">
                     <a:solidFill>
                       <a:srgbClr val="000000"/>
                     </a:solidFill>
@@ -10810,7 +10818,7 @@
               </a:ln>
               <a:extLst>
                 <a:ext uri="{91240B29-F687-4f45-9708-019B960494DF}">
-                  <a14:hiddenLine xmlns="" xmlns:a14="http://schemas.microsoft.com/office/drawing/2010/main" w="9525">
+                  <a14:hiddenLine xmlns:a14="http://schemas.microsoft.com/office/drawing/2010/main" xmlns="" w="9525">
                     <a:solidFill>
                       <a:srgbClr val="000000"/>
                     </a:solidFill>
@@ -10879,7 +10887,7 @@
               </a:ln>
               <a:extLst>
                 <a:ext uri="{91240B29-F687-4f45-9708-019B960494DF}">
-                  <a14:hiddenLine xmlns="" xmlns:a14="http://schemas.microsoft.com/office/drawing/2010/main" w="9525">
+                  <a14:hiddenLine xmlns:a14="http://schemas.microsoft.com/office/drawing/2010/main" xmlns="" w="9525">
                     <a:solidFill>
                       <a:srgbClr val="000000"/>
                     </a:solidFill>
@@ -10948,7 +10956,7 @@
               </a:ln>
               <a:extLst>
                 <a:ext uri="{91240B29-F687-4f45-9708-019B960494DF}">
-                  <a14:hiddenLine xmlns="" xmlns:a14="http://schemas.microsoft.com/office/drawing/2010/main" w="9525">
+                  <a14:hiddenLine xmlns:a14="http://schemas.microsoft.com/office/drawing/2010/main" xmlns="" w="9525">
                     <a:solidFill>
                       <a:srgbClr val="000000"/>
                     </a:solidFill>
@@ -11045,7 +11053,7 @@
               </a:ln>
               <a:extLst>
                 <a:ext uri="{91240B29-F687-4f45-9708-019B960494DF}">
-                  <a14:hiddenLine xmlns="" xmlns:a14="http://schemas.microsoft.com/office/drawing/2010/main" w="9525">
+                  <a14:hiddenLine xmlns:a14="http://schemas.microsoft.com/office/drawing/2010/main" xmlns="" w="9525">
                     <a:solidFill>
                       <a:srgbClr val="000000"/>
                     </a:solidFill>
@@ -11086,7 +11094,7 @@
               </a:ln>
               <a:extLst>
                 <a:ext uri="{91240B29-F687-4f45-9708-019B960494DF}">
-                  <a14:hiddenLine xmlns="" xmlns:a14="http://schemas.microsoft.com/office/drawing/2010/main" w="9525">
+                  <a14:hiddenLine xmlns:a14="http://schemas.microsoft.com/office/drawing/2010/main" xmlns="" w="9525">
                     <a:solidFill>
                       <a:srgbClr val="000000"/>
                     </a:solidFill>
@@ -11158,7 +11166,7 @@
               </a:ln>
               <a:extLst>
                 <a:ext uri="{91240B29-F687-4f45-9708-019B960494DF}">
-                  <a14:hiddenLine xmlns="" xmlns:a14="http://schemas.microsoft.com/office/drawing/2010/main" w="9525">
+                  <a14:hiddenLine xmlns:a14="http://schemas.microsoft.com/office/drawing/2010/main" xmlns="" w="9525">
                     <a:solidFill>
                       <a:srgbClr val="000000"/>
                     </a:solidFill>
@@ -11255,7 +11263,7 @@
               </a:ln>
               <a:extLst>
                 <a:ext uri="{91240B29-F687-4f45-9708-019B960494DF}">
-                  <a14:hiddenLine xmlns="" xmlns:a14="http://schemas.microsoft.com/office/drawing/2010/main" w="9525">
+                  <a14:hiddenLine xmlns:a14="http://schemas.microsoft.com/office/drawing/2010/main" xmlns="" w="9525">
                     <a:solidFill>
                       <a:srgbClr val="000000"/>
                     </a:solidFill>
@@ -11324,7 +11332,7 @@
               </a:ln>
               <a:extLst>
                 <a:ext uri="{91240B29-F687-4f45-9708-019B960494DF}">
-                  <a14:hiddenLine xmlns="" xmlns:a14="http://schemas.microsoft.com/office/drawing/2010/main" w="9525">
+                  <a14:hiddenLine xmlns:a14="http://schemas.microsoft.com/office/drawing/2010/main" xmlns="" w="9525">
                     <a:solidFill>
                       <a:srgbClr val="000000"/>
                     </a:solidFill>
@@ -11421,7 +11429,7 @@
               </a:ln>
               <a:extLst>
                 <a:ext uri="{91240B29-F687-4f45-9708-019B960494DF}">
-                  <a14:hiddenLine xmlns="" xmlns:a14="http://schemas.microsoft.com/office/drawing/2010/main" w="9525">
+                  <a14:hiddenLine xmlns:a14="http://schemas.microsoft.com/office/drawing/2010/main" xmlns="" w="9525">
                     <a:solidFill>
                       <a:srgbClr val="000000"/>
                     </a:solidFill>
@@ -11493,7 +11501,7 @@
               </a:ln>
               <a:extLst>
                 <a:ext uri="{91240B29-F687-4f45-9708-019B960494DF}">
-                  <a14:hiddenLine xmlns="" xmlns:a14="http://schemas.microsoft.com/office/drawing/2010/main" w="9525">
+                  <a14:hiddenLine xmlns:a14="http://schemas.microsoft.com/office/drawing/2010/main" xmlns="" w="9525">
                     <a:solidFill>
                       <a:srgbClr val="000000"/>
                     </a:solidFill>
@@ -11562,7 +11570,7 @@
               </a:ln>
               <a:extLst>
                 <a:ext uri="{91240B29-F687-4f45-9708-019B960494DF}">
-                  <a14:hiddenLine xmlns="" xmlns:a14="http://schemas.microsoft.com/office/drawing/2010/main" w="9525">
+                  <a14:hiddenLine xmlns:a14="http://schemas.microsoft.com/office/drawing/2010/main" xmlns="" w="9525">
                     <a:solidFill>
                       <a:srgbClr val="000000"/>
                     </a:solidFill>
@@ -11659,7 +11667,7 @@
               </a:ln>
               <a:extLst>
                 <a:ext uri="{91240B29-F687-4f45-9708-019B960494DF}">
-                  <a14:hiddenLine xmlns="" xmlns:a14="http://schemas.microsoft.com/office/drawing/2010/main" w="9525">
+                  <a14:hiddenLine xmlns:a14="http://schemas.microsoft.com/office/drawing/2010/main" xmlns="" w="9525">
                     <a:solidFill>
                       <a:srgbClr val="000000"/>
                     </a:solidFill>
@@ -11756,7 +11764,7 @@
               </a:ln>
               <a:extLst>
                 <a:ext uri="{91240B29-F687-4f45-9708-019B960494DF}">
-                  <a14:hiddenLine xmlns="" xmlns:a14="http://schemas.microsoft.com/office/drawing/2010/main" w="9525">
+                  <a14:hiddenLine xmlns:a14="http://schemas.microsoft.com/office/drawing/2010/main" xmlns="" w="9525">
                     <a:solidFill>
                       <a:srgbClr val="000000"/>
                     </a:solidFill>
@@ -11828,7 +11836,7 @@
               </a:ln>
               <a:extLst>
                 <a:ext uri="{91240B29-F687-4f45-9708-019B960494DF}">
-                  <a14:hiddenLine xmlns="" xmlns:a14="http://schemas.microsoft.com/office/drawing/2010/main" w="9525">
+                  <a14:hiddenLine xmlns:a14="http://schemas.microsoft.com/office/drawing/2010/main" xmlns="" w="9525">
                     <a:solidFill>
                       <a:srgbClr val="000000"/>
                     </a:solidFill>
@@ -11955,7 +11963,7 @@
               </a:ln>
               <a:extLst>
                 <a:ext uri="{91240B29-F687-4f45-9708-019B960494DF}">
-                  <a14:hiddenLine xmlns="" xmlns:a14="http://schemas.microsoft.com/office/drawing/2010/main" w="9525">
+                  <a14:hiddenLine xmlns:a14="http://schemas.microsoft.com/office/drawing/2010/main" xmlns="" w="9525">
                     <a:solidFill>
                       <a:srgbClr val="000000"/>
                     </a:solidFill>
@@ -12060,7 +12068,7 @@
               </a:ln>
               <a:extLst>
                 <a:ext uri="{91240B29-F687-4f45-9708-019B960494DF}">
-                  <a14:hiddenLine xmlns="" xmlns:a14="http://schemas.microsoft.com/office/drawing/2010/main" w="9525">
+                  <a14:hiddenLine xmlns:a14="http://schemas.microsoft.com/office/drawing/2010/main" xmlns="" w="9525">
                     <a:solidFill>
                       <a:srgbClr val="000000"/>
                     </a:solidFill>
@@ -12182,7 +12190,7 @@
               </a:ln>
               <a:extLst>
                 <a:ext uri="{91240B29-F687-4f45-9708-019B960494DF}">
-                  <a14:hiddenLine xmlns="" xmlns:a14="http://schemas.microsoft.com/office/drawing/2010/main" w="9525">
+                  <a14:hiddenLine xmlns:a14="http://schemas.microsoft.com/office/drawing/2010/main" xmlns="" w="9525">
                     <a:solidFill>
                       <a:srgbClr val="000000"/>
                     </a:solidFill>
@@ -12279,7 +12287,7 @@
               </a:ln>
               <a:extLst>
                 <a:ext uri="{91240B29-F687-4f45-9708-019B960494DF}">
-                  <a14:hiddenLine xmlns="" xmlns:a14="http://schemas.microsoft.com/office/drawing/2010/main" w="9525">
+                  <a14:hiddenLine xmlns:a14="http://schemas.microsoft.com/office/drawing/2010/main" xmlns="" w="9525">
                     <a:solidFill>
                       <a:srgbClr val="000000"/>
                     </a:solidFill>
@@ -12351,7 +12359,7 @@
               </a:ln>
               <a:extLst>
                 <a:ext uri="{91240B29-F687-4f45-9708-019B960494DF}">
-                  <a14:hiddenLine xmlns="" xmlns:a14="http://schemas.microsoft.com/office/drawing/2010/main" w="9525">
+                  <a14:hiddenLine xmlns:a14="http://schemas.microsoft.com/office/drawing/2010/main" xmlns="" w="9525">
                     <a:solidFill>
                       <a:srgbClr val="000000"/>
                     </a:solidFill>
@@ -12448,7 +12456,7 @@
               </a:ln>
               <a:extLst>
                 <a:ext uri="{91240B29-F687-4f45-9708-019B960494DF}">
-                  <a14:hiddenLine xmlns="" xmlns:a14="http://schemas.microsoft.com/office/drawing/2010/main" w="9525">
+                  <a14:hiddenLine xmlns:a14="http://schemas.microsoft.com/office/drawing/2010/main" xmlns="" w="9525">
                     <a:solidFill>
                       <a:srgbClr val="000000"/>
                     </a:solidFill>
@@ -12523,7 +12531,7 @@
               </a:ln>
               <a:extLst>
                 <a:ext uri="{91240B29-F687-4f45-9708-019B960494DF}">
-                  <a14:hiddenLine xmlns="" xmlns:a14="http://schemas.microsoft.com/office/drawing/2010/main" w="9525">
+                  <a14:hiddenLine xmlns:a14="http://schemas.microsoft.com/office/drawing/2010/main" xmlns="" w="9525">
                     <a:solidFill>
                       <a:srgbClr val="000000"/>
                     </a:solidFill>
@@ -12620,7 +12628,7 @@
               </a:ln>
               <a:extLst>
                 <a:ext uri="{91240B29-F687-4f45-9708-019B960494DF}">
-                  <a14:hiddenLine xmlns="" xmlns:a14="http://schemas.microsoft.com/office/drawing/2010/main" w="9525">
+                  <a14:hiddenLine xmlns:a14="http://schemas.microsoft.com/office/drawing/2010/main" xmlns="" w="9525">
                     <a:solidFill>
                       <a:srgbClr val="000000"/>
                     </a:solidFill>
@@ -12695,7 +12703,7 @@
               </a:ln>
               <a:extLst>
                 <a:ext uri="{91240B29-F687-4f45-9708-019B960494DF}">
-                  <a14:hiddenLine xmlns="" xmlns:a14="http://schemas.microsoft.com/office/drawing/2010/main" w="9525">
+                  <a14:hiddenLine xmlns:a14="http://schemas.microsoft.com/office/drawing/2010/main" xmlns="" w="9525">
                     <a:solidFill>
                       <a:srgbClr val="000000"/>
                     </a:solidFill>
@@ -12792,7 +12800,7 @@
               </a:ln>
               <a:extLst>
                 <a:ext uri="{91240B29-F687-4f45-9708-019B960494DF}">
-                  <a14:hiddenLine xmlns="" xmlns:a14="http://schemas.microsoft.com/office/drawing/2010/main" w="9525">
+                  <a14:hiddenLine xmlns:a14="http://schemas.microsoft.com/office/drawing/2010/main" xmlns="" w="9525">
                     <a:solidFill>
                       <a:srgbClr val="000000"/>
                     </a:solidFill>
@@ -12833,7 +12841,7 @@
               </a:ln>
               <a:extLst>
                 <a:ext uri="{91240B29-F687-4f45-9708-019B960494DF}">
-                  <a14:hiddenLine xmlns="" xmlns:a14="http://schemas.microsoft.com/office/drawing/2010/main" w="9525">
+                  <a14:hiddenLine xmlns:a14="http://schemas.microsoft.com/office/drawing/2010/main" xmlns="" w="9525">
                     <a:solidFill>
                       <a:srgbClr val="000000"/>
                     </a:solidFill>
@@ -13863,7 +13871,7 @@
           <a:noFill/>
           <a:extLst>
             <a:ext uri="{909E8E84-426E-40dd-AFC4-6F175D3DCCD1}">
-              <a14:hiddenFill xmlns="" xmlns:a16="http://schemas.microsoft.com/office/drawing/2014/main" xmlns:a14="http://schemas.microsoft.com/office/drawing/2010/main" xmlns:p14="http://schemas.microsoft.com/office/powerpoint/2010/main">
+              <a14:hiddenFill xmlns:p14="http://schemas.microsoft.com/office/powerpoint/2010/main" xmlns:a14="http://schemas.microsoft.com/office/drawing/2010/main" xmlns:a16="http://schemas.microsoft.com/office/drawing/2014/main" xmlns="">
                 <a:solidFill>
                   <a:srgbClr val="FFFFFF"/>
                 </a:solidFill>
@@ -13984,7 +13992,7 @@
               </a:ln>
               <a:extLst>
                 <a:ext uri="{91240B29-F687-4f45-9708-019B960494DF}">
-                  <a14:hiddenLine xmlns="" xmlns:a16="http://schemas.microsoft.com/office/drawing/2014/main" xmlns:a14="http://schemas.microsoft.com/office/drawing/2010/main" xmlns:p14="http://schemas.microsoft.com/office/powerpoint/2010/main" w="9525">
+                  <a14:hiddenLine xmlns:p14="http://schemas.microsoft.com/office/powerpoint/2010/main" xmlns:a14="http://schemas.microsoft.com/office/drawing/2010/main" xmlns:a16="http://schemas.microsoft.com/office/drawing/2014/main" xmlns="" w="9525">
                     <a:solidFill>
                       <a:srgbClr val="000000"/>
                     </a:solidFill>
@@ -14096,7 +14104,7 @@
               </a:ln>
               <a:extLst>
                 <a:ext uri="{91240B29-F687-4f45-9708-019B960494DF}">
-                  <a14:hiddenLine xmlns="" xmlns:a16="http://schemas.microsoft.com/office/drawing/2014/main" xmlns:a14="http://schemas.microsoft.com/office/drawing/2010/main" xmlns:p14="http://schemas.microsoft.com/office/powerpoint/2010/main" w="9525">
+                  <a14:hiddenLine xmlns:p14="http://schemas.microsoft.com/office/powerpoint/2010/main" xmlns:a14="http://schemas.microsoft.com/office/drawing/2010/main" xmlns:a16="http://schemas.microsoft.com/office/drawing/2014/main" xmlns="" w="9525">
                     <a:solidFill>
                       <a:srgbClr val="000000"/>
                     </a:solidFill>
@@ -14208,7 +14216,7 @@
               </a:ln>
               <a:extLst>
                 <a:ext uri="{91240B29-F687-4f45-9708-019B960494DF}">
-                  <a14:hiddenLine xmlns="" xmlns:a16="http://schemas.microsoft.com/office/drawing/2014/main" xmlns:a14="http://schemas.microsoft.com/office/drawing/2010/main" xmlns:p14="http://schemas.microsoft.com/office/powerpoint/2010/main" w="9525">
+                  <a14:hiddenLine xmlns:p14="http://schemas.microsoft.com/office/powerpoint/2010/main" xmlns:a14="http://schemas.microsoft.com/office/drawing/2010/main" xmlns:a16="http://schemas.microsoft.com/office/drawing/2014/main" xmlns="" w="9525">
                     <a:solidFill>
                       <a:srgbClr val="000000"/>
                     </a:solidFill>
@@ -14292,7 +14300,7 @@
               </a:ln>
               <a:extLst>
                 <a:ext uri="{91240B29-F687-4f45-9708-019B960494DF}">
-                  <a14:hiddenLine xmlns="" xmlns:a16="http://schemas.microsoft.com/office/drawing/2014/main" xmlns:a14="http://schemas.microsoft.com/office/drawing/2010/main" xmlns:p14="http://schemas.microsoft.com/office/powerpoint/2010/main" w="9525">
+                  <a14:hiddenLine xmlns:p14="http://schemas.microsoft.com/office/powerpoint/2010/main" xmlns:a14="http://schemas.microsoft.com/office/drawing/2010/main" xmlns:a16="http://schemas.microsoft.com/office/drawing/2014/main" xmlns="" w="9525">
                     <a:solidFill>
                       <a:srgbClr val="000000"/>
                     </a:solidFill>
@@ -14404,7 +14412,7 @@
               </a:ln>
               <a:extLst>
                 <a:ext uri="{91240B29-F687-4f45-9708-019B960494DF}">
-                  <a14:hiddenLine xmlns="" xmlns:a16="http://schemas.microsoft.com/office/drawing/2014/main" xmlns:a14="http://schemas.microsoft.com/office/drawing/2010/main" xmlns:p14="http://schemas.microsoft.com/office/powerpoint/2010/main" w="9525">
+                  <a14:hiddenLine xmlns:p14="http://schemas.microsoft.com/office/powerpoint/2010/main" xmlns:a14="http://schemas.microsoft.com/office/drawing/2010/main" xmlns:a16="http://schemas.microsoft.com/office/drawing/2014/main" xmlns="" w="9525">
                     <a:solidFill>
                       <a:srgbClr val="000000"/>
                     </a:solidFill>
@@ -14488,7 +14496,7 @@
               </a:ln>
               <a:extLst>
                 <a:ext uri="{91240B29-F687-4f45-9708-019B960494DF}">
-                  <a14:hiddenLine xmlns="" xmlns:a16="http://schemas.microsoft.com/office/drawing/2014/main" xmlns:a14="http://schemas.microsoft.com/office/drawing/2010/main" xmlns:p14="http://schemas.microsoft.com/office/powerpoint/2010/main" w="9525">
+                  <a14:hiddenLine xmlns:p14="http://schemas.microsoft.com/office/powerpoint/2010/main" xmlns:a14="http://schemas.microsoft.com/office/drawing/2010/main" xmlns:a16="http://schemas.microsoft.com/office/drawing/2014/main" xmlns="" w="9525">
                     <a:solidFill>
                       <a:srgbClr val="000000"/>
                     </a:solidFill>
@@ -14572,7 +14580,7 @@
               </a:ln>
               <a:extLst>
                 <a:ext uri="{91240B29-F687-4f45-9708-019B960494DF}">
-                  <a14:hiddenLine xmlns="" xmlns:a16="http://schemas.microsoft.com/office/drawing/2014/main" xmlns:a14="http://schemas.microsoft.com/office/drawing/2010/main" xmlns:p14="http://schemas.microsoft.com/office/powerpoint/2010/main" w="9525">
+                  <a14:hiddenLine xmlns:p14="http://schemas.microsoft.com/office/powerpoint/2010/main" xmlns:a14="http://schemas.microsoft.com/office/drawing/2010/main" xmlns:a16="http://schemas.microsoft.com/office/drawing/2014/main" xmlns="" w="9525">
                     <a:solidFill>
                       <a:srgbClr val="000000"/>
                     </a:solidFill>
@@ -14684,7 +14692,7 @@
               </a:ln>
               <a:extLst>
                 <a:ext uri="{91240B29-F687-4f45-9708-019B960494DF}">
-                  <a14:hiddenLine xmlns="" xmlns:a16="http://schemas.microsoft.com/office/drawing/2014/main" xmlns:a14="http://schemas.microsoft.com/office/drawing/2010/main" xmlns:p14="http://schemas.microsoft.com/office/powerpoint/2010/main" w="9525">
+                  <a14:hiddenLine xmlns:p14="http://schemas.microsoft.com/office/powerpoint/2010/main" xmlns:a14="http://schemas.microsoft.com/office/drawing/2010/main" xmlns:a16="http://schemas.microsoft.com/office/drawing/2014/main" xmlns="" w="9525">
                     <a:solidFill>
                       <a:srgbClr val="000000"/>
                     </a:solidFill>
@@ -14796,7 +14804,7 @@
               </a:ln>
               <a:extLst>
                 <a:ext uri="{91240B29-F687-4f45-9708-019B960494DF}">
-                  <a14:hiddenLine xmlns="" xmlns:a16="http://schemas.microsoft.com/office/drawing/2014/main" xmlns:a14="http://schemas.microsoft.com/office/drawing/2010/main" xmlns:p14="http://schemas.microsoft.com/office/powerpoint/2010/main" w="9525">
+                  <a14:hiddenLine xmlns:p14="http://schemas.microsoft.com/office/powerpoint/2010/main" xmlns:a14="http://schemas.microsoft.com/office/drawing/2010/main" xmlns:a16="http://schemas.microsoft.com/office/drawing/2014/main" xmlns="" w="9525">
                     <a:solidFill>
                       <a:srgbClr val="000000"/>
                     </a:solidFill>
@@ -14880,7 +14888,7 @@
               </a:ln>
               <a:extLst>
                 <a:ext uri="{91240B29-F687-4f45-9708-019B960494DF}">
-                  <a14:hiddenLine xmlns="" xmlns:a16="http://schemas.microsoft.com/office/drawing/2014/main" xmlns:a14="http://schemas.microsoft.com/office/drawing/2010/main" xmlns:p14="http://schemas.microsoft.com/office/powerpoint/2010/main" w="9525">
+                  <a14:hiddenLine xmlns:p14="http://schemas.microsoft.com/office/powerpoint/2010/main" xmlns:a14="http://schemas.microsoft.com/office/drawing/2010/main" xmlns:a16="http://schemas.microsoft.com/office/drawing/2014/main" xmlns="" w="9525">
                     <a:solidFill>
                       <a:srgbClr val="000000"/>
                     </a:solidFill>
@@ -15012,7 +15020,7 @@
               </a:ln>
               <a:extLst>
                 <a:ext uri="{91240B29-F687-4f45-9708-019B960494DF}">
-                  <a14:hiddenLine xmlns="" xmlns:a16="http://schemas.microsoft.com/office/drawing/2014/main" xmlns:a14="http://schemas.microsoft.com/office/drawing/2010/main" xmlns:p14="http://schemas.microsoft.com/office/powerpoint/2010/main" w="9525">
+                  <a14:hiddenLine xmlns:p14="http://schemas.microsoft.com/office/powerpoint/2010/main" xmlns:a14="http://schemas.microsoft.com/office/drawing/2010/main" xmlns:a16="http://schemas.microsoft.com/office/drawing/2014/main" xmlns="" w="9525">
                     <a:solidFill>
                       <a:srgbClr val="000000"/>
                     </a:solidFill>
@@ -15140,7 +15148,7 @@
               </a:ln>
               <a:extLst>
                 <a:ext uri="{91240B29-F687-4f45-9708-019B960494DF}">
-                  <a14:hiddenLine xmlns="" xmlns:a16="http://schemas.microsoft.com/office/drawing/2014/main" xmlns:a14="http://schemas.microsoft.com/office/drawing/2010/main" xmlns:p14="http://schemas.microsoft.com/office/powerpoint/2010/main" w="9525">
+                  <a14:hiddenLine xmlns:p14="http://schemas.microsoft.com/office/powerpoint/2010/main" xmlns:a14="http://schemas.microsoft.com/office/drawing/2010/main" xmlns:a16="http://schemas.microsoft.com/office/drawing/2014/main" xmlns="" w="9525">
                     <a:solidFill>
                       <a:srgbClr val="000000"/>
                     </a:solidFill>
@@ -15224,7 +15232,7 @@
               </a:ln>
               <a:extLst>
                 <a:ext uri="{91240B29-F687-4f45-9708-019B960494DF}">
-                  <a14:hiddenLine xmlns="" xmlns:a16="http://schemas.microsoft.com/office/drawing/2014/main" xmlns:a14="http://schemas.microsoft.com/office/drawing/2010/main" xmlns:p14="http://schemas.microsoft.com/office/powerpoint/2010/main" w="9525">
+                  <a14:hiddenLine xmlns:p14="http://schemas.microsoft.com/office/powerpoint/2010/main" xmlns:a14="http://schemas.microsoft.com/office/drawing/2010/main" xmlns:a16="http://schemas.microsoft.com/office/drawing/2014/main" xmlns="" w="9525">
                     <a:solidFill>
                       <a:srgbClr val="000000"/>
                     </a:solidFill>
@@ -15308,7 +15316,7 @@
               </a:ln>
               <a:extLst>
                 <a:ext uri="{91240B29-F687-4f45-9708-019B960494DF}">
-                  <a14:hiddenLine xmlns="" xmlns:a16="http://schemas.microsoft.com/office/drawing/2014/main" xmlns:a14="http://schemas.microsoft.com/office/drawing/2010/main" xmlns:p14="http://schemas.microsoft.com/office/powerpoint/2010/main" w="9525">
+                  <a14:hiddenLine xmlns:p14="http://schemas.microsoft.com/office/powerpoint/2010/main" xmlns:a14="http://schemas.microsoft.com/office/drawing/2010/main" xmlns:a16="http://schemas.microsoft.com/office/drawing/2014/main" xmlns="" w="9525">
                     <a:solidFill>
                       <a:srgbClr val="000000"/>
                     </a:solidFill>
@@ -15420,7 +15428,7 @@
               </a:ln>
               <a:extLst>
                 <a:ext uri="{91240B29-F687-4f45-9708-019B960494DF}">
-                  <a14:hiddenLine xmlns="" xmlns:a16="http://schemas.microsoft.com/office/drawing/2014/main" xmlns:a14="http://schemas.microsoft.com/office/drawing/2010/main" xmlns:p14="http://schemas.microsoft.com/office/powerpoint/2010/main" w="9525">
+                  <a14:hiddenLine xmlns:p14="http://schemas.microsoft.com/office/powerpoint/2010/main" xmlns:a14="http://schemas.microsoft.com/office/drawing/2010/main" xmlns:a16="http://schemas.microsoft.com/office/drawing/2014/main" xmlns="" w="9525">
                     <a:solidFill>
                       <a:srgbClr val="000000"/>
                     </a:solidFill>
@@ -15476,7 +15484,7 @@
               </a:ln>
               <a:extLst>
                 <a:ext uri="{91240B29-F687-4f45-9708-019B960494DF}">
-                  <a14:hiddenLine xmlns="" xmlns:a16="http://schemas.microsoft.com/office/drawing/2014/main" xmlns:a14="http://schemas.microsoft.com/office/drawing/2010/main" xmlns:p14="http://schemas.microsoft.com/office/powerpoint/2010/main" w="9525">
+                  <a14:hiddenLine xmlns:p14="http://schemas.microsoft.com/office/powerpoint/2010/main" xmlns:a14="http://schemas.microsoft.com/office/drawing/2010/main" xmlns:a16="http://schemas.microsoft.com/office/drawing/2014/main" xmlns="" w="9525">
                     <a:solidFill>
                       <a:srgbClr val="000000"/>
                     </a:solidFill>
@@ -15563,7 +15571,7 @@
               </a:ln>
               <a:extLst>
                 <a:ext uri="{91240B29-F687-4f45-9708-019B960494DF}">
-                  <a14:hiddenLine xmlns="" xmlns:a16="http://schemas.microsoft.com/office/drawing/2014/main" xmlns:a14="http://schemas.microsoft.com/office/drawing/2010/main" xmlns:p14="http://schemas.microsoft.com/office/powerpoint/2010/main" w="9525">
+                  <a14:hiddenLine xmlns:p14="http://schemas.microsoft.com/office/powerpoint/2010/main" xmlns:a14="http://schemas.microsoft.com/office/drawing/2010/main" xmlns:a16="http://schemas.microsoft.com/office/drawing/2014/main" xmlns="" w="9525">
                     <a:solidFill>
                       <a:srgbClr val="000000"/>
                     </a:solidFill>
@@ -15675,7 +15683,7 @@
               </a:ln>
               <a:extLst>
                 <a:ext uri="{91240B29-F687-4f45-9708-019B960494DF}">
-                  <a14:hiddenLine xmlns="" xmlns:a16="http://schemas.microsoft.com/office/drawing/2014/main" xmlns:a14="http://schemas.microsoft.com/office/drawing/2010/main" xmlns:p14="http://schemas.microsoft.com/office/powerpoint/2010/main" w="9525">
+                  <a14:hiddenLine xmlns:p14="http://schemas.microsoft.com/office/powerpoint/2010/main" xmlns:a14="http://schemas.microsoft.com/office/drawing/2010/main" xmlns:a16="http://schemas.microsoft.com/office/drawing/2014/main" xmlns="" w="9525">
                     <a:solidFill>
                       <a:srgbClr val="000000"/>
                     </a:solidFill>
@@ -15759,7 +15767,7 @@
               </a:ln>
               <a:extLst>
                 <a:ext uri="{91240B29-F687-4f45-9708-019B960494DF}">
-                  <a14:hiddenLine xmlns="" xmlns:a16="http://schemas.microsoft.com/office/drawing/2014/main" xmlns:a14="http://schemas.microsoft.com/office/drawing/2010/main" xmlns:p14="http://schemas.microsoft.com/office/powerpoint/2010/main" w="9525">
+                  <a14:hiddenLine xmlns:p14="http://schemas.microsoft.com/office/powerpoint/2010/main" xmlns:a14="http://schemas.microsoft.com/office/drawing/2010/main" xmlns:a16="http://schemas.microsoft.com/office/drawing/2014/main" xmlns="" w="9525">
                     <a:solidFill>
                       <a:srgbClr val="000000"/>
                     </a:solidFill>
@@ -15871,7 +15879,7 @@
               </a:ln>
               <a:extLst>
                 <a:ext uri="{91240B29-F687-4f45-9708-019B960494DF}">
-                  <a14:hiddenLine xmlns="" xmlns:a16="http://schemas.microsoft.com/office/drawing/2014/main" xmlns:a14="http://schemas.microsoft.com/office/drawing/2010/main" xmlns:p14="http://schemas.microsoft.com/office/powerpoint/2010/main" w="9525">
+                  <a14:hiddenLine xmlns:p14="http://schemas.microsoft.com/office/powerpoint/2010/main" xmlns:a14="http://schemas.microsoft.com/office/drawing/2010/main" xmlns:a16="http://schemas.microsoft.com/office/drawing/2014/main" xmlns="" w="9525">
                     <a:solidFill>
                       <a:srgbClr val="000000"/>
                     </a:solidFill>
@@ -15958,7 +15966,7 @@
               </a:ln>
               <a:extLst>
                 <a:ext uri="{91240B29-F687-4f45-9708-019B960494DF}">
-                  <a14:hiddenLine xmlns="" xmlns:a16="http://schemas.microsoft.com/office/drawing/2014/main" xmlns:a14="http://schemas.microsoft.com/office/drawing/2010/main" xmlns:p14="http://schemas.microsoft.com/office/powerpoint/2010/main" w="9525">
+                  <a14:hiddenLine xmlns:p14="http://schemas.microsoft.com/office/powerpoint/2010/main" xmlns:a14="http://schemas.microsoft.com/office/drawing/2010/main" xmlns:a16="http://schemas.microsoft.com/office/drawing/2014/main" xmlns="" w="9525">
                     <a:solidFill>
                       <a:srgbClr val="000000"/>
                     </a:solidFill>
@@ -16042,7 +16050,7 @@
               </a:ln>
               <a:extLst>
                 <a:ext uri="{91240B29-F687-4f45-9708-019B960494DF}">
-                  <a14:hiddenLine xmlns="" xmlns:a16="http://schemas.microsoft.com/office/drawing/2014/main" xmlns:a14="http://schemas.microsoft.com/office/drawing/2010/main" xmlns:p14="http://schemas.microsoft.com/office/powerpoint/2010/main" w="9525">
+                  <a14:hiddenLine xmlns:p14="http://schemas.microsoft.com/office/powerpoint/2010/main" xmlns:a14="http://schemas.microsoft.com/office/drawing/2010/main" xmlns:a16="http://schemas.microsoft.com/office/drawing/2014/main" xmlns="" w="9525">
                     <a:solidFill>
                       <a:srgbClr val="000000"/>
                     </a:solidFill>
@@ -16154,7 +16162,7 @@
               </a:ln>
               <a:extLst>
                 <a:ext uri="{91240B29-F687-4f45-9708-019B960494DF}">
-                  <a14:hiddenLine xmlns="" xmlns:a16="http://schemas.microsoft.com/office/drawing/2014/main" xmlns:a14="http://schemas.microsoft.com/office/drawing/2010/main" xmlns:p14="http://schemas.microsoft.com/office/powerpoint/2010/main" w="9525">
+                  <a14:hiddenLine xmlns:p14="http://schemas.microsoft.com/office/powerpoint/2010/main" xmlns:a14="http://schemas.microsoft.com/office/drawing/2010/main" xmlns:a16="http://schemas.microsoft.com/office/drawing/2014/main" xmlns="" w="9525">
                     <a:solidFill>
                       <a:srgbClr val="000000"/>
                     </a:solidFill>
@@ -16266,7 +16274,7 @@
               </a:ln>
               <a:extLst>
                 <a:ext uri="{91240B29-F687-4f45-9708-019B960494DF}">
-                  <a14:hiddenLine xmlns="" xmlns:a16="http://schemas.microsoft.com/office/drawing/2014/main" xmlns:a14="http://schemas.microsoft.com/office/drawing/2010/main" xmlns:p14="http://schemas.microsoft.com/office/powerpoint/2010/main" w="9525">
+                  <a14:hiddenLine xmlns:p14="http://schemas.microsoft.com/office/powerpoint/2010/main" xmlns:a14="http://schemas.microsoft.com/office/drawing/2010/main" xmlns:a16="http://schemas.microsoft.com/office/drawing/2014/main" xmlns="" w="9525">
                     <a:solidFill>
                       <a:srgbClr val="000000"/>
                     </a:solidFill>
@@ -16353,7 +16361,7 @@
               </a:ln>
               <a:extLst>
                 <a:ext uri="{91240B29-F687-4f45-9708-019B960494DF}">
-                  <a14:hiddenLine xmlns="" xmlns:a16="http://schemas.microsoft.com/office/drawing/2014/main" xmlns:a14="http://schemas.microsoft.com/office/drawing/2010/main" xmlns:p14="http://schemas.microsoft.com/office/powerpoint/2010/main" w="9525">
+                  <a14:hiddenLine xmlns:p14="http://schemas.microsoft.com/office/powerpoint/2010/main" xmlns:a14="http://schemas.microsoft.com/office/drawing/2010/main" xmlns:a16="http://schemas.microsoft.com/office/drawing/2014/main" xmlns="" w="9525">
                     <a:solidFill>
                       <a:srgbClr val="000000"/>
                     </a:solidFill>
@@ -16495,7 +16503,7 @@
               </a:ln>
               <a:extLst>
                 <a:ext uri="{91240B29-F687-4f45-9708-019B960494DF}">
-                  <a14:hiddenLine xmlns="" xmlns:a16="http://schemas.microsoft.com/office/drawing/2014/main" xmlns:a14="http://schemas.microsoft.com/office/drawing/2010/main" xmlns:p14="http://schemas.microsoft.com/office/powerpoint/2010/main" w="9525">
+                  <a14:hiddenLine xmlns:p14="http://schemas.microsoft.com/office/powerpoint/2010/main" xmlns:a14="http://schemas.microsoft.com/office/drawing/2010/main" xmlns:a16="http://schemas.microsoft.com/office/drawing/2014/main" xmlns="" w="9525">
                     <a:solidFill>
                       <a:srgbClr val="000000"/>
                     </a:solidFill>
@@ -16630,7 +16638,7 @@
               </a:ln>
               <a:extLst>
                 <a:ext uri="{91240B29-F687-4f45-9708-019B960494DF}">
-                  <a14:hiddenLine xmlns="" xmlns:a16="http://schemas.microsoft.com/office/drawing/2014/main" xmlns:a14="http://schemas.microsoft.com/office/drawing/2010/main" xmlns:p14="http://schemas.microsoft.com/office/powerpoint/2010/main" w="9525">
+                  <a14:hiddenLine xmlns:p14="http://schemas.microsoft.com/office/powerpoint/2010/main" xmlns:a14="http://schemas.microsoft.com/office/drawing/2010/main" xmlns:a16="http://schemas.microsoft.com/office/drawing/2014/main" xmlns="" w="9525">
                     <a:solidFill>
                       <a:srgbClr val="000000"/>
                     </a:solidFill>
@@ -16767,7 +16775,7 @@
               </a:ln>
               <a:extLst>
                 <a:ext uri="{91240B29-F687-4f45-9708-019B960494DF}">
-                  <a14:hiddenLine xmlns="" xmlns:a16="http://schemas.microsoft.com/office/drawing/2014/main" xmlns:a14="http://schemas.microsoft.com/office/drawing/2010/main" xmlns:p14="http://schemas.microsoft.com/office/powerpoint/2010/main" w="9525">
+                  <a14:hiddenLine xmlns:p14="http://schemas.microsoft.com/office/powerpoint/2010/main" xmlns:a14="http://schemas.microsoft.com/office/drawing/2010/main" xmlns:a16="http://schemas.microsoft.com/office/drawing/2014/main" xmlns="" w="9525">
                     <a:solidFill>
                       <a:srgbClr val="000000"/>
                     </a:solidFill>
@@ -16879,7 +16887,7 @@
               </a:ln>
               <a:extLst>
                 <a:ext uri="{91240B29-F687-4f45-9708-019B960494DF}">
-                  <a14:hiddenLine xmlns="" xmlns:a16="http://schemas.microsoft.com/office/drawing/2014/main" xmlns:a14="http://schemas.microsoft.com/office/drawing/2010/main" xmlns:p14="http://schemas.microsoft.com/office/powerpoint/2010/main" w="9525">
+                  <a14:hiddenLine xmlns:p14="http://schemas.microsoft.com/office/powerpoint/2010/main" xmlns:a14="http://schemas.microsoft.com/office/drawing/2010/main" xmlns:a16="http://schemas.microsoft.com/office/drawing/2014/main" xmlns="" w="9525">
                     <a:solidFill>
                       <a:srgbClr val="000000"/>
                     </a:solidFill>
@@ -16966,7 +16974,7 @@
               </a:ln>
               <a:extLst>
                 <a:ext uri="{91240B29-F687-4f45-9708-019B960494DF}">
-                  <a14:hiddenLine xmlns="" xmlns:a16="http://schemas.microsoft.com/office/drawing/2014/main" xmlns:a14="http://schemas.microsoft.com/office/drawing/2010/main" xmlns:p14="http://schemas.microsoft.com/office/powerpoint/2010/main" w="9525">
+                  <a14:hiddenLine xmlns:p14="http://schemas.microsoft.com/office/powerpoint/2010/main" xmlns:a14="http://schemas.microsoft.com/office/drawing/2010/main" xmlns:a16="http://schemas.microsoft.com/office/drawing/2014/main" xmlns="" w="9525">
                     <a:solidFill>
                       <a:srgbClr val="000000"/>
                     </a:solidFill>
@@ -17078,7 +17086,7 @@
               </a:ln>
               <a:extLst>
                 <a:ext uri="{91240B29-F687-4f45-9708-019B960494DF}">
-                  <a14:hiddenLine xmlns="" xmlns:a16="http://schemas.microsoft.com/office/drawing/2014/main" xmlns:a14="http://schemas.microsoft.com/office/drawing/2010/main" xmlns:p14="http://schemas.microsoft.com/office/powerpoint/2010/main" w="9525">
+                  <a14:hiddenLine xmlns:p14="http://schemas.microsoft.com/office/powerpoint/2010/main" xmlns:a14="http://schemas.microsoft.com/office/drawing/2010/main" xmlns:a16="http://schemas.microsoft.com/office/drawing/2014/main" xmlns="" w="9525">
                     <a:solidFill>
                       <a:srgbClr val="000000"/>
                     </a:solidFill>
@@ -17168,7 +17176,7 @@
               </a:ln>
               <a:extLst>
                 <a:ext uri="{91240B29-F687-4f45-9708-019B960494DF}">
-                  <a14:hiddenLine xmlns="" xmlns:a16="http://schemas.microsoft.com/office/drawing/2014/main" xmlns:a14="http://schemas.microsoft.com/office/drawing/2010/main" xmlns:p14="http://schemas.microsoft.com/office/powerpoint/2010/main" w="9525">
+                  <a14:hiddenLine xmlns:p14="http://schemas.microsoft.com/office/powerpoint/2010/main" xmlns:a14="http://schemas.microsoft.com/office/drawing/2010/main" xmlns:a16="http://schemas.microsoft.com/office/drawing/2014/main" xmlns="" w="9525">
                     <a:solidFill>
                       <a:srgbClr val="000000"/>
                     </a:solidFill>
@@ -17280,7 +17288,7 @@
               </a:ln>
               <a:extLst>
                 <a:ext uri="{91240B29-F687-4f45-9708-019B960494DF}">
-                  <a14:hiddenLine xmlns="" xmlns:a16="http://schemas.microsoft.com/office/drawing/2014/main" xmlns:a14="http://schemas.microsoft.com/office/drawing/2010/main" xmlns:p14="http://schemas.microsoft.com/office/powerpoint/2010/main" w="9525">
+                  <a14:hiddenLine xmlns:p14="http://schemas.microsoft.com/office/powerpoint/2010/main" xmlns:a14="http://schemas.microsoft.com/office/drawing/2010/main" xmlns:a16="http://schemas.microsoft.com/office/drawing/2014/main" xmlns="" w="9525">
                     <a:solidFill>
                       <a:srgbClr val="000000"/>
                     </a:solidFill>
@@ -17370,7 +17378,7 @@
               </a:ln>
               <a:extLst>
                 <a:ext uri="{91240B29-F687-4f45-9708-019B960494DF}">
-                  <a14:hiddenLine xmlns="" xmlns:a16="http://schemas.microsoft.com/office/drawing/2014/main" xmlns:a14="http://schemas.microsoft.com/office/drawing/2010/main" xmlns:p14="http://schemas.microsoft.com/office/powerpoint/2010/main" w="9525">
+                  <a14:hiddenLine xmlns:p14="http://schemas.microsoft.com/office/powerpoint/2010/main" xmlns:a14="http://schemas.microsoft.com/office/drawing/2010/main" xmlns:a16="http://schemas.microsoft.com/office/drawing/2014/main" xmlns="" w="9525">
                     <a:solidFill>
                       <a:srgbClr val="000000"/>
                     </a:solidFill>
@@ -17482,7 +17490,7 @@
               </a:ln>
               <a:extLst>
                 <a:ext uri="{91240B29-F687-4f45-9708-019B960494DF}">
-                  <a14:hiddenLine xmlns="" xmlns:a16="http://schemas.microsoft.com/office/drawing/2014/main" xmlns:a14="http://schemas.microsoft.com/office/drawing/2010/main" xmlns:p14="http://schemas.microsoft.com/office/powerpoint/2010/main" w="9525">
+                  <a14:hiddenLine xmlns:p14="http://schemas.microsoft.com/office/powerpoint/2010/main" xmlns:a14="http://schemas.microsoft.com/office/drawing/2010/main" xmlns:a16="http://schemas.microsoft.com/office/drawing/2014/main" xmlns="" w="9525">
                     <a:solidFill>
                       <a:srgbClr val="000000"/>
                     </a:solidFill>
@@ -17538,7 +17546,7 @@
               </a:ln>
               <a:extLst>
                 <a:ext uri="{91240B29-F687-4f45-9708-019B960494DF}">
-                  <a14:hiddenLine xmlns="" xmlns:a16="http://schemas.microsoft.com/office/drawing/2014/main" xmlns:a14="http://schemas.microsoft.com/office/drawing/2010/main" xmlns:p14="http://schemas.microsoft.com/office/powerpoint/2010/main" w="9525">
+                  <a14:hiddenLine xmlns:p14="http://schemas.microsoft.com/office/powerpoint/2010/main" xmlns:a14="http://schemas.microsoft.com/office/drawing/2010/main" xmlns:a16="http://schemas.microsoft.com/office/drawing/2014/main" xmlns="" w="9525">
                     <a:solidFill>
                       <a:srgbClr val="000000"/>
                     </a:solidFill>
@@ -17939,7 +17947,7 @@
           <a:noFill/>
           <a:extLst>
             <a:ext uri="{909E8E84-426E-40dd-AFC4-6F175D3DCCD1}">
-              <a14:hiddenFill xmlns="" xmlns:a16="http://schemas.microsoft.com/office/drawing/2014/main" xmlns:p14="http://schemas.microsoft.com/office/powerpoint/2010/main" xmlns:a14="http://schemas.microsoft.com/office/drawing/2010/main">
+              <a14:hiddenFill xmlns:a14="http://schemas.microsoft.com/office/drawing/2010/main" xmlns:p14="http://schemas.microsoft.com/office/powerpoint/2010/main" xmlns:a16="http://schemas.microsoft.com/office/drawing/2014/main" xmlns="">
                 <a:solidFill>
                   <a:srgbClr val="FFFFFF"/>
                 </a:solidFill>
@@ -18060,7 +18068,7 @@
               </a:ln>
               <a:extLst>
                 <a:ext uri="{91240B29-F687-4f45-9708-019B960494DF}">
-                  <a14:hiddenLine xmlns="" xmlns:a16="http://schemas.microsoft.com/office/drawing/2014/main" xmlns:p14="http://schemas.microsoft.com/office/powerpoint/2010/main" xmlns:a14="http://schemas.microsoft.com/office/drawing/2010/main" w="9525">
+                  <a14:hiddenLine xmlns:a14="http://schemas.microsoft.com/office/drawing/2010/main" xmlns:p14="http://schemas.microsoft.com/office/powerpoint/2010/main" xmlns:a16="http://schemas.microsoft.com/office/drawing/2014/main" xmlns="" w="9525">
                     <a:solidFill>
                       <a:srgbClr val="000000"/>
                     </a:solidFill>
@@ -18172,7 +18180,7 @@
               </a:ln>
               <a:extLst>
                 <a:ext uri="{91240B29-F687-4f45-9708-019B960494DF}">
-                  <a14:hiddenLine xmlns="" xmlns:a16="http://schemas.microsoft.com/office/drawing/2014/main" xmlns:p14="http://schemas.microsoft.com/office/powerpoint/2010/main" xmlns:a14="http://schemas.microsoft.com/office/drawing/2010/main" w="9525">
+                  <a14:hiddenLine xmlns:a14="http://schemas.microsoft.com/office/drawing/2010/main" xmlns:p14="http://schemas.microsoft.com/office/powerpoint/2010/main" xmlns:a16="http://schemas.microsoft.com/office/drawing/2014/main" xmlns="" w="9525">
                     <a:solidFill>
                       <a:srgbClr val="000000"/>
                     </a:solidFill>
@@ -18284,7 +18292,7 @@
               </a:ln>
               <a:extLst>
                 <a:ext uri="{91240B29-F687-4f45-9708-019B960494DF}">
-                  <a14:hiddenLine xmlns="" xmlns:a16="http://schemas.microsoft.com/office/drawing/2014/main" xmlns:p14="http://schemas.microsoft.com/office/powerpoint/2010/main" xmlns:a14="http://schemas.microsoft.com/office/drawing/2010/main" w="9525">
+                  <a14:hiddenLine xmlns:a14="http://schemas.microsoft.com/office/drawing/2010/main" xmlns:p14="http://schemas.microsoft.com/office/powerpoint/2010/main" xmlns:a16="http://schemas.microsoft.com/office/drawing/2014/main" xmlns="" w="9525">
                     <a:solidFill>
                       <a:srgbClr val="000000"/>
                     </a:solidFill>
@@ -18368,7 +18376,7 @@
               </a:ln>
               <a:extLst>
                 <a:ext uri="{91240B29-F687-4f45-9708-019B960494DF}">
-                  <a14:hiddenLine xmlns="" xmlns:a16="http://schemas.microsoft.com/office/drawing/2014/main" xmlns:p14="http://schemas.microsoft.com/office/powerpoint/2010/main" xmlns:a14="http://schemas.microsoft.com/office/drawing/2010/main" w="9525">
+                  <a14:hiddenLine xmlns:a14="http://schemas.microsoft.com/office/drawing/2010/main" xmlns:p14="http://schemas.microsoft.com/office/powerpoint/2010/main" xmlns:a16="http://schemas.microsoft.com/office/drawing/2014/main" xmlns="" w="9525">
                     <a:solidFill>
                       <a:srgbClr val="000000"/>
                     </a:solidFill>
@@ -18480,7 +18488,7 @@
               </a:ln>
               <a:extLst>
                 <a:ext uri="{91240B29-F687-4f45-9708-019B960494DF}">
-                  <a14:hiddenLine xmlns="" xmlns:a16="http://schemas.microsoft.com/office/drawing/2014/main" xmlns:p14="http://schemas.microsoft.com/office/powerpoint/2010/main" xmlns:a14="http://schemas.microsoft.com/office/drawing/2010/main" w="9525">
+                  <a14:hiddenLine xmlns:a14="http://schemas.microsoft.com/office/drawing/2010/main" xmlns:p14="http://schemas.microsoft.com/office/powerpoint/2010/main" xmlns:a16="http://schemas.microsoft.com/office/drawing/2014/main" xmlns="" w="9525">
                     <a:solidFill>
                       <a:srgbClr val="000000"/>
                     </a:solidFill>
@@ -18564,7 +18572,7 @@
               </a:ln>
               <a:extLst>
                 <a:ext uri="{91240B29-F687-4f45-9708-019B960494DF}">
-                  <a14:hiddenLine xmlns="" xmlns:a16="http://schemas.microsoft.com/office/drawing/2014/main" xmlns:p14="http://schemas.microsoft.com/office/powerpoint/2010/main" xmlns:a14="http://schemas.microsoft.com/office/drawing/2010/main" w="9525">
+                  <a14:hiddenLine xmlns:a14="http://schemas.microsoft.com/office/drawing/2010/main" xmlns:p14="http://schemas.microsoft.com/office/powerpoint/2010/main" xmlns:a16="http://schemas.microsoft.com/office/drawing/2014/main" xmlns="" w="9525">
                     <a:solidFill>
                       <a:srgbClr val="000000"/>
                     </a:solidFill>
@@ -18648,7 +18656,7 @@
               </a:ln>
               <a:extLst>
                 <a:ext uri="{91240B29-F687-4f45-9708-019B960494DF}">
-                  <a14:hiddenLine xmlns="" xmlns:a16="http://schemas.microsoft.com/office/drawing/2014/main" xmlns:p14="http://schemas.microsoft.com/office/powerpoint/2010/main" xmlns:a14="http://schemas.microsoft.com/office/drawing/2010/main" w="9525">
+                  <a14:hiddenLine xmlns:a14="http://schemas.microsoft.com/office/drawing/2010/main" xmlns:p14="http://schemas.microsoft.com/office/powerpoint/2010/main" xmlns:a16="http://schemas.microsoft.com/office/drawing/2014/main" xmlns="" w="9525">
                     <a:solidFill>
                       <a:srgbClr val="000000"/>
                     </a:solidFill>
@@ -18760,7 +18768,7 @@
               </a:ln>
               <a:extLst>
                 <a:ext uri="{91240B29-F687-4f45-9708-019B960494DF}">
-                  <a14:hiddenLine xmlns="" xmlns:a16="http://schemas.microsoft.com/office/drawing/2014/main" xmlns:p14="http://schemas.microsoft.com/office/powerpoint/2010/main" xmlns:a14="http://schemas.microsoft.com/office/drawing/2010/main" w="9525">
+                  <a14:hiddenLine xmlns:a14="http://schemas.microsoft.com/office/drawing/2010/main" xmlns:p14="http://schemas.microsoft.com/office/powerpoint/2010/main" xmlns:a16="http://schemas.microsoft.com/office/drawing/2014/main" xmlns="" w="9525">
                     <a:solidFill>
                       <a:srgbClr val="000000"/>
                     </a:solidFill>
@@ -18872,7 +18880,7 @@
               </a:ln>
               <a:extLst>
                 <a:ext uri="{91240B29-F687-4f45-9708-019B960494DF}">
-                  <a14:hiddenLine xmlns="" xmlns:a16="http://schemas.microsoft.com/office/drawing/2014/main" xmlns:p14="http://schemas.microsoft.com/office/powerpoint/2010/main" xmlns:a14="http://schemas.microsoft.com/office/drawing/2010/main" w="9525">
+                  <a14:hiddenLine xmlns:a14="http://schemas.microsoft.com/office/drawing/2010/main" xmlns:p14="http://schemas.microsoft.com/office/powerpoint/2010/main" xmlns:a16="http://schemas.microsoft.com/office/drawing/2014/main" xmlns="" w="9525">
                     <a:solidFill>
                       <a:srgbClr val="000000"/>
                     </a:solidFill>
@@ -18956,7 +18964,7 @@
               </a:ln>
               <a:extLst>
                 <a:ext uri="{91240B29-F687-4f45-9708-019B960494DF}">
-                  <a14:hiddenLine xmlns="" xmlns:a16="http://schemas.microsoft.com/office/drawing/2014/main" xmlns:p14="http://schemas.microsoft.com/office/powerpoint/2010/main" xmlns:a14="http://schemas.microsoft.com/office/drawing/2010/main" w="9525">
+                  <a14:hiddenLine xmlns:a14="http://schemas.microsoft.com/office/drawing/2010/main" xmlns:p14="http://schemas.microsoft.com/office/powerpoint/2010/main" xmlns:a16="http://schemas.microsoft.com/office/drawing/2014/main" xmlns="" w="9525">
                     <a:solidFill>
                       <a:srgbClr val="000000"/>
                     </a:solidFill>
@@ -19088,7 +19096,7 @@
               </a:ln>
               <a:extLst>
                 <a:ext uri="{91240B29-F687-4f45-9708-019B960494DF}">
-                  <a14:hiddenLine xmlns="" xmlns:a16="http://schemas.microsoft.com/office/drawing/2014/main" xmlns:p14="http://schemas.microsoft.com/office/powerpoint/2010/main" xmlns:a14="http://schemas.microsoft.com/office/drawing/2010/main" w="9525">
+                  <a14:hiddenLine xmlns:a14="http://schemas.microsoft.com/office/drawing/2010/main" xmlns:p14="http://schemas.microsoft.com/office/powerpoint/2010/main" xmlns:a16="http://schemas.microsoft.com/office/drawing/2014/main" xmlns="" w="9525">
                     <a:solidFill>
                       <a:srgbClr val="000000"/>
                     </a:solidFill>
@@ -19216,7 +19224,7 @@
               </a:ln>
               <a:extLst>
                 <a:ext uri="{91240B29-F687-4f45-9708-019B960494DF}">
-                  <a14:hiddenLine xmlns="" xmlns:a16="http://schemas.microsoft.com/office/drawing/2014/main" xmlns:p14="http://schemas.microsoft.com/office/powerpoint/2010/main" xmlns:a14="http://schemas.microsoft.com/office/drawing/2010/main" w="9525">
+                  <a14:hiddenLine xmlns:a14="http://schemas.microsoft.com/office/drawing/2010/main" xmlns:p14="http://schemas.microsoft.com/office/powerpoint/2010/main" xmlns:a16="http://schemas.microsoft.com/office/drawing/2014/main" xmlns="" w="9525">
                     <a:solidFill>
                       <a:srgbClr val="000000"/>
                     </a:solidFill>
@@ -19300,7 +19308,7 @@
               </a:ln>
               <a:extLst>
                 <a:ext uri="{91240B29-F687-4f45-9708-019B960494DF}">
-                  <a14:hiddenLine xmlns="" xmlns:a16="http://schemas.microsoft.com/office/drawing/2014/main" xmlns:p14="http://schemas.microsoft.com/office/powerpoint/2010/main" xmlns:a14="http://schemas.microsoft.com/office/drawing/2010/main" w="9525">
+                  <a14:hiddenLine xmlns:a14="http://schemas.microsoft.com/office/drawing/2010/main" xmlns:p14="http://schemas.microsoft.com/office/powerpoint/2010/main" xmlns:a16="http://schemas.microsoft.com/office/drawing/2014/main" xmlns="" w="9525">
                     <a:solidFill>
                       <a:srgbClr val="000000"/>
                     </a:solidFill>
@@ -19384,7 +19392,7 @@
               </a:ln>
               <a:extLst>
                 <a:ext uri="{91240B29-F687-4f45-9708-019B960494DF}">
-                  <a14:hiddenLine xmlns="" xmlns:a16="http://schemas.microsoft.com/office/drawing/2014/main" xmlns:p14="http://schemas.microsoft.com/office/powerpoint/2010/main" xmlns:a14="http://schemas.microsoft.com/office/drawing/2010/main" w="9525">
+                  <a14:hiddenLine xmlns:a14="http://schemas.microsoft.com/office/drawing/2010/main" xmlns:p14="http://schemas.microsoft.com/office/powerpoint/2010/main" xmlns:a16="http://schemas.microsoft.com/office/drawing/2014/main" xmlns="" w="9525">
                     <a:solidFill>
                       <a:srgbClr val="000000"/>
                     </a:solidFill>
@@ -19496,7 +19504,7 @@
               </a:ln>
               <a:extLst>
                 <a:ext uri="{91240B29-F687-4f45-9708-019B960494DF}">
-                  <a14:hiddenLine xmlns="" xmlns:a16="http://schemas.microsoft.com/office/drawing/2014/main" xmlns:p14="http://schemas.microsoft.com/office/powerpoint/2010/main" xmlns:a14="http://schemas.microsoft.com/office/drawing/2010/main" w="9525">
+                  <a14:hiddenLine xmlns:a14="http://schemas.microsoft.com/office/drawing/2010/main" xmlns:p14="http://schemas.microsoft.com/office/powerpoint/2010/main" xmlns:a16="http://schemas.microsoft.com/office/drawing/2014/main" xmlns="" w="9525">
                     <a:solidFill>
                       <a:srgbClr val="000000"/>
                     </a:solidFill>
@@ -19552,7 +19560,7 @@
               </a:ln>
               <a:extLst>
                 <a:ext uri="{91240B29-F687-4f45-9708-019B960494DF}">
-                  <a14:hiddenLine xmlns="" xmlns:a16="http://schemas.microsoft.com/office/drawing/2014/main" xmlns:p14="http://schemas.microsoft.com/office/powerpoint/2010/main" xmlns:a14="http://schemas.microsoft.com/office/drawing/2010/main" w="9525">
+                  <a14:hiddenLine xmlns:a14="http://schemas.microsoft.com/office/drawing/2010/main" xmlns:p14="http://schemas.microsoft.com/office/powerpoint/2010/main" xmlns:a16="http://schemas.microsoft.com/office/drawing/2014/main" xmlns="" w="9525">
                     <a:solidFill>
                       <a:srgbClr val="000000"/>
                     </a:solidFill>
@@ -19639,7 +19647,7 @@
               </a:ln>
               <a:extLst>
                 <a:ext uri="{91240B29-F687-4f45-9708-019B960494DF}">
-                  <a14:hiddenLine xmlns="" xmlns:a16="http://schemas.microsoft.com/office/drawing/2014/main" xmlns:p14="http://schemas.microsoft.com/office/powerpoint/2010/main" xmlns:a14="http://schemas.microsoft.com/office/drawing/2010/main" w="9525">
+                  <a14:hiddenLine xmlns:a14="http://schemas.microsoft.com/office/drawing/2010/main" xmlns:p14="http://schemas.microsoft.com/office/powerpoint/2010/main" xmlns:a16="http://schemas.microsoft.com/office/drawing/2014/main" xmlns="" w="9525">
                     <a:solidFill>
                       <a:srgbClr val="000000"/>
                     </a:solidFill>
@@ -19751,7 +19759,7 @@
               </a:ln>
               <a:extLst>
                 <a:ext uri="{91240B29-F687-4f45-9708-019B960494DF}">
-                  <a14:hiddenLine xmlns="" xmlns:a16="http://schemas.microsoft.com/office/drawing/2014/main" xmlns:p14="http://schemas.microsoft.com/office/powerpoint/2010/main" xmlns:a14="http://schemas.microsoft.com/office/drawing/2010/main" w="9525">
+                  <a14:hiddenLine xmlns:a14="http://schemas.microsoft.com/office/drawing/2010/main" xmlns:p14="http://schemas.microsoft.com/office/powerpoint/2010/main" xmlns:a16="http://schemas.microsoft.com/office/drawing/2014/main" xmlns="" w="9525">
                     <a:solidFill>
                       <a:srgbClr val="000000"/>
                     </a:solidFill>
@@ -19835,7 +19843,7 @@
               </a:ln>
               <a:extLst>
                 <a:ext uri="{91240B29-F687-4f45-9708-019B960494DF}">
-                  <a14:hiddenLine xmlns="" xmlns:a16="http://schemas.microsoft.com/office/drawing/2014/main" xmlns:p14="http://schemas.microsoft.com/office/powerpoint/2010/main" xmlns:a14="http://schemas.microsoft.com/office/drawing/2010/main" w="9525">
+                  <a14:hiddenLine xmlns:a14="http://schemas.microsoft.com/office/drawing/2010/main" xmlns:p14="http://schemas.microsoft.com/office/powerpoint/2010/main" xmlns:a16="http://schemas.microsoft.com/office/drawing/2014/main" xmlns="" w="9525">
                     <a:solidFill>
                       <a:srgbClr val="000000"/>
                     </a:solidFill>
@@ -19947,7 +19955,7 @@
               </a:ln>
               <a:extLst>
                 <a:ext uri="{91240B29-F687-4f45-9708-019B960494DF}">
-                  <a14:hiddenLine xmlns="" xmlns:a16="http://schemas.microsoft.com/office/drawing/2014/main" xmlns:p14="http://schemas.microsoft.com/office/powerpoint/2010/main" xmlns:a14="http://schemas.microsoft.com/office/drawing/2010/main" w="9525">
+                  <a14:hiddenLine xmlns:a14="http://schemas.microsoft.com/office/drawing/2010/main" xmlns:p14="http://schemas.microsoft.com/office/powerpoint/2010/main" xmlns:a16="http://schemas.microsoft.com/office/drawing/2014/main" xmlns="" w="9525">
                     <a:solidFill>
                       <a:srgbClr val="000000"/>
                     </a:solidFill>
@@ -20034,7 +20042,7 @@
               </a:ln>
               <a:extLst>
                 <a:ext uri="{91240B29-F687-4f45-9708-019B960494DF}">
-                  <a14:hiddenLine xmlns="" xmlns:a16="http://schemas.microsoft.com/office/drawing/2014/main" xmlns:p14="http://schemas.microsoft.com/office/powerpoint/2010/main" xmlns:a14="http://schemas.microsoft.com/office/drawing/2010/main" w="9525">
+                  <a14:hiddenLine xmlns:a14="http://schemas.microsoft.com/office/drawing/2010/main" xmlns:p14="http://schemas.microsoft.com/office/powerpoint/2010/main" xmlns:a16="http://schemas.microsoft.com/office/drawing/2014/main" xmlns="" w="9525">
                     <a:solidFill>
                       <a:srgbClr val="000000"/>
                     </a:solidFill>
@@ -20118,7 +20126,7 @@
               </a:ln>
               <a:extLst>
                 <a:ext uri="{91240B29-F687-4f45-9708-019B960494DF}">
-                  <a14:hiddenLine xmlns="" xmlns:a16="http://schemas.microsoft.com/office/drawing/2014/main" xmlns:p14="http://schemas.microsoft.com/office/powerpoint/2010/main" xmlns:a14="http://schemas.microsoft.com/office/drawing/2010/main" w="9525">
+                  <a14:hiddenLine xmlns:a14="http://schemas.microsoft.com/office/drawing/2010/main" xmlns:p14="http://schemas.microsoft.com/office/powerpoint/2010/main" xmlns:a16="http://schemas.microsoft.com/office/drawing/2014/main" xmlns="" w="9525">
                     <a:solidFill>
                       <a:srgbClr val="000000"/>
                     </a:solidFill>
@@ -20230,7 +20238,7 @@
               </a:ln>
               <a:extLst>
                 <a:ext uri="{91240B29-F687-4f45-9708-019B960494DF}">
-                  <a14:hiddenLine xmlns="" xmlns:a16="http://schemas.microsoft.com/office/drawing/2014/main" xmlns:p14="http://schemas.microsoft.com/office/powerpoint/2010/main" xmlns:a14="http://schemas.microsoft.com/office/drawing/2010/main" w="9525">
+                  <a14:hiddenLine xmlns:a14="http://schemas.microsoft.com/office/drawing/2010/main" xmlns:p14="http://schemas.microsoft.com/office/powerpoint/2010/main" xmlns:a16="http://schemas.microsoft.com/office/drawing/2014/main" xmlns="" w="9525">
                     <a:solidFill>
                       <a:srgbClr val="000000"/>
                     </a:solidFill>
@@ -20342,7 +20350,7 @@
               </a:ln>
               <a:extLst>
                 <a:ext uri="{91240B29-F687-4f45-9708-019B960494DF}">
-                  <a14:hiddenLine xmlns="" xmlns:a16="http://schemas.microsoft.com/office/drawing/2014/main" xmlns:p14="http://schemas.microsoft.com/office/powerpoint/2010/main" xmlns:a14="http://schemas.microsoft.com/office/drawing/2010/main" w="9525">
+                  <a14:hiddenLine xmlns:a14="http://schemas.microsoft.com/office/drawing/2010/main" xmlns:p14="http://schemas.microsoft.com/office/powerpoint/2010/main" xmlns:a16="http://schemas.microsoft.com/office/drawing/2014/main" xmlns="" w="9525">
                     <a:solidFill>
                       <a:srgbClr val="000000"/>
                     </a:solidFill>
@@ -20429,7 +20437,7 @@
               </a:ln>
               <a:extLst>
                 <a:ext uri="{91240B29-F687-4f45-9708-019B960494DF}">
-                  <a14:hiddenLine xmlns="" xmlns:a16="http://schemas.microsoft.com/office/drawing/2014/main" xmlns:p14="http://schemas.microsoft.com/office/powerpoint/2010/main" xmlns:a14="http://schemas.microsoft.com/office/drawing/2010/main" w="9525">
+                  <a14:hiddenLine xmlns:a14="http://schemas.microsoft.com/office/drawing/2010/main" xmlns:p14="http://schemas.microsoft.com/office/powerpoint/2010/main" xmlns:a16="http://schemas.microsoft.com/office/drawing/2014/main" xmlns="" w="9525">
                     <a:solidFill>
                       <a:srgbClr val="000000"/>
                     </a:solidFill>
@@ -20571,7 +20579,7 @@
               </a:ln>
               <a:extLst>
                 <a:ext uri="{91240B29-F687-4f45-9708-019B960494DF}">
-                  <a14:hiddenLine xmlns="" xmlns:a16="http://schemas.microsoft.com/office/drawing/2014/main" xmlns:p14="http://schemas.microsoft.com/office/powerpoint/2010/main" xmlns:a14="http://schemas.microsoft.com/office/drawing/2010/main" w="9525">
+                  <a14:hiddenLine xmlns:a14="http://schemas.microsoft.com/office/drawing/2010/main" xmlns:p14="http://schemas.microsoft.com/office/powerpoint/2010/main" xmlns:a16="http://schemas.microsoft.com/office/drawing/2014/main" xmlns="" w="9525">
                     <a:solidFill>
                       <a:srgbClr val="000000"/>
                     </a:solidFill>
@@ -20706,7 +20714,7 @@
               </a:ln>
               <a:extLst>
                 <a:ext uri="{91240B29-F687-4f45-9708-019B960494DF}">
-                  <a14:hiddenLine xmlns="" xmlns:a16="http://schemas.microsoft.com/office/drawing/2014/main" xmlns:p14="http://schemas.microsoft.com/office/powerpoint/2010/main" xmlns:a14="http://schemas.microsoft.com/office/drawing/2010/main" w="9525">
+                  <a14:hiddenLine xmlns:a14="http://schemas.microsoft.com/office/drawing/2010/main" xmlns:p14="http://schemas.microsoft.com/office/powerpoint/2010/main" xmlns:a16="http://schemas.microsoft.com/office/drawing/2014/main" xmlns="" w="9525">
                     <a:solidFill>
                       <a:srgbClr val="000000"/>
                     </a:solidFill>
@@ -20843,7 +20851,7 @@
               </a:ln>
               <a:extLst>
                 <a:ext uri="{91240B29-F687-4f45-9708-019B960494DF}">
-                  <a14:hiddenLine xmlns="" xmlns:a16="http://schemas.microsoft.com/office/drawing/2014/main" xmlns:p14="http://schemas.microsoft.com/office/powerpoint/2010/main" xmlns:a14="http://schemas.microsoft.com/office/drawing/2010/main" w="9525">
+                  <a14:hiddenLine xmlns:a14="http://schemas.microsoft.com/office/drawing/2010/main" xmlns:p14="http://schemas.microsoft.com/office/powerpoint/2010/main" xmlns:a16="http://schemas.microsoft.com/office/drawing/2014/main" xmlns="" w="9525">
                     <a:solidFill>
                       <a:srgbClr val="000000"/>
                     </a:solidFill>
@@ -20955,7 +20963,7 @@
               </a:ln>
               <a:extLst>
                 <a:ext uri="{91240B29-F687-4f45-9708-019B960494DF}">
-                  <a14:hiddenLine xmlns="" xmlns:a16="http://schemas.microsoft.com/office/drawing/2014/main" xmlns:p14="http://schemas.microsoft.com/office/powerpoint/2010/main" xmlns:a14="http://schemas.microsoft.com/office/drawing/2010/main" w="9525">
+                  <a14:hiddenLine xmlns:a14="http://schemas.microsoft.com/office/drawing/2010/main" xmlns:p14="http://schemas.microsoft.com/office/powerpoint/2010/main" xmlns:a16="http://schemas.microsoft.com/office/drawing/2014/main" xmlns="" w="9525">
                     <a:solidFill>
                       <a:srgbClr val="000000"/>
                     </a:solidFill>
@@ -21042,7 +21050,7 @@
               </a:ln>
               <a:extLst>
                 <a:ext uri="{91240B29-F687-4f45-9708-019B960494DF}">
-                  <a14:hiddenLine xmlns="" xmlns:a16="http://schemas.microsoft.com/office/drawing/2014/main" xmlns:p14="http://schemas.microsoft.com/office/powerpoint/2010/main" xmlns:a14="http://schemas.microsoft.com/office/drawing/2010/main" w="9525">
+                  <a14:hiddenLine xmlns:a14="http://schemas.microsoft.com/office/drawing/2010/main" xmlns:p14="http://schemas.microsoft.com/office/powerpoint/2010/main" xmlns:a16="http://schemas.microsoft.com/office/drawing/2014/main" xmlns="" w="9525">
                     <a:solidFill>
                       <a:srgbClr val="000000"/>
                     </a:solidFill>
@@ -21154,7 +21162,7 @@
               </a:ln>
               <a:extLst>
                 <a:ext uri="{91240B29-F687-4f45-9708-019B960494DF}">
-                  <a14:hiddenLine xmlns="" xmlns:a16="http://schemas.microsoft.com/office/drawing/2014/main" xmlns:p14="http://schemas.microsoft.com/office/powerpoint/2010/main" xmlns:a14="http://schemas.microsoft.com/office/drawing/2010/main" w="9525">
+                  <a14:hiddenLine xmlns:a14="http://schemas.microsoft.com/office/drawing/2010/main" xmlns:p14="http://schemas.microsoft.com/office/powerpoint/2010/main" xmlns:a16="http://schemas.microsoft.com/office/drawing/2014/main" xmlns="" w="9525">
                     <a:solidFill>
                       <a:srgbClr val="000000"/>
                     </a:solidFill>
@@ -21244,7 +21252,7 @@
               </a:ln>
               <a:extLst>
                 <a:ext uri="{91240B29-F687-4f45-9708-019B960494DF}">
-                  <a14:hiddenLine xmlns="" xmlns:a16="http://schemas.microsoft.com/office/drawing/2014/main" xmlns:p14="http://schemas.microsoft.com/office/powerpoint/2010/main" xmlns:a14="http://schemas.microsoft.com/office/drawing/2010/main" w="9525">
+                  <a14:hiddenLine xmlns:a14="http://schemas.microsoft.com/office/drawing/2010/main" xmlns:p14="http://schemas.microsoft.com/office/powerpoint/2010/main" xmlns:a16="http://schemas.microsoft.com/office/drawing/2014/main" xmlns="" w="9525">
                     <a:solidFill>
                       <a:srgbClr val="000000"/>
                     </a:solidFill>
@@ -21356,7 +21364,7 @@
               </a:ln>
               <a:extLst>
                 <a:ext uri="{91240B29-F687-4f45-9708-019B960494DF}">
-                  <a14:hiddenLine xmlns="" xmlns:a16="http://schemas.microsoft.com/office/drawing/2014/main" xmlns:p14="http://schemas.microsoft.com/office/powerpoint/2010/main" xmlns:a14="http://schemas.microsoft.com/office/drawing/2010/main" w="9525">
+                  <a14:hiddenLine xmlns:a14="http://schemas.microsoft.com/office/drawing/2010/main" xmlns:p14="http://schemas.microsoft.com/office/powerpoint/2010/main" xmlns:a16="http://schemas.microsoft.com/office/drawing/2014/main" xmlns="" w="9525">
                     <a:solidFill>
                       <a:srgbClr val="000000"/>
                     </a:solidFill>
@@ -21446,7 +21454,7 @@
               </a:ln>
               <a:extLst>
                 <a:ext uri="{91240B29-F687-4f45-9708-019B960494DF}">
-                  <a14:hiddenLine xmlns="" xmlns:a16="http://schemas.microsoft.com/office/drawing/2014/main" xmlns:p14="http://schemas.microsoft.com/office/powerpoint/2010/main" xmlns:a14="http://schemas.microsoft.com/office/drawing/2010/main" w="9525">
+                  <a14:hiddenLine xmlns:a14="http://schemas.microsoft.com/office/drawing/2010/main" xmlns:p14="http://schemas.microsoft.com/office/powerpoint/2010/main" xmlns:a16="http://schemas.microsoft.com/office/drawing/2014/main" xmlns="" w="9525">
                     <a:solidFill>
                       <a:srgbClr val="000000"/>
                     </a:solidFill>
@@ -21558,7 +21566,7 @@
               </a:ln>
               <a:extLst>
                 <a:ext uri="{91240B29-F687-4f45-9708-019B960494DF}">
-                  <a14:hiddenLine xmlns="" xmlns:a16="http://schemas.microsoft.com/office/drawing/2014/main" xmlns:p14="http://schemas.microsoft.com/office/powerpoint/2010/main" xmlns:a14="http://schemas.microsoft.com/office/drawing/2010/main" w="9525">
+                  <a14:hiddenLine xmlns:a14="http://schemas.microsoft.com/office/drawing/2010/main" xmlns:p14="http://schemas.microsoft.com/office/powerpoint/2010/main" xmlns:a16="http://schemas.microsoft.com/office/drawing/2014/main" xmlns="" w="9525">
                     <a:solidFill>
                       <a:srgbClr val="000000"/>
                     </a:solidFill>
@@ -21614,7 +21622,7 @@
               </a:ln>
               <a:extLst>
                 <a:ext uri="{91240B29-F687-4f45-9708-019B960494DF}">
-                  <a14:hiddenLine xmlns="" xmlns:a16="http://schemas.microsoft.com/office/drawing/2014/main" xmlns:p14="http://schemas.microsoft.com/office/powerpoint/2010/main" xmlns:a14="http://schemas.microsoft.com/office/drawing/2010/main" w="9525">
+                  <a14:hiddenLine xmlns:a14="http://schemas.microsoft.com/office/drawing/2010/main" xmlns:p14="http://schemas.microsoft.com/office/powerpoint/2010/main" xmlns:a16="http://schemas.microsoft.com/office/drawing/2014/main" xmlns="" w="9525">
                     <a:solidFill>
                       <a:srgbClr val="000000"/>
                     </a:solidFill>
@@ -22188,6 +22196,564 @@
 </p:sld>
 </file>
 
+<file path=ppt/slides/slide18.xml><?xml version="1.0" encoding="utf-8"?>
+<p:sld xmlns:a="http://schemas.openxmlformats.org/drawingml/2006/main" xmlns:r="http://schemas.openxmlformats.org/officeDocument/2006/relationships" xmlns:p="http://schemas.openxmlformats.org/presentationml/2006/main">
+  <p:cSld>
+    <p:spTree>
+      <p:nvGrpSpPr>
+        <p:cNvPr id="1" name=""/>
+        <p:cNvGrpSpPr/>
+        <p:nvPr/>
+      </p:nvGrpSpPr>
+      <p:grpSpPr>
+        <a:xfrm>
+          <a:off x="0" y="0"/>
+          <a:ext cx="0" cy="0"/>
+          <a:chOff x="0" y="0"/>
+          <a:chExt cx="0" cy="0"/>
+        </a:xfrm>
+      </p:grpSpPr>
+      <p:sp>
+        <p:nvSpPr>
+          <p:cNvPr id="2" name="標題 1">
+            <a:extLst>
+              <a:ext uri="{FF2B5EF4-FFF2-40B4-BE49-F238E27FC236}">
+                <a16:creationId xmlns:a16="http://schemas.microsoft.com/office/drawing/2014/main" id="{425A7B94-8001-6E99-67DF-F918C9DAF837}"/>
+              </a:ext>
+            </a:extLst>
+          </p:cNvPr>
+          <p:cNvSpPr>
+            <a:spLocks noGrp="1"/>
+          </p:cNvSpPr>
+          <p:nvPr>
+            <p:ph type="title"/>
+          </p:nvPr>
+        </p:nvSpPr>
+        <p:spPr/>
+        <p:txBody>
+          <a:bodyPr/>
+          <a:lstStyle/>
+          <a:p>
+            <a:r>
+              <a:rPr lang="zh-TW" altLang="en-US" dirty="0"/>
+              <a:t>題目</a:t>
+            </a:r>
+          </a:p>
+        </p:txBody>
+      </p:sp>
+      <p:sp>
+        <p:nvSpPr>
+          <p:cNvPr id="3" name="內容版面配置區 2">
+            <a:extLst>
+              <a:ext uri="{FF2B5EF4-FFF2-40B4-BE49-F238E27FC236}">
+                <a16:creationId xmlns:a16="http://schemas.microsoft.com/office/drawing/2014/main" id="{1C15D228-675F-41E1-6734-DF1811F43326}"/>
+              </a:ext>
+            </a:extLst>
+          </p:cNvPr>
+          <p:cNvSpPr>
+            <a:spLocks noGrp="1"/>
+          </p:cNvSpPr>
+          <p:nvPr>
+            <p:ph idx="1"/>
+          </p:nvPr>
+        </p:nvSpPr>
+        <p:spPr>
+          <a:xfrm>
+            <a:off x="1141412" y="2249487"/>
+            <a:ext cx="9905999" cy="3541714"/>
+          </a:xfrm>
+        </p:spPr>
+        <p:txBody>
+          <a:bodyPr>
+            <a:normAutofit fontScale="62500" lnSpcReduction="20000"/>
+          </a:bodyPr>
+          <a:lstStyle/>
+          <a:p>
+            <a:r>
+              <a:rPr lang="zh-TW" altLang="en-US" dirty="0"/>
+              <a:t>閏年判斷</a:t>
+            </a:r>
+            <a:endParaRPr lang="en-US" altLang="zh-TW" dirty="0"/>
+          </a:p>
+          <a:p>
+            <a:pPr lvl="1"/>
+            <a:r>
+              <a:rPr lang="en-US" altLang="zh-TW" dirty="0"/>
+              <a:t>(</a:t>
+            </a:r>
+            <a:r>
+              <a:rPr lang="zh-TW" altLang="en-US" dirty="0"/>
+              <a:t>被 </a:t>
+            </a:r>
+            <a:r>
+              <a:rPr lang="en-US" altLang="zh-TW" dirty="0"/>
+              <a:t>4 </a:t>
+            </a:r>
+            <a:r>
+              <a:rPr lang="zh-TW" altLang="en-US" dirty="0"/>
+              <a:t>整除 </a:t>
+            </a:r>
+            <a:r>
+              <a:rPr lang="zh-TW" altLang="en-US" b="1" dirty="0"/>
+              <a:t>且</a:t>
+            </a:r>
+            <a:r>
+              <a:rPr lang="zh-TW" altLang="en-US" dirty="0"/>
+              <a:t> 不被 </a:t>
+            </a:r>
+            <a:r>
+              <a:rPr lang="en-US" altLang="zh-TW" dirty="0"/>
+              <a:t>100 </a:t>
+            </a:r>
+            <a:r>
+              <a:rPr lang="zh-TW" altLang="en-US" dirty="0"/>
+              <a:t>整除</a:t>
+            </a:r>
+            <a:r>
+              <a:rPr lang="en-US" altLang="zh-TW" dirty="0"/>
+              <a:t>) </a:t>
+            </a:r>
+            <a:r>
+              <a:rPr lang="zh-TW" altLang="en-US" b="1" dirty="0"/>
+              <a:t>或</a:t>
+            </a:r>
+            <a:r>
+              <a:rPr lang="zh-TW" altLang="en-US" dirty="0"/>
+              <a:t> </a:t>
+            </a:r>
+            <a:r>
+              <a:rPr lang="en-US" altLang="zh-TW" dirty="0"/>
+              <a:t>(</a:t>
+            </a:r>
+            <a:r>
+              <a:rPr lang="zh-TW" altLang="en-US" dirty="0"/>
+              <a:t>被 </a:t>
+            </a:r>
+            <a:r>
+              <a:rPr lang="en-US" altLang="zh-TW" dirty="0"/>
+              <a:t>400 </a:t>
+            </a:r>
+            <a:r>
+              <a:rPr lang="zh-TW" altLang="en-US" dirty="0"/>
+              <a:t>整除</a:t>
+            </a:r>
+            <a:r>
+              <a:rPr lang="en-US" altLang="zh-TW" dirty="0"/>
+              <a:t>)</a:t>
+            </a:r>
+            <a:r>
+              <a:rPr lang="zh-TW" altLang="en-US" dirty="0"/>
+              <a:t>。 </a:t>
+            </a:r>
+            <a:endParaRPr lang="en-US" altLang="zh-TW" dirty="0"/>
+          </a:p>
+          <a:p>
+            <a:r>
+              <a:rPr lang="zh-TW" altLang="en-US" dirty="0"/>
+              <a:t>遊樂園門票檢查 </a:t>
+            </a:r>
+            <a:r>
+              <a:rPr lang="en-US" altLang="zh-TW" dirty="0"/>
+              <a:t>(Ticket Eligibility)</a:t>
+            </a:r>
+          </a:p>
+          <a:p>
+            <a:pPr lvl="1"/>
+            <a:r>
+              <a:rPr lang="zh-TW" altLang="en-US" dirty="0"/>
+              <a:t>題目： 輸入年齡 </a:t>
+            </a:r>
+            <a:r>
+              <a:rPr lang="en-US" altLang="zh-TW" dirty="0"/>
+              <a:t>(age) </a:t>
+            </a:r>
+            <a:r>
+              <a:rPr lang="zh-TW" altLang="en-US" dirty="0"/>
+              <a:t>和身高 </a:t>
+            </a:r>
+            <a:r>
+              <a:rPr lang="en-US" altLang="zh-TW" dirty="0"/>
+              <a:t>(height)</a:t>
+            </a:r>
+            <a:r>
+              <a:rPr lang="zh-TW" altLang="en-US" dirty="0"/>
+              <a:t>。</a:t>
+            </a:r>
+          </a:p>
+          <a:p>
+            <a:pPr lvl="1"/>
+            <a:r>
+              <a:rPr lang="zh-TW" altLang="en-US" dirty="0"/>
+              <a:t>規則： 必須年滿 </a:t>
+            </a:r>
+            <a:r>
+              <a:rPr lang="en-US" altLang="zh-TW" dirty="0"/>
+              <a:t>12 </a:t>
+            </a:r>
+            <a:r>
+              <a:rPr lang="zh-TW" altLang="en-US" dirty="0"/>
+              <a:t>歲 或 身高超過 </a:t>
+            </a:r>
+            <a:r>
+              <a:rPr lang="en-US" altLang="zh-TW" dirty="0"/>
+              <a:t>140 </a:t>
+            </a:r>
+            <a:r>
+              <a:rPr lang="zh-TW" altLang="en-US" dirty="0"/>
+              <a:t>公分，且不可以超過 </a:t>
+            </a:r>
+            <a:r>
+              <a:rPr lang="en-US" altLang="zh-TW" dirty="0"/>
+              <a:t>65 </a:t>
+            </a:r>
+            <a:r>
+              <a:rPr lang="zh-TW" altLang="en-US" dirty="0"/>
+              <a:t>歲，才能玩雲霄飛車。</a:t>
+            </a:r>
+          </a:p>
+          <a:p>
+            <a:pPr lvl="1"/>
+            <a:r>
+              <a:rPr lang="zh-TW" altLang="en-US" dirty="0"/>
+              <a:t>輸出： </a:t>
+            </a:r>
+            <a:r>
+              <a:rPr lang="en-US" altLang="zh-TW" dirty="0"/>
+              <a:t>Can Ride: true/false</a:t>
+            </a:r>
+          </a:p>
+          <a:p>
+            <a:r>
+              <a:rPr lang="zh-TW" altLang="en-US" dirty="0"/>
+              <a:t>數字特性分析 </a:t>
+            </a:r>
+            <a:r>
+              <a:rPr lang="en-US" altLang="zh-TW" dirty="0"/>
+              <a:t>(Number Analyzer)</a:t>
+            </a:r>
+          </a:p>
+          <a:p>
+            <a:pPr lvl="1"/>
+            <a:r>
+              <a:rPr lang="zh-TW" altLang="en-US" b="1" dirty="0"/>
+              <a:t>題目：</a:t>
+            </a:r>
+            <a:r>
+              <a:rPr lang="zh-TW" altLang="en-US" dirty="0"/>
+              <a:t> 輸入一個整數，分別印出以下判斷結果 </a:t>
+            </a:r>
+            <a:r>
+              <a:rPr lang="en-US" altLang="zh-TW" dirty="0"/>
+              <a:t>(true/false)</a:t>
+            </a:r>
+            <a:r>
+              <a:rPr lang="zh-TW" altLang="en-US" dirty="0"/>
+              <a:t>：</a:t>
+            </a:r>
+            <a:endParaRPr lang="en-US" altLang="zh-TW" dirty="0"/>
+          </a:p>
+          <a:p>
+            <a:pPr lvl="2"/>
+            <a:r>
+              <a:rPr lang="zh-TW" altLang="en-US" dirty="0"/>
+              <a:t>是偶數嗎？ </a:t>
+            </a:r>
+            <a:r>
+              <a:rPr lang="en-US" altLang="zh-TW" dirty="0"/>
+              <a:t>(num % 2 == 0)</a:t>
+            </a:r>
+          </a:p>
+          <a:p>
+            <a:pPr lvl="2"/>
+            <a:r>
+              <a:rPr lang="zh-TW" altLang="en-US" dirty="0"/>
+              <a:t>是 </a:t>
+            </a:r>
+            <a:r>
+              <a:rPr lang="en-US" altLang="zh-TW" dirty="0"/>
+              <a:t>10 </a:t>
+            </a:r>
+            <a:r>
+              <a:rPr lang="zh-TW" altLang="en-US" dirty="0"/>
+              <a:t>的倍數嗎？</a:t>
+            </a:r>
+          </a:p>
+          <a:p>
+            <a:pPr lvl="2"/>
+            <a:r>
+              <a:rPr lang="zh-TW" altLang="en-US" dirty="0"/>
+              <a:t>是正數嗎？</a:t>
+            </a:r>
+          </a:p>
+          <a:p>
+            <a:pPr lvl="2"/>
+            <a:r>
+              <a:rPr lang="zh-TW" altLang="en-US" dirty="0"/>
+              <a:t>個位數是 </a:t>
+            </a:r>
+            <a:r>
+              <a:rPr lang="en-US" altLang="zh-TW" dirty="0"/>
+              <a:t>7 </a:t>
+            </a:r>
+            <a:r>
+              <a:rPr lang="zh-TW" altLang="en-US" dirty="0"/>
+              <a:t>嗎？ </a:t>
+            </a:r>
+            <a:r>
+              <a:rPr lang="en-US" altLang="zh-TW" dirty="0"/>
+              <a:t>(</a:t>
+            </a:r>
+            <a:r>
+              <a:rPr lang="en-US" altLang="zh-TW" dirty="0" err="1"/>
+              <a:t>Math.abs</a:t>
+            </a:r>
+            <a:r>
+              <a:rPr lang="en-US" altLang="zh-TW" dirty="0"/>
+              <a:t>(num) % 10 == 7)</a:t>
+            </a:r>
+          </a:p>
+        </p:txBody>
+      </p:sp>
+    </p:spTree>
+    <p:extLst>
+      <p:ext uri="{BB962C8B-B14F-4D97-AF65-F5344CB8AC3E}">
+        <p14:creationId xmlns:p14="http://schemas.microsoft.com/office/powerpoint/2010/main" val="325881416"/>
+      </p:ext>
+    </p:extLst>
+  </p:cSld>
+  <p:clrMapOvr>
+    <a:masterClrMapping/>
+  </p:clrMapOvr>
+</p:sld>
+</file>
+
+<file path=ppt/slides/slide19.xml><?xml version="1.0" encoding="utf-8"?>
+<p:sld xmlns:a="http://schemas.openxmlformats.org/drawingml/2006/main" xmlns:r="http://schemas.openxmlformats.org/officeDocument/2006/relationships" xmlns:p="http://schemas.openxmlformats.org/presentationml/2006/main">
+  <p:cSld>
+    <p:spTree>
+      <p:nvGrpSpPr>
+        <p:cNvPr id="1" name=""/>
+        <p:cNvGrpSpPr/>
+        <p:nvPr/>
+      </p:nvGrpSpPr>
+      <p:grpSpPr>
+        <a:xfrm>
+          <a:off x="0" y="0"/>
+          <a:ext cx="0" cy="0"/>
+          <a:chOff x="0" y="0"/>
+          <a:chExt cx="0" cy="0"/>
+        </a:xfrm>
+      </p:grpSpPr>
+      <p:sp>
+        <p:nvSpPr>
+          <p:cNvPr id="2" name="標題 1">
+            <a:extLst>
+              <a:ext uri="{FF2B5EF4-FFF2-40B4-BE49-F238E27FC236}">
+                <a16:creationId xmlns:a16="http://schemas.microsoft.com/office/drawing/2014/main" id="{7C98A053-CC70-765A-4207-EDC80499726D}"/>
+              </a:ext>
+            </a:extLst>
+          </p:cNvPr>
+          <p:cNvSpPr>
+            <a:spLocks noGrp="1"/>
+          </p:cNvSpPr>
+          <p:nvPr>
+            <p:ph type="title"/>
+          </p:nvPr>
+        </p:nvSpPr>
+        <p:spPr/>
+        <p:txBody>
+          <a:bodyPr/>
+          <a:lstStyle/>
+          <a:p>
+            <a:r>
+              <a:rPr lang="zh-TW" altLang="en-US" dirty="0"/>
+              <a:t>題目</a:t>
+            </a:r>
+          </a:p>
+        </p:txBody>
+      </p:sp>
+      <p:sp>
+        <p:nvSpPr>
+          <p:cNvPr id="3" name="內容版面配置區 2">
+            <a:extLst>
+              <a:ext uri="{FF2B5EF4-FFF2-40B4-BE49-F238E27FC236}">
+                <a16:creationId xmlns:a16="http://schemas.microsoft.com/office/drawing/2014/main" id="{82178F36-35AD-F485-69C5-593A060B63DD}"/>
+              </a:ext>
+            </a:extLst>
+          </p:cNvPr>
+          <p:cNvSpPr>
+            <a:spLocks noGrp="1"/>
+          </p:cNvSpPr>
+          <p:nvPr>
+            <p:ph idx="1"/>
+          </p:nvPr>
+        </p:nvSpPr>
+        <p:spPr/>
+        <p:txBody>
+          <a:bodyPr/>
+          <a:lstStyle/>
+          <a:p>
+            <a:r>
+              <a:rPr lang="zh-TW" altLang="en-US" dirty="0"/>
+              <a:t>小費分配器 </a:t>
+            </a:r>
+            <a:r>
+              <a:rPr lang="en-US" altLang="zh-TW" dirty="0"/>
+              <a:t>(Bill Splitter)</a:t>
+            </a:r>
+          </a:p>
+          <a:p>
+            <a:pPr lvl="1"/>
+            <a:r>
+              <a:rPr lang="zh-TW" altLang="en-US" b="1" dirty="0"/>
+              <a:t>題目：</a:t>
+            </a:r>
+            <a:r>
+              <a:rPr lang="zh-TW" altLang="en-US" dirty="0"/>
+              <a:t> 輸入帳單總金額、小費百分比、分攤人數。</a:t>
+            </a:r>
+            <a:endParaRPr lang="en-US" altLang="zh-TW" dirty="0"/>
+          </a:p>
+          <a:p>
+            <a:pPr lvl="2"/>
+            <a:r>
+              <a:rPr lang="zh-TW" altLang="en-US" dirty="0"/>
+              <a:t>輸出：</a:t>
+            </a:r>
+          </a:p>
+          <a:p>
+            <a:pPr lvl="2"/>
+            <a:r>
+              <a:rPr lang="zh-TW" altLang="en-US" dirty="0"/>
+              <a:t>    小費總額。</a:t>
+            </a:r>
+          </a:p>
+          <a:p>
+            <a:pPr lvl="2"/>
+            <a:r>
+              <a:rPr lang="zh-TW" altLang="en-US" dirty="0"/>
+              <a:t>    帳單總額 </a:t>
+            </a:r>
+            <a:r>
+              <a:rPr lang="en-US" altLang="zh-TW" dirty="0"/>
+              <a:t>(</a:t>
+            </a:r>
+            <a:r>
+              <a:rPr lang="zh-TW" altLang="en-US" dirty="0"/>
+              <a:t>含小費</a:t>
+            </a:r>
+            <a:r>
+              <a:rPr lang="en-US" altLang="zh-TW" dirty="0"/>
+              <a:t>)</a:t>
+            </a:r>
+            <a:r>
+              <a:rPr lang="zh-TW" altLang="en-US" dirty="0"/>
+              <a:t>。</a:t>
+            </a:r>
+          </a:p>
+          <a:p>
+            <a:pPr lvl="2"/>
+            <a:r>
+              <a:rPr lang="zh-TW" altLang="en-US" dirty="0"/>
+              <a:t>    每個人應該付多少錢 </a:t>
+            </a:r>
+            <a:r>
+              <a:rPr lang="en-US" altLang="zh-TW" dirty="0"/>
+              <a:t>(</a:t>
+            </a:r>
+            <a:r>
+              <a:rPr lang="zh-TW" altLang="en-US" dirty="0"/>
+              <a:t>取整數</a:t>
+            </a:r>
+            <a:r>
+              <a:rPr lang="en-US" altLang="zh-TW" dirty="0"/>
+              <a:t>)</a:t>
+            </a:r>
+            <a:r>
+              <a:rPr lang="zh-TW" altLang="en-US" dirty="0"/>
+              <a:t>。</a:t>
+            </a:r>
+          </a:p>
+          <a:p>
+            <a:pPr lvl="2"/>
+            <a:r>
+              <a:rPr lang="zh-TW" altLang="en-US" dirty="0"/>
+              <a:t>    由最後一個人付剩下的零頭 </a:t>
+            </a:r>
+            <a:r>
+              <a:rPr lang="en-US" altLang="zh-TW" dirty="0"/>
+              <a:t>(</a:t>
+            </a:r>
+            <a:r>
+              <a:rPr lang="zh-TW" altLang="en-US" dirty="0"/>
+              <a:t>這是重點</a:t>
+            </a:r>
+            <a:r>
+              <a:rPr lang="en-US" altLang="zh-TW" dirty="0"/>
+              <a:t>)</a:t>
+            </a:r>
+            <a:r>
+              <a:rPr lang="zh-TW" altLang="en-US" dirty="0"/>
+              <a:t>。</a:t>
+            </a:r>
+          </a:p>
+          <a:p>
+            <a:pPr lvl="2"/>
+            <a:r>
+              <a:rPr lang="zh-TW" altLang="en-US" dirty="0"/>
+              <a:t>情境： 帳單 </a:t>
+            </a:r>
+            <a:r>
+              <a:rPr lang="en-US" altLang="zh-TW" dirty="0"/>
+              <a:t>100 </a:t>
+            </a:r>
+            <a:r>
+              <a:rPr lang="zh-TW" altLang="en-US" dirty="0"/>
+              <a:t>元，</a:t>
+            </a:r>
+            <a:r>
+              <a:rPr lang="en-US" altLang="zh-TW" dirty="0"/>
+              <a:t>3</a:t>
+            </a:r>
+            <a:r>
+              <a:rPr lang="zh-TW" altLang="en-US" dirty="0"/>
+              <a:t>人分。前兩人付 </a:t>
+            </a:r>
+            <a:r>
+              <a:rPr lang="en-US" altLang="zh-TW" dirty="0"/>
+              <a:t>33</a:t>
+            </a:r>
+            <a:r>
+              <a:rPr lang="zh-TW" altLang="en-US" dirty="0"/>
+              <a:t>，最後一人付 </a:t>
+            </a:r>
+            <a:r>
+              <a:rPr lang="en-US" altLang="zh-TW" dirty="0"/>
+              <a:t>34</a:t>
+            </a:r>
+            <a:r>
+              <a:rPr lang="zh-TW" altLang="en-US" dirty="0"/>
+              <a:t>。</a:t>
+            </a:r>
+          </a:p>
+          <a:p>
+            <a:endParaRPr lang="zh-TW" altLang="en-US" dirty="0"/>
+          </a:p>
+        </p:txBody>
+      </p:sp>
+    </p:spTree>
+    <p:extLst>
+      <p:ext uri="{BB962C8B-B14F-4D97-AF65-F5344CB8AC3E}">
+        <p14:creationId xmlns:p14="http://schemas.microsoft.com/office/powerpoint/2010/main" val="644980433"/>
+      </p:ext>
+    </p:extLst>
+  </p:cSld>
+  <p:clrMapOvr>
+    <a:masterClrMapping/>
+  </p:clrMapOvr>
+</p:sld>
+</file>
+
 <file path=ppt/slides/slide2.xml><?xml version="1.0" encoding="utf-8"?>
 <p:sld xmlns:a="http://schemas.openxmlformats.org/drawingml/2006/main" xmlns:r="http://schemas.openxmlformats.org/officeDocument/2006/relationships" xmlns:p="http://schemas.openxmlformats.org/presentationml/2006/main">
   <p:cSld>
@@ -22261,7 +22827,7 @@
           <a:noFill/>
           <a:extLst>
             <a:ext uri="{909E8E84-426E-40dd-AFC4-6F175D3DCCD1}">
-              <a14:hiddenFill xmlns="" xmlns:a16="http://schemas.microsoft.com/office/drawing/2014/main" xmlns:p14="http://schemas.microsoft.com/office/powerpoint/2010/main" xmlns:a14="http://schemas.microsoft.com/office/drawing/2010/main">
+              <a14:hiddenFill xmlns:a14="http://schemas.microsoft.com/office/drawing/2010/main" xmlns:p14="http://schemas.microsoft.com/office/powerpoint/2010/main" xmlns:a16="http://schemas.microsoft.com/office/drawing/2014/main" xmlns="">
                 <a:solidFill>
                   <a:srgbClr val="FFFFFF"/>
                 </a:solidFill>
@@ -22353,7 +22919,7 @@
             </a:ln>
             <a:extLst>
               <a:ext uri="{91240B29-F687-4f45-9708-019B960494DF}">
-                <a14:hiddenLine xmlns="" xmlns:a16="http://schemas.microsoft.com/office/drawing/2014/main" xmlns:p14="http://schemas.microsoft.com/office/powerpoint/2010/main" xmlns:a14="http://schemas.microsoft.com/office/drawing/2010/main" w="9525">
+                <a14:hiddenLine xmlns:a14="http://schemas.microsoft.com/office/drawing/2010/main" xmlns:p14="http://schemas.microsoft.com/office/powerpoint/2010/main" xmlns:a16="http://schemas.microsoft.com/office/drawing/2014/main" xmlns="" w="9525">
                   <a:solidFill>
                     <a:srgbClr val="000000"/>
                   </a:solidFill>
@@ -22465,7 +23031,7 @@
             </a:ln>
             <a:extLst>
               <a:ext uri="{91240B29-F687-4f45-9708-019B960494DF}">
-                <a14:hiddenLine xmlns="" xmlns:a16="http://schemas.microsoft.com/office/drawing/2014/main" xmlns:p14="http://schemas.microsoft.com/office/powerpoint/2010/main" xmlns:a14="http://schemas.microsoft.com/office/drawing/2010/main" w="9525">
+                <a14:hiddenLine xmlns:a14="http://schemas.microsoft.com/office/drawing/2010/main" xmlns:p14="http://schemas.microsoft.com/office/powerpoint/2010/main" xmlns:a16="http://schemas.microsoft.com/office/drawing/2014/main" xmlns="" w="9525">
                   <a:solidFill>
                     <a:srgbClr val="000000"/>
                   </a:solidFill>
@@ -22577,7 +23143,7 @@
             </a:ln>
             <a:extLst>
               <a:ext uri="{91240B29-F687-4f45-9708-019B960494DF}">
-                <a14:hiddenLine xmlns="" xmlns:a16="http://schemas.microsoft.com/office/drawing/2014/main" xmlns:p14="http://schemas.microsoft.com/office/powerpoint/2010/main" xmlns:a14="http://schemas.microsoft.com/office/drawing/2010/main" w="9525">
+                <a14:hiddenLine xmlns:a14="http://schemas.microsoft.com/office/drawing/2010/main" xmlns:p14="http://schemas.microsoft.com/office/powerpoint/2010/main" xmlns:a16="http://schemas.microsoft.com/office/drawing/2014/main" xmlns="" w="9525">
                   <a:solidFill>
                     <a:srgbClr val="000000"/>
                   </a:solidFill>
@@ -22633,7 +23199,7 @@
             </a:ln>
             <a:extLst>
               <a:ext uri="{91240B29-F687-4f45-9708-019B960494DF}">
-                <a14:hiddenLine xmlns="" xmlns:a16="http://schemas.microsoft.com/office/drawing/2014/main" xmlns:p14="http://schemas.microsoft.com/office/powerpoint/2010/main" xmlns:a14="http://schemas.microsoft.com/office/drawing/2010/main" w="9525">
+                <a14:hiddenLine xmlns:a14="http://schemas.microsoft.com/office/drawing/2010/main" xmlns:p14="http://schemas.microsoft.com/office/powerpoint/2010/main" xmlns:a16="http://schemas.microsoft.com/office/drawing/2014/main" xmlns="" w="9525">
                   <a:solidFill>
                     <a:srgbClr val="000000"/>
                   </a:solidFill>
@@ -22745,7 +23311,7 @@
             </a:ln>
             <a:extLst>
               <a:ext uri="{91240B29-F687-4f45-9708-019B960494DF}">
-                <a14:hiddenLine xmlns="" xmlns:a16="http://schemas.microsoft.com/office/drawing/2014/main" xmlns:p14="http://schemas.microsoft.com/office/powerpoint/2010/main" xmlns:a14="http://schemas.microsoft.com/office/drawing/2010/main" w="9525">
+                <a14:hiddenLine xmlns:a14="http://schemas.microsoft.com/office/drawing/2010/main" xmlns:p14="http://schemas.microsoft.com/office/powerpoint/2010/main" xmlns:a16="http://schemas.microsoft.com/office/drawing/2014/main" xmlns="" w="9525">
                   <a:solidFill>
                     <a:srgbClr val="000000"/>
                   </a:solidFill>
@@ -22829,7 +23395,7 @@
             </a:ln>
             <a:extLst>
               <a:ext uri="{91240B29-F687-4f45-9708-019B960494DF}">
-                <a14:hiddenLine xmlns="" xmlns:a16="http://schemas.microsoft.com/office/drawing/2014/main" xmlns:p14="http://schemas.microsoft.com/office/powerpoint/2010/main" xmlns:a14="http://schemas.microsoft.com/office/drawing/2010/main" w="9525">
+                <a14:hiddenLine xmlns:a14="http://schemas.microsoft.com/office/drawing/2010/main" xmlns:p14="http://schemas.microsoft.com/office/powerpoint/2010/main" xmlns:a16="http://schemas.microsoft.com/office/drawing/2014/main" xmlns="" w="9525">
                   <a:solidFill>
                     <a:srgbClr val="000000"/>
                   </a:solidFill>
@@ -22913,7 +23479,7 @@
             </a:ln>
             <a:extLst>
               <a:ext uri="{91240B29-F687-4f45-9708-019B960494DF}">
-                <a14:hiddenLine xmlns="" xmlns:a16="http://schemas.microsoft.com/office/drawing/2014/main" xmlns:p14="http://schemas.microsoft.com/office/powerpoint/2010/main" xmlns:a14="http://schemas.microsoft.com/office/drawing/2010/main" w="9525">
+                <a14:hiddenLine xmlns:a14="http://schemas.microsoft.com/office/drawing/2010/main" xmlns:p14="http://schemas.microsoft.com/office/powerpoint/2010/main" xmlns:a16="http://schemas.microsoft.com/office/drawing/2014/main" xmlns="" w="9525">
                   <a:solidFill>
                     <a:srgbClr val="000000"/>
                   </a:solidFill>
@@ -23025,7 +23591,7 @@
             </a:ln>
             <a:extLst>
               <a:ext uri="{91240B29-F687-4f45-9708-019B960494DF}">
-                <a14:hiddenLine xmlns="" xmlns:a16="http://schemas.microsoft.com/office/drawing/2014/main" xmlns:p14="http://schemas.microsoft.com/office/powerpoint/2010/main" xmlns:a14="http://schemas.microsoft.com/office/drawing/2010/main" w="9525">
+                <a14:hiddenLine xmlns:a14="http://schemas.microsoft.com/office/drawing/2010/main" xmlns:p14="http://schemas.microsoft.com/office/powerpoint/2010/main" xmlns:a16="http://schemas.microsoft.com/office/drawing/2014/main" xmlns="" w="9525">
                   <a:solidFill>
                     <a:srgbClr val="000000"/>
                   </a:solidFill>
@@ -23109,7 +23675,7 @@
             </a:ln>
             <a:extLst>
               <a:ext uri="{91240B29-F687-4f45-9708-019B960494DF}">
-                <a14:hiddenLine xmlns="" xmlns:a16="http://schemas.microsoft.com/office/drawing/2014/main" xmlns:p14="http://schemas.microsoft.com/office/powerpoint/2010/main" xmlns:a14="http://schemas.microsoft.com/office/drawing/2010/main" w="9525">
+                <a14:hiddenLine xmlns:a14="http://schemas.microsoft.com/office/drawing/2010/main" xmlns:p14="http://schemas.microsoft.com/office/powerpoint/2010/main" xmlns:a16="http://schemas.microsoft.com/office/drawing/2014/main" xmlns="" w="9525">
                   <a:solidFill>
                     <a:srgbClr val="000000"/>
                   </a:solidFill>
@@ -23193,7 +23759,7 @@
             </a:ln>
             <a:extLst>
               <a:ext uri="{91240B29-F687-4f45-9708-019B960494DF}">
-                <a14:hiddenLine xmlns="" xmlns:a16="http://schemas.microsoft.com/office/drawing/2014/main" xmlns:p14="http://schemas.microsoft.com/office/powerpoint/2010/main" xmlns:a14="http://schemas.microsoft.com/office/drawing/2010/main" w="9525">
+                <a14:hiddenLine xmlns:a14="http://schemas.microsoft.com/office/drawing/2010/main" xmlns:p14="http://schemas.microsoft.com/office/powerpoint/2010/main" xmlns:a16="http://schemas.microsoft.com/office/drawing/2014/main" xmlns="" w="9525">
                   <a:solidFill>
                     <a:srgbClr val="000000"/>
                   </a:solidFill>
@@ -23305,7 +23871,7 @@
             </a:ln>
             <a:extLst>
               <a:ext uri="{91240B29-F687-4f45-9708-019B960494DF}">
-                <a14:hiddenLine xmlns="" xmlns:a16="http://schemas.microsoft.com/office/drawing/2014/main" xmlns:p14="http://schemas.microsoft.com/office/powerpoint/2010/main" xmlns:a14="http://schemas.microsoft.com/office/drawing/2010/main" w="9525">
+                <a14:hiddenLine xmlns:a14="http://schemas.microsoft.com/office/drawing/2010/main" xmlns:p14="http://schemas.microsoft.com/office/powerpoint/2010/main" xmlns:a16="http://schemas.microsoft.com/office/drawing/2014/main" xmlns="" w="9525">
                   <a:solidFill>
                     <a:srgbClr val="000000"/>
                   </a:solidFill>
@@ -23417,7 +23983,7 @@
             </a:ln>
             <a:extLst>
               <a:ext uri="{91240B29-F687-4f45-9708-019B960494DF}">
-                <a14:hiddenLine xmlns="" xmlns:a16="http://schemas.microsoft.com/office/drawing/2014/main" xmlns:p14="http://schemas.microsoft.com/office/powerpoint/2010/main" xmlns:a14="http://schemas.microsoft.com/office/drawing/2010/main" w="9525">
+                <a14:hiddenLine xmlns:a14="http://schemas.microsoft.com/office/drawing/2010/main" xmlns:p14="http://schemas.microsoft.com/office/powerpoint/2010/main" xmlns:a16="http://schemas.microsoft.com/office/drawing/2014/main" xmlns="" w="9525">
                   <a:solidFill>
                     <a:srgbClr val="000000"/>
                   </a:solidFill>
@@ -23501,7 +24067,7 @@
             </a:ln>
             <a:extLst>
               <a:ext uri="{91240B29-F687-4f45-9708-019B960494DF}">
-                <a14:hiddenLine xmlns="" xmlns:a16="http://schemas.microsoft.com/office/drawing/2014/main" xmlns:p14="http://schemas.microsoft.com/office/powerpoint/2010/main" xmlns:a14="http://schemas.microsoft.com/office/drawing/2010/main" w="9525">
+                <a14:hiddenLine xmlns:a14="http://schemas.microsoft.com/office/drawing/2010/main" xmlns:p14="http://schemas.microsoft.com/office/powerpoint/2010/main" xmlns:a16="http://schemas.microsoft.com/office/drawing/2014/main" xmlns="" w="9525">
                   <a:solidFill>
                     <a:srgbClr val="000000"/>
                   </a:solidFill>
@@ -23633,7 +24199,7 @@
             </a:ln>
             <a:extLst>
               <a:ext uri="{91240B29-F687-4f45-9708-019B960494DF}">
-                <a14:hiddenLine xmlns="" xmlns:a16="http://schemas.microsoft.com/office/drawing/2014/main" xmlns:p14="http://schemas.microsoft.com/office/powerpoint/2010/main" xmlns:a14="http://schemas.microsoft.com/office/drawing/2010/main" w="9525">
+                <a14:hiddenLine xmlns:a14="http://schemas.microsoft.com/office/drawing/2010/main" xmlns:p14="http://schemas.microsoft.com/office/powerpoint/2010/main" xmlns:a16="http://schemas.microsoft.com/office/drawing/2014/main" xmlns="" w="9525">
                   <a:solidFill>
                     <a:srgbClr val="000000"/>
                   </a:solidFill>
@@ -23717,7 +24283,7 @@
             </a:ln>
             <a:extLst>
               <a:ext uri="{91240B29-F687-4f45-9708-019B960494DF}">
-                <a14:hiddenLine xmlns="" xmlns:a16="http://schemas.microsoft.com/office/drawing/2014/main" xmlns:p14="http://schemas.microsoft.com/office/powerpoint/2010/main" xmlns:a14="http://schemas.microsoft.com/office/drawing/2010/main" w="9525">
+                <a14:hiddenLine xmlns:a14="http://schemas.microsoft.com/office/drawing/2010/main" xmlns:p14="http://schemas.microsoft.com/office/powerpoint/2010/main" xmlns:a16="http://schemas.microsoft.com/office/drawing/2014/main" xmlns="" w="9525">
                   <a:solidFill>
                     <a:srgbClr val="000000"/>
                   </a:solidFill>
@@ -23829,7 +24395,7 @@
             </a:ln>
             <a:extLst>
               <a:ext uri="{91240B29-F687-4f45-9708-019B960494DF}">
-                <a14:hiddenLine xmlns="" xmlns:a16="http://schemas.microsoft.com/office/drawing/2014/main" xmlns:p14="http://schemas.microsoft.com/office/powerpoint/2010/main" xmlns:a14="http://schemas.microsoft.com/office/drawing/2010/main" w="9525">
+                <a14:hiddenLine xmlns:a14="http://schemas.microsoft.com/office/drawing/2010/main" xmlns:p14="http://schemas.microsoft.com/office/powerpoint/2010/main" xmlns:a16="http://schemas.microsoft.com/office/drawing/2014/main" xmlns="" w="9525">
                   <a:solidFill>
                     <a:srgbClr val="000000"/>
                   </a:solidFill>
@@ -23941,7 +24507,7 @@
             </a:ln>
             <a:extLst>
               <a:ext uri="{91240B29-F687-4f45-9708-019B960494DF}">
-                <a14:hiddenLine xmlns="" xmlns:a16="http://schemas.microsoft.com/office/drawing/2014/main" xmlns:p14="http://schemas.microsoft.com/office/powerpoint/2010/main" xmlns:a14="http://schemas.microsoft.com/office/drawing/2010/main" w="9525">
+                <a14:hiddenLine xmlns:a14="http://schemas.microsoft.com/office/drawing/2010/main" xmlns:p14="http://schemas.microsoft.com/office/powerpoint/2010/main" xmlns:a16="http://schemas.microsoft.com/office/drawing/2014/main" xmlns="" w="9525">
                   <a:solidFill>
                     <a:srgbClr val="000000"/>
                   </a:solidFill>
@@ -24025,7 +24591,7 @@
             </a:ln>
             <a:extLst>
               <a:ext uri="{91240B29-F687-4f45-9708-019B960494DF}">
-                <a14:hiddenLine xmlns="" xmlns:a16="http://schemas.microsoft.com/office/drawing/2014/main" xmlns:p14="http://schemas.microsoft.com/office/powerpoint/2010/main" xmlns:a14="http://schemas.microsoft.com/office/drawing/2010/main" w="9525">
+                <a14:hiddenLine xmlns:a14="http://schemas.microsoft.com/office/drawing/2010/main" xmlns:p14="http://schemas.microsoft.com/office/powerpoint/2010/main" xmlns:a16="http://schemas.microsoft.com/office/drawing/2014/main" xmlns="" w="9525">
                   <a:solidFill>
                     <a:srgbClr val="000000"/>
                   </a:solidFill>
@@ -24137,7 +24703,7 @@
             </a:ln>
             <a:extLst>
               <a:ext uri="{91240B29-F687-4f45-9708-019B960494DF}">
-                <a14:hiddenLine xmlns="" xmlns:a16="http://schemas.microsoft.com/office/drawing/2014/main" xmlns:p14="http://schemas.microsoft.com/office/powerpoint/2010/main" xmlns:a14="http://schemas.microsoft.com/office/drawing/2010/main" w="9525">
+                <a14:hiddenLine xmlns:a14="http://schemas.microsoft.com/office/drawing/2010/main" xmlns:p14="http://schemas.microsoft.com/office/powerpoint/2010/main" xmlns:a16="http://schemas.microsoft.com/office/drawing/2014/main" xmlns="" w="9525">
                   <a:solidFill>
                     <a:srgbClr val="000000"/>
                   </a:solidFill>
@@ -24249,7 +24815,7 @@
             </a:ln>
             <a:extLst>
               <a:ext uri="{91240B29-F687-4f45-9708-019B960494DF}">
-                <a14:hiddenLine xmlns="" xmlns:a16="http://schemas.microsoft.com/office/drawing/2014/main" xmlns:p14="http://schemas.microsoft.com/office/powerpoint/2010/main" xmlns:a14="http://schemas.microsoft.com/office/drawing/2010/main" w="9525">
+                <a14:hiddenLine xmlns:a14="http://schemas.microsoft.com/office/drawing/2010/main" xmlns:p14="http://schemas.microsoft.com/office/powerpoint/2010/main" xmlns:a16="http://schemas.microsoft.com/office/drawing/2014/main" xmlns="" w="9525">
                   <a:solidFill>
                     <a:srgbClr val="000000"/>
                   </a:solidFill>
@@ -24327,7 +24893,7 @@
             </a:ln>
             <a:extLst>
               <a:ext uri="{91240B29-F687-4f45-9708-019B960494DF}">
-                <a14:hiddenLine xmlns="" xmlns:a16="http://schemas.microsoft.com/office/drawing/2014/main" xmlns:p14="http://schemas.microsoft.com/office/powerpoint/2010/main" xmlns:a14="http://schemas.microsoft.com/office/drawing/2010/main" w="9525">
+                <a14:hiddenLine xmlns:a14="http://schemas.microsoft.com/office/drawing/2010/main" xmlns:p14="http://schemas.microsoft.com/office/powerpoint/2010/main" xmlns:a16="http://schemas.microsoft.com/office/drawing/2014/main" xmlns="" w="9525">
                   <a:solidFill>
                     <a:srgbClr val="000000"/>
                   </a:solidFill>
@@ -24439,7 +25005,7 @@
             </a:ln>
             <a:extLst>
               <a:ext uri="{91240B29-F687-4f45-9708-019B960494DF}">
-                <a14:hiddenLine xmlns="" xmlns:a16="http://schemas.microsoft.com/office/drawing/2014/main" xmlns:p14="http://schemas.microsoft.com/office/powerpoint/2010/main" xmlns:a14="http://schemas.microsoft.com/office/drawing/2010/main" w="9525">
+                <a14:hiddenLine xmlns:a14="http://schemas.microsoft.com/office/drawing/2010/main" xmlns:p14="http://schemas.microsoft.com/office/powerpoint/2010/main" xmlns:a16="http://schemas.microsoft.com/office/drawing/2014/main" xmlns="" w="9525">
                   <a:solidFill>
                     <a:srgbClr val="000000"/>
                   </a:solidFill>
@@ -24517,7 +25083,7 @@
             </a:ln>
             <a:extLst>
               <a:ext uri="{91240B29-F687-4f45-9708-019B960494DF}">
-                <a14:hiddenLine xmlns="" xmlns:a16="http://schemas.microsoft.com/office/drawing/2014/main" xmlns:p14="http://schemas.microsoft.com/office/powerpoint/2010/main" xmlns:a14="http://schemas.microsoft.com/office/drawing/2010/main" w="9525">
+                <a14:hiddenLine xmlns:a14="http://schemas.microsoft.com/office/drawing/2010/main" xmlns:p14="http://schemas.microsoft.com/office/powerpoint/2010/main" xmlns:a16="http://schemas.microsoft.com/office/drawing/2014/main" xmlns="" w="9525">
                   <a:solidFill>
                     <a:srgbClr val="000000"/>
                   </a:solidFill>
@@ -24629,7 +25195,7 @@
             </a:ln>
             <a:extLst>
               <a:ext uri="{91240B29-F687-4f45-9708-019B960494DF}">
-                <a14:hiddenLine xmlns="" xmlns:a16="http://schemas.microsoft.com/office/drawing/2014/main" xmlns:p14="http://schemas.microsoft.com/office/powerpoint/2010/main" xmlns:a14="http://schemas.microsoft.com/office/drawing/2010/main" w="9525">
+                <a14:hiddenLine xmlns:a14="http://schemas.microsoft.com/office/drawing/2010/main" xmlns:p14="http://schemas.microsoft.com/office/powerpoint/2010/main" xmlns:a16="http://schemas.microsoft.com/office/drawing/2014/main" xmlns="" w="9525">
                   <a:solidFill>
                     <a:srgbClr val="000000"/>
                   </a:solidFill>
@@ -24719,7 +25285,7 @@
             </a:ln>
             <a:extLst>
               <a:ext uri="{91240B29-F687-4f45-9708-019B960494DF}">
-                <a14:hiddenLine xmlns="" xmlns:a16="http://schemas.microsoft.com/office/drawing/2014/main" xmlns:p14="http://schemas.microsoft.com/office/powerpoint/2010/main" xmlns:a14="http://schemas.microsoft.com/office/drawing/2010/main" w="9525">
+                <a14:hiddenLine xmlns:a14="http://schemas.microsoft.com/office/drawing/2010/main" xmlns:p14="http://schemas.microsoft.com/office/powerpoint/2010/main" xmlns:a16="http://schemas.microsoft.com/office/drawing/2014/main" xmlns="" w="9525">
                   <a:solidFill>
                     <a:srgbClr val="000000"/>
                   </a:solidFill>
@@ -24831,7 +25397,7 @@
             </a:ln>
             <a:extLst>
               <a:ext uri="{91240B29-F687-4f45-9708-019B960494DF}">
-                <a14:hiddenLine xmlns="" xmlns:a16="http://schemas.microsoft.com/office/drawing/2014/main" xmlns:p14="http://schemas.microsoft.com/office/powerpoint/2010/main" xmlns:a14="http://schemas.microsoft.com/office/drawing/2010/main" w="9525">
+                <a14:hiddenLine xmlns:a14="http://schemas.microsoft.com/office/drawing/2010/main" xmlns:p14="http://schemas.microsoft.com/office/powerpoint/2010/main" xmlns:a16="http://schemas.microsoft.com/office/drawing/2014/main" xmlns="" w="9525">
                   <a:solidFill>
                     <a:srgbClr val="000000"/>
                   </a:solidFill>
@@ -24921,7 +25487,7 @@
             </a:ln>
             <a:extLst>
               <a:ext uri="{91240B29-F687-4f45-9708-019B960494DF}">
-                <a14:hiddenLine xmlns="" xmlns:a16="http://schemas.microsoft.com/office/drawing/2014/main" xmlns:p14="http://schemas.microsoft.com/office/powerpoint/2010/main" xmlns:a14="http://schemas.microsoft.com/office/drawing/2010/main" w="9525">
+                <a14:hiddenLine xmlns:a14="http://schemas.microsoft.com/office/drawing/2010/main" xmlns:p14="http://schemas.microsoft.com/office/powerpoint/2010/main" xmlns:a16="http://schemas.microsoft.com/office/drawing/2014/main" xmlns="" w="9525">
                   <a:solidFill>
                     <a:srgbClr val="000000"/>
                   </a:solidFill>
@@ -25033,7 +25599,7 @@
             </a:ln>
             <a:extLst>
               <a:ext uri="{91240B29-F687-4f45-9708-019B960494DF}">
-                <a14:hiddenLine xmlns="" xmlns:a16="http://schemas.microsoft.com/office/drawing/2014/main" xmlns:p14="http://schemas.microsoft.com/office/powerpoint/2010/main" xmlns:a14="http://schemas.microsoft.com/office/drawing/2010/main" w="9525">
+                <a14:hiddenLine xmlns:a14="http://schemas.microsoft.com/office/drawing/2010/main" xmlns:p14="http://schemas.microsoft.com/office/powerpoint/2010/main" xmlns:a16="http://schemas.microsoft.com/office/drawing/2014/main" xmlns="" w="9525">
                   <a:solidFill>
                     <a:srgbClr val="000000"/>
                   </a:solidFill>
@@ -25089,7 +25655,7 @@
             </a:ln>
             <a:extLst>
               <a:ext uri="{91240B29-F687-4f45-9708-019B960494DF}">
-                <a14:hiddenLine xmlns="" xmlns:a16="http://schemas.microsoft.com/office/drawing/2014/main" xmlns:p14="http://schemas.microsoft.com/office/powerpoint/2010/main" xmlns:a14="http://schemas.microsoft.com/office/drawing/2010/main" w="9525">
+                <a14:hiddenLine xmlns:a14="http://schemas.microsoft.com/office/drawing/2010/main" xmlns:p14="http://schemas.microsoft.com/office/powerpoint/2010/main" xmlns:a16="http://schemas.microsoft.com/office/drawing/2014/main" xmlns="" w="9525">
                   <a:solidFill>
                     <a:srgbClr val="000000"/>
                   </a:solidFill>
@@ -25201,7 +25767,7 @@
             </a:ln>
             <a:extLst>
               <a:ext uri="{91240B29-F687-4f45-9708-019B960494DF}">
-                <a14:hiddenLine xmlns="" xmlns:a16="http://schemas.microsoft.com/office/drawing/2014/main" xmlns:p14="http://schemas.microsoft.com/office/powerpoint/2010/main" xmlns:a14="http://schemas.microsoft.com/office/drawing/2010/main" w="9525">
+                <a14:hiddenLine xmlns:a14="http://schemas.microsoft.com/office/drawing/2010/main" xmlns:p14="http://schemas.microsoft.com/office/powerpoint/2010/main" xmlns:a16="http://schemas.microsoft.com/office/drawing/2014/main" xmlns="" w="9525">
                   <a:solidFill>
                     <a:srgbClr val="000000"/>
                   </a:solidFill>
@@ -25285,7 +25851,7 @@
             </a:ln>
             <a:extLst>
               <a:ext uri="{91240B29-F687-4f45-9708-019B960494DF}">
-                <a14:hiddenLine xmlns="" xmlns:a16="http://schemas.microsoft.com/office/drawing/2014/main" xmlns:p14="http://schemas.microsoft.com/office/powerpoint/2010/main" xmlns:a14="http://schemas.microsoft.com/office/drawing/2010/main" w="9525">
+                <a14:hiddenLine xmlns:a14="http://schemas.microsoft.com/office/drawing/2010/main" xmlns:p14="http://schemas.microsoft.com/office/powerpoint/2010/main" xmlns:a16="http://schemas.microsoft.com/office/drawing/2014/main" xmlns="" w="9525">
                   <a:solidFill>
                     <a:srgbClr val="000000"/>
                   </a:solidFill>
@@ -25369,7 +25935,7 @@
             </a:ln>
             <a:extLst>
               <a:ext uri="{91240B29-F687-4f45-9708-019B960494DF}">
-                <a14:hiddenLine xmlns="" xmlns:a16="http://schemas.microsoft.com/office/drawing/2014/main" xmlns:p14="http://schemas.microsoft.com/office/powerpoint/2010/main" xmlns:a14="http://schemas.microsoft.com/office/drawing/2010/main" w="9525">
+                <a14:hiddenLine xmlns:a14="http://schemas.microsoft.com/office/drawing/2010/main" xmlns:p14="http://schemas.microsoft.com/office/powerpoint/2010/main" xmlns:a16="http://schemas.microsoft.com/office/drawing/2014/main" xmlns="" w="9525">
                   <a:solidFill>
                     <a:srgbClr val="000000"/>
                   </a:solidFill>
@@ -25481,7 +26047,7 @@
             </a:ln>
             <a:extLst>
               <a:ext uri="{91240B29-F687-4f45-9708-019B960494DF}">
-                <a14:hiddenLine xmlns="" xmlns:a16="http://schemas.microsoft.com/office/drawing/2014/main" xmlns:p14="http://schemas.microsoft.com/office/powerpoint/2010/main" xmlns:a14="http://schemas.microsoft.com/office/drawing/2010/main" w="9525">
+                <a14:hiddenLine xmlns:a14="http://schemas.microsoft.com/office/drawing/2010/main" xmlns:p14="http://schemas.microsoft.com/office/powerpoint/2010/main" xmlns:a16="http://schemas.microsoft.com/office/drawing/2014/main" xmlns="" w="9525">
                   <a:solidFill>
                     <a:srgbClr val="000000"/>
                   </a:solidFill>
@@ -25571,7 +26137,7 @@
             </a:ln>
             <a:extLst>
               <a:ext uri="{91240B29-F687-4f45-9708-019B960494DF}">
-                <a14:hiddenLine xmlns="" xmlns:a16="http://schemas.microsoft.com/office/drawing/2014/main" xmlns:p14="http://schemas.microsoft.com/office/powerpoint/2010/main" xmlns:a14="http://schemas.microsoft.com/office/drawing/2010/main" w="9525">
+                <a14:hiddenLine xmlns:a14="http://schemas.microsoft.com/office/drawing/2010/main" xmlns:p14="http://schemas.microsoft.com/office/powerpoint/2010/main" xmlns:a16="http://schemas.microsoft.com/office/drawing/2014/main" xmlns="" w="9525">
                   <a:solidFill>
                     <a:srgbClr val="000000"/>
                   </a:solidFill>
@@ -25655,7 +26221,7 @@
             </a:ln>
             <a:extLst>
               <a:ext uri="{91240B29-F687-4f45-9708-019B960494DF}">
-                <a14:hiddenLine xmlns="" xmlns:a16="http://schemas.microsoft.com/office/drawing/2014/main" xmlns:p14="http://schemas.microsoft.com/office/powerpoint/2010/main" xmlns:a14="http://schemas.microsoft.com/office/drawing/2010/main" w="9525">
+                <a14:hiddenLine xmlns:a14="http://schemas.microsoft.com/office/drawing/2010/main" xmlns:p14="http://schemas.microsoft.com/office/powerpoint/2010/main" xmlns:a16="http://schemas.microsoft.com/office/drawing/2014/main" xmlns="" w="9525">
                   <a:solidFill>
                     <a:srgbClr val="000000"/>
                   </a:solidFill>
@@ -25767,7 +26333,7 @@
             </a:ln>
             <a:extLst>
               <a:ext uri="{91240B29-F687-4f45-9708-019B960494DF}">
-                <a14:hiddenLine xmlns="" xmlns:a16="http://schemas.microsoft.com/office/drawing/2014/main" xmlns:p14="http://schemas.microsoft.com/office/powerpoint/2010/main" xmlns:a14="http://schemas.microsoft.com/office/drawing/2010/main" w="9525">
+                <a14:hiddenLine xmlns:a14="http://schemas.microsoft.com/office/drawing/2010/main" xmlns:p14="http://schemas.microsoft.com/office/powerpoint/2010/main" xmlns:a16="http://schemas.microsoft.com/office/drawing/2014/main" xmlns="" w="9525">
                   <a:solidFill>
                     <a:srgbClr val="000000"/>
                   </a:solidFill>
@@ -25851,7 +26417,7 @@
             </a:ln>
             <a:extLst>
               <a:ext uri="{91240B29-F687-4f45-9708-019B960494DF}">
-                <a14:hiddenLine xmlns="" xmlns:a16="http://schemas.microsoft.com/office/drawing/2014/main" xmlns:p14="http://schemas.microsoft.com/office/powerpoint/2010/main" xmlns:a14="http://schemas.microsoft.com/office/drawing/2010/main" w="9525">
+                <a14:hiddenLine xmlns:a14="http://schemas.microsoft.com/office/drawing/2010/main" xmlns:p14="http://schemas.microsoft.com/office/powerpoint/2010/main" xmlns:a16="http://schemas.microsoft.com/office/drawing/2014/main" xmlns="" w="9525">
                   <a:solidFill>
                     <a:srgbClr val="000000"/>
                   </a:solidFill>
@@ -25963,7 +26529,7 @@
             </a:ln>
             <a:extLst>
               <a:ext uri="{91240B29-F687-4f45-9708-019B960494DF}">
-                <a14:hiddenLine xmlns="" xmlns:a16="http://schemas.microsoft.com/office/drawing/2014/main" xmlns:p14="http://schemas.microsoft.com/office/powerpoint/2010/main" xmlns:a14="http://schemas.microsoft.com/office/drawing/2010/main" w="9525">
+                <a14:hiddenLine xmlns:a14="http://schemas.microsoft.com/office/drawing/2010/main" xmlns:p14="http://schemas.microsoft.com/office/powerpoint/2010/main" xmlns:a16="http://schemas.microsoft.com/office/drawing/2014/main" xmlns="" w="9525">
                   <a:solidFill>
                     <a:srgbClr val="000000"/>
                   </a:solidFill>
@@ -26047,7 +26613,7 @@
             </a:ln>
             <a:extLst>
               <a:ext uri="{91240B29-F687-4f45-9708-019B960494DF}">
-                <a14:hiddenLine xmlns="" xmlns:a16="http://schemas.microsoft.com/office/drawing/2014/main" xmlns:p14="http://schemas.microsoft.com/office/powerpoint/2010/main" xmlns:a14="http://schemas.microsoft.com/office/drawing/2010/main" w="9525">
+                <a14:hiddenLine xmlns:a14="http://schemas.microsoft.com/office/drawing/2010/main" xmlns:p14="http://schemas.microsoft.com/office/powerpoint/2010/main" xmlns:a16="http://schemas.microsoft.com/office/drawing/2014/main" xmlns="" w="9525">
                   <a:solidFill>
                     <a:srgbClr val="000000"/>
                   </a:solidFill>
@@ -26159,7 +26725,7 @@
             </a:ln>
             <a:extLst>
               <a:ext uri="{91240B29-F687-4f45-9708-019B960494DF}">
-                <a14:hiddenLine xmlns="" xmlns:a16="http://schemas.microsoft.com/office/drawing/2014/main" xmlns:p14="http://schemas.microsoft.com/office/powerpoint/2010/main" xmlns:a14="http://schemas.microsoft.com/office/drawing/2010/main" w="9525">
+                <a14:hiddenLine xmlns:a14="http://schemas.microsoft.com/office/drawing/2010/main" xmlns:p14="http://schemas.microsoft.com/office/powerpoint/2010/main" xmlns:a16="http://schemas.microsoft.com/office/drawing/2014/main" xmlns="" w="9525">
                   <a:solidFill>
                     <a:srgbClr val="000000"/>
                   </a:solidFill>
@@ -26215,7 +26781,7 @@
             </a:ln>
             <a:extLst>
               <a:ext uri="{91240B29-F687-4f45-9708-019B960494DF}">
-                <a14:hiddenLine xmlns="" xmlns:a16="http://schemas.microsoft.com/office/drawing/2014/main" xmlns:p14="http://schemas.microsoft.com/office/powerpoint/2010/main" xmlns:a14="http://schemas.microsoft.com/office/drawing/2010/main" w="9525">
+                <a14:hiddenLine xmlns:a14="http://schemas.microsoft.com/office/drawing/2010/main" xmlns:p14="http://schemas.microsoft.com/office/powerpoint/2010/main" xmlns:a16="http://schemas.microsoft.com/office/drawing/2014/main" xmlns="" w="9525">
                   <a:solidFill>
                     <a:srgbClr val="000000"/>
                   </a:solidFill>
@@ -26302,7 +26868,7 @@
             </a:ln>
             <a:extLst>
               <a:ext uri="{91240B29-F687-4f45-9708-019B960494DF}">
-                <a14:hiddenLine xmlns="" xmlns:a16="http://schemas.microsoft.com/office/drawing/2014/main" xmlns:p14="http://schemas.microsoft.com/office/powerpoint/2010/main" xmlns:a14="http://schemas.microsoft.com/office/drawing/2010/main" w="9525">
+                <a14:hiddenLine xmlns:a14="http://schemas.microsoft.com/office/drawing/2010/main" xmlns:p14="http://schemas.microsoft.com/office/powerpoint/2010/main" xmlns:a16="http://schemas.microsoft.com/office/drawing/2014/main" xmlns="" w="9525">
                   <a:solidFill>
                     <a:srgbClr val="000000"/>
                   </a:solidFill>
@@ -26414,7 +26980,7 @@
             </a:ln>
             <a:extLst>
               <a:ext uri="{91240B29-F687-4f45-9708-019B960494DF}">
-                <a14:hiddenLine xmlns="" xmlns:a16="http://schemas.microsoft.com/office/drawing/2014/main" xmlns:p14="http://schemas.microsoft.com/office/powerpoint/2010/main" xmlns:a14="http://schemas.microsoft.com/office/drawing/2010/main" w="9525">
+                <a14:hiddenLine xmlns:a14="http://schemas.microsoft.com/office/drawing/2010/main" xmlns:p14="http://schemas.microsoft.com/office/powerpoint/2010/main" xmlns:a16="http://schemas.microsoft.com/office/drawing/2014/main" xmlns="" w="9525">
                   <a:solidFill>
                     <a:srgbClr val="000000"/>
                   </a:solidFill>
@@ -26498,7 +27064,7 @@
             </a:ln>
             <a:extLst>
               <a:ext uri="{91240B29-F687-4f45-9708-019B960494DF}">
-                <a14:hiddenLine xmlns="" xmlns:a16="http://schemas.microsoft.com/office/drawing/2014/main" xmlns:p14="http://schemas.microsoft.com/office/powerpoint/2010/main" xmlns:a14="http://schemas.microsoft.com/office/drawing/2010/main" w="9525">
+                <a14:hiddenLine xmlns:a14="http://schemas.microsoft.com/office/drawing/2010/main" xmlns:p14="http://schemas.microsoft.com/office/powerpoint/2010/main" xmlns:a16="http://schemas.microsoft.com/office/drawing/2014/main" xmlns="" w="9525">
                   <a:solidFill>
                     <a:srgbClr val="000000"/>
                   </a:solidFill>
@@ -26610,7 +27176,7 @@
             </a:ln>
             <a:extLst>
               <a:ext uri="{91240B29-F687-4f45-9708-019B960494DF}">
-                <a14:hiddenLine xmlns="" xmlns:a16="http://schemas.microsoft.com/office/drawing/2014/main" xmlns:p14="http://schemas.microsoft.com/office/powerpoint/2010/main" xmlns:a14="http://schemas.microsoft.com/office/drawing/2010/main" w="9525">
+                <a14:hiddenLine xmlns:a14="http://schemas.microsoft.com/office/drawing/2010/main" xmlns:p14="http://schemas.microsoft.com/office/powerpoint/2010/main" xmlns:a16="http://schemas.microsoft.com/office/drawing/2014/main" xmlns="" w="9525">
                   <a:solidFill>
                     <a:srgbClr val="000000"/>
                   </a:solidFill>
@@ -26722,7 +27288,7 @@
             </a:ln>
             <a:extLst>
               <a:ext uri="{91240B29-F687-4f45-9708-019B960494DF}">
-                <a14:hiddenLine xmlns="" xmlns:a16="http://schemas.microsoft.com/office/drawing/2014/main" xmlns:p14="http://schemas.microsoft.com/office/powerpoint/2010/main" xmlns:a14="http://schemas.microsoft.com/office/drawing/2010/main" w="9525">
+                <a14:hiddenLine xmlns:a14="http://schemas.microsoft.com/office/drawing/2010/main" xmlns:p14="http://schemas.microsoft.com/office/powerpoint/2010/main" xmlns:a16="http://schemas.microsoft.com/office/drawing/2014/main" xmlns="" w="9525">
                   <a:solidFill>
                     <a:srgbClr val="000000"/>
                   </a:solidFill>
@@ -26809,7 +27375,7 @@
             </a:ln>
             <a:extLst>
               <a:ext uri="{91240B29-F687-4f45-9708-019B960494DF}">
-                <a14:hiddenLine xmlns="" xmlns:a16="http://schemas.microsoft.com/office/drawing/2014/main" xmlns:p14="http://schemas.microsoft.com/office/powerpoint/2010/main" xmlns:a14="http://schemas.microsoft.com/office/drawing/2010/main" w="9525">
+                <a14:hiddenLine xmlns:a14="http://schemas.microsoft.com/office/drawing/2010/main" xmlns:p14="http://schemas.microsoft.com/office/powerpoint/2010/main" xmlns:a16="http://schemas.microsoft.com/office/drawing/2014/main" xmlns="" w="9525">
                   <a:solidFill>
                     <a:srgbClr val="000000"/>
                   </a:solidFill>
@@ -26893,7 +27459,7 @@
             </a:ln>
             <a:extLst>
               <a:ext uri="{91240B29-F687-4f45-9708-019B960494DF}">
-                <a14:hiddenLine xmlns="" xmlns:a16="http://schemas.microsoft.com/office/drawing/2014/main" xmlns:p14="http://schemas.microsoft.com/office/powerpoint/2010/main" xmlns:a14="http://schemas.microsoft.com/office/drawing/2010/main" w="9525">
+                <a14:hiddenLine xmlns:a14="http://schemas.microsoft.com/office/drawing/2010/main" xmlns:p14="http://schemas.microsoft.com/office/powerpoint/2010/main" xmlns:a16="http://schemas.microsoft.com/office/drawing/2014/main" xmlns="" w="9525">
                   <a:solidFill>
                     <a:srgbClr val="000000"/>
                   </a:solidFill>
@@ -27005,7 +27571,7 @@
             </a:ln>
             <a:extLst>
               <a:ext uri="{91240B29-F687-4f45-9708-019B960494DF}">
-                <a14:hiddenLine xmlns="" xmlns:a16="http://schemas.microsoft.com/office/drawing/2014/main" xmlns:p14="http://schemas.microsoft.com/office/powerpoint/2010/main" xmlns:a14="http://schemas.microsoft.com/office/drawing/2010/main" w="9525">
+                <a14:hiddenLine xmlns:a14="http://schemas.microsoft.com/office/drawing/2010/main" xmlns:p14="http://schemas.microsoft.com/office/powerpoint/2010/main" xmlns:a16="http://schemas.microsoft.com/office/drawing/2014/main" xmlns="" w="9525">
                   <a:solidFill>
                     <a:srgbClr val="000000"/>
                   </a:solidFill>
@@ -27117,7 +27683,7 @@
             </a:ln>
             <a:extLst>
               <a:ext uri="{91240B29-F687-4f45-9708-019B960494DF}">
-                <a14:hiddenLine xmlns="" xmlns:a16="http://schemas.microsoft.com/office/drawing/2014/main" xmlns:p14="http://schemas.microsoft.com/office/powerpoint/2010/main" xmlns:a14="http://schemas.microsoft.com/office/drawing/2010/main" w="9525">
+                <a14:hiddenLine xmlns:a14="http://schemas.microsoft.com/office/drawing/2010/main" xmlns:p14="http://schemas.microsoft.com/office/powerpoint/2010/main" xmlns:a16="http://schemas.microsoft.com/office/drawing/2014/main" xmlns="" w="9525">
                   <a:solidFill>
                     <a:srgbClr val="000000"/>
                   </a:solidFill>
@@ -27201,7 +27767,7 @@
             </a:ln>
             <a:extLst>
               <a:ext uri="{91240B29-F687-4f45-9708-019B960494DF}">
-                <a14:hiddenLine xmlns="" xmlns:a16="http://schemas.microsoft.com/office/drawing/2014/main" xmlns:p14="http://schemas.microsoft.com/office/powerpoint/2010/main" xmlns:a14="http://schemas.microsoft.com/office/drawing/2010/main" w="9525">
+                <a14:hiddenLine xmlns:a14="http://schemas.microsoft.com/office/drawing/2010/main" xmlns:p14="http://schemas.microsoft.com/office/powerpoint/2010/main" xmlns:a16="http://schemas.microsoft.com/office/drawing/2014/main" xmlns="" w="9525">
                   <a:solidFill>
                     <a:srgbClr val="000000"/>
                   </a:solidFill>
@@ -27343,7 +27909,7 @@
             </a:ln>
             <a:extLst>
               <a:ext uri="{91240B29-F687-4f45-9708-019B960494DF}">
-                <a14:hiddenLine xmlns="" xmlns:a16="http://schemas.microsoft.com/office/drawing/2014/main" xmlns:p14="http://schemas.microsoft.com/office/powerpoint/2010/main" xmlns:a14="http://schemas.microsoft.com/office/drawing/2010/main" w="9525">
+                <a14:hiddenLine xmlns:a14="http://schemas.microsoft.com/office/drawing/2010/main" xmlns:p14="http://schemas.microsoft.com/office/powerpoint/2010/main" xmlns:a16="http://schemas.microsoft.com/office/drawing/2014/main" xmlns="" w="9525">
                   <a:solidFill>
                     <a:srgbClr val="000000"/>
                   </a:solidFill>
@@ -27433,7 +27999,7 @@
             </a:ln>
             <a:extLst>
               <a:ext uri="{91240B29-F687-4f45-9708-019B960494DF}">
-                <a14:hiddenLine xmlns="" xmlns:a16="http://schemas.microsoft.com/office/drawing/2014/main" xmlns:p14="http://schemas.microsoft.com/office/powerpoint/2010/main" xmlns:a14="http://schemas.microsoft.com/office/drawing/2010/main" w="9525">
+                <a14:hiddenLine xmlns:a14="http://schemas.microsoft.com/office/drawing/2010/main" xmlns:p14="http://schemas.microsoft.com/office/powerpoint/2010/main" xmlns:a16="http://schemas.microsoft.com/office/drawing/2014/main" xmlns="" w="9525">
                   <a:solidFill>
                     <a:srgbClr val="000000"/>
                   </a:solidFill>
@@ -27545,7 +28111,7 @@
             </a:ln>
             <a:extLst>
               <a:ext uri="{91240B29-F687-4f45-9708-019B960494DF}">
-                <a14:hiddenLine xmlns="" xmlns:a16="http://schemas.microsoft.com/office/drawing/2014/main" xmlns:p14="http://schemas.microsoft.com/office/powerpoint/2010/main" xmlns:a14="http://schemas.microsoft.com/office/drawing/2010/main" w="9525">
+                <a14:hiddenLine xmlns:a14="http://schemas.microsoft.com/office/drawing/2010/main" xmlns:p14="http://schemas.microsoft.com/office/powerpoint/2010/main" xmlns:a16="http://schemas.microsoft.com/office/drawing/2014/main" xmlns="" w="9525">
                   <a:solidFill>
                     <a:srgbClr val="000000"/>
                   </a:solidFill>
@@ -27708,7 +28274,7 @@
             </a:ln>
             <a:extLst>
               <a:ext uri="{91240B29-F687-4f45-9708-019B960494DF}">
-                <a14:hiddenLine xmlns="" xmlns:a16="http://schemas.microsoft.com/office/drawing/2014/main" xmlns:p14="http://schemas.microsoft.com/office/powerpoint/2010/main" xmlns:a14="http://schemas.microsoft.com/office/drawing/2010/main" w="9525">
+                <a14:hiddenLine xmlns:a14="http://schemas.microsoft.com/office/drawing/2010/main" xmlns:p14="http://schemas.microsoft.com/office/powerpoint/2010/main" xmlns:a16="http://schemas.microsoft.com/office/drawing/2014/main" xmlns="" w="9525">
                   <a:solidFill>
                     <a:srgbClr val="000000"/>
                   </a:solidFill>
@@ -27820,7 +28386,7 @@
             </a:ln>
             <a:extLst>
               <a:ext uri="{91240B29-F687-4f45-9708-019B960494DF}">
-                <a14:hiddenLine xmlns="" xmlns:a16="http://schemas.microsoft.com/office/drawing/2014/main" xmlns:p14="http://schemas.microsoft.com/office/powerpoint/2010/main" xmlns:a14="http://schemas.microsoft.com/office/drawing/2010/main" w="9525">
+                <a14:hiddenLine xmlns:a14="http://schemas.microsoft.com/office/drawing/2010/main" xmlns:p14="http://schemas.microsoft.com/office/powerpoint/2010/main" xmlns:a16="http://schemas.microsoft.com/office/drawing/2014/main" xmlns="" w="9525">
                   <a:solidFill>
                     <a:srgbClr val="000000"/>
                   </a:solidFill>
@@ -27932,7 +28498,7 @@
             </a:ln>
             <a:extLst>
               <a:ext uri="{91240B29-F687-4f45-9708-019B960494DF}">
-                <a14:hiddenLine xmlns="" xmlns:a16="http://schemas.microsoft.com/office/drawing/2014/main" xmlns:p14="http://schemas.microsoft.com/office/powerpoint/2010/main" xmlns:a14="http://schemas.microsoft.com/office/drawing/2010/main" w="9525">
+                <a14:hiddenLine xmlns:a14="http://schemas.microsoft.com/office/drawing/2010/main" xmlns:p14="http://schemas.microsoft.com/office/powerpoint/2010/main" xmlns:a16="http://schemas.microsoft.com/office/drawing/2014/main" xmlns="" w="9525">
                   <a:solidFill>
                     <a:srgbClr val="000000"/>
                   </a:solidFill>
@@ -27988,7 +28554,7 @@
             </a:ln>
             <a:extLst>
               <a:ext uri="{91240B29-F687-4f45-9708-019B960494DF}">
-                <a14:hiddenLine xmlns="" xmlns:a16="http://schemas.microsoft.com/office/drawing/2014/main" xmlns:p14="http://schemas.microsoft.com/office/powerpoint/2010/main" xmlns:a14="http://schemas.microsoft.com/office/drawing/2010/main" w="9525">
+                <a14:hiddenLine xmlns:a14="http://schemas.microsoft.com/office/drawing/2010/main" xmlns:p14="http://schemas.microsoft.com/office/powerpoint/2010/main" xmlns:a16="http://schemas.microsoft.com/office/drawing/2014/main" xmlns="" w="9525">
                   <a:solidFill>
                     <a:srgbClr val="000000"/>
                   </a:solidFill>
@@ -28100,7 +28666,7 @@
             </a:ln>
             <a:extLst>
               <a:ext uri="{91240B29-F687-4f45-9708-019B960494DF}">
-                <a14:hiddenLine xmlns="" xmlns:a16="http://schemas.microsoft.com/office/drawing/2014/main" xmlns:p14="http://schemas.microsoft.com/office/powerpoint/2010/main" xmlns:a14="http://schemas.microsoft.com/office/drawing/2010/main" w="9525">
+                <a14:hiddenLine xmlns:a14="http://schemas.microsoft.com/office/drawing/2010/main" xmlns:p14="http://schemas.microsoft.com/office/powerpoint/2010/main" xmlns:a16="http://schemas.microsoft.com/office/drawing/2014/main" xmlns="" w="9525">
                   <a:solidFill>
                     <a:srgbClr val="000000"/>
                   </a:solidFill>
@@ -28184,7 +28750,7 @@
             </a:ln>
             <a:extLst>
               <a:ext uri="{91240B29-F687-4f45-9708-019B960494DF}">
-                <a14:hiddenLine xmlns="" xmlns:a16="http://schemas.microsoft.com/office/drawing/2014/main" xmlns:p14="http://schemas.microsoft.com/office/powerpoint/2010/main" xmlns:a14="http://schemas.microsoft.com/office/drawing/2010/main" w="9525">
+                <a14:hiddenLine xmlns:a14="http://schemas.microsoft.com/office/drawing/2010/main" xmlns:p14="http://schemas.microsoft.com/office/powerpoint/2010/main" xmlns:a16="http://schemas.microsoft.com/office/drawing/2014/main" xmlns="" w="9525">
                   <a:solidFill>
                     <a:srgbClr val="000000"/>
                   </a:solidFill>
@@ -28268,7 +28834,7 @@
             </a:ln>
             <a:extLst>
               <a:ext uri="{91240B29-F687-4f45-9708-019B960494DF}">
-                <a14:hiddenLine xmlns="" xmlns:a16="http://schemas.microsoft.com/office/drawing/2014/main" xmlns:p14="http://schemas.microsoft.com/office/powerpoint/2010/main" xmlns:a14="http://schemas.microsoft.com/office/drawing/2010/main" w="9525">
+                <a14:hiddenLine xmlns:a14="http://schemas.microsoft.com/office/drawing/2010/main" xmlns:p14="http://schemas.microsoft.com/office/powerpoint/2010/main" xmlns:a16="http://schemas.microsoft.com/office/drawing/2014/main" xmlns="" w="9525">
                   <a:solidFill>
                     <a:srgbClr val="000000"/>
                   </a:solidFill>
@@ -28380,7 +28946,7 @@
             </a:ln>
             <a:extLst>
               <a:ext uri="{91240B29-F687-4f45-9708-019B960494DF}">
-                <a14:hiddenLine xmlns="" xmlns:a16="http://schemas.microsoft.com/office/drawing/2014/main" xmlns:p14="http://schemas.microsoft.com/office/powerpoint/2010/main" xmlns:a14="http://schemas.microsoft.com/office/drawing/2010/main" w="9525">
+                <a14:hiddenLine xmlns:a14="http://schemas.microsoft.com/office/drawing/2010/main" xmlns:p14="http://schemas.microsoft.com/office/powerpoint/2010/main" xmlns:a16="http://schemas.microsoft.com/office/drawing/2014/main" xmlns="" w="9525">
                   <a:solidFill>
                     <a:srgbClr val="000000"/>
                   </a:solidFill>
@@ -28464,7 +29030,7 @@
             </a:ln>
             <a:extLst>
               <a:ext uri="{91240B29-F687-4f45-9708-019B960494DF}">
-                <a14:hiddenLine xmlns="" xmlns:a16="http://schemas.microsoft.com/office/drawing/2014/main" xmlns:p14="http://schemas.microsoft.com/office/powerpoint/2010/main" xmlns:a14="http://schemas.microsoft.com/office/drawing/2010/main" w="9525">
+                <a14:hiddenLine xmlns:a14="http://schemas.microsoft.com/office/drawing/2010/main" xmlns:p14="http://schemas.microsoft.com/office/powerpoint/2010/main" xmlns:a16="http://schemas.microsoft.com/office/drawing/2014/main" xmlns="" w="9525">
                   <a:solidFill>
                     <a:srgbClr val="000000"/>
                   </a:solidFill>
@@ -28548,7 +29114,7 @@
             </a:ln>
             <a:extLst>
               <a:ext uri="{91240B29-F687-4f45-9708-019B960494DF}">
-                <a14:hiddenLine xmlns="" xmlns:a16="http://schemas.microsoft.com/office/drawing/2014/main" xmlns:p14="http://schemas.microsoft.com/office/powerpoint/2010/main" xmlns:a14="http://schemas.microsoft.com/office/drawing/2010/main" w="9525">
+                <a14:hiddenLine xmlns:a14="http://schemas.microsoft.com/office/drawing/2010/main" xmlns:p14="http://schemas.microsoft.com/office/powerpoint/2010/main" xmlns:a16="http://schemas.microsoft.com/office/drawing/2014/main" xmlns="" w="9525">
                   <a:solidFill>
                     <a:srgbClr val="000000"/>
                   </a:solidFill>
@@ -28660,7 +29226,7 @@
             </a:ln>
             <a:extLst>
               <a:ext uri="{91240B29-F687-4f45-9708-019B960494DF}">
-                <a14:hiddenLine xmlns="" xmlns:a16="http://schemas.microsoft.com/office/drawing/2014/main" xmlns:p14="http://schemas.microsoft.com/office/powerpoint/2010/main" xmlns:a14="http://schemas.microsoft.com/office/drawing/2010/main" w="9525">
+                <a14:hiddenLine xmlns:a14="http://schemas.microsoft.com/office/drawing/2010/main" xmlns:p14="http://schemas.microsoft.com/office/powerpoint/2010/main" xmlns:a16="http://schemas.microsoft.com/office/drawing/2014/main" xmlns="" w="9525">
                   <a:solidFill>
                     <a:srgbClr val="000000"/>
                   </a:solidFill>
@@ -28772,7 +29338,7 @@
             </a:ln>
             <a:extLst>
               <a:ext uri="{91240B29-F687-4f45-9708-019B960494DF}">
-                <a14:hiddenLine xmlns="" xmlns:a16="http://schemas.microsoft.com/office/drawing/2014/main" xmlns:p14="http://schemas.microsoft.com/office/powerpoint/2010/main" xmlns:a14="http://schemas.microsoft.com/office/drawing/2010/main" w="9525">
+                <a14:hiddenLine xmlns:a14="http://schemas.microsoft.com/office/drawing/2010/main" xmlns:p14="http://schemas.microsoft.com/office/powerpoint/2010/main" xmlns:a16="http://schemas.microsoft.com/office/drawing/2014/main" xmlns="" w="9525">
                   <a:solidFill>
                     <a:srgbClr val="000000"/>
                   </a:solidFill>
@@ -28856,7 +29422,7 @@
             </a:ln>
             <a:extLst>
               <a:ext uri="{91240B29-F687-4f45-9708-019B960494DF}">
-                <a14:hiddenLine xmlns="" xmlns:a16="http://schemas.microsoft.com/office/drawing/2014/main" xmlns:p14="http://schemas.microsoft.com/office/powerpoint/2010/main" xmlns:a14="http://schemas.microsoft.com/office/drawing/2010/main" w="9525">
+                <a14:hiddenLine xmlns:a14="http://schemas.microsoft.com/office/drawing/2010/main" xmlns:p14="http://schemas.microsoft.com/office/powerpoint/2010/main" xmlns:a16="http://schemas.microsoft.com/office/drawing/2014/main" xmlns="" w="9525">
                   <a:solidFill>
                     <a:srgbClr val="000000"/>
                   </a:solidFill>
@@ -28988,7 +29554,7 @@
             </a:ln>
             <a:extLst>
               <a:ext uri="{91240B29-F687-4f45-9708-019B960494DF}">
-                <a14:hiddenLine xmlns="" xmlns:a16="http://schemas.microsoft.com/office/drawing/2014/main" xmlns:p14="http://schemas.microsoft.com/office/powerpoint/2010/main" xmlns:a14="http://schemas.microsoft.com/office/drawing/2010/main" w="9525">
+                <a14:hiddenLine xmlns:a14="http://schemas.microsoft.com/office/drawing/2010/main" xmlns:p14="http://schemas.microsoft.com/office/powerpoint/2010/main" xmlns:a16="http://schemas.microsoft.com/office/drawing/2014/main" xmlns="" w="9525">
                   <a:solidFill>
                     <a:srgbClr val="000000"/>
                   </a:solidFill>
@@ -29072,7 +29638,7 @@
             </a:ln>
             <a:extLst>
               <a:ext uri="{91240B29-F687-4f45-9708-019B960494DF}">
-                <a14:hiddenLine xmlns="" xmlns:a16="http://schemas.microsoft.com/office/drawing/2014/main" xmlns:p14="http://schemas.microsoft.com/office/powerpoint/2010/main" xmlns:a14="http://schemas.microsoft.com/office/drawing/2010/main" w="9525">
+                <a14:hiddenLine xmlns:a14="http://schemas.microsoft.com/office/drawing/2010/main" xmlns:p14="http://schemas.microsoft.com/office/powerpoint/2010/main" xmlns:a16="http://schemas.microsoft.com/office/drawing/2014/main" xmlns="" w="9525">
                   <a:solidFill>
                     <a:srgbClr val="000000"/>
                   </a:solidFill>
@@ -29184,7 +29750,7 @@
             </a:ln>
             <a:extLst>
               <a:ext uri="{91240B29-F687-4f45-9708-019B960494DF}">
-                <a14:hiddenLine xmlns="" xmlns:a16="http://schemas.microsoft.com/office/drawing/2014/main" xmlns:p14="http://schemas.microsoft.com/office/powerpoint/2010/main" xmlns:a14="http://schemas.microsoft.com/office/drawing/2010/main" w="9525">
+                <a14:hiddenLine xmlns:a14="http://schemas.microsoft.com/office/drawing/2010/main" xmlns:p14="http://schemas.microsoft.com/office/powerpoint/2010/main" xmlns:a16="http://schemas.microsoft.com/office/drawing/2014/main" xmlns="" w="9525">
                   <a:solidFill>
                     <a:srgbClr val="000000"/>
                   </a:solidFill>
@@ -29296,7 +29862,7 @@
             </a:ln>
             <a:extLst>
               <a:ext uri="{91240B29-F687-4f45-9708-019B960494DF}">
-                <a14:hiddenLine xmlns="" xmlns:a16="http://schemas.microsoft.com/office/drawing/2014/main" xmlns:p14="http://schemas.microsoft.com/office/powerpoint/2010/main" xmlns:a14="http://schemas.microsoft.com/office/drawing/2010/main" w="9525">
+                <a14:hiddenLine xmlns:a14="http://schemas.microsoft.com/office/drawing/2010/main" xmlns:p14="http://schemas.microsoft.com/office/powerpoint/2010/main" xmlns:a16="http://schemas.microsoft.com/office/drawing/2014/main" xmlns="" w="9525">
                   <a:solidFill>
                     <a:srgbClr val="000000"/>
                   </a:solidFill>
@@ -29380,7 +29946,7 @@
             </a:ln>
             <a:extLst>
               <a:ext uri="{91240B29-F687-4f45-9708-019B960494DF}">
-                <a14:hiddenLine xmlns="" xmlns:a16="http://schemas.microsoft.com/office/drawing/2014/main" xmlns:p14="http://schemas.microsoft.com/office/powerpoint/2010/main" xmlns:a14="http://schemas.microsoft.com/office/drawing/2010/main" w="9525">
+                <a14:hiddenLine xmlns:a14="http://schemas.microsoft.com/office/drawing/2010/main" xmlns:p14="http://schemas.microsoft.com/office/powerpoint/2010/main" xmlns:a16="http://schemas.microsoft.com/office/drawing/2014/main" xmlns="" w="9525">
                   <a:solidFill>
                     <a:srgbClr val="000000"/>
                   </a:solidFill>
@@ -29492,7 +30058,7 @@
             </a:ln>
             <a:extLst>
               <a:ext uri="{91240B29-F687-4f45-9708-019B960494DF}">
-                <a14:hiddenLine xmlns="" xmlns:a16="http://schemas.microsoft.com/office/drawing/2014/main" xmlns:p14="http://schemas.microsoft.com/office/powerpoint/2010/main" xmlns:a14="http://schemas.microsoft.com/office/drawing/2010/main" w="9525">
+                <a14:hiddenLine xmlns:a14="http://schemas.microsoft.com/office/drawing/2010/main" xmlns:p14="http://schemas.microsoft.com/office/powerpoint/2010/main" xmlns:a16="http://schemas.microsoft.com/office/drawing/2014/main" xmlns="" w="9525">
                   <a:solidFill>
                     <a:srgbClr val="000000"/>
                   </a:solidFill>
@@ -29604,7 +30170,7 @@
             </a:ln>
             <a:extLst>
               <a:ext uri="{91240B29-F687-4f45-9708-019B960494DF}">
-                <a14:hiddenLine xmlns="" xmlns:a16="http://schemas.microsoft.com/office/drawing/2014/main" xmlns:p14="http://schemas.microsoft.com/office/powerpoint/2010/main" xmlns:a14="http://schemas.microsoft.com/office/drawing/2010/main" w="9525">
+                <a14:hiddenLine xmlns:a14="http://schemas.microsoft.com/office/drawing/2010/main" xmlns:p14="http://schemas.microsoft.com/office/powerpoint/2010/main" xmlns:a16="http://schemas.microsoft.com/office/drawing/2014/main" xmlns="" w="9525">
                   <a:solidFill>
                     <a:srgbClr val="000000"/>
                   </a:solidFill>
@@ -29682,7 +30248,7 @@
             </a:ln>
             <a:extLst>
               <a:ext uri="{91240B29-F687-4f45-9708-019B960494DF}">
-                <a14:hiddenLine xmlns="" xmlns:a16="http://schemas.microsoft.com/office/drawing/2014/main" xmlns:p14="http://schemas.microsoft.com/office/powerpoint/2010/main" xmlns:a14="http://schemas.microsoft.com/office/drawing/2010/main" w="9525">
+                <a14:hiddenLine xmlns:a14="http://schemas.microsoft.com/office/drawing/2010/main" xmlns:p14="http://schemas.microsoft.com/office/powerpoint/2010/main" xmlns:a16="http://schemas.microsoft.com/office/drawing/2014/main" xmlns="" w="9525">
                   <a:solidFill>
                     <a:srgbClr val="000000"/>
                   </a:solidFill>
@@ -29794,7 +30360,7 @@
             </a:ln>
             <a:extLst>
               <a:ext uri="{91240B29-F687-4f45-9708-019B960494DF}">
-                <a14:hiddenLine xmlns="" xmlns:a16="http://schemas.microsoft.com/office/drawing/2014/main" xmlns:p14="http://schemas.microsoft.com/office/powerpoint/2010/main" xmlns:a14="http://schemas.microsoft.com/office/drawing/2010/main" w="9525">
+                <a14:hiddenLine xmlns:a14="http://schemas.microsoft.com/office/drawing/2010/main" xmlns:p14="http://schemas.microsoft.com/office/powerpoint/2010/main" xmlns:a16="http://schemas.microsoft.com/office/drawing/2014/main" xmlns="" w="9525">
                   <a:solidFill>
                     <a:srgbClr val="000000"/>
                   </a:solidFill>
@@ -29872,7 +30438,7 @@
             </a:ln>
             <a:extLst>
               <a:ext uri="{91240B29-F687-4f45-9708-019B960494DF}">
-                <a14:hiddenLine xmlns="" xmlns:a16="http://schemas.microsoft.com/office/drawing/2014/main" xmlns:p14="http://schemas.microsoft.com/office/powerpoint/2010/main" xmlns:a14="http://schemas.microsoft.com/office/drawing/2010/main" w="9525">
+                <a14:hiddenLine xmlns:a14="http://schemas.microsoft.com/office/drawing/2010/main" xmlns:p14="http://schemas.microsoft.com/office/powerpoint/2010/main" xmlns:a16="http://schemas.microsoft.com/office/drawing/2014/main" xmlns="" w="9525">
                   <a:solidFill>
                     <a:srgbClr val="000000"/>
                   </a:solidFill>
@@ -29984,7 +30550,7 @@
             </a:ln>
             <a:extLst>
               <a:ext uri="{91240B29-F687-4f45-9708-019B960494DF}">
-                <a14:hiddenLine xmlns="" xmlns:a16="http://schemas.microsoft.com/office/drawing/2014/main" xmlns:p14="http://schemas.microsoft.com/office/powerpoint/2010/main" xmlns:a14="http://schemas.microsoft.com/office/drawing/2010/main" w="9525">
+                <a14:hiddenLine xmlns:a14="http://schemas.microsoft.com/office/drawing/2010/main" xmlns:p14="http://schemas.microsoft.com/office/powerpoint/2010/main" xmlns:a16="http://schemas.microsoft.com/office/drawing/2014/main" xmlns="" w="9525">
                   <a:solidFill>
                     <a:srgbClr val="000000"/>
                   </a:solidFill>
@@ -30074,7 +30640,7 @@
             </a:ln>
             <a:extLst>
               <a:ext uri="{91240B29-F687-4f45-9708-019B960494DF}">
-                <a14:hiddenLine xmlns="" xmlns:a16="http://schemas.microsoft.com/office/drawing/2014/main" xmlns:p14="http://schemas.microsoft.com/office/powerpoint/2010/main" xmlns:a14="http://schemas.microsoft.com/office/drawing/2010/main" w="9525">
+                <a14:hiddenLine xmlns:a14="http://schemas.microsoft.com/office/drawing/2010/main" xmlns:p14="http://schemas.microsoft.com/office/powerpoint/2010/main" xmlns:a16="http://schemas.microsoft.com/office/drawing/2014/main" xmlns="" w="9525">
                   <a:solidFill>
                     <a:srgbClr val="000000"/>
                   </a:solidFill>
@@ -30186,7 +30752,7 @@
             </a:ln>
             <a:extLst>
               <a:ext uri="{91240B29-F687-4f45-9708-019B960494DF}">
-                <a14:hiddenLine xmlns="" xmlns:a16="http://schemas.microsoft.com/office/drawing/2014/main" xmlns:p14="http://schemas.microsoft.com/office/powerpoint/2010/main" xmlns:a14="http://schemas.microsoft.com/office/drawing/2010/main" w="9525">
+                <a14:hiddenLine xmlns:a14="http://schemas.microsoft.com/office/drawing/2010/main" xmlns:p14="http://schemas.microsoft.com/office/powerpoint/2010/main" xmlns:a16="http://schemas.microsoft.com/office/drawing/2014/main" xmlns="" w="9525">
                   <a:solidFill>
                     <a:srgbClr val="000000"/>
                   </a:solidFill>
@@ -30276,7 +30842,7 @@
             </a:ln>
             <a:extLst>
               <a:ext uri="{91240B29-F687-4f45-9708-019B960494DF}">
-                <a14:hiddenLine xmlns="" xmlns:a16="http://schemas.microsoft.com/office/drawing/2014/main" xmlns:p14="http://schemas.microsoft.com/office/powerpoint/2010/main" xmlns:a14="http://schemas.microsoft.com/office/drawing/2010/main" w="9525">
+                <a14:hiddenLine xmlns:a14="http://schemas.microsoft.com/office/drawing/2010/main" xmlns:p14="http://schemas.microsoft.com/office/powerpoint/2010/main" xmlns:a16="http://schemas.microsoft.com/office/drawing/2014/main" xmlns="" w="9525">
                   <a:solidFill>
                     <a:srgbClr val="000000"/>
                   </a:solidFill>
@@ -30388,7 +30954,7 @@
             </a:ln>
             <a:extLst>
               <a:ext uri="{91240B29-F687-4f45-9708-019B960494DF}">
-                <a14:hiddenLine xmlns="" xmlns:a16="http://schemas.microsoft.com/office/drawing/2014/main" xmlns:p14="http://schemas.microsoft.com/office/powerpoint/2010/main" xmlns:a14="http://schemas.microsoft.com/office/drawing/2010/main" w="9525">
+                <a14:hiddenLine xmlns:a14="http://schemas.microsoft.com/office/drawing/2010/main" xmlns:p14="http://schemas.microsoft.com/office/powerpoint/2010/main" xmlns:a16="http://schemas.microsoft.com/office/drawing/2014/main" xmlns="" w="9525">
                   <a:solidFill>
                     <a:srgbClr val="000000"/>
                   </a:solidFill>
@@ -30444,7 +31010,7 @@
             </a:ln>
             <a:extLst>
               <a:ext uri="{91240B29-F687-4f45-9708-019B960494DF}">
-                <a14:hiddenLine xmlns="" xmlns:a16="http://schemas.microsoft.com/office/drawing/2014/main" xmlns:p14="http://schemas.microsoft.com/office/powerpoint/2010/main" xmlns:a14="http://schemas.microsoft.com/office/drawing/2010/main" w="9525">
+                <a14:hiddenLine xmlns:a14="http://schemas.microsoft.com/office/drawing/2010/main" xmlns:p14="http://schemas.microsoft.com/office/powerpoint/2010/main" xmlns:a16="http://schemas.microsoft.com/office/drawing/2014/main" xmlns="" w="9525">
                   <a:solidFill>
                     <a:srgbClr val="000000"/>
                   </a:solidFill>
@@ -30556,7 +31122,7 @@
             </a:ln>
             <a:extLst>
               <a:ext uri="{91240B29-F687-4f45-9708-019B960494DF}">
-                <a14:hiddenLine xmlns="" xmlns:a16="http://schemas.microsoft.com/office/drawing/2014/main" xmlns:p14="http://schemas.microsoft.com/office/powerpoint/2010/main" xmlns:a14="http://schemas.microsoft.com/office/drawing/2010/main" w="9525">
+                <a14:hiddenLine xmlns:a14="http://schemas.microsoft.com/office/drawing/2010/main" xmlns:p14="http://schemas.microsoft.com/office/powerpoint/2010/main" xmlns:a16="http://schemas.microsoft.com/office/drawing/2014/main" xmlns="" w="9525">
                   <a:solidFill>
                     <a:srgbClr val="000000"/>
                   </a:solidFill>
@@ -30640,7 +31206,7 @@
             </a:ln>
             <a:extLst>
               <a:ext uri="{91240B29-F687-4f45-9708-019B960494DF}">
-                <a14:hiddenLine xmlns="" xmlns:a16="http://schemas.microsoft.com/office/drawing/2014/main" xmlns:p14="http://schemas.microsoft.com/office/powerpoint/2010/main" xmlns:a14="http://schemas.microsoft.com/office/drawing/2010/main" w="9525">
+                <a14:hiddenLine xmlns:a14="http://schemas.microsoft.com/office/drawing/2010/main" xmlns:p14="http://schemas.microsoft.com/office/powerpoint/2010/main" xmlns:a16="http://schemas.microsoft.com/office/drawing/2014/main" xmlns="" w="9525">
                   <a:solidFill>
                     <a:srgbClr val="000000"/>
                   </a:solidFill>
@@ -30724,7 +31290,7 @@
             </a:ln>
             <a:extLst>
               <a:ext uri="{91240B29-F687-4f45-9708-019B960494DF}">
-                <a14:hiddenLine xmlns="" xmlns:a16="http://schemas.microsoft.com/office/drawing/2014/main" xmlns:p14="http://schemas.microsoft.com/office/powerpoint/2010/main" xmlns:a14="http://schemas.microsoft.com/office/drawing/2010/main" w="9525">
+                <a14:hiddenLine xmlns:a14="http://schemas.microsoft.com/office/drawing/2010/main" xmlns:p14="http://schemas.microsoft.com/office/powerpoint/2010/main" xmlns:a16="http://schemas.microsoft.com/office/drawing/2014/main" xmlns="" w="9525">
                   <a:solidFill>
                     <a:srgbClr val="000000"/>
                   </a:solidFill>
@@ -30836,7 +31402,7 @@
             </a:ln>
             <a:extLst>
               <a:ext uri="{91240B29-F687-4f45-9708-019B960494DF}">
-                <a14:hiddenLine xmlns="" xmlns:a16="http://schemas.microsoft.com/office/drawing/2014/main" xmlns:p14="http://schemas.microsoft.com/office/powerpoint/2010/main" xmlns:a14="http://schemas.microsoft.com/office/drawing/2010/main" w="9525">
+                <a14:hiddenLine xmlns:a14="http://schemas.microsoft.com/office/drawing/2010/main" xmlns:p14="http://schemas.microsoft.com/office/powerpoint/2010/main" xmlns:a16="http://schemas.microsoft.com/office/drawing/2014/main" xmlns="" w="9525">
                   <a:solidFill>
                     <a:srgbClr val="000000"/>
                   </a:solidFill>
@@ -30926,7 +31492,7 @@
             </a:ln>
             <a:extLst>
               <a:ext uri="{91240B29-F687-4f45-9708-019B960494DF}">
-                <a14:hiddenLine xmlns="" xmlns:a16="http://schemas.microsoft.com/office/drawing/2014/main" xmlns:p14="http://schemas.microsoft.com/office/powerpoint/2010/main" xmlns:a14="http://schemas.microsoft.com/office/drawing/2010/main" w="9525">
+                <a14:hiddenLine xmlns:a14="http://schemas.microsoft.com/office/drawing/2010/main" xmlns:p14="http://schemas.microsoft.com/office/powerpoint/2010/main" xmlns:a16="http://schemas.microsoft.com/office/drawing/2014/main" xmlns="" w="9525">
                   <a:solidFill>
                     <a:srgbClr val="000000"/>
                   </a:solidFill>
@@ -31010,7 +31576,7 @@
             </a:ln>
             <a:extLst>
               <a:ext uri="{91240B29-F687-4f45-9708-019B960494DF}">
-                <a14:hiddenLine xmlns="" xmlns:a16="http://schemas.microsoft.com/office/drawing/2014/main" xmlns:p14="http://schemas.microsoft.com/office/powerpoint/2010/main" xmlns:a14="http://schemas.microsoft.com/office/drawing/2010/main" w="9525">
+                <a14:hiddenLine xmlns:a14="http://schemas.microsoft.com/office/drawing/2010/main" xmlns:p14="http://schemas.microsoft.com/office/powerpoint/2010/main" xmlns:a16="http://schemas.microsoft.com/office/drawing/2014/main" xmlns="" w="9525">
                   <a:solidFill>
                     <a:srgbClr val="000000"/>
                   </a:solidFill>
@@ -31122,7 +31688,7 @@
             </a:ln>
             <a:extLst>
               <a:ext uri="{91240B29-F687-4f45-9708-019B960494DF}">
-                <a14:hiddenLine xmlns="" xmlns:a16="http://schemas.microsoft.com/office/drawing/2014/main" xmlns:p14="http://schemas.microsoft.com/office/powerpoint/2010/main" xmlns:a14="http://schemas.microsoft.com/office/drawing/2010/main" w="9525">
+                <a14:hiddenLine xmlns:a14="http://schemas.microsoft.com/office/drawing/2010/main" xmlns:p14="http://schemas.microsoft.com/office/powerpoint/2010/main" xmlns:a16="http://schemas.microsoft.com/office/drawing/2014/main" xmlns="" w="9525">
                   <a:solidFill>
                     <a:srgbClr val="000000"/>
                   </a:solidFill>
@@ -31206,7 +31772,7 @@
             </a:ln>
             <a:extLst>
               <a:ext uri="{91240B29-F687-4f45-9708-019B960494DF}">
-                <a14:hiddenLine xmlns="" xmlns:a16="http://schemas.microsoft.com/office/drawing/2014/main" xmlns:p14="http://schemas.microsoft.com/office/powerpoint/2010/main" xmlns:a14="http://schemas.microsoft.com/office/drawing/2010/main" w="9525">
+                <a14:hiddenLine xmlns:a14="http://schemas.microsoft.com/office/drawing/2010/main" xmlns:p14="http://schemas.microsoft.com/office/powerpoint/2010/main" xmlns:a16="http://schemas.microsoft.com/office/drawing/2014/main" xmlns="" w="9525">
                   <a:solidFill>
                     <a:srgbClr val="000000"/>
                   </a:solidFill>
@@ -31318,7 +31884,7 @@
             </a:ln>
             <a:extLst>
               <a:ext uri="{91240B29-F687-4f45-9708-019B960494DF}">
-                <a14:hiddenLine xmlns="" xmlns:a16="http://schemas.microsoft.com/office/drawing/2014/main" xmlns:p14="http://schemas.microsoft.com/office/powerpoint/2010/main" xmlns:a14="http://schemas.microsoft.com/office/drawing/2010/main" w="9525">
+                <a14:hiddenLine xmlns:a14="http://schemas.microsoft.com/office/drawing/2010/main" xmlns:p14="http://schemas.microsoft.com/office/powerpoint/2010/main" xmlns:a16="http://schemas.microsoft.com/office/drawing/2014/main" xmlns="" w="9525">
                   <a:solidFill>
                     <a:srgbClr val="000000"/>
                   </a:solidFill>
@@ -31402,7 +31968,7 @@
             </a:ln>
             <a:extLst>
               <a:ext uri="{91240B29-F687-4f45-9708-019B960494DF}">
-                <a14:hiddenLine xmlns="" xmlns:a16="http://schemas.microsoft.com/office/drawing/2014/main" xmlns:p14="http://schemas.microsoft.com/office/powerpoint/2010/main" xmlns:a14="http://schemas.microsoft.com/office/drawing/2010/main" w="9525">
+                <a14:hiddenLine xmlns:a14="http://schemas.microsoft.com/office/drawing/2010/main" xmlns:p14="http://schemas.microsoft.com/office/powerpoint/2010/main" xmlns:a16="http://schemas.microsoft.com/office/drawing/2014/main" xmlns="" w="9525">
                   <a:solidFill>
                     <a:srgbClr val="000000"/>
                   </a:solidFill>
@@ -31514,7 +32080,7 @@
             </a:ln>
             <a:extLst>
               <a:ext uri="{91240B29-F687-4f45-9708-019B960494DF}">
-                <a14:hiddenLine xmlns="" xmlns:a16="http://schemas.microsoft.com/office/drawing/2014/main" xmlns:p14="http://schemas.microsoft.com/office/powerpoint/2010/main" xmlns:a14="http://schemas.microsoft.com/office/drawing/2010/main" w="9525">
+                <a14:hiddenLine xmlns:a14="http://schemas.microsoft.com/office/drawing/2010/main" xmlns:p14="http://schemas.microsoft.com/office/powerpoint/2010/main" xmlns:a16="http://schemas.microsoft.com/office/drawing/2014/main" xmlns="" w="9525">
                   <a:solidFill>
                     <a:srgbClr val="000000"/>
                   </a:solidFill>
@@ -31570,7 +32136,7 @@
             </a:ln>
             <a:extLst>
               <a:ext uri="{91240B29-F687-4f45-9708-019B960494DF}">
-                <a14:hiddenLine xmlns="" xmlns:a16="http://schemas.microsoft.com/office/drawing/2014/main" xmlns:p14="http://schemas.microsoft.com/office/powerpoint/2010/main" xmlns:a14="http://schemas.microsoft.com/office/drawing/2010/main" w="9525">
+                <a14:hiddenLine xmlns:a14="http://schemas.microsoft.com/office/drawing/2010/main" xmlns:p14="http://schemas.microsoft.com/office/powerpoint/2010/main" xmlns:a16="http://schemas.microsoft.com/office/drawing/2014/main" xmlns="" w="9525">
                   <a:solidFill>
                     <a:srgbClr val="000000"/>
                   </a:solidFill>
@@ -31657,7 +32223,7 @@
             </a:ln>
             <a:extLst>
               <a:ext uri="{91240B29-F687-4f45-9708-019B960494DF}">
-                <a14:hiddenLine xmlns="" xmlns:a16="http://schemas.microsoft.com/office/drawing/2014/main" xmlns:p14="http://schemas.microsoft.com/office/powerpoint/2010/main" xmlns:a14="http://schemas.microsoft.com/office/drawing/2010/main" w="9525">
+                <a14:hiddenLine xmlns:a14="http://schemas.microsoft.com/office/drawing/2010/main" xmlns:p14="http://schemas.microsoft.com/office/powerpoint/2010/main" xmlns:a16="http://schemas.microsoft.com/office/drawing/2014/main" xmlns="" w="9525">
                   <a:solidFill>
                     <a:srgbClr val="000000"/>
                   </a:solidFill>
@@ -31769,7 +32335,7 @@
             </a:ln>
             <a:extLst>
               <a:ext uri="{91240B29-F687-4f45-9708-019B960494DF}">
-                <a14:hiddenLine xmlns="" xmlns:a16="http://schemas.microsoft.com/office/drawing/2014/main" xmlns:p14="http://schemas.microsoft.com/office/powerpoint/2010/main" xmlns:a14="http://schemas.microsoft.com/office/drawing/2010/main" w="9525">
+                <a14:hiddenLine xmlns:a14="http://schemas.microsoft.com/office/drawing/2010/main" xmlns:p14="http://schemas.microsoft.com/office/powerpoint/2010/main" xmlns:a16="http://schemas.microsoft.com/office/drawing/2014/main" xmlns="" w="9525">
                   <a:solidFill>
                     <a:srgbClr val="000000"/>
                   </a:solidFill>
@@ -31853,7 +32419,7 @@
             </a:ln>
             <a:extLst>
               <a:ext uri="{91240B29-F687-4f45-9708-019B960494DF}">
-                <a14:hiddenLine xmlns="" xmlns:a16="http://schemas.microsoft.com/office/drawing/2014/main" xmlns:p14="http://schemas.microsoft.com/office/powerpoint/2010/main" xmlns:a14="http://schemas.microsoft.com/office/drawing/2010/main" w="9525">
+                <a14:hiddenLine xmlns:a14="http://schemas.microsoft.com/office/drawing/2010/main" xmlns:p14="http://schemas.microsoft.com/office/powerpoint/2010/main" xmlns:a16="http://schemas.microsoft.com/office/drawing/2014/main" xmlns="" w="9525">
                   <a:solidFill>
                     <a:srgbClr val="000000"/>
                   </a:solidFill>
@@ -31965,7 +32531,7 @@
             </a:ln>
             <a:extLst>
               <a:ext uri="{91240B29-F687-4f45-9708-019B960494DF}">
-                <a14:hiddenLine xmlns="" xmlns:a16="http://schemas.microsoft.com/office/drawing/2014/main" xmlns:p14="http://schemas.microsoft.com/office/powerpoint/2010/main" xmlns:a14="http://schemas.microsoft.com/office/drawing/2010/main" w="9525">
+                <a14:hiddenLine xmlns:a14="http://schemas.microsoft.com/office/drawing/2010/main" xmlns:p14="http://schemas.microsoft.com/office/powerpoint/2010/main" xmlns:a16="http://schemas.microsoft.com/office/drawing/2014/main" xmlns="" w="9525">
                   <a:solidFill>
                     <a:srgbClr val="000000"/>
                   </a:solidFill>
@@ -32077,7 +32643,7 @@
             </a:ln>
             <a:extLst>
               <a:ext uri="{91240B29-F687-4f45-9708-019B960494DF}">
-                <a14:hiddenLine xmlns="" xmlns:a16="http://schemas.microsoft.com/office/drawing/2014/main" xmlns:p14="http://schemas.microsoft.com/office/powerpoint/2010/main" xmlns:a14="http://schemas.microsoft.com/office/drawing/2010/main" w="9525">
+                <a14:hiddenLine xmlns:a14="http://schemas.microsoft.com/office/drawing/2010/main" xmlns:p14="http://schemas.microsoft.com/office/powerpoint/2010/main" xmlns:a16="http://schemas.microsoft.com/office/drawing/2014/main" xmlns="" w="9525">
                   <a:solidFill>
                     <a:srgbClr val="000000"/>
                   </a:solidFill>
@@ -32164,7 +32730,7 @@
             </a:ln>
             <a:extLst>
               <a:ext uri="{91240B29-F687-4f45-9708-019B960494DF}">
-                <a14:hiddenLine xmlns="" xmlns:a16="http://schemas.microsoft.com/office/drawing/2014/main" xmlns:p14="http://schemas.microsoft.com/office/powerpoint/2010/main" xmlns:a14="http://schemas.microsoft.com/office/drawing/2010/main" w="9525">
+                <a14:hiddenLine xmlns:a14="http://schemas.microsoft.com/office/drawing/2010/main" xmlns:p14="http://schemas.microsoft.com/office/powerpoint/2010/main" xmlns:a16="http://schemas.microsoft.com/office/drawing/2014/main" xmlns="" w="9525">
                   <a:solidFill>
                     <a:srgbClr val="000000"/>
                   </a:solidFill>
@@ -32248,7 +32814,7 @@
             </a:ln>
             <a:extLst>
               <a:ext uri="{91240B29-F687-4f45-9708-019B960494DF}">
-                <a14:hiddenLine xmlns="" xmlns:a16="http://schemas.microsoft.com/office/drawing/2014/main" xmlns:p14="http://schemas.microsoft.com/office/powerpoint/2010/main" xmlns:a14="http://schemas.microsoft.com/office/drawing/2010/main" w="9525">
+                <a14:hiddenLine xmlns:a14="http://schemas.microsoft.com/office/drawing/2010/main" xmlns:p14="http://schemas.microsoft.com/office/powerpoint/2010/main" xmlns:a16="http://schemas.microsoft.com/office/drawing/2014/main" xmlns="" w="9525">
                   <a:solidFill>
                     <a:srgbClr val="000000"/>
                   </a:solidFill>
@@ -32360,7 +32926,7 @@
             </a:ln>
             <a:extLst>
               <a:ext uri="{91240B29-F687-4f45-9708-019B960494DF}">
-                <a14:hiddenLine xmlns="" xmlns:a16="http://schemas.microsoft.com/office/drawing/2014/main" xmlns:p14="http://schemas.microsoft.com/office/powerpoint/2010/main" xmlns:a14="http://schemas.microsoft.com/office/drawing/2010/main" w="9525">
+                <a14:hiddenLine xmlns:a14="http://schemas.microsoft.com/office/drawing/2010/main" xmlns:p14="http://schemas.microsoft.com/office/powerpoint/2010/main" xmlns:a16="http://schemas.microsoft.com/office/drawing/2014/main" xmlns="" w="9525">
                   <a:solidFill>
                     <a:srgbClr val="000000"/>
                   </a:solidFill>
@@ -32472,7 +33038,7 @@
             </a:ln>
             <a:extLst>
               <a:ext uri="{91240B29-F687-4f45-9708-019B960494DF}">
-                <a14:hiddenLine xmlns="" xmlns:a16="http://schemas.microsoft.com/office/drawing/2014/main" xmlns:p14="http://schemas.microsoft.com/office/powerpoint/2010/main" xmlns:a14="http://schemas.microsoft.com/office/drawing/2010/main" w="9525">
+                <a14:hiddenLine xmlns:a14="http://schemas.microsoft.com/office/drawing/2010/main" xmlns:p14="http://schemas.microsoft.com/office/powerpoint/2010/main" xmlns:a16="http://schemas.microsoft.com/office/drawing/2014/main" xmlns="" w="9525">
                   <a:solidFill>
                     <a:srgbClr val="000000"/>
                   </a:solidFill>
@@ -32556,7 +33122,7 @@
             </a:ln>
             <a:extLst>
               <a:ext uri="{91240B29-F687-4f45-9708-019B960494DF}">
-                <a14:hiddenLine xmlns="" xmlns:a16="http://schemas.microsoft.com/office/drawing/2014/main" xmlns:p14="http://schemas.microsoft.com/office/powerpoint/2010/main" xmlns:a14="http://schemas.microsoft.com/office/drawing/2010/main" w="9525">
+                <a14:hiddenLine xmlns:a14="http://schemas.microsoft.com/office/drawing/2010/main" xmlns:p14="http://schemas.microsoft.com/office/powerpoint/2010/main" xmlns:a16="http://schemas.microsoft.com/office/drawing/2014/main" xmlns="" w="9525">
                   <a:solidFill>
                     <a:srgbClr val="000000"/>
                   </a:solidFill>
@@ -32698,7 +33264,7 @@
             </a:ln>
             <a:extLst>
               <a:ext uri="{91240B29-F687-4f45-9708-019B960494DF}">
-                <a14:hiddenLine xmlns="" xmlns:a16="http://schemas.microsoft.com/office/drawing/2014/main" xmlns:p14="http://schemas.microsoft.com/office/powerpoint/2010/main" xmlns:a14="http://schemas.microsoft.com/office/drawing/2010/main" w="9525">
+                <a14:hiddenLine xmlns:a14="http://schemas.microsoft.com/office/drawing/2010/main" xmlns:p14="http://schemas.microsoft.com/office/powerpoint/2010/main" xmlns:a16="http://schemas.microsoft.com/office/drawing/2014/main" xmlns="" w="9525">
                   <a:solidFill>
                     <a:srgbClr val="000000"/>
                   </a:solidFill>
@@ -32788,7 +33354,7 @@
             </a:ln>
             <a:extLst>
               <a:ext uri="{91240B29-F687-4f45-9708-019B960494DF}">
-                <a14:hiddenLine xmlns="" xmlns:a16="http://schemas.microsoft.com/office/drawing/2014/main" xmlns:p14="http://schemas.microsoft.com/office/powerpoint/2010/main" xmlns:a14="http://schemas.microsoft.com/office/drawing/2010/main" w="9525">
+                <a14:hiddenLine xmlns:a14="http://schemas.microsoft.com/office/drawing/2010/main" xmlns:p14="http://schemas.microsoft.com/office/powerpoint/2010/main" xmlns:a16="http://schemas.microsoft.com/office/drawing/2014/main" xmlns="" w="9525">
                   <a:solidFill>
                     <a:srgbClr val="000000"/>
                   </a:solidFill>
@@ -32900,7 +33466,7 @@
             </a:ln>
             <a:extLst>
               <a:ext uri="{91240B29-F687-4f45-9708-019B960494DF}">
-                <a14:hiddenLine xmlns="" xmlns:a16="http://schemas.microsoft.com/office/drawing/2014/main" xmlns:p14="http://schemas.microsoft.com/office/powerpoint/2010/main" xmlns:a14="http://schemas.microsoft.com/office/drawing/2010/main" w="9525">
+                <a14:hiddenLine xmlns:a14="http://schemas.microsoft.com/office/drawing/2010/main" xmlns:p14="http://schemas.microsoft.com/office/powerpoint/2010/main" xmlns:a16="http://schemas.microsoft.com/office/drawing/2014/main" xmlns="" w="9525">
                   <a:solidFill>
                     <a:srgbClr val="000000"/>
                   </a:solidFill>
@@ -32968,7 +33534,7 @@
           <a:noFill/>
           <a:extLst>
             <a:ext uri="{909E8E84-426E-40dd-AFC4-6F175D3DCCD1}">
-              <a14:hiddenFill xmlns="" xmlns:a16="http://schemas.microsoft.com/office/drawing/2014/main" xmlns:p14="http://schemas.microsoft.com/office/powerpoint/2010/main" xmlns:a14="http://schemas.microsoft.com/office/drawing/2010/main">
+              <a14:hiddenFill xmlns:a14="http://schemas.microsoft.com/office/drawing/2010/main" xmlns:p14="http://schemas.microsoft.com/office/powerpoint/2010/main" xmlns:a16="http://schemas.microsoft.com/office/drawing/2014/main" xmlns="">
                 <a:solidFill>
                   <a:srgbClr val="FFFFFF"/>
                 </a:solidFill>
@@ -33190,6 +33756,329 @@
   </p:cSld>
   <p:clrMapOvr>
     <a:overrideClrMapping bg1="lt1" tx1="dk1" bg2="lt2" tx2="dk2" accent1="accent1" accent2="accent2" accent3="accent3" accent4="accent4" accent5="accent5" accent6="accent6" hlink="hlink" folHlink="folHlink"/>
+  </p:clrMapOvr>
+</p:sld>
+</file>
+
+<file path=ppt/slides/slide20.xml><?xml version="1.0" encoding="utf-8"?>
+<p:sld xmlns:a="http://schemas.openxmlformats.org/drawingml/2006/main" xmlns:r="http://schemas.openxmlformats.org/officeDocument/2006/relationships" xmlns:p="http://schemas.openxmlformats.org/presentationml/2006/main">
+  <p:cSld>
+    <p:spTree>
+      <p:nvGrpSpPr>
+        <p:cNvPr id="1" name=""/>
+        <p:cNvGrpSpPr/>
+        <p:nvPr/>
+      </p:nvGrpSpPr>
+      <p:grpSpPr>
+        <a:xfrm>
+          <a:off x="0" y="0"/>
+          <a:ext cx="0" cy="0"/>
+          <a:chOff x="0" y="0"/>
+          <a:chExt cx="0" cy="0"/>
+        </a:xfrm>
+      </p:grpSpPr>
+      <p:sp>
+        <p:nvSpPr>
+          <p:cNvPr id="2" name="標題 1">
+            <a:extLst>
+              <a:ext uri="{FF2B5EF4-FFF2-40B4-BE49-F238E27FC236}">
+                <a16:creationId xmlns:a16="http://schemas.microsoft.com/office/drawing/2014/main" id="{5582BCA4-8199-342C-15B7-FC96A47A31B1}"/>
+              </a:ext>
+            </a:extLst>
+          </p:cNvPr>
+          <p:cNvSpPr>
+            <a:spLocks noGrp="1"/>
+          </p:cNvSpPr>
+          <p:nvPr>
+            <p:ph type="title"/>
+          </p:nvPr>
+        </p:nvSpPr>
+        <p:spPr/>
+        <p:txBody>
+          <a:bodyPr/>
+          <a:lstStyle/>
+          <a:p>
+            <a:r>
+              <a:rPr lang="zh-TW" altLang="en-US" dirty="0"/>
+              <a:t>題目</a:t>
+            </a:r>
+            <a:r>
+              <a:rPr lang="en-US" altLang="zh-TW" dirty="0"/>
+              <a:t>-</a:t>
+            </a:r>
+            <a:r>
+              <a:rPr lang="zh-TW" altLang="en-US" dirty="0"/>
+              <a:t>初級</a:t>
+            </a:r>
+          </a:p>
+        </p:txBody>
+      </p:sp>
+      <p:sp>
+        <p:nvSpPr>
+          <p:cNvPr id="3" name="內容版面配置區 2">
+            <a:extLst>
+              <a:ext uri="{FF2B5EF4-FFF2-40B4-BE49-F238E27FC236}">
+                <a16:creationId xmlns:a16="http://schemas.microsoft.com/office/drawing/2014/main" id="{6566BBF2-555B-8DA6-BC4F-C989A278F4FF}"/>
+              </a:ext>
+            </a:extLst>
+          </p:cNvPr>
+          <p:cNvSpPr>
+            <a:spLocks noGrp="1"/>
+          </p:cNvSpPr>
+          <p:nvPr>
+            <p:ph idx="1"/>
+          </p:nvPr>
+        </p:nvSpPr>
+        <p:spPr/>
+        <p:txBody>
+          <a:bodyPr/>
+          <a:lstStyle/>
+          <a:p>
+            <a:r>
+              <a:rPr lang="en-US" altLang="zh-TW" dirty="0"/>
+              <a:t>Fizz Buzz</a:t>
+            </a:r>
+          </a:p>
+          <a:p>
+            <a:r>
+              <a:rPr lang="en-US" altLang="zh-TW" dirty="0" err="1"/>
+              <a:t>LeetCode</a:t>
+            </a:r>
+            <a:r>
+              <a:rPr lang="en-US" altLang="zh-TW" dirty="0"/>
+              <a:t> #2413 - Smallest Even Multiple</a:t>
+            </a:r>
+          </a:p>
+          <a:p>
+            <a:r>
+              <a:rPr lang="en-US" altLang="zh-TW" dirty="0" err="1"/>
+              <a:t>LeetCode</a:t>
+            </a:r>
+            <a:r>
+              <a:rPr lang="en-US" altLang="zh-TW" dirty="0"/>
+              <a:t> #1281 - Subtract the Product and Sum of Digits of an Integer</a:t>
+            </a:r>
+          </a:p>
+          <a:p>
+            <a:r>
+              <a:rPr lang="en-US" altLang="zh-TW" dirty="0" err="1"/>
+              <a:t>LeetCode</a:t>
+            </a:r>
+            <a:r>
+              <a:rPr lang="en-US" altLang="zh-TW" dirty="0"/>
+              <a:t> #231 - Power of Two</a:t>
+            </a:r>
+            <a:endParaRPr lang="zh-TW" altLang="en-US" dirty="0"/>
+          </a:p>
+        </p:txBody>
+      </p:sp>
+    </p:spTree>
+    <p:extLst>
+      <p:ext uri="{BB962C8B-B14F-4D97-AF65-F5344CB8AC3E}">
+        <p14:creationId xmlns:p14="http://schemas.microsoft.com/office/powerpoint/2010/main" val="2147907903"/>
+      </p:ext>
+    </p:extLst>
+  </p:cSld>
+  <p:clrMapOvr>
+    <a:masterClrMapping/>
+  </p:clrMapOvr>
+</p:sld>
+</file>
+
+<file path=ppt/slides/slide21.xml><?xml version="1.0" encoding="utf-8"?>
+<p:sld xmlns:a="http://schemas.openxmlformats.org/drawingml/2006/main" xmlns:r="http://schemas.openxmlformats.org/officeDocument/2006/relationships" xmlns:p="http://schemas.openxmlformats.org/presentationml/2006/main">
+  <p:cSld>
+    <p:spTree>
+      <p:nvGrpSpPr>
+        <p:cNvPr id="1" name=""/>
+        <p:cNvGrpSpPr/>
+        <p:nvPr/>
+      </p:nvGrpSpPr>
+      <p:grpSpPr>
+        <a:xfrm>
+          <a:off x="0" y="0"/>
+          <a:ext cx="0" cy="0"/>
+          <a:chOff x="0" y="0"/>
+          <a:chExt cx="0" cy="0"/>
+        </a:xfrm>
+      </p:grpSpPr>
+      <p:sp>
+        <p:nvSpPr>
+          <p:cNvPr id="2" name="標題 1">
+            <a:extLst>
+              <a:ext uri="{FF2B5EF4-FFF2-40B4-BE49-F238E27FC236}">
+                <a16:creationId xmlns:a16="http://schemas.microsoft.com/office/drawing/2014/main" id="{83EB268A-6EFA-69C5-12F1-23330C3C68B7}"/>
+              </a:ext>
+            </a:extLst>
+          </p:cNvPr>
+          <p:cNvSpPr>
+            <a:spLocks noGrp="1"/>
+          </p:cNvSpPr>
+          <p:nvPr>
+            <p:ph type="title"/>
+          </p:nvPr>
+        </p:nvSpPr>
+        <p:spPr/>
+        <p:txBody>
+          <a:bodyPr/>
+          <a:lstStyle/>
+          <a:p>
+            <a:r>
+              <a:rPr lang="zh-TW" altLang="en-US" dirty="0"/>
+              <a:t>題目</a:t>
+            </a:r>
+            <a:r>
+              <a:rPr lang="en-US" altLang="zh-TW" dirty="0"/>
+              <a:t>-</a:t>
+            </a:r>
+            <a:r>
+              <a:rPr lang="zh-TW" altLang="en-US" dirty="0"/>
+              <a:t>中級</a:t>
+            </a:r>
+          </a:p>
+        </p:txBody>
+      </p:sp>
+      <p:sp>
+        <p:nvSpPr>
+          <p:cNvPr id="3" name="內容版面配置區 2">
+            <a:extLst>
+              <a:ext uri="{FF2B5EF4-FFF2-40B4-BE49-F238E27FC236}">
+                <a16:creationId xmlns:a16="http://schemas.microsoft.com/office/drawing/2014/main" id="{3BF7A74E-5F69-4A0B-0FC4-F69781130213}"/>
+              </a:ext>
+            </a:extLst>
+          </p:cNvPr>
+          <p:cNvSpPr>
+            <a:spLocks noGrp="1"/>
+          </p:cNvSpPr>
+          <p:nvPr>
+            <p:ph idx="1"/>
+          </p:nvPr>
+        </p:nvSpPr>
+        <p:spPr/>
+        <p:txBody>
+          <a:bodyPr/>
+          <a:lstStyle/>
+          <a:p>
+            <a:r>
+              <a:rPr lang="en-US" altLang="zh-TW" dirty="0" err="1"/>
+              <a:t>LeetCode</a:t>
+            </a:r>
+            <a:r>
+              <a:rPr lang="en-US" altLang="zh-TW" dirty="0"/>
+              <a:t> #9 - Palindrome Number (</a:t>
+            </a:r>
+            <a:r>
+              <a:rPr lang="zh-TW" altLang="en-US" dirty="0"/>
+              <a:t>回文數</a:t>
+            </a:r>
+            <a:r>
+              <a:rPr lang="en-US" altLang="zh-TW" dirty="0"/>
+              <a:t>)</a:t>
+            </a:r>
+          </a:p>
+          <a:p>
+            <a:pPr lvl="1"/>
+            <a:r>
+              <a:rPr lang="zh-TW" altLang="en-US" b="1" dirty="0"/>
+              <a:t>題目描述：</a:t>
+            </a:r>
+            <a:r>
+              <a:rPr lang="zh-TW" altLang="en-US" dirty="0"/>
+              <a:t> 判斷一個整數是否是回文（正讀反讀一樣，如 </a:t>
+            </a:r>
+            <a:r>
+              <a:rPr lang="en-US" altLang="zh-TW" dirty="0"/>
+              <a:t>121</a:t>
+            </a:r>
+            <a:r>
+              <a:rPr lang="zh-TW" altLang="en-US" dirty="0"/>
+              <a:t>）。</a:t>
+            </a:r>
+            <a:r>
+              <a:rPr lang="zh-TW" altLang="en-US" b="1" dirty="0"/>
+              <a:t>限制：不將整數轉為字串。</a:t>
+            </a:r>
+            <a:endParaRPr lang="en-US" altLang="zh-TW" b="1" dirty="0"/>
+          </a:p>
+          <a:p>
+            <a:pPr lvl="1"/>
+            <a:r>
+              <a:rPr lang="pt-BR" altLang="zh-TW" dirty="0"/>
+              <a:t>reversedNum = reversedNum * 10 + x % 10</a:t>
+            </a:r>
+          </a:p>
+          <a:p>
+            <a:r>
+              <a:rPr lang="en-US" altLang="zh-TW" b="1" dirty="0" err="1"/>
+              <a:t>LeetCode</a:t>
+            </a:r>
+            <a:r>
+              <a:rPr lang="en-US" altLang="zh-TW" b="1" dirty="0"/>
+              <a:t> #509 - Fibonacci Number</a:t>
+            </a:r>
+          </a:p>
+          <a:p>
+            <a:pPr lvl="1"/>
+            <a:r>
+              <a:rPr lang="zh-TW" altLang="en-US" b="1" dirty="0"/>
+              <a:t>題目描述：</a:t>
+            </a:r>
+            <a:r>
+              <a:rPr lang="zh-TW" altLang="en-US" dirty="0"/>
+              <a:t> 計算費氏數列的第 </a:t>
+            </a:r>
+            <a:r>
+              <a:rPr lang="en-US" altLang="zh-TW" dirty="0"/>
+              <a:t>N </a:t>
+            </a:r>
+            <a:r>
+              <a:rPr lang="zh-TW" altLang="en-US" dirty="0"/>
+              <a:t>項。</a:t>
+            </a:r>
+            <a:endParaRPr lang="en-US" altLang="zh-TW" dirty="0"/>
+          </a:p>
+          <a:p>
+            <a:pPr lvl="1"/>
+            <a:r>
+              <a:rPr lang="zh-TW" altLang="en-US" dirty="0"/>
+              <a:t>要求用 </a:t>
+            </a:r>
+            <a:r>
+              <a:rPr lang="en-US" altLang="zh-TW" dirty="0"/>
+              <a:t>for </a:t>
+            </a:r>
+            <a:r>
+              <a:rPr lang="zh-TW" altLang="en-US" dirty="0"/>
+              <a:t>迴圈從 </a:t>
+            </a:r>
+            <a:r>
+              <a:rPr lang="en-US" altLang="zh-TW" dirty="0"/>
+              <a:t>0 </a:t>
+            </a:r>
+            <a:r>
+              <a:rPr lang="zh-TW" altLang="en-US" dirty="0"/>
+              <a:t>累加到 </a:t>
+            </a:r>
+            <a:r>
+              <a:rPr lang="en-US" altLang="zh-TW" dirty="0"/>
+              <a:t>N</a:t>
+            </a:r>
+            <a:endParaRPr lang="zh-TW" altLang="en-US" dirty="0"/>
+          </a:p>
+          <a:p>
+            <a:endParaRPr lang="zh-TW" altLang="en-US" dirty="0"/>
+          </a:p>
+        </p:txBody>
+      </p:sp>
+    </p:spTree>
+    <p:extLst>
+      <p:ext uri="{BB962C8B-B14F-4D97-AF65-F5344CB8AC3E}">
+        <p14:creationId xmlns:p14="http://schemas.microsoft.com/office/powerpoint/2010/main" val="2744774928"/>
+      </p:ext>
+    </p:extLst>
+  </p:cSld>
+  <p:clrMapOvr>
+    <a:masterClrMapping/>
   </p:clrMapOvr>
 </p:sld>
 </file>
@@ -34170,7 +35059,7 @@
               </a:ln>
               <a:extLst>
                 <a:ext uri="{91240B29-F687-4f45-9708-019B960494DF}">
-                  <a14:hiddenLine xmlns="" xmlns:a16="http://schemas.microsoft.com/office/drawing/2014/main" xmlns:p14="http://schemas.microsoft.com/office/powerpoint/2010/main" xmlns:a14="http://schemas.microsoft.com/office/drawing/2010/main" w="9525">
+                  <a14:hiddenLine xmlns:a14="http://schemas.microsoft.com/office/drawing/2010/main" xmlns:p14="http://schemas.microsoft.com/office/powerpoint/2010/main" xmlns:a16="http://schemas.microsoft.com/office/drawing/2014/main" xmlns="" w="9525">
                     <a:solidFill>
                       <a:srgbClr val="000000"/>
                     </a:solidFill>
@@ -34282,7 +35171,7 @@
               </a:ln>
               <a:extLst>
                 <a:ext uri="{91240B29-F687-4f45-9708-019B960494DF}">
-                  <a14:hiddenLine xmlns="" xmlns:a16="http://schemas.microsoft.com/office/drawing/2014/main" xmlns:p14="http://schemas.microsoft.com/office/powerpoint/2010/main" xmlns:a14="http://schemas.microsoft.com/office/drawing/2010/main" w="9525">
+                  <a14:hiddenLine xmlns:a14="http://schemas.microsoft.com/office/drawing/2010/main" xmlns:p14="http://schemas.microsoft.com/office/powerpoint/2010/main" xmlns:a16="http://schemas.microsoft.com/office/drawing/2014/main" xmlns="" w="9525">
                     <a:solidFill>
                       <a:srgbClr val="000000"/>
                     </a:solidFill>
@@ -34394,7 +35283,7 @@
               </a:ln>
               <a:extLst>
                 <a:ext uri="{91240B29-F687-4f45-9708-019B960494DF}">
-                  <a14:hiddenLine xmlns="" xmlns:a16="http://schemas.microsoft.com/office/drawing/2014/main" xmlns:p14="http://schemas.microsoft.com/office/powerpoint/2010/main" xmlns:a14="http://schemas.microsoft.com/office/drawing/2010/main" w="9525">
+                  <a14:hiddenLine xmlns:a14="http://schemas.microsoft.com/office/drawing/2010/main" xmlns:p14="http://schemas.microsoft.com/office/powerpoint/2010/main" xmlns:a16="http://schemas.microsoft.com/office/drawing/2014/main" xmlns="" w="9525">
                     <a:solidFill>
                       <a:srgbClr val="000000"/>
                     </a:solidFill>
@@ -34478,7 +35367,7 @@
               </a:ln>
               <a:extLst>
                 <a:ext uri="{91240B29-F687-4f45-9708-019B960494DF}">
-                  <a14:hiddenLine xmlns="" xmlns:a16="http://schemas.microsoft.com/office/drawing/2014/main" xmlns:p14="http://schemas.microsoft.com/office/powerpoint/2010/main" xmlns:a14="http://schemas.microsoft.com/office/drawing/2010/main" w="9525">
+                  <a14:hiddenLine xmlns:a14="http://schemas.microsoft.com/office/drawing/2010/main" xmlns:p14="http://schemas.microsoft.com/office/powerpoint/2010/main" xmlns:a16="http://schemas.microsoft.com/office/drawing/2014/main" xmlns="" w="9525">
                     <a:solidFill>
                       <a:srgbClr val="000000"/>
                     </a:solidFill>
@@ -34590,7 +35479,7 @@
               </a:ln>
               <a:extLst>
                 <a:ext uri="{91240B29-F687-4f45-9708-019B960494DF}">
-                  <a14:hiddenLine xmlns="" xmlns:a16="http://schemas.microsoft.com/office/drawing/2014/main" xmlns:p14="http://schemas.microsoft.com/office/powerpoint/2010/main" xmlns:a14="http://schemas.microsoft.com/office/drawing/2010/main" w="9525">
+                  <a14:hiddenLine xmlns:a14="http://schemas.microsoft.com/office/drawing/2010/main" xmlns:p14="http://schemas.microsoft.com/office/powerpoint/2010/main" xmlns:a16="http://schemas.microsoft.com/office/drawing/2014/main" xmlns="" w="9525">
                     <a:solidFill>
                       <a:srgbClr val="000000"/>
                     </a:solidFill>
@@ -34674,7 +35563,7 @@
               </a:ln>
               <a:extLst>
                 <a:ext uri="{91240B29-F687-4f45-9708-019B960494DF}">
-                  <a14:hiddenLine xmlns="" xmlns:a16="http://schemas.microsoft.com/office/drawing/2014/main" xmlns:p14="http://schemas.microsoft.com/office/powerpoint/2010/main" xmlns:a14="http://schemas.microsoft.com/office/drawing/2010/main" w="9525">
+                  <a14:hiddenLine xmlns:a14="http://schemas.microsoft.com/office/drawing/2010/main" xmlns:p14="http://schemas.microsoft.com/office/powerpoint/2010/main" xmlns:a16="http://schemas.microsoft.com/office/drawing/2014/main" xmlns="" w="9525">
                     <a:solidFill>
                       <a:srgbClr val="000000"/>
                     </a:solidFill>
@@ -34758,7 +35647,7 @@
               </a:ln>
               <a:extLst>
                 <a:ext uri="{91240B29-F687-4f45-9708-019B960494DF}">
-                  <a14:hiddenLine xmlns="" xmlns:a16="http://schemas.microsoft.com/office/drawing/2014/main" xmlns:p14="http://schemas.microsoft.com/office/powerpoint/2010/main" xmlns:a14="http://schemas.microsoft.com/office/drawing/2010/main" w="9525">
+                  <a14:hiddenLine xmlns:a14="http://schemas.microsoft.com/office/drawing/2010/main" xmlns:p14="http://schemas.microsoft.com/office/powerpoint/2010/main" xmlns:a16="http://schemas.microsoft.com/office/drawing/2014/main" xmlns="" w="9525">
                     <a:solidFill>
                       <a:srgbClr val="000000"/>
                     </a:solidFill>
@@ -34870,7 +35759,7 @@
               </a:ln>
               <a:extLst>
                 <a:ext uri="{91240B29-F687-4f45-9708-019B960494DF}">
-                  <a14:hiddenLine xmlns="" xmlns:a16="http://schemas.microsoft.com/office/drawing/2014/main" xmlns:p14="http://schemas.microsoft.com/office/powerpoint/2010/main" xmlns:a14="http://schemas.microsoft.com/office/drawing/2010/main" w="9525">
+                  <a14:hiddenLine xmlns:a14="http://schemas.microsoft.com/office/drawing/2010/main" xmlns:p14="http://schemas.microsoft.com/office/powerpoint/2010/main" xmlns:a16="http://schemas.microsoft.com/office/drawing/2014/main" xmlns="" w="9525">
                     <a:solidFill>
                       <a:srgbClr val="000000"/>
                     </a:solidFill>
@@ -34982,7 +35871,7 @@
               </a:ln>
               <a:extLst>
                 <a:ext uri="{91240B29-F687-4f45-9708-019B960494DF}">
-                  <a14:hiddenLine xmlns="" xmlns:a16="http://schemas.microsoft.com/office/drawing/2014/main" xmlns:p14="http://schemas.microsoft.com/office/powerpoint/2010/main" xmlns:a14="http://schemas.microsoft.com/office/drawing/2010/main" w="9525">
+                  <a14:hiddenLine xmlns:a14="http://schemas.microsoft.com/office/drawing/2010/main" xmlns:p14="http://schemas.microsoft.com/office/powerpoint/2010/main" xmlns:a16="http://schemas.microsoft.com/office/drawing/2014/main" xmlns="" w="9525">
                     <a:solidFill>
                       <a:srgbClr val="000000"/>
                     </a:solidFill>
@@ -35066,7 +35955,7 @@
               </a:ln>
               <a:extLst>
                 <a:ext uri="{91240B29-F687-4f45-9708-019B960494DF}">
-                  <a14:hiddenLine xmlns="" xmlns:a16="http://schemas.microsoft.com/office/drawing/2014/main" xmlns:p14="http://schemas.microsoft.com/office/powerpoint/2010/main" xmlns:a14="http://schemas.microsoft.com/office/drawing/2010/main" w="9525">
+                  <a14:hiddenLine xmlns:a14="http://schemas.microsoft.com/office/drawing/2010/main" xmlns:p14="http://schemas.microsoft.com/office/powerpoint/2010/main" xmlns:a16="http://schemas.microsoft.com/office/drawing/2014/main" xmlns="" w="9525">
                     <a:solidFill>
                       <a:srgbClr val="000000"/>
                     </a:solidFill>
@@ -35198,7 +36087,7 @@
               </a:ln>
               <a:extLst>
                 <a:ext uri="{91240B29-F687-4f45-9708-019B960494DF}">
-                  <a14:hiddenLine xmlns="" xmlns:a16="http://schemas.microsoft.com/office/drawing/2014/main" xmlns:p14="http://schemas.microsoft.com/office/powerpoint/2010/main" xmlns:a14="http://schemas.microsoft.com/office/drawing/2010/main" w="9525">
+                  <a14:hiddenLine xmlns:a14="http://schemas.microsoft.com/office/drawing/2010/main" xmlns:p14="http://schemas.microsoft.com/office/powerpoint/2010/main" xmlns:a16="http://schemas.microsoft.com/office/drawing/2014/main" xmlns="" w="9525">
                     <a:solidFill>
                       <a:srgbClr val="000000"/>
                     </a:solidFill>
@@ -35326,7 +36215,7 @@
               </a:ln>
               <a:extLst>
                 <a:ext uri="{91240B29-F687-4f45-9708-019B960494DF}">
-                  <a14:hiddenLine xmlns="" xmlns:a16="http://schemas.microsoft.com/office/drawing/2014/main" xmlns:p14="http://schemas.microsoft.com/office/powerpoint/2010/main" xmlns:a14="http://schemas.microsoft.com/office/drawing/2010/main" w="9525">
+                  <a14:hiddenLine xmlns:a14="http://schemas.microsoft.com/office/drawing/2010/main" xmlns:p14="http://schemas.microsoft.com/office/powerpoint/2010/main" xmlns:a16="http://schemas.microsoft.com/office/drawing/2014/main" xmlns="" w="9525">
                     <a:solidFill>
                       <a:srgbClr val="000000"/>
                     </a:solidFill>
@@ -35410,7 +36299,7 @@
               </a:ln>
               <a:extLst>
                 <a:ext uri="{91240B29-F687-4f45-9708-019B960494DF}">
-                  <a14:hiddenLine xmlns="" xmlns:a16="http://schemas.microsoft.com/office/drawing/2014/main" xmlns:p14="http://schemas.microsoft.com/office/powerpoint/2010/main" xmlns:a14="http://schemas.microsoft.com/office/drawing/2010/main" w="9525">
+                  <a14:hiddenLine xmlns:a14="http://schemas.microsoft.com/office/drawing/2010/main" xmlns:p14="http://schemas.microsoft.com/office/powerpoint/2010/main" xmlns:a16="http://schemas.microsoft.com/office/drawing/2014/main" xmlns="" w="9525">
                     <a:solidFill>
                       <a:srgbClr val="000000"/>
                     </a:solidFill>
@@ -35494,7 +36383,7 @@
               </a:ln>
               <a:extLst>
                 <a:ext uri="{91240B29-F687-4f45-9708-019B960494DF}">
-                  <a14:hiddenLine xmlns="" xmlns:a16="http://schemas.microsoft.com/office/drawing/2014/main" xmlns:p14="http://schemas.microsoft.com/office/powerpoint/2010/main" xmlns:a14="http://schemas.microsoft.com/office/drawing/2010/main" w="9525">
+                  <a14:hiddenLine xmlns:a14="http://schemas.microsoft.com/office/drawing/2010/main" xmlns:p14="http://schemas.microsoft.com/office/powerpoint/2010/main" xmlns:a16="http://schemas.microsoft.com/office/drawing/2014/main" xmlns="" w="9525">
                     <a:solidFill>
                       <a:srgbClr val="000000"/>
                     </a:solidFill>
@@ -35606,7 +36495,7 @@
               </a:ln>
               <a:extLst>
                 <a:ext uri="{91240B29-F687-4f45-9708-019B960494DF}">
-                  <a14:hiddenLine xmlns="" xmlns:a16="http://schemas.microsoft.com/office/drawing/2014/main" xmlns:p14="http://schemas.microsoft.com/office/powerpoint/2010/main" xmlns:a14="http://schemas.microsoft.com/office/drawing/2010/main" w="9525">
+                  <a14:hiddenLine xmlns:a14="http://schemas.microsoft.com/office/drawing/2010/main" xmlns:p14="http://schemas.microsoft.com/office/powerpoint/2010/main" xmlns:a16="http://schemas.microsoft.com/office/drawing/2014/main" xmlns="" w="9525">
                     <a:solidFill>
                       <a:srgbClr val="000000"/>
                     </a:solidFill>
@@ -35662,7 +36551,7 @@
               </a:ln>
               <a:extLst>
                 <a:ext uri="{91240B29-F687-4f45-9708-019B960494DF}">
-                  <a14:hiddenLine xmlns="" xmlns:a16="http://schemas.microsoft.com/office/drawing/2014/main" xmlns:p14="http://schemas.microsoft.com/office/powerpoint/2010/main" xmlns:a14="http://schemas.microsoft.com/office/drawing/2010/main" w="9525">
+                  <a14:hiddenLine xmlns:a14="http://schemas.microsoft.com/office/drawing/2010/main" xmlns:p14="http://schemas.microsoft.com/office/powerpoint/2010/main" xmlns:a16="http://schemas.microsoft.com/office/drawing/2014/main" xmlns="" w="9525">
                     <a:solidFill>
                       <a:srgbClr val="000000"/>
                     </a:solidFill>
@@ -35749,7 +36638,7 @@
               </a:ln>
               <a:extLst>
                 <a:ext uri="{91240B29-F687-4f45-9708-019B960494DF}">
-                  <a14:hiddenLine xmlns="" xmlns:a16="http://schemas.microsoft.com/office/drawing/2014/main" xmlns:p14="http://schemas.microsoft.com/office/powerpoint/2010/main" xmlns:a14="http://schemas.microsoft.com/office/drawing/2010/main" w="9525">
+                  <a14:hiddenLine xmlns:a14="http://schemas.microsoft.com/office/drawing/2010/main" xmlns:p14="http://schemas.microsoft.com/office/powerpoint/2010/main" xmlns:a16="http://schemas.microsoft.com/office/drawing/2014/main" xmlns="" w="9525">
                     <a:solidFill>
                       <a:srgbClr val="000000"/>
                     </a:solidFill>
@@ -35861,7 +36750,7 @@
               </a:ln>
               <a:extLst>
                 <a:ext uri="{91240B29-F687-4f45-9708-019B960494DF}">
-                  <a14:hiddenLine xmlns="" xmlns:a16="http://schemas.microsoft.com/office/drawing/2014/main" xmlns:p14="http://schemas.microsoft.com/office/powerpoint/2010/main" xmlns:a14="http://schemas.microsoft.com/office/drawing/2010/main" w="9525">
+                  <a14:hiddenLine xmlns:a14="http://schemas.microsoft.com/office/drawing/2010/main" xmlns:p14="http://schemas.microsoft.com/office/powerpoint/2010/main" xmlns:a16="http://schemas.microsoft.com/office/drawing/2014/main" xmlns="" w="9525">
                     <a:solidFill>
                       <a:srgbClr val="000000"/>
                     </a:solidFill>
@@ -35945,7 +36834,7 @@
               </a:ln>
               <a:extLst>
                 <a:ext uri="{91240B29-F687-4f45-9708-019B960494DF}">
-                  <a14:hiddenLine xmlns="" xmlns:a16="http://schemas.microsoft.com/office/drawing/2014/main" xmlns:p14="http://schemas.microsoft.com/office/powerpoint/2010/main" xmlns:a14="http://schemas.microsoft.com/office/drawing/2010/main" w="9525">
+                  <a14:hiddenLine xmlns:a14="http://schemas.microsoft.com/office/drawing/2010/main" xmlns:p14="http://schemas.microsoft.com/office/powerpoint/2010/main" xmlns:a16="http://schemas.microsoft.com/office/drawing/2014/main" xmlns="" w="9525">
                     <a:solidFill>
                       <a:srgbClr val="000000"/>
                     </a:solidFill>
@@ -36057,7 +36946,7 @@
               </a:ln>
               <a:extLst>
                 <a:ext uri="{91240B29-F687-4f45-9708-019B960494DF}">
-                  <a14:hiddenLine xmlns="" xmlns:a16="http://schemas.microsoft.com/office/drawing/2014/main" xmlns:p14="http://schemas.microsoft.com/office/powerpoint/2010/main" xmlns:a14="http://schemas.microsoft.com/office/drawing/2010/main" w="9525">
+                  <a14:hiddenLine xmlns:a14="http://schemas.microsoft.com/office/drawing/2010/main" xmlns:p14="http://schemas.microsoft.com/office/powerpoint/2010/main" xmlns:a16="http://schemas.microsoft.com/office/drawing/2014/main" xmlns="" w="9525">
                     <a:solidFill>
                       <a:srgbClr val="000000"/>
                     </a:solidFill>
@@ -36144,7 +37033,7 @@
               </a:ln>
               <a:extLst>
                 <a:ext uri="{91240B29-F687-4f45-9708-019B960494DF}">
-                  <a14:hiddenLine xmlns="" xmlns:a16="http://schemas.microsoft.com/office/drawing/2014/main" xmlns:p14="http://schemas.microsoft.com/office/powerpoint/2010/main" xmlns:a14="http://schemas.microsoft.com/office/drawing/2010/main" w="9525">
+                  <a14:hiddenLine xmlns:a14="http://schemas.microsoft.com/office/drawing/2010/main" xmlns:p14="http://schemas.microsoft.com/office/powerpoint/2010/main" xmlns:a16="http://schemas.microsoft.com/office/drawing/2014/main" xmlns="" w="9525">
                     <a:solidFill>
                       <a:srgbClr val="000000"/>
                     </a:solidFill>
@@ -36228,7 +37117,7 @@
               </a:ln>
               <a:extLst>
                 <a:ext uri="{91240B29-F687-4f45-9708-019B960494DF}">
-                  <a14:hiddenLine xmlns="" xmlns:a16="http://schemas.microsoft.com/office/drawing/2014/main" xmlns:p14="http://schemas.microsoft.com/office/powerpoint/2010/main" xmlns:a14="http://schemas.microsoft.com/office/drawing/2010/main" w="9525">
+                  <a14:hiddenLine xmlns:a14="http://schemas.microsoft.com/office/drawing/2010/main" xmlns:p14="http://schemas.microsoft.com/office/powerpoint/2010/main" xmlns:a16="http://schemas.microsoft.com/office/drawing/2014/main" xmlns="" w="9525">
                     <a:solidFill>
                       <a:srgbClr val="000000"/>
                     </a:solidFill>
@@ -36340,7 +37229,7 @@
               </a:ln>
               <a:extLst>
                 <a:ext uri="{91240B29-F687-4f45-9708-019B960494DF}">
-                  <a14:hiddenLine xmlns="" xmlns:a16="http://schemas.microsoft.com/office/drawing/2014/main" xmlns:p14="http://schemas.microsoft.com/office/powerpoint/2010/main" xmlns:a14="http://schemas.microsoft.com/office/drawing/2010/main" w="9525">
+                  <a14:hiddenLine xmlns:a14="http://schemas.microsoft.com/office/drawing/2010/main" xmlns:p14="http://schemas.microsoft.com/office/powerpoint/2010/main" xmlns:a16="http://schemas.microsoft.com/office/drawing/2014/main" xmlns="" w="9525">
                     <a:solidFill>
                       <a:srgbClr val="000000"/>
                     </a:solidFill>
@@ -36452,7 +37341,7 @@
               </a:ln>
               <a:extLst>
                 <a:ext uri="{91240B29-F687-4f45-9708-019B960494DF}">
-                  <a14:hiddenLine xmlns="" xmlns:a16="http://schemas.microsoft.com/office/drawing/2014/main" xmlns:p14="http://schemas.microsoft.com/office/powerpoint/2010/main" xmlns:a14="http://schemas.microsoft.com/office/drawing/2010/main" w="9525">
+                  <a14:hiddenLine xmlns:a14="http://schemas.microsoft.com/office/drawing/2010/main" xmlns:p14="http://schemas.microsoft.com/office/powerpoint/2010/main" xmlns:a16="http://schemas.microsoft.com/office/drawing/2014/main" xmlns="" w="9525">
                     <a:solidFill>
                       <a:srgbClr val="000000"/>
                     </a:solidFill>
@@ -36539,7 +37428,7 @@
               </a:ln>
               <a:extLst>
                 <a:ext uri="{91240B29-F687-4f45-9708-019B960494DF}">
-                  <a14:hiddenLine xmlns="" xmlns:a16="http://schemas.microsoft.com/office/drawing/2014/main" xmlns:p14="http://schemas.microsoft.com/office/powerpoint/2010/main" xmlns:a14="http://schemas.microsoft.com/office/drawing/2010/main" w="9525">
+                  <a14:hiddenLine xmlns:a14="http://schemas.microsoft.com/office/drawing/2010/main" xmlns:p14="http://schemas.microsoft.com/office/powerpoint/2010/main" xmlns:a16="http://schemas.microsoft.com/office/drawing/2014/main" xmlns="" w="9525">
                     <a:solidFill>
                       <a:srgbClr val="000000"/>
                     </a:solidFill>
@@ -36681,7 +37570,7 @@
               </a:ln>
               <a:extLst>
                 <a:ext uri="{91240B29-F687-4f45-9708-019B960494DF}">
-                  <a14:hiddenLine xmlns="" xmlns:a16="http://schemas.microsoft.com/office/drawing/2014/main" xmlns:p14="http://schemas.microsoft.com/office/powerpoint/2010/main" xmlns:a14="http://schemas.microsoft.com/office/drawing/2010/main" w="9525">
+                  <a14:hiddenLine xmlns:a14="http://schemas.microsoft.com/office/drawing/2010/main" xmlns:p14="http://schemas.microsoft.com/office/powerpoint/2010/main" xmlns:a16="http://schemas.microsoft.com/office/drawing/2014/main" xmlns="" w="9525">
                     <a:solidFill>
                       <a:srgbClr val="000000"/>
                     </a:solidFill>
@@ -36813,7 +37702,7 @@
               </a:ln>
               <a:extLst>
                 <a:ext uri="{91240B29-F687-4f45-9708-019B960494DF}">
-                  <a14:hiddenLine xmlns="" xmlns:a16="http://schemas.microsoft.com/office/drawing/2014/main" xmlns:p14="http://schemas.microsoft.com/office/powerpoint/2010/main" xmlns:a14="http://schemas.microsoft.com/office/drawing/2010/main" w="9525">
+                  <a14:hiddenLine xmlns:a14="http://schemas.microsoft.com/office/drawing/2010/main" xmlns:p14="http://schemas.microsoft.com/office/powerpoint/2010/main" xmlns:a16="http://schemas.microsoft.com/office/drawing/2014/main" xmlns="" w="9525">
                     <a:solidFill>
                       <a:srgbClr val="000000"/>
                     </a:solidFill>
@@ -36950,7 +37839,7 @@
               </a:ln>
               <a:extLst>
                 <a:ext uri="{91240B29-F687-4f45-9708-019B960494DF}">
-                  <a14:hiddenLine xmlns="" xmlns:a16="http://schemas.microsoft.com/office/drawing/2014/main" xmlns:p14="http://schemas.microsoft.com/office/powerpoint/2010/main" xmlns:a14="http://schemas.microsoft.com/office/drawing/2010/main" w="9525">
+                  <a14:hiddenLine xmlns:a14="http://schemas.microsoft.com/office/drawing/2010/main" xmlns:p14="http://schemas.microsoft.com/office/powerpoint/2010/main" xmlns:a16="http://schemas.microsoft.com/office/drawing/2014/main" xmlns="" w="9525">
                     <a:solidFill>
                       <a:srgbClr val="000000"/>
                     </a:solidFill>
@@ -37062,7 +37951,7 @@
               </a:ln>
               <a:extLst>
                 <a:ext uri="{91240B29-F687-4f45-9708-019B960494DF}">
-                  <a14:hiddenLine xmlns="" xmlns:a16="http://schemas.microsoft.com/office/drawing/2014/main" xmlns:p14="http://schemas.microsoft.com/office/powerpoint/2010/main" xmlns:a14="http://schemas.microsoft.com/office/drawing/2010/main" w="9525">
+                  <a14:hiddenLine xmlns:a14="http://schemas.microsoft.com/office/drawing/2010/main" xmlns:p14="http://schemas.microsoft.com/office/powerpoint/2010/main" xmlns:a16="http://schemas.microsoft.com/office/drawing/2014/main" xmlns="" w="9525">
                     <a:solidFill>
                       <a:srgbClr val="000000"/>
                     </a:solidFill>
@@ -37149,7 +38038,7 @@
               </a:ln>
               <a:extLst>
                 <a:ext uri="{91240B29-F687-4f45-9708-019B960494DF}">
-                  <a14:hiddenLine xmlns="" xmlns:a16="http://schemas.microsoft.com/office/drawing/2014/main" xmlns:p14="http://schemas.microsoft.com/office/powerpoint/2010/main" xmlns:a14="http://schemas.microsoft.com/office/drawing/2010/main" w="9525">
+                  <a14:hiddenLine xmlns:a14="http://schemas.microsoft.com/office/drawing/2010/main" xmlns:p14="http://schemas.microsoft.com/office/powerpoint/2010/main" xmlns:a16="http://schemas.microsoft.com/office/drawing/2014/main" xmlns="" w="9525">
                     <a:solidFill>
                       <a:srgbClr val="000000"/>
                     </a:solidFill>
@@ -37261,7 +38150,7 @@
               </a:ln>
               <a:extLst>
                 <a:ext uri="{91240B29-F687-4f45-9708-019B960494DF}">
-                  <a14:hiddenLine xmlns="" xmlns:a16="http://schemas.microsoft.com/office/drawing/2014/main" xmlns:p14="http://schemas.microsoft.com/office/powerpoint/2010/main" xmlns:a14="http://schemas.microsoft.com/office/drawing/2010/main" w="9525">
+                  <a14:hiddenLine xmlns:a14="http://schemas.microsoft.com/office/drawing/2010/main" xmlns:p14="http://schemas.microsoft.com/office/powerpoint/2010/main" xmlns:a16="http://schemas.microsoft.com/office/drawing/2014/main" xmlns="" w="9525">
                     <a:solidFill>
                       <a:srgbClr val="000000"/>
                     </a:solidFill>
@@ -37351,7 +38240,7 @@
               </a:ln>
               <a:extLst>
                 <a:ext uri="{91240B29-F687-4f45-9708-019B960494DF}">
-                  <a14:hiddenLine xmlns="" xmlns:a16="http://schemas.microsoft.com/office/drawing/2014/main" xmlns:p14="http://schemas.microsoft.com/office/powerpoint/2010/main" xmlns:a14="http://schemas.microsoft.com/office/drawing/2010/main" w="9525">
+                  <a14:hiddenLine xmlns:a14="http://schemas.microsoft.com/office/drawing/2010/main" xmlns:p14="http://schemas.microsoft.com/office/powerpoint/2010/main" xmlns:a16="http://schemas.microsoft.com/office/drawing/2014/main" xmlns="" w="9525">
                     <a:solidFill>
                       <a:srgbClr val="000000"/>
                     </a:solidFill>
@@ -37463,7 +38352,7 @@
               </a:ln>
               <a:extLst>
                 <a:ext uri="{91240B29-F687-4f45-9708-019B960494DF}">
-                  <a14:hiddenLine xmlns="" xmlns:a16="http://schemas.microsoft.com/office/drawing/2014/main" xmlns:p14="http://schemas.microsoft.com/office/powerpoint/2010/main" xmlns:a14="http://schemas.microsoft.com/office/drawing/2010/main" w="9525">
+                  <a14:hiddenLine xmlns:a14="http://schemas.microsoft.com/office/drawing/2010/main" xmlns:p14="http://schemas.microsoft.com/office/powerpoint/2010/main" xmlns:a16="http://schemas.microsoft.com/office/drawing/2014/main" xmlns="" w="9525">
                     <a:solidFill>
                       <a:srgbClr val="000000"/>
                     </a:solidFill>
@@ -37553,7 +38442,7 @@
               </a:ln>
               <a:extLst>
                 <a:ext uri="{91240B29-F687-4f45-9708-019B960494DF}">
-                  <a14:hiddenLine xmlns="" xmlns:a16="http://schemas.microsoft.com/office/drawing/2014/main" xmlns:p14="http://schemas.microsoft.com/office/powerpoint/2010/main" xmlns:a14="http://schemas.microsoft.com/office/drawing/2010/main" w="9525">
+                  <a14:hiddenLine xmlns:a14="http://schemas.microsoft.com/office/drawing/2010/main" xmlns:p14="http://schemas.microsoft.com/office/powerpoint/2010/main" xmlns:a16="http://schemas.microsoft.com/office/drawing/2014/main" xmlns="" w="9525">
                     <a:solidFill>
                       <a:srgbClr val="000000"/>
                     </a:solidFill>
@@ -37665,7 +38554,7 @@
               </a:ln>
               <a:extLst>
                 <a:ext uri="{91240B29-F687-4f45-9708-019B960494DF}">
-                  <a14:hiddenLine xmlns="" xmlns:a16="http://schemas.microsoft.com/office/drawing/2014/main" xmlns:p14="http://schemas.microsoft.com/office/powerpoint/2010/main" xmlns:a14="http://schemas.microsoft.com/office/drawing/2010/main" w="9525">
+                  <a14:hiddenLine xmlns:a14="http://schemas.microsoft.com/office/drawing/2010/main" xmlns:p14="http://schemas.microsoft.com/office/powerpoint/2010/main" xmlns:a16="http://schemas.microsoft.com/office/drawing/2014/main" xmlns="" w="9525">
                     <a:solidFill>
                       <a:srgbClr val="000000"/>
                     </a:solidFill>
@@ -37721,7 +38610,7 @@
               </a:ln>
               <a:extLst>
                 <a:ext uri="{91240B29-F687-4f45-9708-019B960494DF}">
-                  <a14:hiddenLine xmlns="" xmlns:a16="http://schemas.microsoft.com/office/drawing/2014/main" xmlns:p14="http://schemas.microsoft.com/office/powerpoint/2010/main" xmlns:a14="http://schemas.microsoft.com/office/drawing/2010/main" w="9525">
+                  <a14:hiddenLine xmlns:a14="http://schemas.microsoft.com/office/drawing/2010/main" xmlns:p14="http://schemas.microsoft.com/office/powerpoint/2010/main" xmlns:a16="http://schemas.microsoft.com/office/drawing/2014/main" xmlns="" w="9525">
                     <a:solidFill>
                       <a:srgbClr val="000000"/>
                     </a:solidFill>
@@ -37790,7 +38679,7 @@
           <a:noFill/>
           <a:extLst>
             <a:ext uri="{909E8E84-426E-40dd-AFC4-6F175D3DCCD1}">
-              <a14:hiddenFill xmlns="" xmlns:a16="http://schemas.microsoft.com/office/drawing/2014/main" xmlns:p14="http://schemas.microsoft.com/office/powerpoint/2010/main" xmlns:a14="http://schemas.microsoft.com/office/drawing/2010/main">
+              <a14:hiddenFill xmlns:a14="http://schemas.microsoft.com/office/drawing/2010/main" xmlns:p14="http://schemas.microsoft.com/office/powerpoint/2010/main" xmlns:a16="http://schemas.microsoft.com/office/drawing/2014/main" xmlns="">
                 <a:solidFill>
                   <a:srgbClr val="FFFFFF"/>
                 </a:solidFill>

--- a/doc/JAVA0123.pptx
+++ b/doc/JAVA0123.pptx
@@ -265,7 +265,7 @@
           <a:p>
             <a:fld id="{B1A5810C-07F1-44AE-9494-72A7A2980C1F}" type="datetimeFigureOut">
               <a:rPr lang="zh-TW" altLang="en-US" smtClean="0"/>
-              <a:t>2026/1/22</a:t>
+              <a:t>2026/1/27</a:t>
             </a:fld>
             <a:endParaRPr lang="zh-TW" altLang="en-US"/>
           </a:p>
@@ -582,7 +582,7 @@
           <a:noFill/>
           <a:extLst>
             <a:ext uri="{909E8E84-426E-40dd-AFC4-6F175D3DCCD1}">
-              <a14:hiddenFill xmlns:a14="http://schemas.microsoft.com/office/drawing/2010/main" xmlns="">
+              <a14:hiddenFill xmlns="" xmlns:a14="http://schemas.microsoft.com/office/drawing/2010/main">
                 <a:solidFill>
                   <a:srgbClr val="FFFFFF"/>
                 </a:solidFill>
@@ -642,7 +642,7 @@
             </a:ln>
             <a:extLst>
               <a:ext uri="{91240B29-F687-4f45-9708-019B960494DF}">
-                <a14:hiddenLine xmlns:a14="http://schemas.microsoft.com/office/drawing/2010/main" xmlns="" w="9525">
+                <a14:hiddenLine xmlns="" xmlns:a14="http://schemas.microsoft.com/office/drawing/2010/main" w="9525">
                   <a:solidFill>
                     <a:srgbClr val="000000"/>
                   </a:solidFill>
@@ -739,7 +739,7 @@
             </a:ln>
             <a:extLst>
               <a:ext uri="{91240B29-F687-4f45-9708-019B960494DF}">
-                <a14:hiddenLine xmlns:a14="http://schemas.microsoft.com/office/drawing/2010/main" xmlns="" w="9525">
+                <a14:hiddenLine xmlns="" xmlns:a14="http://schemas.microsoft.com/office/drawing/2010/main" w="9525">
                   <a:solidFill>
                     <a:srgbClr val="000000"/>
                   </a:solidFill>
@@ -836,7 +836,7 @@
             </a:ln>
             <a:extLst>
               <a:ext uri="{91240B29-F687-4f45-9708-019B960494DF}">
-                <a14:hiddenLine xmlns:a14="http://schemas.microsoft.com/office/drawing/2010/main" xmlns="" w="9525">
+                <a14:hiddenLine xmlns="" xmlns:a14="http://schemas.microsoft.com/office/drawing/2010/main" w="9525">
                   <a:solidFill>
                     <a:srgbClr val="000000"/>
                   </a:solidFill>
@@ -877,7 +877,7 @@
             </a:ln>
             <a:extLst>
               <a:ext uri="{91240B29-F687-4f45-9708-019B960494DF}">
-                <a14:hiddenLine xmlns:a14="http://schemas.microsoft.com/office/drawing/2010/main" xmlns="" w="9525">
+                <a14:hiddenLine xmlns="" xmlns:a14="http://schemas.microsoft.com/office/drawing/2010/main" w="9525">
                   <a:solidFill>
                     <a:srgbClr val="000000"/>
                   </a:solidFill>
@@ -974,7 +974,7 @@
             </a:ln>
             <a:extLst>
               <a:ext uri="{91240B29-F687-4f45-9708-019B960494DF}">
-                <a14:hiddenLine xmlns:a14="http://schemas.microsoft.com/office/drawing/2010/main" xmlns="" w="9525">
+                <a14:hiddenLine xmlns="" xmlns:a14="http://schemas.microsoft.com/office/drawing/2010/main" w="9525">
                   <a:solidFill>
                     <a:srgbClr val="000000"/>
                   </a:solidFill>
@@ -1043,7 +1043,7 @@
             </a:ln>
             <a:extLst>
               <a:ext uri="{91240B29-F687-4f45-9708-019B960494DF}">
-                <a14:hiddenLine xmlns:a14="http://schemas.microsoft.com/office/drawing/2010/main" xmlns="" w="9525">
+                <a14:hiddenLine xmlns="" xmlns:a14="http://schemas.microsoft.com/office/drawing/2010/main" w="9525">
                   <a:solidFill>
                     <a:srgbClr val="000000"/>
                   </a:solidFill>
@@ -1112,7 +1112,7 @@
             </a:ln>
             <a:extLst>
               <a:ext uri="{91240B29-F687-4f45-9708-019B960494DF}">
-                <a14:hiddenLine xmlns:a14="http://schemas.microsoft.com/office/drawing/2010/main" xmlns="" w="9525">
+                <a14:hiddenLine xmlns="" xmlns:a14="http://schemas.microsoft.com/office/drawing/2010/main" w="9525">
                   <a:solidFill>
                     <a:srgbClr val="000000"/>
                   </a:solidFill>
@@ -1209,7 +1209,7 @@
             </a:ln>
             <a:extLst>
               <a:ext uri="{91240B29-F687-4f45-9708-019B960494DF}">
-                <a14:hiddenLine xmlns:a14="http://schemas.microsoft.com/office/drawing/2010/main" xmlns="" w="9525">
+                <a14:hiddenLine xmlns="" xmlns:a14="http://schemas.microsoft.com/office/drawing/2010/main" w="9525">
                   <a:solidFill>
                     <a:srgbClr val="000000"/>
                   </a:solidFill>
@@ -1278,7 +1278,7 @@
             </a:ln>
             <a:extLst>
               <a:ext uri="{91240B29-F687-4f45-9708-019B960494DF}">
-                <a14:hiddenLine xmlns:a14="http://schemas.microsoft.com/office/drawing/2010/main" xmlns="" w="9525">
+                <a14:hiddenLine xmlns="" xmlns:a14="http://schemas.microsoft.com/office/drawing/2010/main" w="9525">
                   <a:solidFill>
                     <a:srgbClr val="000000"/>
                   </a:solidFill>
@@ -1347,7 +1347,7 @@
             </a:ln>
             <a:extLst>
               <a:ext uri="{91240B29-F687-4f45-9708-019B960494DF}">
-                <a14:hiddenLine xmlns:a14="http://schemas.microsoft.com/office/drawing/2010/main" xmlns="" w="9525">
+                <a14:hiddenLine xmlns="" xmlns:a14="http://schemas.microsoft.com/office/drawing/2010/main" w="9525">
                   <a:solidFill>
                     <a:srgbClr val="000000"/>
                   </a:solidFill>
@@ -1444,7 +1444,7 @@
             </a:ln>
             <a:extLst>
               <a:ext uri="{91240B29-F687-4f45-9708-019B960494DF}">
-                <a14:hiddenLine xmlns:a14="http://schemas.microsoft.com/office/drawing/2010/main" xmlns="" w="9525">
+                <a14:hiddenLine xmlns="" xmlns:a14="http://schemas.microsoft.com/office/drawing/2010/main" w="9525">
                   <a:solidFill>
                     <a:srgbClr val="000000"/>
                   </a:solidFill>
@@ -1541,7 +1541,7 @@
             </a:ln>
             <a:extLst>
               <a:ext uri="{91240B29-F687-4f45-9708-019B960494DF}">
-                <a14:hiddenLine xmlns:a14="http://schemas.microsoft.com/office/drawing/2010/main" xmlns="" w="9525">
+                <a14:hiddenLine xmlns="" xmlns:a14="http://schemas.microsoft.com/office/drawing/2010/main" w="9525">
                   <a:solidFill>
                     <a:srgbClr val="000000"/>
                   </a:solidFill>
@@ -1610,7 +1610,7 @@
             </a:ln>
             <a:extLst>
               <a:ext uri="{91240B29-F687-4f45-9708-019B960494DF}">
-                <a14:hiddenLine xmlns:a14="http://schemas.microsoft.com/office/drawing/2010/main" xmlns="" w="9525">
+                <a14:hiddenLine xmlns="" xmlns:a14="http://schemas.microsoft.com/office/drawing/2010/main" w="9525">
                   <a:solidFill>
                     <a:srgbClr val="000000"/>
                   </a:solidFill>
@@ -1727,7 +1727,7 @@
             </a:ln>
             <a:extLst>
               <a:ext uri="{91240B29-F687-4f45-9708-019B960494DF}">
-                <a14:hiddenLine xmlns:a14="http://schemas.microsoft.com/office/drawing/2010/main" xmlns="" w="9525">
+                <a14:hiddenLine xmlns="" xmlns:a14="http://schemas.microsoft.com/office/drawing/2010/main" w="9525">
                   <a:solidFill>
                     <a:srgbClr val="000000"/>
                   </a:solidFill>
@@ -1796,7 +1796,7 @@
             </a:ln>
             <a:extLst>
               <a:ext uri="{91240B29-F687-4f45-9708-019B960494DF}">
-                <a14:hiddenLine xmlns:a14="http://schemas.microsoft.com/office/drawing/2010/main" xmlns="" w="9525">
+                <a14:hiddenLine xmlns="" xmlns:a14="http://schemas.microsoft.com/office/drawing/2010/main" w="9525">
                   <a:solidFill>
                     <a:srgbClr val="000000"/>
                   </a:solidFill>
@@ -1893,7 +1893,7 @@
             </a:ln>
             <a:extLst>
               <a:ext uri="{91240B29-F687-4f45-9708-019B960494DF}">
-                <a14:hiddenLine xmlns:a14="http://schemas.microsoft.com/office/drawing/2010/main" xmlns="" w="9525">
+                <a14:hiddenLine xmlns="" xmlns:a14="http://schemas.microsoft.com/office/drawing/2010/main" w="9525">
                   <a:solidFill>
                     <a:srgbClr val="000000"/>
                   </a:solidFill>
@@ -1990,7 +1990,7 @@
             </a:ln>
             <a:extLst>
               <a:ext uri="{91240B29-F687-4f45-9708-019B960494DF}">
-                <a14:hiddenLine xmlns:a14="http://schemas.microsoft.com/office/drawing/2010/main" xmlns="" w="9525">
+                <a14:hiddenLine xmlns="" xmlns:a14="http://schemas.microsoft.com/office/drawing/2010/main" w="9525">
                   <a:solidFill>
                     <a:srgbClr val="000000"/>
                   </a:solidFill>
@@ -2059,7 +2059,7 @@
             </a:ln>
             <a:extLst>
               <a:ext uri="{91240B29-F687-4f45-9708-019B960494DF}">
-                <a14:hiddenLine xmlns:a14="http://schemas.microsoft.com/office/drawing/2010/main" xmlns="" w="9525">
+                <a14:hiddenLine xmlns="" xmlns:a14="http://schemas.microsoft.com/office/drawing/2010/main" w="9525">
                   <a:solidFill>
                     <a:srgbClr val="000000"/>
                   </a:solidFill>
@@ -2156,7 +2156,7 @@
             </a:ln>
             <a:extLst>
               <a:ext uri="{91240B29-F687-4f45-9708-019B960494DF}">
-                <a14:hiddenLine xmlns:a14="http://schemas.microsoft.com/office/drawing/2010/main" xmlns="" w="9525">
+                <a14:hiddenLine xmlns="" xmlns:a14="http://schemas.microsoft.com/office/drawing/2010/main" w="9525">
                   <a:solidFill>
                     <a:srgbClr val="000000"/>
                   </a:solidFill>
@@ -2253,7 +2253,7 @@
             </a:ln>
             <a:extLst>
               <a:ext uri="{91240B29-F687-4f45-9708-019B960494DF}">
-                <a14:hiddenLine xmlns:a14="http://schemas.microsoft.com/office/drawing/2010/main" xmlns="" w="9525">
+                <a14:hiddenLine xmlns="" xmlns:a14="http://schemas.microsoft.com/office/drawing/2010/main" w="9525">
                   <a:solidFill>
                     <a:srgbClr val="000000"/>
                   </a:solidFill>
@@ -2316,7 +2316,7 @@
             </a:ln>
             <a:extLst>
               <a:ext uri="{91240B29-F687-4f45-9708-019B960494DF}">
-                <a14:hiddenLine xmlns:a14="http://schemas.microsoft.com/office/drawing/2010/main" xmlns="" w="9525">
+                <a14:hiddenLine xmlns="" xmlns:a14="http://schemas.microsoft.com/office/drawing/2010/main" w="9525">
                   <a:solidFill>
                     <a:srgbClr val="000000"/>
                   </a:solidFill>
@@ -2413,7 +2413,7 @@
             </a:ln>
             <a:extLst>
               <a:ext uri="{91240B29-F687-4f45-9708-019B960494DF}">
-                <a14:hiddenLine xmlns:a14="http://schemas.microsoft.com/office/drawing/2010/main" xmlns="" w="9525">
+                <a14:hiddenLine xmlns="" xmlns:a14="http://schemas.microsoft.com/office/drawing/2010/main" w="9525">
                   <a:solidFill>
                     <a:srgbClr val="000000"/>
                   </a:solidFill>
@@ -2476,7 +2476,7 @@
             </a:ln>
             <a:extLst>
               <a:ext uri="{91240B29-F687-4f45-9708-019B960494DF}">
-                <a14:hiddenLine xmlns:a14="http://schemas.microsoft.com/office/drawing/2010/main" xmlns="" w="9525">
+                <a14:hiddenLine xmlns="" xmlns:a14="http://schemas.microsoft.com/office/drawing/2010/main" w="9525">
                   <a:solidFill>
                     <a:srgbClr val="000000"/>
                   </a:solidFill>
@@ -2573,7 +2573,7 @@
             </a:ln>
             <a:extLst>
               <a:ext uri="{91240B29-F687-4f45-9708-019B960494DF}">
-                <a14:hiddenLine xmlns:a14="http://schemas.microsoft.com/office/drawing/2010/main" xmlns="" w="9525">
+                <a14:hiddenLine xmlns="" xmlns:a14="http://schemas.microsoft.com/office/drawing/2010/main" w="9525">
                   <a:solidFill>
                     <a:srgbClr val="000000"/>
                   </a:solidFill>
@@ -2648,7 +2648,7 @@
             </a:ln>
             <a:extLst>
               <a:ext uri="{91240B29-F687-4f45-9708-019B960494DF}">
-                <a14:hiddenLine xmlns:a14="http://schemas.microsoft.com/office/drawing/2010/main" xmlns="" w="9525">
+                <a14:hiddenLine xmlns="" xmlns:a14="http://schemas.microsoft.com/office/drawing/2010/main" w="9525">
                   <a:solidFill>
                     <a:srgbClr val="000000"/>
                   </a:solidFill>
@@ -2745,7 +2745,7 @@
             </a:ln>
             <a:extLst>
               <a:ext uri="{91240B29-F687-4f45-9708-019B960494DF}">
-                <a14:hiddenLine xmlns:a14="http://schemas.microsoft.com/office/drawing/2010/main" xmlns="" w="9525">
+                <a14:hiddenLine xmlns="" xmlns:a14="http://schemas.microsoft.com/office/drawing/2010/main" w="9525">
                   <a:solidFill>
                     <a:srgbClr val="000000"/>
                   </a:solidFill>
@@ -2820,7 +2820,7 @@
             </a:ln>
             <a:extLst>
               <a:ext uri="{91240B29-F687-4f45-9708-019B960494DF}">
-                <a14:hiddenLine xmlns:a14="http://schemas.microsoft.com/office/drawing/2010/main" xmlns="" w="9525">
+                <a14:hiddenLine xmlns="" xmlns:a14="http://schemas.microsoft.com/office/drawing/2010/main" w="9525">
                   <a:solidFill>
                     <a:srgbClr val="000000"/>
                   </a:solidFill>
@@ -2917,7 +2917,7 @@
             </a:ln>
             <a:extLst>
               <a:ext uri="{91240B29-F687-4f45-9708-019B960494DF}">
-                <a14:hiddenLine xmlns:a14="http://schemas.microsoft.com/office/drawing/2010/main" xmlns="" w="9525">
+                <a14:hiddenLine xmlns="" xmlns:a14="http://schemas.microsoft.com/office/drawing/2010/main" w="9525">
                   <a:solidFill>
                     <a:srgbClr val="000000"/>
                   </a:solidFill>
@@ -2958,7 +2958,7 @@
             </a:ln>
             <a:extLst>
               <a:ext uri="{91240B29-F687-4f45-9708-019B960494DF}">
-                <a14:hiddenLine xmlns:a14="http://schemas.microsoft.com/office/drawing/2010/main" xmlns="" w="9525">
+                <a14:hiddenLine xmlns="" xmlns:a14="http://schemas.microsoft.com/office/drawing/2010/main" w="9525">
                   <a:solidFill>
                     <a:srgbClr val="000000"/>
                   </a:solidFill>
@@ -3055,7 +3055,7 @@
             </a:ln>
             <a:extLst>
               <a:ext uri="{91240B29-F687-4f45-9708-019B960494DF}">
-                <a14:hiddenLine xmlns:a14="http://schemas.microsoft.com/office/drawing/2010/main" xmlns="" w="9525">
+                <a14:hiddenLine xmlns="" xmlns:a14="http://schemas.microsoft.com/office/drawing/2010/main" w="9525">
                   <a:solidFill>
                     <a:srgbClr val="000000"/>
                   </a:solidFill>
@@ -3124,7 +3124,7 @@
             </a:ln>
             <a:extLst>
               <a:ext uri="{91240B29-F687-4f45-9708-019B960494DF}">
-                <a14:hiddenLine xmlns:a14="http://schemas.microsoft.com/office/drawing/2010/main" xmlns="" w="9525">
+                <a14:hiddenLine xmlns="" xmlns:a14="http://schemas.microsoft.com/office/drawing/2010/main" w="9525">
                   <a:solidFill>
                     <a:srgbClr val="000000"/>
                   </a:solidFill>
@@ -3193,7 +3193,7 @@
             </a:ln>
             <a:extLst>
               <a:ext uri="{91240B29-F687-4f45-9708-019B960494DF}">
-                <a14:hiddenLine xmlns:a14="http://schemas.microsoft.com/office/drawing/2010/main" xmlns="" w="9525">
+                <a14:hiddenLine xmlns="" xmlns:a14="http://schemas.microsoft.com/office/drawing/2010/main" w="9525">
                   <a:solidFill>
                     <a:srgbClr val="000000"/>
                   </a:solidFill>
@@ -3290,7 +3290,7 @@
             </a:ln>
             <a:extLst>
               <a:ext uri="{91240B29-F687-4f45-9708-019B960494DF}">
-                <a14:hiddenLine xmlns:a14="http://schemas.microsoft.com/office/drawing/2010/main" xmlns="" w="9525">
+                <a14:hiddenLine xmlns="" xmlns:a14="http://schemas.microsoft.com/office/drawing/2010/main" w="9525">
                   <a:solidFill>
                     <a:srgbClr val="000000"/>
                   </a:solidFill>
@@ -3365,7 +3365,7 @@
             </a:ln>
             <a:extLst>
               <a:ext uri="{91240B29-F687-4f45-9708-019B960494DF}">
-                <a14:hiddenLine xmlns:a14="http://schemas.microsoft.com/office/drawing/2010/main" xmlns="" w="9525">
+                <a14:hiddenLine xmlns="" xmlns:a14="http://schemas.microsoft.com/office/drawing/2010/main" w="9525">
                   <a:solidFill>
                     <a:srgbClr val="000000"/>
                   </a:solidFill>
@@ -3434,7 +3434,7 @@
             </a:ln>
             <a:extLst>
               <a:ext uri="{91240B29-F687-4f45-9708-019B960494DF}">
-                <a14:hiddenLine xmlns:a14="http://schemas.microsoft.com/office/drawing/2010/main" xmlns="" w="9525">
+                <a14:hiddenLine xmlns="" xmlns:a14="http://schemas.microsoft.com/office/drawing/2010/main" w="9525">
                   <a:solidFill>
                     <a:srgbClr val="000000"/>
                   </a:solidFill>
@@ -3531,7 +3531,7 @@
             </a:ln>
             <a:extLst>
               <a:ext uri="{91240B29-F687-4f45-9708-019B960494DF}">
-                <a14:hiddenLine xmlns:a14="http://schemas.microsoft.com/office/drawing/2010/main" xmlns="" w="9525">
+                <a14:hiddenLine xmlns="" xmlns:a14="http://schemas.microsoft.com/office/drawing/2010/main" w="9525">
                   <a:solidFill>
                     <a:srgbClr val="000000"/>
                   </a:solidFill>
@@ -3600,7 +3600,7 @@
             </a:ln>
             <a:extLst>
               <a:ext uri="{91240B29-F687-4f45-9708-019B960494DF}">
-                <a14:hiddenLine xmlns:a14="http://schemas.microsoft.com/office/drawing/2010/main" xmlns="" w="9525">
+                <a14:hiddenLine xmlns="" xmlns:a14="http://schemas.microsoft.com/office/drawing/2010/main" w="9525">
                   <a:solidFill>
                     <a:srgbClr val="000000"/>
                   </a:solidFill>
@@ -3697,7 +3697,7 @@
             </a:ln>
             <a:extLst>
               <a:ext uri="{91240B29-F687-4f45-9708-019B960494DF}">
-                <a14:hiddenLine xmlns:a14="http://schemas.microsoft.com/office/drawing/2010/main" xmlns="" w="9525">
+                <a14:hiddenLine xmlns="" xmlns:a14="http://schemas.microsoft.com/office/drawing/2010/main" w="9525">
                   <a:solidFill>
                     <a:srgbClr val="000000"/>
                   </a:solidFill>
@@ -3766,7 +3766,7 @@
             </a:ln>
             <a:extLst>
               <a:ext uri="{91240B29-F687-4f45-9708-019B960494DF}">
-                <a14:hiddenLine xmlns:a14="http://schemas.microsoft.com/office/drawing/2010/main" xmlns="" w="9525">
+                <a14:hiddenLine xmlns="" xmlns:a14="http://schemas.microsoft.com/office/drawing/2010/main" w="9525">
                   <a:solidFill>
                     <a:srgbClr val="000000"/>
                   </a:solidFill>
@@ -3863,7 +3863,7 @@
             </a:ln>
             <a:extLst>
               <a:ext uri="{91240B29-F687-4f45-9708-019B960494DF}">
-                <a14:hiddenLine xmlns:a14="http://schemas.microsoft.com/office/drawing/2010/main" xmlns="" w="9525">
+                <a14:hiddenLine xmlns="" xmlns:a14="http://schemas.microsoft.com/office/drawing/2010/main" w="9525">
                   <a:solidFill>
                     <a:srgbClr val="000000"/>
                   </a:solidFill>
@@ -3904,7 +3904,7 @@
             </a:ln>
             <a:extLst>
               <a:ext uri="{91240B29-F687-4f45-9708-019B960494DF}">
-                <a14:hiddenLine xmlns:a14="http://schemas.microsoft.com/office/drawing/2010/main" xmlns="" w="9525">
+                <a14:hiddenLine xmlns="" xmlns:a14="http://schemas.microsoft.com/office/drawing/2010/main" w="9525">
                   <a:solidFill>
                     <a:srgbClr val="000000"/>
                   </a:solidFill>
@@ -3976,7 +3976,7 @@
             </a:ln>
             <a:extLst>
               <a:ext uri="{91240B29-F687-4f45-9708-019B960494DF}">
-                <a14:hiddenLine xmlns:a14="http://schemas.microsoft.com/office/drawing/2010/main" xmlns="" w="9525">
+                <a14:hiddenLine xmlns="" xmlns:a14="http://schemas.microsoft.com/office/drawing/2010/main" w="9525">
                   <a:solidFill>
                     <a:srgbClr val="000000"/>
                   </a:solidFill>
@@ -4073,7 +4073,7 @@
             </a:ln>
             <a:extLst>
               <a:ext uri="{91240B29-F687-4f45-9708-019B960494DF}">
-                <a14:hiddenLine xmlns:a14="http://schemas.microsoft.com/office/drawing/2010/main" xmlns="" w="9525">
+                <a14:hiddenLine xmlns="" xmlns:a14="http://schemas.microsoft.com/office/drawing/2010/main" w="9525">
                   <a:solidFill>
                     <a:srgbClr val="000000"/>
                   </a:solidFill>
@@ -4142,7 +4142,7 @@
             </a:ln>
             <a:extLst>
               <a:ext uri="{91240B29-F687-4f45-9708-019B960494DF}">
-                <a14:hiddenLine xmlns:a14="http://schemas.microsoft.com/office/drawing/2010/main" xmlns="" w="9525">
+                <a14:hiddenLine xmlns="" xmlns:a14="http://schemas.microsoft.com/office/drawing/2010/main" w="9525">
                   <a:solidFill>
                     <a:srgbClr val="000000"/>
                   </a:solidFill>
@@ -4239,7 +4239,7 @@
             </a:ln>
             <a:extLst>
               <a:ext uri="{91240B29-F687-4f45-9708-019B960494DF}">
-                <a14:hiddenLine xmlns:a14="http://schemas.microsoft.com/office/drawing/2010/main" xmlns="" w="9525">
+                <a14:hiddenLine xmlns="" xmlns:a14="http://schemas.microsoft.com/office/drawing/2010/main" w="9525">
                   <a:solidFill>
                     <a:srgbClr val="000000"/>
                   </a:solidFill>
@@ -4336,7 +4336,7 @@
             </a:ln>
             <a:extLst>
               <a:ext uri="{91240B29-F687-4f45-9708-019B960494DF}">
-                <a14:hiddenLine xmlns:a14="http://schemas.microsoft.com/office/drawing/2010/main" xmlns="" w="9525">
+                <a14:hiddenLine xmlns="" xmlns:a14="http://schemas.microsoft.com/office/drawing/2010/main" w="9525">
                   <a:solidFill>
                     <a:srgbClr val="000000"/>
                   </a:solidFill>
@@ -4408,7 +4408,7 @@
             </a:ln>
             <a:extLst>
               <a:ext uri="{91240B29-F687-4f45-9708-019B960494DF}">
-                <a14:hiddenLine xmlns:a14="http://schemas.microsoft.com/office/drawing/2010/main" xmlns="" w="9525">
+                <a14:hiddenLine xmlns="" xmlns:a14="http://schemas.microsoft.com/office/drawing/2010/main" w="9525">
                   <a:solidFill>
                     <a:srgbClr val="000000"/>
                   </a:solidFill>
@@ -4477,7 +4477,7 @@
             </a:ln>
             <a:extLst>
               <a:ext uri="{91240B29-F687-4f45-9708-019B960494DF}">
-                <a14:hiddenLine xmlns:a14="http://schemas.microsoft.com/office/drawing/2010/main" xmlns="" w="9525">
+                <a14:hiddenLine xmlns="" xmlns:a14="http://schemas.microsoft.com/office/drawing/2010/main" w="9525">
                   <a:solidFill>
                     <a:srgbClr val="000000"/>
                   </a:solidFill>
@@ -4574,7 +4574,7 @@
             </a:ln>
             <a:extLst>
               <a:ext uri="{91240B29-F687-4f45-9708-019B960494DF}">
-                <a14:hiddenLine xmlns:a14="http://schemas.microsoft.com/office/drawing/2010/main" xmlns="" w="9525">
+                <a14:hiddenLine xmlns="" xmlns:a14="http://schemas.microsoft.com/office/drawing/2010/main" w="9525">
                   <a:solidFill>
                     <a:srgbClr val="000000"/>
                   </a:solidFill>
@@ -4671,7 +4671,7 @@
             </a:ln>
             <a:extLst>
               <a:ext uri="{91240B29-F687-4f45-9708-019B960494DF}">
-                <a14:hiddenLine xmlns:a14="http://schemas.microsoft.com/office/drawing/2010/main" xmlns="" w="9525">
+                <a14:hiddenLine xmlns="" xmlns:a14="http://schemas.microsoft.com/office/drawing/2010/main" w="9525">
                   <a:solidFill>
                     <a:srgbClr val="000000"/>
                   </a:solidFill>
@@ -4740,7 +4740,7 @@
             </a:ln>
             <a:extLst>
               <a:ext uri="{91240B29-F687-4f45-9708-019B960494DF}">
-                <a14:hiddenLine xmlns:a14="http://schemas.microsoft.com/office/drawing/2010/main" xmlns="" w="9525">
+                <a14:hiddenLine xmlns="" xmlns:a14="http://schemas.microsoft.com/office/drawing/2010/main" w="9525">
                   <a:solidFill>
                     <a:srgbClr val="000000"/>
                   </a:solidFill>
@@ -4867,7 +4867,7 @@
             </a:ln>
             <a:extLst>
               <a:ext uri="{91240B29-F687-4f45-9708-019B960494DF}">
-                <a14:hiddenLine xmlns:a14="http://schemas.microsoft.com/office/drawing/2010/main" xmlns="" w="9525">
+                <a14:hiddenLine xmlns="" xmlns:a14="http://schemas.microsoft.com/office/drawing/2010/main" w="9525">
                   <a:solidFill>
                     <a:srgbClr val="000000"/>
                   </a:solidFill>
@@ -4942,7 +4942,7 @@
             </a:ln>
             <a:extLst>
               <a:ext uri="{91240B29-F687-4f45-9708-019B960494DF}">
-                <a14:hiddenLine xmlns:a14="http://schemas.microsoft.com/office/drawing/2010/main" xmlns="" w="9525">
+                <a14:hiddenLine xmlns="" xmlns:a14="http://schemas.microsoft.com/office/drawing/2010/main" w="9525">
                   <a:solidFill>
                     <a:srgbClr val="000000"/>
                   </a:solidFill>
@@ -5039,7 +5039,7 @@
             </a:ln>
             <a:extLst>
               <a:ext uri="{91240B29-F687-4f45-9708-019B960494DF}">
-                <a14:hiddenLine xmlns:a14="http://schemas.microsoft.com/office/drawing/2010/main" xmlns="" w="9525">
+                <a14:hiddenLine xmlns="" xmlns:a14="http://schemas.microsoft.com/office/drawing/2010/main" w="9525">
                   <a:solidFill>
                     <a:srgbClr val="000000"/>
                   </a:solidFill>
@@ -5186,7 +5186,7 @@
           <a:p>
             <a:fld id="{48A87A34-81AB-432B-8DAE-1953F412C126}" type="datetimeFigureOut">
               <a:rPr lang="en-US" dirty="0"/>
-              <a:t>1/22/2026</a:t>
+              <a:t>1/27/2026</a:t>
             </a:fld>
             <a:endParaRPr lang="en-US" dirty="0"/>
           </a:p>
@@ -5448,7 +5448,7 @@
           <a:p>
             <a:fld id="{48A87A34-81AB-432B-8DAE-1953F412C126}" type="datetimeFigureOut">
               <a:rPr lang="en-US" dirty="0"/>
-              <a:t>1/22/2026</a:t>
+              <a:t>1/27/2026</a:t>
             </a:fld>
             <a:endParaRPr lang="en-US" dirty="0"/>
           </a:p>
@@ -5639,7 +5639,7 @@
           <a:p>
             <a:fld id="{48A87A34-81AB-432B-8DAE-1953F412C126}" type="datetimeFigureOut">
               <a:rPr lang="en-US" dirty="0"/>
-              <a:t>1/22/2026</a:t>
+              <a:t>1/27/2026</a:t>
             </a:fld>
             <a:endParaRPr lang="en-US" dirty="0"/>
           </a:p>
@@ -5897,7 +5897,7 @@
           <a:p>
             <a:fld id="{48A87A34-81AB-432B-8DAE-1953F412C126}" type="datetimeFigureOut">
               <a:rPr lang="en-US" dirty="0"/>
-              <a:t>1/22/2026</a:t>
+              <a:t>1/27/2026</a:t>
             </a:fld>
             <a:endParaRPr lang="en-US" dirty="0"/>
           </a:p>
@@ -6326,7 +6326,7 @@
           <a:p>
             <a:fld id="{48A87A34-81AB-432B-8DAE-1953F412C126}" type="datetimeFigureOut">
               <a:rPr lang="en-US" dirty="0"/>
-              <a:t>1/22/2026</a:t>
+              <a:t>1/27/2026</a:t>
             </a:fld>
             <a:endParaRPr lang="en-US" dirty="0"/>
           </a:p>
@@ -6867,7 +6867,7 @@
           <a:p>
             <a:fld id="{48A87A34-81AB-432B-8DAE-1953F412C126}" type="datetimeFigureOut">
               <a:rPr lang="en-US" dirty="0"/>
-              <a:t>1/22/2026</a:t>
+              <a:t>1/27/2026</a:t>
             </a:fld>
             <a:endParaRPr lang="en-US" dirty="0"/>
           </a:p>
@@ -7582,7 +7582,7 @@
           <a:p>
             <a:fld id="{48A87A34-81AB-432B-8DAE-1953F412C126}" type="datetimeFigureOut">
               <a:rPr lang="en-US" dirty="0"/>
-              <a:t>1/22/2026</a:t>
+              <a:t>1/27/2026</a:t>
             </a:fld>
             <a:endParaRPr lang="en-US" dirty="0"/>
           </a:p>
@@ -7747,7 +7747,7 @@
           <a:p>
             <a:fld id="{48A87A34-81AB-432B-8DAE-1953F412C126}" type="datetimeFigureOut">
               <a:rPr lang="en-US" dirty="0"/>
-              <a:t>1/22/2026</a:t>
+              <a:t>1/27/2026</a:t>
             </a:fld>
             <a:endParaRPr lang="en-US" dirty="0"/>
           </a:p>
@@ -7922,7 +7922,7 @@
           <a:p>
             <a:fld id="{48A87A34-81AB-432B-8DAE-1953F412C126}" type="datetimeFigureOut">
               <a:rPr lang="en-US" dirty="0"/>
-              <a:t>1/22/2026</a:t>
+              <a:t>1/27/2026</a:t>
             </a:fld>
             <a:endParaRPr lang="en-US" dirty="0"/>
           </a:p>
@@ -8087,7 +8087,7 @@
           <a:p>
             <a:fld id="{48A87A34-81AB-432B-8DAE-1953F412C126}" type="datetimeFigureOut">
               <a:rPr lang="en-US" dirty="0"/>
-              <a:t>1/22/2026</a:t>
+              <a:t>1/27/2026</a:t>
             </a:fld>
             <a:endParaRPr lang="en-US" dirty="0"/>
           </a:p>
@@ -8332,7 +8332,7 @@
           <a:p>
             <a:fld id="{48A87A34-81AB-432B-8DAE-1953F412C126}" type="datetimeFigureOut">
               <a:rPr lang="en-US" dirty="0"/>
-              <a:t>1/22/2026</a:t>
+              <a:t>1/27/2026</a:t>
             </a:fld>
             <a:endParaRPr lang="en-US" dirty="0"/>
           </a:p>
@@ -8559,7 +8559,7 @@
           <a:p>
             <a:fld id="{48A87A34-81AB-432B-8DAE-1953F412C126}" type="datetimeFigureOut">
               <a:rPr lang="en-US" dirty="0"/>
-              <a:t>1/22/2026</a:t>
+              <a:t>1/27/2026</a:t>
             </a:fld>
             <a:endParaRPr lang="en-US" dirty="0"/>
           </a:p>
@@ -8935,7 +8935,7 @@
           <a:p>
             <a:fld id="{48A87A34-81AB-432B-8DAE-1953F412C126}" type="datetimeFigureOut">
               <a:rPr lang="en-US" dirty="0"/>
-              <a:t>1/22/2026</a:t>
+              <a:t>1/27/2026</a:t>
             </a:fld>
             <a:endParaRPr lang="en-US" dirty="0"/>
           </a:p>
@@ -9048,7 +9048,7 @@
           <a:p>
             <a:fld id="{48A87A34-81AB-432B-8DAE-1953F412C126}" type="datetimeFigureOut">
               <a:rPr lang="en-US" dirty="0"/>
-              <a:t>1/22/2026</a:t>
+              <a:t>1/27/2026</a:t>
             </a:fld>
             <a:endParaRPr lang="en-US" dirty="0"/>
           </a:p>
@@ -9138,7 +9138,7 @@
           <a:p>
             <a:fld id="{48A87A34-81AB-432B-8DAE-1953F412C126}" type="datetimeFigureOut">
               <a:rPr lang="en-US" dirty="0"/>
-              <a:t>1/22/2026</a:t>
+              <a:t>1/27/2026</a:t>
             </a:fld>
             <a:endParaRPr lang="en-US" dirty="0"/>
           </a:p>
@@ -9382,7 +9382,7 @@
           <a:p>
             <a:fld id="{48A87A34-81AB-432B-8DAE-1953F412C126}" type="datetimeFigureOut">
               <a:rPr lang="en-US" dirty="0"/>
-              <a:t>1/22/2026</a:t>
+              <a:t>1/27/2026</a:t>
             </a:fld>
             <a:endParaRPr lang="en-US" dirty="0"/>
           </a:p>
@@ -9657,7 +9657,7 @@
           <a:p>
             <a:fld id="{48A87A34-81AB-432B-8DAE-1953F412C126}" type="datetimeFigureOut">
               <a:rPr lang="en-US" dirty="0"/>
-              <a:t>1/22/2026</a:t>
+              <a:t>1/27/2026</a:t>
             </a:fld>
             <a:endParaRPr lang="en-US" dirty="0"/>
           </a:p>
@@ -9768,7 +9768,7 @@
           <a:noFill/>
           <a:extLst>
             <a:ext uri="{909E8E84-426E-40dd-AFC4-6F175D3DCCD1}">
-              <a14:hiddenFill xmlns:a14="http://schemas.microsoft.com/office/drawing/2010/main" xmlns="">
+              <a14:hiddenFill xmlns="" xmlns:a14="http://schemas.microsoft.com/office/drawing/2010/main">
                 <a:solidFill>
                   <a:srgbClr val="FFFFFF"/>
                 </a:solidFill>
@@ -9842,7 +9842,7 @@
               </a:ln>
               <a:extLst>
                 <a:ext uri="{91240B29-F687-4f45-9708-019B960494DF}">
-                  <a14:hiddenLine xmlns:a14="http://schemas.microsoft.com/office/drawing/2010/main" xmlns="" w="9525">
+                  <a14:hiddenLine xmlns="" xmlns:a14="http://schemas.microsoft.com/office/drawing/2010/main" w="9525">
                     <a:solidFill>
                       <a:srgbClr val="000000"/>
                     </a:solidFill>
@@ -9939,7 +9939,7 @@
               </a:ln>
               <a:extLst>
                 <a:ext uri="{91240B29-F687-4f45-9708-019B960494DF}">
-                  <a14:hiddenLine xmlns:a14="http://schemas.microsoft.com/office/drawing/2010/main" xmlns="" w="9525">
+                  <a14:hiddenLine xmlns="" xmlns:a14="http://schemas.microsoft.com/office/drawing/2010/main" w="9525">
                     <a:solidFill>
                       <a:srgbClr val="000000"/>
                     </a:solidFill>
@@ -10036,7 +10036,7 @@
               </a:ln>
               <a:extLst>
                 <a:ext uri="{91240B29-F687-4f45-9708-019B960494DF}">
-                  <a14:hiddenLine xmlns:a14="http://schemas.microsoft.com/office/drawing/2010/main" xmlns="" w="9525">
+                  <a14:hiddenLine xmlns="" xmlns:a14="http://schemas.microsoft.com/office/drawing/2010/main" w="9525">
                     <a:solidFill>
                       <a:srgbClr val="000000"/>
                     </a:solidFill>
@@ -10105,7 +10105,7 @@
               </a:ln>
               <a:extLst>
                 <a:ext uri="{91240B29-F687-4f45-9708-019B960494DF}">
-                  <a14:hiddenLine xmlns:a14="http://schemas.microsoft.com/office/drawing/2010/main" xmlns="" w="9525">
+                  <a14:hiddenLine xmlns="" xmlns:a14="http://schemas.microsoft.com/office/drawing/2010/main" w="9525">
                     <a:solidFill>
                       <a:srgbClr val="000000"/>
                     </a:solidFill>
@@ -10202,7 +10202,7 @@
               </a:ln>
               <a:extLst>
                 <a:ext uri="{91240B29-F687-4f45-9708-019B960494DF}">
-                  <a14:hiddenLine xmlns:a14="http://schemas.microsoft.com/office/drawing/2010/main" xmlns="" w="9525">
+                  <a14:hiddenLine xmlns="" xmlns:a14="http://schemas.microsoft.com/office/drawing/2010/main" w="9525">
                     <a:solidFill>
                       <a:srgbClr val="000000"/>
                     </a:solidFill>
@@ -10271,7 +10271,7 @@
               </a:ln>
               <a:extLst>
                 <a:ext uri="{91240B29-F687-4f45-9708-019B960494DF}">
-                  <a14:hiddenLine xmlns:a14="http://schemas.microsoft.com/office/drawing/2010/main" xmlns="" w="9525">
+                  <a14:hiddenLine xmlns="" xmlns:a14="http://schemas.microsoft.com/office/drawing/2010/main" w="9525">
                     <a:solidFill>
                       <a:srgbClr val="000000"/>
                     </a:solidFill>
@@ -10340,7 +10340,7 @@
               </a:ln>
               <a:extLst>
                 <a:ext uri="{91240B29-F687-4f45-9708-019B960494DF}">
-                  <a14:hiddenLine xmlns:a14="http://schemas.microsoft.com/office/drawing/2010/main" xmlns="" w="9525">
+                  <a14:hiddenLine xmlns="" xmlns:a14="http://schemas.microsoft.com/office/drawing/2010/main" w="9525">
                     <a:solidFill>
                       <a:srgbClr val="000000"/>
                     </a:solidFill>
@@ -10437,7 +10437,7 @@
               </a:ln>
               <a:extLst>
                 <a:ext uri="{91240B29-F687-4f45-9708-019B960494DF}">
-                  <a14:hiddenLine xmlns:a14="http://schemas.microsoft.com/office/drawing/2010/main" xmlns="" w="9525">
+                  <a14:hiddenLine xmlns="" xmlns:a14="http://schemas.microsoft.com/office/drawing/2010/main" w="9525">
                     <a:solidFill>
                       <a:srgbClr val="000000"/>
                     </a:solidFill>
@@ -10534,7 +10534,7 @@
               </a:ln>
               <a:extLst>
                 <a:ext uri="{91240B29-F687-4f45-9708-019B960494DF}">
-                  <a14:hiddenLine xmlns:a14="http://schemas.microsoft.com/office/drawing/2010/main" xmlns="" w="9525">
+                  <a14:hiddenLine xmlns="" xmlns:a14="http://schemas.microsoft.com/office/drawing/2010/main" w="9525">
                     <a:solidFill>
                       <a:srgbClr val="000000"/>
                     </a:solidFill>
@@ -10603,7 +10603,7 @@
               </a:ln>
               <a:extLst>
                 <a:ext uri="{91240B29-F687-4f45-9708-019B960494DF}">
-                  <a14:hiddenLine xmlns:a14="http://schemas.microsoft.com/office/drawing/2010/main" xmlns="" w="9525">
+                  <a14:hiddenLine xmlns="" xmlns:a14="http://schemas.microsoft.com/office/drawing/2010/main" w="9525">
                     <a:solidFill>
                       <a:srgbClr val="000000"/>
                     </a:solidFill>
@@ -10720,7 +10720,7 @@
               </a:ln>
               <a:extLst>
                 <a:ext uri="{91240B29-F687-4f45-9708-019B960494DF}">
-                  <a14:hiddenLine xmlns:a14="http://schemas.microsoft.com/office/drawing/2010/main" xmlns="" w="9525">
+                  <a14:hiddenLine xmlns="" xmlns:a14="http://schemas.microsoft.com/office/drawing/2010/main" w="9525">
                     <a:solidFill>
                       <a:srgbClr val="000000"/>
                     </a:solidFill>
@@ -10818,7 +10818,7 @@
               </a:ln>
               <a:extLst>
                 <a:ext uri="{91240B29-F687-4f45-9708-019B960494DF}">
-                  <a14:hiddenLine xmlns:a14="http://schemas.microsoft.com/office/drawing/2010/main" xmlns="" w="9525">
+                  <a14:hiddenLine xmlns="" xmlns:a14="http://schemas.microsoft.com/office/drawing/2010/main" w="9525">
                     <a:solidFill>
                       <a:srgbClr val="000000"/>
                     </a:solidFill>
@@ -10887,7 +10887,7 @@
               </a:ln>
               <a:extLst>
                 <a:ext uri="{91240B29-F687-4f45-9708-019B960494DF}">
-                  <a14:hiddenLine xmlns:a14="http://schemas.microsoft.com/office/drawing/2010/main" xmlns="" w="9525">
+                  <a14:hiddenLine xmlns="" xmlns:a14="http://schemas.microsoft.com/office/drawing/2010/main" w="9525">
                     <a:solidFill>
                       <a:srgbClr val="000000"/>
                     </a:solidFill>
@@ -10956,7 +10956,7 @@
               </a:ln>
               <a:extLst>
                 <a:ext uri="{91240B29-F687-4f45-9708-019B960494DF}">
-                  <a14:hiddenLine xmlns:a14="http://schemas.microsoft.com/office/drawing/2010/main" xmlns="" w="9525">
+                  <a14:hiddenLine xmlns="" xmlns:a14="http://schemas.microsoft.com/office/drawing/2010/main" w="9525">
                     <a:solidFill>
                       <a:srgbClr val="000000"/>
                     </a:solidFill>
@@ -11053,7 +11053,7 @@
               </a:ln>
               <a:extLst>
                 <a:ext uri="{91240B29-F687-4f45-9708-019B960494DF}">
-                  <a14:hiddenLine xmlns:a14="http://schemas.microsoft.com/office/drawing/2010/main" xmlns="" w="9525">
+                  <a14:hiddenLine xmlns="" xmlns:a14="http://schemas.microsoft.com/office/drawing/2010/main" w="9525">
                     <a:solidFill>
                       <a:srgbClr val="000000"/>
                     </a:solidFill>
@@ -11094,7 +11094,7 @@
               </a:ln>
               <a:extLst>
                 <a:ext uri="{91240B29-F687-4f45-9708-019B960494DF}">
-                  <a14:hiddenLine xmlns:a14="http://schemas.microsoft.com/office/drawing/2010/main" xmlns="" w="9525">
+                  <a14:hiddenLine xmlns="" xmlns:a14="http://schemas.microsoft.com/office/drawing/2010/main" w="9525">
                     <a:solidFill>
                       <a:srgbClr val="000000"/>
                     </a:solidFill>
@@ -11166,7 +11166,7 @@
               </a:ln>
               <a:extLst>
                 <a:ext uri="{91240B29-F687-4f45-9708-019B960494DF}">
-                  <a14:hiddenLine xmlns:a14="http://schemas.microsoft.com/office/drawing/2010/main" xmlns="" w="9525">
+                  <a14:hiddenLine xmlns="" xmlns:a14="http://schemas.microsoft.com/office/drawing/2010/main" w="9525">
                     <a:solidFill>
                       <a:srgbClr val="000000"/>
                     </a:solidFill>
@@ -11263,7 +11263,7 @@
               </a:ln>
               <a:extLst>
                 <a:ext uri="{91240B29-F687-4f45-9708-019B960494DF}">
-                  <a14:hiddenLine xmlns:a14="http://schemas.microsoft.com/office/drawing/2010/main" xmlns="" w="9525">
+                  <a14:hiddenLine xmlns="" xmlns:a14="http://schemas.microsoft.com/office/drawing/2010/main" w="9525">
                     <a:solidFill>
                       <a:srgbClr val="000000"/>
                     </a:solidFill>
@@ -11332,7 +11332,7 @@
               </a:ln>
               <a:extLst>
                 <a:ext uri="{91240B29-F687-4f45-9708-019B960494DF}">
-                  <a14:hiddenLine xmlns:a14="http://schemas.microsoft.com/office/drawing/2010/main" xmlns="" w="9525">
+                  <a14:hiddenLine xmlns="" xmlns:a14="http://schemas.microsoft.com/office/drawing/2010/main" w="9525">
                     <a:solidFill>
                       <a:srgbClr val="000000"/>
                     </a:solidFill>
@@ -11429,7 +11429,7 @@
               </a:ln>
               <a:extLst>
                 <a:ext uri="{91240B29-F687-4f45-9708-019B960494DF}">
-                  <a14:hiddenLine xmlns:a14="http://schemas.microsoft.com/office/drawing/2010/main" xmlns="" w="9525">
+                  <a14:hiddenLine xmlns="" xmlns:a14="http://schemas.microsoft.com/office/drawing/2010/main" w="9525">
                     <a:solidFill>
                       <a:srgbClr val="000000"/>
                     </a:solidFill>
@@ -11501,7 +11501,7 @@
               </a:ln>
               <a:extLst>
                 <a:ext uri="{91240B29-F687-4f45-9708-019B960494DF}">
-                  <a14:hiddenLine xmlns:a14="http://schemas.microsoft.com/office/drawing/2010/main" xmlns="" w="9525">
+                  <a14:hiddenLine xmlns="" xmlns:a14="http://schemas.microsoft.com/office/drawing/2010/main" w="9525">
                     <a:solidFill>
                       <a:srgbClr val="000000"/>
                     </a:solidFill>
@@ -11570,7 +11570,7 @@
               </a:ln>
               <a:extLst>
                 <a:ext uri="{91240B29-F687-4f45-9708-019B960494DF}">
-                  <a14:hiddenLine xmlns:a14="http://schemas.microsoft.com/office/drawing/2010/main" xmlns="" w="9525">
+                  <a14:hiddenLine xmlns="" xmlns:a14="http://schemas.microsoft.com/office/drawing/2010/main" w="9525">
                     <a:solidFill>
                       <a:srgbClr val="000000"/>
                     </a:solidFill>
@@ -11667,7 +11667,7 @@
               </a:ln>
               <a:extLst>
                 <a:ext uri="{91240B29-F687-4f45-9708-019B960494DF}">
-                  <a14:hiddenLine xmlns:a14="http://schemas.microsoft.com/office/drawing/2010/main" xmlns="" w="9525">
+                  <a14:hiddenLine xmlns="" xmlns:a14="http://schemas.microsoft.com/office/drawing/2010/main" w="9525">
                     <a:solidFill>
                       <a:srgbClr val="000000"/>
                     </a:solidFill>
@@ -11764,7 +11764,7 @@
               </a:ln>
               <a:extLst>
                 <a:ext uri="{91240B29-F687-4f45-9708-019B960494DF}">
-                  <a14:hiddenLine xmlns:a14="http://schemas.microsoft.com/office/drawing/2010/main" xmlns="" w="9525">
+                  <a14:hiddenLine xmlns="" xmlns:a14="http://schemas.microsoft.com/office/drawing/2010/main" w="9525">
                     <a:solidFill>
                       <a:srgbClr val="000000"/>
                     </a:solidFill>
@@ -11836,7 +11836,7 @@
               </a:ln>
               <a:extLst>
                 <a:ext uri="{91240B29-F687-4f45-9708-019B960494DF}">
-                  <a14:hiddenLine xmlns:a14="http://schemas.microsoft.com/office/drawing/2010/main" xmlns="" w="9525">
+                  <a14:hiddenLine xmlns="" xmlns:a14="http://schemas.microsoft.com/office/drawing/2010/main" w="9525">
                     <a:solidFill>
                       <a:srgbClr val="000000"/>
                     </a:solidFill>
@@ -11963,7 +11963,7 @@
               </a:ln>
               <a:extLst>
                 <a:ext uri="{91240B29-F687-4f45-9708-019B960494DF}">
-                  <a14:hiddenLine xmlns:a14="http://schemas.microsoft.com/office/drawing/2010/main" xmlns="" w="9525">
+                  <a14:hiddenLine xmlns="" xmlns:a14="http://schemas.microsoft.com/office/drawing/2010/main" w="9525">
                     <a:solidFill>
                       <a:srgbClr val="000000"/>
                     </a:solidFill>
@@ -12068,7 +12068,7 @@
               </a:ln>
               <a:extLst>
                 <a:ext uri="{91240B29-F687-4f45-9708-019B960494DF}">
-                  <a14:hiddenLine xmlns:a14="http://schemas.microsoft.com/office/drawing/2010/main" xmlns="" w="9525">
+                  <a14:hiddenLine xmlns="" xmlns:a14="http://schemas.microsoft.com/office/drawing/2010/main" w="9525">
                     <a:solidFill>
                       <a:srgbClr val="000000"/>
                     </a:solidFill>
@@ -12190,7 +12190,7 @@
               </a:ln>
               <a:extLst>
                 <a:ext uri="{91240B29-F687-4f45-9708-019B960494DF}">
-                  <a14:hiddenLine xmlns:a14="http://schemas.microsoft.com/office/drawing/2010/main" xmlns="" w="9525">
+                  <a14:hiddenLine xmlns="" xmlns:a14="http://schemas.microsoft.com/office/drawing/2010/main" w="9525">
                     <a:solidFill>
                       <a:srgbClr val="000000"/>
                     </a:solidFill>
@@ -12287,7 +12287,7 @@
               </a:ln>
               <a:extLst>
                 <a:ext uri="{91240B29-F687-4f45-9708-019B960494DF}">
-                  <a14:hiddenLine xmlns:a14="http://schemas.microsoft.com/office/drawing/2010/main" xmlns="" w="9525">
+                  <a14:hiddenLine xmlns="" xmlns:a14="http://schemas.microsoft.com/office/drawing/2010/main" w="9525">
                     <a:solidFill>
                       <a:srgbClr val="000000"/>
                     </a:solidFill>
@@ -12359,7 +12359,7 @@
               </a:ln>
               <a:extLst>
                 <a:ext uri="{91240B29-F687-4f45-9708-019B960494DF}">
-                  <a14:hiddenLine xmlns:a14="http://schemas.microsoft.com/office/drawing/2010/main" xmlns="" w="9525">
+                  <a14:hiddenLine xmlns="" xmlns:a14="http://schemas.microsoft.com/office/drawing/2010/main" w="9525">
                     <a:solidFill>
                       <a:srgbClr val="000000"/>
                     </a:solidFill>
@@ -12456,7 +12456,7 @@
               </a:ln>
               <a:extLst>
                 <a:ext uri="{91240B29-F687-4f45-9708-019B960494DF}">
-                  <a14:hiddenLine xmlns:a14="http://schemas.microsoft.com/office/drawing/2010/main" xmlns="" w="9525">
+                  <a14:hiddenLine xmlns="" xmlns:a14="http://schemas.microsoft.com/office/drawing/2010/main" w="9525">
                     <a:solidFill>
                       <a:srgbClr val="000000"/>
                     </a:solidFill>
@@ -12531,7 +12531,7 @@
               </a:ln>
               <a:extLst>
                 <a:ext uri="{91240B29-F687-4f45-9708-019B960494DF}">
-                  <a14:hiddenLine xmlns:a14="http://schemas.microsoft.com/office/drawing/2010/main" xmlns="" w="9525">
+                  <a14:hiddenLine xmlns="" xmlns:a14="http://schemas.microsoft.com/office/drawing/2010/main" w="9525">
                     <a:solidFill>
                       <a:srgbClr val="000000"/>
                     </a:solidFill>
@@ -12628,7 +12628,7 @@
               </a:ln>
               <a:extLst>
                 <a:ext uri="{91240B29-F687-4f45-9708-019B960494DF}">
-                  <a14:hiddenLine xmlns:a14="http://schemas.microsoft.com/office/drawing/2010/main" xmlns="" w="9525">
+                  <a14:hiddenLine xmlns="" xmlns:a14="http://schemas.microsoft.com/office/drawing/2010/main" w="9525">
                     <a:solidFill>
                       <a:srgbClr val="000000"/>
                     </a:solidFill>
@@ -12703,7 +12703,7 @@
               </a:ln>
               <a:extLst>
                 <a:ext uri="{91240B29-F687-4f45-9708-019B960494DF}">
-                  <a14:hiddenLine xmlns:a14="http://schemas.microsoft.com/office/drawing/2010/main" xmlns="" w="9525">
+                  <a14:hiddenLine xmlns="" xmlns:a14="http://schemas.microsoft.com/office/drawing/2010/main" w="9525">
                     <a:solidFill>
                       <a:srgbClr val="000000"/>
                     </a:solidFill>
@@ -12800,7 +12800,7 @@
               </a:ln>
               <a:extLst>
                 <a:ext uri="{91240B29-F687-4f45-9708-019B960494DF}">
-                  <a14:hiddenLine xmlns:a14="http://schemas.microsoft.com/office/drawing/2010/main" xmlns="" w="9525">
+                  <a14:hiddenLine xmlns="" xmlns:a14="http://schemas.microsoft.com/office/drawing/2010/main" w="9525">
                     <a:solidFill>
                       <a:srgbClr val="000000"/>
                     </a:solidFill>
@@ -12841,7 +12841,7 @@
               </a:ln>
               <a:extLst>
                 <a:ext uri="{91240B29-F687-4f45-9708-019B960494DF}">
-                  <a14:hiddenLine xmlns:a14="http://schemas.microsoft.com/office/drawing/2010/main" xmlns="" w="9525">
+                  <a14:hiddenLine xmlns="" xmlns:a14="http://schemas.microsoft.com/office/drawing/2010/main" w="9525">
                     <a:solidFill>
                       <a:srgbClr val="000000"/>
                     </a:solidFill>
@@ -12989,7 +12989,7 @@
             <a:fld id="{48A87A34-81AB-432B-8DAE-1953F412C126}" type="datetimeFigureOut">
               <a:rPr lang="en-US" dirty="0"/>
               <a:pPr/>
-              <a:t>1/22/2026</a:t>
+              <a:t>1/27/2026</a:t>
             </a:fld>
             <a:endParaRPr lang="en-US" dirty="0"/>
           </a:p>
@@ -13871,7 +13871,7 @@
           <a:noFill/>
           <a:extLst>
             <a:ext uri="{909E8E84-426E-40dd-AFC4-6F175D3DCCD1}">
-              <a14:hiddenFill xmlns:p14="http://schemas.microsoft.com/office/powerpoint/2010/main" xmlns:a14="http://schemas.microsoft.com/office/drawing/2010/main" xmlns:a16="http://schemas.microsoft.com/office/drawing/2014/main" xmlns="">
+              <a14:hiddenFill xmlns="" xmlns:a16="http://schemas.microsoft.com/office/drawing/2014/main" xmlns:a14="http://schemas.microsoft.com/office/drawing/2010/main" xmlns:p14="http://schemas.microsoft.com/office/powerpoint/2010/main">
                 <a:solidFill>
                   <a:srgbClr val="FFFFFF"/>
                 </a:solidFill>
@@ -13992,7 +13992,7 @@
               </a:ln>
               <a:extLst>
                 <a:ext uri="{91240B29-F687-4f45-9708-019B960494DF}">
-                  <a14:hiddenLine xmlns:p14="http://schemas.microsoft.com/office/powerpoint/2010/main" xmlns:a14="http://schemas.microsoft.com/office/drawing/2010/main" xmlns:a16="http://schemas.microsoft.com/office/drawing/2014/main" xmlns="" w="9525">
+                  <a14:hiddenLine xmlns="" xmlns:a16="http://schemas.microsoft.com/office/drawing/2014/main" xmlns:a14="http://schemas.microsoft.com/office/drawing/2010/main" xmlns:p14="http://schemas.microsoft.com/office/powerpoint/2010/main" w="9525">
                     <a:solidFill>
                       <a:srgbClr val="000000"/>
                     </a:solidFill>
@@ -14104,7 +14104,7 @@
               </a:ln>
               <a:extLst>
                 <a:ext uri="{91240B29-F687-4f45-9708-019B960494DF}">
-                  <a14:hiddenLine xmlns:p14="http://schemas.microsoft.com/office/powerpoint/2010/main" xmlns:a14="http://schemas.microsoft.com/office/drawing/2010/main" xmlns:a16="http://schemas.microsoft.com/office/drawing/2014/main" xmlns="" w="9525">
+                  <a14:hiddenLine xmlns="" xmlns:a16="http://schemas.microsoft.com/office/drawing/2014/main" xmlns:a14="http://schemas.microsoft.com/office/drawing/2010/main" xmlns:p14="http://schemas.microsoft.com/office/powerpoint/2010/main" w="9525">
                     <a:solidFill>
                       <a:srgbClr val="000000"/>
                     </a:solidFill>
@@ -14216,7 +14216,7 @@
               </a:ln>
               <a:extLst>
                 <a:ext uri="{91240B29-F687-4f45-9708-019B960494DF}">
-                  <a14:hiddenLine xmlns:p14="http://schemas.microsoft.com/office/powerpoint/2010/main" xmlns:a14="http://schemas.microsoft.com/office/drawing/2010/main" xmlns:a16="http://schemas.microsoft.com/office/drawing/2014/main" xmlns="" w="9525">
+                  <a14:hiddenLine xmlns="" xmlns:a16="http://schemas.microsoft.com/office/drawing/2014/main" xmlns:a14="http://schemas.microsoft.com/office/drawing/2010/main" xmlns:p14="http://schemas.microsoft.com/office/powerpoint/2010/main" w="9525">
                     <a:solidFill>
                       <a:srgbClr val="000000"/>
                     </a:solidFill>
@@ -14300,7 +14300,7 @@
               </a:ln>
               <a:extLst>
                 <a:ext uri="{91240B29-F687-4f45-9708-019B960494DF}">
-                  <a14:hiddenLine xmlns:p14="http://schemas.microsoft.com/office/powerpoint/2010/main" xmlns:a14="http://schemas.microsoft.com/office/drawing/2010/main" xmlns:a16="http://schemas.microsoft.com/office/drawing/2014/main" xmlns="" w="9525">
+                  <a14:hiddenLine xmlns="" xmlns:a16="http://schemas.microsoft.com/office/drawing/2014/main" xmlns:a14="http://schemas.microsoft.com/office/drawing/2010/main" xmlns:p14="http://schemas.microsoft.com/office/powerpoint/2010/main" w="9525">
                     <a:solidFill>
                       <a:srgbClr val="000000"/>
                     </a:solidFill>
@@ -14412,7 +14412,7 @@
               </a:ln>
               <a:extLst>
                 <a:ext uri="{91240B29-F687-4f45-9708-019B960494DF}">
-                  <a14:hiddenLine xmlns:p14="http://schemas.microsoft.com/office/powerpoint/2010/main" xmlns:a14="http://schemas.microsoft.com/office/drawing/2010/main" xmlns:a16="http://schemas.microsoft.com/office/drawing/2014/main" xmlns="" w="9525">
+                  <a14:hiddenLine xmlns="" xmlns:a16="http://schemas.microsoft.com/office/drawing/2014/main" xmlns:a14="http://schemas.microsoft.com/office/drawing/2010/main" xmlns:p14="http://schemas.microsoft.com/office/powerpoint/2010/main" w="9525">
                     <a:solidFill>
                       <a:srgbClr val="000000"/>
                     </a:solidFill>
@@ -14496,7 +14496,7 @@
               </a:ln>
               <a:extLst>
                 <a:ext uri="{91240B29-F687-4f45-9708-019B960494DF}">
-                  <a14:hiddenLine xmlns:p14="http://schemas.microsoft.com/office/powerpoint/2010/main" xmlns:a14="http://schemas.microsoft.com/office/drawing/2010/main" xmlns:a16="http://schemas.microsoft.com/office/drawing/2014/main" xmlns="" w="9525">
+                  <a14:hiddenLine xmlns="" xmlns:a16="http://schemas.microsoft.com/office/drawing/2014/main" xmlns:a14="http://schemas.microsoft.com/office/drawing/2010/main" xmlns:p14="http://schemas.microsoft.com/office/powerpoint/2010/main" w="9525">
                     <a:solidFill>
                       <a:srgbClr val="000000"/>
                     </a:solidFill>
@@ -14580,7 +14580,7 @@
               </a:ln>
               <a:extLst>
                 <a:ext uri="{91240B29-F687-4f45-9708-019B960494DF}">
-                  <a14:hiddenLine xmlns:p14="http://schemas.microsoft.com/office/powerpoint/2010/main" xmlns:a14="http://schemas.microsoft.com/office/drawing/2010/main" xmlns:a16="http://schemas.microsoft.com/office/drawing/2014/main" xmlns="" w="9525">
+                  <a14:hiddenLine xmlns="" xmlns:a16="http://schemas.microsoft.com/office/drawing/2014/main" xmlns:a14="http://schemas.microsoft.com/office/drawing/2010/main" xmlns:p14="http://schemas.microsoft.com/office/powerpoint/2010/main" w="9525">
                     <a:solidFill>
                       <a:srgbClr val="000000"/>
                     </a:solidFill>
@@ -14692,7 +14692,7 @@
               </a:ln>
               <a:extLst>
                 <a:ext uri="{91240B29-F687-4f45-9708-019B960494DF}">
-                  <a14:hiddenLine xmlns:p14="http://schemas.microsoft.com/office/powerpoint/2010/main" xmlns:a14="http://schemas.microsoft.com/office/drawing/2010/main" xmlns:a16="http://schemas.microsoft.com/office/drawing/2014/main" xmlns="" w="9525">
+                  <a14:hiddenLine xmlns="" xmlns:a16="http://schemas.microsoft.com/office/drawing/2014/main" xmlns:a14="http://schemas.microsoft.com/office/drawing/2010/main" xmlns:p14="http://schemas.microsoft.com/office/powerpoint/2010/main" w="9525">
                     <a:solidFill>
                       <a:srgbClr val="000000"/>
                     </a:solidFill>
@@ -14804,7 +14804,7 @@
               </a:ln>
               <a:extLst>
                 <a:ext uri="{91240B29-F687-4f45-9708-019B960494DF}">
-                  <a14:hiddenLine xmlns:p14="http://schemas.microsoft.com/office/powerpoint/2010/main" xmlns:a14="http://schemas.microsoft.com/office/drawing/2010/main" xmlns:a16="http://schemas.microsoft.com/office/drawing/2014/main" xmlns="" w="9525">
+                  <a14:hiddenLine xmlns="" xmlns:a16="http://schemas.microsoft.com/office/drawing/2014/main" xmlns:a14="http://schemas.microsoft.com/office/drawing/2010/main" xmlns:p14="http://schemas.microsoft.com/office/powerpoint/2010/main" w="9525">
                     <a:solidFill>
                       <a:srgbClr val="000000"/>
                     </a:solidFill>
@@ -14888,7 +14888,7 @@
               </a:ln>
               <a:extLst>
                 <a:ext uri="{91240B29-F687-4f45-9708-019B960494DF}">
-                  <a14:hiddenLine xmlns:p14="http://schemas.microsoft.com/office/powerpoint/2010/main" xmlns:a14="http://schemas.microsoft.com/office/drawing/2010/main" xmlns:a16="http://schemas.microsoft.com/office/drawing/2014/main" xmlns="" w="9525">
+                  <a14:hiddenLine xmlns="" xmlns:a16="http://schemas.microsoft.com/office/drawing/2014/main" xmlns:a14="http://schemas.microsoft.com/office/drawing/2010/main" xmlns:p14="http://schemas.microsoft.com/office/powerpoint/2010/main" w="9525">
                     <a:solidFill>
                       <a:srgbClr val="000000"/>
                     </a:solidFill>
@@ -15020,7 +15020,7 @@
               </a:ln>
               <a:extLst>
                 <a:ext uri="{91240B29-F687-4f45-9708-019B960494DF}">
-                  <a14:hiddenLine xmlns:p14="http://schemas.microsoft.com/office/powerpoint/2010/main" xmlns:a14="http://schemas.microsoft.com/office/drawing/2010/main" xmlns:a16="http://schemas.microsoft.com/office/drawing/2014/main" xmlns="" w="9525">
+                  <a14:hiddenLine xmlns="" xmlns:a16="http://schemas.microsoft.com/office/drawing/2014/main" xmlns:a14="http://schemas.microsoft.com/office/drawing/2010/main" xmlns:p14="http://schemas.microsoft.com/office/powerpoint/2010/main" w="9525">
                     <a:solidFill>
                       <a:srgbClr val="000000"/>
                     </a:solidFill>
@@ -15148,7 +15148,7 @@
               </a:ln>
               <a:extLst>
                 <a:ext uri="{91240B29-F687-4f45-9708-019B960494DF}">
-                  <a14:hiddenLine xmlns:p14="http://schemas.microsoft.com/office/powerpoint/2010/main" xmlns:a14="http://schemas.microsoft.com/office/drawing/2010/main" xmlns:a16="http://schemas.microsoft.com/office/drawing/2014/main" xmlns="" w="9525">
+                  <a14:hiddenLine xmlns="" xmlns:a16="http://schemas.microsoft.com/office/drawing/2014/main" xmlns:a14="http://schemas.microsoft.com/office/drawing/2010/main" xmlns:p14="http://schemas.microsoft.com/office/powerpoint/2010/main" w="9525">
                     <a:solidFill>
                       <a:srgbClr val="000000"/>
                     </a:solidFill>
@@ -15232,7 +15232,7 @@
               </a:ln>
               <a:extLst>
                 <a:ext uri="{91240B29-F687-4f45-9708-019B960494DF}">
-                  <a14:hiddenLine xmlns:p14="http://schemas.microsoft.com/office/powerpoint/2010/main" xmlns:a14="http://schemas.microsoft.com/office/drawing/2010/main" xmlns:a16="http://schemas.microsoft.com/office/drawing/2014/main" xmlns="" w="9525">
+                  <a14:hiddenLine xmlns="" xmlns:a16="http://schemas.microsoft.com/office/drawing/2014/main" xmlns:a14="http://schemas.microsoft.com/office/drawing/2010/main" xmlns:p14="http://schemas.microsoft.com/office/powerpoint/2010/main" w="9525">
                     <a:solidFill>
                       <a:srgbClr val="000000"/>
                     </a:solidFill>
@@ -15316,7 +15316,7 @@
               </a:ln>
               <a:extLst>
                 <a:ext uri="{91240B29-F687-4f45-9708-019B960494DF}">
-                  <a14:hiddenLine xmlns:p14="http://schemas.microsoft.com/office/powerpoint/2010/main" xmlns:a14="http://schemas.microsoft.com/office/drawing/2010/main" xmlns:a16="http://schemas.microsoft.com/office/drawing/2014/main" xmlns="" w="9525">
+                  <a14:hiddenLine xmlns="" xmlns:a16="http://schemas.microsoft.com/office/drawing/2014/main" xmlns:a14="http://schemas.microsoft.com/office/drawing/2010/main" xmlns:p14="http://schemas.microsoft.com/office/powerpoint/2010/main" w="9525">
                     <a:solidFill>
                       <a:srgbClr val="000000"/>
                     </a:solidFill>
@@ -15428,7 +15428,7 @@
               </a:ln>
               <a:extLst>
                 <a:ext uri="{91240B29-F687-4f45-9708-019B960494DF}">
-                  <a14:hiddenLine xmlns:p14="http://schemas.microsoft.com/office/powerpoint/2010/main" xmlns:a14="http://schemas.microsoft.com/office/drawing/2010/main" xmlns:a16="http://schemas.microsoft.com/office/drawing/2014/main" xmlns="" w="9525">
+                  <a14:hiddenLine xmlns="" xmlns:a16="http://schemas.microsoft.com/office/drawing/2014/main" xmlns:a14="http://schemas.microsoft.com/office/drawing/2010/main" xmlns:p14="http://schemas.microsoft.com/office/powerpoint/2010/main" w="9525">
                     <a:solidFill>
                       <a:srgbClr val="000000"/>
                     </a:solidFill>
@@ -15484,7 +15484,7 @@
               </a:ln>
               <a:extLst>
                 <a:ext uri="{91240B29-F687-4f45-9708-019B960494DF}">
-                  <a14:hiddenLine xmlns:p14="http://schemas.microsoft.com/office/powerpoint/2010/main" xmlns:a14="http://schemas.microsoft.com/office/drawing/2010/main" xmlns:a16="http://schemas.microsoft.com/office/drawing/2014/main" xmlns="" w="9525">
+                  <a14:hiddenLine xmlns="" xmlns:a16="http://schemas.microsoft.com/office/drawing/2014/main" xmlns:a14="http://schemas.microsoft.com/office/drawing/2010/main" xmlns:p14="http://schemas.microsoft.com/office/powerpoint/2010/main" w="9525">
                     <a:solidFill>
                       <a:srgbClr val="000000"/>
                     </a:solidFill>
@@ -15571,7 +15571,7 @@
               </a:ln>
               <a:extLst>
                 <a:ext uri="{91240B29-F687-4f45-9708-019B960494DF}">
-                  <a14:hiddenLine xmlns:p14="http://schemas.microsoft.com/office/powerpoint/2010/main" xmlns:a14="http://schemas.microsoft.com/office/drawing/2010/main" xmlns:a16="http://schemas.microsoft.com/office/drawing/2014/main" xmlns="" w="9525">
+                  <a14:hiddenLine xmlns="" xmlns:a16="http://schemas.microsoft.com/office/drawing/2014/main" xmlns:a14="http://schemas.microsoft.com/office/drawing/2010/main" xmlns:p14="http://schemas.microsoft.com/office/powerpoint/2010/main" w="9525">
                     <a:solidFill>
                       <a:srgbClr val="000000"/>
                     </a:solidFill>
@@ -15683,7 +15683,7 @@
               </a:ln>
               <a:extLst>
                 <a:ext uri="{91240B29-F687-4f45-9708-019B960494DF}">
-                  <a14:hiddenLine xmlns:p14="http://schemas.microsoft.com/office/powerpoint/2010/main" xmlns:a14="http://schemas.microsoft.com/office/drawing/2010/main" xmlns:a16="http://schemas.microsoft.com/office/drawing/2014/main" xmlns="" w="9525">
+                  <a14:hiddenLine xmlns="" xmlns:a16="http://schemas.microsoft.com/office/drawing/2014/main" xmlns:a14="http://schemas.microsoft.com/office/drawing/2010/main" xmlns:p14="http://schemas.microsoft.com/office/powerpoint/2010/main" w="9525">
                     <a:solidFill>
                       <a:srgbClr val="000000"/>
                     </a:solidFill>
@@ -15767,7 +15767,7 @@
               </a:ln>
               <a:extLst>
                 <a:ext uri="{91240B29-F687-4f45-9708-019B960494DF}">
-                  <a14:hiddenLine xmlns:p14="http://schemas.microsoft.com/office/powerpoint/2010/main" xmlns:a14="http://schemas.microsoft.com/office/drawing/2010/main" xmlns:a16="http://schemas.microsoft.com/office/drawing/2014/main" xmlns="" w="9525">
+                  <a14:hiddenLine xmlns="" xmlns:a16="http://schemas.microsoft.com/office/drawing/2014/main" xmlns:a14="http://schemas.microsoft.com/office/drawing/2010/main" xmlns:p14="http://schemas.microsoft.com/office/powerpoint/2010/main" w="9525">
                     <a:solidFill>
                       <a:srgbClr val="000000"/>
                     </a:solidFill>
@@ -15879,7 +15879,7 @@
               </a:ln>
               <a:extLst>
                 <a:ext uri="{91240B29-F687-4f45-9708-019B960494DF}">
-                  <a14:hiddenLine xmlns:p14="http://schemas.microsoft.com/office/powerpoint/2010/main" xmlns:a14="http://schemas.microsoft.com/office/drawing/2010/main" xmlns:a16="http://schemas.microsoft.com/office/drawing/2014/main" xmlns="" w="9525">
+                  <a14:hiddenLine xmlns="" xmlns:a16="http://schemas.microsoft.com/office/drawing/2014/main" xmlns:a14="http://schemas.microsoft.com/office/drawing/2010/main" xmlns:p14="http://schemas.microsoft.com/office/powerpoint/2010/main" w="9525">
                     <a:solidFill>
                       <a:srgbClr val="000000"/>
                     </a:solidFill>
@@ -15966,7 +15966,7 @@
               </a:ln>
               <a:extLst>
                 <a:ext uri="{91240B29-F687-4f45-9708-019B960494DF}">
-                  <a14:hiddenLine xmlns:p14="http://schemas.microsoft.com/office/powerpoint/2010/main" xmlns:a14="http://schemas.microsoft.com/office/drawing/2010/main" xmlns:a16="http://schemas.microsoft.com/office/drawing/2014/main" xmlns="" w="9525">
+                  <a14:hiddenLine xmlns="" xmlns:a16="http://schemas.microsoft.com/office/drawing/2014/main" xmlns:a14="http://schemas.microsoft.com/office/drawing/2010/main" xmlns:p14="http://schemas.microsoft.com/office/powerpoint/2010/main" w="9525">
                     <a:solidFill>
                       <a:srgbClr val="000000"/>
                     </a:solidFill>
@@ -16050,7 +16050,7 @@
               </a:ln>
               <a:extLst>
                 <a:ext uri="{91240B29-F687-4f45-9708-019B960494DF}">
-                  <a14:hiddenLine xmlns:p14="http://schemas.microsoft.com/office/powerpoint/2010/main" xmlns:a14="http://schemas.microsoft.com/office/drawing/2010/main" xmlns:a16="http://schemas.microsoft.com/office/drawing/2014/main" xmlns="" w="9525">
+                  <a14:hiddenLine xmlns="" xmlns:a16="http://schemas.microsoft.com/office/drawing/2014/main" xmlns:a14="http://schemas.microsoft.com/office/drawing/2010/main" xmlns:p14="http://schemas.microsoft.com/office/powerpoint/2010/main" w="9525">
                     <a:solidFill>
                       <a:srgbClr val="000000"/>
                     </a:solidFill>
@@ -16162,7 +16162,7 @@
               </a:ln>
               <a:extLst>
                 <a:ext uri="{91240B29-F687-4f45-9708-019B960494DF}">
-                  <a14:hiddenLine xmlns:p14="http://schemas.microsoft.com/office/powerpoint/2010/main" xmlns:a14="http://schemas.microsoft.com/office/drawing/2010/main" xmlns:a16="http://schemas.microsoft.com/office/drawing/2014/main" xmlns="" w="9525">
+                  <a14:hiddenLine xmlns="" xmlns:a16="http://schemas.microsoft.com/office/drawing/2014/main" xmlns:a14="http://schemas.microsoft.com/office/drawing/2010/main" xmlns:p14="http://schemas.microsoft.com/office/powerpoint/2010/main" w="9525">
                     <a:solidFill>
                       <a:srgbClr val="000000"/>
                     </a:solidFill>
@@ -16274,7 +16274,7 @@
               </a:ln>
               <a:extLst>
                 <a:ext uri="{91240B29-F687-4f45-9708-019B960494DF}">
-                  <a14:hiddenLine xmlns:p14="http://schemas.microsoft.com/office/powerpoint/2010/main" xmlns:a14="http://schemas.microsoft.com/office/drawing/2010/main" xmlns:a16="http://schemas.microsoft.com/office/drawing/2014/main" xmlns="" w="9525">
+                  <a14:hiddenLine xmlns="" xmlns:a16="http://schemas.microsoft.com/office/drawing/2014/main" xmlns:a14="http://schemas.microsoft.com/office/drawing/2010/main" xmlns:p14="http://schemas.microsoft.com/office/powerpoint/2010/main" w="9525">
                     <a:solidFill>
                       <a:srgbClr val="000000"/>
                     </a:solidFill>
@@ -16361,7 +16361,7 @@
               </a:ln>
               <a:extLst>
                 <a:ext uri="{91240B29-F687-4f45-9708-019B960494DF}">
-                  <a14:hiddenLine xmlns:p14="http://schemas.microsoft.com/office/powerpoint/2010/main" xmlns:a14="http://schemas.microsoft.com/office/drawing/2010/main" xmlns:a16="http://schemas.microsoft.com/office/drawing/2014/main" xmlns="" w="9525">
+                  <a14:hiddenLine xmlns="" xmlns:a16="http://schemas.microsoft.com/office/drawing/2014/main" xmlns:a14="http://schemas.microsoft.com/office/drawing/2010/main" xmlns:p14="http://schemas.microsoft.com/office/powerpoint/2010/main" w="9525">
                     <a:solidFill>
                       <a:srgbClr val="000000"/>
                     </a:solidFill>
@@ -16503,7 +16503,7 @@
               </a:ln>
               <a:extLst>
                 <a:ext uri="{91240B29-F687-4f45-9708-019B960494DF}">
-                  <a14:hiddenLine xmlns:p14="http://schemas.microsoft.com/office/powerpoint/2010/main" xmlns:a14="http://schemas.microsoft.com/office/drawing/2010/main" xmlns:a16="http://schemas.microsoft.com/office/drawing/2014/main" xmlns="" w="9525">
+                  <a14:hiddenLine xmlns="" xmlns:a16="http://schemas.microsoft.com/office/drawing/2014/main" xmlns:a14="http://schemas.microsoft.com/office/drawing/2010/main" xmlns:p14="http://schemas.microsoft.com/office/powerpoint/2010/main" w="9525">
                     <a:solidFill>
                       <a:srgbClr val="000000"/>
                     </a:solidFill>
@@ -16638,7 +16638,7 @@
               </a:ln>
               <a:extLst>
                 <a:ext uri="{91240B29-F687-4f45-9708-019B960494DF}">
-                  <a14:hiddenLine xmlns:p14="http://schemas.microsoft.com/office/powerpoint/2010/main" xmlns:a14="http://schemas.microsoft.com/office/drawing/2010/main" xmlns:a16="http://schemas.microsoft.com/office/drawing/2014/main" xmlns="" w="9525">
+                  <a14:hiddenLine xmlns="" xmlns:a16="http://schemas.microsoft.com/office/drawing/2014/main" xmlns:a14="http://schemas.microsoft.com/office/drawing/2010/main" xmlns:p14="http://schemas.microsoft.com/office/powerpoint/2010/main" w="9525">
                     <a:solidFill>
                       <a:srgbClr val="000000"/>
                     </a:solidFill>
@@ -16775,7 +16775,7 @@
               </a:ln>
               <a:extLst>
                 <a:ext uri="{91240B29-F687-4f45-9708-019B960494DF}">
-                  <a14:hiddenLine xmlns:p14="http://schemas.microsoft.com/office/powerpoint/2010/main" xmlns:a14="http://schemas.microsoft.com/office/drawing/2010/main" xmlns:a16="http://schemas.microsoft.com/office/drawing/2014/main" xmlns="" w="9525">
+                  <a14:hiddenLine xmlns="" xmlns:a16="http://schemas.microsoft.com/office/drawing/2014/main" xmlns:a14="http://schemas.microsoft.com/office/drawing/2010/main" xmlns:p14="http://schemas.microsoft.com/office/powerpoint/2010/main" w="9525">
                     <a:solidFill>
                       <a:srgbClr val="000000"/>
                     </a:solidFill>
@@ -16887,7 +16887,7 @@
               </a:ln>
               <a:extLst>
                 <a:ext uri="{91240B29-F687-4f45-9708-019B960494DF}">
-                  <a14:hiddenLine xmlns:p14="http://schemas.microsoft.com/office/powerpoint/2010/main" xmlns:a14="http://schemas.microsoft.com/office/drawing/2010/main" xmlns:a16="http://schemas.microsoft.com/office/drawing/2014/main" xmlns="" w="9525">
+                  <a14:hiddenLine xmlns="" xmlns:a16="http://schemas.microsoft.com/office/drawing/2014/main" xmlns:a14="http://schemas.microsoft.com/office/drawing/2010/main" xmlns:p14="http://schemas.microsoft.com/office/powerpoint/2010/main" w="9525">
                     <a:solidFill>
                       <a:srgbClr val="000000"/>
                     </a:solidFill>
@@ -16974,7 +16974,7 @@
               </a:ln>
               <a:extLst>
                 <a:ext uri="{91240B29-F687-4f45-9708-019B960494DF}">
-                  <a14:hiddenLine xmlns:p14="http://schemas.microsoft.com/office/powerpoint/2010/main" xmlns:a14="http://schemas.microsoft.com/office/drawing/2010/main" xmlns:a16="http://schemas.microsoft.com/office/drawing/2014/main" xmlns="" w="9525">
+                  <a14:hiddenLine xmlns="" xmlns:a16="http://schemas.microsoft.com/office/drawing/2014/main" xmlns:a14="http://schemas.microsoft.com/office/drawing/2010/main" xmlns:p14="http://schemas.microsoft.com/office/powerpoint/2010/main" w="9525">
                     <a:solidFill>
                       <a:srgbClr val="000000"/>
                     </a:solidFill>
@@ -17086,7 +17086,7 @@
               </a:ln>
               <a:extLst>
                 <a:ext uri="{91240B29-F687-4f45-9708-019B960494DF}">
-                  <a14:hiddenLine xmlns:p14="http://schemas.microsoft.com/office/powerpoint/2010/main" xmlns:a14="http://schemas.microsoft.com/office/drawing/2010/main" xmlns:a16="http://schemas.microsoft.com/office/drawing/2014/main" xmlns="" w="9525">
+                  <a14:hiddenLine xmlns="" xmlns:a16="http://schemas.microsoft.com/office/drawing/2014/main" xmlns:a14="http://schemas.microsoft.com/office/drawing/2010/main" xmlns:p14="http://schemas.microsoft.com/office/powerpoint/2010/main" w="9525">
                     <a:solidFill>
                       <a:srgbClr val="000000"/>
                     </a:solidFill>
@@ -17176,7 +17176,7 @@
               </a:ln>
               <a:extLst>
                 <a:ext uri="{91240B29-F687-4f45-9708-019B960494DF}">
-                  <a14:hiddenLine xmlns:p14="http://schemas.microsoft.com/office/powerpoint/2010/main" xmlns:a14="http://schemas.microsoft.com/office/drawing/2010/main" xmlns:a16="http://schemas.microsoft.com/office/drawing/2014/main" xmlns="" w="9525">
+                  <a14:hiddenLine xmlns="" xmlns:a16="http://schemas.microsoft.com/office/drawing/2014/main" xmlns:a14="http://schemas.microsoft.com/office/drawing/2010/main" xmlns:p14="http://schemas.microsoft.com/office/powerpoint/2010/main" w="9525">
                     <a:solidFill>
                       <a:srgbClr val="000000"/>
                     </a:solidFill>
@@ -17288,7 +17288,7 @@
               </a:ln>
               <a:extLst>
                 <a:ext uri="{91240B29-F687-4f45-9708-019B960494DF}">
-                  <a14:hiddenLine xmlns:p14="http://schemas.microsoft.com/office/powerpoint/2010/main" xmlns:a14="http://schemas.microsoft.com/office/drawing/2010/main" xmlns:a16="http://schemas.microsoft.com/office/drawing/2014/main" xmlns="" w="9525">
+                  <a14:hiddenLine xmlns="" xmlns:a16="http://schemas.microsoft.com/office/drawing/2014/main" xmlns:a14="http://schemas.microsoft.com/office/drawing/2010/main" xmlns:p14="http://schemas.microsoft.com/office/powerpoint/2010/main" w="9525">
                     <a:solidFill>
                       <a:srgbClr val="000000"/>
                     </a:solidFill>
@@ -17378,7 +17378,7 @@
               </a:ln>
               <a:extLst>
                 <a:ext uri="{91240B29-F687-4f45-9708-019B960494DF}">
-                  <a14:hiddenLine xmlns:p14="http://schemas.microsoft.com/office/powerpoint/2010/main" xmlns:a14="http://schemas.microsoft.com/office/drawing/2010/main" xmlns:a16="http://schemas.microsoft.com/office/drawing/2014/main" xmlns="" w="9525">
+                  <a14:hiddenLine xmlns="" xmlns:a16="http://schemas.microsoft.com/office/drawing/2014/main" xmlns:a14="http://schemas.microsoft.com/office/drawing/2010/main" xmlns:p14="http://schemas.microsoft.com/office/powerpoint/2010/main" w="9525">
                     <a:solidFill>
                       <a:srgbClr val="000000"/>
                     </a:solidFill>
@@ -17490,7 +17490,7 @@
               </a:ln>
               <a:extLst>
                 <a:ext uri="{91240B29-F687-4f45-9708-019B960494DF}">
-                  <a14:hiddenLine xmlns:p14="http://schemas.microsoft.com/office/powerpoint/2010/main" xmlns:a14="http://schemas.microsoft.com/office/drawing/2010/main" xmlns:a16="http://schemas.microsoft.com/office/drawing/2014/main" xmlns="" w="9525">
+                  <a14:hiddenLine xmlns="" xmlns:a16="http://schemas.microsoft.com/office/drawing/2014/main" xmlns:a14="http://schemas.microsoft.com/office/drawing/2010/main" xmlns:p14="http://schemas.microsoft.com/office/powerpoint/2010/main" w="9525">
                     <a:solidFill>
                       <a:srgbClr val="000000"/>
                     </a:solidFill>
@@ -17546,7 +17546,7 @@
               </a:ln>
               <a:extLst>
                 <a:ext uri="{91240B29-F687-4f45-9708-019B960494DF}">
-                  <a14:hiddenLine xmlns:p14="http://schemas.microsoft.com/office/powerpoint/2010/main" xmlns:a14="http://schemas.microsoft.com/office/drawing/2010/main" xmlns:a16="http://schemas.microsoft.com/office/drawing/2014/main" xmlns="" w="9525">
+                  <a14:hiddenLine xmlns="" xmlns:a16="http://schemas.microsoft.com/office/drawing/2014/main" xmlns:a14="http://schemas.microsoft.com/office/drawing/2010/main" xmlns:p14="http://schemas.microsoft.com/office/powerpoint/2010/main" w="9525">
                     <a:solidFill>
                       <a:srgbClr val="000000"/>
                     </a:solidFill>
@@ -17947,7 +17947,7 @@
           <a:noFill/>
           <a:extLst>
             <a:ext uri="{909E8E84-426E-40dd-AFC4-6F175D3DCCD1}">
-              <a14:hiddenFill xmlns:a14="http://schemas.microsoft.com/office/drawing/2010/main" xmlns:p14="http://schemas.microsoft.com/office/powerpoint/2010/main" xmlns:a16="http://schemas.microsoft.com/office/drawing/2014/main" xmlns="">
+              <a14:hiddenFill xmlns="" xmlns:a16="http://schemas.microsoft.com/office/drawing/2014/main" xmlns:p14="http://schemas.microsoft.com/office/powerpoint/2010/main" xmlns:a14="http://schemas.microsoft.com/office/drawing/2010/main">
                 <a:solidFill>
                   <a:srgbClr val="FFFFFF"/>
                 </a:solidFill>
@@ -18068,7 +18068,7 @@
               </a:ln>
               <a:extLst>
                 <a:ext uri="{91240B29-F687-4f45-9708-019B960494DF}">
-                  <a14:hiddenLine xmlns:a14="http://schemas.microsoft.com/office/drawing/2010/main" xmlns:p14="http://schemas.microsoft.com/office/powerpoint/2010/main" xmlns:a16="http://schemas.microsoft.com/office/drawing/2014/main" xmlns="" w="9525">
+                  <a14:hiddenLine xmlns="" xmlns:a16="http://schemas.microsoft.com/office/drawing/2014/main" xmlns:p14="http://schemas.microsoft.com/office/powerpoint/2010/main" xmlns:a14="http://schemas.microsoft.com/office/drawing/2010/main" w="9525">
                     <a:solidFill>
                       <a:srgbClr val="000000"/>
                     </a:solidFill>
@@ -18180,7 +18180,7 @@
               </a:ln>
               <a:extLst>
                 <a:ext uri="{91240B29-F687-4f45-9708-019B960494DF}">
-                  <a14:hiddenLine xmlns:a14="http://schemas.microsoft.com/office/drawing/2010/main" xmlns:p14="http://schemas.microsoft.com/office/powerpoint/2010/main" xmlns:a16="http://schemas.microsoft.com/office/drawing/2014/main" xmlns="" w="9525">
+                  <a14:hiddenLine xmlns="" xmlns:a16="http://schemas.microsoft.com/office/drawing/2014/main" xmlns:p14="http://schemas.microsoft.com/office/powerpoint/2010/main" xmlns:a14="http://schemas.microsoft.com/office/drawing/2010/main" w="9525">
                     <a:solidFill>
                       <a:srgbClr val="000000"/>
                     </a:solidFill>
@@ -18292,7 +18292,7 @@
               </a:ln>
               <a:extLst>
                 <a:ext uri="{91240B29-F687-4f45-9708-019B960494DF}">
-                  <a14:hiddenLine xmlns:a14="http://schemas.microsoft.com/office/drawing/2010/main" xmlns:p14="http://schemas.microsoft.com/office/powerpoint/2010/main" xmlns:a16="http://schemas.microsoft.com/office/drawing/2014/main" xmlns="" w="9525">
+                  <a14:hiddenLine xmlns="" xmlns:a16="http://schemas.microsoft.com/office/drawing/2014/main" xmlns:p14="http://schemas.microsoft.com/office/powerpoint/2010/main" xmlns:a14="http://schemas.microsoft.com/office/drawing/2010/main" w="9525">
                     <a:solidFill>
                       <a:srgbClr val="000000"/>
                     </a:solidFill>
@@ -18376,7 +18376,7 @@
               </a:ln>
               <a:extLst>
                 <a:ext uri="{91240B29-F687-4f45-9708-019B960494DF}">
-                  <a14:hiddenLine xmlns:a14="http://schemas.microsoft.com/office/drawing/2010/main" xmlns:p14="http://schemas.microsoft.com/office/powerpoint/2010/main" xmlns:a16="http://schemas.microsoft.com/office/drawing/2014/main" xmlns="" w="9525">
+                  <a14:hiddenLine xmlns="" xmlns:a16="http://schemas.microsoft.com/office/drawing/2014/main" xmlns:p14="http://schemas.microsoft.com/office/powerpoint/2010/main" xmlns:a14="http://schemas.microsoft.com/office/drawing/2010/main" w="9525">
                     <a:solidFill>
                       <a:srgbClr val="000000"/>
                     </a:solidFill>
@@ -18488,7 +18488,7 @@
               </a:ln>
               <a:extLst>
                 <a:ext uri="{91240B29-F687-4f45-9708-019B960494DF}">
-                  <a14:hiddenLine xmlns:a14="http://schemas.microsoft.com/office/drawing/2010/main" xmlns:p14="http://schemas.microsoft.com/office/powerpoint/2010/main" xmlns:a16="http://schemas.microsoft.com/office/drawing/2014/main" xmlns="" w="9525">
+                  <a14:hiddenLine xmlns="" xmlns:a16="http://schemas.microsoft.com/office/drawing/2014/main" xmlns:p14="http://schemas.microsoft.com/office/powerpoint/2010/main" xmlns:a14="http://schemas.microsoft.com/office/drawing/2010/main" w="9525">
                     <a:solidFill>
                       <a:srgbClr val="000000"/>
                     </a:solidFill>
@@ -18572,7 +18572,7 @@
               </a:ln>
               <a:extLst>
                 <a:ext uri="{91240B29-F687-4f45-9708-019B960494DF}">
-                  <a14:hiddenLine xmlns:a14="http://schemas.microsoft.com/office/drawing/2010/main" xmlns:p14="http://schemas.microsoft.com/office/powerpoint/2010/main" xmlns:a16="http://schemas.microsoft.com/office/drawing/2014/main" xmlns="" w="9525">
+                  <a14:hiddenLine xmlns="" xmlns:a16="http://schemas.microsoft.com/office/drawing/2014/main" xmlns:p14="http://schemas.microsoft.com/office/powerpoint/2010/main" xmlns:a14="http://schemas.microsoft.com/office/drawing/2010/main" w="9525">
                     <a:solidFill>
                       <a:srgbClr val="000000"/>
                     </a:solidFill>
@@ -18656,7 +18656,7 @@
               </a:ln>
               <a:extLst>
                 <a:ext uri="{91240B29-F687-4f45-9708-019B960494DF}">
-                  <a14:hiddenLine xmlns:a14="http://schemas.microsoft.com/office/drawing/2010/main" xmlns:p14="http://schemas.microsoft.com/office/powerpoint/2010/main" xmlns:a16="http://schemas.microsoft.com/office/drawing/2014/main" xmlns="" w="9525">
+                  <a14:hiddenLine xmlns="" xmlns:a16="http://schemas.microsoft.com/office/drawing/2014/main" xmlns:p14="http://schemas.microsoft.com/office/powerpoint/2010/main" xmlns:a14="http://schemas.microsoft.com/office/drawing/2010/main" w="9525">
                     <a:solidFill>
                       <a:srgbClr val="000000"/>
                     </a:solidFill>
@@ -18768,7 +18768,7 @@
               </a:ln>
               <a:extLst>
                 <a:ext uri="{91240B29-F687-4f45-9708-019B960494DF}">
-                  <a14:hiddenLine xmlns:a14="http://schemas.microsoft.com/office/drawing/2010/main" xmlns:p14="http://schemas.microsoft.com/office/powerpoint/2010/main" xmlns:a16="http://schemas.microsoft.com/office/drawing/2014/main" xmlns="" w="9525">
+                  <a14:hiddenLine xmlns="" xmlns:a16="http://schemas.microsoft.com/office/drawing/2014/main" xmlns:p14="http://schemas.microsoft.com/office/powerpoint/2010/main" xmlns:a14="http://schemas.microsoft.com/office/drawing/2010/main" w="9525">
                     <a:solidFill>
                       <a:srgbClr val="000000"/>
                     </a:solidFill>
@@ -18880,7 +18880,7 @@
               </a:ln>
               <a:extLst>
                 <a:ext uri="{91240B29-F687-4f45-9708-019B960494DF}">
-                  <a14:hiddenLine xmlns:a14="http://schemas.microsoft.com/office/drawing/2010/main" xmlns:p14="http://schemas.microsoft.com/office/powerpoint/2010/main" xmlns:a16="http://schemas.microsoft.com/office/drawing/2014/main" xmlns="" w="9525">
+                  <a14:hiddenLine xmlns="" xmlns:a16="http://schemas.microsoft.com/office/drawing/2014/main" xmlns:p14="http://schemas.microsoft.com/office/powerpoint/2010/main" xmlns:a14="http://schemas.microsoft.com/office/drawing/2010/main" w="9525">
                     <a:solidFill>
                       <a:srgbClr val="000000"/>
                     </a:solidFill>
@@ -18964,7 +18964,7 @@
               </a:ln>
               <a:extLst>
                 <a:ext uri="{91240B29-F687-4f45-9708-019B960494DF}">
-                  <a14:hiddenLine xmlns:a14="http://schemas.microsoft.com/office/drawing/2010/main" xmlns:p14="http://schemas.microsoft.com/office/powerpoint/2010/main" xmlns:a16="http://schemas.microsoft.com/office/drawing/2014/main" xmlns="" w="9525">
+                  <a14:hiddenLine xmlns="" xmlns:a16="http://schemas.microsoft.com/office/drawing/2014/main" xmlns:p14="http://schemas.microsoft.com/office/powerpoint/2010/main" xmlns:a14="http://schemas.microsoft.com/office/drawing/2010/main" w="9525">
                     <a:solidFill>
                       <a:srgbClr val="000000"/>
                     </a:solidFill>
@@ -19096,7 +19096,7 @@
               </a:ln>
               <a:extLst>
                 <a:ext uri="{91240B29-F687-4f45-9708-019B960494DF}">
-                  <a14:hiddenLine xmlns:a14="http://schemas.microsoft.com/office/drawing/2010/main" xmlns:p14="http://schemas.microsoft.com/office/powerpoint/2010/main" xmlns:a16="http://schemas.microsoft.com/office/drawing/2014/main" xmlns="" w="9525">
+                  <a14:hiddenLine xmlns="" xmlns:a16="http://schemas.microsoft.com/office/drawing/2014/main" xmlns:p14="http://schemas.microsoft.com/office/powerpoint/2010/main" xmlns:a14="http://schemas.microsoft.com/office/drawing/2010/main" w="9525">
                     <a:solidFill>
                       <a:srgbClr val="000000"/>
                     </a:solidFill>
@@ -19224,7 +19224,7 @@
               </a:ln>
               <a:extLst>
                 <a:ext uri="{91240B29-F687-4f45-9708-019B960494DF}">
-                  <a14:hiddenLine xmlns:a14="http://schemas.microsoft.com/office/drawing/2010/main" xmlns:p14="http://schemas.microsoft.com/office/powerpoint/2010/main" xmlns:a16="http://schemas.microsoft.com/office/drawing/2014/main" xmlns="" w="9525">
+                  <a14:hiddenLine xmlns="" xmlns:a16="http://schemas.microsoft.com/office/drawing/2014/main" xmlns:p14="http://schemas.microsoft.com/office/powerpoint/2010/main" xmlns:a14="http://schemas.microsoft.com/office/drawing/2010/main" w="9525">
                     <a:solidFill>
                       <a:srgbClr val="000000"/>
                     </a:solidFill>
@@ -19308,7 +19308,7 @@
               </a:ln>
               <a:extLst>
                 <a:ext uri="{91240B29-F687-4f45-9708-019B960494DF}">
-                  <a14:hiddenLine xmlns:a14="http://schemas.microsoft.com/office/drawing/2010/main" xmlns:p14="http://schemas.microsoft.com/office/powerpoint/2010/main" xmlns:a16="http://schemas.microsoft.com/office/drawing/2014/main" xmlns="" w="9525">
+                  <a14:hiddenLine xmlns="" xmlns:a16="http://schemas.microsoft.com/office/drawing/2014/main" xmlns:p14="http://schemas.microsoft.com/office/powerpoint/2010/main" xmlns:a14="http://schemas.microsoft.com/office/drawing/2010/main" w="9525">
                     <a:solidFill>
                       <a:srgbClr val="000000"/>
                     </a:solidFill>
@@ -19392,7 +19392,7 @@
               </a:ln>
               <a:extLst>
                 <a:ext uri="{91240B29-F687-4f45-9708-019B960494DF}">
-                  <a14:hiddenLine xmlns:a14="http://schemas.microsoft.com/office/drawing/2010/main" xmlns:p14="http://schemas.microsoft.com/office/powerpoint/2010/main" xmlns:a16="http://schemas.microsoft.com/office/drawing/2014/main" xmlns="" w="9525">
+                  <a14:hiddenLine xmlns="" xmlns:a16="http://schemas.microsoft.com/office/drawing/2014/main" xmlns:p14="http://schemas.microsoft.com/office/powerpoint/2010/main" xmlns:a14="http://schemas.microsoft.com/office/drawing/2010/main" w="9525">
                     <a:solidFill>
                       <a:srgbClr val="000000"/>
                     </a:solidFill>
@@ -19504,7 +19504,7 @@
               </a:ln>
               <a:extLst>
                 <a:ext uri="{91240B29-F687-4f45-9708-019B960494DF}">
-                  <a14:hiddenLine xmlns:a14="http://schemas.microsoft.com/office/drawing/2010/main" xmlns:p14="http://schemas.microsoft.com/office/powerpoint/2010/main" xmlns:a16="http://schemas.microsoft.com/office/drawing/2014/main" xmlns="" w="9525">
+                  <a14:hiddenLine xmlns="" xmlns:a16="http://schemas.microsoft.com/office/drawing/2014/main" xmlns:p14="http://schemas.microsoft.com/office/powerpoint/2010/main" xmlns:a14="http://schemas.microsoft.com/office/drawing/2010/main" w="9525">
                     <a:solidFill>
                       <a:srgbClr val="000000"/>
                     </a:solidFill>
@@ -19560,7 +19560,7 @@
               </a:ln>
               <a:extLst>
                 <a:ext uri="{91240B29-F687-4f45-9708-019B960494DF}">
-                  <a14:hiddenLine xmlns:a14="http://schemas.microsoft.com/office/drawing/2010/main" xmlns:p14="http://schemas.microsoft.com/office/powerpoint/2010/main" xmlns:a16="http://schemas.microsoft.com/office/drawing/2014/main" xmlns="" w="9525">
+                  <a14:hiddenLine xmlns="" xmlns:a16="http://schemas.microsoft.com/office/drawing/2014/main" xmlns:p14="http://schemas.microsoft.com/office/powerpoint/2010/main" xmlns:a14="http://schemas.microsoft.com/office/drawing/2010/main" w="9525">
                     <a:solidFill>
                       <a:srgbClr val="000000"/>
                     </a:solidFill>
@@ -19647,7 +19647,7 @@
               </a:ln>
               <a:extLst>
                 <a:ext uri="{91240B29-F687-4f45-9708-019B960494DF}">
-                  <a14:hiddenLine xmlns:a14="http://schemas.microsoft.com/office/drawing/2010/main" xmlns:p14="http://schemas.microsoft.com/office/powerpoint/2010/main" xmlns:a16="http://schemas.microsoft.com/office/drawing/2014/main" xmlns="" w="9525">
+                  <a14:hiddenLine xmlns="" xmlns:a16="http://schemas.microsoft.com/office/drawing/2014/main" xmlns:p14="http://schemas.microsoft.com/office/powerpoint/2010/main" xmlns:a14="http://schemas.microsoft.com/office/drawing/2010/main" w="9525">
                     <a:solidFill>
                       <a:srgbClr val="000000"/>
                     </a:solidFill>
@@ -19759,7 +19759,7 @@
               </a:ln>
               <a:extLst>
                 <a:ext uri="{91240B29-F687-4f45-9708-019B960494DF}">
-                  <a14:hiddenLine xmlns:a14="http://schemas.microsoft.com/office/drawing/2010/main" xmlns:p14="http://schemas.microsoft.com/office/powerpoint/2010/main" xmlns:a16="http://schemas.microsoft.com/office/drawing/2014/main" xmlns="" w="9525">
+                  <a14:hiddenLine xmlns="" xmlns:a16="http://schemas.microsoft.com/office/drawing/2014/main" xmlns:p14="http://schemas.microsoft.com/office/powerpoint/2010/main" xmlns:a14="http://schemas.microsoft.com/office/drawing/2010/main" w="9525">
                     <a:solidFill>
                       <a:srgbClr val="000000"/>
                     </a:solidFill>
@@ -19843,7 +19843,7 @@
               </a:ln>
               <a:extLst>
                 <a:ext uri="{91240B29-F687-4f45-9708-019B960494DF}">
-                  <a14:hiddenLine xmlns:a14="http://schemas.microsoft.com/office/drawing/2010/main" xmlns:p14="http://schemas.microsoft.com/office/powerpoint/2010/main" xmlns:a16="http://schemas.microsoft.com/office/drawing/2014/main" xmlns="" w="9525">
+                  <a14:hiddenLine xmlns="" xmlns:a16="http://schemas.microsoft.com/office/drawing/2014/main" xmlns:p14="http://schemas.microsoft.com/office/powerpoint/2010/main" xmlns:a14="http://schemas.microsoft.com/office/drawing/2010/main" w="9525">
                     <a:solidFill>
                       <a:srgbClr val="000000"/>
                     </a:solidFill>
@@ -19955,7 +19955,7 @@
               </a:ln>
               <a:extLst>
                 <a:ext uri="{91240B29-F687-4f45-9708-019B960494DF}">
-                  <a14:hiddenLine xmlns:a14="http://schemas.microsoft.com/office/drawing/2010/main" xmlns:p14="http://schemas.microsoft.com/office/powerpoint/2010/main" xmlns:a16="http://schemas.microsoft.com/office/drawing/2014/main" xmlns="" w="9525">
+                  <a14:hiddenLine xmlns="" xmlns:a16="http://schemas.microsoft.com/office/drawing/2014/main" xmlns:p14="http://schemas.microsoft.com/office/powerpoint/2010/main" xmlns:a14="http://schemas.microsoft.com/office/drawing/2010/main" w="9525">
                     <a:solidFill>
                       <a:srgbClr val="000000"/>
                     </a:solidFill>
@@ -20042,7 +20042,7 @@
               </a:ln>
               <a:extLst>
                 <a:ext uri="{91240B29-F687-4f45-9708-019B960494DF}">
-                  <a14:hiddenLine xmlns:a14="http://schemas.microsoft.com/office/drawing/2010/main" xmlns:p14="http://schemas.microsoft.com/office/powerpoint/2010/main" xmlns:a16="http://schemas.microsoft.com/office/drawing/2014/main" xmlns="" w="9525">
+                  <a14:hiddenLine xmlns="" xmlns:a16="http://schemas.microsoft.com/office/drawing/2014/main" xmlns:p14="http://schemas.microsoft.com/office/powerpoint/2010/main" xmlns:a14="http://schemas.microsoft.com/office/drawing/2010/main" w="9525">
                     <a:solidFill>
                       <a:srgbClr val="000000"/>
                     </a:solidFill>
@@ -20126,7 +20126,7 @@
               </a:ln>
               <a:extLst>
                 <a:ext uri="{91240B29-F687-4f45-9708-019B960494DF}">
-                  <a14:hiddenLine xmlns:a14="http://schemas.microsoft.com/office/drawing/2010/main" xmlns:p14="http://schemas.microsoft.com/office/powerpoint/2010/main" xmlns:a16="http://schemas.microsoft.com/office/drawing/2014/main" xmlns="" w="9525">
+                  <a14:hiddenLine xmlns="" xmlns:a16="http://schemas.microsoft.com/office/drawing/2014/main" xmlns:p14="http://schemas.microsoft.com/office/powerpoint/2010/main" xmlns:a14="http://schemas.microsoft.com/office/drawing/2010/main" w="9525">
                     <a:solidFill>
                       <a:srgbClr val="000000"/>
                     </a:solidFill>
@@ -20238,7 +20238,7 @@
               </a:ln>
               <a:extLst>
                 <a:ext uri="{91240B29-F687-4f45-9708-019B960494DF}">
-                  <a14:hiddenLine xmlns:a14="http://schemas.microsoft.com/office/drawing/2010/main" xmlns:p14="http://schemas.microsoft.com/office/powerpoint/2010/main" xmlns:a16="http://schemas.microsoft.com/office/drawing/2014/main" xmlns="" w="9525">
+                  <a14:hiddenLine xmlns="" xmlns:a16="http://schemas.microsoft.com/office/drawing/2014/main" xmlns:p14="http://schemas.microsoft.com/office/powerpoint/2010/main" xmlns:a14="http://schemas.microsoft.com/office/drawing/2010/main" w="9525">
                     <a:solidFill>
                       <a:srgbClr val="000000"/>
                     </a:solidFill>
@@ -20350,7 +20350,7 @@
               </a:ln>
               <a:extLst>
                 <a:ext uri="{91240B29-F687-4f45-9708-019B960494DF}">
-                  <a14:hiddenLine xmlns:a14="http://schemas.microsoft.com/office/drawing/2010/main" xmlns:p14="http://schemas.microsoft.com/office/powerpoint/2010/main" xmlns:a16="http://schemas.microsoft.com/office/drawing/2014/main" xmlns="" w="9525">
+                  <a14:hiddenLine xmlns="" xmlns:a16="http://schemas.microsoft.com/office/drawing/2014/main" xmlns:p14="http://schemas.microsoft.com/office/powerpoint/2010/main" xmlns:a14="http://schemas.microsoft.com/office/drawing/2010/main" w="9525">
                     <a:solidFill>
                       <a:srgbClr val="000000"/>
                     </a:solidFill>
@@ -20437,7 +20437,7 @@
               </a:ln>
               <a:extLst>
                 <a:ext uri="{91240B29-F687-4f45-9708-019B960494DF}">
-                  <a14:hiddenLine xmlns:a14="http://schemas.microsoft.com/office/drawing/2010/main" xmlns:p14="http://schemas.microsoft.com/office/powerpoint/2010/main" xmlns:a16="http://schemas.microsoft.com/office/drawing/2014/main" xmlns="" w="9525">
+                  <a14:hiddenLine xmlns="" xmlns:a16="http://schemas.microsoft.com/office/drawing/2014/main" xmlns:p14="http://schemas.microsoft.com/office/powerpoint/2010/main" xmlns:a14="http://schemas.microsoft.com/office/drawing/2010/main" w="9525">
                     <a:solidFill>
                       <a:srgbClr val="000000"/>
                     </a:solidFill>
@@ -20579,7 +20579,7 @@
               </a:ln>
               <a:extLst>
                 <a:ext uri="{91240B29-F687-4f45-9708-019B960494DF}">
-                  <a14:hiddenLine xmlns:a14="http://schemas.microsoft.com/office/drawing/2010/main" xmlns:p14="http://schemas.microsoft.com/office/powerpoint/2010/main" xmlns:a16="http://schemas.microsoft.com/office/drawing/2014/main" xmlns="" w="9525">
+                  <a14:hiddenLine xmlns="" xmlns:a16="http://schemas.microsoft.com/office/drawing/2014/main" xmlns:p14="http://schemas.microsoft.com/office/powerpoint/2010/main" xmlns:a14="http://schemas.microsoft.com/office/drawing/2010/main" w="9525">
                     <a:solidFill>
                       <a:srgbClr val="000000"/>
                     </a:solidFill>
@@ -20714,7 +20714,7 @@
               </a:ln>
               <a:extLst>
                 <a:ext uri="{91240B29-F687-4f45-9708-019B960494DF}">
-                  <a14:hiddenLine xmlns:a14="http://schemas.microsoft.com/office/drawing/2010/main" xmlns:p14="http://schemas.microsoft.com/office/powerpoint/2010/main" xmlns:a16="http://schemas.microsoft.com/office/drawing/2014/main" xmlns="" w="9525">
+                  <a14:hiddenLine xmlns="" xmlns:a16="http://schemas.microsoft.com/office/drawing/2014/main" xmlns:p14="http://schemas.microsoft.com/office/powerpoint/2010/main" xmlns:a14="http://schemas.microsoft.com/office/drawing/2010/main" w="9525">
                     <a:solidFill>
                       <a:srgbClr val="000000"/>
                     </a:solidFill>
@@ -20851,7 +20851,7 @@
               </a:ln>
               <a:extLst>
                 <a:ext uri="{91240B29-F687-4f45-9708-019B960494DF}">
-                  <a14:hiddenLine xmlns:a14="http://schemas.microsoft.com/office/drawing/2010/main" xmlns:p14="http://schemas.microsoft.com/office/powerpoint/2010/main" xmlns:a16="http://schemas.microsoft.com/office/drawing/2014/main" xmlns="" w="9525">
+                  <a14:hiddenLine xmlns="" xmlns:a16="http://schemas.microsoft.com/office/drawing/2014/main" xmlns:p14="http://schemas.microsoft.com/office/powerpoint/2010/main" xmlns:a14="http://schemas.microsoft.com/office/drawing/2010/main" w="9525">
                     <a:solidFill>
                       <a:srgbClr val="000000"/>
                     </a:solidFill>
@@ -20963,7 +20963,7 @@
               </a:ln>
               <a:extLst>
                 <a:ext uri="{91240B29-F687-4f45-9708-019B960494DF}">
-                  <a14:hiddenLine xmlns:a14="http://schemas.microsoft.com/office/drawing/2010/main" xmlns:p14="http://schemas.microsoft.com/office/powerpoint/2010/main" xmlns:a16="http://schemas.microsoft.com/office/drawing/2014/main" xmlns="" w="9525">
+                  <a14:hiddenLine xmlns="" xmlns:a16="http://schemas.microsoft.com/office/drawing/2014/main" xmlns:p14="http://schemas.microsoft.com/office/powerpoint/2010/main" xmlns:a14="http://schemas.microsoft.com/office/drawing/2010/main" w="9525">
                     <a:solidFill>
                       <a:srgbClr val="000000"/>
                     </a:solidFill>
@@ -21050,7 +21050,7 @@
               </a:ln>
               <a:extLst>
                 <a:ext uri="{91240B29-F687-4f45-9708-019B960494DF}">
-                  <a14:hiddenLine xmlns:a14="http://schemas.microsoft.com/office/drawing/2010/main" xmlns:p14="http://schemas.microsoft.com/office/powerpoint/2010/main" xmlns:a16="http://schemas.microsoft.com/office/drawing/2014/main" xmlns="" w="9525">
+                  <a14:hiddenLine xmlns="" xmlns:a16="http://schemas.microsoft.com/office/drawing/2014/main" xmlns:p14="http://schemas.microsoft.com/office/powerpoint/2010/main" xmlns:a14="http://schemas.microsoft.com/office/drawing/2010/main" w="9525">
                     <a:solidFill>
                       <a:srgbClr val="000000"/>
                     </a:solidFill>
@@ -21162,7 +21162,7 @@
               </a:ln>
               <a:extLst>
                 <a:ext uri="{91240B29-F687-4f45-9708-019B960494DF}">
-                  <a14:hiddenLine xmlns:a14="http://schemas.microsoft.com/office/drawing/2010/main" xmlns:p14="http://schemas.microsoft.com/office/powerpoint/2010/main" xmlns:a16="http://schemas.microsoft.com/office/drawing/2014/main" xmlns="" w="9525">
+                  <a14:hiddenLine xmlns="" xmlns:a16="http://schemas.microsoft.com/office/drawing/2014/main" xmlns:p14="http://schemas.microsoft.com/office/powerpoint/2010/main" xmlns:a14="http://schemas.microsoft.com/office/drawing/2010/main" w="9525">
                     <a:solidFill>
                       <a:srgbClr val="000000"/>
                     </a:solidFill>
@@ -21252,7 +21252,7 @@
               </a:ln>
               <a:extLst>
                 <a:ext uri="{91240B29-F687-4f45-9708-019B960494DF}">
-                  <a14:hiddenLine xmlns:a14="http://schemas.microsoft.com/office/drawing/2010/main" xmlns:p14="http://schemas.microsoft.com/office/powerpoint/2010/main" xmlns:a16="http://schemas.microsoft.com/office/drawing/2014/main" xmlns="" w="9525">
+                  <a14:hiddenLine xmlns="" xmlns:a16="http://schemas.microsoft.com/office/drawing/2014/main" xmlns:p14="http://schemas.microsoft.com/office/powerpoint/2010/main" xmlns:a14="http://schemas.microsoft.com/office/drawing/2010/main" w="9525">
                     <a:solidFill>
                       <a:srgbClr val="000000"/>
                     </a:solidFill>
@@ -21364,7 +21364,7 @@
               </a:ln>
               <a:extLst>
                 <a:ext uri="{91240B29-F687-4f45-9708-019B960494DF}">
-                  <a14:hiddenLine xmlns:a14="http://schemas.microsoft.com/office/drawing/2010/main" xmlns:p14="http://schemas.microsoft.com/office/powerpoint/2010/main" xmlns:a16="http://schemas.microsoft.com/office/drawing/2014/main" xmlns="" w="9525">
+                  <a14:hiddenLine xmlns="" xmlns:a16="http://schemas.microsoft.com/office/drawing/2014/main" xmlns:p14="http://schemas.microsoft.com/office/powerpoint/2010/main" xmlns:a14="http://schemas.microsoft.com/office/drawing/2010/main" w="9525">
                     <a:solidFill>
                       <a:srgbClr val="000000"/>
                     </a:solidFill>
@@ -21454,7 +21454,7 @@
               </a:ln>
               <a:extLst>
                 <a:ext uri="{91240B29-F687-4f45-9708-019B960494DF}">
-                  <a14:hiddenLine xmlns:a14="http://schemas.microsoft.com/office/drawing/2010/main" xmlns:p14="http://schemas.microsoft.com/office/powerpoint/2010/main" xmlns:a16="http://schemas.microsoft.com/office/drawing/2014/main" xmlns="" w="9525">
+                  <a14:hiddenLine xmlns="" xmlns:a16="http://schemas.microsoft.com/office/drawing/2014/main" xmlns:p14="http://schemas.microsoft.com/office/powerpoint/2010/main" xmlns:a14="http://schemas.microsoft.com/office/drawing/2010/main" w="9525">
                     <a:solidFill>
                       <a:srgbClr val="000000"/>
                     </a:solidFill>
@@ -21566,7 +21566,7 @@
               </a:ln>
               <a:extLst>
                 <a:ext uri="{91240B29-F687-4f45-9708-019B960494DF}">
-                  <a14:hiddenLine xmlns:a14="http://schemas.microsoft.com/office/drawing/2010/main" xmlns:p14="http://schemas.microsoft.com/office/powerpoint/2010/main" xmlns:a16="http://schemas.microsoft.com/office/drawing/2014/main" xmlns="" w="9525">
+                  <a14:hiddenLine xmlns="" xmlns:a16="http://schemas.microsoft.com/office/drawing/2014/main" xmlns:p14="http://schemas.microsoft.com/office/powerpoint/2010/main" xmlns:a14="http://schemas.microsoft.com/office/drawing/2010/main" w="9525">
                     <a:solidFill>
                       <a:srgbClr val="000000"/>
                     </a:solidFill>
@@ -21622,7 +21622,7 @@
               </a:ln>
               <a:extLst>
                 <a:ext uri="{91240B29-F687-4f45-9708-019B960494DF}">
-                  <a14:hiddenLine xmlns:a14="http://schemas.microsoft.com/office/drawing/2010/main" xmlns:p14="http://schemas.microsoft.com/office/powerpoint/2010/main" xmlns:a16="http://schemas.microsoft.com/office/drawing/2014/main" xmlns="" w="9525">
+                  <a14:hiddenLine xmlns="" xmlns:a16="http://schemas.microsoft.com/office/drawing/2014/main" xmlns:p14="http://schemas.microsoft.com/office/powerpoint/2010/main" xmlns:a14="http://schemas.microsoft.com/office/drawing/2010/main" w="9525">
                     <a:solidFill>
                       <a:srgbClr val="000000"/>
                     </a:solidFill>
@@ -22827,7 +22827,7 @@
           <a:noFill/>
           <a:extLst>
             <a:ext uri="{909E8E84-426E-40dd-AFC4-6F175D3DCCD1}">
-              <a14:hiddenFill xmlns:a14="http://schemas.microsoft.com/office/drawing/2010/main" xmlns:p14="http://schemas.microsoft.com/office/powerpoint/2010/main" xmlns:a16="http://schemas.microsoft.com/office/drawing/2014/main" xmlns="">
+              <a14:hiddenFill xmlns="" xmlns:a16="http://schemas.microsoft.com/office/drawing/2014/main" xmlns:p14="http://schemas.microsoft.com/office/powerpoint/2010/main" xmlns:a14="http://schemas.microsoft.com/office/drawing/2010/main">
                 <a:solidFill>
                   <a:srgbClr val="FFFFFF"/>
                 </a:solidFill>
@@ -22919,7 +22919,7 @@
             </a:ln>
             <a:extLst>
               <a:ext uri="{91240B29-F687-4f45-9708-019B960494DF}">
-                <a14:hiddenLine xmlns:a14="http://schemas.microsoft.com/office/drawing/2010/main" xmlns:p14="http://schemas.microsoft.com/office/powerpoint/2010/main" xmlns:a16="http://schemas.microsoft.com/office/drawing/2014/main" xmlns="" w="9525">
+                <a14:hiddenLine xmlns="" xmlns:a16="http://schemas.microsoft.com/office/drawing/2014/main" xmlns:p14="http://schemas.microsoft.com/office/powerpoint/2010/main" xmlns:a14="http://schemas.microsoft.com/office/drawing/2010/main" w="9525">
                   <a:solidFill>
                     <a:srgbClr val="000000"/>
                   </a:solidFill>
@@ -23031,7 +23031,7 @@
             </a:ln>
             <a:extLst>
               <a:ext uri="{91240B29-F687-4f45-9708-019B960494DF}">
-                <a14:hiddenLine xmlns:a14="http://schemas.microsoft.com/office/drawing/2010/main" xmlns:p14="http://schemas.microsoft.com/office/powerpoint/2010/main" xmlns:a16="http://schemas.microsoft.com/office/drawing/2014/main" xmlns="" w="9525">
+                <a14:hiddenLine xmlns="" xmlns:a16="http://schemas.microsoft.com/office/drawing/2014/main" xmlns:p14="http://schemas.microsoft.com/office/powerpoint/2010/main" xmlns:a14="http://schemas.microsoft.com/office/drawing/2010/main" w="9525">
                   <a:solidFill>
                     <a:srgbClr val="000000"/>
                   </a:solidFill>
@@ -23143,7 +23143,7 @@
             </a:ln>
             <a:extLst>
               <a:ext uri="{91240B29-F687-4f45-9708-019B960494DF}">
-                <a14:hiddenLine xmlns:a14="http://schemas.microsoft.com/office/drawing/2010/main" xmlns:p14="http://schemas.microsoft.com/office/powerpoint/2010/main" xmlns:a16="http://schemas.microsoft.com/office/drawing/2014/main" xmlns="" w="9525">
+                <a14:hiddenLine xmlns="" xmlns:a16="http://schemas.microsoft.com/office/drawing/2014/main" xmlns:p14="http://schemas.microsoft.com/office/powerpoint/2010/main" xmlns:a14="http://schemas.microsoft.com/office/drawing/2010/main" w="9525">
                   <a:solidFill>
                     <a:srgbClr val="000000"/>
                   </a:solidFill>
@@ -23199,7 +23199,7 @@
             </a:ln>
             <a:extLst>
               <a:ext uri="{91240B29-F687-4f45-9708-019B960494DF}">
-                <a14:hiddenLine xmlns:a14="http://schemas.microsoft.com/office/drawing/2010/main" xmlns:p14="http://schemas.microsoft.com/office/powerpoint/2010/main" xmlns:a16="http://schemas.microsoft.com/office/drawing/2014/main" xmlns="" w="9525">
+                <a14:hiddenLine xmlns="" xmlns:a16="http://schemas.microsoft.com/office/drawing/2014/main" xmlns:p14="http://schemas.microsoft.com/office/powerpoint/2010/main" xmlns:a14="http://schemas.microsoft.com/office/drawing/2010/main" w="9525">
                   <a:solidFill>
                     <a:srgbClr val="000000"/>
                   </a:solidFill>
@@ -23311,7 +23311,7 @@
             </a:ln>
             <a:extLst>
               <a:ext uri="{91240B29-F687-4f45-9708-019B960494DF}">
-                <a14:hiddenLine xmlns:a14="http://schemas.microsoft.com/office/drawing/2010/main" xmlns:p14="http://schemas.microsoft.com/office/powerpoint/2010/main" xmlns:a16="http://schemas.microsoft.com/office/drawing/2014/main" xmlns="" w="9525">
+                <a14:hiddenLine xmlns="" xmlns:a16="http://schemas.microsoft.com/office/drawing/2014/main" xmlns:p14="http://schemas.microsoft.com/office/powerpoint/2010/main" xmlns:a14="http://schemas.microsoft.com/office/drawing/2010/main" w="9525">
                   <a:solidFill>
                     <a:srgbClr val="000000"/>
                   </a:solidFill>
@@ -23395,7 +23395,7 @@
             </a:ln>
             <a:extLst>
               <a:ext uri="{91240B29-F687-4f45-9708-019B960494DF}">
-                <a14:hiddenLine xmlns:a14="http://schemas.microsoft.com/office/drawing/2010/main" xmlns:p14="http://schemas.microsoft.com/office/powerpoint/2010/main" xmlns:a16="http://schemas.microsoft.com/office/drawing/2014/main" xmlns="" w="9525">
+                <a14:hiddenLine xmlns="" xmlns:a16="http://schemas.microsoft.com/office/drawing/2014/main" xmlns:p14="http://schemas.microsoft.com/office/powerpoint/2010/main" xmlns:a14="http://schemas.microsoft.com/office/drawing/2010/main" w="9525">
                   <a:solidFill>
                     <a:srgbClr val="000000"/>
                   </a:solidFill>
@@ -23479,7 +23479,7 @@
             </a:ln>
             <a:extLst>
               <a:ext uri="{91240B29-F687-4f45-9708-019B960494DF}">
-                <a14:hiddenLine xmlns:a14="http://schemas.microsoft.com/office/drawing/2010/main" xmlns:p14="http://schemas.microsoft.com/office/powerpoint/2010/main" xmlns:a16="http://schemas.microsoft.com/office/drawing/2014/main" xmlns="" w="9525">
+                <a14:hiddenLine xmlns="" xmlns:a16="http://schemas.microsoft.com/office/drawing/2014/main" xmlns:p14="http://schemas.microsoft.com/office/powerpoint/2010/main" xmlns:a14="http://schemas.microsoft.com/office/drawing/2010/main" w="9525">
                   <a:solidFill>
                     <a:srgbClr val="000000"/>
                   </a:solidFill>
@@ -23591,7 +23591,7 @@
             </a:ln>
             <a:extLst>
               <a:ext uri="{91240B29-F687-4f45-9708-019B960494DF}">
-                <a14:hiddenLine xmlns:a14="http://schemas.microsoft.com/office/drawing/2010/main" xmlns:p14="http://schemas.microsoft.com/office/powerpoint/2010/main" xmlns:a16="http://schemas.microsoft.com/office/drawing/2014/main" xmlns="" w="9525">
+                <a14:hiddenLine xmlns="" xmlns:a16="http://schemas.microsoft.com/office/drawing/2014/main" xmlns:p14="http://schemas.microsoft.com/office/powerpoint/2010/main" xmlns:a14="http://schemas.microsoft.com/office/drawing/2010/main" w="9525">
                   <a:solidFill>
                     <a:srgbClr val="000000"/>
                   </a:solidFill>
@@ -23675,7 +23675,7 @@
             </a:ln>
             <a:extLst>
               <a:ext uri="{91240B29-F687-4f45-9708-019B960494DF}">
-                <a14:hiddenLine xmlns:a14="http://schemas.microsoft.com/office/drawing/2010/main" xmlns:p14="http://schemas.microsoft.com/office/powerpoint/2010/main" xmlns:a16="http://schemas.microsoft.com/office/drawing/2014/main" xmlns="" w="9525">
+                <a14:hiddenLine xmlns="" xmlns:a16="http://schemas.microsoft.com/office/drawing/2014/main" xmlns:p14="http://schemas.microsoft.com/office/powerpoint/2010/main" xmlns:a14="http://schemas.microsoft.com/office/drawing/2010/main" w="9525">
                   <a:solidFill>
                     <a:srgbClr val="000000"/>
                   </a:solidFill>
@@ -23759,7 +23759,7 @@
             </a:ln>
             <a:extLst>
               <a:ext uri="{91240B29-F687-4f45-9708-019B960494DF}">
-                <a14:hiddenLine xmlns:a14="http://schemas.microsoft.com/office/drawing/2010/main" xmlns:p14="http://schemas.microsoft.com/office/powerpoint/2010/main" xmlns:a16="http://schemas.microsoft.com/office/drawing/2014/main" xmlns="" w="9525">
+                <a14:hiddenLine xmlns="" xmlns:a16="http://schemas.microsoft.com/office/drawing/2014/main" xmlns:p14="http://schemas.microsoft.com/office/powerpoint/2010/main" xmlns:a14="http://schemas.microsoft.com/office/drawing/2010/main" w="9525">
                   <a:solidFill>
                     <a:srgbClr val="000000"/>
                   </a:solidFill>
@@ -23871,7 +23871,7 @@
             </a:ln>
             <a:extLst>
               <a:ext uri="{91240B29-F687-4f45-9708-019B960494DF}">
-                <a14:hiddenLine xmlns:a14="http://schemas.microsoft.com/office/drawing/2010/main" xmlns:p14="http://schemas.microsoft.com/office/powerpoint/2010/main" xmlns:a16="http://schemas.microsoft.com/office/drawing/2014/main" xmlns="" w="9525">
+                <a14:hiddenLine xmlns="" xmlns:a16="http://schemas.microsoft.com/office/drawing/2014/main" xmlns:p14="http://schemas.microsoft.com/office/powerpoint/2010/main" xmlns:a14="http://schemas.microsoft.com/office/drawing/2010/main" w="9525">
                   <a:solidFill>
                     <a:srgbClr val="000000"/>
                   </a:solidFill>
@@ -23983,7 +23983,7 @@
             </a:ln>
             <a:extLst>
               <a:ext uri="{91240B29-F687-4f45-9708-019B960494DF}">
-                <a14:hiddenLine xmlns:a14="http://schemas.microsoft.com/office/drawing/2010/main" xmlns:p14="http://schemas.microsoft.com/office/powerpoint/2010/main" xmlns:a16="http://schemas.microsoft.com/office/drawing/2014/main" xmlns="" w="9525">
+                <a14:hiddenLine xmlns="" xmlns:a16="http://schemas.microsoft.com/office/drawing/2014/main" xmlns:p14="http://schemas.microsoft.com/office/powerpoint/2010/main" xmlns:a14="http://schemas.microsoft.com/office/drawing/2010/main" w="9525">
                   <a:solidFill>
                     <a:srgbClr val="000000"/>
                   </a:solidFill>
@@ -24067,7 +24067,7 @@
             </a:ln>
             <a:extLst>
               <a:ext uri="{91240B29-F687-4f45-9708-019B960494DF}">
-                <a14:hiddenLine xmlns:a14="http://schemas.microsoft.com/office/drawing/2010/main" xmlns:p14="http://schemas.microsoft.com/office/powerpoint/2010/main" xmlns:a16="http://schemas.microsoft.com/office/drawing/2014/main" xmlns="" w="9525">
+                <a14:hiddenLine xmlns="" xmlns:a16="http://schemas.microsoft.com/office/drawing/2014/main" xmlns:p14="http://schemas.microsoft.com/office/powerpoint/2010/main" xmlns:a14="http://schemas.microsoft.com/office/drawing/2010/main" w="9525">
                   <a:solidFill>
                     <a:srgbClr val="000000"/>
                   </a:solidFill>
@@ -24199,7 +24199,7 @@
             </a:ln>
             <a:extLst>
               <a:ext uri="{91240B29-F687-4f45-9708-019B960494DF}">
-                <a14:hiddenLine xmlns:a14="http://schemas.microsoft.com/office/drawing/2010/main" xmlns:p14="http://schemas.microsoft.com/office/powerpoint/2010/main" xmlns:a16="http://schemas.microsoft.com/office/drawing/2014/main" xmlns="" w="9525">
+                <a14:hiddenLine xmlns="" xmlns:a16="http://schemas.microsoft.com/office/drawing/2014/main" xmlns:p14="http://schemas.microsoft.com/office/powerpoint/2010/main" xmlns:a14="http://schemas.microsoft.com/office/drawing/2010/main" w="9525">
                   <a:solidFill>
                     <a:srgbClr val="000000"/>
                   </a:solidFill>
@@ -24283,7 +24283,7 @@
             </a:ln>
             <a:extLst>
               <a:ext uri="{91240B29-F687-4f45-9708-019B960494DF}">
-                <a14:hiddenLine xmlns:a14="http://schemas.microsoft.com/office/drawing/2010/main" xmlns:p14="http://schemas.microsoft.com/office/powerpoint/2010/main" xmlns:a16="http://schemas.microsoft.com/office/drawing/2014/main" xmlns="" w="9525">
+                <a14:hiddenLine xmlns="" xmlns:a16="http://schemas.microsoft.com/office/drawing/2014/main" xmlns:p14="http://schemas.microsoft.com/office/powerpoint/2010/main" xmlns:a14="http://schemas.microsoft.com/office/drawing/2010/main" w="9525">
                   <a:solidFill>
                     <a:srgbClr val="000000"/>
                   </a:solidFill>
@@ -24395,7 +24395,7 @@
             </a:ln>
             <a:extLst>
               <a:ext uri="{91240B29-F687-4f45-9708-019B960494DF}">
-                <a14:hiddenLine xmlns:a14="http://schemas.microsoft.com/office/drawing/2010/main" xmlns:p14="http://schemas.microsoft.com/office/powerpoint/2010/main" xmlns:a16="http://schemas.microsoft.com/office/drawing/2014/main" xmlns="" w="9525">
+                <a14:hiddenLine xmlns="" xmlns:a16="http://schemas.microsoft.com/office/drawing/2014/main" xmlns:p14="http://schemas.microsoft.com/office/powerpoint/2010/main" xmlns:a14="http://schemas.microsoft.com/office/drawing/2010/main" w="9525">
                   <a:solidFill>
                     <a:srgbClr val="000000"/>
                   </a:solidFill>
@@ -24507,7 +24507,7 @@
             </a:ln>
             <a:extLst>
               <a:ext uri="{91240B29-F687-4f45-9708-019B960494DF}">
-                <a14:hiddenLine xmlns:a14="http://schemas.microsoft.com/office/drawing/2010/main" xmlns:p14="http://schemas.microsoft.com/office/powerpoint/2010/main" xmlns:a16="http://schemas.microsoft.com/office/drawing/2014/main" xmlns="" w="9525">
+                <a14:hiddenLine xmlns="" xmlns:a16="http://schemas.microsoft.com/office/drawing/2014/main" xmlns:p14="http://schemas.microsoft.com/office/powerpoint/2010/main" xmlns:a14="http://schemas.microsoft.com/office/drawing/2010/main" w="9525">
                   <a:solidFill>
                     <a:srgbClr val="000000"/>
                   </a:solidFill>
@@ -24591,7 +24591,7 @@
             </a:ln>
             <a:extLst>
               <a:ext uri="{91240B29-F687-4f45-9708-019B960494DF}">
-                <a14:hiddenLine xmlns:a14="http://schemas.microsoft.com/office/drawing/2010/main" xmlns:p14="http://schemas.microsoft.com/office/powerpoint/2010/main" xmlns:a16="http://schemas.microsoft.com/office/drawing/2014/main" xmlns="" w="9525">
+                <a14:hiddenLine xmlns="" xmlns:a16="http://schemas.microsoft.com/office/drawing/2014/main" xmlns:p14="http://schemas.microsoft.com/office/powerpoint/2010/main" xmlns:a14="http://schemas.microsoft.com/office/drawing/2010/main" w="9525">
                   <a:solidFill>
                     <a:srgbClr val="000000"/>
                   </a:solidFill>
@@ -24703,7 +24703,7 @@
             </a:ln>
             <a:extLst>
               <a:ext uri="{91240B29-F687-4f45-9708-019B960494DF}">
-                <a14:hiddenLine xmlns:a14="http://schemas.microsoft.com/office/drawing/2010/main" xmlns:p14="http://schemas.microsoft.com/office/powerpoint/2010/main" xmlns:a16="http://schemas.microsoft.com/office/drawing/2014/main" xmlns="" w="9525">
+                <a14:hiddenLine xmlns="" xmlns:a16="http://schemas.microsoft.com/office/drawing/2014/main" xmlns:p14="http://schemas.microsoft.com/office/powerpoint/2010/main" xmlns:a14="http://schemas.microsoft.com/office/drawing/2010/main" w="9525">
                   <a:solidFill>
                     <a:srgbClr val="000000"/>
                   </a:solidFill>
@@ -24815,7 +24815,7 @@
             </a:ln>
             <a:extLst>
               <a:ext uri="{91240B29-F687-4f45-9708-019B960494DF}">
-                <a14:hiddenLine xmlns:a14="http://schemas.microsoft.com/office/drawing/2010/main" xmlns:p14="http://schemas.microsoft.com/office/powerpoint/2010/main" xmlns:a16="http://schemas.microsoft.com/office/drawing/2014/main" xmlns="" w="9525">
+                <a14:hiddenLine xmlns="" xmlns:a16="http://schemas.microsoft.com/office/drawing/2014/main" xmlns:p14="http://schemas.microsoft.com/office/powerpoint/2010/main" xmlns:a14="http://schemas.microsoft.com/office/drawing/2010/main" w="9525">
                   <a:solidFill>
                     <a:srgbClr val="000000"/>
                   </a:solidFill>
@@ -24893,7 +24893,7 @@
             </a:ln>
             <a:extLst>
               <a:ext uri="{91240B29-F687-4f45-9708-019B960494DF}">
-                <a14:hiddenLine xmlns:a14="http://schemas.microsoft.com/office/drawing/2010/main" xmlns:p14="http://schemas.microsoft.com/office/powerpoint/2010/main" xmlns:a16="http://schemas.microsoft.com/office/drawing/2014/main" xmlns="" w="9525">
+                <a14:hiddenLine xmlns="" xmlns:a16="http://schemas.microsoft.com/office/drawing/2014/main" xmlns:p14="http://schemas.microsoft.com/office/powerpoint/2010/main" xmlns:a14="http://schemas.microsoft.com/office/drawing/2010/main" w="9525">
                   <a:solidFill>
                     <a:srgbClr val="000000"/>
                   </a:solidFill>
@@ -25005,7 +25005,7 @@
             </a:ln>
             <a:extLst>
               <a:ext uri="{91240B29-F687-4f45-9708-019B960494DF}">
-                <a14:hiddenLine xmlns:a14="http://schemas.microsoft.com/office/drawing/2010/main" xmlns:p14="http://schemas.microsoft.com/office/powerpoint/2010/main" xmlns:a16="http://schemas.microsoft.com/office/drawing/2014/main" xmlns="" w="9525">
+                <a14:hiddenLine xmlns="" xmlns:a16="http://schemas.microsoft.com/office/drawing/2014/main" xmlns:p14="http://schemas.microsoft.com/office/powerpoint/2010/main" xmlns:a14="http://schemas.microsoft.com/office/drawing/2010/main" w="9525">
                   <a:solidFill>
                     <a:srgbClr val="000000"/>
                   </a:solidFill>
@@ -25083,7 +25083,7 @@
             </a:ln>
             <a:extLst>
               <a:ext uri="{91240B29-F687-4f45-9708-019B960494DF}">
-                <a14:hiddenLine xmlns:a14="http://schemas.microsoft.com/office/drawing/2010/main" xmlns:p14="http://schemas.microsoft.com/office/powerpoint/2010/main" xmlns:a16="http://schemas.microsoft.com/office/drawing/2014/main" xmlns="" w="9525">
+                <a14:hiddenLine xmlns="" xmlns:a16="http://schemas.microsoft.com/office/drawing/2014/main" xmlns:p14="http://schemas.microsoft.com/office/powerpoint/2010/main" xmlns:a14="http://schemas.microsoft.com/office/drawing/2010/main" w="9525">
                   <a:solidFill>
                     <a:srgbClr val="000000"/>
                   </a:solidFill>
@@ -25195,7 +25195,7 @@
             </a:ln>
             <a:extLst>
               <a:ext uri="{91240B29-F687-4f45-9708-019B960494DF}">
-                <a14:hiddenLine xmlns:a14="http://schemas.microsoft.com/office/drawing/2010/main" xmlns:p14="http://schemas.microsoft.com/office/powerpoint/2010/main" xmlns:a16="http://schemas.microsoft.com/office/drawing/2014/main" xmlns="" w="9525">
+                <a14:hiddenLine xmlns="" xmlns:a16="http://schemas.microsoft.com/office/drawing/2014/main" xmlns:p14="http://schemas.microsoft.com/office/powerpoint/2010/main" xmlns:a14="http://schemas.microsoft.com/office/drawing/2010/main" w="9525">
                   <a:solidFill>
                     <a:srgbClr val="000000"/>
                   </a:solidFill>
@@ -25285,7 +25285,7 @@
             </a:ln>
             <a:extLst>
               <a:ext uri="{91240B29-F687-4f45-9708-019B960494DF}">
-                <a14:hiddenLine xmlns:a14="http://schemas.microsoft.com/office/drawing/2010/main" xmlns:p14="http://schemas.microsoft.com/office/powerpoint/2010/main" xmlns:a16="http://schemas.microsoft.com/office/drawing/2014/main" xmlns="" w="9525">
+                <a14:hiddenLine xmlns="" xmlns:a16="http://schemas.microsoft.com/office/drawing/2014/main" xmlns:p14="http://schemas.microsoft.com/office/powerpoint/2010/main" xmlns:a14="http://schemas.microsoft.com/office/drawing/2010/main" w="9525">
                   <a:solidFill>
                     <a:srgbClr val="000000"/>
                   </a:solidFill>
@@ -25397,7 +25397,7 @@
             </a:ln>
             <a:extLst>
               <a:ext uri="{91240B29-F687-4f45-9708-019B960494DF}">
-                <a14:hiddenLine xmlns:a14="http://schemas.microsoft.com/office/drawing/2010/main" xmlns:p14="http://schemas.microsoft.com/office/powerpoint/2010/main" xmlns:a16="http://schemas.microsoft.com/office/drawing/2014/main" xmlns="" w="9525">
+                <a14:hiddenLine xmlns="" xmlns:a16="http://schemas.microsoft.com/office/drawing/2014/main" xmlns:p14="http://schemas.microsoft.com/office/powerpoint/2010/main" xmlns:a14="http://schemas.microsoft.com/office/drawing/2010/main" w="9525">
                   <a:solidFill>
                     <a:srgbClr val="000000"/>
                   </a:solidFill>
@@ -25487,7 +25487,7 @@
             </a:ln>
             <a:extLst>
               <a:ext uri="{91240B29-F687-4f45-9708-019B960494DF}">
-                <a14:hiddenLine xmlns:a14="http://schemas.microsoft.com/office/drawing/2010/main" xmlns:p14="http://schemas.microsoft.com/office/powerpoint/2010/main" xmlns:a16="http://schemas.microsoft.com/office/drawing/2014/main" xmlns="" w="9525">
+                <a14:hiddenLine xmlns="" xmlns:a16="http://schemas.microsoft.com/office/drawing/2014/main" xmlns:p14="http://schemas.microsoft.com/office/powerpoint/2010/main" xmlns:a14="http://schemas.microsoft.com/office/drawing/2010/main" w="9525">
                   <a:solidFill>
                     <a:srgbClr val="000000"/>
                   </a:solidFill>
@@ -25599,7 +25599,7 @@
             </a:ln>
             <a:extLst>
               <a:ext uri="{91240B29-F687-4f45-9708-019B960494DF}">
-                <a14:hiddenLine xmlns:a14="http://schemas.microsoft.com/office/drawing/2010/main" xmlns:p14="http://schemas.microsoft.com/office/powerpoint/2010/main" xmlns:a16="http://schemas.microsoft.com/office/drawing/2014/main" xmlns="" w="9525">
+                <a14:hiddenLine xmlns="" xmlns:a16="http://schemas.microsoft.com/office/drawing/2014/main" xmlns:p14="http://schemas.microsoft.com/office/powerpoint/2010/main" xmlns:a14="http://schemas.microsoft.com/office/drawing/2010/main" w="9525">
                   <a:solidFill>
                     <a:srgbClr val="000000"/>
                   </a:solidFill>
@@ -25655,7 +25655,7 @@
             </a:ln>
             <a:extLst>
               <a:ext uri="{91240B29-F687-4f45-9708-019B960494DF}">
-                <a14:hiddenLine xmlns:a14="http://schemas.microsoft.com/office/drawing/2010/main" xmlns:p14="http://schemas.microsoft.com/office/powerpoint/2010/main" xmlns:a16="http://schemas.microsoft.com/office/drawing/2014/main" xmlns="" w="9525">
+                <a14:hiddenLine xmlns="" xmlns:a16="http://schemas.microsoft.com/office/drawing/2014/main" xmlns:p14="http://schemas.microsoft.com/office/powerpoint/2010/main" xmlns:a14="http://schemas.microsoft.com/office/drawing/2010/main" w="9525">
                   <a:solidFill>
                     <a:srgbClr val="000000"/>
                   </a:solidFill>
@@ -25767,7 +25767,7 @@
             </a:ln>
             <a:extLst>
               <a:ext uri="{91240B29-F687-4f45-9708-019B960494DF}">
-                <a14:hiddenLine xmlns:a14="http://schemas.microsoft.com/office/drawing/2010/main" xmlns:p14="http://schemas.microsoft.com/office/powerpoint/2010/main" xmlns:a16="http://schemas.microsoft.com/office/drawing/2014/main" xmlns="" w="9525">
+                <a14:hiddenLine xmlns="" xmlns:a16="http://schemas.microsoft.com/office/drawing/2014/main" xmlns:p14="http://schemas.microsoft.com/office/powerpoint/2010/main" xmlns:a14="http://schemas.microsoft.com/office/drawing/2010/main" w="9525">
                   <a:solidFill>
                     <a:srgbClr val="000000"/>
                   </a:solidFill>
@@ -25851,7 +25851,7 @@
             </a:ln>
             <a:extLst>
               <a:ext uri="{91240B29-F687-4f45-9708-019B960494DF}">
-                <a14:hiddenLine xmlns:a14="http://schemas.microsoft.com/office/drawing/2010/main" xmlns:p14="http://schemas.microsoft.com/office/powerpoint/2010/main" xmlns:a16="http://schemas.microsoft.com/office/drawing/2014/main" xmlns="" w="9525">
+                <a14:hiddenLine xmlns="" xmlns:a16="http://schemas.microsoft.com/office/drawing/2014/main" xmlns:p14="http://schemas.microsoft.com/office/powerpoint/2010/main" xmlns:a14="http://schemas.microsoft.com/office/drawing/2010/main" w="9525">
                   <a:solidFill>
                     <a:srgbClr val="000000"/>
                   </a:solidFill>
@@ -25935,7 +25935,7 @@
             </a:ln>
             <a:extLst>
               <a:ext uri="{91240B29-F687-4f45-9708-019B960494DF}">
-                <a14:hiddenLine xmlns:a14="http://schemas.microsoft.com/office/drawing/2010/main" xmlns:p14="http://schemas.microsoft.com/office/powerpoint/2010/main" xmlns:a16="http://schemas.microsoft.com/office/drawing/2014/main" xmlns="" w="9525">
+                <a14:hiddenLine xmlns="" xmlns:a16="http://schemas.microsoft.com/office/drawing/2014/main" xmlns:p14="http://schemas.microsoft.com/office/powerpoint/2010/main" xmlns:a14="http://schemas.microsoft.com/office/drawing/2010/main" w="9525">
                   <a:solidFill>
                     <a:srgbClr val="000000"/>
                   </a:solidFill>
@@ -26047,7 +26047,7 @@
             </a:ln>
             <a:extLst>
               <a:ext uri="{91240B29-F687-4f45-9708-019B960494DF}">
-                <a14:hiddenLine xmlns:a14="http://schemas.microsoft.com/office/drawing/2010/main" xmlns:p14="http://schemas.microsoft.com/office/powerpoint/2010/main" xmlns:a16="http://schemas.microsoft.com/office/drawing/2014/main" xmlns="" w="9525">
+                <a14:hiddenLine xmlns="" xmlns:a16="http://schemas.microsoft.com/office/drawing/2014/main" xmlns:p14="http://schemas.microsoft.com/office/powerpoint/2010/main" xmlns:a14="http://schemas.microsoft.com/office/drawing/2010/main" w="9525">
                   <a:solidFill>
                     <a:srgbClr val="000000"/>
                   </a:solidFill>
@@ -26137,7 +26137,7 @@
             </a:ln>
             <a:extLst>
               <a:ext uri="{91240B29-F687-4f45-9708-019B960494DF}">
-                <a14:hiddenLine xmlns:a14="http://schemas.microsoft.com/office/drawing/2010/main" xmlns:p14="http://schemas.microsoft.com/office/powerpoint/2010/main" xmlns:a16="http://schemas.microsoft.com/office/drawing/2014/main" xmlns="" w="9525">
+                <a14:hiddenLine xmlns="" xmlns:a16="http://schemas.microsoft.com/office/drawing/2014/main" xmlns:p14="http://schemas.microsoft.com/office/powerpoint/2010/main" xmlns:a14="http://schemas.microsoft.com/office/drawing/2010/main" w="9525">
                   <a:solidFill>
                     <a:srgbClr val="000000"/>
                   </a:solidFill>
@@ -26221,7 +26221,7 @@
             </a:ln>
             <a:extLst>
               <a:ext uri="{91240B29-F687-4f45-9708-019B960494DF}">
-                <a14:hiddenLine xmlns:a14="http://schemas.microsoft.com/office/drawing/2010/main" xmlns:p14="http://schemas.microsoft.com/office/powerpoint/2010/main" xmlns:a16="http://schemas.microsoft.com/office/drawing/2014/main" xmlns="" w="9525">
+                <a14:hiddenLine xmlns="" xmlns:a16="http://schemas.microsoft.com/office/drawing/2014/main" xmlns:p14="http://schemas.microsoft.com/office/powerpoint/2010/main" xmlns:a14="http://schemas.microsoft.com/office/drawing/2010/main" w="9525">
                   <a:solidFill>
                     <a:srgbClr val="000000"/>
                   </a:solidFill>
@@ -26333,7 +26333,7 @@
             </a:ln>
             <a:extLst>
               <a:ext uri="{91240B29-F687-4f45-9708-019B960494DF}">
-                <a14:hiddenLine xmlns:a14="http://schemas.microsoft.com/office/drawing/2010/main" xmlns:p14="http://schemas.microsoft.com/office/powerpoint/2010/main" xmlns:a16="http://schemas.microsoft.com/office/drawing/2014/main" xmlns="" w="9525">
+                <a14:hiddenLine xmlns="" xmlns:a16="http://schemas.microsoft.com/office/drawing/2014/main" xmlns:p14="http://schemas.microsoft.com/office/powerpoint/2010/main" xmlns:a14="http://schemas.microsoft.com/office/drawing/2010/main" w="9525">
                   <a:solidFill>
                     <a:srgbClr val="000000"/>
                   </a:solidFill>
@@ -26417,7 +26417,7 @@
             </a:ln>
             <a:extLst>
               <a:ext uri="{91240B29-F687-4f45-9708-019B960494DF}">
-                <a14:hiddenLine xmlns:a14="http://schemas.microsoft.com/office/drawing/2010/main" xmlns:p14="http://schemas.microsoft.com/office/powerpoint/2010/main" xmlns:a16="http://schemas.microsoft.com/office/drawing/2014/main" xmlns="" w="9525">
+                <a14:hiddenLine xmlns="" xmlns:a16="http://schemas.microsoft.com/office/drawing/2014/main" xmlns:p14="http://schemas.microsoft.com/office/powerpoint/2010/main" xmlns:a14="http://schemas.microsoft.com/office/drawing/2010/main" w="9525">
                   <a:solidFill>
                     <a:srgbClr val="000000"/>
                   </a:solidFill>
@@ -26529,7 +26529,7 @@
             </a:ln>
             <a:extLst>
               <a:ext uri="{91240B29-F687-4f45-9708-019B960494DF}">
-                <a14:hiddenLine xmlns:a14="http://schemas.microsoft.com/office/drawing/2010/main" xmlns:p14="http://schemas.microsoft.com/office/powerpoint/2010/main" xmlns:a16="http://schemas.microsoft.com/office/drawing/2014/main" xmlns="" w="9525">
+                <a14:hiddenLine xmlns="" xmlns:a16="http://schemas.microsoft.com/office/drawing/2014/main" xmlns:p14="http://schemas.microsoft.com/office/powerpoint/2010/main" xmlns:a14="http://schemas.microsoft.com/office/drawing/2010/main" w="9525">
                   <a:solidFill>
                     <a:srgbClr val="000000"/>
                   </a:solidFill>
@@ -26613,7 +26613,7 @@
             </a:ln>
             <a:extLst>
               <a:ext uri="{91240B29-F687-4f45-9708-019B960494DF}">
-                <a14:hiddenLine xmlns:a14="http://schemas.microsoft.com/office/drawing/2010/main" xmlns:p14="http://schemas.microsoft.com/office/powerpoint/2010/main" xmlns:a16="http://schemas.microsoft.com/office/drawing/2014/main" xmlns="" w="9525">
+                <a14:hiddenLine xmlns="" xmlns:a16="http://schemas.microsoft.com/office/drawing/2014/main" xmlns:p14="http://schemas.microsoft.com/office/powerpoint/2010/main" xmlns:a14="http://schemas.microsoft.com/office/drawing/2010/main" w="9525">
                   <a:solidFill>
                     <a:srgbClr val="000000"/>
                   </a:solidFill>
@@ -26725,7 +26725,7 @@
             </a:ln>
             <a:extLst>
               <a:ext uri="{91240B29-F687-4f45-9708-019B960494DF}">
-                <a14:hiddenLine xmlns:a14="http://schemas.microsoft.com/office/drawing/2010/main" xmlns:p14="http://schemas.microsoft.com/office/powerpoint/2010/main" xmlns:a16="http://schemas.microsoft.com/office/drawing/2014/main" xmlns="" w="9525">
+                <a14:hiddenLine xmlns="" xmlns:a16="http://schemas.microsoft.com/office/drawing/2014/main" xmlns:p14="http://schemas.microsoft.com/office/powerpoint/2010/main" xmlns:a14="http://schemas.microsoft.com/office/drawing/2010/main" w="9525">
                   <a:solidFill>
                     <a:srgbClr val="000000"/>
                   </a:solidFill>
@@ -26781,7 +26781,7 @@
             </a:ln>
             <a:extLst>
               <a:ext uri="{91240B29-F687-4f45-9708-019B960494DF}">
-                <a14:hiddenLine xmlns:a14="http://schemas.microsoft.com/office/drawing/2010/main" xmlns:p14="http://schemas.microsoft.com/office/powerpoint/2010/main" xmlns:a16="http://schemas.microsoft.com/office/drawing/2014/main" xmlns="" w="9525">
+                <a14:hiddenLine xmlns="" xmlns:a16="http://schemas.microsoft.com/office/drawing/2014/main" xmlns:p14="http://schemas.microsoft.com/office/powerpoint/2010/main" xmlns:a14="http://schemas.microsoft.com/office/drawing/2010/main" w="9525">
                   <a:solidFill>
                     <a:srgbClr val="000000"/>
                   </a:solidFill>
@@ -26868,7 +26868,7 @@
             </a:ln>
             <a:extLst>
               <a:ext uri="{91240B29-F687-4f45-9708-019B960494DF}">
-                <a14:hiddenLine xmlns:a14="http://schemas.microsoft.com/office/drawing/2010/main" xmlns:p14="http://schemas.microsoft.com/office/powerpoint/2010/main" xmlns:a16="http://schemas.microsoft.com/office/drawing/2014/main" xmlns="" w="9525">
+                <a14:hiddenLine xmlns="" xmlns:a16="http://schemas.microsoft.com/office/drawing/2014/main" xmlns:p14="http://schemas.microsoft.com/office/powerpoint/2010/main" xmlns:a14="http://schemas.microsoft.com/office/drawing/2010/main" w="9525">
                   <a:solidFill>
                     <a:srgbClr val="000000"/>
                   </a:solidFill>
@@ -26980,7 +26980,7 @@
             </a:ln>
             <a:extLst>
               <a:ext uri="{91240B29-F687-4f45-9708-019B960494DF}">
-                <a14:hiddenLine xmlns:a14="http://schemas.microsoft.com/office/drawing/2010/main" xmlns:p14="http://schemas.microsoft.com/office/powerpoint/2010/main" xmlns:a16="http://schemas.microsoft.com/office/drawing/2014/main" xmlns="" w="9525">
+                <a14:hiddenLine xmlns="" xmlns:a16="http://schemas.microsoft.com/office/drawing/2014/main" xmlns:p14="http://schemas.microsoft.com/office/powerpoint/2010/main" xmlns:a14="http://schemas.microsoft.com/office/drawing/2010/main" w="9525">
                   <a:solidFill>
                     <a:srgbClr val="000000"/>
                   </a:solidFill>
@@ -27064,7 +27064,7 @@
             </a:ln>
             <a:extLst>
               <a:ext uri="{91240B29-F687-4f45-9708-019B960494DF}">
-                <a14:hiddenLine xmlns:a14="http://schemas.microsoft.com/office/drawing/2010/main" xmlns:p14="http://schemas.microsoft.com/office/powerpoint/2010/main" xmlns:a16="http://schemas.microsoft.com/office/drawing/2014/main" xmlns="" w="9525">
+                <a14:hiddenLine xmlns="" xmlns:a16="http://schemas.microsoft.com/office/drawing/2014/main" xmlns:p14="http://schemas.microsoft.com/office/powerpoint/2010/main" xmlns:a14="http://schemas.microsoft.com/office/drawing/2010/main" w="9525">
                   <a:solidFill>
                     <a:srgbClr val="000000"/>
                   </a:solidFill>
@@ -27176,7 +27176,7 @@
             </a:ln>
             <a:extLst>
               <a:ext uri="{91240B29-F687-4f45-9708-019B960494DF}">
-                <a14:hiddenLine xmlns:a14="http://schemas.microsoft.com/office/drawing/2010/main" xmlns:p14="http://schemas.microsoft.com/office/powerpoint/2010/main" xmlns:a16="http://schemas.microsoft.com/office/drawing/2014/main" xmlns="" w="9525">
+                <a14:hiddenLine xmlns="" xmlns:a16="http://schemas.microsoft.com/office/drawing/2014/main" xmlns:p14="http://schemas.microsoft.com/office/powerpoint/2010/main" xmlns:a14="http://schemas.microsoft.com/office/drawing/2010/main" w="9525">
                   <a:solidFill>
                     <a:srgbClr val="000000"/>
                   </a:solidFill>
@@ -27288,7 +27288,7 @@
             </a:ln>
             <a:extLst>
               <a:ext uri="{91240B29-F687-4f45-9708-019B960494DF}">
-                <a14:hiddenLine xmlns:a14="http://schemas.microsoft.com/office/drawing/2010/main" xmlns:p14="http://schemas.microsoft.com/office/powerpoint/2010/main" xmlns:a16="http://schemas.microsoft.com/office/drawing/2014/main" xmlns="" w="9525">
+                <a14:hiddenLine xmlns="" xmlns:a16="http://schemas.microsoft.com/office/drawing/2014/main" xmlns:p14="http://schemas.microsoft.com/office/powerpoint/2010/main" xmlns:a14="http://schemas.microsoft.com/office/drawing/2010/main" w="9525">
                   <a:solidFill>
                     <a:srgbClr val="000000"/>
                   </a:solidFill>
@@ -27375,7 +27375,7 @@
             </a:ln>
             <a:extLst>
               <a:ext uri="{91240B29-F687-4f45-9708-019B960494DF}">
-                <a14:hiddenLine xmlns:a14="http://schemas.microsoft.com/office/drawing/2010/main" xmlns:p14="http://schemas.microsoft.com/office/powerpoint/2010/main" xmlns:a16="http://schemas.microsoft.com/office/drawing/2014/main" xmlns="" w="9525">
+                <a14:hiddenLine xmlns="" xmlns:a16="http://schemas.microsoft.com/office/drawing/2014/main" xmlns:p14="http://schemas.microsoft.com/office/powerpoint/2010/main" xmlns:a14="http://schemas.microsoft.com/office/drawing/2010/main" w="9525">
                   <a:solidFill>
                     <a:srgbClr val="000000"/>
                   </a:solidFill>
@@ -27459,7 +27459,7 @@
             </a:ln>
             <a:extLst>
               <a:ext uri="{91240B29-F687-4f45-9708-019B960494DF}">
-                <a14:hiddenLine xmlns:a14="http://schemas.microsoft.com/office/drawing/2010/main" xmlns:p14="http://schemas.microsoft.com/office/powerpoint/2010/main" xmlns:a16="http://schemas.microsoft.com/office/drawing/2014/main" xmlns="" w="9525">
+                <a14:hiddenLine xmlns="" xmlns:a16="http://schemas.microsoft.com/office/drawing/2014/main" xmlns:p14="http://schemas.microsoft.com/office/powerpoint/2010/main" xmlns:a14="http://schemas.microsoft.com/office/drawing/2010/main" w="9525">
                   <a:solidFill>
                     <a:srgbClr val="000000"/>
                   </a:solidFill>
@@ -27571,7 +27571,7 @@
             </a:ln>
             <a:extLst>
               <a:ext uri="{91240B29-F687-4f45-9708-019B960494DF}">
-                <a14:hiddenLine xmlns:a14="http://schemas.microsoft.com/office/drawing/2010/main" xmlns:p14="http://schemas.microsoft.com/office/powerpoint/2010/main" xmlns:a16="http://schemas.microsoft.com/office/drawing/2014/main" xmlns="" w="9525">
+                <a14:hiddenLine xmlns="" xmlns:a16="http://schemas.microsoft.com/office/drawing/2014/main" xmlns:p14="http://schemas.microsoft.com/office/powerpoint/2010/main" xmlns:a14="http://schemas.microsoft.com/office/drawing/2010/main" w="9525">
                   <a:solidFill>
                     <a:srgbClr val="000000"/>
                   </a:solidFill>
@@ -27683,7 +27683,7 @@
             </a:ln>
             <a:extLst>
               <a:ext uri="{91240B29-F687-4f45-9708-019B960494DF}">
-                <a14:hiddenLine xmlns:a14="http://schemas.microsoft.com/office/drawing/2010/main" xmlns:p14="http://schemas.microsoft.com/office/powerpoint/2010/main" xmlns:a16="http://schemas.microsoft.com/office/drawing/2014/main" xmlns="" w="9525">
+                <a14:hiddenLine xmlns="" xmlns:a16="http://schemas.microsoft.com/office/drawing/2014/main" xmlns:p14="http://schemas.microsoft.com/office/powerpoint/2010/main" xmlns:a14="http://schemas.microsoft.com/office/drawing/2010/main" w="9525">
                   <a:solidFill>
                     <a:srgbClr val="000000"/>
                   </a:solidFill>
@@ -27767,7 +27767,7 @@
             </a:ln>
             <a:extLst>
               <a:ext uri="{91240B29-F687-4f45-9708-019B960494DF}">
-                <a14:hiddenLine xmlns:a14="http://schemas.microsoft.com/office/drawing/2010/main" xmlns:p14="http://schemas.microsoft.com/office/powerpoint/2010/main" xmlns:a16="http://schemas.microsoft.com/office/drawing/2014/main" xmlns="" w="9525">
+                <a14:hiddenLine xmlns="" xmlns:a16="http://schemas.microsoft.com/office/drawing/2014/main" xmlns:p14="http://schemas.microsoft.com/office/powerpoint/2010/main" xmlns:a14="http://schemas.microsoft.com/office/drawing/2010/main" w="9525">
                   <a:solidFill>
                     <a:srgbClr val="000000"/>
                   </a:solidFill>
@@ -27909,7 +27909,7 @@
             </a:ln>
             <a:extLst>
               <a:ext uri="{91240B29-F687-4f45-9708-019B960494DF}">
-                <a14:hiddenLine xmlns:a14="http://schemas.microsoft.com/office/drawing/2010/main" xmlns:p14="http://schemas.microsoft.com/office/powerpoint/2010/main" xmlns:a16="http://schemas.microsoft.com/office/drawing/2014/main" xmlns="" w="9525">
+                <a14:hiddenLine xmlns="" xmlns:a16="http://schemas.microsoft.com/office/drawing/2014/main" xmlns:p14="http://schemas.microsoft.com/office/powerpoint/2010/main" xmlns:a14="http://schemas.microsoft.com/office/drawing/2010/main" w="9525">
                   <a:solidFill>
                     <a:srgbClr val="000000"/>
                   </a:solidFill>
@@ -27999,7 +27999,7 @@
             </a:ln>
             <a:extLst>
               <a:ext uri="{91240B29-F687-4f45-9708-019B960494DF}">
-                <a14:hiddenLine xmlns:a14="http://schemas.microsoft.com/office/drawing/2010/main" xmlns:p14="http://schemas.microsoft.com/office/powerpoint/2010/main" xmlns:a16="http://schemas.microsoft.com/office/drawing/2014/main" xmlns="" w="9525">
+                <a14:hiddenLine xmlns="" xmlns:a16="http://schemas.microsoft.com/office/drawing/2014/main" xmlns:p14="http://schemas.microsoft.com/office/powerpoint/2010/main" xmlns:a14="http://schemas.microsoft.com/office/drawing/2010/main" w="9525">
                   <a:solidFill>
                     <a:srgbClr val="000000"/>
                   </a:solidFill>
@@ -28111,7 +28111,7 @@
             </a:ln>
             <a:extLst>
               <a:ext uri="{91240B29-F687-4f45-9708-019B960494DF}">
-                <a14:hiddenLine xmlns:a14="http://schemas.microsoft.com/office/drawing/2010/main" xmlns:p14="http://schemas.microsoft.com/office/powerpoint/2010/main" xmlns:a16="http://schemas.microsoft.com/office/drawing/2014/main" xmlns="" w="9525">
+                <a14:hiddenLine xmlns="" xmlns:a16="http://schemas.microsoft.com/office/drawing/2014/main" xmlns:p14="http://schemas.microsoft.com/office/powerpoint/2010/main" xmlns:a14="http://schemas.microsoft.com/office/drawing/2010/main" w="9525">
                   <a:solidFill>
                     <a:srgbClr val="000000"/>
                   </a:solidFill>
@@ -28274,7 +28274,7 @@
             </a:ln>
             <a:extLst>
               <a:ext uri="{91240B29-F687-4f45-9708-019B960494DF}">
-                <a14:hiddenLine xmlns:a14="http://schemas.microsoft.com/office/drawing/2010/main" xmlns:p14="http://schemas.microsoft.com/office/powerpoint/2010/main" xmlns:a16="http://schemas.microsoft.com/office/drawing/2014/main" xmlns="" w="9525">
+                <a14:hiddenLine xmlns="" xmlns:a16="http://schemas.microsoft.com/office/drawing/2014/main" xmlns:p14="http://schemas.microsoft.com/office/powerpoint/2010/main" xmlns:a14="http://schemas.microsoft.com/office/drawing/2010/main" w="9525">
                   <a:solidFill>
                     <a:srgbClr val="000000"/>
                   </a:solidFill>
@@ -28386,7 +28386,7 @@
             </a:ln>
             <a:extLst>
               <a:ext uri="{91240B29-F687-4f45-9708-019B960494DF}">
-                <a14:hiddenLine xmlns:a14="http://schemas.microsoft.com/office/drawing/2010/main" xmlns:p14="http://schemas.microsoft.com/office/powerpoint/2010/main" xmlns:a16="http://schemas.microsoft.com/office/drawing/2014/main" xmlns="" w="9525">
+                <a14:hiddenLine xmlns="" xmlns:a16="http://schemas.microsoft.com/office/drawing/2014/main" xmlns:p14="http://schemas.microsoft.com/office/powerpoint/2010/main" xmlns:a14="http://schemas.microsoft.com/office/drawing/2010/main" w="9525">
                   <a:solidFill>
                     <a:srgbClr val="000000"/>
                   </a:solidFill>
@@ -28498,7 +28498,7 @@
             </a:ln>
             <a:extLst>
               <a:ext uri="{91240B29-F687-4f45-9708-019B960494DF}">
-                <a14:hiddenLine xmlns:a14="http://schemas.microsoft.com/office/drawing/2010/main" xmlns:p14="http://schemas.microsoft.com/office/powerpoint/2010/main" xmlns:a16="http://schemas.microsoft.com/office/drawing/2014/main" xmlns="" w="9525">
+                <a14:hiddenLine xmlns="" xmlns:a16="http://schemas.microsoft.com/office/drawing/2014/main" xmlns:p14="http://schemas.microsoft.com/office/powerpoint/2010/main" xmlns:a14="http://schemas.microsoft.com/office/drawing/2010/main" w="9525">
                   <a:solidFill>
                     <a:srgbClr val="000000"/>
                   </a:solidFill>
@@ -28554,7 +28554,7 @@
             </a:ln>
             <a:extLst>
               <a:ext uri="{91240B29-F687-4f45-9708-019B960494DF}">
-                <a14:hiddenLine xmlns:a14="http://schemas.microsoft.com/office/drawing/2010/main" xmlns:p14="http://schemas.microsoft.com/office/powerpoint/2010/main" xmlns:a16="http://schemas.microsoft.com/office/drawing/2014/main" xmlns="" w="9525">
+                <a14:hiddenLine xmlns="" xmlns:a16="http://schemas.microsoft.com/office/drawing/2014/main" xmlns:p14="http://schemas.microsoft.com/office/powerpoint/2010/main" xmlns:a14="http://schemas.microsoft.com/office/drawing/2010/main" w="9525">
                   <a:solidFill>
                     <a:srgbClr val="000000"/>
                   </a:solidFill>
@@ -28666,7 +28666,7 @@
             </a:ln>
             <a:extLst>
               <a:ext uri="{91240B29-F687-4f45-9708-019B960494DF}">
-                <a14:hiddenLine xmlns:a14="http://schemas.microsoft.com/office/drawing/2010/main" xmlns:p14="http://schemas.microsoft.com/office/powerpoint/2010/main" xmlns:a16="http://schemas.microsoft.com/office/drawing/2014/main" xmlns="" w="9525">
+                <a14:hiddenLine xmlns="" xmlns:a16="http://schemas.microsoft.com/office/drawing/2014/main" xmlns:p14="http://schemas.microsoft.com/office/powerpoint/2010/main" xmlns:a14="http://schemas.microsoft.com/office/drawing/2010/main" w="9525">
                   <a:solidFill>
                     <a:srgbClr val="000000"/>
                   </a:solidFill>
@@ -28750,7 +28750,7 @@
             </a:ln>
             <a:extLst>
               <a:ext uri="{91240B29-F687-4f45-9708-019B960494DF}">
-                <a14:hiddenLine xmlns:a14="http://schemas.microsoft.com/office/drawing/2010/main" xmlns:p14="http://schemas.microsoft.com/office/powerpoint/2010/main" xmlns:a16="http://schemas.microsoft.com/office/drawing/2014/main" xmlns="" w="9525">
+                <a14:hiddenLine xmlns="" xmlns:a16="http://schemas.microsoft.com/office/drawing/2014/main" xmlns:p14="http://schemas.microsoft.com/office/powerpoint/2010/main" xmlns:a14="http://schemas.microsoft.com/office/drawing/2010/main" w="9525">
                   <a:solidFill>
                     <a:srgbClr val="000000"/>
                   </a:solidFill>
@@ -28834,7 +28834,7 @@
             </a:ln>
             <a:extLst>
               <a:ext uri="{91240B29-F687-4f45-9708-019B960494DF}">
-                <a14:hiddenLine xmlns:a14="http://schemas.microsoft.com/office/drawing/2010/main" xmlns:p14="http://schemas.microsoft.com/office/powerpoint/2010/main" xmlns:a16="http://schemas.microsoft.com/office/drawing/2014/main" xmlns="" w="9525">
+                <a14:hiddenLine xmlns="" xmlns:a16="http://schemas.microsoft.com/office/drawing/2014/main" xmlns:p14="http://schemas.microsoft.com/office/powerpoint/2010/main" xmlns:a14="http://schemas.microsoft.com/office/drawing/2010/main" w="9525">
                   <a:solidFill>
                     <a:srgbClr val="000000"/>
                   </a:solidFill>
@@ -28946,7 +28946,7 @@
             </a:ln>
             <a:extLst>
               <a:ext uri="{91240B29-F687-4f45-9708-019B960494DF}">
-                <a14:hiddenLine xmlns:a14="http://schemas.microsoft.com/office/drawing/2010/main" xmlns:p14="http://schemas.microsoft.com/office/powerpoint/2010/main" xmlns:a16="http://schemas.microsoft.com/office/drawing/2014/main" xmlns="" w="9525">
+                <a14:hiddenLine xmlns="" xmlns:a16="http://schemas.microsoft.com/office/drawing/2014/main" xmlns:p14="http://schemas.microsoft.com/office/powerpoint/2010/main" xmlns:a14="http://schemas.microsoft.com/office/drawing/2010/main" w="9525">
                   <a:solidFill>
                     <a:srgbClr val="000000"/>
                   </a:solidFill>
@@ -29030,7 +29030,7 @@
             </a:ln>
             <a:extLst>
               <a:ext uri="{91240B29-F687-4f45-9708-019B960494DF}">
-                <a14:hiddenLine xmlns:a14="http://schemas.microsoft.com/office/drawing/2010/main" xmlns:p14="http://schemas.microsoft.com/office/powerpoint/2010/main" xmlns:a16="http://schemas.microsoft.com/office/drawing/2014/main" xmlns="" w="9525">
+                <a14:hiddenLine xmlns="" xmlns:a16="http://schemas.microsoft.com/office/drawing/2014/main" xmlns:p14="http://schemas.microsoft.com/office/powerpoint/2010/main" xmlns:a14="http://schemas.microsoft.com/office/drawing/2010/main" w="9525">
                   <a:solidFill>
                     <a:srgbClr val="000000"/>
                   </a:solidFill>
@@ -29114,7 +29114,7 @@
             </a:ln>
             <a:extLst>
               <a:ext uri="{91240B29-F687-4f45-9708-019B960494DF}">
-                <a14:hiddenLine xmlns:a14="http://schemas.microsoft.com/office/drawing/2010/main" xmlns:p14="http://schemas.microsoft.com/office/powerpoint/2010/main" xmlns:a16="http://schemas.microsoft.com/office/drawing/2014/main" xmlns="" w="9525">
+                <a14:hiddenLine xmlns="" xmlns:a16="http://schemas.microsoft.com/office/drawing/2014/main" xmlns:p14="http://schemas.microsoft.com/office/powerpoint/2010/main" xmlns:a14="http://schemas.microsoft.com/office/drawing/2010/main" w="9525">
                   <a:solidFill>
                     <a:srgbClr val="000000"/>
                   </a:solidFill>
@@ -29226,7 +29226,7 @@
             </a:ln>
             <a:extLst>
               <a:ext uri="{91240B29-F687-4f45-9708-019B960494DF}">
-                <a14:hiddenLine xmlns:a14="http://schemas.microsoft.com/office/drawing/2010/main" xmlns:p14="http://schemas.microsoft.com/office/powerpoint/2010/main" xmlns:a16="http://schemas.microsoft.com/office/drawing/2014/main" xmlns="" w="9525">
+                <a14:hiddenLine xmlns="" xmlns:a16="http://schemas.microsoft.com/office/drawing/2014/main" xmlns:p14="http://schemas.microsoft.com/office/powerpoint/2010/main" xmlns:a14="http://schemas.microsoft.com/office/drawing/2010/main" w="9525">
                   <a:solidFill>
                     <a:srgbClr val="000000"/>
                   </a:solidFill>
@@ -29338,7 +29338,7 @@
             </a:ln>
             <a:extLst>
               <a:ext uri="{91240B29-F687-4f45-9708-019B960494DF}">
-                <a14:hiddenLine xmlns:a14="http://schemas.microsoft.com/office/drawing/2010/main" xmlns:p14="http://schemas.microsoft.com/office/powerpoint/2010/main" xmlns:a16="http://schemas.microsoft.com/office/drawing/2014/main" xmlns="" w="9525">
+                <a14:hiddenLine xmlns="" xmlns:a16="http://schemas.microsoft.com/office/drawing/2014/main" xmlns:p14="http://schemas.microsoft.com/office/powerpoint/2010/main" xmlns:a14="http://schemas.microsoft.com/office/drawing/2010/main" w="9525">
                   <a:solidFill>
                     <a:srgbClr val="000000"/>
                   </a:solidFill>
@@ -29422,7 +29422,7 @@
             </a:ln>
             <a:extLst>
               <a:ext uri="{91240B29-F687-4f45-9708-019B960494DF}">
-                <a14:hiddenLine xmlns:a14="http://schemas.microsoft.com/office/drawing/2010/main" xmlns:p14="http://schemas.microsoft.com/office/powerpoint/2010/main" xmlns:a16="http://schemas.microsoft.com/office/drawing/2014/main" xmlns="" w="9525">
+                <a14:hiddenLine xmlns="" xmlns:a16="http://schemas.microsoft.com/office/drawing/2014/main" xmlns:p14="http://schemas.microsoft.com/office/powerpoint/2010/main" xmlns:a14="http://schemas.microsoft.com/office/drawing/2010/main" w="9525">
                   <a:solidFill>
                     <a:srgbClr val="000000"/>
                   </a:solidFill>
@@ -29554,7 +29554,7 @@
             </a:ln>
             <a:extLst>
               <a:ext uri="{91240B29-F687-4f45-9708-019B960494DF}">
-                <a14:hiddenLine xmlns:a14="http://schemas.microsoft.com/office/drawing/2010/main" xmlns:p14="http://schemas.microsoft.com/office/powerpoint/2010/main" xmlns:a16="http://schemas.microsoft.com/office/drawing/2014/main" xmlns="" w="9525">
+                <a14:hiddenLine xmlns="" xmlns:a16="http://schemas.microsoft.com/office/drawing/2014/main" xmlns:p14="http://schemas.microsoft.com/office/powerpoint/2010/main" xmlns:a14="http://schemas.microsoft.com/office/drawing/2010/main" w="9525">
                   <a:solidFill>
                     <a:srgbClr val="000000"/>
                   </a:solidFill>
@@ -29638,7 +29638,7 @@
             </a:ln>
             <a:extLst>
               <a:ext uri="{91240B29-F687-4f45-9708-019B960494DF}">
-                <a14:hiddenLine xmlns:a14="http://schemas.microsoft.com/office/drawing/2010/main" xmlns:p14="http://schemas.microsoft.com/office/powerpoint/2010/main" xmlns:a16="http://schemas.microsoft.com/office/drawing/2014/main" xmlns="" w="9525">
+                <a14:hiddenLine xmlns="" xmlns:a16="http://schemas.microsoft.com/office/drawing/2014/main" xmlns:p14="http://schemas.microsoft.com/office/powerpoint/2010/main" xmlns:a14="http://schemas.microsoft.com/office/drawing/2010/main" w="9525">
                   <a:solidFill>
                     <a:srgbClr val="000000"/>
                   </a:solidFill>
@@ -29750,7 +29750,7 @@
             </a:ln>
             <a:extLst>
               <a:ext uri="{91240B29-F687-4f45-9708-019B960494DF}">
-                <a14:hiddenLine xmlns:a14="http://schemas.microsoft.com/office/drawing/2010/main" xmlns:p14="http://schemas.microsoft.com/office/powerpoint/2010/main" xmlns:a16="http://schemas.microsoft.com/office/drawing/2014/main" xmlns="" w="9525">
+                <a14:hiddenLine xmlns="" xmlns:a16="http://schemas.microsoft.com/office/drawing/2014/main" xmlns:p14="http://schemas.microsoft.com/office/powerpoint/2010/main" xmlns:a14="http://schemas.microsoft.com/office/drawing/2010/main" w="9525">
                   <a:solidFill>
                     <a:srgbClr val="000000"/>
                   </a:solidFill>
@@ -29862,7 +29862,7 @@
             </a:ln>
             <a:extLst>
               <a:ext uri="{91240B29-F687-4f45-9708-019B960494DF}">
-                <a14:hiddenLine xmlns:a14="http://schemas.microsoft.com/office/drawing/2010/main" xmlns:p14="http://schemas.microsoft.com/office/powerpoint/2010/main" xmlns:a16="http://schemas.microsoft.com/office/drawing/2014/main" xmlns="" w="9525">
+                <a14:hiddenLine xmlns="" xmlns:a16="http://schemas.microsoft.com/office/drawing/2014/main" xmlns:p14="http://schemas.microsoft.com/office/powerpoint/2010/main" xmlns:a14="http://schemas.microsoft.com/office/drawing/2010/main" w="9525">
                   <a:solidFill>
                     <a:srgbClr val="000000"/>
                   </a:solidFill>
@@ -29946,7 +29946,7 @@
             </a:ln>
             <a:extLst>
               <a:ext uri="{91240B29-F687-4f45-9708-019B960494DF}">
-                <a14:hiddenLine xmlns:a14="http://schemas.microsoft.com/office/drawing/2010/main" xmlns:p14="http://schemas.microsoft.com/office/powerpoint/2010/main" xmlns:a16="http://schemas.microsoft.com/office/drawing/2014/main" xmlns="" w="9525">
+                <a14:hiddenLine xmlns="" xmlns:a16="http://schemas.microsoft.com/office/drawing/2014/main" xmlns:p14="http://schemas.microsoft.com/office/powerpoint/2010/main" xmlns:a14="http://schemas.microsoft.com/office/drawing/2010/main" w="9525">
                   <a:solidFill>
                     <a:srgbClr val="000000"/>
                   </a:solidFill>
@@ -30058,7 +30058,7 @@
             </a:ln>
             <a:extLst>
               <a:ext uri="{91240B29-F687-4f45-9708-019B960494DF}">
-                <a14:hiddenLine xmlns:a14="http://schemas.microsoft.com/office/drawing/2010/main" xmlns:p14="http://schemas.microsoft.com/office/powerpoint/2010/main" xmlns:a16="http://schemas.microsoft.com/office/drawing/2014/main" xmlns="" w="9525">
+                <a14:hiddenLine xmlns="" xmlns:a16="http://schemas.microsoft.com/office/drawing/2014/main" xmlns:p14="http://schemas.microsoft.com/office/powerpoint/2010/main" xmlns:a14="http://schemas.microsoft.com/office/drawing/2010/main" w="9525">
                   <a:solidFill>
                     <a:srgbClr val="000000"/>
                   </a:solidFill>
@@ -30170,7 +30170,7 @@
             </a:ln>
             <a:extLst>
               <a:ext uri="{91240B29-F687-4f45-9708-019B960494DF}">
-                <a14:hiddenLine xmlns:a14="http://schemas.microsoft.com/office/drawing/2010/main" xmlns:p14="http://schemas.microsoft.com/office/powerpoint/2010/main" xmlns:a16="http://schemas.microsoft.com/office/drawing/2014/main" xmlns="" w="9525">
+                <a14:hiddenLine xmlns="" xmlns:a16="http://schemas.microsoft.com/office/drawing/2014/main" xmlns:p14="http://schemas.microsoft.com/office/powerpoint/2010/main" xmlns:a14="http://schemas.microsoft.com/office/drawing/2010/main" w="9525">
                   <a:solidFill>
                     <a:srgbClr val="000000"/>
                   </a:solidFill>
@@ -30248,7 +30248,7 @@
             </a:ln>
             <a:extLst>
               <a:ext uri="{91240B29-F687-4f45-9708-019B960494DF}">
-                <a14:hiddenLine xmlns:a14="http://schemas.microsoft.com/office/drawing/2010/main" xmlns:p14="http://schemas.microsoft.com/office/powerpoint/2010/main" xmlns:a16="http://schemas.microsoft.com/office/drawing/2014/main" xmlns="" w="9525">
+                <a14:hiddenLine xmlns="" xmlns:a16="http://schemas.microsoft.com/office/drawing/2014/main" xmlns:p14="http://schemas.microsoft.com/office/powerpoint/2010/main" xmlns:a14="http://schemas.microsoft.com/office/drawing/2010/main" w="9525">
                   <a:solidFill>
                     <a:srgbClr val="000000"/>
                   </a:solidFill>
@@ -30360,7 +30360,7 @@
             </a:ln>
             <a:extLst>
               <a:ext uri="{91240B29-F687-4f45-9708-019B960494DF}">
-                <a14:hiddenLine xmlns:a14="http://schemas.microsoft.com/office/drawing/2010/main" xmlns:p14="http://schemas.microsoft.com/office/powerpoint/2010/main" xmlns:a16="http://schemas.microsoft.com/office/drawing/2014/main" xmlns="" w="9525">
+                <a14:hiddenLine xmlns="" xmlns:a16="http://schemas.microsoft.com/office/drawing/2014/main" xmlns:p14="http://schemas.microsoft.com/office/powerpoint/2010/main" xmlns:a14="http://schemas.microsoft.com/office/drawing/2010/main" w="9525">
                   <a:solidFill>
                     <a:srgbClr val="000000"/>
                   </a:solidFill>
@@ -30438,7 +30438,7 @@
             </a:ln>
             <a:extLst>
               <a:ext uri="{91240B29-F687-4f45-9708-019B960494DF}">
-                <a14:hiddenLine xmlns:a14="http://schemas.microsoft.com/office/drawing/2010/main" xmlns:p14="http://schemas.microsoft.com/office/powerpoint/2010/main" xmlns:a16="http://schemas.microsoft.com/office/drawing/2014/main" xmlns="" w="9525">
+                <a14:hiddenLine xmlns="" xmlns:a16="http://schemas.microsoft.com/office/drawing/2014/main" xmlns:p14="http://schemas.microsoft.com/office/powerpoint/2010/main" xmlns:a14="http://schemas.microsoft.com/office/drawing/2010/main" w="9525">
                   <a:solidFill>
                     <a:srgbClr val="000000"/>
                   </a:solidFill>
@@ -30550,7 +30550,7 @@
             </a:ln>
             <a:extLst>
               <a:ext uri="{91240B29-F687-4f45-9708-019B960494DF}">
-                <a14:hiddenLine xmlns:a14="http://schemas.microsoft.com/office/drawing/2010/main" xmlns:p14="http://schemas.microsoft.com/office/powerpoint/2010/main" xmlns:a16="http://schemas.microsoft.com/office/drawing/2014/main" xmlns="" w="9525">
+                <a14:hiddenLine xmlns="" xmlns:a16="http://schemas.microsoft.com/office/drawing/2014/main" xmlns:p14="http://schemas.microsoft.com/office/powerpoint/2010/main" xmlns:a14="http://schemas.microsoft.com/office/drawing/2010/main" w="9525">
                   <a:solidFill>
                     <a:srgbClr val="000000"/>
                   </a:solidFill>
@@ -30640,7 +30640,7 @@
             </a:ln>
             <a:extLst>
               <a:ext uri="{91240B29-F687-4f45-9708-019B960494DF}">
-                <a14:hiddenLine xmlns:a14="http://schemas.microsoft.com/office/drawing/2010/main" xmlns:p14="http://schemas.microsoft.com/office/powerpoint/2010/main" xmlns:a16="http://schemas.microsoft.com/office/drawing/2014/main" xmlns="" w="9525">
+                <a14:hiddenLine xmlns="" xmlns:a16="http://schemas.microsoft.com/office/drawing/2014/main" xmlns:p14="http://schemas.microsoft.com/office/powerpoint/2010/main" xmlns:a14="http://schemas.microsoft.com/office/drawing/2010/main" w="9525">
                   <a:solidFill>
                     <a:srgbClr val="000000"/>
                   </a:solidFill>
@@ -30752,7 +30752,7 @@
             </a:ln>
             <a:extLst>
               <a:ext uri="{91240B29-F687-4f45-9708-019B960494DF}">
-                <a14:hiddenLine xmlns:a14="http://schemas.microsoft.com/office/drawing/2010/main" xmlns:p14="http://schemas.microsoft.com/office/powerpoint/2010/main" xmlns:a16="http://schemas.microsoft.com/office/drawing/2014/main" xmlns="" w="9525">
+                <a14:hiddenLine xmlns="" xmlns:a16="http://schemas.microsoft.com/office/drawing/2014/main" xmlns:p14="http://schemas.microsoft.com/office/powerpoint/2010/main" xmlns:a14="http://schemas.microsoft.com/office/drawing/2010/main" w="9525">
                   <a:solidFill>
                     <a:srgbClr val="000000"/>
                   </a:solidFill>
@@ -30842,7 +30842,7 @@
             </a:ln>
             <a:extLst>
               <a:ext uri="{91240B29-F687-4f45-9708-019B960494DF}">
-                <a14:hiddenLine xmlns:a14="http://schemas.microsoft.com/office/drawing/2010/main" xmlns:p14="http://schemas.microsoft.com/office/powerpoint/2010/main" xmlns:a16="http://schemas.microsoft.com/office/drawing/2014/main" xmlns="" w="9525">
+                <a14:hiddenLine xmlns="" xmlns:a16="http://schemas.microsoft.com/office/drawing/2014/main" xmlns:p14="http://schemas.microsoft.com/office/powerpoint/2010/main" xmlns:a14="http://schemas.microsoft.com/office/drawing/2010/main" w="9525">
                   <a:solidFill>
                     <a:srgbClr val="000000"/>
                   </a:solidFill>
@@ -30954,7 +30954,7 @@
             </a:ln>
             <a:extLst>
               <a:ext uri="{91240B29-F687-4f45-9708-019B960494DF}">
-                <a14:hiddenLine xmlns:a14="http://schemas.microsoft.com/office/drawing/2010/main" xmlns:p14="http://schemas.microsoft.com/office/powerpoint/2010/main" xmlns:a16="http://schemas.microsoft.com/office/drawing/2014/main" xmlns="" w="9525">
+                <a14:hiddenLine xmlns="" xmlns:a16="http://schemas.microsoft.com/office/drawing/2014/main" xmlns:p14="http://schemas.microsoft.com/office/powerpoint/2010/main" xmlns:a14="http://schemas.microsoft.com/office/drawing/2010/main" w="9525">
                   <a:solidFill>
                     <a:srgbClr val="000000"/>
                   </a:solidFill>
@@ -31010,7 +31010,7 @@
             </a:ln>
             <a:extLst>
               <a:ext uri="{91240B29-F687-4f45-9708-019B960494DF}">
-                <a14:hiddenLine xmlns:a14="http://schemas.microsoft.com/office/drawing/2010/main" xmlns:p14="http://schemas.microsoft.com/office/powerpoint/2010/main" xmlns:a16="http://schemas.microsoft.com/office/drawing/2014/main" xmlns="" w="9525">
+                <a14:hiddenLine xmlns="" xmlns:a16="http://schemas.microsoft.com/office/drawing/2014/main" xmlns:p14="http://schemas.microsoft.com/office/powerpoint/2010/main" xmlns:a14="http://schemas.microsoft.com/office/drawing/2010/main" w="9525">
                   <a:solidFill>
                     <a:srgbClr val="000000"/>
                   </a:solidFill>
@@ -31122,7 +31122,7 @@
             </a:ln>
             <a:extLst>
               <a:ext uri="{91240B29-F687-4f45-9708-019B960494DF}">
-                <a14:hiddenLine xmlns:a14="http://schemas.microsoft.com/office/drawing/2010/main" xmlns:p14="http://schemas.microsoft.com/office/powerpoint/2010/main" xmlns:a16="http://schemas.microsoft.com/office/drawing/2014/main" xmlns="" w="9525">
+                <a14:hiddenLine xmlns="" xmlns:a16="http://schemas.microsoft.com/office/drawing/2014/main" xmlns:p14="http://schemas.microsoft.com/office/powerpoint/2010/main" xmlns:a14="http://schemas.microsoft.com/office/drawing/2010/main" w="9525">
                   <a:solidFill>
                     <a:srgbClr val="000000"/>
                   </a:solidFill>
@@ -31206,7 +31206,7 @@
             </a:ln>
             <a:extLst>
               <a:ext uri="{91240B29-F687-4f45-9708-019B960494DF}">
-                <a14:hiddenLine xmlns:a14="http://schemas.microsoft.com/office/drawing/2010/main" xmlns:p14="http://schemas.microsoft.com/office/powerpoint/2010/main" xmlns:a16="http://schemas.microsoft.com/office/drawing/2014/main" xmlns="" w="9525">
+                <a14:hiddenLine xmlns="" xmlns:a16="http://schemas.microsoft.com/office/drawing/2014/main" xmlns:p14="http://schemas.microsoft.com/office/powerpoint/2010/main" xmlns:a14="http://schemas.microsoft.com/office/drawing/2010/main" w="9525">
                   <a:solidFill>
                     <a:srgbClr val="000000"/>
                   </a:solidFill>
@@ -31290,7 +31290,7 @@
             </a:ln>
             <a:extLst>
               <a:ext uri="{91240B29-F687-4f45-9708-019B960494DF}">
-                <a14:hiddenLine xmlns:a14="http://schemas.microsoft.com/office/drawing/2010/main" xmlns:p14="http://schemas.microsoft.com/office/powerpoint/2010/main" xmlns:a16="http://schemas.microsoft.com/office/drawing/2014/main" xmlns="" w="9525">
+                <a14:hiddenLine xmlns="" xmlns:a16="http://schemas.microsoft.com/office/drawing/2014/main" xmlns:p14="http://schemas.microsoft.com/office/powerpoint/2010/main" xmlns:a14="http://schemas.microsoft.com/office/drawing/2010/main" w="9525">
                   <a:solidFill>
                     <a:srgbClr val="000000"/>
                   </a:solidFill>
@@ -31402,7 +31402,7 @@
             </a:ln>
             <a:extLst>
               <a:ext uri="{91240B29-F687-4f45-9708-019B960494DF}">
-                <a14:hiddenLine xmlns:a14="http://schemas.microsoft.com/office/drawing/2010/main" xmlns:p14="http://schemas.microsoft.com/office/powerpoint/2010/main" xmlns:a16="http://schemas.microsoft.com/office/drawing/2014/main" xmlns="" w="9525">
+                <a14:hiddenLine xmlns="" xmlns:a16="http://schemas.microsoft.com/office/drawing/2014/main" xmlns:p14="http://schemas.microsoft.com/office/powerpoint/2010/main" xmlns:a14="http://schemas.microsoft.com/office/drawing/2010/main" w="9525">
                   <a:solidFill>
                     <a:srgbClr val="000000"/>
                   </a:solidFill>
@@ -31492,7 +31492,7 @@
             </a:ln>
             <a:extLst>
               <a:ext uri="{91240B29-F687-4f45-9708-019B960494DF}">
-                <a14:hiddenLine xmlns:a14="http://schemas.microsoft.com/office/drawing/2010/main" xmlns:p14="http://schemas.microsoft.com/office/powerpoint/2010/main" xmlns:a16="http://schemas.microsoft.com/office/drawing/2014/main" xmlns="" w="9525">
+                <a14:hiddenLine xmlns="" xmlns:a16="http://schemas.microsoft.com/office/drawing/2014/main" xmlns:p14="http://schemas.microsoft.com/office/powerpoint/2010/main" xmlns:a14="http://schemas.microsoft.com/office/drawing/2010/main" w="9525">
                   <a:solidFill>
                     <a:srgbClr val="000000"/>
                   </a:solidFill>
@@ -31576,7 +31576,7 @@
             </a:ln>
             <a:extLst>
               <a:ext uri="{91240B29-F687-4f45-9708-019B960494DF}">
-                <a14:hiddenLine xmlns:a14="http://schemas.microsoft.com/office/drawing/2010/main" xmlns:p14="http://schemas.microsoft.com/office/powerpoint/2010/main" xmlns:a16="http://schemas.microsoft.com/office/drawing/2014/main" xmlns="" w="9525">
+                <a14:hiddenLine xmlns="" xmlns:a16="http://schemas.microsoft.com/office/drawing/2014/main" xmlns:p14="http://schemas.microsoft.com/office/powerpoint/2010/main" xmlns:a14="http://schemas.microsoft.com/office/drawing/2010/main" w="9525">
                   <a:solidFill>
                     <a:srgbClr val="000000"/>
                   </a:solidFill>
@@ -31688,7 +31688,7 @@
             </a:ln>
             <a:extLst>
               <a:ext uri="{91240B29-F687-4f45-9708-019B960494DF}">
-                <a14:hiddenLine xmlns:a14="http://schemas.microsoft.com/office/drawing/2010/main" xmlns:p14="http://schemas.microsoft.com/office/powerpoint/2010/main" xmlns:a16="http://schemas.microsoft.com/office/drawing/2014/main" xmlns="" w="9525">
+                <a14:hiddenLine xmlns="" xmlns:a16="http://schemas.microsoft.com/office/drawing/2014/main" xmlns:p14="http://schemas.microsoft.com/office/powerpoint/2010/main" xmlns:a14="http://schemas.microsoft.com/office/drawing/2010/main" w="9525">
                   <a:solidFill>
                     <a:srgbClr val="000000"/>
                   </a:solidFill>
@@ -31772,7 +31772,7 @@
             </a:ln>
             <a:extLst>
               <a:ext uri="{91240B29-F687-4f45-9708-019B960494DF}">
-                <a14:hiddenLine xmlns:a14="http://schemas.microsoft.com/office/drawing/2010/main" xmlns:p14="http://schemas.microsoft.com/office/powerpoint/2010/main" xmlns:a16="http://schemas.microsoft.com/office/drawing/2014/main" xmlns="" w="9525">
+                <a14:hiddenLine xmlns="" xmlns:a16="http://schemas.microsoft.com/office/drawing/2014/main" xmlns:p14="http://schemas.microsoft.com/office/powerpoint/2010/main" xmlns:a14="http://schemas.microsoft.com/office/drawing/2010/main" w="9525">
                   <a:solidFill>
                     <a:srgbClr val="000000"/>
                   </a:solidFill>
@@ -31884,7 +31884,7 @@
             </a:ln>
             <a:extLst>
               <a:ext uri="{91240B29-F687-4f45-9708-019B960494DF}">
-                <a14:hiddenLine xmlns:a14="http://schemas.microsoft.com/office/drawing/2010/main" xmlns:p14="http://schemas.microsoft.com/office/powerpoint/2010/main" xmlns:a16="http://schemas.microsoft.com/office/drawing/2014/main" xmlns="" w="9525">
+                <a14:hiddenLine xmlns="" xmlns:a16="http://schemas.microsoft.com/office/drawing/2014/main" xmlns:p14="http://schemas.microsoft.com/office/powerpoint/2010/main" xmlns:a14="http://schemas.microsoft.com/office/drawing/2010/main" w="9525">
                   <a:solidFill>
                     <a:srgbClr val="000000"/>
                   </a:solidFill>
@@ -31968,7 +31968,7 @@
             </a:ln>
             <a:extLst>
               <a:ext uri="{91240B29-F687-4f45-9708-019B960494DF}">
-                <a14:hiddenLine xmlns:a14="http://schemas.microsoft.com/office/drawing/2010/main" xmlns:p14="http://schemas.microsoft.com/office/powerpoint/2010/main" xmlns:a16="http://schemas.microsoft.com/office/drawing/2014/main" xmlns="" w="9525">
+                <a14:hiddenLine xmlns="" xmlns:a16="http://schemas.microsoft.com/office/drawing/2014/main" xmlns:p14="http://schemas.microsoft.com/office/powerpoint/2010/main" xmlns:a14="http://schemas.microsoft.com/office/drawing/2010/main" w="9525">
                   <a:solidFill>
                     <a:srgbClr val="000000"/>
                   </a:solidFill>
@@ -32080,7 +32080,7 @@
             </a:ln>
             <a:extLst>
               <a:ext uri="{91240B29-F687-4f45-9708-019B960494DF}">
-                <a14:hiddenLine xmlns:a14="http://schemas.microsoft.com/office/drawing/2010/main" xmlns:p14="http://schemas.microsoft.com/office/powerpoint/2010/main" xmlns:a16="http://schemas.microsoft.com/office/drawing/2014/main" xmlns="" w="9525">
+                <a14:hiddenLine xmlns="" xmlns:a16="http://schemas.microsoft.com/office/drawing/2014/main" xmlns:p14="http://schemas.microsoft.com/office/powerpoint/2010/main" xmlns:a14="http://schemas.microsoft.com/office/drawing/2010/main" w="9525">
                   <a:solidFill>
                     <a:srgbClr val="000000"/>
                   </a:solidFill>
@@ -32136,7 +32136,7 @@
             </a:ln>
             <a:extLst>
               <a:ext uri="{91240B29-F687-4f45-9708-019B960494DF}">
-                <a14:hiddenLine xmlns:a14="http://schemas.microsoft.com/office/drawing/2010/main" xmlns:p14="http://schemas.microsoft.com/office/powerpoint/2010/main" xmlns:a16="http://schemas.microsoft.com/office/drawing/2014/main" xmlns="" w="9525">
+                <a14:hiddenLine xmlns="" xmlns:a16="http://schemas.microsoft.com/office/drawing/2014/main" xmlns:p14="http://schemas.microsoft.com/office/powerpoint/2010/main" xmlns:a14="http://schemas.microsoft.com/office/drawing/2010/main" w="9525">
                   <a:solidFill>
                     <a:srgbClr val="000000"/>
                   </a:solidFill>
@@ -32223,7 +32223,7 @@
             </a:ln>
             <a:extLst>
               <a:ext uri="{91240B29-F687-4f45-9708-019B960494DF}">
-                <a14:hiddenLine xmlns:a14="http://schemas.microsoft.com/office/drawing/2010/main" xmlns:p14="http://schemas.microsoft.com/office/powerpoint/2010/main" xmlns:a16="http://schemas.microsoft.com/office/drawing/2014/main" xmlns="" w="9525">
+                <a14:hiddenLine xmlns="" xmlns:a16="http://schemas.microsoft.com/office/drawing/2014/main" xmlns:p14="http://schemas.microsoft.com/office/powerpoint/2010/main" xmlns:a14="http://schemas.microsoft.com/office/drawing/2010/main" w="9525">
                   <a:solidFill>
                     <a:srgbClr val="000000"/>
                   </a:solidFill>
@@ -32335,7 +32335,7 @@
             </a:ln>
             <a:extLst>
               <a:ext uri="{91240B29-F687-4f45-9708-019B960494DF}">
-                <a14:hiddenLine xmlns:a14="http://schemas.microsoft.com/office/drawing/2010/main" xmlns:p14="http://schemas.microsoft.com/office/powerpoint/2010/main" xmlns:a16="http://schemas.microsoft.com/office/drawing/2014/main" xmlns="" w="9525">
+                <a14:hiddenLine xmlns="" xmlns:a16="http://schemas.microsoft.com/office/drawing/2014/main" xmlns:p14="http://schemas.microsoft.com/office/powerpoint/2010/main" xmlns:a14="http://schemas.microsoft.com/office/drawing/2010/main" w="9525">
                   <a:solidFill>
                     <a:srgbClr val="000000"/>
                   </a:solidFill>
@@ -32419,7 +32419,7 @@
             </a:ln>
             <a:extLst>
               <a:ext uri="{91240B29-F687-4f45-9708-019B960494DF}">
-                <a14:hiddenLine xmlns:a14="http://schemas.microsoft.com/office/drawing/2010/main" xmlns:p14="http://schemas.microsoft.com/office/powerpoint/2010/main" xmlns:a16="http://schemas.microsoft.com/office/drawing/2014/main" xmlns="" w="9525">
+                <a14:hiddenLine xmlns="" xmlns:a16="http://schemas.microsoft.com/office/drawing/2014/main" xmlns:p14="http://schemas.microsoft.com/office/powerpoint/2010/main" xmlns:a14="http://schemas.microsoft.com/office/drawing/2010/main" w="9525">
                   <a:solidFill>
                     <a:srgbClr val="000000"/>
                   </a:solidFill>
@@ -32531,7 +32531,7 @@
             </a:ln>
             <a:extLst>
               <a:ext uri="{91240B29-F687-4f45-9708-019B960494DF}">
-                <a14:hiddenLine xmlns:a14="http://schemas.microsoft.com/office/drawing/2010/main" xmlns:p14="http://schemas.microsoft.com/office/powerpoint/2010/main" xmlns:a16="http://schemas.microsoft.com/office/drawing/2014/main" xmlns="" w="9525">
+                <a14:hiddenLine xmlns="" xmlns:a16="http://schemas.microsoft.com/office/drawing/2014/main" xmlns:p14="http://schemas.microsoft.com/office/powerpoint/2010/main" xmlns:a14="http://schemas.microsoft.com/office/drawing/2010/main" w="9525">
                   <a:solidFill>
                     <a:srgbClr val="000000"/>
                   </a:solidFill>
@@ -32643,7 +32643,7 @@
             </a:ln>
             <a:extLst>
               <a:ext uri="{91240B29-F687-4f45-9708-019B960494DF}">
-                <a14:hiddenLine xmlns:a14="http://schemas.microsoft.com/office/drawing/2010/main" xmlns:p14="http://schemas.microsoft.com/office/powerpoint/2010/main" xmlns:a16="http://schemas.microsoft.com/office/drawing/2014/main" xmlns="" w="9525">
+                <a14:hiddenLine xmlns="" xmlns:a16="http://schemas.microsoft.com/office/drawing/2014/main" xmlns:p14="http://schemas.microsoft.com/office/powerpoint/2010/main" xmlns:a14="http://schemas.microsoft.com/office/drawing/2010/main" w="9525">
                   <a:solidFill>
                     <a:srgbClr val="000000"/>
                   </a:solidFill>
@@ -32730,7 +32730,7 @@
             </a:ln>
             <a:extLst>
               <a:ext uri="{91240B29-F687-4f45-9708-019B960494DF}">
-                <a14:hiddenLine xmlns:a14="http://schemas.microsoft.com/office/drawing/2010/main" xmlns:p14="http://schemas.microsoft.com/office/powerpoint/2010/main" xmlns:a16="http://schemas.microsoft.com/office/drawing/2014/main" xmlns="" w="9525">
+                <a14:hiddenLine xmlns="" xmlns:a16="http://schemas.microsoft.com/office/drawing/2014/main" xmlns:p14="http://schemas.microsoft.com/office/powerpoint/2010/main" xmlns:a14="http://schemas.microsoft.com/office/drawing/2010/main" w="9525">
                   <a:solidFill>
                     <a:srgbClr val="000000"/>
                   </a:solidFill>
@@ -32814,7 +32814,7 @@
             </a:ln>
             <a:extLst>
               <a:ext uri="{91240B29-F687-4f45-9708-019B960494DF}">
-                <a14:hiddenLine xmlns:a14="http://schemas.microsoft.com/office/drawing/2010/main" xmlns:p14="http://schemas.microsoft.com/office/powerpoint/2010/main" xmlns:a16="http://schemas.microsoft.com/office/drawing/2014/main" xmlns="" w="9525">
+                <a14:hiddenLine xmlns="" xmlns:a16="http://schemas.microsoft.com/office/drawing/2014/main" xmlns:p14="http://schemas.microsoft.com/office/powerpoint/2010/main" xmlns:a14="http://schemas.microsoft.com/office/drawing/2010/main" w="9525">
                   <a:solidFill>
                     <a:srgbClr val="000000"/>
                   </a:solidFill>
@@ -32926,7 +32926,7 @@
             </a:ln>
             <a:extLst>
               <a:ext uri="{91240B29-F687-4f45-9708-019B960494DF}">
-                <a14:hiddenLine xmlns:a14="http://schemas.microsoft.com/office/drawing/2010/main" xmlns:p14="http://schemas.microsoft.com/office/powerpoint/2010/main" xmlns:a16="http://schemas.microsoft.com/office/drawing/2014/main" xmlns="" w="9525">
+                <a14:hiddenLine xmlns="" xmlns:a16="http://schemas.microsoft.com/office/drawing/2014/main" xmlns:p14="http://schemas.microsoft.com/office/powerpoint/2010/main" xmlns:a14="http://schemas.microsoft.com/office/drawing/2010/main" w="9525">
                   <a:solidFill>
                     <a:srgbClr val="000000"/>
                   </a:solidFill>
@@ -33038,7 +33038,7 @@
             </a:ln>
             <a:extLst>
               <a:ext uri="{91240B29-F687-4f45-9708-019B960494DF}">
-                <a14:hiddenLine xmlns:a14="http://schemas.microsoft.com/office/drawing/2010/main" xmlns:p14="http://schemas.microsoft.com/office/powerpoint/2010/main" xmlns:a16="http://schemas.microsoft.com/office/drawing/2014/main" xmlns="" w="9525">
+                <a14:hiddenLine xmlns="" xmlns:a16="http://schemas.microsoft.com/office/drawing/2014/main" xmlns:p14="http://schemas.microsoft.com/office/powerpoint/2010/main" xmlns:a14="http://schemas.microsoft.com/office/drawing/2010/main" w="9525">
                   <a:solidFill>
                     <a:srgbClr val="000000"/>
                   </a:solidFill>
@@ -33122,7 +33122,7 @@
             </a:ln>
             <a:extLst>
               <a:ext uri="{91240B29-F687-4f45-9708-019B960494DF}">
-                <a14:hiddenLine xmlns:a14="http://schemas.microsoft.com/office/drawing/2010/main" xmlns:p14="http://schemas.microsoft.com/office/powerpoint/2010/main" xmlns:a16="http://schemas.microsoft.com/office/drawing/2014/main" xmlns="" w="9525">
+                <a14:hiddenLine xmlns="" xmlns:a16="http://schemas.microsoft.com/office/drawing/2014/main" xmlns:p14="http://schemas.microsoft.com/office/powerpoint/2010/main" xmlns:a14="http://schemas.microsoft.com/office/drawing/2010/main" w="9525">
                   <a:solidFill>
                     <a:srgbClr val="000000"/>
                   </a:solidFill>
@@ -33264,7 +33264,7 @@
             </a:ln>
             <a:extLst>
               <a:ext uri="{91240B29-F687-4f45-9708-019B960494DF}">
-                <a14:hiddenLine xmlns:a14="http://schemas.microsoft.com/office/drawing/2010/main" xmlns:p14="http://schemas.microsoft.com/office/powerpoint/2010/main" xmlns:a16="http://schemas.microsoft.com/office/drawing/2014/main" xmlns="" w="9525">
+                <a14:hiddenLine xmlns="" xmlns:a16="http://schemas.microsoft.com/office/drawing/2014/main" xmlns:p14="http://schemas.microsoft.com/office/powerpoint/2010/main" xmlns:a14="http://schemas.microsoft.com/office/drawing/2010/main" w="9525">
                   <a:solidFill>
                     <a:srgbClr val="000000"/>
                   </a:solidFill>
@@ -33354,7 +33354,7 @@
             </a:ln>
             <a:extLst>
               <a:ext uri="{91240B29-F687-4f45-9708-019B960494DF}">
-                <a14:hiddenLine xmlns:a14="http://schemas.microsoft.com/office/drawing/2010/main" xmlns:p14="http://schemas.microsoft.com/office/powerpoint/2010/main" xmlns:a16="http://schemas.microsoft.com/office/drawing/2014/main" xmlns="" w="9525">
+                <a14:hiddenLine xmlns="" xmlns:a16="http://schemas.microsoft.com/office/drawing/2014/main" xmlns:p14="http://schemas.microsoft.com/office/powerpoint/2010/main" xmlns:a14="http://schemas.microsoft.com/office/drawing/2010/main" w="9525">
                   <a:solidFill>
                     <a:srgbClr val="000000"/>
                   </a:solidFill>
@@ -33466,7 +33466,7 @@
             </a:ln>
             <a:extLst>
               <a:ext uri="{91240B29-F687-4f45-9708-019B960494DF}">
-                <a14:hiddenLine xmlns:a14="http://schemas.microsoft.com/office/drawing/2010/main" xmlns:p14="http://schemas.microsoft.com/office/powerpoint/2010/main" xmlns:a16="http://schemas.microsoft.com/office/drawing/2014/main" xmlns="" w="9525">
+                <a14:hiddenLine xmlns="" xmlns:a16="http://schemas.microsoft.com/office/drawing/2014/main" xmlns:p14="http://schemas.microsoft.com/office/powerpoint/2010/main" xmlns:a14="http://schemas.microsoft.com/office/drawing/2010/main" w="9525">
                   <a:solidFill>
                     <a:srgbClr val="000000"/>
                   </a:solidFill>
@@ -33534,7 +33534,7 @@
           <a:noFill/>
           <a:extLst>
             <a:ext uri="{909E8E84-426E-40dd-AFC4-6F175D3DCCD1}">
-              <a14:hiddenFill xmlns:a14="http://schemas.microsoft.com/office/drawing/2010/main" xmlns:p14="http://schemas.microsoft.com/office/powerpoint/2010/main" xmlns:a16="http://schemas.microsoft.com/office/drawing/2014/main" xmlns="">
+              <a14:hiddenFill xmlns="" xmlns:a16="http://schemas.microsoft.com/office/drawing/2014/main" xmlns:p14="http://schemas.microsoft.com/office/powerpoint/2010/main" xmlns:a14="http://schemas.microsoft.com/office/drawing/2010/main">
                 <a:solidFill>
                   <a:srgbClr val="FFFFFF"/>
                 </a:solidFill>
@@ -33701,52 +33701,6 @@
           </a:p>
         </p:txBody>
       </p:sp>
-      <p:pic>
-        <p:nvPicPr>
-          <p:cNvPr id="1026" name="Picture 2" descr="Event QR code">
-            <a:extLst>
-              <a:ext uri="{FF2B5EF4-FFF2-40B4-BE49-F238E27FC236}">
-                <a16:creationId xmlns:a16="http://schemas.microsoft.com/office/drawing/2014/main" id="{A2666753-8954-E177-DE30-B2695F2C4331}"/>
-              </a:ext>
-            </a:extLst>
-          </p:cNvPr>
-          <p:cNvPicPr>
-            <a:picLocks noChangeAspect="1" noChangeArrowheads="1"/>
-          </p:cNvPicPr>
-          <p:nvPr/>
-        </p:nvPicPr>
-        <p:blipFill>
-          <a:blip r:embed="rId3">
-            <a:extLst>
-              <a:ext uri="{28A0092B-C50C-407E-A947-70E740481C1C}">
-                <a14:useLocalDpi xmlns:a14="http://schemas.microsoft.com/office/drawing/2010/main" val="0"/>
-              </a:ext>
-            </a:extLst>
-          </a:blip>
-          <a:stretch>
-            <a:fillRect/>
-          </a:stretch>
-        </p:blipFill>
-        <p:spPr bwMode="auto">
-          <a:xfrm>
-            <a:off x="1886530" y="1136606"/>
-            <a:ext cx="4577297" cy="4577297"/>
-          </a:xfrm>
-          <a:prstGeom prst="rect">
-            <a:avLst/>
-          </a:prstGeom>
-          <a:noFill/>
-          <a:extLst>
-            <a:ext uri="{909E8E84-426E-40DD-AFC4-6F175D3DCCD1}">
-              <a14:hiddenFill xmlns:a14="http://schemas.microsoft.com/office/drawing/2010/main">
-                <a:solidFill>
-                  <a:srgbClr val="FFFFFF"/>
-                </a:solidFill>
-              </a14:hiddenFill>
-            </a:ext>
-          </a:extLst>
-        </p:spPr>
-      </p:pic>
     </p:spTree>
     <p:extLst>
       <p:ext uri="{BB962C8B-B14F-4D97-AF65-F5344CB8AC3E}">
@@ -34147,111 +34101,111 @@
         <p:spPr/>
         <p:txBody>
           <a:bodyPr>
-            <a:normAutofit fontScale="55000" lnSpcReduction="20000"/>
+            <a:normAutofit fontScale="92500" lnSpcReduction="20000"/>
           </a:bodyPr>
           <a:lstStyle/>
           <a:p>
             <a:r>
-              <a:rPr lang="zh-TW" altLang="en-US" dirty="0"/>
+              <a:rPr lang="zh-TW" altLang="en-US" sz="1400" dirty="0"/>
               <a:t>順序結構</a:t>
             </a:r>
-            <a:endParaRPr lang="en-US" altLang="zh-TW" dirty="0"/>
+            <a:endParaRPr lang="en-US" altLang="zh-TW" sz="1400" dirty="0"/>
           </a:p>
           <a:p>
             <a:r>
-              <a:rPr lang="zh-TW" altLang="en-US" dirty="0"/>
+              <a:rPr lang="zh-TW" altLang="en-US" sz="1400" dirty="0"/>
               <a:t>分支結構</a:t>
             </a:r>
-            <a:endParaRPr lang="en-US" altLang="zh-TW" dirty="0"/>
+            <a:endParaRPr lang="en-US" altLang="zh-TW" sz="1400" dirty="0"/>
           </a:p>
           <a:p>
             <a:pPr lvl="1"/>
             <a:r>
-              <a:rPr lang="en-US" altLang="zh-TW" dirty="0"/>
+              <a:rPr lang="en-US" altLang="zh-TW" sz="1200" dirty="0"/>
               <a:t>If</a:t>
             </a:r>
             <a:r>
-              <a:rPr lang="zh-TW" altLang="en-US" dirty="0"/>
+              <a:rPr lang="zh-TW" altLang="en-US" sz="1200" dirty="0"/>
               <a:t>條件式</a:t>
             </a:r>
-            <a:endParaRPr lang="en-US" altLang="zh-TW" dirty="0"/>
+            <a:endParaRPr lang="en-US" altLang="zh-TW" sz="1200" dirty="0"/>
           </a:p>
           <a:p>
             <a:pPr lvl="1"/>
             <a:r>
-              <a:rPr lang="en-US" altLang="zh-TW" dirty="0"/>
+              <a:rPr lang="en-US" altLang="zh-TW" sz="1200" dirty="0"/>
               <a:t>switch</a:t>
             </a:r>
             <a:r>
-              <a:rPr lang="zh-TW" altLang="en-US" dirty="0"/>
+              <a:rPr lang="zh-TW" altLang="en-US" sz="1200" dirty="0"/>
               <a:t>式</a:t>
             </a:r>
-            <a:endParaRPr lang="en-US" altLang="zh-TW" dirty="0"/>
+            <a:endParaRPr lang="en-US" altLang="zh-TW" sz="1200" dirty="0"/>
           </a:p>
           <a:p>
             <a:r>
-              <a:rPr lang="zh-TW" altLang="en-US" dirty="0"/>
+              <a:rPr lang="zh-TW" altLang="en-US" sz="1400" dirty="0"/>
               <a:t>迴圈結構</a:t>
             </a:r>
-            <a:endParaRPr lang="en-US" altLang="zh-TW" dirty="0"/>
+            <a:endParaRPr lang="en-US" altLang="zh-TW" sz="1400" dirty="0"/>
           </a:p>
           <a:p>
             <a:pPr lvl="1"/>
             <a:r>
-              <a:rPr lang="en-US" altLang="zh-TW" dirty="0"/>
+              <a:rPr lang="en-US" altLang="zh-TW" sz="1200" dirty="0"/>
               <a:t>While</a:t>
             </a:r>
           </a:p>
           <a:p>
             <a:pPr lvl="1"/>
             <a:r>
-              <a:rPr lang="en-US" altLang="zh-TW" dirty="0"/>
+              <a:rPr lang="en-US" altLang="zh-TW" sz="1200" dirty="0"/>
               <a:t>Do while</a:t>
             </a:r>
           </a:p>
           <a:p>
             <a:pPr lvl="1"/>
             <a:r>
-              <a:rPr lang="en-US" altLang="zh-TW" dirty="0"/>
+              <a:rPr lang="en-US" altLang="zh-TW" sz="1200" dirty="0"/>
               <a:t>For</a:t>
             </a:r>
           </a:p>
           <a:p>
             <a:pPr lvl="1"/>
             <a:r>
-              <a:rPr lang="zh-TW" altLang="en-US" dirty="0"/>
+              <a:rPr lang="zh-TW" altLang="en-US" sz="1200" dirty="0"/>
               <a:t>巢狀迴圈 </a:t>
             </a:r>
             <a:r>
-              <a:rPr lang="en-US" altLang="zh-TW" dirty="0"/>
+              <a:rPr lang="en-US" altLang="zh-TW" sz="1200" dirty="0"/>
               <a:t>(Nested Loops)</a:t>
             </a:r>
           </a:p>
           <a:p>
             <a:r>
-              <a:rPr lang="zh-TW" altLang="en-US" dirty="0"/>
+              <a:rPr lang="zh-TW" altLang="en-US" sz="1400" dirty="0"/>
               <a:t>控制迴圈結構</a:t>
             </a:r>
-            <a:endParaRPr lang="en-US" altLang="zh-TW" dirty="0"/>
+            <a:endParaRPr lang="en-US" altLang="zh-TW" sz="1400" dirty="0"/>
           </a:p>
           <a:p>
             <a:pPr lvl="1"/>
             <a:r>
-              <a:rPr lang="en-US" altLang="zh-TW" dirty="0"/>
+              <a:rPr lang="en-US" altLang="zh-TW" sz="1200" dirty="0"/>
               <a:t>Break</a:t>
             </a:r>
           </a:p>
           <a:p>
             <a:pPr lvl="1"/>
             <a:r>
-              <a:rPr lang="en-US" altLang="zh-TW" dirty="0"/>
+              <a:rPr lang="en-US" altLang="zh-TW" sz="1200" dirty="0"/>
               <a:t>Continue</a:t>
             </a:r>
           </a:p>
           <a:p>
             <a:pPr lvl="1"/>
             <a:r>
-              <a:rPr lang="en-US" altLang="zh-TW" dirty="0"/>
+              <a:rPr lang="en-US" altLang="zh-TW" sz="1200" dirty="0"/>
               <a:t>return</a:t>
             </a:r>
           </a:p>
@@ -35059,7 +35013,7 @@
               </a:ln>
               <a:extLst>
                 <a:ext uri="{91240B29-F687-4f45-9708-019B960494DF}">
-                  <a14:hiddenLine xmlns:a14="http://schemas.microsoft.com/office/drawing/2010/main" xmlns:p14="http://schemas.microsoft.com/office/powerpoint/2010/main" xmlns:a16="http://schemas.microsoft.com/office/drawing/2014/main" xmlns="" w="9525">
+                  <a14:hiddenLine xmlns="" xmlns:a16="http://schemas.microsoft.com/office/drawing/2014/main" xmlns:p14="http://schemas.microsoft.com/office/powerpoint/2010/main" xmlns:a14="http://schemas.microsoft.com/office/drawing/2010/main" w="9525">
                     <a:solidFill>
                       <a:srgbClr val="000000"/>
                     </a:solidFill>
@@ -35171,7 +35125,7 @@
               </a:ln>
               <a:extLst>
                 <a:ext uri="{91240B29-F687-4f45-9708-019B960494DF}">
-                  <a14:hiddenLine xmlns:a14="http://schemas.microsoft.com/office/drawing/2010/main" xmlns:p14="http://schemas.microsoft.com/office/powerpoint/2010/main" xmlns:a16="http://schemas.microsoft.com/office/drawing/2014/main" xmlns="" w="9525">
+                  <a14:hiddenLine xmlns="" xmlns:a16="http://schemas.microsoft.com/office/drawing/2014/main" xmlns:p14="http://schemas.microsoft.com/office/powerpoint/2010/main" xmlns:a14="http://schemas.microsoft.com/office/drawing/2010/main" w="9525">
                     <a:solidFill>
                       <a:srgbClr val="000000"/>
                     </a:solidFill>
@@ -35283,7 +35237,7 @@
               </a:ln>
               <a:extLst>
                 <a:ext uri="{91240B29-F687-4f45-9708-019B960494DF}">
-                  <a14:hiddenLine xmlns:a14="http://schemas.microsoft.com/office/drawing/2010/main" xmlns:p14="http://schemas.microsoft.com/office/powerpoint/2010/main" xmlns:a16="http://schemas.microsoft.com/office/drawing/2014/main" xmlns="" w="9525">
+                  <a14:hiddenLine xmlns="" xmlns:a16="http://schemas.microsoft.com/office/drawing/2014/main" xmlns:p14="http://schemas.microsoft.com/office/powerpoint/2010/main" xmlns:a14="http://schemas.microsoft.com/office/drawing/2010/main" w="9525">
                     <a:solidFill>
                       <a:srgbClr val="000000"/>
                     </a:solidFill>
@@ -35367,7 +35321,7 @@
               </a:ln>
               <a:extLst>
                 <a:ext uri="{91240B29-F687-4f45-9708-019B960494DF}">
-                  <a14:hiddenLine xmlns:a14="http://schemas.microsoft.com/office/drawing/2010/main" xmlns:p14="http://schemas.microsoft.com/office/powerpoint/2010/main" xmlns:a16="http://schemas.microsoft.com/office/drawing/2014/main" xmlns="" w="9525">
+                  <a14:hiddenLine xmlns="" xmlns:a16="http://schemas.microsoft.com/office/drawing/2014/main" xmlns:p14="http://schemas.microsoft.com/office/powerpoint/2010/main" xmlns:a14="http://schemas.microsoft.com/office/drawing/2010/main" w="9525">
                     <a:solidFill>
                       <a:srgbClr val="000000"/>
                     </a:solidFill>
@@ -35479,7 +35433,7 @@
               </a:ln>
               <a:extLst>
                 <a:ext uri="{91240B29-F687-4f45-9708-019B960494DF}">
-                  <a14:hiddenLine xmlns:a14="http://schemas.microsoft.com/office/drawing/2010/main" xmlns:p14="http://schemas.microsoft.com/office/powerpoint/2010/main" xmlns:a16="http://schemas.microsoft.com/office/drawing/2014/main" xmlns="" w="9525">
+                  <a14:hiddenLine xmlns="" xmlns:a16="http://schemas.microsoft.com/office/drawing/2014/main" xmlns:p14="http://schemas.microsoft.com/office/powerpoint/2010/main" xmlns:a14="http://schemas.microsoft.com/office/drawing/2010/main" w="9525">
                     <a:solidFill>
                       <a:srgbClr val="000000"/>
                     </a:solidFill>
@@ -35563,7 +35517,7 @@
               </a:ln>
               <a:extLst>
                 <a:ext uri="{91240B29-F687-4f45-9708-019B960494DF}">
-                  <a14:hiddenLine xmlns:a14="http://schemas.microsoft.com/office/drawing/2010/main" xmlns:p14="http://schemas.microsoft.com/office/powerpoint/2010/main" xmlns:a16="http://schemas.microsoft.com/office/drawing/2014/main" xmlns="" w="9525">
+                  <a14:hiddenLine xmlns="" xmlns:a16="http://schemas.microsoft.com/office/drawing/2014/main" xmlns:p14="http://schemas.microsoft.com/office/powerpoint/2010/main" xmlns:a14="http://schemas.microsoft.com/office/drawing/2010/main" w="9525">
                     <a:solidFill>
                       <a:srgbClr val="000000"/>
                     </a:solidFill>
@@ -35647,7 +35601,7 @@
               </a:ln>
               <a:extLst>
                 <a:ext uri="{91240B29-F687-4f45-9708-019B960494DF}">
-                  <a14:hiddenLine xmlns:a14="http://schemas.microsoft.com/office/drawing/2010/main" xmlns:p14="http://schemas.microsoft.com/office/powerpoint/2010/main" xmlns:a16="http://schemas.microsoft.com/office/drawing/2014/main" xmlns="" w="9525">
+                  <a14:hiddenLine xmlns="" xmlns:a16="http://schemas.microsoft.com/office/drawing/2014/main" xmlns:p14="http://schemas.microsoft.com/office/powerpoint/2010/main" xmlns:a14="http://schemas.microsoft.com/office/drawing/2010/main" w="9525">
                     <a:solidFill>
                       <a:srgbClr val="000000"/>
                     </a:solidFill>
@@ -35759,7 +35713,7 @@
               </a:ln>
               <a:extLst>
                 <a:ext uri="{91240B29-F687-4f45-9708-019B960494DF}">
-                  <a14:hiddenLine xmlns:a14="http://schemas.microsoft.com/office/drawing/2010/main" xmlns:p14="http://schemas.microsoft.com/office/powerpoint/2010/main" xmlns:a16="http://schemas.microsoft.com/office/drawing/2014/main" xmlns="" w="9525">
+                  <a14:hiddenLine xmlns="" xmlns:a16="http://schemas.microsoft.com/office/drawing/2014/main" xmlns:p14="http://schemas.microsoft.com/office/powerpoint/2010/main" xmlns:a14="http://schemas.microsoft.com/office/drawing/2010/main" w="9525">
                     <a:solidFill>
                       <a:srgbClr val="000000"/>
                     </a:solidFill>
@@ -35871,7 +35825,7 @@
               </a:ln>
               <a:extLst>
                 <a:ext uri="{91240B29-F687-4f45-9708-019B960494DF}">
-                  <a14:hiddenLine xmlns:a14="http://schemas.microsoft.com/office/drawing/2010/main" xmlns:p14="http://schemas.microsoft.com/office/powerpoint/2010/main" xmlns:a16="http://schemas.microsoft.com/office/drawing/2014/main" xmlns="" w="9525">
+                  <a14:hiddenLine xmlns="" xmlns:a16="http://schemas.microsoft.com/office/drawing/2014/main" xmlns:p14="http://schemas.microsoft.com/office/powerpoint/2010/main" xmlns:a14="http://schemas.microsoft.com/office/drawing/2010/main" w="9525">
                     <a:solidFill>
                       <a:srgbClr val="000000"/>
                     </a:solidFill>
@@ -35955,7 +35909,7 @@
               </a:ln>
               <a:extLst>
                 <a:ext uri="{91240B29-F687-4f45-9708-019B960494DF}">
-                  <a14:hiddenLine xmlns:a14="http://schemas.microsoft.com/office/drawing/2010/main" xmlns:p14="http://schemas.microsoft.com/office/powerpoint/2010/main" xmlns:a16="http://schemas.microsoft.com/office/drawing/2014/main" xmlns="" w="9525">
+                  <a14:hiddenLine xmlns="" xmlns:a16="http://schemas.microsoft.com/office/drawing/2014/main" xmlns:p14="http://schemas.microsoft.com/office/powerpoint/2010/main" xmlns:a14="http://schemas.microsoft.com/office/drawing/2010/main" w="9525">
                     <a:solidFill>
                       <a:srgbClr val="000000"/>
                     </a:solidFill>
@@ -36087,7 +36041,7 @@
               </a:ln>
               <a:extLst>
                 <a:ext uri="{91240B29-F687-4f45-9708-019B960494DF}">
-                  <a14:hiddenLine xmlns:a14="http://schemas.microsoft.com/office/drawing/2010/main" xmlns:p14="http://schemas.microsoft.com/office/powerpoint/2010/main" xmlns:a16="http://schemas.microsoft.com/office/drawing/2014/main" xmlns="" w="9525">
+                  <a14:hiddenLine xmlns="" xmlns:a16="http://schemas.microsoft.com/office/drawing/2014/main" xmlns:p14="http://schemas.microsoft.com/office/powerpoint/2010/main" xmlns:a14="http://schemas.microsoft.com/office/drawing/2010/main" w="9525">
                     <a:solidFill>
                       <a:srgbClr val="000000"/>
                     </a:solidFill>
@@ -36215,7 +36169,7 @@
               </a:ln>
               <a:extLst>
                 <a:ext uri="{91240B29-F687-4f45-9708-019B960494DF}">
-                  <a14:hiddenLine xmlns:a14="http://schemas.microsoft.com/office/drawing/2010/main" xmlns:p14="http://schemas.microsoft.com/office/powerpoint/2010/main" xmlns:a16="http://schemas.microsoft.com/office/drawing/2014/main" xmlns="" w="9525">
+                  <a14:hiddenLine xmlns="" xmlns:a16="http://schemas.microsoft.com/office/drawing/2014/main" xmlns:p14="http://schemas.microsoft.com/office/powerpoint/2010/main" xmlns:a14="http://schemas.microsoft.com/office/drawing/2010/main" w="9525">
                     <a:solidFill>
                       <a:srgbClr val="000000"/>
                     </a:solidFill>
@@ -36299,7 +36253,7 @@
               </a:ln>
               <a:extLst>
                 <a:ext uri="{91240B29-F687-4f45-9708-019B960494DF}">
-                  <a14:hiddenLine xmlns:a14="http://schemas.microsoft.com/office/drawing/2010/main" xmlns:p14="http://schemas.microsoft.com/office/powerpoint/2010/main" xmlns:a16="http://schemas.microsoft.com/office/drawing/2014/main" xmlns="" w="9525">
+                  <a14:hiddenLine xmlns="" xmlns:a16="http://schemas.microsoft.com/office/drawing/2014/main" xmlns:p14="http://schemas.microsoft.com/office/powerpoint/2010/main" xmlns:a14="http://schemas.microsoft.com/office/drawing/2010/main" w="9525">
                     <a:solidFill>
                       <a:srgbClr val="000000"/>
                     </a:solidFill>
@@ -36383,7 +36337,7 @@
               </a:ln>
               <a:extLst>
                 <a:ext uri="{91240B29-F687-4f45-9708-019B960494DF}">
-                  <a14:hiddenLine xmlns:a14="http://schemas.microsoft.com/office/drawing/2010/main" xmlns:p14="http://schemas.microsoft.com/office/powerpoint/2010/main" xmlns:a16="http://schemas.microsoft.com/office/drawing/2014/main" xmlns="" w="9525">
+                  <a14:hiddenLine xmlns="" xmlns:a16="http://schemas.microsoft.com/office/drawing/2014/main" xmlns:p14="http://schemas.microsoft.com/office/powerpoint/2010/main" xmlns:a14="http://schemas.microsoft.com/office/drawing/2010/main" w="9525">
                     <a:solidFill>
                       <a:srgbClr val="000000"/>
                     </a:solidFill>
@@ -36495,7 +36449,7 @@
               </a:ln>
               <a:extLst>
                 <a:ext uri="{91240B29-F687-4f45-9708-019B960494DF}">
-                  <a14:hiddenLine xmlns:a14="http://schemas.microsoft.com/office/drawing/2010/main" xmlns:p14="http://schemas.microsoft.com/office/powerpoint/2010/main" xmlns:a16="http://schemas.microsoft.com/office/drawing/2014/main" xmlns="" w="9525">
+                  <a14:hiddenLine xmlns="" xmlns:a16="http://schemas.microsoft.com/office/drawing/2014/main" xmlns:p14="http://schemas.microsoft.com/office/powerpoint/2010/main" xmlns:a14="http://schemas.microsoft.com/office/drawing/2010/main" w="9525">
                     <a:solidFill>
                       <a:srgbClr val="000000"/>
                     </a:solidFill>
@@ -36551,7 +36505,7 @@
               </a:ln>
               <a:extLst>
                 <a:ext uri="{91240B29-F687-4f45-9708-019B960494DF}">
-                  <a14:hiddenLine xmlns:a14="http://schemas.microsoft.com/office/drawing/2010/main" xmlns:p14="http://schemas.microsoft.com/office/powerpoint/2010/main" xmlns:a16="http://schemas.microsoft.com/office/drawing/2014/main" xmlns="" w="9525">
+                  <a14:hiddenLine xmlns="" xmlns:a16="http://schemas.microsoft.com/office/drawing/2014/main" xmlns:p14="http://schemas.microsoft.com/office/powerpoint/2010/main" xmlns:a14="http://schemas.microsoft.com/office/drawing/2010/main" w="9525">
                     <a:solidFill>
                       <a:srgbClr val="000000"/>
                     </a:solidFill>
@@ -36638,7 +36592,7 @@
               </a:ln>
               <a:extLst>
                 <a:ext uri="{91240B29-F687-4f45-9708-019B960494DF}">
-                  <a14:hiddenLine xmlns:a14="http://schemas.microsoft.com/office/drawing/2010/main" xmlns:p14="http://schemas.microsoft.com/office/powerpoint/2010/main" xmlns:a16="http://schemas.microsoft.com/office/drawing/2014/main" xmlns="" w="9525">
+                  <a14:hiddenLine xmlns="" xmlns:a16="http://schemas.microsoft.com/office/drawing/2014/main" xmlns:p14="http://schemas.microsoft.com/office/powerpoint/2010/main" xmlns:a14="http://schemas.microsoft.com/office/drawing/2010/main" w="9525">
                     <a:solidFill>
                       <a:srgbClr val="000000"/>
                     </a:solidFill>
@@ -36750,7 +36704,7 @@
               </a:ln>
               <a:extLst>
                 <a:ext uri="{91240B29-F687-4f45-9708-019B960494DF}">
-                  <a14:hiddenLine xmlns:a14="http://schemas.microsoft.com/office/drawing/2010/main" xmlns:p14="http://schemas.microsoft.com/office/powerpoint/2010/main" xmlns:a16="http://schemas.microsoft.com/office/drawing/2014/main" xmlns="" w="9525">
+                  <a14:hiddenLine xmlns="" xmlns:a16="http://schemas.microsoft.com/office/drawing/2014/main" xmlns:p14="http://schemas.microsoft.com/office/powerpoint/2010/main" xmlns:a14="http://schemas.microsoft.com/office/drawing/2010/main" w="9525">
                     <a:solidFill>
                       <a:srgbClr val="000000"/>
                     </a:solidFill>
@@ -36834,7 +36788,7 @@
               </a:ln>
               <a:extLst>
                 <a:ext uri="{91240B29-F687-4f45-9708-019B960494DF}">
-                  <a14:hiddenLine xmlns:a14="http://schemas.microsoft.com/office/drawing/2010/main" xmlns:p14="http://schemas.microsoft.com/office/powerpoint/2010/main" xmlns:a16="http://schemas.microsoft.com/office/drawing/2014/main" xmlns="" w="9525">
+                  <a14:hiddenLine xmlns="" xmlns:a16="http://schemas.microsoft.com/office/drawing/2014/main" xmlns:p14="http://schemas.microsoft.com/office/powerpoint/2010/main" xmlns:a14="http://schemas.microsoft.com/office/drawing/2010/main" w="9525">
                     <a:solidFill>
                       <a:srgbClr val="000000"/>
                     </a:solidFill>
@@ -36946,7 +36900,7 @@
               </a:ln>
               <a:extLst>
                 <a:ext uri="{91240B29-F687-4f45-9708-019B960494DF}">
-                  <a14:hiddenLine xmlns:a14="http://schemas.microsoft.com/office/drawing/2010/main" xmlns:p14="http://schemas.microsoft.com/office/powerpoint/2010/main" xmlns:a16="http://schemas.microsoft.com/office/drawing/2014/main" xmlns="" w="9525">
+                  <a14:hiddenLine xmlns="" xmlns:a16="http://schemas.microsoft.com/office/drawing/2014/main" xmlns:p14="http://schemas.microsoft.com/office/powerpoint/2010/main" xmlns:a14="http://schemas.microsoft.com/office/drawing/2010/main" w="9525">
                     <a:solidFill>
                       <a:srgbClr val="000000"/>
                     </a:solidFill>
@@ -37033,7 +36987,7 @@
               </a:ln>
               <a:extLst>
                 <a:ext uri="{91240B29-F687-4f45-9708-019B960494DF}">
-                  <a14:hiddenLine xmlns:a14="http://schemas.microsoft.com/office/drawing/2010/main" xmlns:p14="http://schemas.microsoft.com/office/powerpoint/2010/main" xmlns:a16="http://schemas.microsoft.com/office/drawing/2014/main" xmlns="" w="9525">
+                  <a14:hiddenLine xmlns="" xmlns:a16="http://schemas.microsoft.com/office/drawing/2014/main" xmlns:p14="http://schemas.microsoft.com/office/powerpoint/2010/main" xmlns:a14="http://schemas.microsoft.com/office/drawing/2010/main" w="9525">
                     <a:solidFill>
                       <a:srgbClr val="000000"/>
                     </a:solidFill>
@@ -37117,7 +37071,7 @@
               </a:ln>
               <a:extLst>
                 <a:ext uri="{91240B29-F687-4f45-9708-019B960494DF}">
-                  <a14:hiddenLine xmlns:a14="http://schemas.microsoft.com/office/drawing/2010/main" xmlns:p14="http://schemas.microsoft.com/office/powerpoint/2010/main" xmlns:a16="http://schemas.microsoft.com/office/drawing/2014/main" xmlns="" w="9525">
+                  <a14:hiddenLine xmlns="" xmlns:a16="http://schemas.microsoft.com/office/drawing/2014/main" xmlns:p14="http://schemas.microsoft.com/office/powerpoint/2010/main" xmlns:a14="http://schemas.microsoft.com/office/drawing/2010/main" w="9525">
                     <a:solidFill>
                       <a:srgbClr val="000000"/>
                     </a:solidFill>
@@ -37229,7 +37183,7 @@
               </a:ln>
               <a:extLst>
                 <a:ext uri="{91240B29-F687-4f45-9708-019B960494DF}">
-                  <a14:hiddenLine xmlns:a14="http://schemas.microsoft.com/office/drawing/2010/main" xmlns:p14="http://schemas.microsoft.com/office/powerpoint/2010/main" xmlns:a16="http://schemas.microsoft.com/office/drawing/2014/main" xmlns="" w="9525">
+                  <a14:hiddenLine xmlns="" xmlns:a16="http://schemas.microsoft.com/office/drawing/2014/main" xmlns:p14="http://schemas.microsoft.com/office/powerpoint/2010/main" xmlns:a14="http://schemas.microsoft.com/office/drawing/2010/main" w="9525">
                     <a:solidFill>
                       <a:srgbClr val="000000"/>
                     </a:solidFill>
@@ -37341,7 +37295,7 @@
               </a:ln>
               <a:extLst>
                 <a:ext uri="{91240B29-F687-4f45-9708-019B960494DF}">
-                  <a14:hiddenLine xmlns:a14="http://schemas.microsoft.com/office/drawing/2010/main" xmlns:p14="http://schemas.microsoft.com/office/powerpoint/2010/main" xmlns:a16="http://schemas.microsoft.com/office/drawing/2014/main" xmlns="" w="9525">
+                  <a14:hiddenLine xmlns="" xmlns:a16="http://schemas.microsoft.com/office/drawing/2014/main" xmlns:p14="http://schemas.microsoft.com/office/powerpoint/2010/main" xmlns:a14="http://schemas.microsoft.com/office/drawing/2010/main" w="9525">
                     <a:solidFill>
                       <a:srgbClr val="000000"/>
                     </a:solidFill>
@@ -37428,7 +37382,7 @@
               </a:ln>
               <a:extLst>
                 <a:ext uri="{91240B29-F687-4f45-9708-019B960494DF}">
-                  <a14:hiddenLine xmlns:a14="http://schemas.microsoft.com/office/drawing/2010/main" xmlns:p14="http://schemas.microsoft.com/office/powerpoint/2010/main" xmlns:a16="http://schemas.microsoft.com/office/drawing/2014/main" xmlns="" w="9525">
+                  <a14:hiddenLine xmlns="" xmlns:a16="http://schemas.microsoft.com/office/drawing/2014/main" xmlns:p14="http://schemas.microsoft.com/office/powerpoint/2010/main" xmlns:a14="http://schemas.microsoft.com/office/drawing/2010/main" w="9525">
                     <a:solidFill>
                       <a:srgbClr val="000000"/>
                     </a:solidFill>
@@ -37570,7 +37524,7 @@
               </a:ln>
               <a:extLst>
                 <a:ext uri="{91240B29-F687-4f45-9708-019B960494DF}">
-                  <a14:hiddenLine xmlns:a14="http://schemas.microsoft.com/office/drawing/2010/main" xmlns:p14="http://schemas.microsoft.com/office/powerpoint/2010/main" xmlns:a16="http://schemas.microsoft.com/office/drawing/2014/main" xmlns="" w="9525">
+                  <a14:hiddenLine xmlns="" xmlns:a16="http://schemas.microsoft.com/office/drawing/2014/main" xmlns:p14="http://schemas.microsoft.com/office/powerpoint/2010/main" xmlns:a14="http://schemas.microsoft.com/office/drawing/2010/main" w="9525">
                     <a:solidFill>
                       <a:srgbClr val="000000"/>
                     </a:solidFill>
@@ -37702,7 +37656,7 @@
               </a:ln>
               <a:extLst>
                 <a:ext uri="{91240B29-F687-4f45-9708-019B960494DF}">
-                  <a14:hiddenLine xmlns:a14="http://schemas.microsoft.com/office/drawing/2010/main" xmlns:p14="http://schemas.microsoft.com/office/powerpoint/2010/main" xmlns:a16="http://schemas.microsoft.com/office/drawing/2014/main" xmlns="" w="9525">
+                  <a14:hiddenLine xmlns="" xmlns:a16="http://schemas.microsoft.com/office/drawing/2014/main" xmlns:p14="http://schemas.microsoft.com/office/powerpoint/2010/main" xmlns:a14="http://schemas.microsoft.com/office/drawing/2010/main" w="9525">
                     <a:solidFill>
                       <a:srgbClr val="000000"/>
                     </a:solidFill>
@@ -37839,7 +37793,7 @@
               </a:ln>
               <a:extLst>
                 <a:ext uri="{91240B29-F687-4f45-9708-019B960494DF}">
-                  <a14:hiddenLine xmlns:a14="http://schemas.microsoft.com/office/drawing/2010/main" xmlns:p14="http://schemas.microsoft.com/office/powerpoint/2010/main" xmlns:a16="http://schemas.microsoft.com/office/drawing/2014/main" xmlns="" w="9525">
+                  <a14:hiddenLine xmlns="" xmlns:a16="http://schemas.microsoft.com/office/drawing/2014/main" xmlns:p14="http://schemas.microsoft.com/office/powerpoint/2010/main" xmlns:a14="http://schemas.microsoft.com/office/drawing/2010/main" w="9525">
                     <a:solidFill>
                       <a:srgbClr val="000000"/>
                     </a:solidFill>
@@ -37951,7 +37905,7 @@
               </a:ln>
               <a:extLst>
                 <a:ext uri="{91240B29-F687-4f45-9708-019B960494DF}">
-                  <a14:hiddenLine xmlns:a14="http://schemas.microsoft.com/office/drawing/2010/main" xmlns:p14="http://schemas.microsoft.com/office/powerpoint/2010/main" xmlns:a16="http://schemas.microsoft.com/office/drawing/2014/main" xmlns="" w="9525">
+                  <a14:hiddenLine xmlns="" xmlns:a16="http://schemas.microsoft.com/office/drawing/2014/main" xmlns:p14="http://schemas.microsoft.com/office/powerpoint/2010/main" xmlns:a14="http://schemas.microsoft.com/office/drawing/2010/main" w="9525">
                     <a:solidFill>
                       <a:srgbClr val="000000"/>
                     </a:solidFill>
@@ -38038,7 +37992,7 @@
               </a:ln>
               <a:extLst>
                 <a:ext uri="{91240B29-F687-4f45-9708-019B960494DF}">
-                  <a14:hiddenLine xmlns:a14="http://schemas.microsoft.com/office/drawing/2010/main" xmlns:p14="http://schemas.microsoft.com/office/powerpoint/2010/main" xmlns:a16="http://schemas.microsoft.com/office/drawing/2014/main" xmlns="" w="9525">
+                  <a14:hiddenLine xmlns="" xmlns:a16="http://schemas.microsoft.com/office/drawing/2014/main" xmlns:p14="http://schemas.microsoft.com/office/powerpoint/2010/main" xmlns:a14="http://schemas.microsoft.com/office/drawing/2010/main" w="9525">
                     <a:solidFill>
                       <a:srgbClr val="000000"/>
                     </a:solidFill>
@@ -38150,7 +38104,7 @@
               </a:ln>
               <a:extLst>
                 <a:ext uri="{91240B29-F687-4f45-9708-019B960494DF}">
-                  <a14:hiddenLine xmlns:a14="http://schemas.microsoft.com/office/drawing/2010/main" xmlns:p14="http://schemas.microsoft.com/office/powerpoint/2010/main" xmlns:a16="http://schemas.microsoft.com/office/drawing/2014/main" xmlns="" w="9525">
+                  <a14:hiddenLine xmlns="" xmlns:a16="http://schemas.microsoft.com/office/drawing/2014/main" xmlns:p14="http://schemas.microsoft.com/office/powerpoint/2010/main" xmlns:a14="http://schemas.microsoft.com/office/drawing/2010/main" w="9525">
                     <a:solidFill>
                       <a:srgbClr val="000000"/>
                     </a:solidFill>
@@ -38240,7 +38194,7 @@
               </a:ln>
               <a:extLst>
                 <a:ext uri="{91240B29-F687-4f45-9708-019B960494DF}">
-                  <a14:hiddenLine xmlns:a14="http://schemas.microsoft.com/office/drawing/2010/main" xmlns:p14="http://schemas.microsoft.com/office/powerpoint/2010/main" xmlns:a16="http://schemas.microsoft.com/office/drawing/2014/main" xmlns="" w="9525">
+                  <a14:hiddenLine xmlns="" xmlns:a16="http://schemas.microsoft.com/office/drawing/2014/main" xmlns:p14="http://schemas.microsoft.com/office/powerpoint/2010/main" xmlns:a14="http://schemas.microsoft.com/office/drawing/2010/main" w="9525">
                     <a:solidFill>
                       <a:srgbClr val="000000"/>
                     </a:solidFill>
@@ -38352,7 +38306,7 @@
               </a:ln>
               <a:extLst>
                 <a:ext uri="{91240B29-F687-4f45-9708-019B960494DF}">
-                  <a14:hiddenLine xmlns:a14="http://schemas.microsoft.com/office/drawing/2010/main" xmlns:p14="http://schemas.microsoft.com/office/powerpoint/2010/main" xmlns:a16="http://schemas.microsoft.com/office/drawing/2014/main" xmlns="" w="9525">
+                  <a14:hiddenLine xmlns="" xmlns:a16="http://schemas.microsoft.com/office/drawing/2014/main" xmlns:p14="http://schemas.microsoft.com/office/powerpoint/2010/main" xmlns:a14="http://schemas.microsoft.com/office/drawing/2010/main" w="9525">
                     <a:solidFill>
                       <a:srgbClr val="000000"/>
                     </a:solidFill>
@@ -38442,7 +38396,7 @@
               </a:ln>
               <a:extLst>
                 <a:ext uri="{91240B29-F687-4f45-9708-019B960494DF}">
-                  <a14:hiddenLine xmlns:a14="http://schemas.microsoft.com/office/drawing/2010/main" xmlns:p14="http://schemas.microsoft.com/office/powerpoint/2010/main" xmlns:a16="http://schemas.microsoft.com/office/drawing/2014/main" xmlns="" w="9525">
+                  <a14:hiddenLine xmlns="" xmlns:a16="http://schemas.microsoft.com/office/drawing/2014/main" xmlns:p14="http://schemas.microsoft.com/office/powerpoint/2010/main" xmlns:a14="http://schemas.microsoft.com/office/drawing/2010/main" w="9525">
                     <a:solidFill>
                       <a:srgbClr val="000000"/>
                     </a:solidFill>
@@ -38554,7 +38508,7 @@
               </a:ln>
               <a:extLst>
                 <a:ext uri="{91240B29-F687-4f45-9708-019B960494DF}">
-                  <a14:hiddenLine xmlns:a14="http://schemas.microsoft.com/office/drawing/2010/main" xmlns:p14="http://schemas.microsoft.com/office/powerpoint/2010/main" xmlns:a16="http://schemas.microsoft.com/office/drawing/2014/main" xmlns="" w="9525">
+                  <a14:hiddenLine xmlns="" xmlns:a16="http://schemas.microsoft.com/office/drawing/2014/main" xmlns:p14="http://schemas.microsoft.com/office/powerpoint/2010/main" xmlns:a14="http://schemas.microsoft.com/office/drawing/2010/main" w="9525">
                     <a:solidFill>
                       <a:srgbClr val="000000"/>
                     </a:solidFill>
@@ -38610,7 +38564,7 @@
               </a:ln>
               <a:extLst>
                 <a:ext uri="{91240B29-F687-4f45-9708-019B960494DF}">
-                  <a14:hiddenLine xmlns:a14="http://schemas.microsoft.com/office/drawing/2010/main" xmlns:p14="http://schemas.microsoft.com/office/powerpoint/2010/main" xmlns:a16="http://schemas.microsoft.com/office/drawing/2014/main" xmlns="" w="9525">
+                  <a14:hiddenLine xmlns="" xmlns:a16="http://schemas.microsoft.com/office/drawing/2014/main" xmlns:p14="http://schemas.microsoft.com/office/powerpoint/2010/main" xmlns:a14="http://schemas.microsoft.com/office/drawing/2010/main" w="9525">
                     <a:solidFill>
                       <a:srgbClr val="000000"/>
                     </a:solidFill>
@@ -38679,7 +38633,7 @@
           <a:noFill/>
           <a:extLst>
             <a:ext uri="{909E8E84-426E-40dd-AFC4-6F175D3DCCD1}">
-              <a14:hiddenFill xmlns:a14="http://schemas.microsoft.com/office/drawing/2010/main" xmlns:p14="http://schemas.microsoft.com/office/powerpoint/2010/main" xmlns:a16="http://schemas.microsoft.com/office/drawing/2014/main" xmlns="">
+              <a14:hiddenFill xmlns="" xmlns:a16="http://schemas.microsoft.com/office/drawing/2014/main" xmlns:p14="http://schemas.microsoft.com/office/powerpoint/2010/main" xmlns:a14="http://schemas.microsoft.com/office/drawing/2010/main">
                 <a:solidFill>
                   <a:srgbClr val="FFFFFF"/>
                 </a:solidFill>
@@ -38717,7 +38671,7 @@
           <a:lstStyle/>
           <a:p>
             <a:r>
-              <a:rPr lang="en-US" altLang="zh-TW">
+              <a:rPr lang="en-US" altLang="zh-TW" dirty="0">
                 <a:solidFill>
                   <a:srgbClr val="FFFFFF"/>
                 </a:solidFill>
@@ -38725,7 +38679,7 @@
               <a:t>switch</a:t>
             </a:r>
             <a:r>
-              <a:rPr lang="zh-TW" altLang="en-US">
+              <a:rPr lang="zh-TW" altLang="en-US" dirty="0">
                 <a:solidFill>
                   <a:srgbClr val="FFFFFF"/>
                 </a:solidFill>
@@ -38901,7 +38855,7 @@
         </p:blipFill>
         <p:spPr>
           <a:xfrm>
-            <a:off x="868150" y="1236851"/>
+            <a:off x="854076" y="1283682"/>
             <a:ext cx="3680265" cy="4344006"/>
           </a:xfrm>
           <a:prstGeom prst="rect">

--- a/doc/JAVA0123.pptx
+++ b/doc/JAVA0123.pptx
@@ -5,7 +5,7 @@
     <p:sldMasterId id="2147483648" r:id="rId1"/>
   </p:sldMasterIdLst>
   <p:notesMasterIdLst>
-    <p:notesMasterId r:id="rId23"/>
+    <p:notesMasterId r:id="rId33"/>
   </p:notesMasterIdLst>
   <p:sldIdLst>
     <p:sldId id="256" r:id="rId2"/>
@@ -29,11 +29,21 @@
     <p:sldId id="306" r:id="rId20"/>
     <p:sldId id="307" r:id="rId21"/>
     <p:sldId id="308" r:id="rId22"/>
+    <p:sldId id="309" r:id="rId23"/>
+    <p:sldId id="310" r:id="rId24"/>
+    <p:sldId id="311" r:id="rId25"/>
+    <p:sldId id="312" r:id="rId26"/>
+    <p:sldId id="313" r:id="rId27"/>
+    <p:sldId id="314" r:id="rId28"/>
+    <p:sldId id="315" r:id="rId29"/>
+    <p:sldId id="316" r:id="rId30"/>
+    <p:sldId id="317" r:id="rId31"/>
+    <p:sldId id="318" r:id="rId32"/>
   </p:sldIdLst>
   <p:sldSz cx="12192000" cy="6858000"/>
   <p:notesSz cx="6858000" cy="9144000"/>
   <p:custDataLst>
-    <p:tags r:id="rId24"/>
+    <p:tags r:id="rId34"/>
   </p:custDataLst>
   <p:defaultTextStyle>
     <a:defPPr>
@@ -172,6 +182,16 @@
             <p14:sldId id="306"/>
             <p14:sldId id="307"/>
             <p14:sldId id="308"/>
+            <p14:sldId id="309"/>
+            <p14:sldId id="310"/>
+            <p14:sldId id="311"/>
+            <p14:sldId id="312"/>
+            <p14:sldId id="313"/>
+            <p14:sldId id="314"/>
+            <p14:sldId id="315"/>
+            <p14:sldId id="316"/>
+            <p14:sldId id="317"/>
+            <p14:sldId id="318"/>
           </p14:sldIdLst>
         </p14:section>
       </p14:sectionLst>
@@ -265,7 +285,7 @@
           <a:p>
             <a:fld id="{B1A5810C-07F1-44AE-9494-72A7A2980C1F}" type="datetimeFigureOut">
               <a:rPr lang="zh-TW" altLang="en-US" smtClean="0"/>
-              <a:t>2026/1/27</a:t>
+              <a:t>2026/2/2</a:t>
             </a:fld>
             <a:endParaRPr lang="zh-TW" altLang="en-US"/>
           </a:p>
@@ -5186,7 +5206,7 @@
           <a:p>
             <a:fld id="{48A87A34-81AB-432B-8DAE-1953F412C126}" type="datetimeFigureOut">
               <a:rPr lang="en-US" dirty="0"/>
-              <a:t>1/27/2026</a:t>
+              <a:t>2/2/2026</a:t>
             </a:fld>
             <a:endParaRPr lang="en-US" dirty="0"/>
           </a:p>
@@ -5448,7 +5468,7 @@
           <a:p>
             <a:fld id="{48A87A34-81AB-432B-8DAE-1953F412C126}" type="datetimeFigureOut">
               <a:rPr lang="en-US" dirty="0"/>
-              <a:t>1/27/2026</a:t>
+              <a:t>2/2/2026</a:t>
             </a:fld>
             <a:endParaRPr lang="en-US" dirty="0"/>
           </a:p>
@@ -5639,7 +5659,7 @@
           <a:p>
             <a:fld id="{48A87A34-81AB-432B-8DAE-1953F412C126}" type="datetimeFigureOut">
               <a:rPr lang="en-US" dirty="0"/>
-              <a:t>1/27/2026</a:t>
+              <a:t>2/2/2026</a:t>
             </a:fld>
             <a:endParaRPr lang="en-US" dirty="0"/>
           </a:p>
@@ -5897,7 +5917,7 @@
           <a:p>
             <a:fld id="{48A87A34-81AB-432B-8DAE-1953F412C126}" type="datetimeFigureOut">
               <a:rPr lang="en-US" dirty="0"/>
-              <a:t>1/27/2026</a:t>
+              <a:t>2/2/2026</a:t>
             </a:fld>
             <a:endParaRPr lang="en-US" dirty="0"/>
           </a:p>
@@ -6326,7 +6346,7 @@
           <a:p>
             <a:fld id="{48A87A34-81AB-432B-8DAE-1953F412C126}" type="datetimeFigureOut">
               <a:rPr lang="en-US" dirty="0"/>
-              <a:t>1/27/2026</a:t>
+              <a:t>2/2/2026</a:t>
             </a:fld>
             <a:endParaRPr lang="en-US" dirty="0"/>
           </a:p>
@@ -6867,7 +6887,7 @@
           <a:p>
             <a:fld id="{48A87A34-81AB-432B-8DAE-1953F412C126}" type="datetimeFigureOut">
               <a:rPr lang="en-US" dirty="0"/>
-              <a:t>1/27/2026</a:t>
+              <a:t>2/2/2026</a:t>
             </a:fld>
             <a:endParaRPr lang="en-US" dirty="0"/>
           </a:p>
@@ -7582,7 +7602,7 @@
           <a:p>
             <a:fld id="{48A87A34-81AB-432B-8DAE-1953F412C126}" type="datetimeFigureOut">
               <a:rPr lang="en-US" dirty="0"/>
-              <a:t>1/27/2026</a:t>
+              <a:t>2/2/2026</a:t>
             </a:fld>
             <a:endParaRPr lang="en-US" dirty="0"/>
           </a:p>
@@ -7747,7 +7767,7 @@
           <a:p>
             <a:fld id="{48A87A34-81AB-432B-8DAE-1953F412C126}" type="datetimeFigureOut">
               <a:rPr lang="en-US" dirty="0"/>
-              <a:t>1/27/2026</a:t>
+              <a:t>2/2/2026</a:t>
             </a:fld>
             <a:endParaRPr lang="en-US" dirty="0"/>
           </a:p>
@@ -7922,7 +7942,7 @@
           <a:p>
             <a:fld id="{48A87A34-81AB-432B-8DAE-1953F412C126}" type="datetimeFigureOut">
               <a:rPr lang="en-US" dirty="0"/>
-              <a:t>1/27/2026</a:t>
+              <a:t>2/2/2026</a:t>
             </a:fld>
             <a:endParaRPr lang="en-US" dirty="0"/>
           </a:p>
@@ -8087,7 +8107,7 @@
           <a:p>
             <a:fld id="{48A87A34-81AB-432B-8DAE-1953F412C126}" type="datetimeFigureOut">
               <a:rPr lang="en-US" dirty="0"/>
-              <a:t>1/27/2026</a:t>
+              <a:t>2/2/2026</a:t>
             </a:fld>
             <a:endParaRPr lang="en-US" dirty="0"/>
           </a:p>
@@ -8332,7 +8352,7 @@
           <a:p>
             <a:fld id="{48A87A34-81AB-432B-8DAE-1953F412C126}" type="datetimeFigureOut">
               <a:rPr lang="en-US" dirty="0"/>
-              <a:t>1/27/2026</a:t>
+              <a:t>2/2/2026</a:t>
             </a:fld>
             <a:endParaRPr lang="en-US" dirty="0"/>
           </a:p>
@@ -8559,7 +8579,7 @@
           <a:p>
             <a:fld id="{48A87A34-81AB-432B-8DAE-1953F412C126}" type="datetimeFigureOut">
               <a:rPr lang="en-US" dirty="0"/>
-              <a:t>1/27/2026</a:t>
+              <a:t>2/2/2026</a:t>
             </a:fld>
             <a:endParaRPr lang="en-US" dirty="0"/>
           </a:p>
@@ -8935,7 +8955,7 @@
           <a:p>
             <a:fld id="{48A87A34-81AB-432B-8DAE-1953F412C126}" type="datetimeFigureOut">
               <a:rPr lang="en-US" dirty="0"/>
-              <a:t>1/27/2026</a:t>
+              <a:t>2/2/2026</a:t>
             </a:fld>
             <a:endParaRPr lang="en-US" dirty="0"/>
           </a:p>
@@ -9048,7 +9068,7 @@
           <a:p>
             <a:fld id="{48A87A34-81AB-432B-8DAE-1953F412C126}" type="datetimeFigureOut">
               <a:rPr lang="en-US" dirty="0"/>
-              <a:t>1/27/2026</a:t>
+              <a:t>2/2/2026</a:t>
             </a:fld>
             <a:endParaRPr lang="en-US" dirty="0"/>
           </a:p>
@@ -9138,7 +9158,7 @@
           <a:p>
             <a:fld id="{48A87A34-81AB-432B-8DAE-1953F412C126}" type="datetimeFigureOut">
               <a:rPr lang="en-US" dirty="0"/>
-              <a:t>1/27/2026</a:t>
+              <a:t>2/2/2026</a:t>
             </a:fld>
             <a:endParaRPr lang="en-US" dirty="0"/>
           </a:p>
@@ -9382,7 +9402,7 @@
           <a:p>
             <a:fld id="{48A87A34-81AB-432B-8DAE-1953F412C126}" type="datetimeFigureOut">
               <a:rPr lang="en-US" dirty="0"/>
-              <a:t>1/27/2026</a:t>
+              <a:t>2/2/2026</a:t>
             </a:fld>
             <a:endParaRPr lang="en-US" dirty="0"/>
           </a:p>
@@ -9657,7 +9677,7 @@
           <a:p>
             <a:fld id="{48A87A34-81AB-432B-8DAE-1953F412C126}" type="datetimeFigureOut">
               <a:rPr lang="en-US" dirty="0"/>
-              <a:t>1/27/2026</a:t>
+              <a:t>2/2/2026</a:t>
             </a:fld>
             <a:endParaRPr lang="en-US" dirty="0"/>
           </a:p>
@@ -12989,7 +13009,7 @@
             <a:fld id="{48A87A34-81AB-432B-8DAE-1953F412C126}" type="datetimeFigureOut">
               <a:rPr lang="en-US" dirty="0"/>
               <a:pPr/>
-              <a:t>1/27/2026</a:t>
+              <a:t>2/2/2026</a:t>
             </a:fld>
             <a:endParaRPr lang="en-US" dirty="0"/>
           </a:p>
@@ -34037,6 +34057,1308 @@
 </p:sld>
 </file>
 
+<file path=ppt/slides/slide22.xml><?xml version="1.0" encoding="utf-8"?>
+<p:sld xmlns:a="http://schemas.openxmlformats.org/drawingml/2006/main" xmlns:r="http://schemas.openxmlformats.org/officeDocument/2006/relationships" xmlns:p="http://schemas.openxmlformats.org/presentationml/2006/main">
+  <p:cSld>
+    <p:spTree>
+      <p:nvGrpSpPr>
+        <p:cNvPr id="1" name=""/>
+        <p:cNvGrpSpPr/>
+        <p:nvPr/>
+      </p:nvGrpSpPr>
+      <p:grpSpPr>
+        <a:xfrm>
+          <a:off x="0" y="0"/>
+          <a:ext cx="0" cy="0"/>
+          <a:chOff x="0" y="0"/>
+          <a:chExt cx="0" cy="0"/>
+        </a:xfrm>
+      </p:grpSpPr>
+      <p:sp>
+        <p:nvSpPr>
+          <p:cNvPr id="2" name="標題 1">
+            <a:extLst>
+              <a:ext uri="{FF2B5EF4-FFF2-40B4-BE49-F238E27FC236}">
+                <a16:creationId xmlns:a16="http://schemas.microsoft.com/office/drawing/2014/main" id="{75C20F8A-C3F0-F767-EAB1-3C58CD53AB12}"/>
+              </a:ext>
+            </a:extLst>
+          </p:cNvPr>
+          <p:cNvSpPr>
+            <a:spLocks noGrp="1"/>
+          </p:cNvSpPr>
+          <p:nvPr>
+            <p:ph type="title"/>
+          </p:nvPr>
+        </p:nvSpPr>
+        <p:spPr/>
+        <p:txBody>
+          <a:bodyPr/>
+          <a:lstStyle/>
+          <a:p>
+            <a:r>
+              <a:rPr lang="zh-TW" altLang="en-US" dirty="0"/>
+              <a:t>陣列</a:t>
+            </a:r>
+          </a:p>
+        </p:txBody>
+      </p:sp>
+      <p:sp>
+        <p:nvSpPr>
+          <p:cNvPr id="3" name="內容版面配置區 2">
+            <a:extLst>
+              <a:ext uri="{FF2B5EF4-FFF2-40B4-BE49-F238E27FC236}">
+                <a16:creationId xmlns:a16="http://schemas.microsoft.com/office/drawing/2014/main" id="{A1003034-B468-DAEE-8B43-45FBEC860DFB}"/>
+              </a:ext>
+            </a:extLst>
+          </p:cNvPr>
+          <p:cNvSpPr>
+            <a:spLocks noGrp="1"/>
+          </p:cNvSpPr>
+          <p:nvPr>
+            <p:ph idx="1"/>
+          </p:nvPr>
+        </p:nvSpPr>
+        <p:spPr/>
+        <p:txBody>
+          <a:bodyPr>
+            <a:normAutofit lnSpcReduction="10000"/>
+          </a:bodyPr>
+          <a:lstStyle/>
+          <a:p>
+            <a:r>
+              <a:rPr lang="zh-TW" altLang="en-US" dirty="0"/>
+              <a:t>陣列是一種由相同型態的資料組成的資料結構。</a:t>
+            </a:r>
+          </a:p>
+          <a:p>
+            <a:r>
+              <a:rPr lang="zh-TW" altLang="en-US" dirty="0"/>
+              <a:t>陣列在記憶體中使用連續的記憶體空間，透過索引值</a:t>
+            </a:r>
+            <a:r>
+              <a:rPr lang="en-US" altLang="zh-TW" dirty="0"/>
+              <a:t>(index)</a:t>
+            </a:r>
+            <a:r>
+              <a:rPr lang="zh-TW" altLang="en-US" dirty="0"/>
+              <a:t>來做資料的存取。</a:t>
+            </a:r>
+          </a:p>
+          <a:p>
+            <a:r>
+              <a:rPr lang="zh-TW" altLang="en-US" dirty="0"/>
+              <a:t>陣列在</a:t>
+            </a:r>
+            <a:r>
+              <a:rPr lang="en-US" altLang="zh-TW" dirty="0"/>
+              <a:t>Java</a:t>
+            </a:r>
+            <a:r>
+              <a:rPr lang="zh-TW" altLang="en-US" dirty="0"/>
+              <a:t>裡是以物件</a:t>
+            </a:r>
+            <a:r>
+              <a:rPr lang="en-US" altLang="zh-TW" dirty="0"/>
+              <a:t>(object)</a:t>
+            </a:r>
+            <a:r>
+              <a:rPr lang="zh-TW" altLang="en-US" dirty="0"/>
+              <a:t>的方式存在，所以陣列本身是參考資料型態</a:t>
+            </a:r>
+            <a:r>
+              <a:rPr lang="en-US" altLang="zh-TW" dirty="0"/>
+              <a:t>(reference type)</a:t>
+            </a:r>
+            <a:r>
+              <a:rPr lang="zh-TW" altLang="en-US" dirty="0"/>
+              <a:t>。</a:t>
+            </a:r>
+          </a:p>
+          <a:p>
+            <a:r>
+              <a:rPr lang="zh-TW" altLang="en-US" dirty="0"/>
+              <a:t>陣列中的元素可以是基本資料型態</a:t>
+            </a:r>
+            <a:r>
+              <a:rPr lang="en-US" altLang="zh-TW" dirty="0"/>
+              <a:t>(primitive type)</a:t>
+            </a:r>
+            <a:r>
+              <a:rPr lang="zh-TW" altLang="en-US" dirty="0"/>
+              <a:t>也可以是參考資料型態</a:t>
+            </a:r>
+            <a:r>
+              <a:rPr lang="en-US" altLang="zh-TW" dirty="0"/>
+              <a:t>(reference type)</a:t>
+            </a:r>
+          </a:p>
+          <a:p>
+            <a:endParaRPr lang="zh-TW" altLang="en-US" dirty="0"/>
+          </a:p>
+        </p:txBody>
+      </p:sp>
+    </p:spTree>
+    <p:extLst>
+      <p:ext uri="{BB962C8B-B14F-4D97-AF65-F5344CB8AC3E}">
+        <p14:creationId xmlns:p14="http://schemas.microsoft.com/office/powerpoint/2010/main" val="1839118226"/>
+      </p:ext>
+    </p:extLst>
+  </p:cSld>
+  <p:clrMapOvr>
+    <a:masterClrMapping/>
+  </p:clrMapOvr>
+</p:sld>
+</file>
+
+<file path=ppt/slides/slide23.xml><?xml version="1.0" encoding="utf-8"?>
+<p:sld xmlns:a="http://schemas.openxmlformats.org/drawingml/2006/main" xmlns:r="http://schemas.openxmlformats.org/officeDocument/2006/relationships" xmlns:p="http://schemas.openxmlformats.org/presentationml/2006/main">
+  <p:cSld>
+    <p:spTree>
+      <p:nvGrpSpPr>
+        <p:cNvPr id="1" name=""/>
+        <p:cNvGrpSpPr/>
+        <p:nvPr/>
+      </p:nvGrpSpPr>
+      <p:grpSpPr>
+        <a:xfrm>
+          <a:off x="0" y="0"/>
+          <a:ext cx="0" cy="0"/>
+          <a:chOff x="0" y="0"/>
+          <a:chExt cx="0" cy="0"/>
+        </a:xfrm>
+      </p:grpSpPr>
+      <p:sp>
+        <p:nvSpPr>
+          <p:cNvPr id="2" name="標題 1">
+            <a:extLst>
+              <a:ext uri="{FF2B5EF4-FFF2-40B4-BE49-F238E27FC236}">
+                <a16:creationId xmlns:a16="http://schemas.microsoft.com/office/drawing/2014/main" id="{133EF762-B4D5-3176-CE6D-4BCEE923541D}"/>
+              </a:ext>
+            </a:extLst>
+          </p:cNvPr>
+          <p:cNvSpPr>
+            <a:spLocks noGrp="1"/>
+          </p:cNvSpPr>
+          <p:nvPr>
+            <p:ph type="title"/>
+          </p:nvPr>
+        </p:nvSpPr>
+        <p:spPr/>
+        <p:txBody>
+          <a:bodyPr/>
+          <a:lstStyle/>
+          <a:p>
+            <a:r>
+              <a:rPr lang="zh-TW" altLang="en-US" dirty="0"/>
+              <a:t>陣列</a:t>
+            </a:r>
+          </a:p>
+        </p:txBody>
+      </p:sp>
+      <p:pic>
+        <p:nvPicPr>
+          <p:cNvPr id="1026" name="Picture 2">
+            <a:extLst>
+              <a:ext uri="{FF2B5EF4-FFF2-40B4-BE49-F238E27FC236}">
+                <a16:creationId xmlns:a16="http://schemas.microsoft.com/office/drawing/2014/main" id="{E421033E-405E-332B-C23F-0035BC7FE5D8}"/>
+              </a:ext>
+            </a:extLst>
+          </p:cNvPr>
+          <p:cNvPicPr>
+            <a:picLocks noGrp="1" noChangeAspect="1" noChangeArrowheads="1"/>
+          </p:cNvPicPr>
+          <p:nvPr>
+            <p:ph idx="1"/>
+          </p:nvPr>
+        </p:nvPicPr>
+        <p:blipFill>
+          <a:blip r:embed="rId2">
+            <a:extLst>
+              <a:ext uri="{28A0092B-C50C-407E-A947-70E740481C1C}">
+                <a14:useLocalDpi xmlns:a14="http://schemas.microsoft.com/office/drawing/2010/main" val="0"/>
+              </a:ext>
+            </a:extLst>
+          </a:blip>
+          <a:srcRect/>
+          <a:stretch>
+            <a:fillRect/>
+          </a:stretch>
+        </p:blipFill>
+        <p:spPr bwMode="auto">
+          <a:xfrm>
+            <a:off x="3241575" y="2249488"/>
+            <a:ext cx="5705675" cy="3541712"/>
+          </a:xfrm>
+          <a:prstGeom prst="rect">
+            <a:avLst/>
+          </a:prstGeom>
+          <a:noFill/>
+          <a:extLst>
+            <a:ext uri="{909E8E84-426E-40DD-AFC4-6F175D3DCCD1}">
+              <a14:hiddenFill xmlns:a14="http://schemas.microsoft.com/office/drawing/2010/main">
+                <a:solidFill>
+                  <a:srgbClr val="FFFFFF"/>
+                </a:solidFill>
+              </a14:hiddenFill>
+            </a:ext>
+          </a:extLst>
+        </p:spPr>
+      </p:pic>
+    </p:spTree>
+    <p:extLst>
+      <p:ext uri="{BB962C8B-B14F-4D97-AF65-F5344CB8AC3E}">
+        <p14:creationId xmlns:p14="http://schemas.microsoft.com/office/powerpoint/2010/main" val="275030265"/>
+      </p:ext>
+    </p:extLst>
+  </p:cSld>
+  <p:clrMapOvr>
+    <a:masterClrMapping/>
+  </p:clrMapOvr>
+</p:sld>
+</file>
+
+<file path=ppt/slides/slide24.xml><?xml version="1.0" encoding="utf-8"?>
+<p:sld xmlns:a="http://schemas.openxmlformats.org/drawingml/2006/main" xmlns:r="http://schemas.openxmlformats.org/officeDocument/2006/relationships" xmlns:p="http://schemas.openxmlformats.org/presentationml/2006/main">
+  <p:cSld>
+    <p:spTree>
+      <p:nvGrpSpPr>
+        <p:cNvPr id="1" name=""/>
+        <p:cNvGrpSpPr/>
+        <p:nvPr/>
+      </p:nvGrpSpPr>
+      <p:grpSpPr>
+        <a:xfrm>
+          <a:off x="0" y="0"/>
+          <a:ext cx="0" cy="0"/>
+          <a:chOff x="0" y="0"/>
+          <a:chExt cx="0" cy="0"/>
+        </a:xfrm>
+      </p:grpSpPr>
+      <p:sp>
+        <p:nvSpPr>
+          <p:cNvPr id="2" name="標題 1">
+            <a:extLst>
+              <a:ext uri="{FF2B5EF4-FFF2-40B4-BE49-F238E27FC236}">
+                <a16:creationId xmlns:a16="http://schemas.microsoft.com/office/drawing/2014/main" id="{57922C45-DCC9-10E2-3489-138502AE6F78}"/>
+              </a:ext>
+            </a:extLst>
+          </p:cNvPr>
+          <p:cNvSpPr>
+            <a:spLocks noGrp="1"/>
+          </p:cNvSpPr>
+          <p:nvPr>
+            <p:ph type="title"/>
+          </p:nvPr>
+        </p:nvSpPr>
+        <p:spPr/>
+        <p:txBody>
+          <a:bodyPr/>
+          <a:lstStyle/>
+          <a:p>
+            <a:r>
+              <a:rPr lang="zh-TW" altLang="en-US" dirty="0"/>
+              <a:t>陣列</a:t>
+            </a:r>
+            <a:r>
+              <a:rPr lang="en-US" altLang="zh-TW" dirty="0"/>
+              <a:t>-</a:t>
+            </a:r>
+            <a:r>
+              <a:rPr lang="zh-TW" altLang="en-US" dirty="0"/>
+              <a:t>宣告方式</a:t>
+            </a:r>
+          </a:p>
+        </p:txBody>
+      </p:sp>
+      <p:sp>
+        <p:nvSpPr>
+          <p:cNvPr id="3" name="內容版面配置區 2">
+            <a:extLst>
+              <a:ext uri="{FF2B5EF4-FFF2-40B4-BE49-F238E27FC236}">
+                <a16:creationId xmlns:a16="http://schemas.microsoft.com/office/drawing/2014/main" id="{8C8CA5E6-8E3B-AF5B-C7D4-D294797FD48B}"/>
+              </a:ext>
+            </a:extLst>
+          </p:cNvPr>
+          <p:cNvSpPr>
+            <a:spLocks noGrp="1"/>
+          </p:cNvSpPr>
+          <p:nvPr>
+            <p:ph idx="1"/>
+          </p:nvPr>
+        </p:nvSpPr>
+        <p:spPr/>
+        <p:txBody>
+          <a:bodyPr/>
+          <a:lstStyle/>
+          <a:p>
+            <a:r>
+              <a:rPr lang="zh-TW" altLang="en-US" dirty="0"/>
+              <a:t>資料型態</a:t>
+            </a:r>
+            <a:r>
+              <a:rPr lang="en-US" altLang="zh-TW" dirty="0"/>
+              <a:t>[]</a:t>
+            </a:r>
+            <a:r>
+              <a:rPr lang="zh-TW" altLang="en-US" dirty="0"/>
+              <a:t> 陣列名稱</a:t>
+            </a:r>
+            <a:r>
+              <a:rPr lang="en-US" altLang="zh-TW" dirty="0"/>
+              <a:t>;</a:t>
+            </a:r>
+            <a:r>
+              <a:rPr lang="zh-TW" altLang="en-US" dirty="0"/>
+              <a:t>  </a:t>
+            </a:r>
+            <a:endParaRPr lang="en-US" altLang="zh-TW" dirty="0"/>
+          </a:p>
+          <a:p>
+            <a:r>
+              <a:rPr lang="zh-TW" altLang="en-US" dirty="0"/>
+              <a:t>陣列名稱＝</a:t>
+            </a:r>
+            <a:r>
+              <a:rPr lang="en-US" altLang="zh-TW" dirty="0"/>
+              <a:t>new </a:t>
+            </a:r>
+            <a:r>
+              <a:rPr lang="zh-TW" altLang="en-US" dirty="0"/>
+              <a:t>資料型態</a:t>
+            </a:r>
+            <a:r>
+              <a:rPr lang="en-US" altLang="zh-TW" dirty="0"/>
+              <a:t>[</a:t>
+            </a:r>
+            <a:r>
+              <a:rPr lang="zh-TW" altLang="en-US" dirty="0"/>
+              <a:t>數量</a:t>
+            </a:r>
+            <a:r>
+              <a:rPr lang="en-US" altLang="zh-TW" dirty="0"/>
+              <a:t>];</a:t>
+            </a:r>
+          </a:p>
+          <a:p>
+            <a:endParaRPr lang="en-US" altLang="zh-TW" dirty="0"/>
+          </a:p>
+          <a:p>
+            <a:r>
+              <a:rPr lang="zh-TW" altLang="en-US" dirty="0"/>
+              <a:t>資料型態</a:t>
+            </a:r>
+            <a:r>
+              <a:rPr lang="en-US" altLang="zh-TW" dirty="0"/>
+              <a:t>[]</a:t>
+            </a:r>
+            <a:r>
+              <a:rPr lang="zh-TW" altLang="en-US" dirty="0"/>
+              <a:t> 陣列名稱＝</a:t>
+            </a:r>
+            <a:r>
+              <a:rPr lang="en-US" altLang="zh-TW" dirty="0"/>
+              <a:t>new </a:t>
+            </a:r>
+            <a:r>
+              <a:rPr lang="zh-TW" altLang="en-US" dirty="0"/>
+              <a:t>資料型態</a:t>
+            </a:r>
+            <a:r>
+              <a:rPr lang="en-US" altLang="zh-TW" dirty="0"/>
+              <a:t>[</a:t>
+            </a:r>
+            <a:r>
+              <a:rPr lang="zh-TW" altLang="en-US" dirty="0"/>
+              <a:t>數量</a:t>
+            </a:r>
+            <a:r>
+              <a:rPr lang="en-US" altLang="zh-TW" dirty="0"/>
+              <a:t>];</a:t>
+            </a:r>
+          </a:p>
+          <a:p>
+            <a:endParaRPr lang="en-US" altLang="zh-TW" dirty="0"/>
+          </a:p>
+          <a:p>
+            <a:endParaRPr lang="zh-TW" altLang="en-US" dirty="0"/>
+          </a:p>
+        </p:txBody>
+      </p:sp>
+      <p:pic>
+        <p:nvPicPr>
+          <p:cNvPr id="11" name="圖片 10" descr="一張含有 字型, 時鐘, 印刷術, 設計 的圖片&#10;&#10;AI 產生的內容可能不正確。">
+            <a:extLst>
+              <a:ext uri="{FF2B5EF4-FFF2-40B4-BE49-F238E27FC236}">
+                <a16:creationId xmlns:a16="http://schemas.microsoft.com/office/drawing/2014/main" id="{814C33DF-EFEE-AD8A-829E-0D06D245ABCF}"/>
+              </a:ext>
+            </a:extLst>
+          </p:cNvPr>
+          <p:cNvPicPr>
+            <a:picLocks noChangeAspect="1"/>
+          </p:cNvPicPr>
+          <p:nvPr/>
+        </p:nvPicPr>
+        <p:blipFill>
+          <a:blip r:embed="rId2"/>
+          <a:stretch>
+            <a:fillRect/>
+          </a:stretch>
+        </p:blipFill>
+        <p:spPr>
+          <a:xfrm>
+            <a:off x="6143854" y="4608313"/>
+            <a:ext cx="2924583" cy="800212"/>
+          </a:xfrm>
+          <a:prstGeom prst="rect">
+            <a:avLst/>
+          </a:prstGeom>
+        </p:spPr>
+      </p:pic>
+      <p:pic>
+        <p:nvPicPr>
+          <p:cNvPr id="13" name="圖片 12" descr="一張含有 時鐘, 螢幕擷取畫面, 字型, 文字 的圖片&#10;&#10;AI 產生的內容可能不正確。">
+            <a:extLst>
+              <a:ext uri="{FF2B5EF4-FFF2-40B4-BE49-F238E27FC236}">
+                <a16:creationId xmlns:a16="http://schemas.microsoft.com/office/drawing/2014/main" id="{1B50A7A7-9192-E497-E3E2-7ECB5BE66F95}"/>
+              </a:ext>
+            </a:extLst>
+          </p:cNvPr>
+          <p:cNvPicPr>
+            <a:picLocks noChangeAspect="1"/>
+          </p:cNvPicPr>
+          <p:nvPr/>
+        </p:nvPicPr>
+        <p:blipFill>
+          <a:blip r:embed="rId3"/>
+          <a:stretch>
+            <a:fillRect/>
+          </a:stretch>
+        </p:blipFill>
+        <p:spPr>
+          <a:xfrm>
+            <a:off x="6143854" y="2302953"/>
+            <a:ext cx="2934109" cy="1486107"/>
+          </a:xfrm>
+          <a:prstGeom prst="rect">
+            <a:avLst/>
+          </a:prstGeom>
+        </p:spPr>
+      </p:pic>
+    </p:spTree>
+    <p:extLst>
+      <p:ext uri="{BB962C8B-B14F-4D97-AF65-F5344CB8AC3E}">
+        <p14:creationId xmlns:p14="http://schemas.microsoft.com/office/powerpoint/2010/main" val="1772437179"/>
+      </p:ext>
+    </p:extLst>
+  </p:cSld>
+  <p:clrMapOvr>
+    <a:masterClrMapping/>
+  </p:clrMapOvr>
+</p:sld>
+</file>
+
+<file path=ppt/slides/slide25.xml><?xml version="1.0" encoding="utf-8"?>
+<p:sld xmlns:a="http://schemas.openxmlformats.org/drawingml/2006/main" xmlns:r="http://schemas.openxmlformats.org/officeDocument/2006/relationships" xmlns:p="http://schemas.openxmlformats.org/presentationml/2006/main">
+  <p:cSld>
+    <p:spTree>
+      <p:nvGrpSpPr>
+        <p:cNvPr id="1" name=""/>
+        <p:cNvGrpSpPr/>
+        <p:nvPr/>
+      </p:nvGrpSpPr>
+      <p:grpSpPr>
+        <a:xfrm>
+          <a:off x="0" y="0"/>
+          <a:ext cx="0" cy="0"/>
+          <a:chOff x="0" y="0"/>
+          <a:chExt cx="0" cy="0"/>
+        </a:xfrm>
+      </p:grpSpPr>
+      <p:sp>
+        <p:nvSpPr>
+          <p:cNvPr id="2" name="標題 1">
+            <a:extLst>
+              <a:ext uri="{FF2B5EF4-FFF2-40B4-BE49-F238E27FC236}">
+                <a16:creationId xmlns:a16="http://schemas.microsoft.com/office/drawing/2014/main" id="{17954C83-9C7C-F3D9-8A82-78D087BF1237}"/>
+              </a:ext>
+            </a:extLst>
+          </p:cNvPr>
+          <p:cNvSpPr>
+            <a:spLocks noGrp="1"/>
+          </p:cNvSpPr>
+          <p:nvPr>
+            <p:ph type="title"/>
+          </p:nvPr>
+        </p:nvSpPr>
+        <p:spPr/>
+        <p:txBody>
+          <a:bodyPr/>
+          <a:lstStyle/>
+          <a:p>
+            <a:r>
+              <a:rPr lang="zh-TW" altLang="en-US" dirty="0"/>
+              <a:t>陣列</a:t>
+            </a:r>
+            <a:r>
+              <a:rPr lang="en-US" altLang="zh-TW" dirty="0"/>
+              <a:t>-</a:t>
+            </a:r>
+            <a:r>
+              <a:rPr lang="zh-TW" altLang="en-US" dirty="0"/>
+              <a:t>初始化</a:t>
+            </a:r>
+          </a:p>
+        </p:txBody>
+      </p:sp>
+      <p:sp>
+        <p:nvSpPr>
+          <p:cNvPr id="3" name="內容版面配置區 2">
+            <a:extLst>
+              <a:ext uri="{FF2B5EF4-FFF2-40B4-BE49-F238E27FC236}">
+                <a16:creationId xmlns:a16="http://schemas.microsoft.com/office/drawing/2014/main" id="{270CE027-0F9A-FFCE-242B-53EE669A78C1}"/>
+              </a:ext>
+            </a:extLst>
+          </p:cNvPr>
+          <p:cNvSpPr>
+            <a:spLocks noGrp="1"/>
+          </p:cNvSpPr>
+          <p:nvPr>
+            <p:ph idx="1"/>
+          </p:nvPr>
+        </p:nvSpPr>
+        <p:spPr/>
+        <p:txBody>
+          <a:bodyPr/>
+          <a:lstStyle/>
+          <a:p>
+            <a:r>
+              <a:rPr lang="zh-TW" altLang="en-US" dirty="0"/>
+              <a:t>靜態初始化：指定每個陣列元素的初始值，由系統決定陣列長度。</a:t>
+            </a:r>
+          </a:p>
+          <a:p>
+            <a:r>
+              <a:rPr lang="zh-TW" altLang="en-US" dirty="0"/>
+              <a:t>陣列名稱 ＝ </a:t>
+            </a:r>
+            <a:r>
+              <a:rPr lang="en-US" altLang="zh-TW" dirty="0"/>
+              <a:t>new </a:t>
+            </a:r>
+            <a:r>
+              <a:rPr lang="zh-TW" altLang="en-US" dirty="0"/>
+              <a:t>資料型態</a:t>
+            </a:r>
+            <a:r>
+              <a:rPr lang="en-US" altLang="zh-TW" dirty="0"/>
+              <a:t>[]{</a:t>
+            </a:r>
+            <a:r>
+              <a:rPr lang="zh-TW" altLang="en-US" dirty="0"/>
+              <a:t>元素</a:t>
+            </a:r>
+            <a:r>
+              <a:rPr lang="en-US" altLang="zh-TW" dirty="0"/>
+              <a:t>1,</a:t>
+            </a:r>
+            <a:r>
+              <a:rPr lang="zh-TW" altLang="en-US" dirty="0"/>
+              <a:t>元素</a:t>
+            </a:r>
+            <a:r>
+              <a:rPr lang="en-US" altLang="zh-TW" dirty="0"/>
+              <a:t>2,</a:t>
+            </a:r>
+            <a:r>
+              <a:rPr lang="zh-TW" altLang="en-US" dirty="0"/>
+              <a:t>元素</a:t>
+            </a:r>
+            <a:r>
+              <a:rPr lang="en-US" altLang="zh-TW" dirty="0"/>
+              <a:t>3....};</a:t>
+            </a:r>
+          </a:p>
+          <a:p>
+            <a:pPr marL="0" indent="0">
+              <a:buNone/>
+            </a:pPr>
+            <a:endParaRPr lang="en-US" altLang="zh-TW" dirty="0"/>
+          </a:p>
+          <a:p>
+            <a:pPr marL="0" indent="0">
+              <a:buNone/>
+            </a:pPr>
+            <a:endParaRPr lang="en-US" altLang="zh-TW" dirty="0"/>
+          </a:p>
+          <a:p>
+            <a:pPr marL="0" indent="0">
+              <a:buNone/>
+            </a:pPr>
+            <a:endParaRPr lang="en-US" altLang="zh-TW" dirty="0"/>
+          </a:p>
+          <a:p>
+            <a:r>
+              <a:rPr lang="zh-TW" altLang="en-US" dirty="0"/>
+              <a:t>資料型態</a:t>
+            </a:r>
+            <a:r>
+              <a:rPr lang="en-US" altLang="zh-TW" dirty="0"/>
+              <a:t>[] </a:t>
+            </a:r>
+            <a:r>
+              <a:rPr lang="zh-TW" altLang="en-US" dirty="0"/>
+              <a:t>陣列名稱 ＝ </a:t>
+            </a:r>
+            <a:r>
+              <a:rPr lang="en-US" altLang="zh-TW" dirty="0"/>
+              <a:t>{</a:t>
+            </a:r>
+            <a:r>
+              <a:rPr lang="zh-TW" altLang="en-US" dirty="0"/>
+              <a:t>元素</a:t>
+            </a:r>
+            <a:r>
+              <a:rPr lang="en-US" altLang="zh-TW" dirty="0"/>
+              <a:t>1,</a:t>
+            </a:r>
+            <a:r>
+              <a:rPr lang="zh-TW" altLang="en-US" dirty="0"/>
+              <a:t>元素</a:t>
+            </a:r>
+            <a:r>
+              <a:rPr lang="en-US" altLang="zh-TW" dirty="0"/>
+              <a:t>2,</a:t>
+            </a:r>
+            <a:r>
+              <a:rPr lang="zh-TW" altLang="en-US" dirty="0"/>
+              <a:t>元素</a:t>
+            </a:r>
+            <a:r>
+              <a:rPr lang="en-US" altLang="zh-TW" dirty="0"/>
+              <a:t>3....};</a:t>
+            </a:r>
+          </a:p>
+          <a:p>
+            <a:endParaRPr lang="en-US" altLang="zh-TW" dirty="0"/>
+          </a:p>
+          <a:p>
+            <a:endParaRPr lang="en-US" altLang="zh-TW" dirty="0"/>
+          </a:p>
+          <a:p>
+            <a:endParaRPr lang="en-US" altLang="zh-TW" dirty="0"/>
+          </a:p>
+          <a:p>
+            <a:endParaRPr lang="en-US" altLang="zh-TW" dirty="0"/>
+          </a:p>
+          <a:p>
+            <a:endParaRPr lang="en-US" altLang="zh-TW" dirty="0"/>
+          </a:p>
+          <a:p>
+            <a:endParaRPr lang="zh-TW" altLang="en-US" dirty="0"/>
+          </a:p>
+        </p:txBody>
+      </p:sp>
+      <p:pic>
+        <p:nvPicPr>
+          <p:cNvPr id="5" name="圖片 4" descr="一張含有 字型, 文字, 螢幕擷取畫面 的圖片">
+            <a:extLst>
+              <a:ext uri="{FF2B5EF4-FFF2-40B4-BE49-F238E27FC236}">
+                <a16:creationId xmlns:a16="http://schemas.microsoft.com/office/drawing/2014/main" id="{7344A9AC-4896-0A9A-8FD3-77D323FA6043}"/>
+              </a:ext>
+            </a:extLst>
+          </p:cNvPr>
+          <p:cNvPicPr>
+            <a:picLocks noChangeAspect="1"/>
+          </p:cNvPicPr>
+          <p:nvPr/>
+        </p:nvPicPr>
+        <p:blipFill>
+          <a:blip r:embed="rId2"/>
+          <a:stretch>
+            <a:fillRect/>
+          </a:stretch>
+        </p:blipFill>
+        <p:spPr>
+          <a:xfrm>
+            <a:off x="1247332" y="3429000"/>
+            <a:ext cx="6344535" cy="1467055"/>
+          </a:xfrm>
+          <a:prstGeom prst="rect">
+            <a:avLst/>
+          </a:prstGeom>
+        </p:spPr>
+      </p:pic>
+      <p:pic>
+        <p:nvPicPr>
+          <p:cNvPr id="9" name="圖片 8" descr="一張含有 文字, 字型, 螢幕擷取畫面, 時鐘 的圖片">
+            <a:extLst>
+              <a:ext uri="{FF2B5EF4-FFF2-40B4-BE49-F238E27FC236}">
+                <a16:creationId xmlns:a16="http://schemas.microsoft.com/office/drawing/2014/main" id="{6B89FD01-3E9B-A9ED-8862-55C010446901}"/>
+              </a:ext>
+            </a:extLst>
+          </p:cNvPr>
+          <p:cNvPicPr>
+            <a:picLocks noChangeAspect="1"/>
+          </p:cNvPicPr>
+          <p:nvPr/>
+        </p:nvPicPr>
+        <p:blipFill>
+          <a:blip r:embed="rId3"/>
+          <a:stretch>
+            <a:fillRect/>
+          </a:stretch>
+        </p:blipFill>
+        <p:spPr>
+          <a:xfrm>
+            <a:off x="1441296" y="5571986"/>
+            <a:ext cx="4287559" cy="1218056"/>
+          </a:xfrm>
+          <a:prstGeom prst="rect">
+            <a:avLst/>
+          </a:prstGeom>
+        </p:spPr>
+      </p:pic>
+    </p:spTree>
+    <p:extLst>
+      <p:ext uri="{BB962C8B-B14F-4D97-AF65-F5344CB8AC3E}">
+        <p14:creationId xmlns:p14="http://schemas.microsoft.com/office/powerpoint/2010/main" val="2961426252"/>
+      </p:ext>
+    </p:extLst>
+  </p:cSld>
+  <p:clrMapOvr>
+    <a:masterClrMapping/>
+  </p:clrMapOvr>
+</p:sld>
+</file>
+
+<file path=ppt/slides/slide26.xml><?xml version="1.0" encoding="utf-8"?>
+<p:sld xmlns:a="http://schemas.openxmlformats.org/drawingml/2006/main" xmlns:r="http://schemas.openxmlformats.org/officeDocument/2006/relationships" xmlns:p="http://schemas.openxmlformats.org/presentationml/2006/main">
+  <p:cSld>
+    <p:spTree>
+      <p:nvGrpSpPr>
+        <p:cNvPr id="1" name=""/>
+        <p:cNvGrpSpPr/>
+        <p:nvPr/>
+      </p:nvGrpSpPr>
+      <p:grpSpPr>
+        <a:xfrm>
+          <a:off x="0" y="0"/>
+          <a:ext cx="0" cy="0"/>
+          <a:chOff x="0" y="0"/>
+          <a:chExt cx="0" cy="0"/>
+        </a:xfrm>
+      </p:grpSpPr>
+      <p:sp>
+        <p:nvSpPr>
+          <p:cNvPr id="2" name="標題 1">
+            <a:extLst>
+              <a:ext uri="{FF2B5EF4-FFF2-40B4-BE49-F238E27FC236}">
+                <a16:creationId xmlns:a16="http://schemas.microsoft.com/office/drawing/2014/main" id="{A6BBADD0-C0F7-58F1-7B6C-1031F0EF87DC}"/>
+              </a:ext>
+            </a:extLst>
+          </p:cNvPr>
+          <p:cNvSpPr>
+            <a:spLocks noGrp="1"/>
+          </p:cNvSpPr>
+          <p:nvPr>
+            <p:ph type="title"/>
+          </p:nvPr>
+        </p:nvSpPr>
+        <p:spPr/>
+        <p:txBody>
+          <a:bodyPr/>
+          <a:lstStyle/>
+          <a:p>
+            <a:r>
+              <a:rPr lang="zh-TW" altLang="en-US" dirty="0"/>
+              <a:t>陣列</a:t>
+            </a:r>
+            <a:r>
+              <a:rPr lang="en-US" altLang="zh-TW" dirty="0"/>
+              <a:t>-</a:t>
+            </a:r>
+            <a:r>
+              <a:rPr lang="zh-TW" altLang="en-US" dirty="0"/>
+              <a:t>初始化</a:t>
+            </a:r>
+          </a:p>
+        </p:txBody>
+      </p:sp>
+      <p:sp>
+        <p:nvSpPr>
+          <p:cNvPr id="3" name="內容版面配置區 2">
+            <a:extLst>
+              <a:ext uri="{FF2B5EF4-FFF2-40B4-BE49-F238E27FC236}">
+                <a16:creationId xmlns:a16="http://schemas.microsoft.com/office/drawing/2014/main" id="{30B87C5E-2480-B688-0854-1532D1476A22}"/>
+              </a:ext>
+            </a:extLst>
+          </p:cNvPr>
+          <p:cNvSpPr>
+            <a:spLocks noGrp="1"/>
+          </p:cNvSpPr>
+          <p:nvPr>
+            <p:ph idx="1"/>
+          </p:nvPr>
+        </p:nvSpPr>
+        <p:spPr/>
+        <p:txBody>
+          <a:bodyPr/>
+          <a:lstStyle/>
+          <a:p>
+            <a:r>
+              <a:rPr lang="zh-TW" altLang="en-US" dirty="0"/>
+              <a:t>動態初始化：只指定陣列長度，由系統為陣列元素分配初始值</a:t>
+            </a:r>
+            <a:endParaRPr lang="en-US" altLang="zh-TW" dirty="0"/>
+          </a:p>
+          <a:p>
+            <a:r>
+              <a:rPr lang="zh-TW" altLang="en-US" dirty="0"/>
+              <a:t>陣列名稱 ＝ </a:t>
+            </a:r>
+            <a:r>
+              <a:rPr lang="en-US" altLang="zh-TW" dirty="0"/>
+              <a:t>new </a:t>
+            </a:r>
+            <a:r>
+              <a:rPr lang="zh-TW" altLang="en-US" dirty="0"/>
+              <a:t>資料型態</a:t>
+            </a:r>
+            <a:r>
+              <a:rPr lang="en-US" altLang="zh-TW" dirty="0"/>
+              <a:t>[</a:t>
+            </a:r>
+            <a:r>
+              <a:rPr lang="zh-TW" altLang="en-US" dirty="0"/>
+              <a:t>長度</a:t>
+            </a:r>
+            <a:r>
+              <a:rPr lang="en-US" altLang="zh-TW" dirty="0"/>
+              <a:t>];</a:t>
+            </a:r>
+          </a:p>
+          <a:p>
+            <a:endParaRPr lang="en-US" altLang="zh-TW" dirty="0"/>
+          </a:p>
+          <a:p>
+            <a:endParaRPr lang="en-US" altLang="zh-TW" dirty="0"/>
+          </a:p>
+          <a:p>
+            <a:r>
+              <a:rPr lang="zh-TW" altLang="en-US" dirty="0"/>
+              <a:t>請勿將靜態與動態初始化混在一起使用</a:t>
+            </a:r>
+            <a:endParaRPr lang="en-US" altLang="zh-TW" dirty="0"/>
+          </a:p>
+          <a:p>
+            <a:r>
+              <a:rPr lang="en-US" altLang="zh-TW" dirty="0"/>
+              <a:t>Sample:Array1.java</a:t>
+            </a:r>
+            <a:endParaRPr lang="zh-TW" altLang="en-US" dirty="0"/>
+          </a:p>
+        </p:txBody>
+      </p:sp>
+      <p:pic>
+        <p:nvPicPr>
+          <p:cNvPr id="5" name="圖片 4" descr="一張含有 時鐘, 文字, 字型, 螢幕擷取畫面 的圖片&#10;&#10;AI 產生的內容可能不正確。">
+            <a:extLst>
+              <a:ext uri="{FF2B5EF4-FFF2-40B4-BE49-F238E27FC236}">
+                <a16:creationId xmlns:a16="http://schemas.microsoft.com/office/drawing/2014/main" id="{BD8337CD-C849-598F-8486-99FA2AFE7B59}"/>
+              </a:ext>
+            </a:extLst>
+          </p:cNvPr>
+          <p:cNvPicPr>
+            <a:picLocks noChangeAspect="1"/>
+          </p:cNvPicPr>
+          <p:nvPr/>
+        </p:nvPicPr>
+        <p:blipFill>
+          <a:blip r:embed="rId2"/>
+          <a:stretch>
+            <a:fillRect/>
+          </a:stretch>
+        </p:blipFill>
+        <p:spPr>
+          <a:xfrm>
+            <a:off x="1520308" y="3710738"/>
+            <a:ext cx="3277057" cy="619211"/>
+          </a:xfrm>
+          <a:prstGeom prst="rect">
+            <a:avLst/>
+          </a:prstGeom>
+        </p:spPr>
+      </p:pic>
+    </p:spTree>
+    <p:extLst>
+      <p:ext uri="{BB962C8B-B14F-4D97-AF65-F5344CB8AC3E}">
+        <p14:creationId xmlns:p14="http://schemas.microsoft.com/office/powerpoint/2010/main" val="12123120"/>
+      </p:ext>
+    </p:extLst>
+  </p:cSld>
+  <p:clrMapOvr>
+    <a:masterClrMapping/>
+  </p:clrMapOvr>
+</p:sld>
+</file>
+
+<file path=ppt/slides/slide27.xml><?xml version="1.0" encoding="utf-8"?>
+<p:sld xmlns:a="http://schemas.openxmlformats.org/drawingml/2006/main" xmlns:r="http://schemas.openxmlformats.org/officeDocument/2006/relationships" xmlns:p="http://schemas.openxmlformats.org/presentationml/2006/main">
+  <p:cSld>
+    <p:spTree>
+      <p:nvGrpSpPr>
+        <p:cNvPr id="1" name=""/>
+        <p:cNvGrpSpPr/>
+        <p:nvPr/>
+      </p:nvGrpSpPr>
+      <p:grpSpPr>
+        <a:xfrm>
+          <a:off x="0" y="0"/>
+          <a:ext cx="0" cy="0"/>
+          <a:chOff x="0" y="0"/>
+          <a:chExt cx="0" cy="0"/>
+        </a:xfrm>
+      </p:grpSpPr>
+      <p:sp>
+        <p:nvSpPr>
+          <p:cNvPr id="2" name="標題 1">
+            <a:extLst>
+              <a:ext uri="{FF2B5EF4-FFF2-40B4-BE49-F238E27FC236}">
+                <a16:creationId xmlns:a16="http://schemas.microsoft.com/office/drawing/2014/main" id="{8E16BD10-9D64-8D49-3740-FDD031EA5204}"/>
+              </a:ext>
+            </a:extLst>
+          </p:cNvPr>
+          <p:cNvSpPr>
+            <a:spLocks noGrp="1"/>
+          </p:cNvSpPr>
+          <p:nvPr>
+            <p:ph type="title"/>
+          </p:nvPr>
+        </p:nvSpPr>
+        <p:spPr/>
+        <p:txBody>
+          <a:bodyPr/>
+          <a:lstStyle/>
+          <a:p>
+            <a:r>
+              <a:rPr lang="zh-TW" altLang="en-US" dirty="0"/>
+              <a:t>陣列</a:t>
+            </a:r>
+            <a:r>
+              <a:rPr lang="en-US" altLang="zh-TW" dirty="0"/>
+              <a:t>-</a:t>
+            </a:r>
+            <a:r>
+              <a:rPr lang="zh-TW" altLang="en-US" b="1" dirty="0"/>
+              <a:t>存取陣列</a:t>
+            </a:r>
+            <a:endParaRPr lang="zh-TW" altLang="en-US" dirty="0"/>
+          </a:p>
+        </p:txBody>
+      </p:sp>
+      <p:sp>
+        <p:nvSpPr>
+          <p:cNvPr id="3" name="內容版面配置區 2">
+            <a:extLst>
+              <a:ext uri="{FF2B5EF4-FFF2-40B4-BE49-F238E27FC236}">
+                <a16:creationId xmlns:a16="http://schemas.microsoft.com/office/drawing/2014/main" id="{814F182B-DAD1-410B-A9B8-10FB358F61A7}"/>
+              </a:ext>
+            </a:extLst>
+          </p:cNvPr>
+          <p:cNvSpPr>
+            <a:spLocks noGrp="1"/>
+          </p:cNvSpPr>
+          <p:nvPr>
+            <p:ph idx="1"/>
+          </p:nvPr>
+        </p:nvSpPr>
+        <p:spPr/>
+        <p:txBody>
+          <a:bodyPr/>
+          <a:lstStyle/>
+          <a:p>
+            <a:r>
+              <a:rPr lang="zh-TW" altLang="en-US" dirty="0"/>
+              <a:t>陣列第</a:t>
+            </a:r>
+            <a:r>
+              <a:rPr lang="en-US" altLang="zh-TW" dirty="0"/>
+              <a:t>”1”</a:t>
+            </a:r>
+            <a:r>
+              <a:rPr lang="zh-TW" altLang="en-US" dirty="0"/>
+              <a:t>個元素是從</a:t>
+            </a:r>
+            <a:r>
+              <a:rPr lang="en-US" altLang="zh-TW" dirty="0"/>
+              <a:t>”0”</a:t>
+            </a:r>
+            <a:r>
+              <a:rPr lang="zh-TW" altLang="en-US" dirty="0"/>
+              <a:t>開始</a:t>
+            </a:r>
+            <a:endParaRPr lang="en-US" altLang="zh-TW" dirty="0"/>
+          </a:p>
+          <a:p>
+            <a:r>
+              <a:rPr lang="en-US" altLang="zh-TW" dirty="0"/>
+              <a:t>Sample: Array2.java</a:t>
+            </a:r>
+          </a:p>
+          <a:p>
+            <a:endParaRPr lang="en-US" altLang="zh-TW" dirty="0"/>
+          </a:p>
+          <a:p>
+            <a:endParaRPr lang="en-US" altLang="zh-TW" dirty="0"/>
+          </a:p>
+          <a:p>
+            <a:endParaRPr lang="en-US" altLang="zh-TW" dirty="0"/>
+          </a:p>
+          <a:p>
+            <a:pPr marL="0" indent="0">
+              <a:buNone/>
+            </a:pPr>
+            <a:endParaRPr lang="zh-TW" altLang="en-US" dirty="0"/>
+          </a:p>
+        </p:txBody>
+      </p:sp>
+    </p:spTree>
+    <p:extLst>
+      <p:ext uri="{BB962C8B-B14F-4D97-AF65-F5344CB8AC3E}">
+        <p14:creationId xmlns:p14="http://schemas.microsoft.com/office/powerpoint/2010/main" val="2961916808"/>
+      </p:ext>
+    </p:extLst>
+  </p:cSld>
+  <p:clrMapOvr>
+    <a:masterClrMapping/>
+  </p:clrMapOvr>
+</p:sld>
+</file>
+
+<file path=ppt/slides/slide28.xml><?xml version="1.0" encoding="utf-8"?>
+<p:sld xmlns:a="http://schemas.openxmlformats.org/drawingml/2006/main" xmlns:r="http://schemas.openxmlformats.org/officeDocument/2006/relationships" xmlns:p="http://schemas.openxmlformats.org/presentationml/2006/main">
+  <p:cSld>
+    <p:spTree>
+      <p:nvGrpSpPr>
+        <p:cNvPr id="1" name=""/>
+        <p:cNvGrpSpPr/>
+        <p:nvPr/>
+      </p:nvGrpSpPr>
+      <p:grpSpPr>
+        <a:xfrm>
+          <a:off x="0" y="0"/>
+          <a:ext cx="0" cy="0"/>
+          <a:chOff x="0" y="0"/>
+          <a:chExt cx="0" cy="0"/>
+        </a:xfrm>
+      </p:grpSpPr>
+      <p:sp>
+        <p:nvSpPr>
+          <p:cNvPr id="2" name="標題 1">
+            <a:extLst>
+              <a:ext uri="{FF2B5EF4-FFF2-40B4-BE49-F238E27FC236}">
+                <a16:creationId xmlns:a16="http://schemas.microsoft.com/office/drawing/2014/main" id="{DF5A70A5-4AEE-4509-A4DB-38ECA291F982}"/>
+              </a:ext>
+            </a:extLst>
+          </p:cNvPr>
+          <p:cNvSpPr>
+            <a:spLocks noGrp="1"/>
+          </p:cNvSpPr>
+          <p:nvPr>
+            <p:ph type="title"/>
+          </p:nvPr>
+        </p:nvSpPr>
+        <p:spPr/>
+        <p:txBody>
+          <a:bodyPr/>
+          <a:lstStyle/>
+          <a:p>
+            <a:r>
+              <a:rPr lang="zh-TW" altLang="en-US" dirty="0"/>
+              <a:t>陣列</a:t>
+            </a:r>
+            <a:r>
+              <a:rPr lang="en-US" altLang="zh-TW" dirty="0"/>
+              <a:t>-for &amp; </a:t>
+            </a:r>
+            <a:r>
+              <a:rPr lang="en-US" altLang="zh-TW" dirty="0" err="1"/>
+              <a:t>forEach</a:t>
+            </a:r>
+            <a:endParaRPr lang="zh-TW" altLang="en-US" dirty="0"/>
+          </a:p>
+        </p:txBody>
+      </p:sp>
+      <p:sp>
+        <p:nvSpPr>
+          <p:cNvPr id="3" name="內容版面配置區 2">
+            <a:extLst>
+              <a:ext uri="{FF2B5EF4-FFF2-40B4-BE49-F238E27FC236}">
+                <a16:creationId xmlns:a16="http://schemas.microsoft.com/office/drawing/2014/main" id="{56352B26-6F89-555C-E7EF-5F460EDB1A0D}"/>
+              </a:ext>
+            </a:extLst>
+          </p:cNvPr>
+          <p:cNvSpPr>
+            <a:spLocks noGrp="1"/>
+          </p:cNvSpPr>
+          <p:nvPr>
+            <p:ph idx="1"/>
+          </p:nvPr>
+        </p:nvSpPr>
+        <p:spPr/>
+        <p:txBody>
+          <a:bodyPr/>
+          <a:lstStyle/>
+          <a:p>
+            <a:r>
+              <a:rPr lang="zh-TW" altLang="en-US" dirty="0"/>
+              <a:t>使用</a:t>
+            </a:r>
+            <a:r>
+              <a:rPr lang="en-US" altLang="zh-TW" dirty="0"/>
+              <a:t>for</a:t>
+            </a:r>
+            <a:r>
+              <a:rPr lang="zh-TW" altLang="en-US" dirty="0"/>
+              <a:t>迴圈輸出</a:t>
+            </a:r>
+            <a:endParaRPr lang="en-US" altLang="zh-TW" dirty="0"/>
+          </a:p>
+          <a:p>
+            <a:endParaRPr lang="en-US" altLang="zh-TW" dirty="0"/>
+          </a:p>
+          <a:p>
+            <a:r>
+              <a:rPr lang="zh-TW" altLang="en-US" dirty="0"/>
+              <a:t>使用</a:t>
+            </a:r>
+            <a:r>
+              <a:rPr lang="en-US" altLang="zh-TW" dirty="0"/>
+              <a:t>foreach</a:t>
+            </a:r>
+            <a:r>
+              <a:rPr lang="zh-TW" altLang="en-US" dirty="0"/>
+              <a:t>迴圈輸出</a:t>
+            </a:r>
+            <a:endParaRPr lang="en-US" altLang="zh-TW" dirty="0"/>
+          </a:p>
+          <a:p>
+            <a:endParaRPr lang="en-US" altLang="zh-TW" dirty="0"/>
+          </a:p>
+          <a:p>
+            <a:r>
+              <a:rPr lang="en-US" altLang="zh-TW" dirty="0"/>
+              <a:t>Sample: Array3.java</a:t>
+            </a:r>
+          </a:p>
+          <a:p>
+            <a:endParaRPr lang="en-US" altLang="zh-TW" dirty="0"/>
+          </a:p>
+          <a:p>
+            <a:endParaRPr lang="zh-TW" altLang="en-US" dirty="0"/>
+          </a:p>
+        </p:txBody>
+      </p:sp>
+    </p:spTree>
+    <p:extLst>
+      <p:ext uri="{BB962C8B-B14F-4D97-AF65-F5344CB8AC3E}">
+        <p14:creationId xmlns:p14="http://schemas.microsoft.com/office/powerpoint/2010/main" val="2056086648"/>
+      </p:ext>
+    </p:extLst>
+  </p:cSld>
+  <p:clrMapOvr>
+    <a:masterClrMapping/>
+  </p:clrMapOvr>
+</p:sld>
+</file>
+
+<file path=ppt/slides/slide29.xml><?xml version="1.0" encoding="utf-8"?>
+<p:sld xmlns:a="http://schemas.openxmlformats.org/drawingml/2006/main" xmlns:r="http://schemas.openxmlformats.org/officeDocument/2006/relationships" xmlns:p="http://schemas.openxmlformats.org/presentationml/2006/main">
+  <p:cSld>
+    <p:spTree>
+      <p:nvGrpSpPr>
+        <p:cNvPr id="1" name=""/>
+        <p:cNvGrpSpPr/>
+        <p:nvPr/>
+      </p:nvGrpSpPr>
+      <p:grpSpPr>
+        <a:xfrm>
+          <a:off x="0" y="0"/>
+          <a:ext cx="0" cy="0"/>
+          <a:chOff x="0" y="0"/>
+          <a:chExt cx="0" cy="0"/>
+        </a:xfrm>
+      </p:grpSpPr>
+      <p:sp>
+        <p:nvSpPr>
+          <p:cNvPr id="2" name="標題 1">
+            <a:extLst>
+              <a:ext uri="{FF2B5EF4-FFF2-40B4-BE49-F238E27FC236}">
+                <a16:creationId xmlns:a16="http://schemas.microsoft.com/office/drawing/2014/main" id="{00207AE4-D13D-20E9-D1E7-09893D2123D2}"/>
+              </a:ext>
+            </a:extLst>
+          </p:cNvPr>
+          <p:cNvSpPr>
+            <a:spLocks noGrp="1"/>
+          </p:cNvSpPr>
+          <p:nvPr>
+            <p:ph type="title"/>
+          </p:nvPr>
+        </p:nvSpPr>
+        <p:spPr/>
+        <p:txBody>
+          <a:bodyPr/>
+          <a:lstStyle/>
+          <a:p>
+            <a:r>
+              <a:rPr lang="zh-TW" altLang="en-US" dirty="0"/>
+              <a:t>陣列與記憶體位置</a:t>
+            </a:r>
+          </a:p>
+        </p:txBody>
+      </p:sp>
+      <p:sp>
+        <p:nvSpPr>
+          <p:cNvPr id="3" name="內容版面配置區 2">
+            <a:extLst>
+              <a:ext uri="{FF2B5EF4-FFF2-40B4-BE49-F238E27FC236}">
+                <a16:creationId xmlns:a16="http://schemas.microsoft.com/office/drawing/2014/main" id="{769A5E47-DC65-EB3B-B1D5-C9680475862E}"/>
+              </a:ext>
+            </a:extLst>
+          </p:cNvPr>
+          <p:cNvSpPr>
+            <a:spLocks noGrp="1"/>
+          </p:cNvSpPr>
+          <p:nvPr>
+            <p:ph idx="1"/>
+          </p:nvPr>
+        </p:nvSpPr>
+        <p:spPr/>
+        <p:txBody>
+          <a:bodyPr/>
+          <a:lstStyle/>
+          <a:p>
+            <a:r>
+              <a:rPr lang="en-US" altLang="zh-TW" dirty="0"/>
+              <a:t>https://ithelp.ithome.com.tw/articles/10330736</a:t>
+            </a:r>
+            <a:endParaRPr lang="zh-TW" altLang="en-US" dirty="0"/>
+          </a:p>
+        </p:txBody>
+      </p:sp>
+    </p:spTree>
+    <p:extLst>
+      <p:ext uri="{BB962C8B-B14F-4D97-AF65-F5344CB8AC3E}">
+        <p14:creationId xmlns:p14="http://schemas.microsoft.com/office/powerpoint/2010/main" val="252181161"/>
+      </p:ext>
+    </p:extLst>
+  </p:cSld>
+  <p:clrMapOvr>
+    <a:masterClrMapping/>
+  </p:clrMapOvr>
+</p:sld>
+</file>
+
 <file path=ppt/slides/slide3.xml><?xml version="1.0" encoding="utf-8"?>
 <p:sld xmlns:a="http://schemas.openxmlformats.org/drawingml/2006/main" xmlns:r="http://schemas.openxmlformats.org/officeDocument/2006/relationships" xmlns:p="http://schemas.openxmlformats.org/presentationml/2006/main">
   <p:cSld>
@@ -34215,6 +35537,278 @@
     <p:extLst>
       <p:ext uri="{BB962C8B-B14F-4D97-AF65-F5344CB8AC3E}">
         <p14:creationId xmlns:p14="http://schemas.microsoft.com/office/powerpoint/2010/main" val="210707933"/>
+      </p:ext>
+    </p:extLst>
+  </p:cSld>
+  <p:clrMapOvr>
+    <a:masterClrMapping/>
+  </p:clrMapOvr>
+</p:sld>
+</file>
+
+<file path=ppt/slides/slide30.xml><?xml version="1.0" encoding="utf-8"?>
+<p:sld xmlns:a="http://schemas.openxmlformats.org/drawingml/2006/main" xmlns:r="http://schemas.openxmlformats.org/officeDocument/2006/relationships" xmlns:p="http://schemas.openxmlformats.org/presentationml/2006/main">
+  <p:cSld>
+    <p:spTree>
+      <p:nvGrpSpPr>
+        <p:cNvPr id="1" name=""/>
+        <p:cNvGrpSpPr/>
+        <p:nvPr/>
+      </p:nvGrpSpPr>
+      <p:grpSpPr>
+        <a:xfrm>
+          <a:off x="0" y="0"/>
+          <a:ext cx="0" cy="0"/>
+          <a:chOff x="0" y="0"/>
+          <a:chExt cx="0" cy="0"/>
+        </a:xfrm>
+      </p:grpSpPr>
+      <p:sp>
+        <p:nvSpPr>
+          <p:cNvPr id="2" name="標題 1">
+            <a:extLst>
+              <a:ext uri="{FF2B5EF4-FFF2-40B4-BE49-F238E27FC236}">
+                <a16:creationId xmlns:a16="http://schemas.microsoft.com/office/drawing/2014/main" id="{63D96F3F-3A86-C0DA-5FCE-008EF400D791}"/>
+              </a:ext>
+            </a:extLst>
+          </p:cNvPr>
+          <p:cNvSpPr>
+            <a:spLocks noGrp="1"/>
+          </p:cNvSpPr>
+          <p:nvPr>
+            <p:ph type="title"/>
+          </p:nvPr>
+        </p:nvSpPr>
+        <p:spPr/>
+        <p:txBody>
+          <a:bodyPr/>
+          <a:lstStyle/>
+          <a:p>
+            <a:r>
+              <a:rPr lang="zh-TW" altLang="en-US" dirty="0"/>
+              <a:t>陣列工具</a:t>
+            </a:r>
+            <a:r>
+              <a:rPr lang="en-US" altLang="zh-TW" dirty="0"/>
+              <a:t>-arrays</a:t>
+            </a:r>
+            <a:endParaRPr lang="zh-TW" altLang="en-US" dirty="0"/>
+          </a:p>
+        </p:txBody>
+      </p:sp>
+      <p:sp>
+        <p:nvSpPr>
+          <p:cNvPr id="3" name="內容版面配置區 2">
+            <a:extLst>
+              <a:ext uri="{FF2B5EF4-FFF2-40B4-BE49-F238E27FC236}">
+                <a16:creationId xmlns:a16="http://schemas.microsoft.com/office/drawing/2014/main" id="{C708B91F-B801-8622-6D6A-C9F8106D21D4}"/>
+              </a:ext>
+            </a:extLst>
+          </p:cNvPr>
+          <p:cNvSpPr>
+            <a:spLocks noGrp="1"/>
+          </p:cNvSpPr>
+          <p:nvPr>
+            <p:ph idx="1"/>
+          </p:nvPr>
+        </p:nvSpPr>
+        <p:spPr/>
+        <p:txBody>
+          <a:bodyPr/>
+          <a:lstStyle/>
+          <a:p>
+            <a:r>
+              <a:rPr lang="en-US" altLang="zh-TW" dirty="0" err="1"/>
+              <a:t>ArrayTest</a:t>
+            </a:r>
+            <a:endParaRPr lang="en-US" altLang="zh-TW" dirty="0"/>
+          </a:p>
+          <a:p>
+            <a:r>
+              <a:rPr lang="en-US" altLang="zh-TW" dirty="0"/>
+              <a:t>ArrayTest2</a:t>
+            </a:r>
+          </a:p>
+          <a:p>
+            <a:r>
+              <a:rPr lang="en-US" altLang="zh-TW" dirty="0"/>
+              <a:t>Num2Ntd</a:t>
+            </a:r>
+          </a:p>
+          <a:p>
+            <a:r>
+              <a:rPr lang="en-US" altLang="zh-TW"/>
+              <a:t>GoBang</a:t>
+            </a:r>
+            <a:endParaRPr lang="zh-TW" altLang="en-US" dirty="0"/>
+          </a:p>
+        </p:txBody>
+      </p:sp>
+    </p:spTree>
+    <p:extLst>
+      <p:ext uri="{BB962C8B-B14F-4D97-AF65-F5344CB8AC3E}">
+        <p14:creationId xmlns:p14="http://schemas.microsoft.com/office/powerpoint/2010/main" val="538852325"/>
+      </p:ext>
+    </p:extLst>
+  </p:cSld>
+  <p:clrMapOvr>
+    <a:masterClrMapping/>
+  </p:clrMapOvr>
+</p:sld>
+</file>
+
+<file path=ppt/slides/slide31.xml><?xml version="1.0" encoding="utf-8"?>
+<p:sld xmlns:a="http://schemas.openxmlformats.org/drawingml/2006/main" xmlns:r="http://schemas.openxmlformats.org/officeDocument/2006/relationships" xmlns:p="http://schemas.openxmlformats.org/presentationml/2006/main">
+  <p:cSld>
+    <p:spTree>
+      <p:nvGrpSpPr>
+        <p:cNvPr id="1" name=""/>
+        <p:cNvGrpSpPr/>
+        <p:nvPr/>
+      </p:nvGrpSpPr>
+      <p:grpSpPr>
+        <a:xfrm>
+          <a:off x="0" y="0"/>
+          <a:ext cx="0" cy="0"/>
+          <a:chOff x="0" y="0"/>
+          <a:chExt cx="0" cy="0"/>
+        </a:xfrm>
+      </p:grpSpPr>
+      <p:sp>
+        <p:nvSpPr>
+          <p:cNvPr id="2" name="標題 1">
+            <a:extLst>
+              <a:ext uri="{FF2B5EF4-FFF2-40B4-BE49-F238E27FC236}">
+                <a16:creationId xmlns:a16="http://schemas.microsoft.com/office/drawing/2014/main" id="{954C0279-E06F-6972-607A-1D46D79B3B06}"/>
+              </a:ext>
+            </a:extLst>
+          </p:cNvPr>
+          <p:cNvSpPr>
+            <a:spLocks noGrp="1"/>
+          </p:cNvSpPr>
+          <p:nvPr>
+            <p:ph type="title"/>
+          </p:nvPr>
+        </p:nvSpPr>
+        <p:spPr/>
+        <p:txBody>
+          <a:bodyPr/>
+          <a:lstStyle/>
+          <a:p>
+            <a:r>
+              <a:rPr lang="en-US" altLang="zh-TW" dirty="0"/>
+              <a:t>Home-work</a:t>
+            </a:r>
+            <a:endParaRPr lang="zh-TW" altLang="en-US" dirty="0"/>
+          </a:p>
+        </p:txBody>
+      </p:sp>
+      <p:sp>
+        <p:nvSpPr>
+          <p:cNvPr id="3" name="內容版面配置區 2">
+            <a:extLst>
+              <a:ext uri="{FF2B5EF4-FFF2-40B4-BE49-F238E27FC236}">
+                <a16:creationId xmlns:a16="http://schemas.microsoft.com/office/drawing/2014/main" id="{91D6E07E-E32F-1861-0DE0-3E3DF86A6DFA}"/>
+              </a:ext>
+            </a:extLst>
+          </p:cNvPr>
+          <p:cNvSpPr>
+            <a:spLocks noGrp="1"/>
+          </p:cNvSpPr>
+          <p:nvPr>
+            <p:ph idx="1"/>
+          </p:nvPr>
+        </p:nvSpPr>
+        <p:spPr/>
+        <p:txBody>
+          <a:bodyPr>
+            <a:normAutofit fontScale="92500" lnSpcReduction="10000"/>
+          </a:bodyPr>
+          <a:lstStyle/>
+          <a:p>
+            <a:r>
+              <a:rPr lang="zh-TW" altLang="en-US" dirty="0"/>
+              <a:t>使用迴圈輸出等腰三角形，例如輸入</a:t>
+            </a:r>
+            <a:r>
+              <a:rPr lang="en-US" altLang="zh-TW" dirty="0"/>
+              <a:t>4</a:t>
+            </a:r>
+          </a:p>
+          <a:p>
+            <a:endParaRPr lang="en-US" altLang="zh-TW" dirty="0"/>
+          </a:p>
+          <a:p>
+            <a:endParaRPr lang="en-US" altLang="zh-TW" dirty="0"/>
+          </a:p>
+          <a:p>
+            <a:endParaRPr lang="en-US" altLang="zh-TW" dirty="0"/>
+          </a:p>
+          <a:p>
+            <a:r>
+              <a:rPr lang="zh-TW" altLang="en-US" dirty="0"/>
+              <a:t>撰寫一個程式將浮點數數字轉成中文讀法</a:t>
+            </a:r>
+            <a:endParaRPr lang="en-US" altLang="zh-TW" dirty="0"/>
+          </a:p>
+          <a:p>
+            <a:r>
+              <a:rPr lang="zh-TW" altLang="en-US" dirty="0"/>
+              <a:t>寫一個五子棋遊戲</a:t>
+            </a:r>
+            <a:endParaRPr lang="en-US" altLang="zh-TW" dirty="0"/>
+          </a:p>
+          <a:p>
+            <a:r>
+              <a:rPr lang="zh-TW" altLang="en-US" dirty="0"/>
+              <a:t>寫一個</a:t>
+            </a:r>
+            <a:r>
+              <a:rPr lang="en-US" altLang="zh-TW" dirty="0"/>
+              <a:t>OX</a:t>
+            </a:r>
+            <a:r>
+              <a:rPr lang="zh-TW" altLang="en-US"/>
+              <a:t>遊戲</a:t>
+            </a:r>
+            <a:endParaRPr lang="en-US" altLang="zh-TW" dirty="0"/>
+          </a:p>
+        </p:txBody>
+      </p:sp>
+      <p:pic>
+        <p:nvPicPr>
+          <p:cNvPr id="5" name="圖片 4" descr="一張含有 螢幕擷取畫面, Rectangle, 行, 設計 的圖片&#10;&#10;AI 產生的內容可能不正確。">
+            <a:extLst>
+              <a:ext uri="{FF2B5EF4-FFF2-40B4-BE49-F238E27FC236}">
+                <a16:creationId xmlns:a16="http://schemas.microsoft.com/office/drawing/2014/main" id="{8E3D9291-4EBD-275D-1F65-EA79F6CCB6DB}"/>
+              </a:ext>
+            </a:extLst>
+          </p:cNvPr>
+          <p:cNvPicPr>
+            <a:picLocks noChangeAspect="1"/>
+          </p:cNvPicPr>
+          <p:nvPr/>
+        </p:nvPicPr>
+        <p:blipFill>
+          <a:blip r:embed="rId2"/>
+          <a:stretch>
+            <a:fillRect/>
+          </a:stretch>
+        </p:blipFill>
+        <p:spPr>
+          <a:xfrm>
+            <a:off x="1590588" y="2738341"/>
+            <a:ext cx="1238423" cy="1381318"/>
+          </a:xfrm>
+          <a:prstGeom prst="rect">
+            <a:avLst/>
+          </a:prstGeom>
+        </p:spPr>
+      </p:pic>
+    </p:spTree>
+    <p:extLst>
+      <p:ext uri="{BB962C8B-B14F-4D97-AF65-F5344CB8AC3E}">
+        <p14:creationId xmlns:p14="http://schemas.microsoft.com/office/powerpoint/2010/main" val="2939099702"/>
       </p:ext>
     </p:extLst>
   </p:cSld>

--- a/doc/JAVA0123.pptx
+++ b/doc/JAVA0123.pptx
@@ -285,7 +285,7 @@
           <a:p>
             <a:fld id="{B1A5810C-07F1-44AE-9494-72A7A2980C1F}" type="datetimeFigureOut">
               <a:rPr lang="zh-TW" altLang="en-US" smtClean="0"/>
-              <a:t>2026/2/2</a:t>
+              <a:t>2026/2/3</a:t>
             </a:fld>
             <a:endParaRPr lang="zh-TW" altLang="en-US"/>
           </a:p>
@@ -602,7 +602,7 @@
           <a:noFill/>
           <a:extLst>
             <a:ext uri="{909E8E84-426E-40dd-AFC4-6F175D3DCCD1}">
-              <a14:hiddenFill xmlns="" xmlns:a14="http://schemas.microsoft.com/office/drawing/2010/main">
+              <a14:hiddenFill xmlns:a14="http://schemas.microsoft.com/office/drawing/2010/main" xmlns="">
                 <a:solidFill>
                   <a:srgbClr val="FFFFFF"/>
                 </a:solidFill>
@@ -662,7 +662,7 @@
             </a:ln>
             <a:extLst>
               <a:ext uri="{91240B29-F687-4f45-9708-019B960494DF}">
-                <a14:hiddenLine xmlns="" xmlns:a14="http://schemas.microsoft.com/office/drawing/2010/main" w="9525">
+                <a14:hiddenLine xmlns:a14="http://schemas.microsoft.com/office/drawing/2010/main" xmlns="" w="9525">
                   <a:solidFill>
                     <a:srgbClr val="000000"/>
                   </a:solidFill>
@@ -759,7 +759,7 @@
             </a:ln>
             <a:extLst>
               <a:ext uri="{91240B29-F687-4f45-9708-019B960494DF}">
-                <a14:hiddenLine xmlns="" xmlns:a14="http://schemas.microsoft.com/office/drawing/2010/main" w="9525">
+                <a14:hiddenLine xmlns:a14="http://schemas.microsoft.com/office/drawing/2010/main" xmlns="" w="9525">
                   <a:solidFill>
                     <a:srgbClr val="000000"/>
                   </a:solidFill>
@@ -856,7 +856,7 @@
             </a:ln>
             <a:extLst>
               <a:ext uri="{91240B29-F687-4f45-9708-019B960494DF}">
-                <a14:hiddenLine xmlns="" xmlns:a14="http://schemas.microsoft.com/office/drawing/2010/main" w="9525">
+                <a14:hiddenLine xmlns:a14="http://schemas.microsoft.com/office/drawing/2010/main" xmlns="" w="9525">
                   <a:solidFill>
                     <a:srgbClr val="000000"/>
                   </a:solidFill>
@@ -897,7 +897,7 @@
             </a:ln>
             <a:extLst>
               <a:ext uri="{91240B29-F687-4f45-9708-019B960494DF}">
-                <a14:hiddenLine xmlns="" xmlns:a14="http://schemas.microsoft.com/office/drawing/2010/main" w="9525">
+                <a14:hiddenLine xmlns:a14="http://schemas.microsoft.com/office/drawing/2010/main" xmlns="" w="9525">
                   <a:solidFill>
                     <a:srgbClr val="000000"/>
                   </a:solidFill>
@@ -994,7 +994,7 @@
             </a:ln>
             <a:extLst>
               <a:ext uri="{91240B29-F687-4f45-9708-019B960494DF}">
-                <a14:hiddenLine xmlns="" xmlns:a14="http://schemas.microsoft.com/office/drawing/2010/main" w="9525">
+                <a14:hiddenLine xmlns:a14="http://schemas.microsoft.com/office/drawing/2010/main" xmlns="" w="9525">
                   <a:solidFill>
                     <a:srgbClr val="000000"/>
                   </a:solidFill>
@@ -1063,7 +1063,7 @@
             </a:ln>
             <a:extLst>
               <a:ext uri="{91240B29-F687-4f45-9708-019B960494DF}">
-                <a14:hiddenLine xmlns="" xmlns:a14="http://schemas.microsoft.com/office/drawing/2010/main" w="9525">
+                <a14:hiddenLine xmlns:a14="http://schemas.microsoft.com/office/drawing/2010/main" xmlns="" w="9525">
                   <a:solidFill>
                     <a:srgbClr val="000000"/>
                   </a:solidFill>
@@ -1132,7 +1132,7 @@
             </a:ln>
             <a:extLst>
               <a:ext uri="{91240B29-F687-4f45-9708-019B960494DF}">
-                <a14:hiddenLine xmlns="" xmlns:a14="http://schemas.microsoft.com/office/drawing/2010/main" w="9525">
+                <a14:hiddenLine xmlns:a14="http://schemas.microsoft.com/office/drawing/2010/main" xmlns="" w="9525">
                   <a:solidFill>
                     <a:srgbClr val="000000"/>
                   </a:solidFill>
@@ -1229,7 +1229,7 @@
             </a:ln>
             <a:extLst>
               <a:ext uri="{91240B29-F687-4f45-9708-019B960494DF}">
-                <a14:hiddenLine xmlns="" xmlns:a14="http://schemas.microsoft.com/office/drawing/2010/main" w="9525">
+                <a14:hiddenLine xmlns:a14="http://schemas.microsoft.com/office/drawing/2010/main" xmlns="" w="9525">
                   <a:solidFill>
                     <a:srgbClr val="000000"/>
                   </a:solidFill>
@@ -1298,7 +1298,7 @@
             </a:ln>
             <a:extLst>
               <a:ext uri="{91240B29-F687-4f45-9708-019B960494DF}">
-                <a14:hiddenLine xmlns="" xmlns:a14="http://schemas.microsoft.com/office/drawing/2010/main" w="9525">
+                <a14:hiddenLine xmlns:a14="http://schemas.microsoft.com/office/drawing/2010/main" xmlns="" w="9525">
                   <a:solidFill>
                     <a:srgbClr val="000000"/>
                   </a:solidFill>
@@ -1367,7 +1367,7 @@
             </a:ln>
             <a:extLst>
               <a:ext uri="{91240B29-F687-4f45-9708-019B960494DF}">
-                <a14:hiddenLine xmlns="" xmlns:a14="http://schemas.microsoft.com/office/drawing/2010/main" w="9525">
+                <a14:hiddenLine xmlns:a14="http://schemas.microsoft.com/office/drawing/2010/main" xmlns="" w="9525">
                   <a:solidFill>
                     <a:srgbClr val="000000"/>
                   </a:solidFill>
@@ -1464,7 +1464,7 @@
             </a:ln>
             <a:extLst>
               <a:ext uri="{91240B29-F687-4f45-9708-019B960494DF}">
-                <a14:hiddenLine xmlns="" xmlns:a14="http://schemas.microsoft.com/office/drawing/2010/main" w="9525">
+                <a14:hiddenLine xmlns:a14="http://schemas.microsoft.com/office/drawing/2010/main" xmlns="" w="9525">
                   <a:solidFill>
                     <a:srgbClr val="000000"/>
                   </a:solidFill>
@@ -1561,7 +1561,7 @@
             </a:ln>
             <a:extLst>
               <a:ext uri="{91240B29-F687-4f45-9708-019B960494DF}">
-                <a14:hiddenLine xmlns="" xmlns:a14="http://schemas.microsoft.com/office/drawing/2010/main" w="9525">
+                <a14:hiddenLine xmlns:a14="http://schemas.microsoft.com/office/drawing/2010/main" xmlns="" w="9525">
                   <a:solidFill>
                     <a:srgbClr val="000000"/>
                   </a:solidFill>
@@ -1630,7 +1630,7 @@
             </a:ln>
             <a:extLst>
               <a:ext uri="{91240B29-F687-4f45-9708-019B960494DF}">
-                <a14:hiddenLine xmlns="" xmlns:a14="http://schemas.microsoft.com/office/drawing/2010/main" w="9525">
+                <a14:hiddenLine xmlns:a14="http://schemas.microsoft.com/office/drawing/2010/main" xmlns="" w="9525">
                   <a:solidFill>
                     <a:srgbClr val="000000"/>
                   </a:solidFill>
@@ -1747,7 +1747,7 @@
             </a:ln>
             <a:extLst>
               <a:ext uri="{91240B29-F687-4f45-9708-019B960494DF}">
-                <a14:hiddenLine xmlns="" xmlns:a14="http://schemas.microsoft.com/office/drawing/2010/main" w="9525">
+                <a14:hiddenLine xmlns:a14="http://schemas.microsoft.com/office/drawing/2010/main" xmlns="" w="9525">
                   <a:solidFill>
                     <a:srgbClr val="000000"/>
                   </a:solidFill>
@@ -1816,7 +1816,7 @@
             </a:ln>
             <a:extLst>
               <a:ext uri="{91240B29-F687-4f45-9708-019B960494DF}">
-                <a14:hiddenLine xmlns="" xmlns:a14="http://schemas.microsoft.com/office/drawing/2010/main" w="9525">
+                <a14:hiddenLine xmlns:a14="http://schemas.microsoft.com/office/drawing/2010/main" xmlns="" w="9525">
                   <a:solidFill>
                     <a:srgbClr val="000000"/>
                   </a:solidFill>
@@ -1913,7 +1913,7 @@
             </a:ln>
             <a:extLst>
               <a:ext uri="{91240B29-F687-4f45-9708-019B960494DF}">
-                <a14:hiddenLine xmlns="" xmlns:a14="http://schemas.microsoft.com/office/drawing/2010/main" w="9525">
+                <a14:hiddenLine xmlns:a14="http://schemas.microsoft.com/office/drawing/2010/main" xmlns="" w="9525">
                   <a:solidFill>
                     <a:srgbClr val="000000"/>
                   </a:solidFill>
@@ -2010,7 +2010,7 @@
             </a:ln>
             <a:extLst>
               <a:ext uri="{91240B29-F687-4f45-9708-019B960494DF}">
-                <a14:hiddenLine xmlns="" xmlns:a14="http://schemas.microsoft.com/office/drawing/2010/main" w="9525">
+                <a14:hiddenLine xmlns:a14="http://schemas.microsoft.com/office/drawing/2010/main" xmlns="" w="9525">
                   <a:solidFill>
                     <a:srgbClr val="000000"/>
                   </a:solidFill>
@@ -2079,7 +2079,7 @@
             </a:ln>
             <a:extLst>
               <a:ext uri="{91240B29-F687-4f45-9708-019B960494DF}">
-                <a14:hiddenLine xmlns="" xmlns:a14="http://schemas.microsoft.com/office/drawing/2010/main" w="9525">
+                <a14:hiddenLine xmlns:a14="http://schemas.microsoft.com/office/drawing/2010/main" xmlns="" w="9525">
                   <a:solidFill>
                     <a:srgbClr val="000000"/>
                   </a:solidFill>
@@ -2176,7 +2176,7 @@
             </a:ln>
             <a:extLst>
               <a:ext uri="{91240B29-F687-4f45-9708-019B960494DF}">
-                <a14:hiddenLine xmlns="" xmlns:a14="http://schemas.microsoft.com/office/drawing/2010/main" w="9525">
+                <a14:hiddenLine xmlns:a14="http://schemas.microsoft.com/office/drawing/2010/main" xmlns="" w="9525">
                   <a:solidFill>
                     <a:srgbClr val="000000"/>
                   </a:solidFill>
@@ -2273,7 +2273,7 @@
             </a:ln>
             <a:extLst>
               <a:ext uri="{91240B29-F687-4f45-9708-019B960494DF}">
-                <a14:hiddenLine xmlns="" xmlns:a14="http://schemas.microsoft.com/office/drawing/2010/main" w="9525">
+                <a14:hiddenLine xmlns:a14="http://schemas.microsoft.com/office/drawing/2010/main" xmlns="" w="9525">
                   <a:solidFill>
                     <a:srgbClr val="000000"/>
                   </a:solidFill>
@@ -2336,7 +2336,7 @@
             </a:ln>
             <a:extLst>
               <a:ext uri="{91240B29-F687-4f45-9708-019B960494DF}">
-                <a14:hiddenLine xmlns="" xmlns:a14="http://schemas.microsoft.com/office/drawing/2010/main" w="9525">
+                <a14:hiddenLine xmlns:a14="http://schemas.microsoft.com/office/drawing/2010/main" xmlns="" w="9525">
                   <a:solidFill>
                     <a:srgbClr val="000000"/>
                   </a:solidFill>
@@ -2433,7 +2433,7 @@
             </a:ln>
             <a:extLst>
               <a:ext uri="{91240B29-F687-4f45-9708-019B960494DF}">
-                <a14:hiddenLine xmlns="" xmlns:a14="http://schemas.microsoft.com/office/drawing/2010/main" w="9525">
+                <a14:hiddenLine xmlns:a14="http://schemas.microsoft.com/office/drawing/2010/main" xmlns="" w="9525">
                   <a:solidFill>
                     <a:srgbClr val="000000"/>
                   </a:solidFill>
@@ -2496,7 +2496,7 @@
             </a:ln>
             <a:extLst>
               <a:ext uri="{91240B29-F687-4f45-9708-019B960494DF}">
-                <a14:hiddenLine xmlns="" xmlns:a14="http://schemas.microsoft.com/office/drawing/2010/main" w="9525">
+                <a14:hiddenLine xmlns:a14="http://schemas.microsoft.com/office/drawing/2010/main" xmlns="" w="9525">
                   <a:solidFill>
                     <a:srgbClr val="000000"/>
                   </a:solidFill>
@@ -2593,7 +2593,7 @@
             </a:ln>
             <a:extLst>
               <a:ext uri="{91240B29-F687-4f45-9708-019B960494DF}">
-                <a14:hiddenLine xmlns="" xmlns:a14="http://schemas.microsoft.com/office/drawing/2010/main" w="9525">
+                <a14:hiddenLine xmlns:a14="http://schemas.microsoft.com/office/drawing/2010/main" xmlns="" w="9525">
                   <a:solidFill>
                     <a:srgbClr val="000000"/>
                   </a:solidFill>
@@ -2668,7 +2668,7 @@
             </a:ln>
             <a:extLst>
               <a:ext uri="{91240B29-F687-4f45-9708-019B960494DF}">
-                <a14:hiddenLine xmlns="" xmlns:a14="http://schemas.microsoft.com/office/drawing/2010/main" w="9525">
+                <a14:hiddenLine xmlns:a14="http://schemas.microsoft.com/office/drawing/2010/main" xmlns="" w="9525">
                   <a:solidFill>
                     <a:srgbClr val="000000"/>
                   </a:solidFill>
@@ -2765,7 +2765,7 @@
             </a:ln>
             <a:extLst>
               <a:ext uri="{91240B29-F687-4f45-9708-019B960494DF}">
-                <a14:hiddenLine xmlns="" xmlns:a14="http://schemas.microsoft.com/office/drawing/2010/main" w="9525">
+                <a14:hiddenLine xmlns:a14="http://schemas.microsoft.com/office/drawing/2010/main" xmlns="" w="9525">
                   <a:solidFill>
                     <a:srgbClr val="000000"/>
                   </a:solidFill>
@@ -2840,7 +2840,7 @@
             </a:ln>
             <a:extLst>
               <a:ext uri="{91240B29-F687-4f45-9708-019B960494DF}">
-                <a14:hiddenLine xmlns="" xmlns:a14="http://schemas.microsoft.com/office/drawing/2010/main" w="9525">
+                <a14:hiddenLine xmlns:a14="http://schemas.microsoft.com/office/drawing/2010/main" xmlns="" w="9525">
                   <a:solidFill>
                     <a:srgbClr val="000000"/>
                   </a:solidFill>
@@ -2937,7 +2937,7 @@
             </a:ln>
             <a:extLst>
               <a:ext uri="{91240B29-F687-4f45-9708-019B960494DF}">
-                <a14:hiddenLine xmlns="" xmlns:a14="http://schemas.microsoft.com/office/drawing/2010/main" w="9525">
+                <a14:hiddenLine xmlns:a14="http://schemas.microsoft.com/office/drawing/2010/main" xmlns="" w="9525">
                   <a:solidFill>
                     <a:srgbClr val="000000"/>
                   </a:solidFill>
@@ -2978,7 +2978,7 @@
             </a:ln>
             <a:extLst>
               <a:ext uri="{91240B29-F687-4f45-9708-019B960494DF}">
-                <a14:hiddenLine xmlns="" xmlns:a14="http://schemas.microsoft.com/office/drawing/2010/main" w="9525">
+                <a14:hiddenLine xmlns:a14="http://schemas.microsoft.com/office/drawing/2010/main" xmlns="" w="9525">
                   <a:solidFill>
                     <a:srgbClr val="000000"/>
                   </a:solidFill>
@@ -3075,7 +3075,7 @@
             </a:ln>
             <a:extLst>
               <a:ext uri="{91240B29-F687-4f45-9708-019B960494DF}">
-                <a14:hiddenLine xmlns="" xmlns:a14="http://schemas.microsoft.com/office/drawing/2010/main" w="9525">
+                <a14:hiddenLine xmlns:a14="http://schemas.microsoft.com/office/drawing/2010/main" xmlns="" w="9525">
                   <a:solidFill>
                     <a:srgbClr val="000000"/>
                   </a:solidFill>
@@ -3144,7 +3144,7 @@
             </a:ln>
             <a:extLst>
               <a:ext uri="{91240B29-F687-4f45-9708-019B960494DF}">
-                <a14:hiddenLine xmlns="" xmlns:a14="http://schemas.microsoft.com/office/drawing/2010/main" w="9525">
+                <a14:hiddenLine xmlns:a14="http://schemas.microsoft.com/office/drawing/2010/main" xmlns="" w="9525">
                   <a:solidFill>
                     <a:srgbClr val="000000"/>
                   </a:solidFill>
@@ -3213,7 +3213,7 @@
             </a:ln>
             <a:extLst>
               <a:ext uri="{91240B29-F687-4f45-9708-019B960494DF}">
-                <a14:hiddenLine xmlns="" xmlns:a14="http://schemas.microsoft.com/office/drawing/2010/main" w="9525">
+                <a14:hiddenLine xmlns:a14="http://schemas.microsoft.com/office/drawing/2010/main" xmlns="" w="9525">
                   <a:solidFill>
                     <a:srgbClr val="000000"/>
                   </a:solidFill>
@@ -3310,7 +3310,7 @@
             </a:ln>
             <a:extLst>
               <a:ext uri="{91240B29-F687-4f45-9708-019B960494DF}">
-                <a14:hiddenLine xmlns="" xmlns:a14="http://schemas.microsoft.com/office/drawing/2010/main" w="9525">
+                <a14:hiddenLine xmlns:a14="http://schemas.microsoft.com/office/drawing/2010/main" xmlns="" w="9525">
                   <a:solidFill>
                     <a:srgbClr val="000000"/>
                   </a:solidFill>
@@ -3385,7 +3385,7 @@
             </a:ln>
             <a:extLst>
               <a:ext uri="{91240B29-F687-4f45-9708-019B960494DF}">
-                <a14:hiddenLine xmlns="" xmlns:a14="http://schemas.microsoft.com/office/drawing/2010/main" w="9525">
+                <a14:hiddenLine xmlns:a14="http://schemas.microsoft.com/office/drawing/2010/main" xmlns="" w="9525">
                   <a:solidFill>
                     <a:srgbClr val="000000"/>
                   </a:solidFill>
@@ -3454,7 +3454,7 @@
             </a:ln>
             <a:extLst>
               <a:ext uri="{91240B29-F687-4f45-9708-019B960494DF}">
-                <a14:hiddenLine xmlns="" xmlns:a14="http://schemas.microsoft.com/office/drawing/2010/main" w="9525">
+                <a14:hiddenLine xmlns:a14="http://schemas.microsoft.com/office/drawing/2010/main" xmlns="" w="9525">
                   <a:solidFill>
                     <a:srgbClr val="000000"/>
                   </a:solidFill>
@@ -3551,7 +3551,7 @@
             </a:ln>
             <a:extLst>
               <a:ext uri="{91240B29-F687-4f45-9708-019B960494DF}">
-                <a14:hiddenLine xmlns="" xmlns:a14="http://schemas.microsoft.com/office/drawing/2010/main" w="9525">
+                <a14:hiddenLine xmlns:a14="http://schemas.microsoft.com/office/drawing/2010/main" xmlns="" w="9525">
                   <a:solidFill>
                     <a:srgbClr val="000000"/>
                   </a:solidFill>
@@ -3620,7 +3620,7 @@
             </a:ln>
             <a:extLst>
               <a:ext uri="{91240B29-F687-4f45-9708-019B960494DF}">
-                <a14:hiddenLine xmlns="" xmlns:a14="http://schemas.microsoft.com/office/drawing/2010/main" w="9525">
+                <a14:hiddenLine xmlns:a14="http://schemas.microsoft.com/office/drawing/2010/main" xmlns="" w="9525">
                   <a:solidFill>
                     <a:srgbClr val="000000"/>
                   </a:solidFill>
@@ -3717,7 +3717,7 @@
             </a:ln>
             <a:extLst>
               <a:ext uri="{91240B29-F687-4f45-9708-019B960494DF}">
-                <a14:hiddenLine xmlns="" xmlns:a14="http://schemas.microsoft.com/office/drawing/2010/main" w="9525">
+                <a14:hiddenLine xmlns:a14="http://schemas.microsoft.com/office/drawing/2010/main" xmlns="" w="9525">
                   <a:solidFill>
                     <a:srgbClr val="000000"/>
                   </a:solidFill>
@@ -3786,7 +3786,7 @@
             </a:ln>
             <a:extLst>
               <a:ext uri="{91240B29-F687-4f45-9708-019B960494DF}">
-                <a14:hiddenLine xmlns="" xmlns:a14="http://schemas.microsoft.com/office/drawing/2010/main" w="9525">
+                <a14:hiddenLine xmlns:a14="http://schemas.microsoft.com/office/drawing/2010/main" xmlns="" w="9525">
                   <a:solidFill>
                     <a:srgbClr val="000000"/>
                   </a:solidFill>
@@ -3883,7 +3883,7 @@
             </a:ln>
             <a:extLst>
               <a:ext uri="{91240B29-F687-4f45-9708-019B960494DF}">
-                <a14:hiddenLine xmlns="" xmlns:a14="http://schemas.microsoft.com/office/drawing/2010/main" w="9525">
+                <a14:hiddenLine xmlns:a14="http://schemas.microsoft.com/office/drawing/2010/main" xmlns="" w="9525">
                   <a:solidFill>
                     <a:srgbClr val="000000"/>
                   </a:solidFill>
@@ -3924,7 +3924,7 @@
             </a:ln>
             <a:extLst>
               <a:ext uri="{91240B29-F687-4f45-9708-019B960494DF}">
-                <a14:hiddenLine xmlns="" xmlns:a14="http://schemas.microsoft.com/office/drawing/2010/main" w="9525">
+                <a14:hiddenLine xmlns:a14="http://schemas.microsoft.com/office/drawing/2010/main" xmlns="" w="9525">
                   <a:solidFill>
                     <a:srgbClr val="000000"/>
                   </a:solidFill>
@@ -3996,7 +3996,7 @@
             </a:ln>
             <a:extLst>
               <a:ext uri="{91240B29-F687-4f45-9708-019B960494DF}">
-                <a14:hiddenLine xmlns="" xmlns:a14="http://schemas.microsoft.com/office/drawing/2010/main" w="9525">
+                <a14:hiddenLine xmlns:a14="http://schemas.microsoft.com/office/drawing/2010/main" xmlns="" w="9525">
                   <a:solidFill>
                     <a:srgbClr val="000000"/>
                   </a:solidFill>
@@ -4093,7 +4093,7 @@
             </a:ln>
             <a:extLst>
               <a:ext uri="{91240B29-F687-4f45-9708-019B960494DF}">
-                <a14:hiddenLine xmlns="" xmlns:a14="http://schemas.microsoft.com/office/drawing/2010/main" w="9525">
+                <a14:hiddenLine xmlns:a14="http://schemas.microsoft.com/office/drawing/2010/main" xmlns="" w="9525">
                   <a:solidFill>
                     <a:srgbClr val="000000"/>
                   </a:solidFill>
@@ -4162,7 +4162,7 @@
             </a:ln>
             <a:extLst>
               <a:ext uri="{91240B29-F687-4f45-9708-019B960494DF}">
-                <a14:hiddenLine xmlns="" xmlns:a14="http://schemas.microsoft.com/office/drawing/2010/main" w="9525">
+                <a14:hiddenLine xmlns:a14="http://schemas.microsoft.com/office/drawing/2010/main" xmlns="" w="9525">
                   <a:solidFill>
                     <a:srgbClr val="000000"/>
                   </a:solidFill>
@@ -4259,7 +4259,7 @@
             </a:ln>
             <a:extLst>
               <a:ext uri="{91240B29-F687-4f45-9708-019B960494DF}">
-                <a14:hiddenLine xmlns="" xmlns:a14="http://schemas.microsoft.com/office/drawing/2010/main" w="9525">
+                <a14:hiddenLine xmlns:a14="http://schemas.microsoft.com/office/drawing/2010/main" xmlns="" w="9525">
                   <a:solidFill>
                     <a:srgbClr val="000000"/>
                   </a:solidFill>
@@ -4356,7 +4356,7 @@
             </a:ln>
             <a:extLst>
               <a:ext uri="{91240B29-F687-4f45-9708-019B960494DF}">
-                <a14:hiddenLine xmlns="" xmlns:a14="http://schemas.microsoft.com/office/drawing/2010/main" w="9525">
+                <a14:hiddenLine xmlns:a14="http://schemas.microsoft.com/office/drawing/2010/main" xmlns="" w="9525">
                   <a:solidFill>
                     <a:srgbClr val="000000"/>
                   </a:solidFill>
@@ -4428,7 +4428,7 @@
             </a:ln>
             <a:extLst>
               <a:ext uri="{91240B29-F687-4f45-9708-019B960494DF}">
-                <a14:hiddenLine xmlns="" xmlns:a14="http://schemas.microsoft.com/office/drawing/2010/main" w="9525">
+                <a14:hiddenLine xmlns:a14="http://schemas.microsoft.com/office/drawing/2010/main" xmlns="" w="9525">
                   <a:solidFill>
                     <a:srgbClr val="000000"/>
                   </a:solidFill>
@@ -4497,7 +4497,7 @@
             </a:ln>
             <a:extLst>
               <a:ext uri="{91240B29-F687-4f45-9708-019B960494DF}">
-                <a14:hiddenLine xmlns="" xmlns:a14="http://schemas.microsoft.com/office/drawing/2010/main" w="9525">
+                <a14:hiddenLine xmlns:a14="http://schemas.microsoft.com/office/drawing/2010/main" xmlns="" w="9525">
                   <a:solidFill>
                     <a:srgbClr val="000000"/>
                   </a:solidFill>
@@ -4594,7 +4594,7 @@
             </a:ln>
             <a:extLst>
               <a:ext uri="{91240B29-F687-4f45-9708-019B960494DF}">
-                <a14:hiddenLine xmlns="" xmlns:a14="http://schemas.microsoft.com/office/drawing/2010/main" w="9525">
+                <a14:hiddenLine xmlns:a14="http://schemas.microsoft.com/office/drawing/2010/main" xmlns="" w="9525">
                   <a:solidFill>
                     <a:srgbClr val="000000"/>
                   </a:solidFill>
@@ -4691,7 +4691,7 @@
             </a:ln>
             <a:extLst>
               <a:ext uri="{91240B29-F687-4f45-9708-019B960494DF}">
-                <a14:hiddenLine xmlns="" xmlns:a14="http://schemas.microsoft.com/office/drawing/2010/main" w="9525">
+                <a14:hiddenLine xmlns:a14="http://schemas.microsoft.com/office/drawing/2010/main" xmlns="" w="9525">
                   <a:solidFill>
                     <a:srgbClr val="000000"/>
                   </a:solidFill>
@@ -4760,7 +4760,7 @@
             </a:ln>
             <a:extLst>
               <a:ext uri="{91240B29-F687-4f45-9708-019B960494DF}">
-                <a14:hiddenLine xmlns="" xmlns:a14="http://schemas.microsoft.com/office/drawing/2010/main" w="9525">
+                <a14:hiddenLine xmlns:a14="http://schemas.microsoft.com/office/drawing/2010/main" xmlns="" w="9525">
                   <a:solidFill>
                     <a:srgbClr val="000000"/>
                   </a:solidFill>
@@ -4887,7 +4887,7 @@
             </a:ln>
             <a:extLst>
               <a:ext uri="{91240B29-F687-4f45-9708-019B960494DF}">
-                <a14:hiddenLine xmlns="" xmlns:a14="http://schemas.microsoft.com/office/drawing/2010/main" w="9525">
+                <a14:hiddenLine xmlns:a14="http://schemas.microsoft.com/office/drawing/2010/main" xmlns="" w="9525">
                   <a:solidFill>
                     <a:srgbClr val="000000"/>
                   </a:solidFill>
@@ -4962,7 +4962,7 @@
             </a:ln>
             <a:extLst>
               <a:ext uri="{91240B29-F687-4f45-9708-019B960494DF}">
-                <a14:hiddenLine xmlns="" xmlns:a14="http://schemas.microsoft.com/office/drawing/2010/main" w="9525">
+                <a14:hiddenLine xmlns:a14="http://schemas.microsoft.com/office/drawing/2010/main" xmlns="" w="9525">
                   <a:solidFill>
                     <a:srgbClr val="000000"/>
                   </a:solidFill>
@@ -5059,7 +5059,7 @@
             </a:ln>
             <a:extLst>
               <a:ext uri="{91240B29-F687-4f45-9708-019B960494DF}">
-                <a14:hiddenLine xmlns="" xmlns:a14="http://schemas.microsoft.com/office/drawing/2010/main" w="9525">
+                <a14:hiddenLine xmlns:a14="http://schemas.microsoft.com/office/drawing/2010/main" xmlns="" w="9525">
                   <a:solidFill>
                     <a:srgbClr val="000000"/>
                   </a:solidFill>
@@ -5206,7 +5206,7 @@
           <a:p>
             <a:fld id="{48A87A34-81AB-432B-8DAE-1953F412C126}" type="datetimeFigureOut">
               <a:rPr lang="en-US" dirty="0"/>
-              <a:t>2/2/2026</a:t>
+              <a:t>2/3/2026</a:t>
             </a:fld>
             <a:endParaRPr lang="en-US" dirty="0"/>
           </a:p>
@@ -5468,7 +5468,7 @@
           <a:p>
             <a:fld id="{48A87A34-81AB-432B-8DAE-1953F412C126}" type="datetimeFigureOut">
               <a:rPr lang="en-US" dirty="0"/>
-              <a:t>2/2/2026</a:t>
+              <a:t>2/3/2026</a:t>
             </a:fld>
             <a:endParaRPr lang="en-US" dirty="0"/>
           </a:p>
@@ -5659,7 +5659,7 @@
           <a:p>
             <a:fld id="{48A87A34-81AB-432B-8DAE-1953F412C126}" type="datetimeFigureOut">
               <a:rPr lang="en-US" dirty="0"/>
-              <a:t>2/2/2026</a:t>
+              <a:t>2/3/2026</a:t>
             </a:fld>
             <a:endParaRPr lang="en-US" dirty="0"/>
           </a:p>
@@ -5917,7 +5917,7 @@
           <a:p>
             <a:fld id="{48A87A34-81AB-432B-8DAE-1953F412C126}" type="datetimeFigureOut">
               <a:rPr lang="en-US" dirty="0"/>
-              <a:t>2/2/2026</a:t>
+              <a:t>2/3/2026</a:t>
             </a:fld>
             <a:endParaRPr lang="en-US" dirty="0"/>
           </a:p>
@@ -6346,7 +6346,7 @@
           <a:p>
             <a:fld id="{48A87A34-81AB-432B-8DAE-1953F412C126}" type="datetimeFigureOut">
               <a:rPr lang="en-US" dirty="0"/>
-              <a:t>2/2/2026</a:t>
+              <a:t>2/3/2026</a:t>
             </a:fld>
             <a:endParaRPr lang="en-US" dirty="0"/>
           </a:p>
@@ -6887,7 +6887,7 @@
           <a:p>
             <a:fld id="{48A87A34-81AB-432B-8DAE-1953F412C126}" type="datetimeFigureOut">
               <a:rPr lang="en-US" dirty="0"/>
-              <a:t>2/2/2026</a:t>
+              <a:t>2/3/2026</a:t>
             </a:fld>
             <a:endParaRPr lang="en-US" dirty="0"/>
           </a:p>
@@ -7602,7 +7602,7 @@
           <a:p>
             <a:fld id="{48A87A34-81AB-432B-8DAE-1953F412C126}" type="datetimeFigureOut">
               <a:rPr lang="en-US" dirty="0"/>
-              <a:t>2/2/2026</a:t>
+              <a:t>2/3/2026</a:t>
             </a:fld>
             <a:endParaRPr lang="en-US" dirty="0"/>
           </a:p>
@@ -7767,7 +7767,7 @@
           <a:p>
             <a:fld id="{48A87A34-81AB-432B-8DAE-1953F412C126}" type="datetimeFigureOut">
               <a:rPr lang="en-US" dirty="0"/>
-              <a:t>2/2/2026</a:t>
+              <a:t>2/3/2026</a:t>
             </a:fld>
             <a:endParaRPr lang="en-US" dirty="0"/>
           </a:p>
@@ -7942,7 +7942,7 @@
           <a:p>
             <a:fld id="{48A87A34-81AB-432B-8DAE-1953F412C126}" type="datetimeFigureOut">
               <a:rPr lang="en-US" dirty="0"/>
-              <a:t>2/2/2026</a:t>
+              <a:t>2/3/2026</a:t>
             </a:fld>
             <a:endParaRPr lang="en-US" dirty="0"/>
           </a:p>
@@ -8107,7 +8107,7 @@
           <a:p>
             <a:fld id="{48A87A34-81AB-432B-8DAE-1953F412C126}" type="datetimeFigureOut">
               <a:rPr lang="en-US" dirty="0"/>
-              <a:t>2/2/2026</a:t>
+              <a:t>2/3/2026</a:t>
             </a:fld>
             <a:endParaRPr lang="en-US" dirty="0"/>
           </a:p>
@@ -8352,7 +8352,7 @@
           <a:p>
             <a:fld id="{48A87A34-81AB-432B-8DAE-1953F412C126}" type="datetimeFigureOut">
               <a:rPr lang="en-US" dirty="0"/>
-              <a:t>2/2/2026</a:t>
+              <a:t>2/3/2026</a:t>
             </a:fld>
             <a:endParaRPr lang="en-US" dirty="0"/>
           </a:p>
@@ -8579,7 +8579,7 @@
           <a:p>
             <a:fld id="{48A87A34-81AB-432B-8DAE-1953F412C126}" type="datetimeFigureOut">
               <a:rPr lang="en-US" dirty="0"/>
-              <a:t>2/2/2026</a:t>
+              <a:t>2/3/2026</a:t>
             </a:fld>
             <a:endParaRPr lang="en-US" dirty="0"/>
           </a:p>
@@ -8955,7 +8955,7 @@
           <a:p>
             <a:fld id="{48A87A34-81AB-432B-8DAE-1953F412C126}" type="datetimeFigureOut">
               <a:rPr lang="en-US" dirty="0"/>
-              <a:t>2/2/2026</a:t>
+              <a:t>2/3/2026</a:t>
             </a:fld>
             <a:endParaRPr lang="en-US" dirty="0"/>
           </a:p>
@@ -9068,7 +9068,7 @@
           <a:p>
             <a:fld id="{48A87A34-81AB-432B-8DAE-1953F412C126}" type="datetimeFigureOut">
               <a:rPr lang="en-US" dirty="0"/>
-              <a:t>2/2/2026</a:t>
+              <a:t>2/3/2026</a:t>
             </a:fld>
             <a:endParaRPr lang="en-US" dirty="0"/>
           </a:p>
@@ -9158,7 +9158,7 @@
           <a:p>
             <a:fld id="{48A87A34-81AB-432B-8DAE-1953F412C126}" type="datetimeFigureOut">
               <a:rPr lang="en-US" dirty="0"/>
-              <a:t>2/2/2026</a:t>
+              <a:t>2/3/2026</a:t>
             </a:fld>
             <a:endParaRPr lang="en-US" dirty="0"/>
           </a:p>
@@ -9402,7 +9402,7 @@
           <a:p>
             <a:fld id="{48A87A34-81AB-432B-8DAE-1953F412C126}" type="datetimeFigureOut">
               <a:rPr lang="en-US" dirty="0"/>
-              <a:t>2/2/2026</a:t>
+              <a:t>2/3/2026</a:t>
             </a:fld>
             <a:endParaRPr lang="en-US" dirty="0"/>
           </a:p>
@@ -9677,7 +9677,7 @@
           <a:p>
             <a:fld id="{48A87A34-81AB-432B-8DAE-1953F412C126}" type="datetimeFigureOut">
               <a:rPr lang="en-US" dirty="0"/>
-              <a:t>2/2/2026</a:t>
+              <a:t>2/3/2026</a:t>
             </a:fld>
             <a:endParaRPr lang="en-US" dirty="0"/>
           </a:p>
@@ -9788,7 +9788,7 @@
           <a:noFill/>
           <a:extLst>
             <a:ext uri="{909E8E84-426E-40dd-AFC4-6F175D3DCCD1}">
-              <a14:hiddenFill xmlns="" xmlns:a14="http://schemas.microsoft.com/office/drawing/2010/main">
+              <a14:hiddenFill xmlns:a14="http://schemas.microsoft.com/office/drawing/2010/main" xmlns="">
                 <a:solidFill>
                   <a:srgbClr val="FFFFFF"/>
                 </a:solidFill>
@@ -9862,7 +9862,7 @@
               </a:ln>
               <a:extLst>
                 <a:ext uri="{91240B29-F687-4f45-9708-019B960494DF}">
-                  <a14:hiddenLine xmlns="" xmlns:a14="http://schemas.microsoft.com/office/drawing/2010/main" w="9525">
+                  <a14:hiddenLine xmlns:a14="http://schemas.microsoft.com/office/drawing/2010/main" xmlns="" w="9525">
                     <a:solidFill>
                       <a:srgbClr val="000000"/>
                     </a:solidFill>
@@ -9959,7 +9959,7 @@
               </a:ln>
               <a:extLst>
                 <a:ext uri="{91240B29-F687-4f45-9708-019B960494DF}">
-                  <a14:hiddenLine xmlns="" xmlns:a14="http://schemas.microsoft.com/office/drawing/2010/main" w="9525">
+                  <a14:hiddenLine xmlns:a14="http://schemas.microsoft.com/office/drawing/2010/main" xmlns="" w="9525">
                     <a:solidFill>
                       <a:srgbClr val="000000"/>
                     </a:solidFill>
@@ -10056,7 +10056,7 @@
               </a:ln>
               <a:extLst>
                 <a:ext uri="{91240B29-F687-4f45-9708-019B960494DF}">
-                  <a14:hiddenLine xmlns="" xmlns:a14="http://schemas.microsoft.com/office/drawing/2010/main" w="9525">
+                  <a14:hiddenLine xmlns:a14="http://schemas.microsoft.com/office/drawing/2010/main" xmlns="" w="9525">
                     <a:solidFill>
                       <a:srgbClr val="000000"/>
                     </a:solidFill>
@@ -10125,7 +10125,7 @@
               </a:ln>
               <a:extLst>
                 <a:ext uri="{91240B29-F687-4f45-9708-019B960494DF}">
-                  <a14:hiddenLine xmlns="" xmlns:a14="http://schemas.microsoft.com/office/drawing/2010/main" w="9525">
+                  <a14:hiddenLine xmlns:a14="http://schemas.microsoft.com/office/drawing/2010/main" xmlns="" w="9525">
                     <a:solidFill>
                       <a:srgbClr val="000000"/>
                     </a:solidFill>
@@ -10222,7 +10222,7 @@
               </a:ln>
               <a:extLst>
                 <a:ext uri="{91240B29-F687-4f45-9708-019B960494DF}">
-                  <a14:hiddenLine xmlns="" xmlns:a14="http://schemas.microsoft.com/office/drawing/2010/main" w="9525">
+                  <a14:hiddenLine xmlns:a14="http://schemas.microsoft.com/office/drawing/2010/main" xmlns="" w="9525">
                     <a:solidFill>
                       <a:srgbClr val="000000"/>
                     </a:solidFill>
@@ -10291,7 +10291,7 @@
               </a:ln>
               <a:extLst>
                 <a:ext uri="{91240B29-F687-4f45-9708-019B960494DF}">
-                  <a14:hiddenLine xmlns="" xmlns:a14="http://schemas.microsoft.com/office/drawing/2010/main" w="9525">
+                  <a14:hiddenLine xmlns:a14="http://schemas.microsoft.com/office/drawing/2010/main" xmlns="" w="9525">
                     <a:solidFill>
                       <a:srgbClr val="000000"/>
                     </a:solidFill>
@@ -10360,7 +10360,7 @@
               </a:ln>
               <a:extLst>
                 <a:ext uri="{91240B29-F687-4f45-9708-019B960494DF}">
-                  <a14:hiddenLine xmlns="" xmlns:a14="http://schemas.microsoft.com/office/drawing/2010/main" w="9525">
+                  <a14:hiddenLine xmlns:a14="http://schemas.microsoft.com/office/drawing/2010/main" xmlns="" w="9525">
                     <a:solidFill>
                       <a:srgbClr val="000000"/>
                     </a:solidFill>
@@ -10457,7 +10457,7 @@
               </a:ln>
               <a:extLst>
                 <a:ext uri="{91240B29-F687-4f45-9708-019B960494DF}">
-                  <a14:hiddenLine xmlns="" xmlns:a14="http://schemas.microsoft.com/office/drawing/2010/main" w="9525">
+                  <a14:hiddenLine xmlns:a14="http://schemas.microsoft.com/office/drawing/2010/main" xmlns="" w="9525">
                     <a:solidFill>
                       <a:srgbClr val="000000"/>
                     </a:solidFill>
@@ -10554,7 +10554,7 @@
               </a:ln>
               <a:extLst>
                 <a:ext uri="{91240B29-F687-4f45-9708-019B960494DF}">
-                  <a14:hiddenLine xmlns="" xmlns:a14="http://schemas.microsoft.com/office/drawing/2010/main" w="9525">
+                  <a14:hiddenLine xmlns:a14="http://schemas.microsoft.com/office/drawing/2010/main" xmlns="" w="9525">
                     <a:solidFill>
                       <a:srgbClr val="000000"/>
                     </a:solidFill>
@@ -10623,7 +10623,7 @@
               </a:ln>
               <a:extLst>
                 <a:ext uri="{91240B29-F687-4f45-9708-019B960494DF}">
-                  <a14:hiddenLine xmlns="" xmlns:a14="http://schemas.microsoft.com/office/drawing/2010/main" w="9525">
+                  <a14:hiddenLine xmlns:a14="http://schemas.microsoft.com/office/drawing/2010/main" xmlns="" w="9525">
                     <a:solidFill>
                       <a:srgbClr val="000000"/>
                     </a:solidFill>
@@ -10740,7 +10740,7 @@
               </a:ln>
               <a:extLst>
                 <a:ext uri="{91240B29-F687-4f45-9708-019B960494DF}">
-                  <a14:hiddenLine xmlns="" xmlns:a14="http://schemas.microsoft.com/office/drawing/2010/main" w="9525">
+                  <a14:hiddenLine xmlns:a14="http://schemas.microsoft.com/office/drawing/2010/main" xmlns="" w="9525">
                     <a:solidFill>
                       <a:srgbClr val="000000"/>
                     </a:solidFill>
@@ -10838,7 +10838,7 @@
               </a:ln>
               <a:extLst>
                 <a:ext uri="{91240B29-F687-4f45-9708-019B960494DF}">
-                  <a14:hiddenLine xmlns="" xmlns:a14="http://schemas.microsoft.com/office/drawing/2010/main" w="9525">
+                  <a14:hiddenLine xmlns:a14="http://schemas.microsoft.com/office/drawing/2010/main" xmlns="" w="9525">
                     <a:solidFill>
                       <a:srgbClr val="000000"/>
                     </a:solidFill>
@@ -10907,7 +10907,7 @@
               </a:ln>
               <a:extLst>
                 <a:ext uri="{91240B29-F687-4f45-9708-019B960494DF}">
-                  <a14:hiddenLine xmlns="" xmlns:a14="http://schemas.microsoft.com/office/drawing/2010/main" w="9525">
+                  <a14:hiddenLine xmlns:a14="http://schemas.microsoft.com/office/drawing/2010/main" xmlns="" w="9525">
                     <a:solidFill>
                       <a:srgbClr val="000000"/>
                     </a:solidFill>
@@ -10976,7 +10976,7 @@
               </a:ln>
               <a:extLst>
                 <a:ext uri="{91240B29-F687-4f45-9708-019B960494DF}">
-                  <a14:hiddenLine xmlns="" xmlns:a14="http://schemas.microsoft.com/office/drawing/2010/main" w="9525">
+                  <a14:hiddenLine xmlns:a14="http://schemas.microsoft.com/office/drawing/2010/main" xmlns="" w="9525">
                     <a:solidFill>
                       <a:srgbClr val="000000"/>
                     </a:solidFill>
@@ -11073,7 +11073,7 @@
               </a:ln>
               <a:extLst>
                 <a:ext uri="{91240B29-F687-4f45-9708-019B960494DF}">
-                  <a14:hiddenLine xmlns="" xmlns:a14="http://schemas.microsoft.com/office/drawing/2010/main" w="9525">
+                  <a14:hiddenLine xmlns:a14="http://schemas.microsoft.com/office/drawing/2010/main" xmlns="" w="9525">
                     <a:solidFill>
                       <a:srgbClr val="000000"/>
                     </a:solidFill>
@@ -11114,7 +11114,7 @@
               </a:ln>
               <a:extLst>
                 <a:ext uri="{91240B29-F687-4f45-9708-019B960494DF}">
-                  <a14:hiddenLine xmlns="" xmlns:a14="http://schemas.microsoft.com/office/drawing/2010/main" w="9525">
+                  <a14:hiddenLine xmlns:a14="http://schemas.microsoft.com/office/drawing/2010/main" xmlns="" w="9525">
                     <a:solidFill>
                       <a:srgbClr val="000000"/>
                     </a:solidFill>
@@ -11186,7 +11186,7 @@
               </a:ln>
               <a:extLst>
                 <a:ext uri="{91240B29-F687-4f45-9708-019B960494DF}">
-                  <a14:hiddenLine xmlns="" xmlns:a14="http://schemas.microsoft.com/office/drawing/2010/main" w="9525">
+                  <a14:hiddenLine xmlns:a14="http://schemas.microsoft.com/office/drawing/2010/main" xmlns="" w="9525">
                     <a:solidFill>
                       <a:srgbClr val="000000"/>
                     </a:solidFill>
@@ -11283,7 +11283,7 @@
               </a:ln>
               <a:extLst>
                 <a:ext uri="{91240B29-F687-4f45-9708-019B960494DF}">
-                  <a14:hiddenLine xmlns="" xmlns:a14="http://schemas.microsoft.com/office/drawing/2010/main" w="9525">
+                  <a14:hiddenLine xmlns:a14="http://schemas.microsoft.com/office/drawing/2010/main" xmlns="" w="9525">
                     <a:solidFill>
                       <a:srgbClr val="000000"/>
                     </a:solidFill>
@@ -11352,7 +11352,7 @@
               </a:ln>
               <a:extLst>
                 <a:ext uri="{91240B29-F687-4f45-9708-019B960494DF}">
-                  <a14:hiddenLine xmlns="" xmlns:a14="http://schemas.microsoft.com/office/drawing/2010/main" w="9525">
+                  <a14:hiddenLine xmlns:a14="http://schemas.microsoft.com/office/drawing/2010/main" xmlns="" w="9525">
                     <a:solidFill>
                       <a:srgbClr val="000000"/>
                     </a:solidFill>
@@ -11449,7 +11449,7 @@
               </a:ln>
               <a:extLst>
                 <a:ext uri="{91240B29-F687-4f45-9708-019B960494DF}">
-                  <a14:hiddenLine xmlns="" xmlns:a14="http://schemas.microsoft.com/office/drawing/2010/main" w="9525">
+                  <a14:hiddenLine xmlns:a14="http://schemas.microsoft.com/office/drawing/2010/main" xmlns="" w="9525">
                     <a:solidFill>
                       <a:srgbClr val="000000"/>
                     </a:solidFill>
@@ -11521,7 +11521,7 @@
               </a:ln>
               <a:extLst>
                 <a:ext uri="{91240B29-F687-4f45-9708-019B960494DF}">
-                  <a14:hiddenLine xmlns="" xmlns:a14="http://schemas.microsoft.com/office/drawing/2010/main" w="9525">
+                  <a14:hiddenLine xmlns:a14="http://schemas.microsoft.com/office/drawing/2010/main" xmlns="" w="9525">
                     <a:solidFill>
                       <a:srgbClr val="000000"/>
                     </a:solidFill>
@@ -11590,7 +11590,7 @@
               </a:ln>
               <a:extLst>
                 <a:ext uri="{91240B29-F687-4f45-9708-019B960494DF}">
-                  <a14:hiddenLine xmlns="" xmlns:a14="http://schemas.microsoft.com/office/drawing/2010/main" w="9525">
+                  <a14:hiddenLine xmlns:a14="http://schemas.microsoft.com/office/drawing/2010/main" xmlns="" w="9525">
                     <a:solidFill>
                       <a:srgbClr val="000000"/>
                     </a:solidFill>
@@ -11687,7 +11687,7 @@
               </a:ln>
               <a:extLst>
                 <a:ext uri="{91240B29-F687-4f45-9708-019B960494DF}">
-                  <a14:hiddenLine xmlns="" xmlns:a14="http://schemas.microsoft.com/office/drawing/2010/main" w="9525">
+                  <a14:hiddenLine xmlns:a14="http://schemas.microsoft.com/office/drawing/2010/main" xmlns="" w="9525">
                     <a:solidFill>
                       <a:srgbClr val="000000"/>
                     </a:solidFill>
@@ -11784,7 +11784,7 @@
               </a:ln>
               <a:extLst>
                 <a:ext uri="{91240B29-F687-4f45-9708-019B960494DF}">
-                  <a14:hiddenLine xmlns="" xmlns:a14="http://schemas.microsoft.com/office/drawing/2010/main" w="9525">
+                  <a14:hiddenLine xmlns:a14="http://schemas.microsoft.com/office/drawing/2010/main" xmlns="" w="9525">
                     <a:solidFill>
                       <a:srgbClr val="000000"/>
                     </a:solidFill>
@@ -11856,7 +11856,7 @@
               </a:ln>
               <a:extLst>
                 <a:ext uri="{91240B29-F687-4f45-9708-019B960494DF}">
-                  <a14:hiddenLine xmlns="" xmlns:a14="http://schemas.microsoft.com/office/drawing/2010/main" w="9525">
+                  <a14:hiddenLine xmlns:a14="http://schemas.microsoft.com/office/drawing/2010/main" xmlns="" w="9525">
                     <a:solidFill>
                       <a:srgbClr val="000000"/>
                     </a:solidFill>
@@ -11983,7 +11983,7 @@
               </a:ln>
               <a:extLst>
                 <a:ext uri="{91240B29-F687-4f45-9708-019B960494DF}">
-                  <a14:hiddenLine xmlns="" xmlns:a14="http://schemas.microsoft.com/office/drawing/2010/main" w="9525">
+                  <a14:hiddenLine xmlns:a14="http://schemas.microsoft.com/office/drawing/2010/main" xmlns="" w="9525">
                     <a:solidFill>
                       <a:srgbClr val="000000"/>
                     </a:solidFill>
@@ -12088,7 +12088,7 @@
               </a:ln>
               <a:extLst>
                 <a:ext uri="{91240B29-F687-4f45-9708-019B960494DF}">
-                  <a14:hiddenLine xmlns="" xmlns:a14="http://schemas.microsoft.com/office/drawing/2010/main" w="9525">
+                  <a14:hiddenLine xmlns:a14="http://schemas.microsoft.com/office/drawing/2010/main" xmlns="" w="9525">
                     <a:solidFill>
                       <a:srgbClr val="000000"/>
                     </a:solidFill>
@@ -12210,7 +12210,7 @@
               </a:ln>
               <a:extLst>
                 <a:ext uri="{91240B29-F687-4f45-9708-019B960494DF}">
-                  <a14:hiddenLine xmlns="" xmlns:a14="http://schemas.microsoft.com/office/drawing/2010/main" w="9525">
+                  <a14:hiddenLine xmlns:a14="http://schemas.microsoft.com/office/drawing/2010/main" xmlns="" w="9525">
                     <a:solidFill>
                       <a:srgbClr val="000000"/>
                     </a:solidFill>
@@ -12307,7 +12307,7 @@
               </a:ln>
               <a:extLst>
                 <a:ext uri="{91240B29-F687-4f45-9708-019B960494DF}">
-                  <a14:hiddenLine xmlns="" xmlns:a14="http://schemas.microsoft.com/office/drawing/2010/main" w="9525">
+                  <a14:hiddenLine xmlns:a14="http://schemas.microsoft.com/office/drawing/2010/main" xmlns="" w="9525">
                     <a:solidFill>
                       <a:srgbClr val="000000"/>
                     </a:solidFill>
@@ -12379,7 +12379,7 @@
               </a:ln>
               <a:extLst>
                 <a:ext uri="{91240B29-F687-4f45-9708-019B960494DF}">
-                  <a14:hiddenLine xmlns="" xmlns:a14="http://schemas.microsoft.com/office/drawing/2010/main" w="9525">
+                  <a14:hiddenLine xmlns:a14="http://schemas.microsoft.com/office/drawing/2010/main" xmlns="" w="9525">
                     <a:solidFill>
                       <a:srgbClr val="000000"/>
                     </a:solidFill>
@@ -12476,7 +12476,7 @@
               </a:ln>
               <a:extLst>
                 <a:ext uri="{91240B29-F687-4f45-9708-019B960494DF}">
-                  <a14:hiddenLine xmlns="" xmlns:a14="http://schemas.microsoft.com/office/drawing/2010/main" w="9525">
+                  <a14:hiddenLine xmlns:a14="http://schemas.microsoft.com/office/drawing/2010/main" xmlns="" w="9525">
                     <a:solidFill>
                       <a:srgbClr val="000000"/>
                     </a:solidFill>
@@ -12551,7 +12551,7 @@
               </a:ln>
               <a:extLst>
                 <a:ext uri="{91240B29-F687-4f45-9708-019B960494DF}">
-                  <a14:hiddenLine xmlns="" xmlns:a14="http://schemas.microsoft.com/office/drawing/2010/main" w="9525">
+                  <a14:hiddenLine xmlns:a14="http://schemas.microsoft.com/office/drawing/2010/main" xmlns="" w="9525">
                     <a:solidFill>
                       <a:srgbClr val="000000"/>
                     </a:solidFill>
@@ -12648,7 +12648,7 @@
               </a:ln>
               <a:extLst>
                 <a:ext uri="{91240B29-F687-4f45-9708-019B960494DF}">
-                  <a14:hiddenLine xmlns="" xmlns:a14="http://schemas.microsoft.com/office/drawing/2010/main" w="9525">
+                  <a14:hiddenLine xmlns:a14="http://schemas.microsoft.com/office/drawing/2010/main" xmlns="" w="9525">
                     <a:solidFill>
                       <a:srgbClr val="000000"/>
                     </a:solidFill>
@@ -12723,7 +12723,7 @@
               </a:ln>
               <a:extLst>
                 <a:ext uri="{91240B29-F687-4f45-9708-019B960494DF}">
-                  <a14:hiddenLine xmlns="" xmlns:a14="http://schemas.microsoft.com/office/drawing/2010/main" w="9525">
+                  <a14:hiddenLine xmlns:a14="http://schemas.microsoft.com/office/drawing/2010/main" xmlns="" w="9525">
                     <a:solidFill>
                       <a:srgbClr val="000000"/>
                     </a:solidFill>
@@ -12820,7 +12820,7 @@
               </a:ln>
               <a:extLst>
                 <a:ext uri="{91240B29-F687-4f45-9708-019B960494DF}">
-                  <a14:hiddenLine xmlns="" xmlns:a14="http://schemas.microsoft.com/office/drawing/2010/main" w="9525">
+                  <a14:hiddenLine xmlns:a14="http://schemas.microsoft.com/office/drawing/2010/main" xmlns="" w="9525">
                     <a:solidFill>
                       <a:srgbClr val="000000"/>
                     </a:solidFill>
@@ -12861,7 +12861,7 @@
               </a:ln>
               <a:extLst>
                 <a:ext uri="{91240B29-F687-4f45-9708-019B960494DF}">
-                  <a14:hiddenLine xmlns="" xmlns:a14="http://schemas.microsoft.com/office/drawing/2010/main" w="9525">
+                  <a14:hiddenLine xmlns:a14="http://schemas.microsoft.com/office/drawing/2010/main" xmlns="" w="9525">
                     <a:solidFill>
                       <a:srgbClr val="000000"/>
                     </a:solidFill>
@@ -13009,7 +13009,7 @@
             <a:fld id="{48A87A34-81AB-432B-8DAE-1953F412C126}" type="datetimeFigureOut">
               <a:rPr lang="en-US" dirty="0"/>
               <a:pPr/>
-              <a:t>2/2/2026</a:t>
+              <a:t>2/3/2026</a:t>
             </a:fld>
             <a:endParaRPr lang="en-US" dirty="0"/>
           </a:p>
@@ -13776,7 +13776,12 @@
             <p:ph idx="1"/>
           </p:nvPr>
         </p:nvSpPr>
-        <p:spPr/>
+        <p:spPr>
+          <a:xfrm>
+            <a:off x="1079067" y="2332614"/>
+            <a:ext cx="9905999" cy="3541714"/>
+          </a:xfrm>
+        </p:spPr>
         <p:txBody>
           <a:bodyPr/>
           <a:lstStyle/>
@@ -13891,7 +13896,7 @@
           <a:noFill/>
           <a:extLst>
             <a:ext uri="{909E8E84-426E-40dd-AFC4-6F175D3DCCD1}">
-              <a14:hiddenFill xmlns="" xmlns:a16="http://schemas.microsoft.com/office/drawing/2014/main" xmlns:a14="http://schemas.microsoft.com/office/drawing/2010/main" xmlns:p14="http://schemas.microsoft.com/office/powerpoint/2010/main">
+              <a14:hiddenFill xmlns:p14="http://schemas.microsoft.com/office/powerpoint/2010/main" xmlns:a14="http://schemas.microsoft.com/office/drawing/2010/main" xmlns:a16="http://schemas.microsoft.com/office/drawing/2014/main" xmlns="">
                 <a:solidFill>
                   <a:srgbClr val="FFFFFF"/>
                 </a:solidFill>
@@ -14012,7 +14017,7 @@
               </a:ln>
               <a:extLst>
                 <a:ext uri="{91240B29-F687-4f45-9708-019B960494DF}">
-                  <a14:hiddenLine xmlns="" xmlns:a16="http://schemas.microsoft.com/office/drawing/2014/main" xmlns:a14="http://schemas.microsoft.com/office/drawing/2010/main" xmlns:p14="http://schemas.microsoft.com/office/powerpoint/2010/main" w="9525">
+                  <a14:hiddenLine xmlns:p14="http://schemas.microsoft.com/office/powerpoint/2010/main" xmlns:a14="http://schemas.microsoft.com/office/drawing/2010/main" xmlns:a16="http://schemas.microsoft.com/office/drawing/2014/main" xmlns="" w="9525">
                     <a:solidFill>
                       <a:srgbClr val="000000"/>
                     </a:solidFill>
@@ -14124,7 +14129,7 @@
               </a:ln>
               <a:extLst>
                 <a:ext uri="{91240B29-F687-4f45-9708-019B960494DF}">
-                  <a14:hiddenLine xmlns="" xmlns:a16="http://schemas.microsoft.com/office/drawing/2014/main" xmlns:a14="http://schemas.microsoft.com/office/drawing/2010/main" xmlns:p14="http://schemas.microsoft.com/office/powerpoint/2010/main" w="9525">
+                  <a14:hiddenLine xmlns:p14="http://schemas.microsoft.com/office/powerpoint/2010/main" xmlns:a14="http://schemas.microsoft.com/office/drawing/2010/main" xmlns:a16="http://schemas.microsoft.com/office/drawing/2014/main" xmlns="" w="9525">
                     <a:solidFill>
                       <a:srgbClr val="000000"/>
                     </a:solidFill>
@@ -14236,7 +14241,7 @@
               </a:ln>
               <a:extLst>
                 <a:ext uri="{91240B29-F687-4f45-9708-019B960494DF}">
-                  <a14:hiddenLine xmlns="" xmlns:a16="http://schemas.microsoft.com/office/drawing/2014/main" xmlns:a14="http://schemas.microsoft.com/office/drawing/2010/main" xmlns:p14="http://schemas.microsoft.com/office/powerpoint/2010/main" w="9525">
+                  <a14:hiddenLine xmlns:p14="http://schemas.microsoft.com/office/powerpoint/2010/main" xmlns:a14="http://schemas.microsoft.com/office/drawing/2010/main" xmlns:a16="http://schemas.microsoft.com/office/drawing/2014/main" xmlns="" w="9525">
                     <a:solidFill>
                       <a:srgbClr val="000000"/>
                     </a:solidFill>
@@ -14320,7 +14325,7 @@
               </a:ln>
               <a:extLst>
                 <a:ext uri="{91240B29-F687-4f45-9708-019B960494DF}">
-                  <a14:hiddenLine xmlns="" xmlns:a16="http://schemas.microsoft.com/office/drawing/2014/main" xmlns:a14="http://schemas.microsoft.com/office/drawing/2010/main" xmlns:p14="http://schemas.microsoft.com/office/powerpoint/2010/main" w="9525">
+                  <a14:hiddenLine xmlns:p14="http://schemas.microsoft.com/office/powerpoint/2010/main" xmlns:a14="http://schemas.microsoft.com/office/drawing/2010/main" xmlns:a16="http://schemas.microsoft.com/office/drawing/2014/main" xmlns="" w="9525">
                     <a:solidFill>
                       <a:srgbClr val="000000"/>
                     </a:solidFill>
@@ -14432,7 +14437,7 @@
               </a:ln>
               <a:extLst>
                 <a:ext uri="{91240B29-F687-4f45-9708-019B960494DF}">
-                  <a14:hiddenLine xmlns="" xmlns:a16="http://schemas.microsoft.com/office/drawing/2014/main" xmlns:a14="http://schemas.microsoft.com/office/drawing/2010/main" xmlns:p14="http://schemas.microsoft.com/office/powerpoint/2010/main" w="9525">
+                  <a14:hiddenLine xmlns:p14="http://schemas.microsoft.com/office/powerpoint/2010/main" xmlns:a14="http://schemas.microsoft.com/office/drawing/2010/main" xmlns:a16="http://schemas.microsoft.com/office/drawing/2014/main" xmlns="" w="9525">
                     <a:solidFill>
                       <a:srgbClr val="000000"/>
                     </a:solidFill>
@@ -14516,7 +14521,7 @@
               </a:ln>
               <a:extLst>
                 <a:ext uri="{91240B29-F687-4f45-9708-019B960494DF}">
-                  <a14:hiddenLine xmlns="" xmlns:a16="http://schemas.microsoft.com/office/drawing/2014/main" xmlns:a14="http://schemas.microsoft.com/office/drawing/2010/main" xmlns:p14="http://schemas.microsoft.com/office/powerpoint/2010/main" w="9525">
+                  <a14:hiddenLine xmlns:p14="http://schemas.microsoft.com/office/powerpoint/2010/main" xmlns:a14="http://schemas.microsoft.com/office/drawing/2010/main" xmlns:a16="http://schemas.microsoft.com/office/drawing/2014/main" xmlns="" w="9525">
                     <a:solidFill>
                       <a:srgbClr val="000000"/>
                     </a:solidFill>
@@ -14600,7 +14605,7 @@
               </a:ln>
               <a:extLst>
                 <a:ext uri="{91240B29-F687-4f45-9708-019B960494DF}">
-                  <a14:hiddenLine xmlns="" xmlns:a16="http://schemas.microsoft.com/office/drawing/2014/main" xmlns:a14="http://schemas.microsoft.com/office/drawing/2010/main" xmlns:p14="http://schemas.microsoft.com/office/powerpoint/2010/main" w="9525">
+                  <a14:hiddenLine xmlns:p14="http://schemas.microsoft.com/office/powerpoint/2010/main" xmlns:a14="http://schemas.microsoft.com/office/drawing/2010/main" xmlns:a16="http://schemas.microsoft.com/office/drawing/2014/main" xmlns="" w="9525">
                     <a:solidFill>
                       <a:srgbClr val="000000"/>
                     </a:solidFill>
@@ -14712,7 +14717,7 @@
               </a:ln>
               <a:extLst>
                 <a:ext uri="{91240B29-F687-4f45-9708-019B960494DF}">
-                  <a14:hiddenLine xmlns="" xmlns:a16="http://schemas.microsoft.com/office/drawing/2014/main" xmlns:a14="http://schemas.microsoft.com/office/drawing/2010/main" xmlns:p14="http://schemas.microsoft.com/office/powerpoint/2010/main" w="9525">
+                  <a14:hiddenLine xmlns:p14="http://schemas.microsoft.com/office/powerpoint/2010/main" xmlns:a14="http://schemas.microsoft.com/office/drawing/2010/main" xmlns:a16="http://schemas.microsoft.com/office/drawing/2014/main" xmlns="" w="9525">
                     <a:solidFill>
                       <a:srgbClr val="000000"/>
                     </a:solidFill>
@@ -14824,7 +14829,7 @@
               </a:ln>
               <a:extLst>
                 <a:ext uri="{91240B29-F687-4f45-9708-019B960494DF}">
-                  <a14:hiddenLine xmlns="" xmlns:a16="http://schemas.microsoft.com/office/drawing/2014/main" xmlns:a14="http://schemas.microsoft.com/office/drawing/2010/main" xmlns:p14="http://schemas.microsoft.com/office/powerpoint/2010/main" w="9525">
+                  <a14:hiddenLine xmlns:p14="http://schemas.microsoft.com/office/powerpoint/2010/main" xmlns:a14="http://schemas.microsoft.com/office/drawing/2010/main" xmlns:a16="http://schemas.microsoft.com/office/drawing/2014/main" xmlns="" w="9525">
                     <a:solidFill>
                       <a:srgbClr val="000000"/>
                     </a:solidFill>
@@ -14908,7 +14913,7 @@
               </a:ln>
               <a:extLst>
                 <a:ext uri="{91240B29-F687-4f45-9708-019B960494DF}">
-                  <a14:hiddenLine xmlns="" xmlns:a16="http://schemas.microsoft.com/office/drawing/2014/main" xmlns:a14="http://schemas.microsoft.com/office/drawing/2010/main" xmlns:p14="http://schemas.microsoft.com/office/powerpoint/2010/main" w="9525">
+                  <a14:hiddenLine xmlns:p14="http://schemas.microsoft.com/office/powerpoint/2010/main" xmlns:a14="http://schemas.microsoft.com/office/drawing/2010/main" xmlns:a16="http://schemas.microsoft.com/office/drawing/2014/main" xmlns="" w="9525">
                     <a:solidFill>
                       <a:srgbClr val="000000"/>
                     </a:solidFill>
@@ -15040,7 +15045,7 @@
               </a:ln>
               <a:extLst>
                 <a:ext uri="{91240B29-F687-4f45-9708-019B960494DF}">
-                  <a14:hiddenLine xmlns="" xmlns:a16="http://schemas.microsoft.com/office/drawing/2014/main" xmlns:a14="http://schemas.microsoft.com/office/drawing/2010/main" xmlns:p14="http://schemas.microsoft.com/office/powerpoint/2010/main" w="9525">
+                  <a14:hiddenLine xmlns:p14="http://schemas.microsoft.com/office/powerpoint/2010/main" xmlns:a14="http://schemas.microsoft.com/office/drawing/2010/main" xmlns:a16="http://schemas.microsoft.com/office/drawing/2014/main" xmlns="" w="9525">
                     <a:solidFill>
                       <a:srgbClr val="000000"/>
                     </a:solidFill>
@@ -15168,7 +15173,7 @@
               </a:ln>
               <a:extLst>
                 <a:ext uri="{91240B29-F687-4f45-9708-019B960494DF}">
-                  <a14:hiddenLine xmlns="" xmlns:a16="http://schemas.microsoft.com/office/drawing/2014/main" xmlns:a14="http://schemas.microsoft.com/office/drawing/2010/main" xmlns:p14="http://schemas.microsoft.com/office/powerpoint/2010/main" w="9525">
+                  <a14:hiddenLine xmlns:p14="http://schemas.microsoft.com/office/powerpoint/2010/main" xmlns:a14="http://schemas.microsoft.com/office/drawing/2010/main" xmlns:a16="http://schemas.microsoft.com/office/drawing/2014/main" xmlns="" w="9525">
                     <a:solidFill>
                       <a:srgbClr val="000000"/>
                     </a:solidFill>
@@ -15252,7 +15257,7 @@
               </a:ln>
               <a:extLst>
                 <a:ext uri="{91240B29-F687-4f45-9708-019B960494DF}">
-                  <a14:hiddenLine xmlns="" xmlns:a16="http://schemas.microsoft.com/office/drawing/2014/main" xmlns:a14="http://schemas.microsoft.com/office/drawing/2010/main" xmlns:p14="http://schemas.microsoft.com/office/powerpoint/2010/main" w="9525">
+                  <a14:hiddenLine xmlns:p14="http://schemas.microsoft.com/office/powerpoint/2010/main" xmlns:a14="http://schemas.microsoft.com/office/drawing/2010/main" xmlns:a16="http://schemas.microsoft.com/office/drawing/2014/main" xmlns="" w="9525">
                     <a:solidFill>
                       <a:srgbClr val="000000"/>
                     </a:solidFill>
@@ -15336,7 +15341,7 @@
               </a:ln>
               <a:extLst>
                 <a:ext uri="{91240B29-F687-4f45-9708-019B960494DF}">
-                  <a14:hiddenLine xmlns="" xmlns:a16="http://schemas.microsoft.com/office/drawing/2014/main" xmlns:a14="http://schemas.microsoft.com/office/drawing/2010/main" xmlns:p14="http://schemas.microsoft.com/office/powerpoint/2010/main" w="9525">
+                  <a14:hiddenLine xmlns:p14="http://schemas.microsoft.com/office/powerpoint/2010/main" xmlns:a14="http://schemas.microsoft.com/office/drawing/2010/main" xmlns:a16="http://schemas.microsoft.com/office/drawing/2014/main" xmlns="" w="9525">
                     <a:solidFill>
                       <a:srgbClr val="000000"/>
                     </a:solidFill>
@@ -15448,7 +15453,7 @@
               </a:ln>
               <a:extLst>
                 <a:ext uri="{91240B29-F687-4f45-9708-019B960494DF}">
-                  <a14:hiddenLine xmlns="" xmlns:a16="http://schemas.microsoft.com/office/drawing/2014/main" xmlns:a14="http://schemas.microsoft.com/office/drawing/2010/main" xmlns:p14="http://schemas.microsoft.com/office/powerpoint/2010/main" w="9525">
+                  <a14:hiddenLine xmlns:p14="http://schemas.microsoft.com/office/powerpoint/2010/main" xmlns:a14="http://schemas.microsoft.com/office/drawing/2010/main" xmlns:a16="http://schemas.microsoft.com/office/drawing/2014/main" xmlns="" w="9525">
                     <a:solidFill>
                       <a:srgbClr val="000000"/>
                     </a:solidFill>
@@ -15504,7 +15509,7 @@
               </a:ln>
               <a:extLst>
                 <a:ext uri="{91240B29-F687-4f45-9708-019B960494DF}">
-                  <a14:hiddenLine xmlns="" xmlns:a16="http://schemas.microsoft.com/office/drawing/2014/main" xmlns:a14="http://schemas.microsoft.com/office/drawing/2010/main" xmlns:p14="http://schemas.microsoft.com/office/powerpoint/2010/main" w="9525">
+                  <a14:hiddenLine xmlns:p14="http://schemas.microsoft.com/office/powerpoint/2010/main" xmlns:a14="http://schemas.microsoft.com/office/drawing/2010/main" xmlns:a16="http://schemas.microsoft.com/office/drawing/2014/main" xmlns="" w="9525">
                     <a:solidFill>
                       <a:srgbClr val="000000"/>
                     </a:solidFill>
@@ -15591,7 +15596,7 @@
               </a:ln>
               <a:extLst>
                 <a:ext uri="{91240B29-F687-4f45-9708-019B960494DF}">
-                  <a14:hiddenLine xmlns="" xmlns:a16="http://schemas.microsoft.com/office/drawing/2014/main" xmlns:a14="http://schemas.microsoft.com/office/drawing/2010/main" xmlns:p14="http://schemas.microsoft.com/office/powerpoint/2010/main" w="9525">
+                  <a14:hiddenLine xmlns:p14="http://schemas.microsoft.com/office/powerpoint/2010/main" xmlns:a14="http://schemas.microsoft.com/office/drawing/2010/main" xmlns:a16="http://schemas.microsoft.com/office/drawing/2014/main" xmlns="" w="9525">
                     <a:solidFill>
                       <a:srgbClr val="000000"/>
                     </a:solidFill>
@@ -15703,7 +15708,7 @@
               </a:ln>
               <a:extLst>
                 <a:ext uri="{91240B29-F687-4f45-9708-019B960494DF}">
-                  <a14:hiddenLine xmlns="" xmlns:a16="http://schemas.microsoft.com/office/drawing/2014/main" xmlns:a14="http://schemas.microsoft.com/office/drawing/2010/main" xmlns:p14="http://schemas.microsoft.com/office/powerpoint/2010/main" w="9525">
+                  <a14:hiddenLine xmlns:p14="http://schemas.microsoft.com/office/powerpoint/2010/main" xmlns:a14="http://schemas.microsoft.com/office/drawing/2010/main" xmlns:a16="http://schemas.microsoft.com/office/drawing/2014/main" xmlns="" w="9525">
                     <a:solidFill>
                       <a:srgbClr val="000000"/>
                     </a:solidFill>
@@ -15787,7 +15792,7 @@
               </a:ln>
               <a:extLst>
                 <a:ext uri="{91240B29-F687-4f45-9708-019B960494DF}">
-                  <a14:hiddenLine xmlns="" xmlns:a16="http://schemas.microsoft.com/office/drawing/2014/main" xmlns:a14="http://schemas.microsoft.com/office/drawing/2010/main" xmlns:p14="http://schemas.microsoft.com/office/powerpoint/2010/main" w="9525">
+                  <a14:hiddenLine xmlns:p14="http://schemas.microsoft.com/office/powerpoint/2010/main" xmlns:a14="http://schemas.microsoft.com/office/drawing/2010/main" xmlns:a16="http://schemas.microsoft.com/office/drawing/2014/main" xmlns="" w="9525">
                     <a:solidFill>
                       <a:srgbClr val="000000"/>
                     </a:solidFill>
@@ -15899,7 +15904,7 @@
               </a:ln>
               <a:extLst>
                 <a:ext uri="{91240B29-F687-4f45-9708-019B960494DF}">
-                  <a14:hiddenLine xmlns="" xmlns:a16="http://schemas.microsoft.com/office/drawing/2014/main" xmlns:a14="http://schemas.microsoft.com/office/drawing/2010/main" xmlns:p14="http://schemas.microsoft.com/office/powerpoint/2010/main" w="9525">
+                  <a14:hiddenLine xmlns:p14="http://schemas.microsoft.com/office/powerpoint/2010/main" xmlns:a14="http://schemas.microsoft.com/office/drawing/2010/main" xmlns:a16="http://schemas.microsoft.com/office/drawing/2014/main" xmlns="" w="9525">
                     <a:solidFill>
                       <a:srgbClr val="000000"/>
                     </a:solidFill>
@@ -15986,7 +15991,7 @@
               </a:ln>
               <a:extLst>
                 <a:ext uri="{91240B29-F687-4f45-9708-019B960494DF}">
-                  <a14:hiddenLine xmlns="" xmlns:a16="http://schemas.microsoft.com/office/drawing/2014/main" xmlns:a14="http://schemas.microsoft.com/office/drawing/2010/main" xmlns:p14="http://schemas.microsoft.com/office/powerpoint/2010/main" w="9525">
+                  <a14:hiddenLine xmlns:p14="http://schemas.microsoft.com/office/powerpoint/2010/main" xmlns:a14="http://schemas.microsoft.com/office/drawing/2010/main" xmlns:a16="http://schemas.microsoft.com/office/drawing/2014/main" xmlns="" w="9525">
                     <a:solidFill>
                       <a:srgbClr val="000000"/>
                     </a:solidFill>
@@ -16070,7 +16075,7 @@
               </a:ln>
               <a:extLst>
                 <a:ext uri="{91240B29-F687-4f45-9708-019B960494DF}">
-                  <a14:hiddenLine xmlns="" xmlns:a16="http://schemas.microsoft.com/office/drawing/2014/main" xmlns:a14="http://schemas.microsoft.com/office/drawing/2010/main" xmlns:p14="http://schemas.microsoft.com/office/powerpoint/2010/main" w="9525">
+                  <a14:hiddenLine xmlns:p14="http://schemas.microsoft.com/office/powerpoint/2010/main" xmlns:a14="http://schemas.microsoft.com/office/drawing/2010/main" xmlns:a16="http://schemas.microsoft.com/office/drawing/2014/main" xmlns="" w="9525">
                     <a:solidFill>
                       <a:srgbClr val="000000"/>
                     </a:solidFill>
@@ -16182,7 +16187,7 @@
               </a:ln>
               <a:extLst>
                 <a:ext uri="{91240B29-F687-4f45-9708-019B960494DF}">
-                  <a14:hiddenLine xmlns="" xmlns:a16="http://schemas.microsoft.com/office/drawing/2014/main" xmlns:a14="http://schemas.microsoft.com/office/drawing/2010/main" xmlns:p14="http://schemas.microsoft.com/office/powerpoint/2010/main" w="9525">
+                  <a14:hiddenLine xmlns:p14="http://schemas.microsoft.com/office/powerpoint/2010/main" xmlns:a14="http://schemas.microsoft.com/office/drawing/2010/main" xmlns:a16="http://schemas.microsoft.com/office/drawing/2014/main" xmlns="" w="9525">
                     <a:solidFill>
                       <a:srgbClr val="000000"/>
                     </a:solidFill>
@@ -16294,7 +16299,7 @@
               </a:ln>
               <a:extLst>
                 <a:ext uri="{91240B29-F687-4f45-9708-019B960494DF}">
-                  <a14:hiddenLine xmlns="" xmlns:a16="http://schemas.microsoft.com/office/drawing/2014/main" xmlns:a14="http://schemas.microsoft.com/office/drawing/2010/main" xmlns:p14="http://schemas.microsoft.com/office/powerpoint/2010/main" w="9525">
+                  <a14:hiddenLine xmlns:p14="http://schemas.microsoft.com/office/powerpoint/2010/main" xmlns:a14="http://schemas.microsoft.com/office/drawing/2010/main" xmlns:a16="http://schemas.microsoft.com/office/drawing/2014/main" xmlns="" w="9525">
                     <a:solidFill>
                       <a:srgbClr val="000000"/>
                     </a:solidFill>
@@ -16381,7 +16386,7 @@
               </a:ln>
               <a:extLst>
                 <a:ext uri="{91240B29-F687-4f45-9708-019B960494DF}">
-                  <a14:hiddenLine xmlns="" xmlns:a16="http://schemas.microsoft.com/office/drawing/2014/main" xmlns:a14="http://schemas.microsoft.com/office/drawing/2010/main" xmlns:p14="http://schemas.microsoft.com/office/powerpoint/2010/main" w="9525">
+                  <a14:hiddenLine xmlns:p14="http://schemas.microsoft.com/office/powerpoint/2010/main" xmlns:a14="http://schemas.microsoft.com/office/drawing/2010/main" xmlns:a16="http://schemas.microsoft.com/office/drawing/2014/main" xmlns="" w="9525">
                     <a:solidFill>
                       <a:srgbClr val="000000"/>
                     </a:solidFill>
@@ -16523,7 +16528,7 @@
               </a:ln>
               <a:extLst>
                 <a:ext uri="{91240B29-F687-4f45-9708-019B960494DF}">
-                  <a14:hiddenLine xmlns="" xmlns:a16="http://schemas.microsoft.com/office/drawing/2014/main" xmlns:a14="http://schemas.microsoft.com/office/drawing/2010/main" xmlns:p14="http://schemas.microsoft.com/office/powerpoint/2010/main" w="9525">
+                  <a14:hiddenLine xmlns:p14="http://schemas.microsoft.com/office/powerpoint/2010/main" xmlns:a14="http://schemas.microsoft.com/office/drawing/2010/main" xmlns:a16="http://schemas.microsoft.com/office/drawing/2014/main" xmlns="" w="9525">
                     <a:solidFill>
                       <a:srgbClr val="000000"/>
                     </a:solidFill>
@@ -16658,7 +16663,7 @@
               </a:ln>
               <a:extLst>
                 <a:ext uri="{91240B29-F687-4f45-9708-019B960494DF}">
-                  <a14:hiddenLine xmlns="" xmlns:a16="http://schemas.microsoft.com/office/drawing/2014/main" xmlns:a14="http://schemas.microsoft.com/office/drawing/2010/main" xmlns:p14="http://schemas.microsoft.com/office/powerpoint/2010/main" w="9525">
+                  <a14:hiddenLine xmlns:p14="http://schemas.microsoft.com/office/powerpoint/2010/main" xmlns:a14="http://schemas.microsoft.com/office/drawing/2010/main" xmlns:a16="http://schemas.microsoft.com/office/drawing/2014/main" xmlns="" w="9525">
                     <a:solidFill>
                       <a:srgbClr val="000000"/>
                     </a:solidFill>
@@ -16795,7 +16800,7 @@
               </a:ln>
               <a:extLst>
                 <a:ext uri="{91240B29-F687-4f45-9708-019B960494DF}">
-                  <a14:hiddenLine xmlns="" xmlns:a16="http://schemas.microsoft.com/office/drawing/2014/main" xmlns:a14="http://schemas.microsoft.com/office/drawing/2010/main" xmlns:p14="http://schemas.microsoft.com/office/powerpoint/2010/main" w="9525">
+                  <a14:hiddenLine xmlns:p14="http://schemas.microsoft.com/office/powerpoint/2010/main" xmlns:a14="http://schemas.microsoft.com/office/drawing/2010/main" xmlns:a16="http://schemas.microsoft.com/office/drawing/2014/main" xmlns="" w="9525">
                     <a:solidFill>
                       <a:srgbClr val="000000"/>
                     </a:solidFill>
@@ -16907,7 +16912,7 @@
               </a:ln>
               <a:extLst>
                 <a:ext uri="{91240B29-F687-4f45-9708-019B960494DF}">
-                  <a14:hiddenLine xmlns="" xmlns:a16="http://schemas.microsoft.com/office/drawing/2014/main" xmlns:a14="http://schemas.microsoft.com/office/drawing/2010/main" xmlns:p14="http://schemas.microsoft.com/office/powerpoint/2010/main" w="9525">
+                  <a14:hiddenLine xmlns:p14="http://schemas.microsoft.com/office/powerpoint/2010/main" xmlns:a14="http://schemas.microsoft.com/office/drawing/2010/main" xmlns:a16="http://schemas.microsoft.com/office/drawing/2014/main" xmlns="" w="9525">
                     <a:solidFill>
                       <a:srgbClr val="000000"/>
                     </a:solidFill>
@@ -16994,7 +16999,7 @@
               </a:ln>
               <a:extLst>
                 <a:ext uri="{91240B29-F687-4f45-9708-019B960494DF}">
-                  <a14:hiddenLine xmlns="" xmlns:a16="http://schemas.microsoft.com/office/drawing/2014/main" xmlns:a14="http://schemas.microsoft.com/office/drawing/2010/main" xmlns:p14="http://schemas.microsoft.com/office/powerpoint/2010/main" w="9525">
+                  <a14:hiddenLine xmlns:p14="http://schemas.microsoft.com/office/powerpoint/2010/main" xmlns:a14="http://schemas.microsoft.com/office/drawing/2010/main" xmlns:a16="http://schemas.microsoft.com/office/drawing/2014/main" xmlns="" w="9525">
                     <a:solidFill>
                       <a:srgbClr val="000000"/>
                     </a:solidFill>
@@ -17106,7 +17111,7 @@
               </a:ln>
               <a:extLst>
                 <a:ext uri="{91240B29-F687-4f45-9708-019B960494DF}">
-                  <a14:hiddenLine xmlns="" xmlns:a16="http://schemas.microsoft.com/office/drawing/2014/main" xmlns:a14="http://schemas.microsoft.com/office/drawing/2010/main" xmlns:p14="http://schemas.microsoft.com/office/powerpoint/2010/main" w="9525">
+                  <a14:hiddenLine xmlns:p14="http://schemas.microsoft.com/office/powerpoint/2010/main" xmlns:a14="http://schemas.microsoft.com/office/drawing/2010/main" xmlns:a16="http://schemas.microsoft.com/office/drawing/2014/main" xmlns="" w="9525">
                     <a:solidFill>
                       <a:srgbClr val="000000"/>
                     </a:solidFill>
@@ -17196,7 +17201,7 @@
               </a:ln>
               <a:extLst>
                 <a:ext uri="{91240B29-F687-4f45-9708-019B960494DF}">
-                  <a14:hiddenLine xmlns="" xmlns:a16="http://schemas.microsoft.com/office/drawing/2014/main" xmlns:a14="http://schemas.microsoft.com/office/drawing/2010/main" xmlns:p14="http://schemas.microsoft.com/office/powerpoint/2010/main" w="9525">
+                  <a14:hiddenLine xmlns:p14="http://schemas.microsoft.com/office/powerpoint/2010/main" xmlns:a14="http://schemas.microsoft.com/office/drawing/2010/main" xmlns:a16="http://schemas.microsoft.com/office/drawing/2014/main" xmlns="" w="9525">
                     <a:solidFill>
                       <a:srgbClr val="000000"/>
                     </a:solidFill>
@@ -17308,7 +17313,7 @@
               </a:ln>
               <a:extLst>
                 <a:ext uri="{91240B29-F687-4f45-9708-019B960494DF}">
-                  <a14:hiddenLine xmlns="" xmlns:a16="http://schemas.microsoft.com/office/drawing/2014/main" xmlns:a14="http://schemas.microsoft.com/office/drawing/2010/main" xmlns:p14="http://schemas.microsoft.com/office/powerpoint/2010/main" w="9525">
+                  <a14:hiddenLine xmlns:p14="http://schemas.microsoft.com/office/powerpoint/2010/main" xmlns:a14="http://schemas.microsoft.com/office/drawing/2010/main" xmlns:a16="http://schemas.microsoft.com/office/drawing/2014/main" xmlns="" w="9525">
                     <a:solidFill>
                       <a:srgbClr val="000000"/>
                     </a:solidFill>
@@ -17398,7 +17403,7 @@
               </a:ln>
               <a:extLst>
                 <a:ext uri="{91240B29-F687-4f45-9708-019B960494DF}">
-                  <a14:hiddenLine xmlns="" xmlns:a16="http://schemas.microsoft.com/office/drawing/2014/main" xmlns:a14="http://schemas.microsoft.com/office/drawing/2010/main" xmlns:p14="http://schemas.microsoft.com/office/powerpoint/2010/main" w="9525">
+                  <a14:hiddenLine xmlns:p14="http://schemas.microsoft.com/office/powerpoint/2010/main" xmlns:a14="http://schemas.microsoft.com/office/drawing/2010/main" xmlns:a16="http://schemas.microsoft.com/office/drawing/2014/main" xmlns="" w="9525">
                     <a:solidFill>
                       <a:srgbClr val="000000"/>
                     </a:solidFill>
@@ -17510,7 +17515,7 @@
               </a:ln>
               <a:extLst>
                 <a:ext uri="{91240B29-F687-4f45-9708-019B960494DF}">
-                  <a14:hiddenLine xmlns="" xmlns:a16="http://schemas.microsoft.com/office/drawing/2014/main" xmlns:a14="http://schemas.microsoft.com/office/drawing/2010/main" xmlns:p14="http://schemas.microsoft.com/office/powerpoint/2010/main" w="9525">
+                  <a14:hiddenLine xmlns:p14="http://schemas.microsoft.com/office/powerpoint/2010/main" xmlns:a14="http://schemas.microsoft.com/office/drawing/2010/main" xmlns:a16="http://schemas.microsoft.com/office/drawing/2014/main" xmlns="" w="9525">
                     <a:solidFill>
                       <a:srgbClr val="000000"/>
                     </a:solidFill>
@@ -17566,7 +17571,7 @@
               </a:ln>
               <a:extLst>
                 <a:ext uri="{91240B29-F687-4f45-9708-019B960494DF}">
-                  <a14:hiddenLine xmlns="" xmlns:a16="http://schemas.microsoft.com/office/drawing/2014/main" xmlns:a14="http://schemas.microsoft.com/office/drawing/2010/main" xmlns:p14="http://schemas.microsoft.com/office/powerpoint/2010/main" w="9525">
+                  <a14:hiddenLine xmlns:p14="http://schemas.microsoft.com/office/powerpoint/2010/main" xmlns:a14="http://schemas.microsoft.com/office/drawing/2010/main" xmlns:a16="http://schemas.microsoft.com/office/drawing/2014/main" xmlns="" w="9525">
                     <a:solidFill>
                       <a:srgbClr val="000000"/>
                     </a:solidFill>
@@ -17967,7 +17972,7 @@
           <a:noFill/>
           <a:extLst>
             <a:ext uri="{909E8E84-426E-40dd-AFC4-6F175D3DCCD1}">
-              <a14:hiddenFill xmlns="" xmlns:a16="http://schemas.microsoft.com/office/drawing/2014/main" xmlns:p14="http://schemas.microsoft.com/office/powerpoint/2010/main" xmlns:a14="http://schemas.microsoft.com/office/drawing/2010/main">
+              <a14:hiddenFill xmlns:a14="http://schemas.microsoft.com/office/drawing/2010/main" xmlns:p14="http://schemas.microsoft.com/office/powerpoint/2010/main" xmlns:a16="http://schemas.microsoft.com/office/drawing/2014/main" xmlns="">
                 <a:solidFill>
                   <a:srgbClr val="FFFFFF"/>
                 </a:solidFill>
@@ -18088,7 +18093,7 @@
               </a:ln>
               <a:extLst>
                 <a:ext uri="{91240B29-F687-4f45-9708-019B960494DF}">
-                  <a14:hiddenLine xmlns="" xmlns:a16="http://schemas.microsoft.com/office/drawing/2014/main" xmlns:p14="http://schemas.microsoft.com/office/powerpoint/2010/main" xmlns:a14="http://schemas.microsoft.com/office/drawing/2010/main" w="9525">
+                  <a14:hiddenLine xmlns:a14="http://schemas.microsoft.com/office/drawing/2010/main" xmlns:p14="http://schemas.microsoft.com/office/powerpoint/2010/main" xmlns:a16="http://schemas.microsoft.com/office/drawing/2014/main" xmlns="" w="9525">
                     <a:solidFill>
                       <a:srgbClr val="000000"/>
                     </a:solidFill>
@@ -18200,7 +18205,7 @@
               </a:ln>
               <a:extLst>
                 <a:ext uri="{91240B29-F687-4f45-9708-019B960494DF}">
-                  <a14:hiddenLine xmlns="" xmlns:a16="http://schemas.microsoft.com/office/drawing/2014/main" xmlns:p14="http://schemas.microsoft.com/office/powerpoint/2010/main" xmlns:a14="http://schemas.microsoft.com/office/drawing/2010/main" w="9525">
+                  <a14:hiddenLine xmlns:a14="http://schemas.microsoft.com/office/drawing/2010/main" xmlns:p14="http://schemas.microsoft.com/office/powerpoint/2010/main" xmlns:a16="http://schemas.microsoft.com/office/drawing/2014/main" xmlns="" w="9525">
                     <a:solidFill>
                       <a:srgbClr val="000000"/>
                     </a:solidFill>
@@ -18312,7 +18317,7 @@
               </a:ln>
               <a:extLst>
                 <a:ext uri="{91240B29-F687-4f45-9708-019B960494DF}">
-                  <a14:hiddenLine xmlns="" xmlns:a16="http://schemas.microsoft.com/office/drawing/2014/main" xmlns:p14="http://schemas.microsoft.com/office/powerpoint/2010/main" xmlns:a14="http://schemas.microsoft.com/office/drawing/2010/main" w="9525">
+                  <a14:hiddenLine xmlns:a14="http://schemas.microsoft.com/office/drawing/2010/main" xmlns:p14="http://schemas.microsoft.com/office/powerpoint/2010/main" xmlns:a16="http://schemas.microsoft.com/office/drawing/2014/main" xmlns="" w="9525">
                     <a:solidFill>
                       <a:srgbClr val="000000"/>
                     </a:solidFill>
@@ -18396,7 +18401,7 @@
               </a:ln>
               <a:extLst>
                 <a:ext uri="{91240B29-F687-4f45-9708-019B960494DF}">
-                  <a14:hiddenLine xmlns="" xmlns:a16="http://schemas.microsoft.com/office/drawing/2014/main" xmlns:p14="http://schemas.microsoft.com/office/powerpoint/2010/main" xmlns:a14="http://schemas.microsoft.com/office/drawing/2010/main" w="9525">
+                  <a14:hiddenLine xmlns:a14="http://schemas.microsoft.com/office/drawing/2010/main" xmlns:p14="http://schemas.microsoft.com/office/powerpoint/2010/main" xmlns:a16="http://schemas.microsoft.com/office/drawing/2014/main" xmlns="" w="9525">
                     <a:solidFill>
                       <a:srgbClr val="000000"/>
                     </a:solidFill>
@@ -18508,7 +18513,7 @@
               </a:ln>
               <a:extLst>
                 <a:ext uri="{91240B29-F687-4f45-9708-019B960494DF}">
-                  <a14:hiddenLine xmlns="" xmlns:a16="http://schemas.microsoft.com/office/drawing/2014/main" xmlns:p14="http://schemas.microsoft.com/office/powerpoint/2010/main" xmlns:a14="http://schemas.microsoft.com/office/drawing/2010/main" w="9525">
+                  <a14:hiddenLine xmlns:a14="http://schemas.microsoft.com/office/drawing/2010/main" xmlns:p14="http://schemas.microsoft.com/office/powerpoint/2010/main" xmlns:a16="http://schemas.microsoft.com/office/drawing/2014/main" xmlns="" w="9525">
                     <a:solidFill>
                       <a:srgbClr val="000000"/>
                     </a:solidFill>
@@ -18592,7 +18597,7 @@
               </a:ln>
               <a:extLst>
                 <a:ext uri="{91240B29-F687-4f45-9708-019B960494DF}">
-                  <a14:hiddenLine xmlns="" xmlns:a16="http://schemas.microsoft.com/office/drawing/2014/main" xmlns:p14="http://schemas.microsoft.com/office/powerpoint/2010/main" xmlns:a14="http://schemas.microsoft.com/office/drawing/2010/main" w="9525">
+                  <a14:hiddenLine xmlns:a14="http://schemas.microsoft.com/office/drawing/2010/main" xmlns:p14="http://schemas.microsoft.com/office/powerpoint/2010/main" xmlns:a16="http://schemas.microsoft.com/office/drawing/2014/main" xmlns="" w="9525">
                     <a:solidFill>
                       <a:srgbClr val="000000"/>
                     </a:solidFill>
@@ -18676,7 +18681,7 @@
               </a:ln>
               <a:extLst>
                 <a:ext uri="{91240B29-F687-4f45-9708-019B960494DF}">
-                  <a14:hiddenLine xmlns="" xmlns:a16="http://schemas.microsoft.com/office/drawing/2014/main" xmlns:p14="http://schemas.microsoft.com/office/powerpoint/2010/main" xmlns:a14="http://schemas.microsoft.com/office/drawing/2010/main" w="9525">
+                  <a14:hiddenLine xmlns:a14="http://schemas.microsoft.com/office/drawing/2010/main" xmlns:p14="http://schemas.microsoft.com/office/powerpoint/2010/main" xmlns:a16="http://schemas.microsoft.com/office/drawing/2014/main" xmlns="" w="9525">
                     <a:solidFill>
                       <a:srgbClr val="000000"/>
                     </a:solidFill>
@@ -18788,7 +18793,7 @@
               </a:ln>
               <a:extLst>
                 <a:ext uri="{91240B29-F687-4f45-9708-019B960494DF}">
-                  <a14:hiddenLine xmlns="" xmlns:a16="http://schemas.microsoft.com/office/drawing/2014/main" xmlns:p14="http://schemas.microsoft.com/office/powerpoint/2010/main" xmlns:a14="http://schemas.microsoft.com/office/drawing/2010/main" w="9525">
+                  <a14:hiddenLine xmlns:a14="http://schemas.microsoft.com/office/drawing/2010/main" xmlns:p14="http://schemas.microsoft.com/office/powerpoint/2010/main" xmlns:a16="http://schemas.microsoft.com/office/drawing/2014/main" xmlns="" w="9525">
                     <a:solidFill>
                       <a:srgbClr val="000000"/>
                     </a:solidFill>
@@ -18900,7 +18905,7 @@
               </a:ln>
               <a:extLst>
                 <a:ext uri="{91240B29-F687-4f45-9708-019B960494DF}">
-                  <a14:hiddenLine xmlns="" xmlns:a16="http://schemas.microsoft.com/office/drawing/2014/main" xmlns:p14="http://schemas.microsoft.com/office/powerpoint/2010/main" xmlns:a14="http://schemas.microsoft.com/office/drawing/2010/main" w="9525">
+                  <a14:hiddenLine xmlns:a14="http://schemas.microsoft.com/office/drawing/2010/main" xmlns:p14="http://schemas.microsoft.com/office/powerpoint/2010/main" xmlns:a16="http://schemas.microsoft.com/office/drawing/2014/main" xmlns="" w="9525">
                     <a:solidFill>
                       <a:srgbClr val="000000"/>
                     </a:solidFill>
@@ -18984,7 +18989,7 @@
               </a:ln>
               <a:extLst>
                 <a:ext uri="{91240B29-F687-4f45-9708-019B960494DF}">
-                  <a14:hiddenLine xmlns="" xmlns:a16="http://schemas.microsoft.com/office/drawing/2014/main" xmlns:p14="http://schemas.microsoft.com/office/powerpoint/2010/main" xmlns:a14="http://schemas.microsoft.com/office/drawing/2010/main" w="9525">
+                  <a14:hiddenLine xmlns:a14="http://schemas.microsoft.com/office/drawing/2010/main" xmlns:p14="http://schemas.microsoft.com/office/powerpoint/2010/main" xmlns:a16="http://schemas.microsoft.com/office/drawing/2014/main" xmlns="" w="9525">
                     <a:solidFill>
                       <a:srgbClr val="000000"/>
                     </a:solidFill>
@@ -19116,7 +19121,7 @@
               </a:ln>
               <a:extLst>
                 <a:ext uri="{91240B29-F687-4f45-9708-019B960494DF}">
-                  <a14:hiddenLine xmlns="" xmlns:a16="http://schemas.microsoft.com/office/drawing/2014/main" xmlns:p14="http://schemas.microsoft.com/office/powerpoint/2010/main" xmlns:a14="http://schemas.microsoft.com/office/drawing/2010/main" w="9525">
+                  <a14:hiddenLine xmlns:a14="http://schemas.microsoft.com/office/drawing/2010/main" xmlns:p14="http://schemas.microsoft.com/office/powerpoint/2010/main" xmlns:a16="http://schemas.microsoft.com/office/drawing/2014/main" xmlns="" w="9525">
                     <a:solidFill>
                       <a:srgbClr val="000000"/>
                     </a:solidFill>
@@ -19244,7 +19249,7 @@
               </a:ln>
               <a:extLst>
                 <a:ext uri="{91240B29-F687-4f45-9708-019B960494DF}">
-                  <a14:hiddenLine xmlns="" xmlns:a16="http://schemas.microsoft.com/office/drawing/2014/main" xmlns:p14="http://schemas.microsoft.com/office/powerpoint/2010/main" xmlns:a14="http://schemas.microsoft.com/office/drawing/2010/main" w="9525">
+                  <a14:hiddenLine xmlns:a14="http://schemas.microsoft.com/office/drawing/2010/main" xmlns:p14="http://schemas.microsoft.com/office/powerpoint/2010/main" xmlns:a16="http://schemas.microsoft.com/office/drawing/2014/main" xmlns="" w="9525">
                     <a:solidFill>
                       <a:srgbClr val="000000"/>
                     </a:solidFill>
@@ -19328,7 +19333,7 @@
               </a:ln>
               <a:extLst>
                 <a:ext uri="{91240B29-F687-4f45-9708-019B960494DF}">
-                  <a14:hiddenLine xmlns="" xmlns:a16="http://schemas.microsoft.com/office/drawing/2014/main" xmlns:p14="http://schemas.microsoft.com/office/powerpoint/2010/main" xmlns:a14="http://schemas.microsoft.com/office/drawing/2010/main" w="9525">
+                  <a14:hiddenLine xmlns:a14="http://schemas.microsoft.com/office/drawing/2010/main" xmlns:p14="http://schemas.microsoft.com/office/powerpoint/2010/main" xmlns:a16="http://schemas.microsoft.com/office/drawing/2014/main" xmlns="" w="9525">
                     <a:solidFill>
                       <a:srgbClr val="000000"/>
                     </a:solidFill>
@@ -19412,7 +19417,7 @@
               </a:ln>
               <a:extLst>
                 <a:ext uri="{91240B29-F687-4f45-9708-019B960494DF}">
-                  <a14:hiddenLine xmlns="" xmlns:a16="http://schemas.microsoft.com/office/drawing/2014/main" xmlns:p14="http://schemas.microsoft.com/office/powerpoint/2010/main" xmlns:a14="http://schemas.microsoft.com/office/drawing/2010/main" w="9525">
+                  <a14:hiddenLine xmlns:a14="http://schemas.microsoft.com/office/drawing/2010/main" xmlns:p14="http://schemas.microsoft.com/office/powerpoint/2010/main" xmlns:a16="http://schemas.microsoft.com/office/drawing/2014/main" xmlns="" w="9525">
                     <a:solidFill>
                       <a:srgbClr val="000000"/>
                     </a:solidFill>
@@ -19524,7 +19529,7 @@
               </a:ln>
               <a:extLst>
                 <a:ext uri="{91240B29-F687-4f45-9708-019B960494DF}">
-                  <a14:hiddenLine xmlns="" xmlns:a16="http://schemas.microsoft.com/office/drawing/2014/main" xmlns:p14="http://schemas.microsoft.com/office/powerpoint/2010/main" xmlns:a14="http://schemas.microsoft.com/office/drawing/2010/main" w="9525">
+                  <a14:hiddenLine xmlns:a14="http://schemas.microsoft.com/office/drawing/2010/main" xmlns:p14="http://schemas.microsoft.com/office/powerpoint/2010/main" xmlns:a16="http://schemas.microsoft.com/office/drawing/2014/main" xmlns="" w="9525">
                     <a:solidFill>
                       <a:srgbClr val="000000"/>
                     </a:solidFill>
@@ -19580,7 +19585,7 @@
               </a:ln>
               <a:extLst>
                 <a:ext uri="{91240B29-F687-4f45-9708-019B960494DF}">
-                  <a14:hiddenLine xmlns="" xmlns:a16="http://schemas.microsoft.com/office/drawing/2014/main" xmlns:p14="http://schemas.microsoft.com/office/powerpoint/2010/main" xmlns:a14="http://schemas.microsoft.com/office/drawing/2010/main" w="9525">
+                  <a14:hiddenLine xmlns:a14="http://schemas.microsoft.com/office/drawing/2010/main" xmlns:p14="http://schemas.microsoft.com/office/powerpoint/2010/main" xmlns:a16="http://schemas.microsoft.com/office/drawing/2014/main" xmlns="" w="9525">
                     <a:solidFill>
                       <a:srgbClr val="000000"/>
                     </a:solidFill>
@@ -19667,7 +19672,7 @@
               </a:ln>
               <a:extLst>
                 <a:ext uri="{91240B29-F687-4f45-9708-019B960494DF}">
-                  <a14:hiddenLine xmlns="" xmlns:a16="http://schemas.microsoft.com/office/drawing/2014/main" xmlns:p14="http://schemas.microsoft.com/office/powerpoint/2010/main" xmlns:a14="http://schemas.microsoft.com/office/drawing/2010/main" w="9525">
+                  <a14:hiddenLine xmlns:a14="http://schemas.microsoft.com/office/drawing/2010/main" xmlns:p14="http://schemas.microsoft.com/office/powerpoint/2010/main" xmlns:a16="http://schemas.microsoft.com/office/drawing/2014/main" xmlns="" w="9525">
                     <a:solidFill>
                       <a:srgbClr val="000000"/>
                     </a:solidFill>
@@ -19779,7 +19784,7 @@
               </a:ln>
               <a:extLst>
                 <a:ext uri="{91240B29-F687-4f45-9708-019B960494DF}">
-                  <a14:hiddenLine xmlns="" xmlns:a16="http://schemas.microsoft.com/office/drawing/2014/main" xmlns:p14="http://schemas.microsoft.com/office/powerpoint/2010/main" xmlns:a14="http://schemas.microsoft.com/office/drawing/2010/main" w="9525">
+                  <a14:hiddenLine xmlns:a14="http://schemas.microsoft.com/office/drawing/2010/main" xmlns:p14="http://schemas.microsoft.com/office/powerpoint/2010/main" xmlns:a16="http://schemas.microsoft.com/office/drawing/2014/main" xmlns="" w="9525">
                     <a:solidFill>
                       <a:srgbClr val="000000"/>
                     </a:solidFill>
@@ -19863,7 +19868,7 @@
               </a:ln>
               <a:extLst>
                 <a:ext uri="{91240B29-F687-4f45-9708-019B960494DF}">
-                  <a14:hiddenLine xmlns="" xmlns:a16="http://schemas.microsoft.com/office/drawing/2014/main" xmlns:p14="http://schemas.microsoft.com/office/powerpoint/2010/main" xmlns:a14="http://schemas.microsoft.com/office/drawing/2010/main" w="9525">
+                  <a14:hiddenLine xmlns:a14="http://schemas.microsoft.com/office/drawing/2010/main" xmlns:p14="http://schemas.microsoft.com/office/powerpoint/2010/main" xmlns:a16="http://schemas.microsoft.com/office/drawing/2014/main" xmlns="" w="9525">
                     <a:solidFill>
                       <a:srgbClr val="000000"/>
                     </a:solidFill>
@@ -19975,7 +19980,7 @@
               </a:ln>
               <a:extLst>
                 <a:ext uri="{91240B29-F687-4f45-9708-019B960494DF}">
-                  <a14:hiddenLine xmlns="" xmlns:a16="http://schemas.microsoft.com/office/drawing/2014/main" xmlns:p14="http://schemas.microsoft.com/office/powerpoint/2010/main" xmlns:a14="http://schemas.microsoft.com/office/drawing/2010/main" w="9525">
+                  <a14:hiddenLine xmlns:a14="http://schemas.microsoft.com/office/drawing/2010/main" xmlns:p14="http://schemas.microsoft.com/office/powerpoint/2010/main" xmlns:a16="http://schemas.microsoft.com/office/drawing/2014/main" xmlns="" w="9525">
                     <a:solidFill>
                       <a:srgbClr val="000000"/>
                     </a:solidFill>
@@ -20062,7 +20067,7 @@
               </a:ln>
               <a:extLst>
                 <a:ext uri="{91240B29-F687-4f45-9708-019B960494DF}">
-                  <a14:hiddenLine xmlns="" xmlns:a16="http://schemas.microsoft.com/office/drawing/2014/main" xmlns:p14="http://schemas.microsoft.com/office/powerpoint/2010/main" xmlns:a14="http://schemas.microsoft.com/office/drawing/2010/main" w="9525">
+                  <a14:hiddenLine xmlns:a14="http://schemas.microsoft.com/office/drawing/2010/main" xmlns:p14="http://schemas.microsoft.com/office/powerpoint/2010/main" xmlns:a16="http://schemas.microsoft.com/office/drawing/2014/main" xmlns="" w="9525">
                     <a:solidFill>
                       <a:srgbClr val="000000"/>
                     </a:solidFill>
@@ -20146,7 +20151,7 @@
               </a:ln>
               <a:extLst>
                 <a:ext uri="{91240B29-F687-4f45-9708-019B960494DF}">
-                  <a14:hiddenLine xmlns="" xmlns:a16="http://schemas.microsoft.com/office/drawing/2014/main" xmlns:p14="http://schemas.microsoft.com/office/powerpoint/2010/main" xmlns:a14="http://schemas.microsoft.com/office/drawing/2010/main" w="9525">
+                  <a14:hiddenLine xmlns:a14="http://schemas.microsoft.com/office/drawing/2010/main" xmlns:p14="http://schemas.microsoft.com/office/powerpoint/2010/main" xmlns:a16="http://schemas.microsoft.com/office/drawing/2014/main" xmlns="" w="9525">
                     <a:solidFill>
                       <a:srgbClr val="000000"/>
                     </a:solidFill>
@@ -20258,7 +20263,7 @@
               </a:ln>
               <a:extLst>
                 <a:ext uri="{91240B29-F687-4f45-9708-019B960494DF}">
-                  <a14:hiddenLine xmlns="" xmlns:a16="http://schemas.microsoft.com/office/drawing/2014/main" xmlns:p14="http://schemas.microsoft.com/office/powerpoint/2010/main" xmlns:a14="http://schemas.microsoft.com/office/drawing/2010/main" w="9525">
+                  <a14:hiddenLine xmlns:a14="http://schemas.microsoft.com/office/drawing/2010/main" xmlns:p14="http://schemas.microsoft.com/office/powerpoint/2010/main" xmlns:a16="http://schemas.microsoft.com/office/drawing/2014/main" xmlns="" w="9525">
                     <a:solidFill>
                       <a:srgbClr val="000000"/>
                     </a:solidFill>
@@ -20370,7 +20375,7 @@
               </a:ln>
               <a:extLst>
                 <a:ext uri="{91240B29-F687-4f45-9708-019B960494DF}">
-                  <a14:hiddenLine xmlns="" xmlns:a16="http://schemas.microsoft.com/office/drawing/2014/main" xmlns:p14="http://schemas.microsoft.com/office/powerpoint/2010/main" xmlns:a14="http://schemas.microsoft.com/office/drawing/2010/main" w="9525">
+                  <a14:hiddenLine xmlns:a14="http://schemas.microsoft.com/office/drawing/2010/main" xmlns:p14="http://schemas.microsoft.com/office/powerpoint/2010/main" xmlns:a16="http://schemas.microsoft.com/office/drawing/2014/main" xmlns="" w="9525">
                     <a:solidFill>
                       <a:srgbClr val="000000"/>
                     </a:solidFill>
@@ -20457,7 +20462,7 @@
               </a:ln>
               <a:extLst>
                 <a:ext uri="{91240B29-F687-4f45-9708-019B960494DF}">
-                  <a14:hiddenLine xmlns="" xmlns:a16="http://schemas.microsoft.com/office/drawing/2014/main" xmlns:p14="http://schemas.microsoft.com/office/powerpoint/2010/main" xmlns:a14="http://schemas.microsoft.com/office/drawing/2010/main" w="9525">
+                  <a14:hiddenLine xmlns:a14="http://schemas.microsoft.com/office/drawing/2010/main" xmlns:p14="http://schemas.microsoft.com/office/powerpoint/2010/main" xmlns:a16="http://schemas.microsoft.com/office/drawing/2014/main" xmlns="" w="9525">
                     <a:solidFill>
                       <a:srgbClr val="000000"/>
                     </a:solidFill>
@@ -20599,7 +20604,7 @@
               </a:ln>
               <a:extLst>
                 <a:ext uri="{91240B29-F687-4f45-9708-019B960494DF}">
-                  <a14:hiddenLine xmlns="" xmlns:a16="http://schemas.microsoft.com/office/drawing/2014/main" xmlns:p14="http://schemas.microsoft.com/office/powerpoint/2010/main" xmlns:a14="http://schemas.microsoft.com/office/drawing/2010/main" w="9525">
+                  <a14:hiddenLine xmlns:a14="http://schemas.microsoft.com/office/drawing/2010/main" xmlns:p14="http://schemas.microsoft.com/office/powerpoint/2010/main" xmlns:a16="http://schemas.microsoft.com/office/drawing/2014/main" xmlns="" w="9525">
                     <a:solidFill>
                       <a:srgbClr val="000000"/>
                     </a:solidFill>
@@ -20734,7 +20739,7 @@
               </a:ln>
               <a:extLst>
                 <a:ext uri="{91240B29-F687-4f45-9708-019B960494DF}">
-                  <a14:hiddenLine xmlns="" xmlns:a16="http://schemas.microsoft.com/office/drawing/2014/main" xmlns:p14="http://schemas.microsoft.com/office/powerpoint/2010/main" xmlns:a14="http://schemas.microsoft.com/office/drawing/2010/main" w="9525">
+                  <a14:hiddenLine xmlns:a14="http://schemas.microsoft.com/office/drawing/2010/main" xmlns:p14="http://schemas.microsoft.com/office/powerpoint/2010/main" xmlns:a16="http://schemas.microsoft.com/office/drawing/2014/main" xmlns="" w="9525">
                     <a:solidFill>
                       <a:srgbClr val="000000"/>
                     </a:solidFill>
@@ -20871,7 +20876,7 @@
               </a:ln>
               <a:extLst>
                 <a:ext uri="{91240B29-F687-4f45-9708-019B960494DF}">
-                  <a14:hiddenLine xmlns="" xmlns:a16="http://schemas.microsoft.com/office/drawing/2014/main" xmlns:p14="http://schemas.microsoft.com/office/powerpoint/2010/main" xmlns:a14="http://schemas.microsoft.com/office/drawing/2010/main" w="9525">
+                  <a14:hiddenLine xmlns:a14="http://schemas.microsoft.com/office/drawing/2010/main" xmlns:p14="http://schemas.microsoft.com/office/powerpoint/2010/main" xmlns:a16="http://schemas.microsoft.com/office/drawing/2014/main" xmlns="" w="9525">
                     <a:solidFill>
                       <a:srgbClr val="000000"/>
                     </a:solidFill>
@@ -20983,7 +20988,7 @@
               </a:ln>
               <a:extLst>
                 <a:ext uri="{91240B29-F687-4f45-9708-019B960494DF}">
-                  <a14:hiddenLine xmlns="" xmlns:a16="http://schemas.microsoft.com/office/drawing/2014/main" xmlns:p14="http://schemas.microsoft.com/office/powerpoint/2010/main" xmlns:a14="http://schemas.microsoft.com/office/drawing/2010/main" w="9525">
+                  <a14:hiddenLine xmlns:a14="http://schemas.microsoft.com/office/drawing/2010/main" xmlns:p14="http://schemas.microsoft.com/office/powerpoint/2010/main" xmlns:a16="http://schemas.microsoft.com/office/drawing/2014/main" xmlns="" w="9525">
                     <a:solidFill>
                       <a:srgbClr val="000000"/>
                     </a:solidFill>
@@ -21070,7 +21075,7 @@
               </a:ln>
               <a:extLst>
                 <a:ext uri="{91240B29-F687-4f45-9708-019B960494DF}">
-                  <a14:hiddenLine xmlns="" xmlns:a16="http://schemas.microsoft.com/office/drawing/2014/main" xmlns:p14="http://schemas.microsoft.com/office/powerpoint/2010/main" xmlns:a14="http://schemas.microsoft.com/office/drawing/2010/main" w="9525">
+                  <a14:hiddenLine xmlns:a14="http://schemas.microsoft.com/office/drawing/2010/main" xmlns:p14="http://schemas.microsoft.com/office/powerpoint/2010/main" xmlns:a16="http://schemas.microsoft.com/office/drawing/2014/main" xmlns="" w="9525">
                     <a:solidFill>
                       <a:srgbClr val="000000"/>
                     </a:solidFill>
@@ -21182,7 +21187,7 @@
               </a:ln>
               <a:extLst>
                 <a:ext uri="{91240B29-F687-4f45-9708-019B960494DF}">
-                  <a14:hiddenLine xmlns="" xmlns:a16="http://schemas.microsoft.com/office/drawing/2014/main" xmlns:p14="http://schemas.microsoft.com/office/powerpoint/2010/main" xmlns:a14="http://schemas.microsoft.com/office/drawing/2010/main" w="9525">
+                  <a14:hiddenLine xmlns:a14="http://schemas.microsoft.com/office/drawing/2010/main" xmlns:p14="http://schemas.microsoft.com/office/powerpoint/2010/main" xmlns:a16="http://schemas.microsoft.com/office/drawing/2014/main" xmlns="" w="9525">
                     <a:solidFill>
                       <a:srgbClr val="000000"/>
                     </a:solidFill>
@@ -21272,7 +21277,7 @@
               </a:ln>
               <a:extLst>
                 <a:ext uri="{91240B29-F687-4f45-9708-019B960494DF}">
-                  <a14:hiddenLine xmlns="" xmlns:a16="http://schemas.microsoft.com/office/drawing/2014/main" xmlns:p14="http://schemas.microsoft.com/office/powerpoint/2010/main" xmlns:a14="http://schemas.microsoft.com/office/drawing/2010/main" w="9525">
+                  <a14:hiddenLine xmlns:a14="http://schemas.microsoft.com/office/drawing/2010/main" xmlns:p14="http://schemas.microsoft.com/office/powerpoint/2010/main" xmlns:a16="http://schemas.microsoft.com/office/drawing/2014/main" xmlns="" w="9525">
                     <a:solidFill>
                       <a:srgbClr val="000000"/>
                     </a:solidFill>
@@ -21384,7 +21389,7 @@
               </a:ln>
               <a:extLst>
                 <a:ext uri="{91240B29-F687-4f45-9708-019B960494DF}">
-                  <a14:hiddenLine xmlns="" xmlns:a16="http://schemas.microsoft.com/office/drawing/2014/main" xmlns:p14="http://schemas.microsoft.com/office/powerpoint/2010/main" xmlns:a14="http://schemas.microsoft.com/office/drawing/2010/main" w="9525">
+                  <a14:hiddenLine xmlns:a14="http://schemas.microsoft.com/office/drawing/2010/main" xmlns:p14="http://schemas.microsoft.com/office/powerpoint/2010/main" xmlns:a16="http://schemas.microsoft.com/office/drawing/2014/main" xmlns="" w="9525">
                     <a:solidFill>
                       <a:srgbClr val="000000"/>
                     </a:solidFill>
@@ -21474,7 +21479,7 @@
               </a:ln>
               <a:extLst>
                 <a:ext uri="{91240B29-F687-4f45-9708-019B960494DF}">
-                  <a14:hiddenLine xmlns="" xmlns:a16="http://schemas.microsoft.com/office/drawing/2014/main" xmlns:p14="http://schemas.microsoft.com/office/powerpoint/2010/main" xmlns:a14="http://schemas.microsoft.com/office/drawing/2010/main" w="9525">
+                  <a14:hiddenLine xmlns:a14="http://schemas.microsoft.com/office/drawing/2010/main" xmlns:p14="http://schemas.microsoft.com/office/powerpoint/2010/main" xmlns:a16="http://schemas.microsoft.com/office/drawing/2014/main" xmlns="" w="9525">
                     <a:solidFill>
                       <a:srgbClr val="000000"/>
                     </a:solidFill>
@@ -21586,7 +21591,7 @@
               </a:ln>
               <a:extLst>
                 <a:ext uri="{91240B29-F687-4f45-9708-019B960494DF}">
-                  <a14:hiddenLine xmlns="" xmlns:a16="http://schemas.microsoft.com/office/drawing/2014/main" xmlns:p14="http://schemas.microsoft.com/office/powerpoint/2010/main" xmlns:a14="http://schemas.microsoft.com/office/drawing/2010/main" w="9525">
+                  <a14:hiddenLine xmlns:a14="http://schemas.microsoft.com/office/drawing/2010/main" xmlns:p14="http://schemas.microsoft.com/office/powerpoint/2010/main" xmlns:a16="http://schemas.microsoft.com/office/drawing/2014/main" xmlns="" w="9525">
                     <a:solidFill>
                       <a:srgbClr val="000000"/>
                     </a:solidFill>
@@ -21642,7 +21647,7 @@
               </a:ln>
               <a:extLst>
                 <a:ext uri="{91240B29-F687-4f45-9708-019B960494DF}">
-                  <a14:hiddenLine xmlns="" xmlns:a16="http://schemas.microsoft.com/office/drawing/2014/main" xmlns:p14="http://schemas.microsoft.com/office/powerpoint/2010/main" xmlns:a14="http://schemas.microsoft.com/office/drawing/2010/main" w="9525">
+                  <a14:hiddenLine xmlns:a14="http://schemas.microsoft.com/office/drawing/2010/main" xmlns:p14="http://schemas.microsoft.com/office/powerpoint/2010/main" xmlns:a16="http://schemas.microsoft.com/office/drawing/2014/main" xmlns="" w="9525">
                     <a:solidFill>
                       <a:srgbClr val="000000"/>
                     </a:solidFill>
@@ -22193,7 +22198,7 @@
               <a:rPr lang="en-US" altLang="zh-TW" dirty="0" err="1"/>
               <a:t>ReturnTest</a:t>
             </a:r>
-            <a:endParaRPr lang="en-US" altLang="zh-TW"/>
+            <a:endParaRPr lang="en-US" altLang="zh-TW" dirty="0"/>
           </a:p>
           <a:p>
             <a:endParaRPr lang="en-US" altLang="zh-TW" dirty="0"/>
@@ -22847,7 +22852,7 @@
           <a:noFill/>
           <a:extLst>
             <a:ext uri="{909E8E84-426E-40dd-AFC4-6F175D3DCCD1}">
-              <a14:hiddenFill xmlns="" xmlns:a16="http://schemas.microsoft.com/office/drawing/2014/main" xmlns:p14="http://schemas.microsoft.com/office/powerpoint/2010/main" xmlns:a14="http://schemas.microsoft.com/office/drawing/2010/main">
+              <a14:hiddenFill xmlns:a14="http://schemas.microsoft.com/office/drawing/2010/main" xmlns:p14="http://schemas.microsoft.com/office/powerpoint/2010/main" xmlns:a16="http://schemas.microsoft.com/office/drawing/2014/main" xmlns="">
                 <a:solidFill>
                   <a:srgbClr val="FFFFFF"/>
                 </a:solidFill>
@@ -22939,7 +22944,7 @@
             </a:ln>
             <a:extLst>
               <a:ext uri="{91240B29-F687-4f45-9708-019B960494DF}">
-                <a14:hiddenLine xmlns="" xmlns:a16="http://schemas.microsoft.com/office/drawing/2014/main" xmlns:p14="http://schemas.microsoft.com/office/powerpoint/2010/main" xmlns:a14="http://schemas.microsoft.com/office/drawing/2010/main" w="9525">
+                <a14:hiddenLine xmlns:a14="http://schemas.microsoft.com/office/drawing/2010/main" xmlns:p14="http://schemas.microsoft.com/office/powerpoint/2010/main" xmlns:a16="http://schemas.microsoft.com/office/drawing/2014/main" xmlns="" w="9525">
                   <a:solidFill>
                     <a:srgbClr val="000000"/>
                   </a:solidFill>
@@ -23051,7 +23056,7 @@
             </a:ln>
             <a:extLst>
               <a:ext uri="{91240B29-F687-4f45-9708-019B960494DF}">
-                <a14:hiddenLine xmlns="" xmlns:a16="http://schemas.microsoft.com/office/drawing/2014/main" xmlns:p14="http://schemas.microsoft.com/office/powerpoint/2010/main" xmlns:a14="http://schemas.microsoft.com/office/drawing/2010/main" w="9525">
+                <a14:hiddenLine xmlns:a14="http://schemas.microsoft.com/office/drawing/2010/main" xmlns:p14="http://schemas.microsoft.com/office/powerpoint/2010/main" xmlns:a16="http://schemas.microsoft.com/office/drawing/2014/main" xmlns="" w="9525">
                   <a:solidFill>
                     <a:srgbClr val="000000"/>
                   </a:solidFill>
@@ -23163,7 +23168,7 @@
             </a:ln>
             <a:extLst>
               <a:ext uri="{91240B29-F687-4f45-9708-019B960494DF}">
-                <a14:hiddenLine xmlns="" xmlns:a16="http://schemas.microsoft.com/office/drawing/2014/main" xmlns:p14="http://schemas.microsoft.com/office/powerpoint/2010/main" xmlns:a14="http://schemas.microsoft.com/office/drawing/2010/main" w="9525">
+                <a14:hiddenLine xmlns:a14="http://schemas.microsoft.com/office/drawing/2010/main" xmlns:p14="http://schemas.microsoft.com/office/powerpoint/2010/main" xmlns:a16="http://schemas.microsoft.com/office/drawing/2014/main" xmlns="" w="9525">
                   <a:solidFill>
                     <a:srgbClr val="000000"/>
                   </a:solidFill>
@@ -23219,7 +23224,7 @@
             </a:ln>
             <a:extLst>
               <a:ext uri="{91240B29-F687-4f45-9708-019B960494DF}">
-                <a14:hiddenLine xmlns="" xmlns:a16="http://schemas.microsoft.com/office/drawing/2014/main" xmlns:p14="http://schemas.microsoft.com/office/powerpoint/2010/main" xmlns:a14="http://schemas.microsoft.com/office/drawing/2010/main" w="9525">
+                <a14:hiddenLine xmlns:a14="http://schemas.microsoft.com/office/drawing/2010/main" xmlns:p14="http://schemas.microsoft.com/office/powerpoint/2010/main" xmlns:a16="http://schemas.microsoft.com/office/drawing/2014/main" xmlns="" w="9525">
                   <a:solidFill>
                     <a:srgbClr val="000000"/>
                   </a:solidFill>
@@ -23331,7 +23336,7 @@
             </a:ln>
             <a:extLst>
               <a:ext uri="{91240B29-F687-4f45-9708-019B960494DF}">
-                <a14:hiddenLine xmlns="" xmlns:a16="http://schemas.microsoft.com/office/drawing/2014/main" xmlns:p14="http://schemas.microsoft.com/office/powerpoint/2010/main" xmlns:a14="http://schemas.microsoft.com/office/drawing/2010/main" w="9525">
+                <a14:hiddenLine xmlns:a14="http://schemas.microsoft.com/office/drawing/2010/main" xmlns:p14="http://schemas.microsoft.com/office/powerpoint/2010/main" xmlns:a16="http://schemas.microsoft.com/office/drawing/2014/main" xmlns="" w="9525">
                   <a:solidFill>
                     <a:srgbClr val="000000"/>
                   </a:solidFill>
@@ -23415,7 +23420,7 @@
             </a:ln>
             <a:extLst>
               <a:ext uri="{91240B29-F687-4f45-9708-019B960494DF}">
-                <a14:hiddenLine xmlns="" xmlns:a16="http://schemas.microsoft.com/office/drawing/2014/main" xmlns:p14="http://schemas.microsoft.com/office/powerpoint/2010/main" xmlns:a14="http://schemas.microsoft.com/office/drawing/2010/main" w="9525">
+                <a14:hiddenLine xmlns:a14="http://schemas.microsoft.com/office/drawing/2010/main" xmlns:p14="http://schemas.microsoft.com/office/powerpoint/2010/main" xmlns:a16="http://schemas.microsoft.com/office/drawing/2014/main" xmlns="" w="9525">
                   <a:solidFill>
                     <a:srgbClr val="000000"/>
                   </a:solidFill>
@@ -23499,7 +23504,7 @@
             </a:ln>
             <a:extLst>
               <a:ext uri="{91240B29-F687-4f45-9708-019B960494DF}">
-                <a14:hiddenLine xmlns="" xmlns:a16="http://schemas.microsoft.com/office/drawing/2014/main" xmlns:p14="http://schemas.microsoft.com/office/powerpoint/2010/main" xmlns:a14="http://schemas.microsoft.com/office/drawing/2010/main" w="9525">
+                <a14:hiddenLine xmlns:a14="http://schemas.microsoft.com/office/drawing/2010/main" xmlns:p14="http://schemas.microsoft.com/office/powerpoint/2010/main" xmlns:a16="http://schemas.microsoft.com/office/drawing/2014/main" xmlns="" w="9525">
                   <a:solidFill>
                     <a:srgbClr val="000000"/>
                   </a:solidFill>
@@ -23611,7 +23616,7 @@
             </a:ln>
             <a:extLst>
               <a:ext uri="{91240B29-F687-4f45-9708-019B960494DF}">
-                <a14:hiddenLine xmlns="" xmlns:a16="http://schemas.microsoft.com/office/drawing/2014/main" xmlns:p14="http://schemas.microsoft.com/office/powerpoint/2010/main" xmlns:a14="http://schemas.microsoft.com/office/drawing/2010/main" w="9525">
+                <a14:hiddenLine xmlns:a14="http://schemas.microsoft.com/office/drawing/2010/main" xmlns:p14="http://schemas.microsoft.com/office/powerpoint/2010/main" xmlns:a16="http://schemas.microsoft.com/office/drawing/2014/main" xmlns="" w="9525">
                   <a:solidFill>
                     <a:srgbClr val="000000"/>
                   </a:solidFill>
@@ -23695,7 +23700,7 @@
             </a:ln>
             <a:extLst>
               <a:ext uri="{91240B29-F687-4f45-9708-019B960494DF}">
-                <a14:hiddenLine xmlns="" xmlns:a16="http://schemas.microsoft.com/office/drawing/2014/main" xmlns:p14="http://schemas.microsoft.com/office/powerpoint/2010/main" xmlns:a14="http://schemas.microsoft.com/office/drawing/2010/main" w="9525">
+                <a14:hiddenLine xmlns:a14="http://schemas.microsoft.com/office/drawing/2010/main" xmlns:p14="http://schemas.microsoft.com/office/powerpoint/2010/main" xmlns:a16="http://schemas.microsoft.com/office/drawing/2014/main" xmlns="" w="9525">
                   <a:solidFill>
                     <a:srgbClr val="000000"/>
                   </a:solidFill>
@@ -23779,7 +23784,7 @@
             </a:ln>
             <a:extLst>
               <a:ext uri="{91240B29-F687-4f45-9708-019B960494DF}">
-                <a14:hiddenLine xmlns="" xmlns:a16="http://schemas.microsoft.com/office/drawing/2014/main" xmlns:p14="http://schemas.microsoft.com/office/powerpoint/2010/main" xmlns:a14="http://schemas.microsoft.com/office/drawing/2010/main" w="9525">
+                <a14:hiddenLine xmlns:a14="http://schemas.microsoft.com/office/drawing/2010/main" xmlns:p14="http://schemas.microsoft.com/office/powerpoint/2010/main" xmlns:a16="http://schemas.microsoft.com/office/drawing/2014/main" xmlns="" w="9525">
                   <a:solidFill>
                     <a:srgbClr val="000000"/>
                   </a:solidFill>
@@ -23891,7 +23896,7 @@
             </a:ln>
             <a:extLst>
               <a:ext uri="{91240B29-F687-4f45-9708-019B960494DF}">
-                <a14:hiddenLine xmlns="" xmlns:a16="http://schemas.microsoft.com/office/drawing/2014/main" xmlns:p14="http://schemas.microsoft.com/office/powerpoint/2010/main" xmlns:a14="http://schemas.microsoft.com/office/drawing/2010/main" w="9525">
+                <a14:hiddenLine xmlns:a14="http://schemas.microsoft.com/office/drawing/2010/main" xmlns:p14="http://schemas.microsoft.com/office/powerpoint/2010/main" xmlns:a16="http://schemas.microsoft.com/office/drawing/2014/main" xmlns="" w="9525">
                   <a:solidFill>
                     <a:srgbClr val="000000"/>
                   </a:solidFill>
@@ -24003,7 +24008,7 @@
             </a:ln>
             <a:extLst>
               <a:ext uri="{91240B29-F687-4f45-9708-019B960494DF}">
-                <a14:hiddenLine xmlns="" xmlns:a16="http://schemas.microsoft.com/office/drawing/2014/main" xmlns:p14="http://schemas.microsoft.com/office/powerpoint/2010/main" xmlns:a14="http://schemas.microsoft.com/office/drawing/2010/main" w="9525">
+                <a14:hiddenLine xmlns:a14="http://schemas.microsoft.com/office/drawing/2010/main" xmlns:p14="http://schemas.microsoft.com/office/powerpoint/2010/main" xmlns:a16="http://schemas.microsoft.com/office/drawing/2014/main" xmlns="" w="9525">
                   <a:solidFill>
                     <a:srgbClr val="000000"/>
                   </a:solidFill>
@@ -24087,7 +24092,7 @@
             </a:ln>
             <a:extLst>
               <a:ext uri="{91240B29-F687-4f45-9708-019B960494DF}">
-                <a14:hiddenLine xmlns="" xmlns:a16="http://schemas.microsoft.com/office/drawing/2014/main" xmlns:p14="http://schemas.microsoft.com/office/powerpoint/2010/main" xmlns:a14="http://schemas.microsoft.com/office/drawing/2010/main" w="9525">
+                <a14:hiddenLine xmlns:a14="http://schemas.microsoft.com/office/drawing/2010/main" xmlns:p14="http://schemas.microsoft.com/office/powerpoint/2010/main" xmlns:a16="http://schemas.microsoft.com/office/drawing/2014/main" xmlns="" w="9525">
                   <a:solidFill>
                     <a:srgbClr val="000000"/>
                   </a:solidFill>
@@ -24219,7 +24224,7 @@
             </a:ln>
             <a:extLst>
               <a:ext uri="{91240B29-F687-4f45-9708-019B960494DF}">
-                <a14:hiddenLine xmlns="" xmlns:a16="http://schemas.microsoft.com/office/drawing/2014/main" xmlns:p14="http://schemas.microsoft.com/office/powerpoint/2010/main" xmlns:a14="http://schemas.microsoft.com/office/drawing/2010/main" w="9525">
+                <a14:hiddenLine xmlns:a14="http://schemas.microsoft.com/office/drawing/2010/main" xmlns:p14="http://schemas.microsoft.com/office/powerpoint/2010/main" xmlns:a16="http://schemas.microsoft.com/office/drawing/2014/main" xmlns="" w="9525">
                   <a:solidFill>
                     <a:srgbClr val="000000"/>
                   </a:solidFill>
@@ -24303,7 +24308,7 @@
             </a:ln>
             <a:extLst>
               <a:ext uri="{91240B29-F687-4f45-9708-019B960494DF}">
-                <a14:hiddenLine xmlns="" xmlns:a16="http://schemas.microsoft.com/office/drawing/2014/main" xmlns:p14="http://schemas.microsoft.com/office/powerpoint/2010/main" xmlns:a14="http://schemas.microsoft.com/office/drawing/2010/main" w="9525">
+                <a14:hiddenLine xmlns:a14="http://schemas.microsoft.com/office/drawing/2010/main" xmlns:p14="http://schemas.microsoft.com/office/powerpoint/2010/main" xmlns:a16="http://schemas.microsoft.com/office/drawing/2014/main" xmlns="" w="9525">
                   <a:solidFill>
                     <a:srgbClr val="000000"/>
                   </a:solidFill>
@@ -24415,7 +24420,7 @@
             </a:ln>
             <a:extLst>
               <a:ext uri="{91240B29-F687-4f45-9708-019B960494DF}">
-                <a14:hiddenLine xmlns="" xmlns:a16="http://schemas.microsoft.com/office/drawing/2014/main" xmlns:p14="http://schemas.microsoft.com/office/powerpoint/2010/main" xmlns:a14="http://schemas.microsoft.com/office/drawing/2010/main" w="9525">
+                <a14:hiddenLine xmlns:a14="http://schemas.microsoft.com/office/drawing/2010/main" xmlns:p14="http://schemas.microsoft.com/office/powerpoint/2010/main" xmlns:a16="http://schemas.microsoft.com/office/drawing/2014/main" xmlns="" w="9525">
                   <a:solidFill>
                     <a:srgbClr val="000000"/>
                   </a:solidFill>
@@ -24527,7 +24532,7 @@
             </a:ln>
             <a:extLst>
               <a:ext uri="{91240B29-F687-4f45-9708-019B960494DF}">
-                <a14:hiddenLine xmlns="" xmlns:a16="http://schemas.microsoft.com/office/drawing/2014/main" xmlns:p14="http://schemas.microsoft.com/office/powerpoint/2010/main" xmlns:a14="http://schemas.microsoft.com/office/drawing/2010/main" w="9525">
+                <a14:hiddenLine xmlns:a14="http://schemas.microsoft.com/office/drawing/2010/main" xmlns:p14="http://schemas.microsoft.com/office/powerpoint/2010/main" xmlns:a16="http://schemas.microsoft.com/office/drawing/2014/main" xmlns="" w="9525">
                   <a:solidFill>
                     <a:srgbClr val="000000"/>
                   </a:solidFill>
@@ -24611,7 +24616,7 @@
             </a:ln>
             <a:extLst>
               <a:ext uri="{91240B29-F687-4f45-9708-019B960494DF}">
-                <a14:hiddenLine xmlns="" xmlns:a16="http://schemas.microsoft.com/office/drawing/2014/main" xmlns:p14="http://schemas.microsoft.com/office/powerpoint/2010/main" xmlns:a14="http://schemas.microsoft.com/office/drawing/2010/main" w="9525">
+                <a14:hiddenLine xmlns:a14="http://schemas.microsoft.com/office/drawing/2010/main" xmlns:p14="http://schemas.microsoft.com/office/powerpoint/2010/main" xmlns:a16="http://schemas.microsoft.com/office/drawing/2014/main" xmlns="" w="9525">
                   <a:solidFill>
                     <a:srgbClr val="000000"/>
                   </a:solidFill>
@@ -24723,7 +24728,7 @@
             </a:ln>
             <a:extLst>
               <a:ext uri="{91240B29-F687-4f45-9708-019B960494DF}">
-                <a14:hiddenLine xmlns="" xmlns:a16="http://schemas.microsoft.com/office/drawing/2014/main" xmlns:p14="http://schemas.microsoft.com/office/powerpoint/2010/main" xmlns:a14="http://schemas.microsoft.com/office/drawing/2010/main" w="9525">
+                <a14:hiddenLine xmlns:a14="http://schemas.microsoft.com/office/drawing/2010/main" xmlns:p14="http://schemas.microsoft.com/office/powerpoint/2010/main" xmlns:a16="http://schemas.microsoft.com/office/drawing/2014/main" xmlns="" w="9525">
                   <a:solidFill>
                     <a:srgbClr val="000000"/>
                   </a:solidFill>
@@ -24835,7 +24840,7 @@
             </a:ln>
             <a:extLst>
               <a:ext uri="{91240B29-F687-4f45-9708-019B960494DF}">
-                <a14:hiddenLine xmlns="" xmlns:a16="http://schemas.microsoft.com/office/drawing/2014/main" xmlns:p14="http://schemas.microsoft.com/office/powerpoint/2010/main" xmlns:a14="http://schemas.microsoft.com/office/drawing/2010/main" w="9525">
+                <a14:hiddenLine xmlns:a14="http://schemas.microsoft.com/office/drawing/2010/main" xmlns:p14="http://schemas.microsoft.com/office/powerpoint/2010/main" xmlns:a16="http://schemas.microsoft.com/office/drawing/2014/main" xmlns="" w="9525">
                   <a:solidFill>
                     <a:srgbClr val="000000"/>
                   </a:solidFill>
@@ -24913,7 +24918,7 @@
             </a:ln>
             <a:extLst>
               <a:ext uri="{91240B29-F687-4f45-9708-019B960494DF}">
-                <a14:hiddenLine xmlns="" xmlns:a16="http://schemas.microsoft.com/office/drawing/2014/main" xmlns:p14="http://schemas.microsoft.com/office/powerpoint/2010/main" xmlns:a14="http://schemas.microsoft.com/office/drawing/2010/main" w="9525">
+                <a14:hiddenLine xmlns:a14="http://schemas.microsoft.com/office/drawing/2010/main" xmlns:p14="http://schemas.microsoft.com/office/powerpoint/2010/main" xmlns:a16="http://schemas.microsoft.com/office/drawing/2014/main" xmlns="" w="9525">
                   <a:solidFill>
                     <a:srgbClr val="000000"/>
                   </a:solidFill>
@@ -25025,7 +25030,7 @@
             </a:ln>
             <a:extLst>
               <a:ext uri="{91240B29-F687-4f45-9708-019B960494DF}">
-                <a14:hiddenLine xmlns="" xmlns:a16="http://schemas.microsoft.com/office/drawing/2014/main" xmlns:p14="http://schemas.microsoft.com/office/powerpoint/2010/main" xmlns:a14="http://schemas.microsoft.com/office/drawing/2010/main" w="9525">
+                <a14:hiddenLine xmlns:a14="http://schemas.microsoft.com/office/drawing/2010/main" xmlns:p14="http://schemas.microsoft.com/office/powerpoint/2010/main" xmlns:a16="http://schemas.microsoft.com/office/drawing/2014/main" xmlns="" w="9525">
                   <a:solidFill>
                     <a:srgbClr val="000000"/>
                   </a:solidFill>
@@ -25103,7 +25108,7 @@
             </a:ln>
             <a:extLst>
               <a:ext uri="{91240B29-F687-4f45-9708-019B960494DF}">
-                <a14:hiddenLine xmlns="" xmlns:a16="http://schemas.microsoft.com/office/drawing/2014/main" xmlns:p14="http://schemas.microsoft.com/office/powerpoint/2010/main" xmlns:a14="http://schemas.microsoft.com/office/drawing/2010/main" w="9525">
+                <a14:hiddenLine xmlns:a14="http://schemas.microsoft.com/office/drawing/2010/main" xmlns:p14="http://schemas.microsoft.com/office/powerpoint/2010/main" xmlns:a16="http://schemas.microsoft.com/office/drawing/2014/main" xmlns="" w="9525">
                   <a:solidFill>
                     <a:srgbClr val="000000"/>
                   </a:solidFill>
@@ -25215,7 +25220,7 @@
             </a:ln>
             <a:extLst>
               <a:ext uri="{91240B29-F687-4f45-9708-019B960494DF}">
-                <a14:hiddenLine xmlns="" xmlns:a16="http://schemas.microsoft.com/office/drawing/2014/main" xmlns:p14="http://schemas.microsoft.com/office/powerpoint/2010/main" xmlns:a14="http://schemas.microsoft.com/office/drawing/2010/main" w="9525">
+                <a14:hiddenLine xmlns:a14="http://schemas.microsoft.com/office/drawing/2010/main" xmlns:p14="http://schemas.microsoft.com/office/powerpoint/2010/main" xmlns:a16="http://schemas.microsoft.com/office/drawing/2014/main" xmlns="" w="9525">
                   <a:solidFill>
                     <a:srgbClr val="000000"/>
                   </a:solidFill>
@@ -25305,7 +25310,7 @@
             </a:ln>
             <a:extLst>
               <a:ext uri="{91240B29-F687-4f45-9708-019B960494DF}">
-                <a14:hiddenLine xmlns="" xmlns:a16="http://schemas.microsoft.com/office/drawing/2014/main" xmlns:p14="http://schemas.microsoft.com/office/powerpoint/2010/main" xmlns:a14="http://schemas.microsoft.com/office/drawing/2010/main" w="9525">
+                <a14:hiddenLine xmlns:a14="http://schemas.microsoft.com/office/drawing/2010/main" xmlns:p14="http://schemas.microsoft.com/office/powerpoint/2010/main" xmlns:a16="http://schemas.microsoft.com/office/drawing/2014/main" xmlns="" w="9525">
                   <a:solidFill>
                     <a:srgbClr val="000000"/>
                   </a:solidFill>
@@ -25417,7 +25422,7 @@
             </a:ln>
             <a:extLst>
               <a:ext uri="{91240B29-F687-4f45-9708-019B960494DF}">
-                <a14:hiddenLine xmlns="" xmlns:a16="http://schemas.microsoft.com/office/drawing/2014/main" xmlns:p14="http://schemas.microsoft.com/office/powerpoint/2010/main" xmlns:a14="http://schemas.microsoft.com/office/drawing/2010/main" w="9525">
+                <a14:hiddenLine xmlns:a14="http://schemas.microsoft.com/office/drawing/2010/main" xmlns:p14="http://schemas.microsoft.com/office/powerpoint/2010/main" xmlns:a16="http://schemas.microsoft.com/office/drawing/2014/main" xmlns="" w="9525">
                   <a:solidFill>
                     <a:srgbClr val="000000"/>
                   </a:solidFill>
@@ -25507,7 +25512,7 @@
             </a:ln>
             <a:extLst>
               <a:ext uri="{91240B29-F687-4f45-9708-019B960494DF}">
-                <a14:hiddenLine xmlns="" xmlns:a16="http://schemas.microsoft.com/office/drawing/2014/main" xmlns:p14="http://schemas.microsoft.com/office/powerpoint/2010/main" xmlns:a14="http://schemas.microsoft.com/office/drawing/2010/main" w="9525">
+                <a14:hiddenLine xmlns:a14="http://schemas.microsoft.com/office/drawing/2010/main" xmlns:p14="http://schemas.microsoft.com/office/powerpoint/2010/main" xmlns:a16="http://schemas.microsoft.com/office/drawing/2014/main" xmlns="" w="9525">
                   <a:solidFill>
                     <a:srgbClr val="000000"/>
                   </a:solidFill>
@@ -25619,7 +25624,7 @@
             </a:ln>
             <a:extLst>
               <a:ext uri="{91240B29-F687-4f45-9708-019B960494DF}">
-                <a14:hiddenLine xmlns="" xmlns:a16="http://schemas.microsoft.com/office/drawing/2014/main" xmlns:p14="http://schemas.microsoft.com/office/powerpoint/2010/main" xmlns:a14="http://schemas.microsoft.com/office/drawing/2010/main" w="9525">
+                <a14:hiddenLine xmlns:a14="http://schemas.microsoft.com/office/drawing/2010/main" xmlns:p14="http://schemas.microsoft.com/office/powerpoint/2010/main" xmlns:a16="http://schemas.microsoft.com/office/drawing/2014/main" xmlns="" w="9525">
                   <a:solidFill>
                     <a:srgbClr val="000000"/>
                   </a:solidFill>
@@ -25675,7 +25680,7 @@
             </a:ln>
             <a:extLst>
               <a:ext uri="{91240B29-F687-4f45-9708-019B960494DF}">
-                <a14:hiddenLine xmlns="" xmlns:a16="http://schemas.microsoft.com/office/drawing/2014/main" xmlns:p14="http://schemas.microsoft.com/office/powerpoint/2010/main" xmlns:a14="http://schemas.microsoft.com/office/drawing/2010/main" w="9525">
+                <a14:hiddenLine xmlns:a14="http://schemas.microsoft.com/office/drawing/2010/main" xmlns:p14="http://schemas.microsoft.com/office/powerpoint/2010/main" xmlns:a16="http://schemas.microsoft.com/office/drawing/2014/main" xmlns="" w="9525">
                   <a:solidFill>
                     <a:srgbClr val="000000"/>
                   </a:solidFill>
@@ -25787,7 +25792,7 @@
             </a:ln>
             <a:extLst>
               <a:ext uri="{91240B29-F687-4f45-9708-019B960494DF}">
-                <a14:hiddenLine xmlns="" xmlns:a16="http://schemas.microsoft.com/office/drawing/2014/main" xmlns:p14="http://schemas.microsoft.com/office/powerpoint/2010/main" xmlns:a14="http://schemas.microsoft.com/office/drawing/2010/main" w="9525">
+                <a14:hiddenLine xmlns:a14="http://schemas.microsoft.com/office/drawing/2010/main" xmlns:p14="http://schemas.microsoft.com/office/powerpoint/2010/main" xmlns:a16="http://schemas.microsoft.com/office/drawing/2014/main" xmlns="" w="9525">
                   <a:solidFill>
                     <a:srgbClr val="000000"/>
                   </a:solidFill>
@@ -25871,7 +25876,7 @@
             </a:ln>
             <a:extLst>
               <a:ext uri="{91240B29-F687-4f45-9708-019B960494DF}">
-                <a14:hiddenLine xmlns="" xmlns:a16="http://schemas.microsoft.com/office/drawing/2014/main" xmlns:p14="http://schemas.microsoft.com/office/powerpoint/2010/main" xmlns:a14="http://schemas.microsoft.com/office/drawing/2010/main" w="9525">
+                <a14:hiddenLine xmlns:a14="http://schemas.microsoft.com/office/drawing/2010/main" xmlns:p14="http://schemas.microsoft.com/office/powerpoint/2010/main" xmlns:a16="http://schemas.microsoft.com/office/drawing/2014/main" xmlns="" w="9525">
                   <a:solidFill>
                     <a:srgbClr val="000000"/>
                   </a:solidFill>
@@ -25955,7 +25960,7 @@
             </a:ln>
             <a:extLst>
               <a:ext uri="{91240B29-F687-4f45-9708-019B960494DF}">
-                <a14:hiddenLine xmlns="" xmlns:a16="http://schemas.microsoft.com/office/drawing/2014/main" xmlns:p14="http://schemas.microsoft.com/office/powerpoint/2010/main" xmlns:a14="http://schemas.microsoft.com/office/drawing/2010/main" w="9525">
+                <a14:hiddenLine xmlns:a14="http://schemas.microsoft.com/office/drawing/2010/main" xmlns:p14="http://schemas.microsoft.com/office/powerpoint/2010/main" xmlns:a16="http://schemas.microsoft.com/office/drawing/2014/main" xmlns="" w="9525">
                   <a:solidFill>
                     <a:srgbClr val="000000"/>
                   </a:solidFill>
@@ -26067,7 +26072,7 @@
             </a:ln>
             <a:extLst>
               <a:ext uri="{91240B29-F687-4f45-9708-019B960494DF}">
-                <a14:hiddenLine xmlns="" xmlns:a16="http://schemas.microsoft.com/office/drawing/2014/main" xmlns:p14="http://schemas.microsoft.com/office/powerpoint/2010/main" xmlns:a14="http://schemas.microsoft.com/office/drawing/2010/main" w="9525">
+                <a14:hiddenLine xmlns:a14="http://schemas.microsoft.com/office/drawing/2010/main" xmlns:p14="http://schemas.microsoft.com/office/powerpoint/2010/main" xmlns:a16="http://schemas.microsoft.com/office/drawing/2014/main" xmlns="" w="9525">
                   <a:solidFill>
                     <a:srgbClr val="000000"/>
                   </a:solidFill>
@@ -26157,7 +26162,7 @@
             </a:ln>
             <a:extLst>
               <a:ext uri="{91240B29-F687-4f45-9708-019B960494DF}">
-                <a14:hiddenLine xmlns="" xmlns:a16="http://schemas.microsoft.com/office/drawing/2014/main" xmlns:p14="http://schemas.microsoft.com/office/powerpoint/2010/main" xmlns:a14="http://schemas.microsoft.com/office/drawing/2010/main" w="9525">
+                <a14:hiddenLine xmlns:a14="http://schemas.microsoft.com/office/drawing/2010/main" xmlns:p14="http://schemas.microsoft.com/office/powerpoint/2010/main" xmlns:a16="http://schemas.microsoft.com/office/drawing/2014/main" xmlns="" w="9525">
                   <a:solidFill>
                     <a:srgbClr val="000000"/>
                   </a:solidFill>
@@ -26241,7 +26246,7 @@
             </a:ln>
             <a:extLst>
               <a:ext uri="{91240B29-F687-4f45-9708-019B960494DF}">
-                <a14:hiddenLine xmlns="" xmlns:a16="http://schemas.microsoft.com/office/drawing/2014/main" xmlns:p14="http://schemas.microsoft.com/office/powerpoint/2010/main" xmlns:a14="http://schemas.microsoft.com/office/drawing/2010/main" w="9525">
+                <a14:hiddenLine xmlns:a14="http://schemas.microsoft.com/office/drawing/2010/main" xmlns:p14="http://schemas.microsoft.com/office/powerpoint/2010/main" xmlns:a16="http://schemas.microsoft.com/office/drawing/2014/main" xmlns="" w="9525">
                   <a:solidFill>
                     <a:srgbClr val="000000"/>
                   </a:solidFill>
@@ -26353,7 +26358,7 @@
             </a:ln>
             <a:extLst>
               <a:ext uri="{91240B29-F687-4f45-9708-019B960494DF}">
-                <a14:hiddenLine xmlns="" xmlns:a16="http://schemas.microsoft.com/office/drawing/2014/main" xmlns:p14="http://schemas.microsoft.com/office/powerpoint/2010/main" xmlns:a14="http://schemas.microsoft.com/office/drawing/2010/main" w="9525">
+                <a14:hiddenLine xmlns:a14="http://schemas.microsoft.com/office/drawing/2010/main" xmlns:p14="http://schemas.microsoft.com/office/powerpoint/2010/main" xmlns:a16="http://schemas.microsoft.com/office/drawing/2014/main" xmlns="" w="9525">
                   <a:solidFill>
                     <a:srgbClr val="000000"/>
                   </a:solidFill>
@@ -26437,7 +26442,7 @@
             </a:ln>
             <a:extLst>
               <a:ext uri="{91240B29-F687-4f45-9708-019B960494DF}">
-                <a14:hiddenLine xmlns="" xmlns:a16="http://schemas.microsoft.com/office/drawing/2014/main" xmlns:p14="http://schemas.microsoft.com/office/powerpoint/2010/main" xmlns:a14="http://schemas.microsoft.com/office/drawing/2010/main" w="9525">
+                <a14:hiddenLine xmlns:a14="http://schemas.microsoft.com/office/drawing/2010/main" xmlns:p14="http://schemas.microsoft.com/office/powerpoint/2010/main" xmlns:a16="http://schemas.microsoft.com/office/drawing/2014/main" xmlns="" w="9525">
                   <a:solidFill>
                     <a:srgbClr val="000000"/>
                   </a:solidFill>
@@ -26549,7 +26554,7 @@
             </a:ln>
             <a:extLst>
               <a:ext uri="{91240B29-F687-4f45-9708-019B960494DF}">
-                <a14:hiddenLine xmlns="" xmlns:a16="http://schemas.microsoft.com/office/drawing/2014/main" xmlns:p14="http://schemas.microsoft.com/office/powerpoint/2010/main" xmlns:a14="http://schemas.microsoft.com/office/drawing/2010/main" w="9525">
+                <a14:hiddenLine xmlns:a14="http://schemas.microsoft.com/office/drawing/2010/main" xmlns:p14="http://schemas.microsoft.com/office/powerpoint/2010/main" xmlns:a16="http://schemas.microsoft.com/office/drawing/2014/main" xmlns="" w="9525">
                   <a:solidFill>
                     <a:srgbClr val="000000"/>
                   </a:solidFill>
@@ -26633,7 +26638,7 @@
             </a:ln>
             <a:extLst>
               <a:ext uri="{91240B29-F687-4f45-9708-019B960494DF}">
-                <a14:hiddenLine xmlns="" xmlns:a16="http://schemas.microsoft.com/office/drawing/2014/main" xmlns:p14="http://schemas.microsoft.com/office/powerpoint/2010/main" xmlns:a14="http://schemas.microsoft.com/office/drawing/2010/main" w="9525">
+                <a14:hiddenLine xmlns:a14="http://schemas.microsoft.com/office/drawing/2010/main" xmlns:p14="http://schemas.microsoft.com/office/powerpoint/2010/main" xmlns:a16="http://schemas.microsoft.com/office/drawing/2014/main" xmlns="" w="9525">
                   <a:solidFill>
                     <a:srgbClr val="000000"/>
                   </a:solidFill>
@@ -26745,7 +26750,7 @@
             </a:ln>
             <a:extLst>
               <a:ext uri="{91240B29-F687-4f45-9708-019B960494DF}">
-                <a14:hiddenLine xmlns="" xmlns:a16="http://schemas.microsoft.com/office/drawing/2014/main" xmlns:p14="http://schemas.microsoft.com/office/powerpoint/2010/main" xmlns:a14="http://schemas.microsoft.com/office/drawing/2010/main" w="9525">
+                <a14:hiddenLine xmlns:a14="http://schemas.microsoft.com/office/drawing/2010/main" xmlns:p14="http://schemas.microsoft.com/office/powerpoint/2010/main" xmlns:a16="http://schemas.microsoft.com/office/drawing/2014/main" xmlns="" w="9525">
                   <a:solidFill>
                     <a:srgbClr val="000000"/>
                   </a:solidFill>
@@ -26801,7 +26806,7 @@
             </a:ln>
             <a:extLst>
               <a:ext uri="{91240B29-F687-4f45-9708-019B960494DF}">
-                <a14:hiddenLine xmlns="" xmlns:a16="http://schemas.microsoft.com/office/drawing/2014/main" xmlns:p14="http://schemas.microsoft.com/office/powerpoint/2010/main" xmlns:a14="http://schemas.microsoft.com/office/drawing/2010/main" w="9525">
+                <a14:hiddenLine xmlns:a14="http://schemas.microsoft.com/office/drawing/2010/main" xmlns:p14="http://schemas.microsoft.com/office/powerpoint/2010/main" xmlns:a16="http://schemas.microsoft.com/office/drawing/2014/main" xmlns="" w="9525">
                   <a:solidFill>
                     <a:srgbClr val="000000"/>
                   </a:solidFill>
@@ -26888,7 +26893,7 @@
             </a:ln>
             <a:extLst>
               <a:ext uri="{91240B29-F687-4f45-9708-019B960494DF}">
-                <a14:hiddenLine xmlns="" xmlns:a16="http://schemas.microsoft.com/office/drawing/2014/main" xmlns:p14="http://schemas.microsoft.com/office/powerpoint/2010/main" xmlns:a14="http://schemas.microsoft.com/office/drawing/2010/main" w="9525">
+                <a14:hiddenLine xmlns:a14="http://schemas.microsoft.com/office/drawing/2010/main" xmlns:p14="http://schemas.microsoft.com/office/powerpoint/2010/main" xmlns:a16="http://schemas.microsoft.com/office/drawing/2014/main" xmlns="" w="9525">
                   <a:solidFill>
                     <a:srgbClr val="000000"/>
                   </a:solidFill>
@@ -27000,7 +27005,7 @@
             </a:ln>
             <a:extLst>
               <a:ext uri="{91240B29-F687-4f45-9708-019B960494DF}">
-                <a14:hiddenLine xmlns="" xmlns:a16="http://schemas.microsoft.com/office/drawing/2014/main" xmlns:p14="http://schemas.microsoft.com/office/powerpoint/2010/main" xmlns:a14="http://schemas.microsoft.com/office/drawing/2010/main" w="9525">
+                <a14:hiddenLine xmlns:a14="http://schemas.microsoft.com/office/drawing/2010/main" xmlns:p14="http://schemas.microsoft.com/office/powerpoint/2010/main" xmlns:a16="http://schemas.microsoft.com/office/drawing/2014/main" xmlns="" w="9525">
                   <a:solidFill>
                     <a:srgbClr val="000000"/>
                   </a:solidFill>
@@ -27084,7 +27089,7 @@
             </a:ln>
             <a:extLst>
               <a:ext uri="{91240B29-F687-4f45-9708-019B960494DF}">
-                <a14:hiddenLine xmlns="" xmlns:a16="http://schemas.microsoft.com/office/drawing/2014/main" xmlns:p14="http://schemas.microsoft.com/office/powerpoint/2010/main" xmlns:a14="http://schemas.microsoft.com/office/drawing/2010/main" w="9525">
+                <a14:hiddenLine xmlns:a14="http://schemas.microsoft.com/office/drawing/2010/main" xmlns:p14="http://schemas.microsoft.com/office/powerpoint/2010/main" xmlns:a16="http://schemas.microsoft.com/office/drawing/2014/main" xmlns="" w="9525">
                   <a:solidFill>
                     <a:srgbClr val="000000"/>
                   </a:solidFill>
@@ -27196,7 +27201,7 @@
             </a:ln>
             <a:extLst>
               <a:ext uri="{91240B29-F687-4f45-9708-019B960494DF}">
-                <a14:hiddenLine xmlns="" xmlns:a16="http://schemas.microsoft.com/office/drawing/2014/main" xmlns:p14="http://schemas.microsoft.com/office/powerpoint/2010/main" xmlns:a14="http://schemas.microsoft.com/office/drawing/2010/main" w="9525">
+                <a14:hiddenLine xmlns:a14="http://schemas.microsoft.com/office/drawing/2010/main" xmlns:p14="http://schemas.microsoft.com/office/powerpoint/2010/main" xmlns:a16="http://schemas.microsoft.com/office/drawing/2014/main" xmlns="" w="9525">
                   <a:solidFill>
                     <a:srgbClr val="000000"/>
                   </a:solidFill>
@@ -27308,7 +27313,7 @@
             </a:ln>
             <a:extLst>
               <a:ext uri="{91240B29-F687-4f45-9708-019B960494DF}">
-                <a14:hiddenLine xmlns="" xmlns:a16="http://schemas.microsoft.com/office/drawing/2014/main" xmlns:p14="http://schemas.microsoft.com/office/powerpoint/2010/main" xmlns:a14="http://schemas.microsoft.com/office/drawing/2010/main" w="9525">
+                <a14:hiddenLine xmlns:a14="http://schemas.microsoft.com/office/drawing/2010/main" xmlns:p14="http://schemas.microsoft.com/office/powerpoint/2010/main" xmlns:a16="http://schemas.microsoft.com/office/drawing/2014/main" xmlns="" w="9525">
                   <a:solidFill>
                     <a:srgbClr val="000000"/>
                   </a:solidFill>
@@ -27395,7 +27400,7 @@
             </a:ln>
             <a:extLst>
               <a:ext uri="{91240B29-F687-4f45-9708-019B960494DF}">
-                <a14:hiddenLine xmlns="" xmlns:a16="http://schemas.microsoft.com/office/drawing/2014/main" xmlns:p14="http://schemas.microsoft.com/office/powerpoint/2010/main" xmlns:a14="http://schemas.microsoft.com/office/drawing/2010/main" w="9525">
+                <a14:hiddenLine xmlns:a14="http://schemas.microsoft.com/office/drawing/2010/main" xmlns:p14="http://schemas.microsoft.com/office/powerpoint/2010/main" xmlns:a16="http://schemas.microsoft.com/office/drawing/2014/main" xmlns="" w="9525">
                   <a:solidFill>
                     <a:srgbClr val="000000"/>
                   </a:solidFill>
@@ -27479,7 +27484,7 @@
             </a:ln>
             <a:extLst>
               <a:ext uri="{91240B29-F687-4f45-9708-019B960494DF}">
-                <a14:hiddenLine xmlns="" xmlns:a16="http://schemas.microsoft.com/office/drawing/2014/main" xmlns:p14="http://schemas.microsoft.com/office/powerpoint/2010/main" xmlns:a14="http://schemas.microsoft.com/office/drawing/2010/main" w="9525">
+                <a14:hiddenLine xmlns:a14="http://schemas.microsoft.com/office/drawing/2010/main" xmlns:p14="http://schemas.microsoft.com/office/powerpoint/2010/main" xmlns:a16="http://schemas.microsoft.com/office/drawing/2014/main" xmlns="" w="9525">
                   <a:solidFill>
                     <a:srgbClr val="000000"/>
                   </a:solidFill>
@@ -27591,7 +27596,7 @@
             </a:ln>
             <a:extLst>
               <a:ext uri="{91240B29-F687-4f45-9708-019B960494DF}">
-                <a14:hiddenLine xmlns="" xmlns:a16="http://schemas.microsoft.com/office/drawing/2014/main" xmlns:p14="http://schemas.microsoft.com/office/powerpoint/2010/main" xmlns:a14="http://schemas.microsoft.com/office/drawing/2010/main" w="9525">
+                <a14:hiddenLine xmlns:a14="http://schemas.microsoft.com/office/drawing/2010/main" xmlns:p14="http://schemas.microsoft.com/office/powerpoint/2010/main" xmlns:a16="http://schemas.microsoft.com/office/drawing/2014/main" xmlns="" w="9525">
                   <a:solidFill>
                     <a:srgbClr val="000000"/>
                   </a:solidFill>
@@ -27703,7 +27708,7 @@
             </a:ln>
             <a:extLst>
               <a:ext uri="{91240B29-F687-4f45-9708-019B960494DF}">
-                <a14:hiddenLine xmlns="" xmlns:a16="http://schemas.microsoft.com/office/drawing/2014/main" xmlns:p14="http://schemas.microsoft.com/office/powerpoint/2010/main" xmlns:a14="http://schemas.microsoft.com/office/drawing/2010/main" w="9525">
+                <a14:hiddenLine xmlns:a14="http://schemas.microsoft.com/office/drawing/2010/main" xmlns:p14="http://schemas.microsoft.com/office/powerpoint/2010/main" xmlns:a16="http://schemas.microsoft.com/office/drawing/2014/main" xmlns="" w="9525">
                   <a:solidFill>
                     <a:srgbClr val="000000"/>
                   </a:solidFill>
@@ -27787,7 +27792,7 @@
             </a:ln>
             <a:extLst>
               <a:ext uri="{91240B29-F687-4f45-9708-019B960494DF}">
-                <a14:hiddenLine xmlns="" xmlns:a16="http://schemas.microsoft.com/office/drawing/2014/main" xmlns:p14="http://schemas.microsoft.com/office/powerpoint/2010/main" xmlns:a14="http://schemas.microsoft.com/office/drawing/2010/main" w="9525">
+                <a14:hiddenLine xmlns:a14="http://schemas.microsoft.com/office/drawing/2010/main" xmlns:p14="http://schemas.microsoft.com/office/powerpoint/2010/main" xmlns:a16="http://schemas.microsoft.com/office/drawing/2014/main" xmlns="" w="9525">
                   <a:solidFill>
                     <a:srgbClr val="000000"/>
                   </a:solidFill>
@@ -27929,7 +27934,7 @@
             </a:ln>
             <a:extLst>
               <a:ext uri="{91240B29-F687-4f45-9708-019B960494DF}">
-                <a14:hiddenLine xmlns="" xmlns:a16="http://schemas.microsoft.com/office/drawing/2014/main" xmlns:p14="http://schemas.microsoft.com/office/powerpoint/2010/main" xmlns:a14="http://schemas.microsoft.com/office/drawing/2010/main" w="9525">
+                <a14:hiddenLine xmlns:a14="http://schemas.microsoft.com/office/drawing/2010/main" xmlns:p14="http://schemas.microsoft.com/office/powerpoint/2010/main" xmlns:a16="http://schemas.microsoft.com/office/drawing/2014/main" xmlns="" w="9525">
                   <a:solidFill>
                     <a:srgbClr val="000000"/>
                   </a:solidFill>
@@ -28019,7 +28024,7 @@
             </a:ln>
             <a:extLst>
               <a:ext uri="{91240B29-F687-4f45-9708-019B960494DF}">
-                <a14:hiddenLine xmlns="" xmlns:a16="http://schemas.microsoft.com/office/drawing/2014/main" xmlns:p14="http://schemas.microsoft.com/office/powerpoint/2010/main" xmlns:a14="http://schemas.microsoft.com/office/drawing/2010/main" w="9525">
+                <a14:hiddenLine xmlns:a14="http://schemas.microsoft.com/office/drawing/2010/main" xmlns:p14="http://schemas.microsoft.com/office/powerpoint/2010/main" xmlns:a16="http://schemas.microsoft.com/office/drawing/2014/main" xmlns="" w="9525">
                   <a:solidFill>
                     <a:srgbClr val="000000"/>
                   </a:solidFill>
@@ -28131,7 +28136,7 @@
             </a:ln>
             <a:extLst>
               <a:ext uri="{91240B29-F687-4f45-9708-019B960494DF}">
-                <a14:hiddenLine xmlns="" xmlns:a16="http://schemas.microsoft.com/office/drawing/2014/main" xmlns:p14="http://schemas.microsoft.com/office/powerpoint/2010/main" xmlns:a14="http://schemas.microsoft.com/office/drawing/2010/main" w="9525">
+                <a14:hiddenLine xmlns:a14="http://schemas.microsoft.com/office/drawing/2010/main" xmlns:p14="http://schemas.microsoft.com/office/powerpoint/2010/main" xmlns:a16="http://schemas.microsoft.com/office/drawing/2014/main" xmlns="" w="9525">
                   <a:solidFill>
                     <a:srgbClr val="000000"/>
                   </a:solidFill>
@@ -28294,7 +28299,7 @@
             </a:ln>
             <a:extLst>
               <a:ext uri="{91240B29-F687-4f45-9708-019B960494DF}">
-                <a14:hiddenLine xmlns="" xmlns:a16="http://schemas.microsoft.com/office/drawing/2014/main" xmlns:p14="http://schemas.microsoft.com/office/powerpoint/2010/main" xmlns:a14="http://schemas.microsoft.com/office/drawing/2010/main" w="9525">
+                <a14:hiddenLine xmlns:a14="http://schemas.microsoft.com/office/drawing/2010/main" xmlns:p14="http://schemas.microsoft.com/office/powerpoint/2010/main" xmlns:a16="http://schemas.microsoft.com/office/drawing/2014/main" xmlns="" w="9525">
                   <a:solidFill>
                     <a:srgbClr val="000000"/>
                   </a:solidFill>
@@ -28406,7 +28411,7 @@
             </a:ln>
             <a:extLst>
               <a:ext uri="{91240B29-F687-4f45-9708-019B960494DF}">
-                <a14:hiddenLine xmlns="" xmlns:a16="http://schemas.microsoft.com/office/drawing/2014/main" xmlns:p14="http://schemas.microsoft.com/office/powerpoint/2010/main" xmlns:a14="http://schemas.microsoft.com/office/drawing/2010/main" w="9525">
+                <a14:hiddenLine xmlns:a14="http://schemas.microsoft.com/office/drawing/2010/main" xmlns:p14="http://schemas.microsoft.com/office/powerpoint/2010/main" xmlns:a16="http://schemas.microsoft.com/office/drawing/2014/main" xmlns="" w="9525">
                   <a:solidFill>
                     <a:srgbClr val="000000"/>
                   </a:solidFill>
@@ -28518,7 +28523,7 @@
             </a:ln>
             <a:extLst>
               <a:ext uri="{91240B29-F687-4f45-9708-019B960494DF}">
-                <a14:hiddenLine xmlns="" xmlns:a16="http://schemas.microsoft.com/office/drawing/2014/main" xmlns:p14="http://schemas.microsoft.com/office/powerpoint/2010/main" xmlns:a14="http://schemas.microsoft.com/office/drawing/2010/main" w="9525">
+                <a14:hiddenLine xmlns:a14="http://schemas.microsoft.com/office/drawing/2010/main" xmlns:p14="http://schemas.microsoft.com/office/powerpoint/2010/main" xmlns:a16="http://schemas.microsoft.com/office/drawing/2014/main" xmlns="" w="9525">
                   <a:solidFill>
                     <a:srgbClr val="000000"/>
                   </a:solidFill>
@@ -28574,7 +28579,7 @@
             </a:ln>
             <a:extLst>
               <a:ext uri="{91240B29-F687-4f45-9708-019B960494DF}">
-                <a14:hiddenLine xmlns="" xmlns:a16="http://schemas.microsoft.com/office/drawing/2014/main" xmlns:p14="http://schemas.microsoft.com/office/powerpoint/2010/main" xmlns:a14="http://schemas.microsoft.com/office/drawing/2010/main" w="9525">
+                <a14:hiddenLine xmlns:a14="http://schemas.microsoft.com/office/drawing/2010/main" xmlns:p14="http://schemas.microsoft.com/office/powerpoint/2010/main" xmlns:a16="http://schemas.microsoft.com/office/drawing/2014/main" xmlns="" w="9525">
                   <a:solidFill>
                     <a:srgbClr val="000000"/>
                   </a:solidFill>
@@ -28686,7 +28691,7 @@
             </a:ln>
             <a:extLst>
               <a:ext uri="{91240B29-F687-4f45-9708-019B960494DF}">
-                <a14:hiddenLine xmlns="" xmlns:a16="http://schemas.microsoft.com/office/drawing/2014/main" xmlns:p14="http://schemas.microsoft.com/office/powerpoint/2010/main" xmlns:a14="http://schemas.microsoft.com/office/drawing/2010/main" w="9525">
+                <a14:hiddenLine xmlns:a14="http://schemas.microsoft.com/office/drawing/2010/main" xmlns:p14="http://schemas.microsoft.com/office/powerpoint/2010/main" xmlns:a16="http://schemas.microsoft.com/office/drawing/2014/main" xmlns="" w="9525">
                   <a:solidFill>
                     <a:srgbClr val="000000"/>
                   </a:solidFill>
@@ -28770,7 +28775,7 @@
             </a:ln>
             <a:extLst>
               <a:ext uri="{91240B29-F687-4f45-9708-019B960494DF}">
-                <a14:hiddenLine xmlns="" xmlns:a16="http://schemas.microsoft.com/office/drawing/2014/main" xmlns:p14="http://schemas.microsoft.com/office/powerpoint/2010/main" xmlns:a14="http://schemas.microsoft.com/office/drawing/2010/main" w="9525">
+                <a14:hiddenLine xmlns:a14="http://schemas.microsoft.com/office/drawing/2010/main" xmlns:p14="http://schemas.microsoft.com/office/powerpoint/2010/main" xmlns:a16="http://schemas.microsoft.com/office/drawing/2014/main" xmlns="" w="9525">
                   <a:solidFill>
                     <a:srgbClr val="000000"/>
                   </a:solidFill>
@@ -28854,7 +28859,7 @@
             </a:ln>
             <a:extLst>
               <a:ext uri="{91240B29-F687-4f45-9708-019B960494DF}">
-                <a14:hiddenLine xmlns="" xmlns:a16="http://schemas.microsoft.com/office/drawing/2014/main" xmlns:p14="http://schemas.microsoft.com/office/powerpoint/2010/main" xmlns:a14="http://schemas.microsoft.com/office/drawing/2010/main" w="9525">
+                <a14:hiddenLine xmlns:a14="http://schemas.microsoft.com/office/drawing/2010/main" xmlns:p14="http://schemas.microsoft.com/office/powerpoint/2010/main" xmlns:a16="http://schemas.microsoft.com/office/drawing/2014/main" xmlns="" w="9525">
                   <a:solidFill>
                     <a:srgbClr val="000000"/>
                   </a:solidFill>
@@ -28966,7 +28971,7 @@
             </a:ln>
             <a:extLst>
               <a:ext uri="{91240B29-F687-4f45-9708-019B960494DF}">
-                <a14:hiddenLine xmlns="" xmlns:a16="http://schemas.microsoft.com/office/drawing/2014/main" xmlns:p14="http://schemas.microsoft.com/office/powerpoint/2010/main" xmlns:a14="http://schemas.microsoft.com/office/drawing/2010/main" w="9525">
+                <a14:hiddenLine xmlns:a14="http://schemas.microsoft.com/office/drawing/2010/main" xmlns:p14="http://schemas.microsoft.com/office/powerpoint/2010/main" xmlns:a16="http://schemas.microsoft.com/office/drawing/2014/main" xmlns="" w="9525">
                   <a:solidFill>
                     <a:srgbClr val="000000"/>
                   </a:solidFill>
@@ -29050,7 +29055,7 @@
             </a:ln>
             <a:extLst>
               <a:ext uri="{91240B29-F687-4f45-9708-019B960494DF}">
-                <a14:hiddenLine xmlns="" xmlns:a16="http://schemas.microsoft.com/office/drawing/2014/main" xmlns:p14="http://schemas.microsoft.com/office/powerpoint/2010/main" xmlns:a14="http://schemas.microsoft.com/office/drawing/2010/main" w="9525">
+                <a14:hiddenLine xmlns:a14="http://schemas.microsoft.com/office/drawing/2010/main" xmlns:p14="http://schemas.microsoft.com/office/powerpoint/2010/main" xmlns:a16="http://schemas.microsoft.com/office/drawing/2014/main" xmlns="" w="9525">
                   <a:solidFill>
                     <a:srgbClr val="000000"/>
                   </a:solidFill>
@@ -29134,7 +29139,7 @@
             </a:ln>
             <a:extLst>
               <a:ext uri="{91240B29-F687-4f45-9708-019B960494DF}">
-                <a14:hiddenLine xmlns="" xmlns:a16="http://schemas.microsoft.com/office/drawing/2014/main" xmlns:p14="http://schemas.microsoft.com/office/powerpoint/2010/main" xmlns:a14="http://schemas.microsoft.com/office/drawing/2010/main" w="9525">
+                <a14:hiddenLine xmlns:a14="http://schemas.microsoft.com/office/drawing/2010/main" xmlns:p14="http://schemas.microsoft.com/office/powerpoint/2010/main" xmlns:a16="http://schemas.microsoft.com/office/drawing/2014/main" xmlns="" w="9525">
                   <a:solidFill>
                     <a:srgbClr val="000000"/>
                   </a:solidFill>
@@ -29246,7 +29251,7 @@
             </a:ln>
             <a:extLst>
               <a:ext uri="{91240B29-F687-4f45-9708-019B960494DF}">
-                <a14:hiddenLine xmlns="" xmlns:a16="http://schemas.microsoft.com/office/drawing/2014/main" xmlns:p14="http://schemas.microsoft.com/office/powerpoint/2010/main" xmlns:a14="http://schemas.microsoft.com/office/drawing/2010/main" w="9525">
+                <a14:hiddenLine xmlns:a14="http://schemas.microsoft.com/office/drawing/2010/main" xmlns:p14="http://schemas.microsoft.com/office/powerpoint/2010/main" xmlns:a16="http://schemas.microsoft.com/office/drawing/2014/main" xmlns="" w="9525">
                   <a:solidFill>
                     <a:srgbClr val="000000"/>
                   </a:solidFill>
@@ -29358,7 +29363,7 @@
             </a:ln>
             <a:extLst>
               <a:ext uri="{91240B29-F687-4f45-9708-019B960494DF}">
-                <a14:hiddenLine xmlns="" xmlns:a16="http://schemas.microsoft.com/office/drawing/2014/main" xmlns:p14="http://schemas.microsoft.com/office/powerpoint/2010/main" xmlns:a14="http://schemas.microsoft.com/office/drawing/2010/main" w="9525">
+                <a14:hiddenLine xmlns:a14="http://schemas.microsoft.com/office/drawing/2010/main" xmlns:p14="http://schemas.microsoft.com/office/powerpoint/2010/main" xmlns:a16="http://schemas.microsoft.com/office/drawing/2014/main" xmlns="" w="9525">
                   <a:solidFill>
                     <a:srgbClr val="000000"/>
                   </a:solidFill>
@@ -29442,7 +29447,7 @@
             </a:ln>
             <a:extLst>
               <a:ext uri="{91240B29-F687-4f45-9708-019B960494DF}">
-                <a14:hiddenLine xmlns="" xmlns:a16="http://schemas.microsoft.com/office/drawing/2014/main" xmlns:p14="http://schemas.microsoft.com/office/powerpoint/2010/main" xmlns:a14="http://schemas.microsoft.com/office/drawing/2010/main" w="9525">
+                <a14:hiddenLine xmlns:a14="http://schemas.microsoft.com/office/drawing/2010/main" xmlns:p14="http://schemas.microsoft.com/office/powerpoint/2010/main" xmlns:a16="http://schemas.microsoft.com/office/drawing/2014/main" xmlns="" w="9525">
                   <a:solidFill>
                     <a:srgbClr val="000000"/>
                   </a:solidFill>
@@ -29574,7 +29579,7 @@
             </a:ln>
             <a:extLst>
               <a:ext uri="{91240B29-F687-4f45-9708-019B960494DF}">
-                <a14:hiddenLine xmlns="" xmlns:a16="http://schemas.microsoft.com/office/drawing/2014/main" xmlns:p14="http://schemas.microsoft.com/office/powerpoint/2010/main" xmlns:a14="http://schemas.microsoft.com/office/drawing/2010/main" w="9525">
+                <a14:hiddenLine xmlns:a14="http://schemas.microsoft.com/office/drawing/2010/main" xmlns:p14="http://schemas.microsoft.com/office/powerpoint/2010/main" xmlns:a16="http://schemas.microsoft.com/office/drawing/2014/main" xmlns="" w="9525">
                   <a:solidFill>
                     <a:srgbClr val="000000"/>
                   </a:solidFill>
@@ -29658,7 +29663,7 @@
             </a:ln>
             <a:extLst>
               <a:ext uri="{91240B29-F687-4f45-9708-019B960494DF}">
-                <a14:hiddenLine xmlns="" xmlns:a16="http://schemas.microsoft.com/office/drawing/2014/main" xmlns:p14="http://schemas.microsoft.com/office/powerpoint/2010/main" xmlns:a14="http://schemas.microsoft.com/office/drawing/2010/main" w="9525">
+                <a14:hiddenLine xmlns:a14="http://schemas.microsoft.com/office/drawing/2010/main" xmlns:p14="http://schemas.microsoft.com/office/powerpoint/2010/main" xmlns:a16="http://schemas.microsoft.com/office/drawing/2014/main" xmlns="" w="9525">
                   <a:solidFill>
                     <a:srgbClr val="000000"/>
                   </a:solidFill>
@@ -29770,7 +29775,7 @@
             </a:ln>
             <a:extLst>
               <a:ext uri="{91240B29-F687-4f45-9708-019B960494DF}">
-                <a14:hiddenLine xmlns="" xmlns:a16="http://schemas.microsoft.com/office/drawing/2014/main" xmlns:p14="http://schemas.microsoft.com/office/powerpoint/2010/main" xmlns:a14="http://schemas.microsoft.com/office/drawing/2010/main" w="9525">
+                <a14:hiddenLine xmlns:a14="http://schemas.microsoft.com/office/drawing/2010/main" xmlns:p14="http://schemas.microsoft.com/office/powerpoint/2010/main" xmlns:a16="http://schemas.microsoft.com/office/drawing/2014/main" xmlns="" w="9525">
                   <a:solidFill>
                     <a:srgbClr val="000000"/>
                   </a:solidFill>
@@ -29882,7 +29887,7 @@
             </a:ln>
             <a:extLst>
               <a:ext uri="{91240B29-F687-4f45-9708-019B960494DF}">
-                <a14:hiddenLine xmlns="" xmlns:a16="http://schemas.microsoft.com/office/drawing/2014/main" xmlns:p14="http://schemas.microsoft.com/office/powerpoint/2010/main" xmlns:a14="http://schemas.microsoft.com/office/drawing/2010/main" w="9525">
+                <a14:hiddenLine xmlns:a14="http://schemas.microsoft.com/office/drawing/2010/main" xmlns:p14="http://schemas.microsoft.com/office/powerpoint/2010/main" xmlns:a16="http://schemas.microsoft.com/office/drawing/2014/main" xmlns="" w="9525">
                   <a:solidFill>
                     <a:srgbClr val="000000"/>
                   </a:solidFill>
@@ -29966,7 +29971,7 @@
             </a:ln>
             <a:extLst>
               <a:ext uri="{91240B29-F687-4f45-9708-019B960494DF}">
-                <a14:hiddenLine xmlns="" xmlns:a16="http://schemas.microsoft.com/office/drawing/2014/main" xmlns:p14="http://schemas.microsoft.com/office/powerpoint/2010/main" xmlns:a14="http://schemas.microsoft.com/office/drawing/2010/main" w="9525">
+                <a14:hiddenLine xmlns:a14="http://schemas.microsoft.com/office/drawing/2010/main" xmlns:p14="http://schemas.microsoft.com/office/powerpoint/2010/main" xmlns:a16="http://schemas.microsoft.com/office/drawing/2014/main" xmlns="" w="9525">
                   <a:solidFill>
                     <a:srgbClr val="000000"/>
                   </a:solidFill>
@@ -30078,7 +30083,7 @@
             </a:ln>
             <a:extLst>
               <a:ext uri="{91240B29-F687-4f45-9708-019B960494DF}">
-                <a14:hiddenLine xmlns="" xmlns:a16="http://schemas.microsoft.com/office/drawing/2014/main" xmlns:p14="http://schemas.microsoft.com/office/powerpoint/2010/main" xmlns:a14="http://schemas.microsoft.com/office/drawing/2010/main" w="9525">
+                <a14:hiddenLine xmlns:a14="http://schemas.microsoft.com/office/drawing/2010/main" xmlns:p14="http://schemas.microsoft.com/office/powerpoint/2010/main" xmlns:a16="http://schemas.microsoft.com/office/drawing/2014/main" xmlns="" w="9525">
                   <a:solidFill>
                     <a:srgbClr val="000000"/>
                   </a:solidFill>
@@ -30190,7 +30195,7 @@
             </a:ln>
             <a:extLst>
               <a:ext uri="{91240B29-F687-4f45-9708-019B960494DF}">
-                <a14:hiddenLine xmlns="" xmlns:a16="http://schemas.microsoft.com/office/drawing/2014/main" xmlns:p14="http://schemas.microsoft.com/office/powerpoint/2010/main" xmlns:a14="http://schemas.microsoft.com/office/drawing/2010/main" w="9525">
+                <a14:hiddenLine xmlns:a14="http://schemas.microsoft.com/office/drawing/2010/main" xmlns:p14="http://schemas.microsoft.com/office/powerpoint/2010/main" xmlns:a16="http://schemas.microsoft.com/office/drawing/2014/main" xmlns="" w="9525">
                   <a:solidFill>
                     <a:srgbClr val="000000"/>
                   </a:solidFill>
@@ -30268,7 +30273,7 @@
             </a:ln>
             <a:extLst>
               <a:ext uri="{91240B29-F687-4f45-9708-019B960494DF}">
-                <a14:hiddenLine xmlns="" xmlns:a16="http://schemas.microsoft.com/office/drawing/2014/main" xmlns:p14="http://schemas.microsoft.com/office/powerpoint/2010/main" xmlns:a14="http://schemas.microsoft.com/office/drawing/2010/main" w="9525">
+                <a14:hiddenLine xmlns:a14="http://schemas.microsoft.com/office/drawing/2010/main" xmlns:p14="http://schemas.microsoft.com/office/powerpoint/2010/main" xmlns:a16="http://schemas.microsoft.com/office/drawing/2014/main" xmlns="" w="9525">
                   <a:solidFill>
                     <a:srgbClr val="000000"/>
                   </a:solidFill>
@@ -30380,7 +30385,7 @@
             </a:ln>
             <a:extLst>
               <a:ext uri="{91240B29-F687-4f45-9708-019B960494DF}">
-                <a14:hiddenLine xmlns="" xmlns:a16="http://schemas.microsoft.com/office/drawing/2014/main" xmlns:p14="http://schemas.microsoft.com/office/powerpoint/2010/main" xmlns:a14="http://schemas.microsoft.com/office/drawing/2010/main" w="9525">
+                <a14:hiddenLine xmlns:a14="http://schemas.microsoft.com/office/drawing/2010/main" xmlns:p14="http://schemas.microsoft.com/office/powerpoint/2010/main" xmlns:a16="http://schemas.microsoft.com/office/drawing/2014/main" xmlns="" w="9525">
                   <a:solidFill>
                     <a:srgbClr val="000000"/>
                   </a:solidFill>
@@ -30458,7 +30463,7 @@
             </a:ln>
             <a:extLst>
               <a:ext uri="{91240B29-F687-4f45-9708-019B960494DF}">
-                <a14:hiddenLine xmlns="" xmlns:a16="http://schemas.microsoft.com/office/drawing/2014/main" xmlns:p14="http://schemas.microsoft.com/office/powerpoint/2010/main" xmlns:a14="http://schemas.microsoft.com/office/drawing/2010/main" w="9525">
+                <a14:hiddenLine xmlns:a14="http://schemas.microsoft.com/office/drawing/2010/main" xmlns:p14="http://schemas.microsoft.com/office/powerpoint/2010/main" xmlns:a16="http://schemas.microsoft.com/office/drawing/2014/main" xmlns="" w="9525">
                   <a:solidFill>
                     <a:srgbClr val="000000"/>
                   </a:solidFill>
@@ -30570,7 +30575,7 @@
             </a:ln>
             <a:extLst>
               <a:ext uri="{91240B29-F687-4f45-9708-019B960494DF}">
-                <a14:hiddenLine xmlns="" xmlns:a16="http://schemas.microsoft.com/office/drawing/2014/main" xmlns:p14="http://schemas.microsoft.com/office/powerpoint/2010/main" xmlns:a14="http://schemas.microsoft.com/office/drawing/2010/main" w="9525">
+                <a14:hiddenLine xmlns:a14="http://schemas.microsoft.com/office/drawing/2010/main" xmlns:p14="http://schemas.microsoft.com/office/powerpoint/2010/main" xmlns:a16="http://schemas.microsoft.com/office/drawing/2014/main" xmlns="" w="9525">
                   <a:solidFill>
                     <a:srgbClr val="000000"/>
                   </a:solidFill>
@@ -30660,7 +30665,7 @@
             </a:ln>
             <a:extLst>
               <a:ext uri="{91240B29-F687-4f45-9708-019B960494DF}">
-                <a14:hiddenLine xmlns="" xmlns:a16="http://schemas.microsoft.com/office/drawing/2014/main" xmlns:p14="http://schemas.microsoft.com/office/powerpoint/2010/main" xmlns:a14="http://schemas.microsoft.com/office/drawing/2010/main" w="9525">
+                <a14:hiddenLine xmlns:a14="http://schemas.microsoft.com/office/drawing/2010/main" xmlns:p14="http://schemas.microsoft.com/office/powerpoint/2010/main" xmlns:a16="http://schemas.microsoft.com/office/drawing/2014/main" xmlns="" w="9525">
                   <a:solidFill>
                     <a:srgbClr val="000000"/>
                   </a:solidFill>
@@ -30772,7 +30777,7 @@
             </a:ln>
             <a:extLst>
               <a:ext uri="{91240B29-F687-4f45-9708-019B960494DF}">
-                <a14:hiddenLine xmlns="" xmlns:a16="http://schemas.microsoft.com/office/drawing/2014/main" xmlns:p14="http://schemas.microsoft.com/office/powerpoint/2010/main" xmlns:a14="http://schemas.microsoft.com/office/drawing/2010/main" w="9525">
+                <a14:hiddenLine xmlns:a14="http://schemas.microsoft.com/office/drawing/2010/main" xmlns:p14="http://schemas.microsoft.com/office/powerpoint/2010/main" xmlns:a16="http://schemas.microsoft.com/office/drawing/2014/main" xmlns="" w="9525">
                   <a:solidFill>
                     <a:srgbClr val="000000"/>
                   </a:solidFill>
@@ -30862,7 +30867,7 @@
             </a:ln>
             <a:extLst>
               <a:ext uri="{91240B29-F687-4f45-9708-019B960494DF}">
-                <a14:hiddenLine xmlns="" xmlns:a16="http://schemas.microsoft.com/office/drawing/2014/main" xmlns:p14="http://schemas.microsoft.com/office/powerpoint/2010/main" xmlns:a14="http://schemas.microsoft.com/office/drawing/2010/main" w="9525">
+                <a14:hiddenLine xmlns:a14="http://schemas.microsoft.com/office/drawing/2010/main" xmlns:p14="http://schemas.microsoft.com/office/powerpoint/2010/main" xmlns:a16="http://schemas.microsoft.com/office/drawing/2014/main" xmlns="" w="9525">
                   <a:solidFill>
                     <a:srgbClr val="000000"/>
                   </a:solidFill>
@@ -30974,7 +30979,7 @@
             </a:ln>
             <a:extLst>
               <a:ext uri="{91240B29-F687-4f45-9708-019B960494DF}">
-                <a14:hiddenLine xmlns="" xmlns:a16="http://schemas.microsoft.com/office/drawing/2014/main" xmlns:p14="http://schemas.microsoft.com/office/powerpoint/2010/main" xmlns:a14="http://schemas.microsoft.com/office/drawing/2010/main" w="9525">
+                <a14:hiddenLine xmlns:a14="http://schemas.microsoft.com/office/drawing/2010/main" xmlns:p14="http://schemas.microsoft.com/office/powerpoint/2010/main" xmlns:a16="http://schemas.microsoft.com/office/drawing/2014/main" xmlns="" w="9525">
                   <a:solidFill>
                     <a:srgbClr val="000000"/>
                   </a:solidFill>
@@ -31030,7 +31035,7 @@
             </a:ln>
             <a:extLst>
               <a:ext uri="{91240B29-F687-4f45-9708-019B960494DF}">
-                <a14:hiddenLine xmlns="" xmlns:a16="http://schemas.microsoft.com/office/drawing/2014/main" xmlns:p14="http://schemas.microsoft.com/office/powerpoint/2010/main" xmlns:a14="http://schemas.microsoft.com/office/drawing/2010/main" w="9525">
+                <a14:hiddenLine xmlns:a14="http://schemas.microsoft.com/office/drawing/2010/main" xmlns:p14="http://schemas.microsoft.com/office/powerpoint/2010/main" xmlns:a16="http://schemas.microsoft.com/office/drawing/2014/main" xmlns="" w="9525">
                   <a:solidFill>
                     <a:srgbClr val="000000"/>
                   </a:solidFill>
@@ -31142,7 +31147,7 @@
             </a:ln>
             <a:extLst>
               <a:ext uri="{91240B29-F687-4f45-9708-019B960494DF}">
-                <a14:hiddenLine xmlns="" xmlns:a16="http://schemas.microsoft.com/office/drawing/2014/main" xmlns:p14="http://schemas.microsoft.com/office/powerpoint/2010/main" xmlns:a14="http://schemas.microsoft.com/office/drawing/2010/main" w="9525">
+                <a14:hiddenLine xmlns:a14="http://schemas.microsoft.com/office/drawing/2010/main" xmlns:p14="http://schemas.microsoft.com/office/powerpoint/2010/main" xmlns:a16="http://schemas.microsoft.com/office/drawing/2014/main" xmlns="" w="9525">
                   <a:solidFill>
                     <a:srgbClr val="000000"/>
                   </a:solidFill>
@@ -31226,7 +31231,7 @@
             </a:ln>
             <a:extLst>
               <a:ext uri="{91240B29-F687-4f45-9708-019B960494DF}">
-                <a14:hiddenLine xmlns="" xmlns:a16="http://schemas.microsoft.com/office/drawing/2014/main" xmlns:p14="http://schemas.microsoft.com/office/powerpoint/2010/main" xmlns:a14="http://schemas.microsoft.com/office/drawing/2010/main" w="9525">
+                <a14:hiddenLine xmlns:a14="http://schemas.microsoft.com/office/drawing/2010/main" xmlns:p14="http://schemas.microsoft.com/office/powerpoint/2010/main" xmlns:a16="http://schemas.microsoft.com/office/drawing/2014/main" xmlns="" w="9525">
                   <a:solidFill>
                     <a:srgbClr val="000000"/>
                   </a:solidFill>
@@ -31310,7 +31315,7 @@
             </a:ln>
             <a:extLst>
               <a:ext uri="{91240B29-F687-4f45-9708-019B960494DF}">
-                <a14:hiddenLine xmlns="" xmlns:a16="http://schemas.microsoft.com/office/drawing/2014/main" xmlns:p14="http://schemas.microsoft.com/office/powerpoint/2010/main" xmlns:a14="http://schemas.microsoft.com/office/drawing/2010/main" w="9525">
+                <a14:hiddenLine xmlns:a14="http://schemas.microsoft.com/office/drawing/2010/main" xmlns:p14="http://schemas.microsoft.com/office/powerpoint/2010/main" xmlns:a16="http://schemas.microsoft.com/office/drawing/2014/main" xmlns="" w="9525">
                   <a:solidFill>
                     <a:srgbClr val="000000"/>
                   </a:solidFill>
@@ -31422,7 +31427,7 @@
             </a:ln>
             <a:extLst>
               <a:ext uri="{91240B29-F687-4f45-9708-019B960494DF}">
-                <a14:hiddenLine xmlns="" xmlns:a16="http://schemas.microsoft.com/office/drawing/2014/main" xmlns:p14="http://schemas.microsoft.com/office/powerpoint/2010/main" xmlns:a14="http://schemas.microsoft.com/office/drawing/2010/main" w="9525">
+                <a14:hiddenLine xmlns:a14="http://schemas.microsoft.com/office/drawing/2010/main" xmlns:p14="http://schemas.microsoft.com/office/powerpoint/2010/main" xmlns:a16="http://schemas.microsoft.com/office/drawing/2014/main" xmlns="" w="9525">
                   <a:solidFill>
                     <a:srgbClr val="000000"/>
                   </a:solidFill>
@@ -31512,7 +31517,7 @@
             </a:ln>
             <a:extLst>
               <a:ext uri="{91240B29-F687-4f45-9708-019B960494DF}">
-                <a14:hiddenLine xmlns="" xmlns:a16="http://schemas.microsoft.com/office/drawing/2014/main" xmlns:p14="http://schemas.microsoft.com/office/powerpoint/2010/main" xmlns:a14="http://schemas.microsoft.com/office/drawing/2010/main" w="9525">
+                <a14:hiddenLine xmlns:a14="http://schemas.microsoft.com/office/drawing/2010/main" xmlns:p14="http://schemas.microsoft.com/office/powerpoint/2010/main" xmlns:a16="http://schemas.microsoft.com/office/drawing/2014/main" xmlns="" w="9525">
                   <a:solidFill>
                     <a:srgbClr val="000000"/>
                   </a:solidFill>
@@ -31596,7 +31601,7 @@
             </a:ln>
             <a:extLst>
               <a:ext uri="{91240B29-F687-4f45-9708-019B960494DF}">
-                <a14:hiddenLine xmlns="" xmlns:a16="http://schemas.microsoft.com/office/drawing/2014/main" xmlns:p14="http://schemas.microsoft.com/office/powerpoint/2010/main" xmlns:a14="http://schemas.microsoft.com/office/drawing/2010/main" w="9525">
+                <a14:hiddenLine xmlns:a14="http://schemas.microsoft.com/office/drawing/2010/main" xmlns:p14="http://schemas.microsoft.com/office/powerpoint/2010/main" xmlns:a16="http://schemas.microsoft.com/office/drawing/2014/main" xmlns="" w="9525">
                   <a:solidFill>
                     <a:srgbClr val="000000"/>
                   </a:solidFill>
@@ -31708,7 +31713,7 @@
             </a:ln>
             <a:extLst>
               <a:ext uri="{91240B29-F687-4f45-9708-019B960494DF}">
-                <a14:hiddenLine xmlns="" xmlns:a16="http://schemas.microsoft.com/office/drawing/2014/main" xmlns:p14="http://schemas.microsoft.com/office/powerpoint/2010/main" xmlns:a14="http://schemas.microsoft.com/office/drawing/2010/main" w="9525">
+                <a14:hiddenLine xmlns:a14="http://schemas.microsoft.com/office/drawing/2010/main" xmlns:p14="http://schemas.microsoft.com/office/powerpoint/2010/main" xmlns:a16="http://schemas.microsoft.com/office/drawing/2014/main" xmlns="" w="9525">
                   <a:solidFill>
                     <a:srgbClr val="000000"/>
                   </a:solidFill>
@@ -31792,7 +31797,7 @@
             </a:ln>
             <a:extLst>
               <a:ext uri="{91240B29-F687-4f45-9708-019B960494DF}">
-                <a14:hiddenLine xmlns="" xmlns:a16="http://schemas.microsoft.com/office/drawing/2014/main" xmlns:p14="http://schemas.microsoft.com/office/powerpoint/2010/main" xmlns:a14="http://schemas.microsoft.com/office/drawing/2010/main" w="9525">
+                <a14:hiddenLine xmlns:a14="http://schemas.microsoft.com/office/drawing/2010/main" xmlns:p14="http://schemas.microsoft.com/office/powerpoint/2010/main" xmlns:a16="http://schemas.microsoft.com/office/drawing/2014/main" xmlns="" w="9525">
                   <a:solidFill>
                     <a:srgbClr val="000000"/>
                   </a:solidFill>
@@ -31904,7 +31909,7 @@
             </a:ln>
             <a:extLst>
               <a:ext uri="{91240B29-F687-4f45-9708-019B960494DF}">
-                <a14:hiddenLine xmlns="" xmlns:a16="http://schemas.microsoft.com/office/drawing/2014/main" xmlns:p14="http://schemas.microsoft.com/office/powerpoint/2010/main" xmlns:a14="http://schemas.microsoft.com/office/drawing/2010/main" w="9525">
+                <a14:hiddenLine xmlns:a14="http://schemas.microsoft.com/office/drawing/2010/main" xmlns:p14="http://schemas.microsoft.com/office/powerpoint/2010/main" xmlns:a16="http://schemas.microsoft.com/office/drawing/2014/main" xmlns="" w="9525">
                   <a:solidFill>
                     <a:srgbClr val="000000"/>
                   </a:solidFill>
@@ -31988,7 +31993,7 @@
             </a:ln>
             <a:extLst>
               <a:ext uri="{91240B29-F687-4f45-9708-019B960494DF}">
-                <a14:hiddenLine xmlns="" xmlns:a16="http://schemas.microsoft.com/office/drawing/2014/main" xmlns:p14="http://schemas.microsoft.com/office/powerpoint/2010/main" xmlns:a14="http://schemas.microsoft.com/office/drawing/2010/main" w="9525">
+                <a14:hiddenLine xmlns:a14="http://schemas.microsoft.com/office/drawing/2010/main" xmlns:p14="http://schemas.microsoft.com/office/powerpoint/2010/main" xmlns:a16="http://schemas.microsoft.com/office/drawing/2014/main" xmlns="" w="9525">
                   <a:solidFill>
                     <a:srgbClr val="000000"/>
                   </a:solidFill>
@@ -32100,7 +32105,7 @@
             </a:ln>
             <a:extLst>
               <a:ext uri="{91240B29-F687-4f45-9708-019B960494DF}">
-                <a14:hiddenLine xmlns="" xmlns:a16="http://schemas.microsoft.com/office/drawing/2014/main" xmlns:p14="http://schemas.microsoft.com/office/powerpoint/2010/main" xmlns:a14="http://schemas.microsoft.com/office/drawing/2010/main" w="9525">
+                <a14:hiddenLine xmlns:a14="http://schemas.microsoft.com/office/drawing/2010/main" xmlns:p14="http://schemas.microsoft.com/office/powerpoint/2010/main" xmlns:a16="http://schemas.microsoft.com/office/drawing/2014/main" xmlns="" w="9525">
                   <a:solidFill>
                     <a:srgbClr val="000000"/>
                   </a:solidFill>
@@ -32156,7 +32161,7 @@
             </a:ln>
             <a:extLst>
               <a:ext uri="{91240B29-F687-4f45-9708-019B960494DF}">
-                <a14:hiddenLine xmlns="" xmlns:a16="http://schemas.microsoft.com/office/drawing/2014/main" xmlns:p14="http://schemas.microsoft.com/office/powerpoint/2010/main" xmlns:a14="http://schemas.microsoft.com/office/drawing/2010/main" w="9525">
+                <a14:hiddenLine xmlns:a14="http://schemas.microsoft.com/office/drawing/2010/main" xmlns:p14="http://schemas.microsoft.com/office/powerpoint/2010/main" xmlns:a16="http://schemas.microsoft.com/office/drawing/2014/main" xmlns="" w="9525">
                   <a:solidFill>
                     <a:srgbClr val="000000"/>
                   </a:solidFill>
@@ -32243,7 +32248,7 @@
             </a:ln>
             <a:extLst>
               <a:ext uri="{91240B29-F687-4f45-9708-019B960494DF}">
-                <a14:hiddenLine xmlns="" xmlns:a16="http://schemas.microsoft.com/office/drawing/2014/main" xmlns:p14="http://schemas.microsoft.com/office/powerpoint/2010/main" xmlns:a14="http://schemas.microsoft.com/office/drawing/2010/main" w="9525">
+                <a14:hiddenLine xmlns:a14="http://schemas.microsoft.com/office/drawing/2010/main" xmlns:p14="http://schemas.microsoft.com/office/powerpoint/2010/main" xmlns:a16="http://schemas.microsoft.com/office/drawing/2014/main" xmlns="" w="9525">
                   <a:solidFill>
                     <a:srgbClr val="000000"/>
                   </a:solidFill>
@@ -32355,7 +32360,7 @@
             </a:ln>
             <a:extLst>
               <a:ext uri="{91240B29-F687-4f45-9708-019B960494DF}">
-                <a14:hiddenLine xmlns="" xmlns:a16="http://schemas.microsoft.com/office/drawing/2014/main" xmlns:p14="http://schemas.microsoft.com/office/powerpoint/2010/main" xmlns:a14="http://schemas.microsoft.com/office/drawing/2010/main" w="9525">
+                <a14:hiddenLine xmlns:a14="http://schemas.microsoft.com/office/drawing/2010/main" xmlns:p14="http://schemas.microsoft.com/office/powerpoint/2010/main" xmlns:a16="http://schemas.microsoft.com/office/drawing/2014/main" xmlns="" w="9525">
                   <a:solidFill>
                     <a:srgbClr val="000000"/>
                   </a:solidFill>
@@ -32439,7 +32444,7 @@
             </a:ln>
             <a:extLst>
               <a:ext uri="{91240B29-F687-4f45-9708-019B960494DF}">
-                <a14:hiddenLine xmlns="" xmlns:a16="http://schemas.microsoft.com/office/drawing/2014/main" xmlns:p14="http://schemas.microsoft.com/office/powerpoint/2010/main" xmlns:a14="http://schemas.microsoft.com/office/drawing/2010/main" w="9525">
+                <a14:hiddenLine xmlns:a14="http://schemas.microsoft.com/office/drawing/2010/main" xmlns:p14="http://schemas.microsoft.com/office/powerpoint/2010/main" xmlns:a16="http://schemas.microsoft.com/office/drawing/2014/main" xmlns="" w="9525">
                   <a:solidFill>
                     <a:srgbClr val="000000"/>
                   </a:solidFill>
@@ -32551,7 +32556,7 @@
             </a:ln>
             <a:extLst>
               <a:ext uri="{91240B29-F687-4f45-9708-019B960494DF}">
-                <a14:hiddenLine xmlns="" xmlns:a16="http://schemas.microsoft.com/office/drawing/2014/main" xmlns:p14="http://schemas.microsoft.com/office/powerpoint/2010/main" xmlns:a14="http://schemas.microsoft.com/office/drawing/2010/main" w="9525">
+                <a14:hiddenLine xmlns:a14="http://schemas.microsoft.com/office/drawing/2010/main" xmlns:p14="http://schemas.microsoft.com/office/powerpoint/2010/main" xmlns:a16="http://schemas.microsoft.com/office/drawing/2014/main" xmlns="" w="9525">
                   <a:solidFill>
                     <a:srgbClr val="000000"/>
                   </a:solidFill>
@@ -32663,7 +32668,7 @@
             </a:ln>
             <a:extLst>
               <a:ext uri="{91240B29-F687-4f45-9708-019B960494DF}">
-                <a14:hiddenLine xmlns="" xmlns:a16="http://schemas.microsoft.com/office/drawing/2014/main" xmlns:p14="http://schemas.microsoft.com/office/powerpoint/2010/main" xmlns:a14="http://schemas.microsoft.com/office/drawing/2010/main" w="9525">
+                <a14:hiddenLine xmlns:a14="http://schemas.microsoft.com/office/drawing/2010/main" xmlns:p14="http://schemas.microsoft.com/office/powerpoint/2010/main" xmlns:a16="http://schemas.microsoft.com/office/drawing/2014/main" xmlns="" w="9525">
                   <a:solidFill>
                     <a:srgbClr val="000000"/>
                   </a:solidFill>
@@ -32750,7 +32755,7 @@
             </a:ln>
             <a:extLst>
               <a:ext uri="{91240B29-F687-4f45-9708-019B960494DF}">
-                <a14:hiddenLine xmlns="" xmlns:a16="http://schemas.microsoft.com/office/drawing/2014/main" xmlns:p14="http://schemas.microsoft.com/office/powerpoint/2010/main" xmlns:a14="http://schemas.microsoft.com/office/drawing/2010/main" w="9525">
+                <a14:hiddenLine xmlns:a14="http://schemas.microsoft.com/office/drawing/2010/main" xmlns:p14="http://schemas.microsoft.com/office/powerpoint/2010/main" xmlns:a16="http://schemas.microsoft.com/office/drawing/2014/main" xmlns="" w="9525">
                   <a:solidFill>
                     <a:srgbClr val="000000"/>
                   </a:solidFill>
@@ -32834,7 +32839,7 @@
             </a:ln>
             <a:extLst>
               <a:ext uri="{91240B29-F687-4f45-9708-019B960494DF}">
-                <a14:hiddenLine xmlns="" xmlns:a16="http://schemas.microsoft.com/office/drawing/2014/main" xmlns:p14="http://schemas.microsoft.com/office/powerpoint/2010/main" xmlns:a14="http://schemas.microsoft.com/office/drawing/2010/main" w="9525">
+                <a14:hiddenLine xmlns:a14="http://schemas.microsoft.com/office/drawing/2010/main" xmlns:p14="http://schemas.microsoft.com/office/powerpoint/2010/main" xmlns:a16="http://schemas.microsoft.com/office/drawing/2014/main" xmlns="" w="9525">
                   <a:solidFill>
                     <a:srgbClr val="000000"/>
                   </a:solidFill>
@@ -32946,7 +32951,7 @@
             </a:ln>
             <a:extLst>
               <a:ext uri="{91240B29-F687-4f45-9708-019B960494DF}">
-                <a14:hiddenLine xmlns="" xmlns:a16="http://schemas.microsoft.com/office/drawing/2014/main" xmlns:p14="http://schemas.microsoft.com/office/powerpoint/2010/main" xmlns:a14="http://schemas.microsoft.com/office/drawing/2010/main" w="9525">
+                <a14:hiddenLine xmlns:a14="http://schemas.microsoft.com/office/drawing/2010/main" xmlns:p14="http://schemas.microsoft.com/office/powerpoint/2010/main" xmlns:a16="http://schemas.microsoft.com/office/drawing/2014/main" xmlns="" w="9525">
                   <a:solidFill>
                     <a:srgbClr val="000000"/>
                   </a:solidFill>
@@ -33058,7 +33063,7 @@
             </a:ln>
             <a:extLst>
               <a:ext uri="{91240B29-F687-4f45-9708-019B960494DF}">
-                <a14:hiddenLine xmlns="" xmlns:a16="http://schemas.microsoft.com/office/drawing/2014/main" xmlns:p14="http://schemas.microsoft.com/office/powerpoint/2010/main" xmlns:a14="http://schemas.microsoft.com/office/drawing/2010/main" w="9525">
+                <a14:hiddenLine xmlns:a14="http://schemas.microsoft.com/office/drawing/2010/main" xmlns:p14="http://schemas.microsoft.com/office/powerpoint/2010/main" xmlns:a16="http://schemas.microsoft.com/office/drawing/2014/main" xmlns="" w="9525">
                   <a:solidFill>
                     <a:srgbClr val="000000"/>
                   </a:solidFill>
@@ -33142,7 +33147,7 @@
             </a:ln>
             <a:extLst>
               <a:ext uri="{91240B29-F687-4f45-9708-019B960494DF}">
-                <a14:hiddenLine xmlns="" xmlns:a16="http://schemas.microsoft.com/office/drawing/2014/main" xmlns:p14="http://schemas.microsoft.com/office/powerpoint/2010/main" xmlns:a14="http://schemas.microsoft.com/office/drawing/2010/main" w="9525">
+                <a14:hiddenLine xmlns:a14="http://schemas.microsoft.com/office/drawing/2010/main" xmlns:p14="http://schemas.microsoft.com/office/powerpoint/2010/main" xmlns:a16="http://schemas.microsoft.com/office/drawing/2014/main" xmlns="" w="9525">
                   <a:solidFill>
                     <a:srgbClr val="000000"/>
                   </a:solidFill>
@@ -33284,7 +33289,7 @@
             </a:ln>
             <a:extLst>
               <a:ext uri="{91240B29-F687-4f45-9708-019B960494DF}">
-                <a14:hiddenLine xmlns="" xmlns:a16="http://schemas.microsoft.com/office/drawing/2014/main" xmlns:p14="http://schemas.microsoft.com/office/powerpoint/2010/main" xmlns:a14="http://schemas.microsoft.com/office/drawing/2010/main" w="9525">
+                <a14:hiddenLine xmlns:a14="http://schemas.microsoft.com/office/drawing/2010/main" xmlns:p14="http://schemas.microsoft.com/office/powerpoint/2010/main" xmlns:a16="http://schemas.microsoft.com/office/drawing/2014/main" xmlns="" w="9525">
                   <a:solidFill>
                     <a:srgbClr val="000000"/>
                   </a:solidFill>
@@ -33374,7 +33379,7 @@
             </a:ln>
             <a:extLst>
               <a:ext uri="{91240B29-F687-4f45-9708-019B960494DF}">
-                <a14:hiddenLine xmlns="" xmlns:a16="http://schemas.microsoft.com/office/drawing/2014/main" xmlns:p14="http://schemas.microsoft.com/office/powerpoint/2010/main" xmlns:a14="http://schemas.microsoft.com/office/drawing/2010/main" w="9525">
+                <a14:hiddenLine xmlns:a14="http://schemas.microsoft.com/office/drawing/2010/main" xmlns:p14="http://schemas.microsoft.com/office/powerpoint/2010/main" xmlns:a16="http://schemas.microsoft.com/office/drawing/2014/main" xmlns="" w="9525">
                   <a:solidFill>
                     <a:srgbClr val="000000"/>
                   </a:solidFill>
@@ -33486,7 +33491,7 @@
             </a:ln>
             <a:extLst>
               <a:ext uri="{91240B29-F687-4f45-9708-019B960494DF}">
-                <a14:hiddenLine xmlns="" xmlns:a16="http://schemas.microsoft.com/office/drawing/2014/main" xmlns:p14="http://schemas.microsoft.com/office/powerpoint/2010/main" xmlns:a14="http://schemas.microsoft.com/office/drawing/2010/main" w="9525">
+                <a14:hiddenLine xmlns:a14="http://schemas.microsoft.com/office/drawing/2010/main" xmlns:p14="http://schemas.microsoft.com/office/powerpoint/2010/main" xmlns:a16="http://schemas.microsoft.com/office/drawing/2014/main" xmlns="" w="9525">
                   <a:solidFill>
                     <a:srgbClr val="000000"/>
                   </a:solidFill>
@@ -33554,7 +33559,7 @@
           <a:noFill/>
           <a:extLst>
             <a:ext uri="{909E8E84-426E-40dd-AFC4-6F175D3DCCD1}">
-              <a14:hiddenFill xmlns="" xmlns:a16="http://schemas.microsoft.com/office/drawing/2014/main" xmlns:p14="http://schemas.microsoft.com/office/powerpoint/2010/main" xmlns:a14="http://schemas.microsoft.com/office/drawing/2010/main">
+              <a14:hiddenFill xmlns:a14="http://schemas.microsoft.com/office/drawing/2010/main" xmlns:p14="http://schemas.microsoft.com/office/powerpoint/2010/main" xmlns:a16="http://schemas.microsoft.com/office/drawing/2014/main" xmlns="">
                 <a:solidFill>
                   <a:srgbClr val="FFFFFF"/>
                 </a:solidFill>
@@ -35768,7 +35773,7 @@
               <a:t>OX</a:t>
             </a:r>
             <a:r>
-              <a:rPr lang="zh-TW" altLang="en-US"/>
+              <a:rPr lang="zh-TW" altLang="en-US" dirty="0"/>
               <a:t>遊戲</a:t>
             </a:r>
             <a:endParaRPr lang="en-US" altLang="zh-TW" dirty="0"/>
@@ -36607,7 +36612,7 @@
               </a:ln>
               <a:extLst>
                 <a:ext uri="{91240B29-F687-4f45-9708-019B960494DF}">
-                  <a14:hiddenLine xmlns="" xmlns:a16="http://schemas.microsoft.com/office/drawing/2014/main" xmlns:p14="http://schemas.microsoft.com/office/powerpoint/2010/main" xmlns:a14="http://schemas.microsoft.com/office/drawing/2010/main" w="9525">
+                  <a14:hiddenLine xmlns:a14="http://schemas.microsoft.com/office/drawing/2010/main" xmlns:p14="http://schemas.microsoft.com/office/powerpoint/2010/main" xmlns:a16="http://schemas.microsoft.com/office/drawing/2014/main" xmlns="" w="9525">
                     <a:solidFill>
                       <a:srgbClr val="000000"/>
                     </a:solidFill>
@@ -36719,7 +36724,7 @@
               </a:ln>
               <a:extLst>
                 <a:ext uri="{91240B29-F687-4f45-9708-019B960494DF}">
-                  <a14:hiddenLine xmlns="" xmlns:a16="http://schemas.microsoft.com/office/drawing/2014/main" xmlns:p14="http://schemas.microsoft.com/office/powerpoint/2010/main" xmlns:a14="http://schemas.microsoft.com/office/drawing/2010/main" w="9525">
+                  <a14:hiddenLine xmlns:a14="http://schemas.microsoft.com/office/drawing/2010/main" xmlns:p14="http://schemas.microsoft.com/office/powerpoint/2010/main" xmlns:a16="http://schemas.microsoft.com/office/drawing/2014/main" xmlns="" w="9525">
                     <a:solidFill>
                       <a:srgbClr val="000000"/>
                     </a:solidFill>
@@ -36831,7 +36836,7 @@
               </a:ln>
               <a:extLst>
                 <a:ext uri="{91240B29-F687-4f45-9708-019B960494DF}">
-                  <a14:hiddenLine xmlns="" xmlns:a16="http://schemas.microsoft.com/office/drawing/2014/main" xmlns:p14="http://schemas.microsoft.com/office/powerpoint/2010/main" xmlns:a14="http://schemas.microsoft.com/office/drawing/2010/main" w="9525">
+                  <a14:hiddenLine xmlns:a14="http://schemas.microsoft.com/office/drawing/2010/main" xmlns:p14="http://schemas.microsoft.com/office/powerpoint/2010/main" xmlns:a16="http://schemas.microsoft.com/office/drawing/2014/main" xmlns="" w="9525">
                     <a:solidFill>
                       <a:srgbClr val="000000"/>
                     </a:solidFill>
@@ -36915,7 +36920,7 @@
               </a:ln>
               <a:extLst>
                 <a:ext uri="{91240B29-F687-4f45-9708-019B960494DF}">
-                  <a14:hiddenLine xmlns="" xmlns:a16="http://schemas.microsoft.com/office/drawing/2014/main" xmlns:p14="http://schemas.microsoft.com/office/powerpoint/2010/main" xmlns:a14="http://schemas.microsoft.com/office/drawing/2010/main" w="9525">
+                  <a14:hiddenLine xmlns:a14="http://schemas.microsoft.com/office/drawing/2010/main" xmlns:p14="http://schemas.microsoft.com/office/powerpoint/2010/main" xmlns:a16="http://schemas.microsoft.com/office/drawing/2014/main" xmlns="" w="9525">
                     <a:solidFill>
                       <a:srgbClr val="000000"/>
                     </a:solidFill>
@@ -37027,7 +37032,7 @@
               </a:ln>
               <a:extLst>
                 <a:ext uri="{91240B29-F687-4f45-9708-019B960494DF}">
-                  <a14:hiddenLine xmlns="" xmlns:a16="http://schemas.microsoft.com/office/drawing/2014/main" xmlns:p14="http://schemas.microsoft.com/office/powerpoint/2010/main" xmlns:a14="http://schemas.microsoft.com/office/drawing/2010/main" w="9525">
+                  <a14:hiddenLine xmlns:a14="http://schemas.microsoft.com/office/drawing/2010/main" xmlns:p14="http://schemas.microsoft.com/office/powerpoint/2010/main" xmlns:a16="http://schemas.microsoft.com/office/drawing/2014/main" xmlns="" w="9525">
                     <a:solidFill>
                       <a:srgbClr val="000000"/>
                     </a:solidFill>
@@ -37111,7 +37116,7 @@
               </a:ln>
               <a:extLst>
                 <a:ext uri="{91240B29-F687-4f45-9708-019B960494DF}">
-                  <a14:hiddenLine xmlns="" xmlns:a16="http://schemas.microsoft.com/office/drawing/2014/main" xmlns:p14="http://schemas.microsoft.com/office/powerpoint/2010/main" xmlns:a14="http://schemas.microsoft.com/office/drawing/2010/main" w="9525">
+                  <a14:hiddenLine xmlns:a14="http://schemas.microsoft.com/office/drawing/2010/main" xmlns:p14="http://schemas.microsoft.com/office/powerpoint/2010/main" xmlns:a16="http://schemas.microsoft.com/office/drawing/2014/main" xmlns="" w="9525">
                     <a:solidFill>
                       <a:srgbClr val="000000"/>
                     </a:solidFill>
@@ -37195,7 +37200,7 @@
               </a:ln>
               <a:extLst>
                 <a:ext uri="{91240B29-F687-4f45-9708-019B960494DF}">
-                  <a14:hiddenLine xmlns="" xmlns:a16="http://schemas.microsoft.com/office/drawing/2014/main" xmlns:p14="http://schemas.microsoft.com/office/powerpoint/2010/main" xmlns:a14="http://schemas.microsoft.com/office/drawing/2010/main" w="9525">
+                  <a14:hiddenLine xmlns:a14="http://schemas.microsoft.com/office/drawing/2010/main" xmlns:p14="http://schemas.microsoft.com/office/powerpoint/2010/main" xmlns:a16="http://schemas.microsoft.com/office/drawing/2014/main" xmlns="" w="9525">
                     <a:solidFill>
                       <a:srgbClr val="000000"/>
                     </a:solidFill>
@@ -37307,7 +37312,7 @@
               </a:ln>
               <a:extLst>
                 <a:ext uri="{91240B29-F687-4f45-9708-019B960494DF}">
-                  <a14:hiddenLine xmlns="" xmlns:a16="http://schemas.microsoft.com/office/drawing/2014/main" xmlns:p14="http://schemas.microsoft.com/office/powerpoint/2010/main" xmlns:a14="http://schemas.microsoft.com/office/drawing/2010/main" w="9525">
+                  <a14:hiddenLine xmlns:a14="http://schemas.microsoft.com/office/drawing/2010/main" xmlns:p14="http://schemas.microsoft.com/office/powerpoint/2010/main" xmlns:a16="http://schemas.microsoft.com/office/drawing/2014/main" xmlns="" w="9525">
                     <a:solidFill>
                       <a:srgbClr val="000000"/>
                     </a:solidFill>
@@ -37419,7 +37424,7 @@
               </a:ln>
               <a:extLst>
                 <a:ext uri="{91240B29-F687-4f45-9708-019B960494DF}">
-                  <a14:hiddenLine xmlns="" xmlns:a16="http://schemas.microsoft.com/office/drawing/2014/main" xmlns:p14="http://schemas.microsoft.com/office/powerpoint/2010/main" xmlns:a14="http://schemas.microsoft.com/office/drawing/2010/main" w="9525">
+                  <a14:hiddenLine xmlns:a14="http://schemas.microsoft.com/office/drawing/2010/main" xmlns:p14="http://schemas.microsoft.com/office/powerpoint/2010/main" xmlns:a16="http://schemas.microsoft.com/office/drawing/2014/main" xmlns="" w="9525">
                     <a:solidFill>
                       <a:srgbClr val="000000"/>
                     </a:solidFill>
@@ -37503,7 +37508,7 @@
               </a:ln>
               <a:extLst>
                 <a:ext uri="{91240B29-F687-4f45-9708-019B960494DF}">
-                  <a14:hiddenLine xmlns="" xmlns:a16="http://schemas.microsoft.com/office/drawing/2014/main" xmlns:p14="http://schemas.microsoft.com/office/powerpoint/2010/main" xmlns:a14="http://schemas.microsoft.com/office/drawing/2010/main" w="9525">
+                  <a14:hiddenLine xmlns:a14="http://schemas.microsoft.com/office/drawing/2010/main" xmlns:p14="http://schemas.microsoft.com/office/powerpoint/2010/main" xmlns:a16="http://schemas.microsoft.com/office/drawing/2014/main" xmlns="" w="9525">
                     <a:solidFill>
                       <a:srgbClr val="000000"/>
                     </a:solidFill>
@@ -37635,7 +37640,7 @@
               </a:ln>
               <a:extLst>
                 <a:ext uri="{91240B29-F687-4f45-9708-019B960494DF}">
-                  <a14:hiddenLine xmlns="" xmlns:a16="http://schemas.microsoft.com/office/drawing/2014/main" xmlns:p14="http://schemas.microsoft.com/office/powerpoint/2010/main" xmlns:a14="http://schemas.microsoft.com/office/drawing/2010/main" w="9525">
+                  <a14:hiddenLine xmlns:a14="http://schemas.microsoft.com/office/drawing/2010/main" xmlns:p14="http://schemas.microsoft.com/office/powerpoint/2010/main" xmlns:a16="http://schemas.microsoft.com/office/drawing/2014/main" xmlns="" w="9525">
                     <a:solidFill>
                       <a:srgbClr val="000000"/>
                     </a:solidFill>
@@ -37763,7 +37768,7 @@
               </a:ln>
               <a:extLst>
                 <a:ext uri="{91240B29-F687-4f45-9708-019B960494DF}">
-                  <a14:hiddenLine xmlns="" xmlns:a16="http://schemas.microsoft.com/office/drawing/2014/main" xmlns:p14="http://schemas.microsoft.com/office/powerpoint/2010/main" xmlns:a14="http://schemas.microsoft.com/office/drawing/2010/main" w="9525">
+                  <a14:hiddenLine xmlns:a14="http://schemas.microsoft.com/office/drawing/2010/main" xmlns:p14="http://schemas.microsoft.com/office/powerpoint/2010/main" xmlns:a16="http://schemas.microsoft.com/office/drawing/2014/main" xmlns="" w="9525">
                     <a:solidFill>
                       <a:srgbClr val="000000"/>
                     </a:solidFill>
@@ -37847,7 +37852,7 @@
               </a:ln>
               <a:extLst>
                 <a:ext uri="{91240B29-F687-4f45-9708-019B960494DF}">
-                  <a14:hiddenLine xmlns="" xmlns:a16="http://schemas.microsoft.com/office/drawing/2014/main" xmlns:p14="http://schemas.microsoft.com/office/powerpoint/2010/main" xmlns:a14="http://schemas.microsoft.com/office/drawing/2010/main" w="9525">
+                  <a14:hiddenLine xmlns:a14="http://schemas.microsoft.com/office/drawing/2010/main" xmlns:p14="http://schemas.microsoft.com/office/powerpoint/2010/main" xmlns:a16="http://schemas.microsoft.com/office/drawing/2014/main" xmlns="" w="9525">
                     <a:solidFill>
                       <a:srgbClr val="000000"/>
                     </a:solidFill>
@@ -37931,7 +37936,7 @@
               </a:ln>
               <a:extLst>
                 <a:ext uri="{91240B29-F687-4f45-9708-019B960494DF}">
-                  <a14:hiddenLine xmlns="" xmlns:a16="http://schemas.microsoft.com/office/drawing/2014/main" xmlns:p14="http://schemas.microsoft.com/office/powerpoint/2010/main" xmlns:a14="http://schemas.microsoft.com/office/drawing/2010/main" w="9525">
+                  <a14:hiddenLine xmlns:a14="http://schemas.microsoft.com/office/drawing/2010/main" xmlns:p14="http://schemas.microsoft.com/office/powerpoint/2010/main" xmlns:a16="http://schemas.microsoft.com/office/drawing/2014/main" xmlns="" w="9525">
                     <a:solidFill>
                       <a:srgbClr val="000000"/>
                     </a:solidFill>
@@ -38043,7 +38048,7 @@
               </a:ln>
               <a:extLst>
                 <a:ext uri="{91240B29-F687-4f45-9708-019B960494DF}">
-                  <a14:hiddenLine xmlns="" xmlns:a16="http://schemas.microsoft.com/office/drawing/2014/main" xmlns:p14="http://schemas.microsoft.com/office/powerpoint/2010/main" xmlns:a14="http://schemas.microsoft.com/office/drawing/2010/main" w="9525">
+                  <a14:hiddenLine xmlns:a14="http://schemas.microsoft.com/office/drawing/2010/main" xmlns:p14="http://schemas.microsoft.com/office/powerpoint/2010/main" xmlns:a16="http://schemas.microsoft.com/office/drawing/2014/main" xmlns="" w="9525">
                     <a:solidFill>
                       <a:srgbClr val="000000"/>
                     </a:solidFill>
@@ -38099,7 +38104,7 @@
               </a:ln>
               <a:extLst>
                 <a:ext uri="{91240B29-F687-4f45-9708-019B960494DF}">
-                  <a14:hiddenLine xmlns="" xmlns:a16="http://schemas.microsoft.com/office/drawing/2014/main" xmlns:p14="http://schemas.microsoft.com/office/powerpoint/2010/main" xmlns:a14="http://schemas.microsoft.com/office/drawing/2010/main" w="9525">
+                  <a14:hiddenLine xmlns:a14="http://schemas.microsoft.com/office/drawing/2010/main" xmlns:p14="http://schemas.microsoft.com/office/powerpoint/2010/main" xmlns:a16="http://schemas.microsoft.com/office/drawing/2014/main" xmlns="" w="9525">
                     <a:solidFill>
                       <a:srgbClr val="000000"/>
                     </a:solidFill>
@@ -38186,7 +38191,7 @@
               </a:ln>
               <a:extLst>
                 <a:ext uri="{91240B29-F687-4f45-9708-019B960494DF}">
-                  <a14:hiddenLine xmlns="" xmlns:a16="http://schemas.microsoft.com/office/drawing/2014/main" xmlns:p14="http://schemas.microsoft.com/office/powerpoint/2010/main" xmlns:a14="http://schemas.microsoft.com/office/drawing/2010/main" w="9525">
+                  <a14:hiddenLine xmlns:a14="http://schemas.microsoft.com/office/drawing/2010/main" xmlns:p14="http://schemas.microsoft.com/office/powerpoint/2010/main" xmlns:a16="http://schemas.microsoft.com/office/drawing/2014/main" xmlns="" w="9525">
                     <a:solidFill>
                       <a:srgbClr val="000000"/>
                     </a:solidFill>
@@ -38298,7 +38303,7 @@
               </a:ln>
               <a:extLst>
                 <a:ext uri="{91240B29-F687-4f45-9708-019B960494DF}">
-                  <a14:hiddenLine xmlns="" xmlns:a16="http://schemas.microsoft.com/office/drawing/2014/main" xmlns:p14="http://schemas.microsoft.com/office/powerpoint/2010/main" xmlns:a14="http://schemas.microsoft.com/office/drawing/2010/main" w="9525">
+                  <a14:hiddenLine xmlns:a14="http://schemas.microsoft.com/office/drawing/2010/main" xmlns:p14="http://schemas.microsoft.com/office/powerpoint/2010/main" xmlns:a16="http://schemas.microsoft.com/office/drawing/2014/main" xmlns="" w="9525">
                     <a:solidFill>
                       <a:srgbClr val="000000"/>
                     </a:solidFill>
@@ -38382,7 +38387,7 @@
               </a:ln>
               <a:extLst>
                 <a:ext uri="{91240B29-F687-4f45-9708-019B960494DF}">
-                  <a14:hiddenLine xmlns="" xmlns:a16="http://schemas.microsoft.com/office/drawing/2014/main" xmlns:p14="http://schemas.microsoft.com/office/powerpoint/2010/main" xmlns:a14="http://schemas.microsoft.com/office/drawing/2010/main" w="9525">
+                  <a14:hiddenLine xmlns:a14="http://schemas.microsoft.com/office/drawing/2010/main" xmlns:p14="http://schemas.microsoft.com/office/powerpoint/2010/main" xmlns:a16="http://schemas.microsoft.com/office/drawing/2014/main" xmlns="" w="9525">
                     <a:solidFill>
                       <a:srgbClr val="000000"/>
                     </a:solidFill>
@@ -38494,7 +38499,7 @@
               </a:ln>
               <a:extLst>
                 <a:ext uri="{91240B29-F687-4f45-9708-019B960494DF}">
-                  <a14:hiddenLine xmlns="" xmlns:a16="http://schemas.microsoft.com/office/drawing/2014/main" xmlns:p14="http://schemas.microsoft.com/office/powerpoint/2010/main" xmlns:a14="http://schemas.microsoft.com/office/drawing/2010/main" w="9525">
+                  <a14:hiddenLine xmlns:a14="http://schemas.microsoft.com/office/drawing/2010/main" xmlns:p14="http://schemas.microsoft.com/office/powerpoint/2010/main" xmlns:a16="http://schemas.microsoft.com/office/drawing/2014/main" xmlns="" w="9525">
                     <a:solidFill>
                       <a:srgbClr val="000000"/>
                     </a:solidFill>
@@ -38581,7 +38586,7 @@
               </a:ln>
               <a:extLst>
                 <a:ext uri="{91240B29-F687-4f45-9708-019B960494DF}">
-                  <a14:hiddenLine xmlns="" xmlns:a16="http://schemas.microsoft.com/office/drawing/2014/main" xmlns:p14="http://schemas.microsoft.com/office/powerpoint/2010/main" xmlns:a14="http://schemas.microsoft.com/office/drawing/2010/main" w="9525">
+                  <a14:hiddenLine xmlns:a14="http://schemas.microsoft.com/office/drawing/2010/main" xmlns:p14="http://schemas.microsoft.com/office/powerpoint/2010/main" xmlns:a16="http://schemas.microsoft.com/office/drawing/2014/main" xmlns="" w="9525">
                     <a:solidFill>
                       <a:srgbClr val="000000"/>
                     </a:solidFill>
@@ -38665,7 +38670,7 @@
               </a:ln>
               <a:extLst>
                 <a:ext uri="{91240B29-F687-4f45-9708-019B960494DF}">
-                  <a14:hiddenLine xmlns="" xmlns:a16="http://schemas.microsoft.com/office/drawing/2014/main" xmlns:p14="http://schemas.microsoft.com/office/powerpoint/2010/main" xmlns:a14="http://schemas.microsoft.com/office/drawing/2010/main" w="9525">
+                  <a14:hiddenLine xmlns:a14="http://schemas.microsoft.com/office/drawing/2010/main" xmlns:p14="http://schemas.microsoft.com/office/powerpoint/2010/main" xmlns:a16="http://schemas.microsoft.com/office/drawing/2014/main" xmlns="" w="9525">
                     <a:solidFill>
                       <a:srgbClr val="000000"/>
                     </a:solidFill>
@@ -38777,7 +38782,7 @@
               </a:ln>
               <a:extLst>
                 <a:ext uri="{91240B29-F687-4f45-9708-019B960494DF}">
-                  <a14:hiddenLine xmlns="" xmlns:a16="http://schemas.microsoft.com/office/drawing/2014/main" xmlns:p14="http://schemas.microsoft.com/office/powerpoint/2010/main" xmlns:a14="http://schemas.microsoft.com/office/drawing/2010/main" w="9525">
+                  <a14:hiddenLine xmlns:a14="http://schemas.microsoft.com/office/drawing/2010/main" xmlns:p14="http://schemas.microsoft.com/office/powerpoint/2010/main" xmlns:a16="http://schemas.microsoft.com/office/drawing/2014/main" xmlns="" w="9525">
                     <a:solidFill>
                       <a:srgbClr val="000000"/>
                     </a:solidFill>
@@ -38889,7 +38894,7 @@
               </a:ln>
               <a:extLst>
                 <a:ext uri="{91240B29-F687-4f45-9708-019B960494DF}">
-                  <a14:hiddenLine xmlns="" xmlns:a16="http://schemas.microsoft.com/office/drawing/2014/main" xmlns:p14="http://schemas.microsoft.com/office/powerpoint/2010/main" xmlns:a14="http://schemas.microsoft.com/office/drawing/2010/main" w="9525">
+                  <a14:hiddenLine xmlns:a14="http://schemas.microsoft.com/office/drawing/2010/main" xmlns:p14="http://schemas.microsoft.com/office/powerpoint/2010/main" xmlns:a16="http://schemas.microsoft.com/office/drawing/2014/main" xmlns="" w="9525">
                     <a:solidFill>
                       <a:srgbClr val="000000"/>
                     </a:solidFill>
@@ -38976,7 +38981,7 @@
               </a:ln>
               <a:extLst>
                 <a:ext uri="{91240B29-F687-4f45-9708-019B960494DF}">
-                  <a14:hiddenLine xmlns="" xmlns:a16="http://schemas.microsoft.com/office/drawing/2014/main" xmlns:p14="http://schemas.microsoft.com/office/powerpoint/2010/main" xmlns:a14="http://schemas.microsoft.com/office/drawing/2010/main" w="9525">
+                  <a14:hiddenLine xmlns:a14="http://schemas.microsoft.com/office/drawing/2010/main" xmlns:p14="http://schemas.microsoft.com/office/powerpoint/2010/main" xmlns:a16="http://schemas.microsoft.com/office/drawing/2014/main" xmlns="" w="9525">
                     <a:solidFill>
                       <a:srgbClr val="000000"/>
                     </a:solidFill>
@@ -39118,7 +39123,7 @@
               </a:ln>
               <a:extLst>
                 <a:ext uri="{91240B29-F687-4f45-9708-019B960494DF}">
-                  <a14:hiddenLine xmlns="" xmlns:a16="http://schemas.microsoft.com/office/drawing/2014/main" xmlns:p14="http://schemas.microsoft.com/office/powerpoint/2010/main" xmlns:a14="http://schemas.microsoft.com/office/drawing/2010/main" w="9525">
+                  <a14:hiddenLine xmlns:a14="http://schemas.microsoft.com/office/drawing/2010/main" xmlns:p14="http://schemas.microsoft.com/office/powerpoint/2010/main" xmlns:a16="http://schemas.microsoft.com/office/drawing/2014/main" xmlns="" w="9525">
                     <a:solidFill>
                       <a:srgbClr val="000000"/>
                     </a:solidFill>
@@ -39250,7 +39255,7 @@
               </a:ln>
               <a:extLst>
                 <a:ext uri="{91240B29-F687-4f45-9708-019B960494DF}">
-                  <a14:hiddenLine xmlns="" xmlns:a16="http://schemas.microsoft.com/office/drawing/2014/main" xmlns:p14="http://schemas.microsoft.com/office/powerpoint/2010/main" xmlns:a14="http://schemas.microsoft.com/office/drawing/2010/main" w="9525">
+                  <a14:hiddenLine xmlns:a14="http://schemas.microsoft.com/office/drawing/2010/main" xmlns:p14="http://schemas.microsoft.com/office/powerpoint/2010/main" xmlns:a16="http://schemas.microsoft.com/office/drawing/2014/main" xmlns="" w="9525">
                     <a:solidFill>
                       <a:srgbClr val="000000"/>
                     </a:solidFill>
@@ -39387,7 +39392,7 @@
               </a:ln>
               <a:extLst>
                 <a:ext uri="{91240B29-F687-4f45-9708-019B960494DF}">
-                  <a14:hiddenLine xmlns="" xmlns:a16="http://schemas.microsoft.com/office/drawing/2014/main" xmlns:p14="http://schemas.microsoft.com/office/powerpoint/2010/main" xmlns:a14="http://schemas.microsoft.com/office/drawing/2010/main" w="9525">
+                  <a14:hiddenLine xmlns:a14="http://schemas.microsoft.com/office/drawing/2010/main" xmlns:p14="http://schemas.microsoft.com/office/powerpoint/2010/main" xmlns:a16="http://schemas.microsoft.com/office/drawing/2014/main" xmlns="" w="9525">
                     <a:solidFill>
                       <a:srgbClr val="000000"/>
                     </a:solidFill>
@@ -39499,7 +39504,7 @@
               </a:ln>
               <a:extLst>
                 <a:ext uri="{91240B29-F687-4f45-9708-019B960494DF}">
-                  <a14:hiddenLine xmlns="" xmlns:a16="http://schemas.microsoft.com/office/drawing/2014/main" xmlns:p14="http://schemas.microsoft.com/office/powerpoint/2010/main" xmlns:a14="http://schemas.microsoft.com/office/drawing/2010/main" w="9525">
+                  <a14:hiddenLine xmlns:a14="http://schemas.microsoft.com/office/drawing/2010/main" xmlns:p14="http://schemas.microsoft.com/office/powerpoint/2010/main" xmlns:a16="http://schemas.microsoft.com/office/drawing/2014/main" xmlns="" w="9525">
                     <a:solidFill>
                       <a:srgbClr val="000000"/>
                     </a:solidFill>
@@ -39586,7 +39591,7 @@
               </a:ln>
               <a:extLst>
                 <a:ext uri="{91240B29-F687-4f45-9708-019B960494DF}">
-                  <a14:hiddenLine xmlns="" xmlns:a16="http://schemas.microsoft.com/office/drawing/2014/main" xmlns:p14="http://schemas.microsoft.com/office/powerpoint/2010/main" xmlns:a14="http://schemas.microsoft.com/office/drawing/2010/main" w="9525">
+                  <a14:hiddenLine xmlns:a14="http://schemas.microsoft.com/office/drawing/2010/main" xmlns:p14="http://schemas.microsoft.com/office/powerpoint/2010/main" xmlns:a16="http://schemas.microsoft.com/office/drawing/2014/main" xmlns="" w="9525">
                     <a:solidFill>
                       <a:srgbClr val="000000"/>
                     </a:solidFill>
@@ -39698,7 +39703,7 @@
               </a:ln>
               <a:extLst>
                 <a:ext uri="{91240B29-F687-4f45-9708-019B960494DF}">
-                  <a14:hiddenLine xmlns="" xmlns:a16="http://schemas.microsoft.com/office/drawing/2014/main" xmlns:p14="http://schemas.microsoft.com/office/powerpoint/2010/main" xmlns:a14="http://schemas.microsoft.com/office/drawing/2010/main" w="9525">
+                  <a14:hiddenLine xmlns:a14="http://schemas.microsoft.com/office/drawing/2010/main" xmlns:p14="http://schemas.microsoft.com/office/powerpoint/2010/main" xmlns:a16="http://schemas.microsoft.com/office/drawing/2014/main" xmlns="" w="9525">
                     <a:solidFill>
                       <a:srgbClr val="000000"/>
                     </a:solidFill>
@@ -39788,7 +39793,7 @@
               </a:ln>
               <a:extLst>
                 <a:ext uri="{91240B29-F687-4f45-9708-019B960494DF}">
-                  <a14:hiddenLine xmlns="" xmlns:a16="http://schemas.microsoft.com/office/drawing/2014/main" xmlns:p14="http://schemas.microsoft.com/office/powerpoint/2010/main" xmlns:a14="http://schemas.microsoft.com/office/drawing/2010/main" w="9525">
+                  <a14:hiddenLine xmlns:a14="http://schemas.microsoft.com/office/drawing/2010/main" xmlns:p14="http://schemas.microsoft.com/office/powerpoint/2010/main" xmlns:a16="http://schemas.microsoft.com/office/drawing/2014/main" xmlns="" w="9525">
                     <a:solidFill>
                       <a:srgbClr val="000000"/>
                     </a:solidFill>
@@ -39900,7 +39905,7 @@
               </a:ln>
               <a:extLst>
                 <a:ext uri="{91240B29-F687-4f45-9708-019B960494DF}">
-                  <a14:hiddenLine xmlns="" xmlns:a16="http://schemas.microsoft.com/office/drawing/2014/main" xmlns:p14="http://schemas.microsoft.com/office/powerpoint/2010/main" xmlns:a14="http://schemas.microsoft.com/office/drawing/2010/main" w="9525">
+                  <a14:hiddenLine xmlns:a14="http://schemas.microsoft.com/office/drawing/2010/main" xmlns:p14="http://schemas.microsoft.com/office/powerpoint/2010/main" xmlns:a16="http://schemas.microsoft.com/office/drawing/2014/main" xmlns="" w="9525">
                     <a:solidFill>
                       <a:srgbClr val="000000"/>
                     </a:solidFill>
@@ -39990,7 +39995,7 @@
               </a:ln>
               <a:extLst>
                 <a:ext uri="{91240B29-F687-4f45-9708-019B960494DF}">
-                  <a14:hiddenLine xmlns="" xmlns:a16="http://schemas.microsoft.com/office/drawing/2014/main" xmlns:p14="http://schemas.microsoft.com/office/powerpoint/2010/main" xmlns:a14="http://schemas.microsoft.com/office/drawing/2010/main" w="9525">
+                  <a14:hiddenLine xmlns:a14="http://schemas.microsoft.com/office/drawing/2010/main" xmlns:p14="http://schemas.microsoft.com/office/powerpoint/2010/main" xmlns:a16="http://schemas.microsoft.com/office/drawing/2014/main" xmlns="" w="9525">
                     <a:solidFill>
                       <a:srgbClr val="000000"/>
                     </a:solidFill>
@@ -40102,7 +40107,7 @@
               </a:ln>
               <a:extLst>
                 <a:ext uri="{91240B29-F687-4f45-9708-019B960494DF}">
-                  <a14:hiddenLine xmlns="" xmlns:a16="http://schemas.microsoft.com/office/drawing/2014/main" xmlns:p14="http://schemas.microsoft.com/office/powerpoint/2010/main" xmlns:a14="http://schemas.microsoft.com/office/drawing/2010/main" w="9525">
+                  <a14:hiddenLine xmlns:a14="http://schemas.microsoft.com/office/drawing/2010/main" xmlns:p14="http://schemas.microsoft.com/office/powerpoint/2010/main" xmlns:a16="http://schemas.microsoft.com/office/drawing/2014/main" xmlns="" w="9525">
                     <a:solidFill>
                       <a:srgbClr val="000000"/>
                     </a:solidFill>
@@ -40158,7 +40163,7 @@
               </a:ln>
               <a:extLst>
                 <a:ext uri="{91240B29-F687-4f45-9708-019B960494DF}">
-                  <a14:hiddenLine xmlns="" xmlns:a16="http://schemas.microsoft.com/office/drawing/2014/main" xmlns:p14="http://schemas.microsoft.com/office/powerpoint/2010/main" xmlns:a14="http://schemas.microsoft.com/office/drawing/2010/main" w="9525">
+                  <a14:hiddenLine xmlns:a14="http://schemas.microsoft.com/office/drawing/2010/main" xmlns:p14="http://schemas.microsoft.com/office/powerpoint/2010/main" xmlns:a16="http://schemas.microsoft.com/office/drawing/2014/main" xmlns="" w="9525">
                     <a:solidFill>
                       <a:srgbClr val="000000"/>
                     </a:solidFill>
@@ -40227,7 +40232,7 @@
           <a:noFill/>
           <a:extLst>
             <a:ext uri="{909E8E84-426E-40dd-AFC4-6F175D3DCCD1}">
-              <a14:hiddenFill xmlns="" xmlns:a16="http://schemas.microsoft.com/office/drawing/2014/main" xmlns:p14="http://schemas.microsoft.com/office/powerpoint/2010/main" xmlns:a14="http://schemas.microsoft.com/office/drawing/2010/main">
+              <a14:hiddenFill xmlns:a14="http://schemas.microsoft.com/office/drawing/2010/main" xmlns:p14="http://schemas.microsoft.com/office/powerpoint/2010/main" xmlns:a16="http://schemas.microsoft.com/office/drawing/2014/main" xmlns="">
                 <a:solidFill>
                   <a:srgbClr val="FFFFFF"/>
                 </a:solidFill>

--- a/doc/JAVA0123.pptx
+++ b/doc/JAVA0123.pptx
@@ -35642,7 +35642,7 @@
           </a:p>
           <a:p>
             <a:r>
-              <a:rPr lang="en-US" altLang="zh-TW"/>
+              <a:rPr lang="en-US" altLang="zh-TW" dirty="0" err="1"/>
               <a:t>GoBang</a:t>
             </a:r>
             <a:endParaRPr lang="zh-TW" altLang="en-US" dirty="0"/>
